--- a/Programming Foundations.pptx
+++ b/Programming Foundations.pptx
@@ -5,7 +5,7 @@
     <p:sldMasterId id="2147483648" r:id="rId1"/>
   </p:sldMasterIdLst>
   <p:notesMasterIdLst>
-    <p:notesMasterId r:id="rId47"/>
+    <p:notesMasterId r:id="rId52"/>
   </p:notesMasterIdLst>
   <p:sldIdLst>
     <p:sldId id="256" r:id="rId2"/>
@@ -52,7 +52,12 @@
     <p:sldId id="294" r:id="rId43"/>
     <p:sldId id="296" r:id="rId44"/>
     <p:sldId id="295" r:id="rId45"/>
-    <p:sldId id="301" r:id="rId46"/>
+    <p:sldId id="302" r:id="rId46"/>
+    <p:sldId id="301" r:id="rId47"/>
+    <p:sldId id="303" r:id="rId48"/>
+    <p:sldId id="304" r:id="rId49"/>
+    <p:sldId id="305" r:id="rId50"/>
+    <p:sldId id="306" r:id="rId51"/>
   </p:sldIdLst>
   <p:sldSz cx="12192000" cy="6858000"/>
   <p:notesSz cx="6858000" cy="9144000"/>
@@ -212,7 +217,12 @@
             <p14:sldId id="294"/>
             <p14:sldId id="296"/>
             <p14:sldId id="295"/>
+            <p14:sldId id="302"/>
             <p14:sldId id="301"/>
+            <p14:sldId id="303"/>
+            <p14:sldId id="304"/>
+            <p14:sldId id="305"/>
+            <p14:sldId id="306"/>
           </p14:sldIdLst>
         </p14:section>
       </p14:sectionLst>
@@ -14613,11 +14623,7 @@
           <a:p>
             <a:r>
               <a:rPr lang="en-US" sz="3600" dirty="0" smtClean="0"/>
-              <a:t>The remaining text on that line will be </a:t>
-            </a:r>
-            <a:r>
-              <a:rPr lang="en-US" sz="3600" dirty="0" smtClean="0"/>
-              <a:t>ignored</a:t>
+              <a:t>The remaining text on that line will be ignored</a:t>
             </a:r>
           </a:p>
           <a:p>
@@ -17132,15 +17138,7 @@
                   <a:srgbClr val="C4A174"/>
                 </a:solidFill>
               </a:rPr>
-              <a:t>Exercise </a:t>
-            </a:r>
-            <a:r>
-              <a:rPr lang="en-US" dirty="0" smtClean="0">
-                <a:solidFill>
-                  <a:srgbClr val="C4A174"/>
-                </a:solidFill>
-              </a:rPr>
-              <a:t>2: </a:t>
+              <a:t>Exercise 2: </a:t>
             </a:r>
             <a:r>
               <a:rPr lang="en-US" dirty="0" smtClean="0"/>
@@ -17291,17 +17289,7 @@
                 <a:latin typeface="Courier New" panose="02070309020205020404" pitchFamily="49" charset="0"/>
                 <a:cs typeface="Courier New" panose="02070309020205020404" pitchFamily="49" charset="0"/>
               </a:rPr>
-              <a:t>&gt; </a:t>
-            </a:r>
-            <a:r>
-              <a:rPr lang="en-US" dirty="0" smtClean="0">
-                <a:solidFill>
-                  <a:schemeClr val="bg1"/>
-                </a:solidFill>
-                <a:latin typeface="Courier New" panose="02070309020205020404" pitchFamily="49" charset="0"/>
-                <a:cs typeface="Courier New" panose="02070309020205020404" pitchFamily="49" charset="0"/>
-              </a:rPr>
-              <a:t>python</a:t>
+              <a:t>&gt; python</a:t>
             </a:r>
             <a:endParaRPr lang="en-US" dirty="0">
               <a:solidFill>
@@ -17448,17 +17436,7 @@
                 <a:latin typeface="Courier New" panose="02070309020205020404" pitchFamily="49" charset="0"/>
                 <a:cs typeface="Courier New" panose="02070309020205020404" pitchFamily="49" charset="0"/>
               </a:rPr>
-              <a:t>&gt; </a:t>
-            </a:r>
-            <a:r>
-              <a:rPr lang="en-US" dirty="0" smtClean="0">
-                <a:solidFill>
-                  <a:schemeClr val="bg1"/>
-                </a:solidFill>
-                <a:latin typeface="Courier New" panose="02070309020205020404" pitchFamily="49" charset="0"/>
-                <a:cs typeface="Courier New" panose="02070309020205020404" pitchFamily="49" charset="0"/>
-              </a:rPr>
-              <a:t>python</a:t>
+              <a:t>&gt; python</a:t>
             </a:r>
             <a:endParaRPr lang="en-US" dirty="0">
               <a:solidFill>
@@ -17672,17 +17650,7 @@
                 <a:latin typeface="Courier New" panose="02070309020205020404" pitchFamily="49" charset="0"/>
                 <a:cs typeface="Courier New" panose="02070309020205020404" pitchFamily="49" charset="0"/>
               </a:rPr>
-              <a:t>&gt; </a:t>
-            </a:r>
-            <a:r>
-              <a:rPr lang="en-US" dirty="0" smtClean="0">
-                <a:solidFill>
-                  <a:schemeClr val="bg1"/>
-                </a:solidFill>
-                <a:latin typeface="Courier New" panose="02070309020205020404" pitchFamily="49" charset="0"/>
-                <a:cs typeface="Courier New" panose="02070309020205020404" pitchFamily="49" charset="0"/>
-              </a:rPr>
-              <a:t>python</a:t>
+              <a:t>&gt; python</a:t>
             </a:r>
             <a:endParaRPr lang="en-US" dirty="0">
               <a:solidFill>
@@ -20187,6 +20155,71 @@
       </p:grpSpPr>
       <p:sp>
         <p:nvSpPr>
+          <p:cNvPr id="2" name="Title 1"/>
+          <p:cNvSpPr>
+            <a:spLocks noGrp="1"/>
+          </p:cNvSpPr>
+          <p:nvPr>
+            <p:ph type="title"/>
+          </p:nvPr>
+        </p:nvSpPr>
+        <p:spPr/>
+        <p:txBody>
+          <a:bodyPr/>
+          <a:lstStyle/>
+          <a:p>
+            <a:r>
+              <a:rPr lang="en-US" dirty="0"/>
+              <a:t>Data Types and </a:t>
+            </a:r>
+            <a:r>
+              <a:rPr lang="en-US" dirty="0" smtClean="0"/>
+              <a:t>Variables</a:t>
+            </a:r>
+            <a:endParaRPr lang="en-US" dirty="0"/>
+          </a:p>
+        </p:txBody>
+      </p:sp>
+    </p:spTree>
+    <p:extLst>
+      <p:ext uri="{BB962C8B-B14F-4D97-AF65-F5344CB8AC3E}">
+        <p14:creationId xmlns:p14="http://schemas.microsoft.com/office/powerpoint/2010/main" val="827732725"/>
+      </p:ext>
+    </p:extLst>
+  </p:cSld>
+  <p:clrMapOvr>
+    <a:masterClrMapping/>
+  </p:clrMapOvr>
+</p:sld>
+</file>
+
+<file path=ppt/slides/slide46.xml><?xml version="1.0" encoding="utf-8"?>
+<p:sld xmlns:a="http://schemas.openxmlformats.org/drawingml/2006/main" xmlns:r="http://schemas.openxmlformats.org/officeDocument/2006/relationships" xmlns:p="http://schemas.openxmlformats.org/presentationml/2006/main">
+  <p:cSld>
+    <p:bg>
+      <p:bgPr>
+        <a:solidFill>
+          <a:schemeClr val="bg1"/>
+        </a:solidFill>
+        <a:effectLst/>
+      </p:bgPr>
+    </p:bg>
+    <p:spTree>
+      <p:nvGrpSpPr>
+        <p:cNvPr id="1" name=""/>
+        <p:cNvGrpSpPr/>
+        <p:nvPr/>
+      </p:nvGrpSpPr>
+      <p:grpSpPr>
+        <a:xfrm>
+          <a:off x="0" y="0"/>
+          <a:ext cx="0" cy="0"/>
+          <a:chOff x="0" y="0"/>
+          <a:chExt cx="0" cy="0"/>
+        </a:xfrm>
+      </p:grpSpPr>
+      <p:sp>
+        <p:nvSpPr>
           <p:cNvPr id="4" name="Content Placeholder 3"/>
           <p:cNvSpPr>
             <a:spLocks noGrp="1"/>
@@ -20200,7 +20233,35 @@
           <a:bodyPr/>
           <a:lstStyle/>
           <a:p>
-            <a:endParaRPr lang="en-US"/>
+            <a:r>
+              <a:rPr lang="en-US" dirty="0" smtClean="0"/>
+              <a:t>Numbers</a:t>
+            </a:r>
+          </a:p>
+          <a:p>
+            <a:r>
+              <a:rPr lang="en-US" dirty="0" smtClean="0"/>
+              <a:t>Strings</a:t>
+            </a:r>
+          </a:p>
+          <a:p>
+            <a:r>
+              <a:rPr lang="en-US" dirty="0" smtClean="0"/>
+              <a:t>Booleans</a:t>
+            </a:r>
+          </a:p>
+          <a:p>
+            <a:r>
+              <a:rPr lang="en-US" dirty="0" smtClean="0"/>
+              <a:t>Lists and Tuples</a:t>
+            </a:r>
+          </a:p>
+          <a:p>
+            <a:r>
+              <a:rPr lang="en-US" dirty="0" smtClean="0"/>
+              <a:t>Dictionaries</a:t>
+            </a:r>
+            <a:endParaRPr lang="en-US" dirty="0"/>
           </a:p>
         </p:txBody>
       </p:sp>
@@ -20219,7 +20280,11 @@
           <a:bodyPr/>
           <a:lstStyle/>
           <a:p>
-            <a:endParaRPr lang="en-US"/>
+            <a:r>
+              <a:rPr lang="en-US" dirty="0" smtClean="0"/>
+              <a:t>Data Types</a:t>
+            </a:r>
+            <a:endParaRPr lang="en-US" dirty="0"/>
           </a:p>
         </p:txBody>
       </p:sp>
@@ -20227,6 +20292,379 @@
     <p:extLst>
       <p:ext uri="{BB962C8B-B14F-4D97-AF65-F5344CB8AC3E}">
         <p14:creationId xmlns:p14="http://schemas.microsoft.com/office/powerpoint/2010/main" val="1092101472"/>
+      </p:ext>
+    </p:extLst>
+  </p:cSld>
+  <p:clrMapOvr>
+    <a:masterClrMapping/>
+  </p:clrMapOvr>
+  <p:timing>
+    <p:tnLst>
+      <p:par>
+        <p:cTn id="1" dur="indefinite" restart="never" nodeType="tmRoot"/>
+      </p:par>
+    </p:tnLst>
+  </p:timing>
+</p:sld>
+</file>
+
+<file path=ppt/slides/slide47.xml><?xml version="1.0" encoding="utf-8"?>
+<p:sld xmlns:a="http://schemas.openxmlformats.org/drawingml/2006/main" xmlns:r="http://schemas.openxmlformats.org/officeDocument/2006/relationships" xmlns:p="http://schemas.openxmlformats.org/presentationml/2006/main">
+  <p:cSld>
+    <p:bg>
+      <p:bgPr>
+        <a:solidFill>
+          <a:schemeClr val="bg1"/>
+        </a:solidFill>
+        <a:effectLst/>
+      </p:bgPr>
+    </p:bg>
+    <p:spTree>
+      <p:nvGrpSpPr>
+        <p:cNvPr id="1" name=""/>
+        <p:cNvGrpSpPr/>
+        <p:nvPr/>
+      </p:nvGrpSpPr>
+      <p:grpSpPr>
+        <a:xfrm>
+          <a:off x="0" y="0"/>
+          <a:ext cx="0" cy="0"/>
+          <a:chOff x="0" y="0"/>
+          <a:chExt cx="0" cy="0"/>
+        </a:xfrm>
+      </p:grpSpPr>
+      <p:sp>
+        <p:nvSpPr>
+          <p:cNvPr id="4" name="Content Placeholder 3"/>
+          <p:cNvSpPr>
+            <a:spLocks noGrp="1"/>
+          </p:cNvSpPr>
+          <p:nvPr>
+            <p:ph idx="1"/>
+          </p:nvPr>
+        </p:nvSpPr>
+        <p:spPr/>
+        <p:txBody>
+          <a:bodyPr/>
+          <a:lstStyle/>
+          <a:p>
+            <a:r>
+              <a:rPr lang="en-US" dirty="0" smtClean="0"/>
+              <a:t>Integer - </a:t>
+            </a:r>
+            <a:r>
+              <a:rPr lang="en-US" dirty="0" err="1" smtClean="0"/>
+              <a:t>int</a:t>
+            </a:r>
+            <a:r>
+              <a:rPr lang="en-US" dirty="0" smtClean="0"/>
+              <a:t>()</a:t>
+            </a:r>
+          </a:p>
+          <a:p>
+            <a:r>
+              <a:rPr lang="en-US" dirty="0" smtClean="0"/>
+              <a:t>Longs – long()</a:t>
+            </a:r>
+          </a:p>
+          <a:p>
+            <a:r>
+              <a:rPr lang="en-US" dirty="0" smtClean="0"/>
+              <a:t>Floats – float()</a:t>
+            </a:r>
+          </a:p>
+          <a:p>
+            <a:r>
+              <a:rPr lang="en-US" dirty="0" smtClean="0"/>
+              <a:t>Complex – complex()</a:t>
+            </a:r>
+            <a:endParaRPr lang="en-US" dirty="0"/>
+          </a:p>
+        </p:txBody>
+      </p:sp>
+      <p:sp>
+        <p:nvSpPr>
+          <p:cNvPr id="3" name="Title 2"/>
+          <p:cNvSpPr>
+            <a:spLocks noGrp="1"/>
+          </p:cNvSpPr>
+          <p:nvPr>
+            <p:ph type="title"/>
+          </p:nvPr>
+        </p:nvSpPr>
+        <p:spPr/>
+        <p:txBody>
+          <a:bodyPr/>
+          <a:lstStyle/>
+          <a:p>
+            <a:r>
+              <a:rPr lang="en-US" dirty="0" smtClean="0"/>
+              <a:t>Numbers</a:t>
+            </a:r>
+            <a:endParaRPr lang="en-US" dirty="0"/>
+          </a:p>
+        </p:txBody>
+      </p:sp>
+    </p:spTree>
+    <p:extLst>
+      <p:ext uri="{BB962C8B-B14F-4D97-AF65-F5344CB8AC3E}">
+        <p14:creationId xmlns:p14="http://schemas.microsoft.com/office/powerpoint/2010/main" val="3457724775"/>
+      </p:ext>
+    </p:extLst>
+  </p:cSld>
+  <p:clrMapOvr>
+    <a:masterClrMapping/>
+  </p:clrMapOvr>
+  <p:timing>
+    <p:tnLst>
+      <p:par>
+        <p:cTn id="1" dur="indefinite" restart="never" nodeType="tmRoot"/>
+      </p:par>
+    </p:tnLst>
+  </p:timing>
+</p:sld>
+</file>
+
+<file path=ppt/slides/slide48.xml><?xml version="1.0" encoding="utf-8"?>
+<p:sld xmlns:a="http://schemas.openxmlformats.org/drawingml/2006/main" xmlns:r="http://schemas.openxmlformats.org/officeDocument/2006/relationships" xmlns:p="http://schemas.openxmlformats.org/presentationml/2006/main">
+  <p:cSld>
+    <p:bg>
+      <p:bgPr>
+        <a:solidFill>
+          <a:schemeClr val="bg1"/>
+        </a:solidFill>
+        <a:effectLst/>
+      </p:bgPr>
+    </p:bg>
+    <p:spTree>
+      <p:nvGrpSpPr>
+        <p:cNvPr id="1" name=""/>
+        <p:cNvGrpSpPr/>
+        <p:nvPr/>
+      </p:nvGrpSpPr>
+      <p:grpSpPr>
+        <a:xfrm>
+          <a:off x="0" y="0"/>
+          <a:ext cx="0" cy="0"/>
+          <a:chOff x="0" y="0"/>
+          <a:chExt cx="0" cy="0"/>
+        </a:xfrm>
+      </p:grpSpPr>
+      <p:sp>
+        <p:nvSpPr>
+          <p:cNvPr id="4" name="Content Placeholder 3"/>
+          <p:cNvSpPr>
+            <a:spLocks noGrp="1"/>
+          </p:cNvSpPr>
+          <p:nvPr>
+            <p:ph idx="1"/>
+          </p:nvPr>
+        </p:nvSpPr>
+        <p:spPr/>
+        <p:txBody>
+          <a:bodyPr/>
+          <a:lstStyle/>
+          <a:p>
+            <a:r>
+              <a:rPr lang="en-US" dirty="0" smtClean="0"/>
+              <a:t>What is a string</a:t>
+            </a:r>
+          </a:p>
+          <a:p>
+            <a:r>
+              <a:rPr lang="en-US" dirty="0" smtClean="0"/>
+              <a:t>String manipulation</a:t>
+            </a:r>
+          </a:p>
+          <a:p>
+            <a:r>
+              <a:rPr lang="en-US" dirty="0" smtClean="0"/>
+              <a:t>String methods</a:t>
+            </a:r>
+            <a:endParaRPr lang="en-US" dirty="0"/>
+          </a:p>
+        </p:txBody>
+      </p:sp>
+      <p:sp>
+        <p:nvSpPr>
+          <p:cNvPr id="3" name="Title 2"/>
+          <p:cNvSpPr>
+            <a:spLocks noGrp="1"/>
+          </p:cNvSpPr>
+          <p:nvPr>
+            <p:ph type="title"/>
+          </p:nvPr>
+        </p:nvSpPr>
+        <p:spPr/>
+        <p:txBody>
+          <a:bodyPr/>
+          <a:lstStyle/>
+          <a:p>
+            <a:r>
+              <a:rPr lang="en-US" dirty="0" smtClean="0"/>
+              <a:t>Strings</a:t>
+            </a:r>
+            <a:endParaRPr lang="en-US" dirty="0"/>
+          </a:p>
+        </p:txBody>
+      </p:sp>
+    </p:spTree>
+    <p:extLst>
+      <p:ext uri="{BB962C8B-B14F-4D97-AF65-F5344CB8AC3E}">
+        <p14:creationId xmlns:p14="http://schemas.microsoft.com/office/powerpoint/2010/main" val="3730273466"/>
+      </p:ext>
+    </p:extLst>
+  </p:cSld>
+  <p:clrMapOvr>
+    <a:masterClrMapping/>
+  </p:clrMapOvr>
+  <p:timing>
+    <p:tnLst>
+      <p:par>
+        <p:cTn id="1" dur="indefinite" restart="never" nodeType="tmRoot"/>
+      </p:par>
+    </p:tnLst>
+  </p:timing>
+</p:sld>
+</file>
+
+<file path=ppt/slides/slide49.xml><?xml version="1.0" encoding="utf-8"?>
+<p:sld xmlns:a="http://schemas.openxmlformats.org/drawingml/2006/main" xmlns:r="http://schemas.openxmlformats.org/officeDocument/2006/relationships" xmlns:p="http://schemas.openxmlformats.org/presentationml/2006/main">
+  <p:cSld>
+    <p:bg>
+      <p:bgPr>
+        <a:solidFill>
+          <a:schemeClr val="bg1"/>
+        </a:solidFill>
+        <a:effectLst/>
+      </p:bgPr>
+    </p:bg>
+    <p:spTree>
+      <p:nvGrpSpPr>
+        <p:cNvPr id="1" name=""/>
+        <p:cNvGrpSpPr/>
+        <p:nvPr/>
+      </p:nvGrpSpPr>
+      <p:grpSpPr>
+        <a:xfrm>
+          <a:off x="0" y="0"/>
+          <a:ext cx="0" cy="0"/>
+          <a:chOff x="0" y="0"/>
+          <a:chExt cx="0" cy="0"/>
+        </a:xfrm>
+      </p:grpSpPr>
+      <p:sp>
+        <p:nvSpPr>
+          <p:cNvPr id="4" name="Content Placeholder 3"/>
+          <p:cNvSpPr>
+            <a:spLocks noGrp="1"/>
+          </p:cNvSpPr>
+          <p:nvPr>
+            <p:ph idx="1"/>
+          </p:nvPr>
+        </p:nvSpPr>
+        <p:spPr/>
+        <p:txBody>
+          <a:bodyPr>
+            <a:normAutofit/>
+          </a:bodyPr>
+          <a:lstStyle/>
+          <a:p>
+            <a:r>
+              <a:rPr lang="en-US" dirty="0" smtClean="0"/>
+              <a:t>True or False?</a:t>
+            </a:r>
+          </a:p>
+          <a:p>
+            <a:pPr lvl="1"/>
+            <a:r>
+              <a:rPr lang="en-US" dirty="0" smtClean="0"/>
+              <a:t>The following values are considered False in Python:</a:t>
+            </a:r>
+          </a:p>
+          <a:p>
+            <a:pPr lvl="2"/>
+            <a:r>
+              <a:rPr lang="en-US" sz="2000" dirty="0" smtClean="0"/>
+              <a:t>None</a:t>
+            </a:r>
+          </a:p>
+          <a:p>
+            <a:pPr lvl="2"/>
+            <a:r>
+              <a:rPr lang="en-US" sz="2000" dirty="0" smtClean="0"/>
+              <a:t>False</a:t>
+            </a:r>
+          </a:p>
+          <a:p>
+            <a:pPr lvl="2"/>
+            <a:r>
+              <a:rPr lang="en-US" sz="2000" dirty="0" smtClean="0"/>
+              <a:t>Zero of any numeric type, e.g. 0, 0L, 0.0, 0j</a:t>
+            </a:r>
+          </a:p>
+          <a:p>
+            <a:pPr lvl="2"/>
+            <a:r>
+              <a:rPr lang="en-US" sz="2000" dirty="0" smtClean="0"/>
+              <a:t>Any empty sequence, e.g. ‘’,(),[]</a:t>
+            </a:r>
+          </a:p>
+          <a:p>
+            <a:pPr lvl="2"/>
+            <a:r>
+              <a:rPr lang="en-US" sz="2000" dirty="0" smtClean="0"/>
+              <a:t>Any empty mapping, e.g. {}</a:t>
+            </a:r>
+          </a:p>
+          <a:p>
+            <a:pPr lvl="1"/>
+            <a:r>
+              <a:rPr lang="en-US" dirty="0" smtClean="0"/>
+              <a:t>All other values are considered True</a:t>
+            </a:r>
+            <a:endParaRPr lang="en-US" dirty="0" smtClean="0"/>
+          </a:p>
+          <a:p>
+            <a:r>
+              <a:rPr lang="en-US" smtClean="0"/>
+              <a:t>Useage </a:t>
+            </a:r>
+            <a:r>
+              <a:rPr lang="en-US" dirty="0" smtClean="0"/>
+              <a:t>in expressions</a:t>
+            </a:r>
+            <a:endParaRPr lang="en-US" dirty="0"/>
+          </a:p>
+        </p:txBody>
+      </p:sp>
+      <p:sp>
+        <p:nvSpPr>
+          <p:cNvPr id="3" name="Title 2"/>
+          <p:cNvSpPr>
+            <a:spLocks noGrp="1"/>
+          </p:cNvSpPr>
+          <p:nvPr>
+            <p:ph type="title"/>
+          </p:nvPr>
+        </p:nvSpPr>
+        <p:spPr/>
+        <p:txBody>
+          <a:bodyPr/>
+          <a:lstStyle/>
+          <a:p>
+            <a:r>
+              <a:rPr lang="en-US" dirty="0" smtClean="0"/>
+              <a:t>Booleans</a:t>
+            </a:r>
+            <a:endParaRPr lang="en-US" dirty="0"/>
+          </a:p>
+        </p:txBody>
+      </p:sp>
+    </p:spTree>
+    <p:extLst>
+      <p:ext uri="{BB962C8B-B14F-4D97-AF65-F5344CB8AC3E}">
+        <p14:creationId xmlns:p14="http://schemas.microsoft.com/office/powerpoint/2010/main" val="2663023457"/>
       </p:ext>
     </p:extLst>
   </p:cSld>
@@ -20344,6 +20782,89 @@
     <p:extLst>
       <p:ext uri="{BB962C8B-B14F-4D97-AF65-F5344CB8AC3E}">
         <p14:creationId xmlns:p14="http://schemas.microsoft.com/office/powerpoint/2010/main" val="2512813680"/>
+      </p:ext>
+    </p:extLst>
+  </p:cSld>
+  <p:clrMapOvr>
+    <a:masterClrMapping/>
+  </p:clrMapOvr>
+  <p:timing>
+    <p:tnLst>
+      <p:par>
+        <p:cTn id="1" dur="indefinite" restart="never" nodeType="tmRoot"/>
+      </p:par>
+    </p:tnLst>
+  </p:timing>
+</p:sld>
+</file>
+
+<file path=ppt/slides/slide50.xml><?xml version="1.0" encoding="utf-8"?>
+<p:sld xmlns:a="http://schemas.openxmlformats.org/drawingml/2006/main" xmlns:r="http://schemas.openxmlformats.org/officeDocument/2006/relationships" xmlns:p="http://schemas.openxmlformats.org/presentationml/2006/main">
+  <p:cSld>
+    <p:bg>
+      <p:bgPr>
+        <a:solidFill>
+          <a:schemeClr val="bg1"/>
+        </a:solidFill>
+        <a:effectLst/>
+      </p:bgPr>
+    </p:bg>
+    <p:spTree>
+      <p:nvGrpSpPr>
+        <p:cNvPr id="1" name=""/>
+        <p:cNvGrpSpPr/>
+        <p:nvPr/>
+      </p:nvGrpSpPr>
+      <p:grpSpPr>
+        <a:xfrm>
+          <a:off x="0" y="0"/>
+          <a:ext cx="0" cy="0"/>
+          <a:chOff x="0" y="0"/>
+          <a:chExt cx="0" cy="0"/>
+        </a:xfrm>
+      </p:grpSpPr>
+      <p:sp>
+        <p:nvSpPr>
+          <p:cNvPr id="4" name="Content Placeholder 3"/>
+          <p:cNvSpPr>
+            <a:spLocks noGrp="1"/>
+          </p:cNvSpPr>
+          <p:nvPr>
+            <p:ph idx="1"/>
+          </p:nvPr>
+        </p:nvSpPr>
+        <p:spPr/>
+        <p:txBody>
+          <a:bodyPr/>
+          <a:lstStyle/>
+          <a:p>
+            <a:endParaRPr lang="en-US" dirty="0"/>
+          </a:p>
+        </p:txBody>
+      </p:sp>
+      <p:sp>
+        <p:nvSpPr>
+          <p:cNvPr id="3" name="Title 2"/>
+          <p:cNvSpPr>
+            <a:spLocks noGrp="1"/>
+          </p:cNvSpPr>
+          <p:nvPr>
+            <p:ph type="title"/>
+          </p:nvPr>
+        </p:nvSpPr>
+        <p:spPr/>
+        <p:txBody>
+          <a:bodyPr/>
+          <a:lstStyle/>
+          <a:p>
+            <a:endParaRPr lang="en-US"/>
+          </a:p>
+        </p:txBody>
+      </p:sp>
+    </p:spTree>
+    <p:extLst>
+      <p:ext uri="{BB962C8B-B14F-4D97-AF65-F5344CB8AC3E}">
+        <p14:creationId xmlns:p14="http://schemas.microsoft.com/office/powerpoint/2010/main" val="3718321057"/>
       </p:ext>
     </p:extLst>
   </p:cSld>
@@ -20420,11 +20941,7 @@
           <a:p>
             <a:r>
               <a:rPr lang="en-US" sz="4000" dirty="0" smtClean="0"/>
-              <a:t>Ask </a:t>
-            </a:r>
-            <a:r>
-              <a:rPr lang="en-US" sz="4000" dirty="0" smtClean="0"/>
-              <a:t>questions</a:t>
+              <a:t>Ask questions</a:t>
             </a:r>
           </a:p>
           <a:p>

--- a/Programming Foundations.pptx
+++ b/Programming Foundations.pptx
@@ -5,7 +5,7 @@
     <p:sldMasterId id="2147483648" r:id="rId1"/>
   </p:sldMasterIdLst>
   <p:notesMasterIdLst>
-    <p:notesMasterId r:id="rId52"/>
+    <p:notesMasterId r:id="rId59"/>
   </p:notesMasterIdLst>
   <p:sldIdLst>
     <p:sldId id="256" r:id="rId2"/>
@@ -58,6 +58,13 @@
     <p:sldId id="304" r:id="rId49"/>
     <p:sldId id="305" r:id="rId50"/>
     <p:sldId id="306" r:id="rId51"/>
+    <p:sldId id="307" r:id="rId52"/>
+    <p:sldId id="308" r:id="rId53"/>
+    <p:sldId id="310" r:id="rId54"/>
+    <p:sldId id="309" r:id="rId55"/>
+    <p:sldId id="311" r:id="rId56"/>
+    <p:sldId id="312" r:id="rId57"/>
+    <p:sldId id="313" r:id="rId58"/>
   </p:sldIdLst>
   <p:sldSz cx="12192000" cy="6858000"/>
   <p:notesSz cx="6858000" cy="9144000"/>
@@ -223,6 +230,13 @@
             <p14:sldId id="304"/>
             <p14:sldId id="305"/>
             <p14:sldId id="306"/>
+            <p14:sldId id="307"/>
+            <p14:sldId id="308"/>
+            <p14:sldId id="310"/>
+            <p14:sldId id="309"/>
+            <p14:sldId id="311"/>
+            <p14:sldId id="312"/>
+            <p14:sldId id="313"/>
           </p14:sldIdLst>
         </p14:section>
       </p14:sectionLst>
@@ -20625,17 +20639,6 @@
             </a:r>
             <a:endParaRPr lang="en-US" dirty="0" smtClean="0"/>
           </a:p>
-          <a:p>
-            <a:r>
-              <a:rPr lang="en-US" smtClean="0"/>
-              <a:t>Useage </a:t>
-            </a:r>
-            <a:r>
-              <a:rPr lang="en-US" dirty="0" smtClean="0"/>
-              <a:t>in expressions</a:t>
-            </a:r>
-            <a:endParaRPr lang="en-US" dirty="0"/>
-          </a:p>
         </p:txBody>
       </p:sp>
       <p:sp>
@@ -20838,6 +20841,96 @@
           <a:bodyPr/>
           <a:lstStyle/>
           <a:p>
+            <a:r>
+              <a:rPr lang="en-US" dirty="0" smtClean="0"/>
+              <a:t>In expressions</a:t>
+            </a:r>
+          </a:p>
+          <a:p>
+            <a:pPr lvl="1"/>
+            <a:r>
+              <a:rPr lang="en-US" dirty="0" smtClean="0"/>
+              <a:t>Assignments: </a:t>
+            </a:r>
+            <a:r>
+              <a:rPr lang="en-US" dirty="0" err="1" smtClean="0"/>
+              <a:t>booleanVar</a:t>
+            </a:r>
+            <a:r>
+              <a:rPr lang="en-US" dirty="0" smtClean="0"/>
+              <a:t> = True</a:t>
+            </a:r>
+          </a:p>
+          <a:p>
+            <a:pPr lvl="1"/>
+            <a:r>
+              <a:rPr lang="en-US" dirty="0" smtClean="0"/>
+              <a:t>Comparisons</a:t>
+            </a:r>
+          </a:p>
+          <a:p>
+            <a:pPr lvl="2"/>
+            <a:r>
+              <a:rPr lang="en-US" dirty="0" err="1" smtClean="0"/>
+              <a:t>booleanVar</a:t>
+            </a:r>
+            <a:r>
+              <a:rPr lang="en-US" dirty="0" smtClean="0"/>
+              <a:t> == True</a:t>
+            </a:r>
+          </a:p>
+          <a:p>
+            <a:pPr lvl="2"/>
+            <a:r>
+              <a:rPr lang="en-US" dirty="0" err="1"/>
+              <a:t>booleanVar</a:t>
+            </a:r>
+            <a:r>
+              <a:rPr lang="en-US" dirty="0"/>
+              <a:t> != True</a:t>
+            </a:r>
+          </a:p>
+          <a:p>
+            <a:pPr lvl="2"/>
+            <a:r>
+              <a:rPr lang="en-US" dirty="0" err="1" smtClean="0"/>
+              <a:t>booleanVar</a:t>
+            </a:r>
+            <a:r>
+              <a:rPr lang="en-US" dirty="0" smtClean="0"/>
+              <a:t> is True</a:t>
+            </a:r>
+          </a:p>
+          <a:p>
+            <a:pPr lvl="2"/>
+            <a:r>
+              <a:rPr lang="en-US" dirty="0" err="1" smtClean="0"/>
+              <a:t>booleanVar</a:t>
+            </a:r>
+            <a:r>
+              <a:rPr lang="en-US" dirty="0" smtClean="0"/>
+              <a:t> is not True</a:t>
+            </a:r>
+            <a:endParaRPr lang="en-US" dirty="0" smtClean="0"/>
+          </a:p>
+          <a:p>
+            <a:pPr lvl="2"/>
+            <a:r>
+              <a:rPr lang="en-US" dirty="0" err="1" smtClean="0"/>
+              <a:t>booleanVar</a:t>
+            </a:r>
+            <a:endParaRPr lang="en-US" dirty="0" smtClean="0"/>
+          </a:p>
+          <a:p>
+            <a:pPr lvl="2"/>
+            <a:r>
+              <a:rPr lang="en-US" dirty="0" smtClean="0"/>
+              <a:t>not </a:t>
+            </a:r>
+            <a:r>
+              <a:rPr lang="en-US" dirty="0" err="1" smtClean="0"/>
+              <a:t>booleanVar</a:t>
+            </a:r>
             <a:endParaRPr lang="en-US" dirty="0"/>
           </a:p>
         </p:txBody>
@@ -20857,7 +20950,11 @@
           <a:bodyPr/>
           <a:lstStyle/>
           <a:p>
-            <a:endParaRPr lang="en-US"/>
+            <a:r>
+              <a:rPr lang="en-US" dirty="0" smtClean="0"/>
+              <a:t>Booleans</a:t>
+            </a:r>
+            <a:endParaRPr lang="en-US" dirty="0"/>
           </a:p>
         </p:txBody>
       </p:sp>
@@ -20865,6 +20962,997 @@
     <p:extLst>
       <p:ext uri="{BB962C8B-B14F-4D97-AF65-F5344CB8AC3E}">
         <p14:creationId xmlns:p14="http://schemas.microsoft.com/office/powerpoint/2010/main" val="3718321057"/>
+      </p:ext>
+    </p:extLst>
+  </p:cSld>
+  <p:clrMapOvr>
+    <a:masterClrMapping/>
+  </p:clrMapOvr>
+  <p:timing>
+    <p:tnLst>
+      <p:par>
+        <p:cTn id="1" dur="indefinite" restart="never" nodeType="tmRoot"/>
+      </p:par>
+    </p:tnLst>
+  </p:timing>
+</p:sld>
+</file>
+
+<file path=ppt/slides/slide51.xml><?xml version="1.0" encoding="utf-8"?>
+<p:sld xmlns:a="http://schemas.openxmlformats.org/drawingml/2006/main" xmlns:r="http://schemas.openxmlformats.org/officeDocument/2006/relationships" xmlns:p="http://schemas.openxmlformats.org/presentationml/2006/main">
+  <p:cSld>
+    <p:bg>
+      <p:bgPr>
+        <a:solidFill>
+          <a:schemeClr val="bg1"/>
+        </a:solidFill>
+        <a:effectLst/>
+      </p:bgPr>
+    </p:bg>
+    <p:spTree>
+      <p:nvGrpSpPr>
+        <p:cNvPr id="1" name=""/>
+        <p:cNvGrpSpPr/>
+        <p:nvPr/>
+      </p:nvGrpSpPr>
+      <p:grpSpPr>
+        <a:xfrm>
+          <a:off x="0" y="0"/>
+          <a:ext cx="0" cy="0"/>
+          <a:chOff x="0" y="0"/>
+          <a:chExt cx="0" cy="0"/>
+        </a:xfrm>
+      </p:grpSpPr>
+      <p:sp>
+        <p:nvSpPr>
+          <p:cNvPr id="4" name="Content Placeholder 3"/>
+          <p:cNvSpPr>
+            <a:spLocks noGrp="1"/>
+          </p:cNvSpPr>
+          <p:nvPr>
+            <p:ph idx="1"/>
+          </p:nvPr>
+        </p:nvSpPr>
+        <p:spPr/>
+        <p:txBody>
+          <a:bodyPr/>
+          <a:lstStyle/>
+          <a:p>
+            <a:r>
+              <a:rPr lang="en-US" dirty="0" smtClean="0"/>
+              <a:t>List</a:t>
+            </a:r>
+          </a:p>
+          <a:p>
+            <a:pPr lvl="1"/>
+            <a:r>
+              <a:rPr lang="en-US" sz="2400" dirty="0" smtClean="0"/>
+              <a:t>Comma separated values between square brackets</a:t>
+            </a:r>
+          </a:p>
+          <a:p>
+            <a:pPr lvl="1"/>
+            <a:r>
+              <a:rPr lang="en-US" sz="2400" dirty="0" smtClean="0"/>
+              <a:t>Each element has an index</a:t>
+            </a:r>
+          </a:p>
+          <a:p>
+            <a:pPr lvl="1"/>
+            <a:r>
+              <a:rPr lang="en-US" sz="2400" dirty="0" smtClean="0"/>
+              <a:t>Elements can be of mixed data types</a:t>
+            </a:r>
+          </a:p>
+          <a:p>
+            <a:pPr lvl="1"/>
+            <a:r>
+              <a:rPr lang="en-US" sz="2400" dirty="0" smtClean="0"/>
+              <a:t>Indices are zero-based</a:t>
+            </a:r>
+          </a:p>
+          <a:p>
+            <a:pPr lvl="1"/>
+            <a:r>
+              <a:rPr lang="en-US" sz="2400" dirty="0" smtClean="0"/>
+              <a:t>Built-in functions include indexing, adding, slicing, checking for membership, and sequence length </a:t>
+            </a:r>
+          </a:p>
+        </p:txBody>
+      </p:sp>
+      <p:sp>
+        <p:nvSpPr>
+          <p:cNvPr id="3" name="Title 2"/>
+          <p:cNvSpPr>
+            <a:spLocks noGrp="1"/>
+          </p:cNvSpPr>
+          <p:nvPr>
+            <p:ph type="title"/>
+          </p:nvPr>
+        </p:nvSpPr>
+        <p:spPr/>
+        <p:txBody>
+          <a:bodyPr/>
+          <a:lstStyle/>
+          <a:p>
+            <a:r>
+              <a:rPr lang="en-US" dirty="0" smtClean="0"/>
+              <a:t>Lists and Tuples</a:t>
+            </a:r>
+            <a:endParaRPr lang="en-US" dirty="0"/>
+          </a:p>
+        </p:txBody>
+      </p:sp>
+    </p:spTree>
+    <p:extLst>
+      <p:ext uri="{BB962C8B-B14F-4D97-AF65-F5344CB8AC3E}">
+        <p14:creationId xmlns:p14="http://schemas.microsoft.com/office/powerpoint/2010/main" val="1010290534"/>
+      </p:ext>
+    </p:extLst>
+  </p:cSld>
+  <p:clrMapOvr>
+    <a:masterClrMapping/>
+  </p:clrMapOvr>
+  <p:timing>
+    <p:tnLst>
+      <p:par>
+        <p:cTn id="1" dur="indefinite" restart="never" nodeType="tmRoot"/>
+      </p:par>
+    </p:tnLst>
+  </p:timing>
+</p:sld>
+</file>
+
+<file path=ppt/slides/slide52.xml><?xml version="1.0" encoding="utf-8"?>
+<p:sld xmlns:a="http://schemas.openxmlformats.org/drawingml/2006/main" xmlns:r="http://schemas.openxmlformats.org/officeDocument/2006/relationships" xmlns:p="http://schemas.openxmlformats.org/presentationml/2006/main">
+  <p:cSld>
+    <p:bg>
+      <p:bgPr>
+        <a:solidFill>
+          <a:schemeClr val="bg1"/>
+        </a:solidFill>
+        <a:effectLst/>
+      </p:bgPr>
+    </p:bg>
+    <p:spTree>
+      <p:nvGrpSpPr>
+        <p:cNvPr id="1" name=""/>
+        <p:cNvGrpSpPr/>
+        <p:nvPr/>
+      </p:nvGrpSpPr>
+      <p:grpSpPr>
+        <a:xfrm>
+          <a:off x="0" y="0"/>
+          <a:ext cx="0" cy="0"/>
+          <a:chOff x="0" y="0"/>
+          <a:chExt cx="0" cy="0"/>
+        </a:xfrm>
+      </p:grpSpPr>
+      <p:sp>
+        <p:nvSpPr>
+          <p:cNvPr id="4" name="Content Placeholder 3"/>
+          <p:cNvSpPr>
+            <a:spLocks noGrp="1"/>
+          </p:cNvSpPr>
+          <p:nvPr>
+            <p:ph idx="1"/>
+          </p:nvPr>
+        </p:nvSpPr>
+        <p:spPr/>
+        <p:txBody>
+          <a:bodyPr/>
+          <a:lstStyle/>
+          <a:p>
+            <a:r>
+              <a:rPr lang="en-US" dirty="0" smtClean="0"/>
+              <a:t>List examples</a:t>
+            </a:r>
+          </a:p>
+          <a:p>
+            <a:pPr lvl="1"/>
+            <a:r>
+              <a:rPr lang="en-US" dirty="0" err="1" smtClean="0"/>
+              <a:t>aList</a:t>
+            </a:r>
+            <a:r>
+              <a:rPr lang="en-US" dirty="0" smtClean="0"/>
+              <a:t> = [ 1, 2, 3, 5, 8, 13, 21 ]</a:t>
+            </a:r>
+          </a:p>
+          <a:p>
+            <a:pPr lvl="1"/>
+            <a:r>
+              <a:rPr lang="en-US" dirty="0" err="1" smtClean="0"/>
+              <a:t>bList</a:t>
+            </a:r>
+            <a:r>
+              <a:rPr lang="en-US" dirty="0" smtClean="0"/>
+              <a:t> = [ ‘Homer’, ‘Marge’, ‘Bart’, ‘Lisa’, ‘Maggie’ ]</a:t>
+            </a:r>
+          </a:p>
+          <a:p>
+            <a:pPr lvl="1"/>
+            <a:r>
+              <a:rPr lang="en-US" dirty="0" err="1" smtClean="0"/>
+              <a:t>cList</a:t>
+            </a:r>
+            <a:r>
+              <a:rPr lang="en-US" dirty="0" smtClean="0"/>
+              <a:t> = [ ‘Ford’, True, ‘</a:t>
+            </a:r>
+            <a:r>
+              <a:rPr lang="en-US" dirty="0" err="1" smtClean="0"/>
+              <a:t>Zaphod</a:t>
+            </a:r>
+            <a:r>
+              <a:rPr lang="en-US" dirty="0" smtClean="0"/>
+              <a:t>’, 42]</a:t>
+            </a:r>
+          </a:p>
+          <a:p>
+            <a:r>
+              <a:rPr lang="en-US" dirty="0" smtClean="0"/>
+              <a:t>Accessing</a:t>
+            </a:r>
+          </a:p>
+          <a:p>
+            <a:pPr lvl="1"/>
+            <a:r>
+              <a:rPr lang="en-US" dirty="0" err="1" smtClean="0"/>
+              <a:t>aList</a:t>
+            </a:r>
+            <a:r>
+              <a:rPr lang="en-US" dirty="0" smtClean="0"/>
+              <a:t>[5]</a:t>
+            </a:r>
+          </a:p>
+          <a:p>
+            <a:pPr lvl="1"/>
+            <a:r>
+              <a:rPr lang="en-US" dirty="0" err="1" smtClean="0"/>
+              <a:t>bList</a:t>
+            </a:r>
+            <a:r>
+              <a:rPr lang="en-US" dirty="0" smtClean="0"/>
+              <a:t>[1:3]</a:t>
+            </a:r>
+          </a:p>
+        </p:txBody>
+      </p:sp>
+      <p:sp>
+        <p:nvSpPr>
+          <p:cNvPr id="3" name="Title 2"/>
+          <p:cNvSpPr>
+            <a:spLocks noGrp="1"/>
+          </p:cNvSpPr>
+          <p:nvPr>
+            <p:ph type="title"/>
+          </p:nvPr>
+        </p:nvSpPr>
+        <p:spPr/>
+        <p:txBody>
+          <a:bodyPr/>
+          <a:lstStyle/>
+          <a:p>
+            <a:r>
+              <a:rPr lang="en-US" dirty="0" smtClean="0"/>
+              <a:t>Lists</a:t>
+            </a:r>
+            <a:endParaRPr lang="en-US" dirty="0"/>
+          </a:p>
+        </p:txBody>
+      </p:sp>
+    </p:spTree>
+    <p:extLst>
+      <p:ext uri="{BB962C8B-B14F-4D97-AF65-F5344CB8AC3E}">
+        <p14:creationId xmlns:p14="http://schemas.microsoft.com/office/powerpoint/2010/main" val="431724570"/>
+      </p:ext>
+    </p:extLst>
+  </p:cSld>
+  <p:clrMapOvr>
+    <a:masterClrMapping/>
+  </p:clrMapOvr>
+  <p:timing>
+    <p:tnLst>
+      <p:par>
+        <p:cTn id="1" dur="indefinite" restart="never" nodeType="tmRoot"/>
+      </p:par>
+    </p:tnLst>
+  </p:timing>
+</p:sld>
+</file>
+
+<file path=ppt/slides/slide53.xml><?xml version="1.0" encoding="utf-8"?>
+<p:sld xmlns:a="http://schemas.openxmlformats.org/drawingml/2006/main" xmlns:r="http://schemas.openxmlformats.org/officeDocument/2006/relationships" xmlns:p="http://schemas.openxmlformats.org/presentationml/2006/main">
+  <p:cSld>
+    <p:bg>
+      <p:bgPr>
+        <a:solidFill>
+          <a:schemeClr val="bg1"/>
+        </a:solidFill>
+        <a:effectLst/>
+      </p:bgPr>
+    </p:bg>
+    <p:spTree>
+      <p:nvGrpSpPr>
+        <p:cNvPr id="1" name=""/>
+        <p:cNvGrpSpPr/>
+        <p:nvPr/>
+      </p:nvGrpSpPr>
+      <p:grpSpPr>
+        <a:xfrm>
+          <a:off x="0" y="0"/>
+          <a:ext cx="0" cy="0"/>
+          <a:chOff x="0" y="0"/>
+          <a:chExt cx="0" cy="0"/>
+        </a:xfrm>
+      </p:grpSpPr>
+      <p:sp>
+        <p:nvSpPr>
+          <p:cNvPr id="4" name="Content Placeholder 3"/>
+          <p:cNvSpPr>
+            <a:spLocks noGrp="1"/>
+          </p:cNvSpPr>
+          <p:nvPr>
+            <p:ph idx="1"/>
+          </p:nvPr>
+        </p:nvSpPr>
+        <p:spPr/>
+        <p:txBody>
+          <a:bodyPr/>
+          <a:lstStyle/>
+          <a:p>
+            <a:r>
+              <a:rPr lang="en-US" dirty="0" smtClean="0"/>
+              <a:t>Updating</a:t>
+            </a:r>
+          </a:p>
+          <a:p>
+            <a:pPr lvl="1"/>
+            <a:r>
+              <a:rPr lang="en-US" dirty="0" err="1" smtClean="0"/>
+              <a:t>aList</a:t>
+            </a:r>
+            <a:r>
+              <a:rPr lang="en-US" dirty="0" smtClean="0"/>
+              <a:t>[5] = 15</a:t>
+            </a:r>
+          </a:p>
+          <a:p>
+            <a:pPr lvl="1"/>
+            <a:r>
+              <a:rPr lang="en-US" dirty="0" err="1" smtClean="0"/>
+              <a:t>aList.append</a:t>
+            </a:r>
+            <a:r>
+              <a:rPr lang="en-US" dirty="0" smtClean="0"/>
+              <a:t>(15)</a:t>
+            </a:r>
+          </a:p>
+          <a:p>
+            <a:pPr lvl="1"/>
+            <a:r>
+              <a:rPr lang="en-US" dirty="0" err="1" smtClean="0"/>
+              <a:t>aList.extend</a:t>
+            </a:r>
+            <a:r>
+              <a:rPr lang="en-US" dirty="0" smtClean="0"/>
+              <a:t>(</a:t>
+            </a:r>
+            <a:r>
+              <a:rPr lang="en-US" dirty="0" err="1" smtClean="0"/>
+              <a:t>bList</a:t>
+            </a:r>
+            <a:r>
+              <a:rPr lang="en-US" dirty="0" smtClean="0"/>
+              <a:t>)</a:t>
+            </a:r>
+          </a:p>
+          <a:p>
+            <a:pPr lvl="1"/>
+            <a:r>
+              <a:rPr lang="en-US" dirty="0" err="1" smtClean="0"/>
+              <a:t>bList.remove</a:t>
+            </a:r>
+            <a:r>
+              <a:rPr lang="en-US" dirty="0" smtClean="0"/>
+              <a:t>(‘Bart’)</a:t>
+            </a:r>
+          </a:p>
+          <a:p>
+            <a:pPr lvl="1"/>
+            <a:r>
+              <a:rPr lang="en-US" dirty="0" err="1" smtClean="0"/>
+              <a:t>bList.pop</a:t>
+            </a:r>
+            <a:r>
+              <a:rPr lang="en-US" dirty="0" smtClean="0"/>
+              <a:t>(2)</a:t>
+            </a:r>
+          </a:p>
+          <a:p>
+            <a:pPr lvl="1"/>
+            <a:r>
+              <a:rPr lang="en-US" dirty="0" err="1" smtClean="0"/>
+              <a:t>bList.index</a:t>
+            </a:r>
+            <a:r>
+              <a:rPr lang="en-US" dirty="0" smtClean="0"/>
+              <a:t>(‘Maggie’)</a:t>
+            </a:r>
+          </a:p>
+        </p:txBody>
+      </p:sp>
+      <p:sp>
+        <p:nvSpPr>
+          <p:cNvPr id="3" name="Title 2"/>
+          <p:cNvSpPr>
+            <a:spLocks noGrp="1"/>
+          </p:cNvSpPr>
+          <p:nvPr>
+            <p:ph type="title"/>
+          </p:nvPr>
+        </p:nvSpPr>
+        <p:spPr/>
+        <p:txBody>
+          <a:bodyPr/>
+          <a:lstStyle/>
+          <a:p>
+            <a:r>
+              <a:rPr lang="en-US" dirty="0" smtClean="0"/>
+              <a:t>Lists</a:t>
+            </a:r>
+            <a:endParaRPr lang="en-US" dirty="0"/>
+          </a:p>
+        </p:txBody>
+      </p:sp>
+    </p:spTree>
+    <p:extLst>
+      <p:ext uri="{BB962C8B-B14F-4D97-AF65-F5344CB8AC3E}">
+        <p14:creationId xmlns:p14="http://schemas.microsoft.com/office/powerpoint/2010/main" val="3529641530"/>
+      </p:ext>
+    </p:extLst>
+  </p:cSld>
+  <p:clrMapOvr>
+    <a:masterClrMapping/>
+  </p:clrMapOvr>
+  <p:timing>
+    <p:tnLst>
+      <p:par>
+        <p:cTn id="1" dur="indefinite" restart="never" nodeType="tmRoot"/>
+      </p:par>
+    </p:tnLst>
+  </p:timing>
+</p:sld>
+</file>
+
+<file path=ppt/slides/slide54.xml><?xml version="1.0" encoding="utf-8"?>
+<p:sld xmlns:a="http://schemas.openxmlformats.org/drawingml/2006/main" xmlns:r="http://schemas.openxmlformats.org/officeDocument/2006/relationships" xmlns:p="http://schemas.openxmlformats.org/presentationml/2006/main">
+  <p:cSld>
+    <p:bg>
+      <p:bgPr>
+        <a:solidFill>
+          <a:schemeClr val="bg1"/>
+        </a:solidFill>
+        <a:effectLst/>
+      </p:bgPr>
+    </p:bg>
+    <p:spTree>
+      <p:nvGrpSpPr>
+        <p:cNvPr id="1" name=""/>
+        <p:cNvGrpSpPr/>
+        <p:nvPr/>
+      </p:nvGrpSpPr>
+      <p:grpSpPr>
+        <a:xfrm>
+          <a:off x="0" y="0"/>
+          <a:ext cx="0" cy="0"/>
+          <a:chOff x="0" y="0"/>
+          <a:chExt cx="0" cy="0"/>
+        </a:xfrm>
+      </p:grpSpPr>
+      <p:sp>
+        <p:nvSpPr>
+          <p:cNvPr id="4" name="Content Placeholder 3"/>
+          <p:cNvSpPr>
+            <a:spLocks noGrp="1"/>
+          </p:cNvSpPr>
+          <p:nvPr>
+            <p:ph idx="1"/>
+          </p:nvPr>
+        </p:nvSpPr>
+        <p:spPr/>
+        <p:txBody>
+          <a:bodyPr>
+            <a:normAutofit/>
+          </a:bodyPr>
+          <a:lstStyle/>
+          <a:p>
+            <a:r>
+              <a:rPr lang="en-US" dirty="0" smtClean="0"/>
+              <a:t>Tuple</a:t>
+            </a:r>
+          </a:p>
+          <a:p>
+            <a:pPr lvl="1"/>
+            <a:r>
+              <a:rPr lang="en-US" sz="2400" dirty="0"/>
+              <a:t>Immutable sequence of objects</a:t>
+            </a:r>
+          </a:p>
+          <a:p>
+            <a:pPr lvl="1"/>
+            <a:r>
+              <a:rPr lang="en-US" sz="2400" dirty="0" smtClean="0"/>
+              <a:t>Tuples are sequences, like Lists</a:t>
+            </a:r>
+          </a:p>
+          <a:p>
+            <a:pPr lvl="1"/>
+            <a:r>
+              <a:rPr lang="en-US" sz="2400" dirty="0" smtClean="0"/>
+              <a:t>Uses parentheses instead of square brackets</a:t>
+            </a:r>
+          </a:p>
+          <a:p>
+            <a:pPr lvl="1"/>
+            <a:r>
+              <a:rPr lang="en-US" sz="2400" dirty="0"/>
+              <a:t>Each element has an index</a:t>
+            </a:r>
+          </a:p>
+          <a:p>
+            <a:pPr lvl="1"/>
+            <a:r>
+              <a:rPr lang="en-US" sz="2400" dirty="0"/>
+              <a:t>Elements can be of mixed data types</a:t>
+            </a:r>
+          </a:p>
+          <a:p>
+            <a:pPr lvl="1"/>
+            <a:r>
+              <a:rPr lang="en-US" sz="2400" dirty="0"/>
+              <a:t>Indices are zero-based</a:t>
+            </a:r>
+          </a:p>
+          <a:p>
+            <a:pPr lvl="1"/>
+            <a:r>
+              <a:rPr lang="en-US" sz="2400" dirty="0"/>
+              <a:t>Built-in functions for </a:t>
+            </a:r>
+            <a:r>
+              <a:rPr lang="en-US" sz="2400" dirty="0" smtClean="0"/>
+              <a:t>indexing, slicing</a:t>
+            </a:r>
+            <a:r>
+              <a:rPr lang="en-US" sz="2400" dirty="0"/>
+              <a:t>, checking for membership, and sequence length </a:t>
+            </a:r>
+          </a:p>
+          <a:p>
+            <a:pPr marL="0" indent="0">
+              <a:buNone/>
+            </a:pPr>
+            <a:endParaRPr lang="en-US" dirty="0" smtClean="0"/>
+          </a:p>
+          <a:p>
+            <a:endParaRPr lang="en-US" dirty="0" smtClean="0"/>
+          </a:p>
+          <a:p>
+            <a:endParaRPr lang="en-US" dirty="0"/>
+          </a:p>
+        </p:txBody>
+      </p:sp>
+      <p:sp>
+        <p:nvSpPr>
+          <p:cNvPr id="3" name="Title 2"/>
+          <p:cNvSpPr>
+            <a:spLocks noGrp="1"/>
+          </p:cNvSpPr>
+          <p:nvPr>
+            <p:ph type="title"/>
+          </p:nvPr>
+        </p:nvSpPr>
+        <p:spPr/>
+        <p:txBody>
+          <a:bodyPr/>
+          <a:lstStyle/>
+          <a:p>
+            <a:r>
+              <a:rPr lang="en-US" dirty="0" smtClean="0"/>
+              <a:t>Tuples</a:t>
+            </a:r>
+            <a:endParaRPr lang="en-US" dirty="0"/>
+          </a:p>
+        </p:txBody>
+      </p:sp>
+    </p:spTree>
+    <p:extLst>
+      <p:ext uri="{BB962C8B-B14F-4D97-AF65-F5344CB8AC3E}">
+        <p14:creationId xmlns:p14="http://schemas.microsoft.com/office/powerpoint/2010/main" val="744933297"/>
+      </p:ext>
+    </p:extLst>
+  </p:cSld>
+  <p:clrMapOvr>
+    <a:masterClrMapping/>
+  </p:clrMapOvr>
+  <p:timing>
+    <p:tnLst>
+      <p:par>
+        <p:cTn id="1" dur="indefinite" restart="never" nodeType="tmRoot"/>
+      </p:par>
+    </p:tnLst>
+  </p:timing>
+</p:sld>
+</file>
+
+<file path=ppt/slides/slide55.xml><?xml version="1.0" encoding="utf-8"?>
+<p:sld xmlns:a="http://schemas.openxmlformats.org/drawingml/2006/main" xmlns:r="http://schemas.openxmlformats.org/officeDocument/2006/relationships" xmlns:p="http://schemas.openxmlformats.org/presentationml/2006/main">
+  <p:cSld>
+    <p:bg>
+      <p:bgPr>
+        <a:solidFill>
+          <a:schemeClr val="bg1"/>
+        </a:solidFill>
+        <a:effectLst/>
+      </p:bgPr>
+    </p:bg>
+    <p:spTree>
+      <p:nvGrpSpPr>
+        <p:cNvPr id="1" name=""/>
+        <p:cNvGrpSpPr/>
+        <p:nvPr/>
+      </p:nvGrpSpPr>
+      <p:grpSpPr>
+        <a:xfrm>
+          <a:off x="0" y="0"/>
+          <a:ext cx="0" cy="0"/>
+          <a:chOff x="0" y="0"/>
+          <a:chExt cx="0" cy="0"/>
+        </a:xfrm>
+      </p:grpSpPr>
+      <p:sp>
+        <p:nvSpPr>
+          <p:cNvPr id="4" name="Content Placeholder 3"/>
+          <p:cNvSpPr>
+            <a:spLocks noGrp="1"/>
+          </p:cNvSpPr>
+          <p:nvPr>
+            <p:ph idx="1"/>
+          </p:nvPr>
+        </p:nvSpPr>
+        <p:spPr/>
+        <p:txBody>
+          <a:bodyPr/>
+          <a:lstStyle/>
+          <a:p>
+            <a:r>
+              <a:rPr lang="en-US" dirty="0" smtClean="0"/>
+              <a:t>Tuple examples</a:t>
+            </a:r>
+          </a:p>
+          <a:p>
+            <a:pPr lvl="1"/>
+            <a:r>
+              <a:rPr lang="en-US" dirty="0" err="1" smtClean="0"/>
+              <a:t>aTuple</a:t>
+            </a:r>
+            <a:r>
+              <a:rPr lang="en-US" dirty="0" smtClean="0"/>
+              <a:t> = ( 1, 2, 3, 4, 5, 6 )</a:t>
+            </a:r>
+          </a:p>
+          <a:p>
+            <a:pPr lvl="1"/>
+            <a:r>
+              <a:rPr lang="en-US" dirty="0" err="1" smtClean="0"/>
+              <a:t>bTuple</a:t>
+            </a:r>
+            <a:r>
+              <a:rPr lang="en-US" dirty="0" smtClean="0"/>
+              <a:t> = ( ‘Peter’, ’Lois’, ’Chris’, ‘</a:t>
+            </a:r>
+            <a:r>
+              <a:rPr lang="en-US" dirty="0" err="1" smtClean="0"/>
+              <a:t>Stewie</a:t>
+            </a:r>
+            <a:r>
+              <a:rPr lang="en-US" dirty="0" smtClean="0"/>
+              <a:t>’ )</a:t>
+            </a:r>
+          </a:p>
+          <a:p>
+            <a:pPr lvl="1"/>
+            <a:r>
+              <a:rPr lang="en-US" dirty="0" err="1" smtClean="0"/>
+              <a:t>cTuple</a:t>
+            </a:r>
+            <a:r>
+              <a:rPr lang="en-US" dirty="0" smtClean="0"/>
+              <a:t> = ( ‘Meg’, )</a:t>
+            </a:r>
+          </a:p>
+          <a:p>
+            <a:pPr lvl="1"/>
+            <a:r>
+              <a:rPr lang="en-US" dirty="0" err="1" smtClean="0"/>
+              <a:t>dTuple</a:t>
+            </a:r>
+            <a:r>
+              <a:rPr lang="en-US" dirty="0" smtClean="0"/>
+              <a:t> = ()</a:t>
+            </a:r>
+          </a:p>
+          <a:p>
+            <a:r>
+              <a:rPr lang="en-US" dirty="0" smtClean="0"/>
+              <a:t>Accessing</a:t>
+            </a:r>
+          </a:p>
+          <a:p>
+            <a:pPr lvl="1"/>
+            <a:r>
+              <a:rPr lang="en-US" dirty="0" err="1" smtClean="0"/>
+              <a:t>aTuple</a:t>
+            </a:r>
+            <a:r>
+              <a:rPr lang="en-US" dirty="0" smtClean="0"/>
+              <a:t>[1]</a:t>
+            </a:r>
+          </a:p>
+          <a:p>
+            <a:pPr lvl="1"/>
+            <a:r>
+              <a:rPr lang="en-US" dirty="0" err="1" smtClean="0"/>
+              <a:t>bTuple</a:t>
+            </a:r>
+            <a:r>
+              <a:rPr lang="en-US" dirty="0" smtClean="0"/>
+              <a:t>[1:2]</a:t>
+            </a:r>
+            <a:endParaRPr lang="en-US" dirty="0"/>
+          </a:p>
+        </p:txBody>
+      </p:sp>
+      <p:sp>
+        <p:nvSpPr>
+          <p:cNvPr id="3" name="Title 2"/>
+          <p:cNvSpPr>
+            <a:spLocks noGrp="1"/>
+          </p:cNvSpPr>
+          <p:nvPr>
+            <p:ph type="title"/>
+          </p:nvPr>
+        </p:nvSpPr>
+        <p:spPr/>
+        <p:txBody>
+          <a:bodyPr/>
+          <a:lstStyle/>
+          <a:p>
+            <a:r>
+              <a:rPr lang="en-US" dirty="0" smtClean="0"/>
+              <a:t>Tuples</a:t>
+            </a:r>
+            <a:endParaRPr lang="en-US" dirty="0"/>
+          </a:p>
+        </p:txBody>
+      </p:sp>
+    </p:spTree>
+    <p:extLst>
+      <p:ext uri="{BB962C8B-B14F-4D97-AF65-F5344CB8AC3E}">
+        <p14:creationId xmlns:p14="http://schemas.microsoft.com/office/powerpoint/2010/main" val="4108387058"/>
+      </p:ext>
+    </p:extLst>
+  </p:cSld>
+  <p:clrMapOvr>
+    <a:masterClrMapping/>
+  </p:clrMapOvr>
+  <p:timing>
+    <p:tnLst>
+      <p:par>
+        <p:cTn id="1" dur="indefinite" restart="never" nodeType="tmRoot"/>
+      </p:par>
+    </p:tnLst>
+  </p:timing>
+</p:sld>
+</file>
+
+<file path=ppt/slides/slide56.xml><?xml version="1.0" encoding="utf-8"?>
+<p:sld xmlns:a="http://schemas.openxmlformats.org/drawingml/2006/main" xmlns:r="http://schemas.openxmlformats.org/officeDocument/2006/relationships" xmlns:p="http://schemas.openxmlformats.org/presentationml/2006/main">
+  <p:cSld>
+    <p:bg>
+      <p:bgPr>
+        <a:solidFill>
+          <a:schemeClr val="bg1"/>
+        </a:solidFill>
+        <a:effectLst/>
+      </p:bgPr>
+    </p:bg>
+    <p:spTree>
+      <p:nvGrpSpPr>
+        <p:cNvPr id="1" name=""/>
+        <p:cNvGrpSpPr/>
+        <p:nvPr/>
+      </p:nvGrpSpPr>
+      <p:grpSpPr>
+        <a:xfrm>
+          <a:off x="0" y="0"/>
+          <a:ext cx="0" cy="0"/>
+          <a:chOff x="0" y="0"/>
+          <a:chExt cx="0" cy="0"/>
+        </a:xfrm>
+      </p:grpSpPr>
+      <p:sp>
+        <p:nvSpPr>
+          <p:cNvPr id="4" name="Content Placeholder 3"/>
+          <p:cNvSpPr>
+            <a:spLocks noGrp="1"/>
+          </p:cNvSpPr>
+          <p:nvPr>
+            <p:ph idx="1"/>
+          </p:nvPr>
+        </p:nvSpPr>
+        <p:spPr/>
+        <p:txBody>
+          <a:bodyPr/>
+          <a:lstStyle/>
+          <a:p>
+            <a:r>
+              <a:rPr lang="en-US" dirty="0" smtClean="0"/>
+              <a:t>Updating</a:t>
+            </a:r>
+          </a:p>
+          <a:p>
+            <a:pPr lvl="1"/>
+            <a:r>
+              <a:rPr lang="en-US" dirty="0" smtClean="0"/>
+              <a:t>Cannot be updated</a:t>
+            </a:r>
+          </a:p>
+          <a:p>
+            <a:pPr lvl="1"/>
+            <a:r>
+              <a:rPr lang="en-US" dirty="0" smtClean="0"/>
+              <a:t>BUT a new tuple can be constructed by concatenating other tuples</a:t>
+            </a:r>
+          </a:p>
+          <a:p>
+            <a:pPr lvl="2"/>
+            <a:r>
+              <a:rPr lang="en-US" dirty="0" err="1" smtClean="0"/>
+              <a:t>eTuple</a:t>
+            </a:r>
+            <a:r>
+              <a:rPr lang="en-US" dirty="0" smtClean="0"/>
+              <a:t> = </a:t>
+            </a:r>
+            <a:r>
+              <a:rPr lang="en-US" dirty="0" err="1" smtClean="0"/>
+              <a:t>bTuple</a:t>
+            </a:r>
+            <a:r>
+              <a:rPr lang="en-US" dirty="0" smtClean="0"/>
+              <a:t> + </a:t>
+            </a:r>
+            <a:r>
+              <a:rPr lang="en-US" smtClean="0"/>
+              <a:t>cTuple</a:t>
+            </a:r>
+            <a:endParaRPr lang="en-US" dirty="0"/>
+          </a:p>
+        </p:txBody>
+      </p:sp>
+      <p:sp>
+        <p:nvSpPr>
+          <p:cNvPr id="3" name="Title 2"/>
+          <p:cNvSpPr>
+            <a:spLocks noGrp="1"/>
+          </p:cNvSpPr>
+          <p:nvPr>
+            <p:ph type="title"/>
+          </p:nvPr>
+        </p:nvSpPr>
+        <p:spPr/>
+        <p:txBody>
+          <a:bodyPr/>
+          <a:lstStyle/>
+          <a:p>
+            <a:r>
+              <a:rPr lang="en-US" dirty="0" smtClean="0"/>
+              <a:t>Tuples</a:t>
+            </a:r>
+            <a:endParaRPr lang="en-US" dirty="0"/>
+          </a:p>
+        </p:txBody>
+      </p:sp>
+    </p:spTree>
+    <p:extLst>
+      <p:ext uri="{BB962C8B-B14F-4D97-AF65-F5344CB8AC3E}">
+        <p14:creationId xmlns:p14="http://schemas.microsoft.com/office/powerpoint/2010/main" val="325047374"/>
+      </p:ext>
+    </p:extLst>
+  </p:cSld>
+  <p:clrMapOvr>
+    <a:masterClrMapping/>
+  </p:clrMapOvr>
+  <p:timing>
+    <p:tnLst>
+      <p:par>
+        <p:cTn id="1" dur="indefinite" restart="never" nodeType="tmRoot"/>
+      </p:par>
+    </p:tnLst>
+  </p:timing>
+</p:sld>
+</file>
+
+<file path=ppt/slides/slide57.xml><?xml version="1.0" encoding="utf-8"?>
+<p:sld xmlns:a="http://schemas.openxmlformats.org/drawingml/2006/main" xmlns:r="http://schemas.openxmlformats.org/officeDocument/2006/relationships" xmlns:p="http://schemas.openxmlformats.org/presentationml/2006/main">
+  <p:cSld>
+    <p:bg>
+      <p:bgPr>
+        <a:solidFill>
+          <a:schemeClr val="bg1"/>
+        </a:solidFill>
+        <a:effectLst/>
+      </p:bgPr>
+    </p:bg>
+    <p:spTree>
+      <p:nvGrpSpPr>
+        <p:cNvPr id="1" name=""/>
+        <p:cNvGrpSpPr/>
+        <p:nvPr/>
+      </p:nvGrpSpPr>
+      <p:grpSpPr>
+        <a:xfrm>
+          <a:off x="0" y="0"/>
+          <a:ext cx="0" cy="0"/>
+          <a:chOff x="0" y="0"/>
+          <a:chExt cx="0" cy="0"/>
+        </a:xfrm>
+      </p:grpSpPr>
+      <p:sp>
+        <p:nvSpPr>
+          <p:cNvPr id="4" name="Content Placeholder 3"/>
+          <p:cNvSpPr>
+            <a:spLocks noGrp="1"/>
+          </p:cNvSpPr>
+          <p:nvPr>
+            <p:ph idx="1"/>
+          </p:nvPr>
+        </p:nvSpPr>
+        <p:spPr/>
+        <p:txBody>
+          <a:bodyPr/>
+          <a:lstStyle/>
+          <a:p>
+            <a:endParaRPr lang="en-US" dirty="0"/>
+          </a:p>
+        </p:txBody>
+      </p:sp>
+      <p:sp>
+        <p:nvSpPr>
+          <p:cNvPr id="3" name="Title 2"/>
+          <p:cNvSpPr>
+            <a:spLocks noGrp="1"/>
+          </p:cNvSpPr>
+          <p:nvPr>
+            <p:ph type="title"/>
+          </p:nvPr>
+        </p:nvSpPr>
+        <p:spPr/>
+        <p:txBody>
+          <a:bodyPr/>
+          <a:lstStyle/>
+          <a:p>
+            <a:endParaRPr lang="en-US"/>
+          </a:p>
+        </p:txBody>
+      </p:sp>
+    </p:spTree>
+    <p:extLst>
+      <p:ext uri="{BB962C8B-B14F-4D97-AF65-F5344CB8AC3E}">
+        <p14:creationId xmlns:p14="http://schemas.microsoft.com/office/powerpoint/2010/main" val="695546065"/>
       </p:ext>
     </p:extLst>
   </p:cSld>

--- a/Programming Foundations.pptx
+++ b/Programming Foundations.pptx
@@ -21651,16 +21651,17 @@
             </a:r>
             <a:r>
               <a:rPr lang="en-US" dirty="0" smtClean="0"/>
-              <a:t> = ( ‘Peter’, ’Lois’, ’Chris’, ‘</a:t>
+              <a:t> = ‘Peter’, ’Lois’, ’Chris’, ‘</a:t>
             </a:r>
             <a:r>
               <a:rPr lang="en-US" dirty="0" err="1" smtClean="0"/>
               <a:t>Stewie</a:t>
             </a:r>
             <a:r>
-              <a:rPr lang="en-US" dirty="0" smtClean="0"/>
-              <a:t>’ )</a:t>
-            </a:r>
+              <a:rPr lang="en-US" smtClean="0"/>
+              <a:t>’</a:t>
+            </a:r>
+            <a:endParaRPr lang="en-US" dirty="0" smtClean="0"/>
           </a:p>
           <a:p>
             <a:pPr lvl="1"/>
@@ -21836,7 +21837,7 @@
               <a:t> + </a:t>
             </a:r>
             <a:r>
-              <a:rPr lang="en-US" smtClean="0"/>
+              <a:rPr lang="en-US" dirty="0" err="1" smtClean="0"/>
               <a:t>cTuple</a:t>
             </a:r>
             <a:endParaRPr lang="en-US" dirty="0"/>

--- a/Programming Foundations.pptx
+++ b/Programming Foundations.pptx
@@ -5,7 +5,7 @@
     <p:sldMasterId id="2147483648" r:id="rId1"/>
   </p:sldMasterIdLst>
   <p:notesMasterIdLst>
-    <p:notesMasterId r:id="rId59"/>
+    <p:notesMasterId r:id="rId62"/>
   </p:notesMasterIdLst>
   <p:sldIdLst>
     <p:sldId id="256" r:id="rId2"/>
@@ -65,6 +65,9 @@
     <p:sldId id="311" r:id="rId56"/>
     <p:sldId id="312" r:id="rId57"/>
     <p:sldId id="313" r:id="rId58"/>
+    <p:sldId id="314" r:id="rId59"/>
+    <p:sldId id="315" r:id="rId60"/>
+    <p:sldId id="316" r:id="rId61"/>
   </p:sldIdLst>
   <p:sldSz cx="12192000" cy="6858000"/>
   <p:notesSz cx="6858000" cy="9144000"/>
@@ -237,6 +240,9 @@
             <p14:sldId id="311"/>
             <p14:sldId id="312"/>
             <p14:sldId id="313"/>
+            <p14:sldId id="314"/>
+            <p14:sldId id="315"/>
+            <p14:sldId id="316"/>
           </p14:sldIdLst>
         </p14:section>
       </p14:sectionLst>
@@ -21658,10 +21664,9 @@
               <a:t>Stewie</a:t>
             </a:r>
             <a:r>
-              <a:rPr lang="en-US" smtClean="0"/>
+              <a:rPr lang="en-US" dirty="0" smtClean="0"/>
               <a:t>’</a:t>
             </a:r>
-            <a:endParaRPr lang="en-US" dirty="0" smtClean="0"/>
           </a:p>
           <a:p>
             <a:pPr lvl="1"/>
@@ -21927,6 +21932,40 @@
           <a:bodyPr/>
           <a:lstStyle/>
           <a:p>
+            <a:r>
+              <a:rPr lang="en-US" dirty="0" smtClean="0"/>
+              <a:t>Also known as “associative arrays”</a:t>
+            </a:r>
+          </a:p>
+          <a:p>
+            <a:r>
+              <a:rPr lang="en-US" dirty="0" smtClean="0"/>
+              <a:t>Indexed by keys</a:t>
+            </a:r>
+          </a:p>
+          <a:p>
+            <a:r>
+              <a:rPr lang="en-US" dirty="0" smtClean="0"/>
+              <a:t>An unordered set of </a:t>
+            </a:r>
+            <a:r>
+              <a:rPr lang="en-US" i="1" dirty="0" err="1" smtClean="0"/>
+              <a:t>key:value</a:t>
+            </a:r>
+            <a:r>
+              <a:rPr lang="en-US" dirty="0"/>
+              <a:t> </a:t>
+            </a:r>
+            <a:r>
+              <a:rPr lang="en-US" dirty="0" smtClean="0"/>
+              <a:t>pairs</a:t>
+            </a:r>
+          </a:p>
+          <a:p>
+            <a:r>
+              <a:rPr lang="en-US" dirty="0" smtClean="0"/>
+              <a:t>Keys must be unique to the dictionary</a:t>
+            </a:r>
             <a:endParaRPr lang="en-US" dirty="0"/>
           </a:p>
         </p:txBody>
@@ -21946,7 +21985,11 @@
           <a:bodyPr/>
           <a:lstStyle/>
           <a:p>
-            <a:endParaRPr lang="en-US"/>
+            <a:r>
+              <a:rPr lang="en-US" dirty="0" smtClean="0"/>
+              <a:t>Dictionaries</a:t>
+            </a:r>
+            <a:endParaRPr lang="en-US" dirty="0"/>
           </a:p>
         </p:txBody>
       </p:sp>
@@ -21954,6 +21997,320 @@
     <p:extLst>
       <p:ext uri="{BB962C8B-B14F-4D97-AF65-F5344CB8AC3E}">
         <p14:creationId xmlns:p14="http://schemas.microsoft.com/office/powerpoint/2010/main" val="695546065"/>
+      </p:ext>
+    </p:extLst>
+  </p:cSld>
+  <p:clrMapOvr>
+    <a:masterClrMapping/>
+  </p:clrMapOvr>
+  <p:timing>
+    <p:tnLst>
+      <p:par>
+        <p:cTn id="1" dur="indefinite" restart="never" nodeType="tmRoot"/>
+      </p:par>
+    </p:tnLst>
+  </p:timing>
+</p:sld>
+</file>
+
+<file path=ppt/slides/slide58.xml><?xml version="1.0" encoding="utf-8"?>
+<p:sld xmlns:a="http://schemas.openxmlformats.org/drawingml/2006/main" xmlns:r="http://schemas.openxmlformats.org/officeDocument/2006/relationships" xmlns:p="http://schemas.openxmlformats.org/presentationml/2006/main">
+  <p:cSld>
+    <p:bg>
+      <p:bgPr>
+        <a:solidFill>
+          <a:schemeClr val="bg1"/>
+        </a:solidFill>
+        <a:effectLst/>
+      </p:bgPr>
+    </p:bg>
+    <p:spTree>
+      <p:nvGrpSpPr>
+        <p:cNvPr id="1" name=""/>
+        <p:cNvGrpSpPr/>
+        <p:nvPr/>
+      </p:nvGrpSpPr>
+      <p:grpSpPr>
+        <a:xfrm>
+          <a:off x="0" y="0"/>
+          <a:ext cx="0" cy="0"/>
+          <a:chOff x="0" y="0"/>
+          <a:chExt cx="0" cy="0"/>
+        </a:xfrm>
+      </p:grpSpPr>
+      <p:sp>
+        <p:nvSpPr>
+          <p:cNvPr id="4" name="Content Placeholder 3"/>
+          <p:cNvSpPr>
+            <a:spLocks noGrp="1"/>
+          </p:cNvSpPr>
+          <p:nvPr>
+            <p:ph idx="1"/>
+          </p:nvPr>
+        </p:nvSpPr>
+        <p:spPr/>
+        <p:txBody>
+          <a:bodyPr/>
+          <a:lstStyle/>
+          <a:p>
+            <a:r>
+              <a:rPr lang="en-US" dirty="0" smtClean="0"/>
+              <a:t>Construction</a:t>
+            </a:r>
+          </a:p>
+          <a:p>
+            <a:pPr lvl="1"/>
+            <a:r>
+              <a:rPr lang="en-US" dirty="0" err="1" smtClean="0"/>
+              <a:t>dictVar</a:t>
+            </a:r>
+            <a:r>
+              <a:rPr lang="en-US" dirty="0" smtClean="0"/>
+              <a:t> = { ‘Alex’ : 10, ‘Bob’: 20, ‘Chris’: 30 }</a:t>
+            </a:r>
+          </a:p>
+          <a:p>
+            <a:pPr lvl="1"/>
+            <a:r>
+              <a:rPr lang="en-US" dirty="0" err="1" smtClean="0"/>
+              <a:t>dictVar</a:t>
+            </a:r>
+            <a:r>
+              <a:rPr lang="en-US" dirty="0" smtClean="0"/>
+              <a:t> = {}</a:t>
+            </a:r>
+          </a:p>
+          <a:p>
+            <a:pPr lvl="1"/>
+            <a:r>
+              <a:rPr lang="en-US" dirty="0" err="1" smtClean="0"/>
+              <a:t>dictVar</a:t>
+            </a:r>
+            <a:r>
+              <a:rPr lang="en-US" dirty="0" smtClean="0"/>
+              <a:t> = </a:t>
+            </a:r>
+            <a:r>
+              <a:rPr lang="en-US" dirty="0" err="1" smtClean="0"/>
+              <a:t>dict</a:t>
+            </a:r>
+            <a:r>
+              <a:rPr lang="en-US" dirty="0" smtClean="0"/>
+              <a:t>([(‘Alex’, 10), (‘Bob’, 20), (‘Chris’, 30)])</a:t>
+            </a:r>
+          </a:p>
+          <a:p>
+            <a:pPr lvl="1"/>
+            <a:r>
+              <a:rPr lang="en-US" dirty="0" err="1" smtClean="0"/>
+              <a:t>dictVar</a:t>
+            </a:r>
+            <a:r>
+              <a:rPr lang="en-US" dirty="0" smtClean="0"/>
+              <a:t> = </a:t>
+            </a:r>
+            <a:r>
+              <a:rPr lang="en-US" dirty="0" err="1" smtClean="0"/>
+              <a:t>dict</a:t>
+            </a:r>
+            <a:r>
+              <a:rPr lang="en-US" dirty="0" smtClean="0"/>
+              <a:t>(Alex=10, Bob=20, Chris=30)</a:t>
+            </a:r>
+            <a:endParaRPr lang="en-US" dirty="0"/>
+          </a:p>
+        </p:txBody>
+      </p:sp>
+      <p:sp>
+        <p:nvSpPr>
+          <p:cNvPr id="3" name="Title 2"/>
+          <p:cNvSpPr>
+            <a:spLocks noGrp="1"/>
+          </p:cNvSpPr>
+          <p:nvPr>
+            <p:ph type="title"/>
+          </p:nvPr>
+        </p:nvSpPr>
+        <p:spPr/>
+        <p:txBody>
+          <a:bodyPr/>
+          <a:lstStyle/>
+          <a:p>
+            <a:r>
+              <a:rPr lang="en-US" dirty="0" smtClean="0"/>
+              <a:t>Dictionaries</a:t>
+            </a:r>
+            <a:endParaRPr lang="en-US" dirty="0"/>
+          </a:p>
+        </p:txBody>
+      </p:sp>
+    </p:spTree>
+    <p:extLst>
+      <p:ext uri="{BB962C8B-B14F-4D97-AF65-F5344CB8AC3E}">
+        <p14:creationId xmlns:p14="http://schemas.microsoft.com/office/powerpoint/2010/main" val="2707938189"/>
+      </p:ext>
+    </p:extLst>
+  </p:cSld>
+  <p:clrMapOvr>
+    <a:masterClrMapping/>
+  </p:clrMapOvr>
+  <p:timing>
+    <p:tnLst>
+      <p:par>
+        <p:cTn id="1" dur="indefinite" restart="never" nodeType="tmRoot"/>
+      </p:par>
+    </p:tnLst>
+  </p:timing>
+</p:sld>
+</file>
+
+<file path=ppt/slides/slide59.xml><?xml version="1.0" encoding="utf-8"?>
+<p:sld xmlns:a="http://schemas.openxmlformats.org/drawingml/2006/main" xmlns:r="http://schemas.openxmlformats.org/officeDocument/2006/relationships" xmlns:p="http://schemas.openxmlformats.org/presentationml/2006/main">
+  <p:cSld>
+    <p:bg>
+      <p:bgPr>
+        <a:solidFill>
+          <a:schemeClr val="bg1"/>
+        </a:solidFill>
+        <a:effectLst/>
+      </p:bgPr>
+    </p:bg>
+    <p:spTree>
+      <p:nvGrpSpPr>
+        <p:cNvPr id="1" name=""/>
+        <p:cNvGrpSpPr/>
+        <p:nvPr/>
+      </p:nvGrpSpPr>
+      <p:grpSpPr>
+        <a:xfrm>
+          <a:off x="0" y="0"/>
+          <a:ext cx="0" cy="0"/>
+          <a:chOff x="0" y="0"/>
+          <a:chExt cx="0" cy="0"/>
+        </a:xfrm>
+      </p:grpSpPr>
+      <p:sp>
+        <p:nvSpPr>
+          <p:cNvPr id="4" name="Content Placeholder 3"/>
+          <p:cNvSpPr>
+            <a:spLocks noGrp="1"/>
+          </p:cNvSpPr>
+          <p:nvPr>
+            <p:ph idx="1"/>
+          </p:nvPr>
+        </p:nvSpPr>
+        <p:spPr>
+          <a:xfrm>
+            <a:off x="972373" y="2070140"/>
+            <a:ext cx="10574965" cy="4095164"/>
+          </a:xfrm>
+        </p:spPr>
+        <p:txBody>
+          <a:bodyPr/>
+          <a:lstStyle/>
+          <a:p>
+            <a:r>
+              <a:rPr lang="en-US" dirty="0" smtClean="0"/>
+              <a:t>Accessing</a:t>
+            </a:r>
+          </a:p>
+          <a:p>
+            <a:pPr lvl="1"/>
+            <a:r>
+              <a:rPr lang="en-US" dirty="0" smtClean="0"/>
+              <a:t>By key – </a:t>
+            </a:r>
+            <a:r>
+              <a:rPr lang="en-US" dirty="0" err="1" smtClean="0"/>
+              <a:t>dictVar</a:t>
+            </a:r>
+            <a:r>
+              <a:rPr lang="en-US" dirty="0" smtClean="0"/>
+              <a:t>[‘Alex’]</a:t>
+            </a:r>
+          </a:p>
+          <a:p>
+            <a:pPr lvl="1"/>
+            <a:r>
+              <a:rPr lang="en-US" dirty="0" smtClean="0"/>
+              <a:t>Iteration – for key in </a:t>
+            </a:r>
+            <a:r>
+              <a:rPr lang="en-US" dirty="0" err="1" smtClean="0"/>
+              <a:t>dictVar</a:t>
+            </a:r>
+            <a:endParaRPr lang="en-US" dirty="0" smtClean="0"/>
+          </a:p>
+          <a:p>
+            <a:pPr lvl="1"/>
+            <a:endParaRPr lang="en-US" dirty="0"/>
+          </a:p>
+        </p:txBody>
+      </p:sp>
+      <p:sp>
+        <p:nvSpPr>
+          <p:cNvPr id="3" name="Title 2"/>
+          <p:cNvSpPr>
+            <a:spLocks noGrp="1"/>
+          </p:cNvSpPr>
+          <p:nvPr>
+            <p:ph type="title"/>
+          </p:nvPr>
+        </p:nvSpPr>
+        <p:spPr/>
+        <p:txBody>
+          <a:bodyPr/>
+          <a:lstStyle/>
+          <a:p>
+            <a:r>
+              <a:rPr lang="en-US" dirty="0" smtClean="0"/>
+              <a:t>Dictionaries</a:t>
+            </a:r>
+            <a:endParaRPr lang="en-US" dirty="0"/>
+          </a:p>
+        </p:txBody>
+      </p:sp>
+      <p:sp>
+        <p:nvSpPr>
+          <p:cNvPr id="6" name="TextBox 5"/>
+          <p:cNvSpPr txBox="1"/>
+          <p:nvPr/>
+        </p:nvSpPr>
+        <p:spPr>
+          <a:xfrm>
+            <a:off x="767408" y="1700808"/>
+            <a:ext cx="10814993" cy="369332"/>
+          </a:xfrm>
+          <a:prstGeom prst="rect">
+            <a:avLst/>
+          </a:prstGeom>
+          <a:noFill/>
+        </p:spPr>
+        <p:txBody>
+          <a:bodyPr wrap="square" rtlCol="0">
+            <a:spAutoFit/>
+          </a:bodyPr>
+          <a:lstStyle/>
+          <a:p>
+            <a:pPr lvl="1"/>
+            <a:r>
+              <a:rPr lang="en-US">
+                <a:latin typeface="Courier New" panose="02070309020205020404" pitchFamily="49" charset="0"/>
+                <a:cs typeface="Courier New" panose="02070309020205020404" pitchFamily="49" charset="0"/>
+              </a:rPr>
+              <a:t>dictVar = { ‘Alex’ : 10, ‘Bob’: 20, ‘Chris’: 30 }</a:t>
+            </a:r>
+            <a:endParaRPr lang="en-US" dirty="0">
+              <a:latin typeface="Courier New" panose="02070309020205020404" pitchFamily="49" charset="0"/>
+              <a:cs typeface="Courier New" panose="02070309020205020404" pitchFamily="49" charset="0"/>
+            </a:endParaRPr>
+          </a:p>
+        </p:txBody>
+      </p:sp>
+    </p:spTree>
+    <p:extLst>
+      <p:ext uri="{BB962C8B-B14F-4D97-AF65-F5344CB8AC3E}">
+        <p14:creationId xmlns:p14="http://schemas.microsoft.com/office/powerpoint/2010/main" val="1810107685"/>
       </p:ext>
     </p:extLst>
   </p:cSld>
@@ -22065,6 +22422,89 @@
     <p:extLst>
       <p:ext uri="{BB962C8B-B14F-4D97-AF65-F5344CB8AC3E}">
         <p14:creationId xmlns:p14="http://schemas.microsoft.com/office/powerpoint/2010/main" val="1826171715"/>
+      </p:ext>
+    </p:extLst>
+  </p:cSld>
+  <p:clrMapOvr>
+    <a:masterClrMapping/>
+  </p:clrMapOvr>
+  <p:timing>
+    <p:tnLst>
+      <p:par>
+        <p:cTn id="1" dur="indefinite" restart="never" nodeType="tmRoot"/>
+      </p:par>
+    </p:tnLst>
+  </p:timing>
+</p:sld>
+</file>
+
+<file path=ppt/slides/slide60.xml><?xml version="1.0" encoding="utf-8"?>
+<p:sld xmlns:a="http://schemas.openxmlformats.org/drawingml/2006/main" xmlns:r="http://schemas.openxmlformats.org/officeDocument/2006/relationships" xmlns:p="http://schemas.openxmlformats.org/presentationml/2006/main">
+  <p:cSld>
+    <p:bg>
+      <p:bgPr>
+        <a:solidFill>
+          <a:schemeClr val="bg1"/>
+        </a:solidFill>
+        <a:effectLst/>
+      </p:bgPr>
+    </p:bg>
+    <p:spTree>
+      <p:nvGrpSpPr>
+        <p:cNvPr id="1" name=""/>
+        <p:cNvGrpSpPr/>
+        <p:nvPr/>
+      </p:nvGrpSpPr>
+      <p:grpSpPr>
+        <a:xfrm>
+          <a:off x="0" y="0"/>
+          <a:ext cx="0" cy="0"/>
+          <a:chOff x="0" y="0"/>
+          <a:chExt cx="0" cy="0"/>
+        </a:xfrm>
+      </p:grpSpPr>
+      <p:sp>
+        <p:nvSpPr>
+          <p:cNvPr id="4" name="Content Placeholder 3"/>
+          <p:cNvSpPr>
+            <a:spLocks noGrp="1"/>
+          </p:cNvSpPr>
+          <p:nvPr>
+            <p:ph idx="1"/>
+          </p:nvPr>
+        </p:nvSpPr>
+        <p:spPr/>
+        <p:txBody>
+          <a:bodyPr/>
+          <a:lstStyle/>
+          <a:p>
+            <a:endParaRPr lang="en-US" dirty="0"/>
+          </a:p>
+        </p:txBody>
+      </p:sp>
+      <p:sp>
+        <p:nvSpPr>
+          <p:cNvPr id="3" name="Title 2"/>
+          <p:cNvSpPr>
+            <a:spLocks noGrp="1"/>
+          </p:cNvSpPr>
+          <p:nvPr>
+            <p:ph type="title"/>
+          </p:nvPr>
+        </p:nvSpPr>
+        <p:spPr/>
+        <p:txBody>
+          <a:bodyPr/>
+          <a:lstStyle/>
+          <a:p>
+            <a:endParaRPr lang="en-US"/>
+          </a:p>
+        </p:txBody>
+      </p:sp>
+    </p:spTree>
+    <p:extLst>
+      <p:ext uri="{BB962C8B-B14F-4D97-AF65-F5344CB8AC3E}">
+        <p14:creationId xmlns:p14="http://schemas.microsoft.com/office/powerpoint/2010/main" val="3189642607"/>
       </p:ext>
     </p:extLst>
   </p:cSld>

--- a/Programming Foundations.pptx
+++ b/Programming Foundations.pptx
@@ -5,7 +5,7 @@
     <p:sldMasterId id="2147483648" r:id="rId1"/>
   </p:sldMasterIdLst>
   <p:notesMasterIdLst>
-    <p:notesMasterId r:id="rId62"/>
+    <p:notesMasterId r:id="rId68"/>
   </p:notesMasterIdLst>
   <p:sldIdLst>
     <p:sldId id="256" r:id="rId2"/>
@@ -55,19 +55,25 @@
     <p:sldId id="302" r:id="rId46"/>
     <p:sldId id="301" r:id="rId47"/>
     <p:sldId id="303" r:id="rId48"/>
-    <p:sldId id="304" r:id="rId49"/>
-    <p:sldId id="305" r:id="rId50"/>
-    <p:sldId id="306" r:id="rId51"/>
-    <p:sldId id="307" r:id="rId52"/>
-    <p:sldId id="308" r:id="rId53"/>
-    <p:sldId id="310" r:id="rId54"/>
-    <p:sldId id="309" r:id="rId55"/>
-    <p:sldId id="311" r:id="rId56"/>
-    <p:sldId id="312" r:id="rId57"/>
-    <p:sldId id="313" r:id="rId58"/>
-    <p:sldId id="314" r:id="rId59"/>
-    <p:sldId id="315" r:id="rId60"/>
-    <p:sldId id="316" r:id="rId61"/>
+    <p:sldId id="318" r:id="rId49"/>
+    <p:sldId id="304" r:id="rId50"/>
+    <p:sldId id="319" r:id="rId51"/>
+    <p:sldId id="305" r:id="rId52"/>
+    <p:sldId id="306" r:id="rId53"/>
+    <p:sldId id="320" r:id="rId54"/>
+    <p:sldId id="307" r:id="rId55"/>
+    <p:sldId id="308" r:id="rId56"/>
+    <p:sldId id="310" r:id="rId57"/>
+    <p:sldId id="309" r:id="rId58"/>
+    <p:sldId id="311" r:id="rId59"/>
+    <p:sldId id="312" r:id="rId60"/>
+    <p:sldId id="321" r:id="rId61"/>
+    <p:sldId id="313" r:id="rId62"/>
+    <p:sldId id="314" r:id="rId63"/>
+    <p:sldId id="315" r:id="rId64"/>
+    <p:sldId id="316" r:id="rId65"/>
+    <p:sldId id="317" r:id="rId66"/>
+    <p:sldId id="322" r:id="rId67"/>
   </p:sldIdLst>
   <p:sldSz cx="12192000" cy="6858000"/>
   <p:notesSz cx="6858000" cy="9144000"/>
@@ -230,19 +236,25 @@
             <p14:sldId id="302"/>
             <p14:sldId id="301"/>
             <p14:sldId id="303"/>
+            <p14:sldId id="318"/>
             <p14:sldId id="304"/>
+            <p14:sldId id="319"/>
             <p14:sldId id="305"/>
             <p14:sldId id="306"/>
+            <p14:sldId id="320"/>
             <p14:sldId id="307"/>
             <p14:sldId id="308"/>
             <p14:sldId id="310"/>
             <p14:sldId id="309"/>
             <p14:sldId id="311"/>
             <p14:sldId id="312"/>
+            <p14:sldId id="321"/>
             <p14:sldId id="313"/>
             <p14:sldId id="314"/>
             <p14:sldId id="315"/>
             <p14:sldId id="316"/>
+            <p14:sldId id="317"/>
+            <p14:sldId id="322"/>
           </p14:sldIdLst>
         </p14:section>
       </p14:sectionLst>
@@ -20485,22 +20497,9 @@
           <a:bodyPr/>
           <a:lstStyle/>
           <a:p>
-            <a:r>
-              <a:rPr lang="en-US" dirty="0" smtClean="0"/>
-              <a:t>What is a string</a:t>
-            </a:r>
-          </a:p>
-          <a:p>
-            <a:r>
-              <a:rPr lang="en-US" dirty="0" smtClean="0"/>
-              <a:t>String manipulation</a:t>
-            </a:r>
-          </a:p>
-          <a:p>
-            <a:r>
-              <a:rPr lang="en-US" dirty="0" smtClean="0"/>
-              <a:t>String methods</a:t>
-            </a:r>
+            <a:pPr marL="0" indent="0">
+              <a:buNone/>
+            </a:pPr>
             <a:endParaRPr lang="en-US" dirty="0"/>
           </a:p>
         </p:txBody>
@@ -20522,7 +20521,7 @@
           <a:p>
             <a:r>
               <a:rPr lang="en-US" dirty="0" smtClean="0"/>
-              <a:t>Strings</a:t>
+              <a:t>Numbers: Examples</a:t>
             </a:r>
             <a:endParaRPr lang="en-US" dirty="0"/>
           </a:p>
@@ -20531,7 +20530,7 @@
     </p:spTree>
     <p:extLst>
       <p:ext uri="{BB962C8B-B14F-4D97-AF65-F5344CB8AC3E}">
-        <p14:creationId xmlns:p14="http://schemas.microsoft.com/office/powerpoint/2010/main" val="3730273466"/>
+        <p14:creationId xmlns:p14="http://schemas.microsoft.com/office/powerpoint/2010/main" val="3595033802"/>
       </p:ext>
     </p:extLst>
   </p:cSld>
@@ -20585,65 +20584,26 @@
         </p:nvSpPr>
         <p:spPr/>
         <p:txBody>
-          <a:bodyPr>
-            <a:normAutofit/>
-          </a:bodyPr>
+          <a:bodyPr/>
           <a:lstStyle/>
           <a:p>
             <a:r>
               <a:rPr lang="en-US" dirty="0" smtClean="0"/>
-              <a:t>True or False?</a:t>
-            </a:r>
-          </a:p>
-          <a:p>
-            <a:pPr lvl="1"/>
+              <a:t>What is a string</a:t>
+            </a:r>
+          </a:p>
+          <a:p>
             <a:r>
               <a:rPr lang="en-US" dirty="0" smtClean="0"/>
-              <a:t>The following values are considered False in Python:</a:t>
-            </a:r>
-          </a:p>
-          <a:p>
-            <a:pPr lvl="2"/>
-            <a:r>
-              <a:rPr lang="en-US" sz="2000" dirty="0" smtClean="0"/>
-              <a:t>None</a:t>
-            </a:r>
-          </a:p>
-          <a:p>
-            <a:pPr lvl="2"/>
-            <a:r>
-              <a:rPr lang="en-US" sz="2000" dirty="0" smtClean="0"/>
-              <a:t>False</a:t>
-            </a:r>
-          </a:p>
-          <a:p>
-            <a:pPr lvl="2"/>
-            <a:r>
-              <a:rPr lang="en-US" sz="2000" dirty="0" smtClean="0"/>
-              <a:t>Zero of any numeric type, e.g. 0, 0L, 0.0, 0j</a:t>
-            </a:r>
-          </a:p>
-          <a:p>
-            <a:pPr lvl="2"/>
-            <a:r>
-              <a:rPr lang="en-US" sz="2000" dirty="0" smtClean="0"/>
-              <a:t>Any empty sequence, e.g. ‘’,(),[]</a:t>
-            </a:r>
-          </a:p>
-          <a:p>
-            <a:pPr lvl="2"/>
-            <a:r>
-              <a:rPr lang="en-US" sz="2000" dirty="0" smtClean="0"/>
-              <a:t>Any empty mapping, e.g. {}</a:t>
-            </a:r>
-          </a:p>
-          <a:p>
-            <a:pPr lvl="1"/>
+              <a:t>String manipulation</a:t>
+            </a:r>
+          </a:p>
+          <a:p>
             <a:r>
               <a:rPr lang="en-US" dirty="0" smtClean="0"/>
-              <a:t>All other values are considered True</a:t>
-            </a:r>
-            <a:endParaRPr lang="en-US" dirty="0" smtClean="0"/>
+              <a:t>String methods</a:t>
+            </a:r>
+            <a:endParaRPr lang="en-US" dirty="0"/>
           </a:p>
         </p:txBody>
       </p:sp>
@@ -20664,7 +20624,7 @@
           <a:p>
             <a:r>
               <a:rPr lang="en-US" dirty="0" smtClean="0"/>
-              <a:t>Booleans</a:t>
+              <a:t>Strings</a:t>
             </a:r>
             <a:endParaRPr lang="en-US" dirty="0"/>
           </a:p>
@@ -20673,7 +20633,7 @@
     </p:spTree>
     <p:extLst>
       <p:ext uri="{BB962C8B-B14F-4D97-AF65-F5344CB8AC3E}">
-        <p14:creationId xmlns:p14="http://schemas.microsoft.com/office/powerpoint/2010/main" val="2663023457"/>
+        <p14:creationId xmlns:p14="http://schemas.microsoft.com/office/powerpoint/2010/main" val="3730273466"/>
       </p:ext>
     </p:extLst>
   </p:cSld>
@@ -20847,96 +20807,6 @@
           <a:bodyPr/>
           <a:lstStyle/>
           <a:p>
-            <a:r>
-              <a:rPr lang="en-US" dirty="0" smtClean="0"/>
-              <a:t>In expressions</a:t>
-            </a:r>
-          </a:p>
-          <a:p>
-            <a:pPr lvl="1"/>
-            <a:r>
-              <a:rPr lang="en-US" dirty="0" smtClean="0"/>
-              <a:t>Assignments: </a:t>
-            </a:r>
-            <a:r>
-              <a:rPr lang="en-US" dirty="0" err="1" smtClean="0"/>
-              <a:t>booleanVar</a:t>
-            </a:r>
-            <a:r>
-              <a:rPr lang="en-US" dirty="0" smtClean="0"/>
-              <a:t> = True</a:t>
-            </a:r>
-          </a:p>
-          <a:p>
-            <a:pPr lvl="1"/>
-            <a:r>
-              <a:rPr lang="en-US" dirty="0" smtClean="0"/>
-              <a:t>Comparisons</a:t>
-            </a:r>
-          </a:p>
-          <a:p>
-            <a:pPr lvl="2"/>
-            <a:r>
-              <a:rPr lang="en-US" dirty="0" err="1" smtClean="0"/>
-              <a:t>booleanVar</a:t>
-            </a:r>
-            <a:r>
-              <a:rPr lang="en-US" dirty="0" smtClean="0"/>
-              <a:t> == True</a:t>
-            </a:r>
-          </a:p>
-          <a:p>
-            <a:pPr lvl="2"/>
-            <a:r>
-              <a:rPr lang="en-US" dirty="0" err="1"/>
-              <a:t>booleanVar</a:t>
-            </a:r>
-            <a:r>
-              <a:rPr lang="en-US" dirty="0"/>
-              <a:t> != True</a:t>
-            </a:r>
-          </a:p>
-          <a:p>
-            <a:pPr lvl="2"/>
-            <a:r>
-              <a:rPr lang="en-US" dirty="0" err="1" smtClean="0"/>
-              <a:t>booleanVar</a:t>
-            </a:r>
-            <a:r>
-              <a:rPr lang="en-US" dirty="0" smtClean="0"/>
-              <a:t> is True</a:t>
-            </a:r>
-          </a:p>
-          <a:p>
-            <a:pPr lvl="2"/>
-            <a:r>
-              <a:rPr lang="en-US" dirty="0" err="1" smtClean="0"/>
-              <a:t>booleanVar</a:t>
-            </a:r>
-            <a:r>
-              <a:rPr lang="en-US" dirty="0" smtClean="0"/>
-              <a:t> is not True</a:t>
-            </a:r>
-            <a:endParaRPr lang="en-US" dirty="0" smtClean="0"/>
-          </a:p>
-          <a:p>
-            <a:pPr lvl="2"/>
-            <a:r>
-              <a:rPr lang="en-US" dirty="0" err="1" smtClean="0"/>
-              <a:t>booleanVar</a:t>
-            </a:r>
-            <a:endParaRPr lang="en-US" dirty="0" smtClean="0"/>
-          </a:p>
-          <a:p>
-            <a:pPr lvl="2"/>
-            <a:r>
-              <a:rPr lang="en-US" dirty="0" smtClean="0"/>
-              <a:t>not </a:t>
-            </a:r>
-            <a:r>
-              <a:rPr lang="en-US" dirty="0" err="1" smtClean="0"/>
-              <a:t>booleanVar</a:t>
-            </a:r>
             <a:endParaRPr lang="en-US" dirty="0"/>
           </a:p>
         </p:txBody>
@@ -20958,7 +20828,7 @@
           <a:p>
             <a:r>
               <a:rPr lang="en-US" dirty="0" smtClean="0"/>
-              <a:t>Booleans</a:t>
+              <a:t>Strings: Examples</a:t>
             </a:r>
             <a:endParaRPr lang="en-US" dirty="0"/>
           </a:p>
@@ -20967,7 +20837,7 @@
     </p:spTree>
     <p:extLst>
       <p:ext uri="{BB962C8B-B14F-4D97-AF65-F5344CB8AC3E}">
-        <p14:creationId xmlns:p14="http://schemas.microsoft.com/office/powerpoint/2010/main" val="3718321057"/>
+        <p14:creationId xmlns:p14="http://schemas.microsoft.com/office/powerpoint/2010/main" val="1556957272"/>
       </p:ext>
     </p:extLst>
   </p:cSld>
@@ -21021,48 +20891,65 @@
         </p:nvSpPr>
         <p:spPr/>
         <p:txBody>
-          <a:bodyPr/>
+          <a:bodyPr>
+            <a:normAutofit/>
+          </a:bodyPr>
           <a:lstStyle/>
           <a:p>
             <a:r>
               <a:rPr lang="en-US" dirty="0" smtClean="0"/>
-              <a:t>List</a:t>
+              <a:t>True or False?</a:t>
             </a:r>
           </a:p>
           <a:p>
             <a:pPr lvl="1"/>
             <a:r>
-              <a:rPr lang="en-US" sz="2400" dirty="0" smtClean="0"/>
-              <a:t>Comma separated values between square brackets</a:t>
+              <a:rPr lang="en-US" dirty="0" smtClean="0"/>
+              <a:t>The following values are considered False in Python:</a:t>
+            </a:r>
+          </a:p>
+          <a:p>
+            <a:pPr lvl="2"/>
+            <a:r>
+              <a:rPr lang="en-US" sz="2000" dirty="0" smtClean="0"/>
+              <a:t>None</a:t>
+            </a:r>
+          </a:p>
+          <a:p>
+            <a:pPr lvl="2"/>
+            <a:r>
+              <a:rPr lang="en-US" sz="2000" dirty="0" smtClean="0"/>
+              <a:t>False</a:t>
+            </a:r>
+          </a:p>
+          <a:p>
+            <a:pPr lvl="2"/>
+            <a:r>
+              <a:rPr lang="en-US" sz="2000" dirty="0" smtClean="0"/>
+              <a:t>Zero of any numeric type, e.g. 0, 0L, 0.0, 0j</a:t>
+            </a:r>
+          </a:p>
+          <a:p>
+            <a:pPr lvl="2"/>
+            <a:r>
+              <a:rPr lang="en-US" sz="2000" dirty="0" smtClean="0"/>
+              <a:t>Any empty sequence, e.g. ‘’,(),[]</a:t>
+            </a:r>
+          </a:p>
+          <a:p>
+            <a:pPr lvl="2"/>
+            <a:r>
+              <a:rPr lang="en-US" sz="2000" dirty="0" smtClean="0"/>
+              <a:t>Any empty mapping, e.g. {}</a:t>
             </a:r>
           </a:p>
           <a:p>
             <a:pPr lvl="1"/>
             <a:r>
-              <a:rPr lang="en-US" sz="2400" dirty="0" smtClean="0"/>
-              <a:t>Each element has an index</a:t>
-            </a:r>
-          </a:p>
-          <a:p>
-            <a:pPr lvl="1"/>
-            <a:r>
-              <a:rPr lang="en-US" sz="2400" dirty="0" smtClean="0"/>
-              <a:t>Elements can be of mixed data types</a:t>
-            </a:r>
-          </a:p>
-          <a:p>
-            <a:pPr lvl="1"/>
-            <a:r>
-              <a:rPr lang="en-US" sz="2400" dirty="0" smtClean="0"/>
-              <a:t>Indices are zero-based</a:t>
-            </a:r>
-          </a:p>
-          <a:p>
-            <a:pPr lvl="1"/>
-            <a:r>
-              <a:rPr lang="en-US" sz="2400" dirty="0" smtClean="0"/>
-              <a:t>Built-in functions include indexing, adding, slicing, checking for membership, and sequence length </a:t>
-            </a:r>
+              <a:rPr lang="en-US" dirty="0" smtClean="0"/>
+              <a:t>All other values are considered True</a:t>
+            </a:r>
+            <a:endParaRPr lang="en-US" dirty="0" smtClean="0"/>
           </a:p>
         </p:txBody>
       </p:sp>
@@ -21083,7 +20970,7 @@
           <a:p>
             <a:r>
               <a:rPr lang="en-US" dirty="0" smtClean="0"/>
-              <a:t>Lists and Tuples</a:t>
+              <a:t>Booleans</a:t>
             </a:r>
             <a:endParaRPr lang="en-US" dirty="0"/>
           </a:p>
@@ -21092,7 +20979,7 @@
     </p:spTree>
     <p:extLst>
       <p:ext uri="{BB962C8B-B14F-4D97-AF65-F5344CB8AC3E}">
-        <p14:creationId xmlns:p14="http://schemas.microsoft.com/office/powerpoint/2010/main" val="1010290534"/>
+        <p14:creationId xmlns:p14="http://schemas.microsoft.com/office/powerpoint/2010/main" val="2663023457"/>
       </p:ext>
     </p:extLst>
   </p:cSld>
@@ -21151,77 +21038,95 @@
           <a:p>
             <a:r>
               <a:rPr lang="en-US" dirty="0" smtClean="0"/>
-              <a:t>List examples</a:t>
+              <a:t>In expressions</a:t>
             </a:r>
           </a:p>
           <a:p>
             <a:pPr lvl="1"/>
             <a:r>
+              <a:rPr lang="en-US" dirty="0" smtClean="0"/>
+              <a:t>Assignments: </a:t>
+            </a:r>
+            <a:r>
               <a:rPr lang="en-US" dirty="0" err="1" smtClean="0"/>
-              <a:t>aList</a:t>
+              <a:t>booleanVar</a:t>
             </a:r>
             <a:r>
               <a:rPr lang="en-US" dirty="0" smtClean="0"/>
-              <a:t> = [ 1, 2, 3, 5, 8, 13, 21 ]</a:t>
+              <a:t> = True</a:t>
             </a:r>
           </a:p>
           <a:p>
             <a:pPr lvl="1"/>
             <a:r>
+              <a:rPr lang="en-US" dirty="0" smtClean="0"/>
+              <a:t>Comparisons</a:t>
+            </a:r>
+          </a:p>
+          <a:p>
+            <a:pPr lvl="2"/>
+            <a:r>
               <a:rPr lang="en-US" dirty="0" err="1" smtClean="0"/>
-              <a:t>bList</a:t>
+              <a:t>booleanVar</a:t>
             </a:r>
             <a:r>
               <a:rPr lang="en-US" dirty="0" smtClean="0"/>
-              <a:t> = [ ‘Homer’, ‘Marge’, ‘Bart’, ‘Lisa’, ‘Maggie’ ]</a:t>
-            </a:r>
-          </a:p>
-          <a:p>
-            <a:pPr lvl="1"/>
+              <a:t> == True</a:t>
+            </a:r>
+          </a:p>
+          <a:p>
+            <a:pPr lvl="2"/>
+            <a:r>
+              <a:rPr lang="en-US" dirty="0" err="1"/>
+              <a:t>booleanVar</a:t>
+            </a:r>
+            <a:r>
+              <a:rPr lang="en-US" dirty="0"/>
+              <a:t> != True</a:t>
+            </a:r>
+          </a:p>
+          <a:p>
+            <a:pPr lvl="2"/>
             <a:r>
               <a:rPr lang="en-US" dirty="0" err="1" smtClean="0"/>
-              <a:t>cList</a:t>
+              <a:t>booleanVar</a:t>
             </a:r>
             <a:r>
               <a:rPr lang="en-US" dirty="0" smtClean="0"/>
-              <a:t> = [ ‘Ford’, True, ‘</a:t>
-            </a:r>
+              <a:t> is True</a:t>
+            </a:r>
+          </a:p>
+          <a:p>
+            <a:pPr lvl="2"/>
             <a:r>
               <a:rPr lang="en-US" dirty="0" err="1" smtClean="0"/>
-              <a:t>Zaphod</a:t>
+              <a:t>booleanVar</a:t>
             </a:r>
             <a:r>
               <a:rPr lang="en-US" dirty="0" smtClean="0"/>
-              <a:t>’, 42]</a:t>
-            </a:r>
-          </a:p>
-          <a:p>
+              <a:t> is not True</a:t>
+            </a:r>
+            <a:endParaRPr lang="en-US" dirty="0" smtClean="0"/>
+          </a:p>
+          <a:p>
+            <a:pPr lvl="2"/>
+            <a:r>
+              <a:rPr lang="en-US" dirty="0" err="1" smtClean="0"/>
+              <a:t>booleanVar</a:t>
+            </a:r>
+            <a:endParaRPr lang="en-US" dirty="0" smtClean="0"/>
+          </a:p>
+          <a:p>
+            <a:pPr lvl="2"/>
             <a:r>
               <a:rPr lang="en-US" dirty="0" smtClean="0"/>
-              <a:t>Accessing</a:t>
-            </a:r>
-          </a:p>
-          <a:p>
-            <a:pPr lvl="1"/>
+              <a:t>not </a:t>
+            </a:r>
             <a:r>
               <a:rPr lang="en-US" dirty="0" err="1" smtClean="0"/>
-              <a:t>aList</a:t>
-            </a:r>
-            <a:r>
-              <a:rPr lang="en-US" dirty="0" smtClean="0"/>
-              <a:t>[5]</a:t>
-            </a:r>
-          </a:p>
-          <a:p>
-            <a:pPr lvl="1"/>
-            <a:r>
-              <a:rPr lang="en-US" dirty="0" err="1" smtClean="0"/>
-              <a:t>bList</a:t>
-            </a:r>
-            <a:r>
-              <a:rPr lang="en-US" dirty="0" smtClean="0"/>
-              <a:t>[1:3]</a:t>
-            </a:r>
+              <a:t>booleanVar</a:t>
+            </a:r>
+            <a:endParaRPr lang="en-US" dirty="0"/>
           </a:p>
         </p:txBody>
       </p:sp>
@@ -21242,7 +21147,7 @@
           <a:p>
             <a:r>
               <a:rPr lang="en-US" dirty="0" smtClean="0"/>
-              <a:t>Lists</a:t>
+              <a:t>Booleans</a:t>
             </a:r>
             <a:endParaRPr lang="en-US" dirty="0"/>
           </a:p>
@@ -21251,7 +21156,7 @@
     </p:spTree>
     <p:extLst>
       <p:ext uri="{BB962C8B-B14F-4D97-AF65-F5344CB8AC3E}">
-        <p14:creationId xmlns:p14="http://schemas.microsoft.com/office/powerpoint/2010/main" val="431724570"/>
+        <p14:creationId xmlns:p14="http://schemas.microsoft.com/office/powerpoint/2010/main" val="3718321057"/>
       </p:ext>
     </p:extLst>
   </p:cSld>
@@ -21308,84 +21213,7 @@
           <a:bodyPr/>
           <a:lstStyle/>
           <a:p>
-            <a:r>
-              <a:rPr lang="en-US" dirty="0" smtClean="0"/>
-              <a:t>Updating</a:t>
-            </a:r>
-          </a:p>
-          <a:p>
-            <a:pPr lvl="1"/>
-            <a:r>
-              <a:rPr lang="en-US" dirty="0" err="1" smtClean="0"/>
-              <a:t>aList</a:t>
-            </a:r>
-            <a:r>
-              <a:rPr lang="en-US" dirty="0" smtClean="0"/>
-              <a:t>[5] = 15</a:t>
-            </a:r>
-          </a:p>
-          <a:p>
-            <a:pPr lvl="1"/>
-            <a:r>
-              <a:rPr lang="en-US" dirty="0" err="1" smtClean="0"/>
-              <a:t>aList.append</a:t>
-            </a:r>
-            <a:r>
-              <a:rPr lang="en-US" dirty="0" smtClean="0"/>
-              <a:t>(15)</a:t>
-            </a:r>
-          </a:p>
-          <a:p>
-            <a:pPr lvl="1"/>
-            <a:r>
-              <a:rPr lang="en-US" dirty="0" err="1" smtClean="0"/>
-              <a:t>aList.extend</a:t>
-            </a:r>
-            <a:r>
-              <a:rPr lang="en-US" dirty="0" smtClean="0"/>
-              <a:t>(</a:t>
-            </a:r>
-            <a:r>
-              <a:rPr lang="en-US" dirty="0" err="1" smtClean="0"/>
-              <a:t>bList</a:t>
-            </a:r>
-            <a:r>
-              <a:rPr lang="en-US" dirty="0" smtClean="0"/>
-              <a:t>)</a:t>
-            </a:r>
-          </a:p>
-          <a:p>
-            <a:pPr lvl="1"/>
-            <a:r>
-              <a:rPr lang="en-US" dirty="0" err="1" smtClean="0"/>
-              <a:t>bList.remove</a:t>
-            </a:r>
-            <a:r>
-              <a:rPr lang="en-US" dirty="0" smtClean="0"/>
-              <a:t>(‘Bart’)</a:t>
-            </a:r>
-          </a:p>
-          <a:p>
-            <a:pPr lvl="1"/>
-            <a:r>
-              <a:rPr lang="en-US" dirty="0" err="1" smtClean="0"/>
-              <a:t>bList.pop</a:t>
-            </a:r>
-            <a:r>
-              <a:rPr lang="en-US" dirty="0" smtClean="0"/>
-              <a:t>(2)</a:t>
-            </a:r>
-          </a:p>
-          <a:p>
-            <a:pPr lvl="1"/>
-            <a:r>
-              <a:rPr lang="en-US" dirty="0" err="1" smtClean="0"/>
-              <a:t>bList.index</a:t>
-            </a:r>
-            <a:r>
-              <a:rPr lang="en-US" dirty="0" smtClean="0"/>
-              <a:t>(‘Maggie’)</a:t>
-            </a:r>
+            <a:endParaRPr lang="en-US" dirty="0"/>
           </a:p>
         </p:txBody>
       </p:sp>
@@ -21406,7 +21234,7 @@
           <a:p>
             <a:r>
               <a:rPr lang="en-US" dirty="0" smtClean="0"/>
-              <a:t>Lists</a:t>
+              <a:t>Booleans: Examples</a:t>
             </a:r>
             <a:endParaRPr lang="en-US" dirty="0"/>
           </a:p>
@@ -21415,7 +21243,7 @@
     </p:spTree>
     <p:extLst>
       <p:ext uri="{BB962C8B-B14F-4D97-AF65-F5344CB8AC3E}">
-        <p14:creationId xmlns:p14="http://schemas.microsoft.com/office/powerpoint/2010/main" val="3529641530"/>
+        <p14:creationId xmlns:p14="http://schemas.microsoft.com/office/powerpoint/2010/main" val="2935414783"/>
       </p:ext>
     </p:extLst>
   </p:cSld>
@@ -21469,84 +21297,48 @@
         </p:nvSpPr>
         <p:spPr/>
         <p:txBody>
-          <a:bodyPr>
-            <a:normAutofit/>
-          </a:bodyPr>
+          <a:bodyPr/>
           <a:lstStyle/>
           <a:p>
             <a:r>
               <a:rPr lang="en-US" dirty="0" smtClean="0"/>
-              <a:t>Tuple</a:t>
+              <a:t>List</a:t>
             </a:r>
           </a:p>
           <a:p>
             <a:pPr lvl="1"/>
             <a:r>
-              <a:rPr lang="en-US" sz="2400" dirty="0"/>
-              <a:t>Immutable sequence of objects</a:t>
+              <a:rPr lang="en-US" sz="2400" dirty="0" smtClean="0"/>
+              <a:t>Comma separated values between square brackets</a:t>
             </a:r>
           </a:p>
           <a:p>
             <a:pPr lvl="1"/>
             <a:r>
               <a:rPr lang="en-US" sz="2400" dirty="0" smtClean="0"/>
-              <a:t>Tuples are sequences, like Lists</a:t>
+              <a:t>Each element has an index</a:t>
             </a:r>
           </a:p>
           <a:p>
             <a:pPr lvl="1"/>
             <a:r>
               <a:rPr lang="en-US" sz="2400" dirty="0" smtClean="0"/>
-              <a:t>Uses parentheses instead of square brackets</a:t>
+              <a:t>Elements can be of mixed data types</a:t>
             </a:r>
           </a:p>
           <a:p>
             <a:pPr lvl="1"/>
             <a:r>
-              <a:rPr lang="en-US" sz="2400" dirty="0"/>
-              <a:t>Each element has an index</a:t>
+              <a:rPr lang="en-US" sz="2400" dirty="0" smtClean="0"/>
+              <a:t>Indices are zero-based</a:t>
             </a:r>
           </a:p>
           <a:p>
             <a:pPr lvl="1"/>
             <a:r>
-              <a:rPr lang="en-US" sz="2400" dirty="0"/>
-              <a:t>Elements can be of mixed data types</a:t>
-            </a:r>
-          </a:p>
-          <a:p>
-            <a:pPr lvl="1"/>
-            <a:r>
-              <a:rPr lang="en-US" sz="2400" dirty="0"/>
-              <a:t>Indices are zero-based</a:t>
-            </a:r>
-          </a:p>
-          <a:p>
-            <a:pPr lvl="1"/>
-            <a:r>
-              <a:rPr lang="en-US" sz="2400" dirty="0"/>
-              <a:t>Built-in functions for </a:t>
-            </a:r>
-            <a:r>
               <a:rPr lang="en-US" sz="2400" dirty="0" smtClean="0"/>
-              <a:t>indexing, slicing</a:t>
-            </a:r>
-            <a:r>
-              <a:rPr lang="en-US" sz="2400" dirty="0"/>
-              <a:t>, checking for membership, and sequence length </a:t>
-            </a:r>
-          </a:p>
-          <a:p>
-            <a:pPr marL="0" indent="0">
-              <a:buNone/>
-            </a:pPr>
-            <a:endParaRPr lang="en-US" dirty="0" smtClean="0"/>
-          </a:p>
-          <a:p>
-            <a:endParaRPr lang="en-US" dirty="0" smtClean="0"/>
-          </a:p>
-          <a:p>
-            <a:endParaRPr lang="en-US" dirty="0"/>
+              <a:t>Built-in functions include indexing, adding, slicing, checking for membership, and sequence length </a:t>
+            </a:r>
           </a:p>
         </p:txBody>
       </p:sp>
@@ -21567,7 +21359,7 @@
           <a:p>
             <a:r>
               <a:rPr lang="en-US" dirty="0" smtClean="0"/>
-              <a:t>Tuples</a:t>
+              <a:t>Lists and Tuples</a:t>
             </a:r>
             <a:endParaRPr lang="en-US" dirty="0"/>
           </a:p>
@@ -21576,7 +21368,7 @@
     </p:spTree>
     <p:extLst>
       <p:ext uri="{BB962C8B-B14F-4D97-AF65-F5344CB8AC3E}">
-        <p14:creationId xmlns:p14="http://schemas.microsoft.com/office/powerpoint/2010/main" val="744933297"/>
+        <p14:creationId xmlns:p14="http://schemas.microsoft.com/office/powerpoint/2010/main" val="1010290534"/>
       </p:ext>
     </p:extLst>
   </p:cSld>
@@ -21635,59 +21427,48 @@
           <a:p>
             <a:r>
               <a:rPr lang="en-US" dirty="0" smtClean="0"/>
-              <a:t>Tuple examples</a:t>
+              <a:t>List examples</a:t>
             </a:r>
           </a:p>
           <a:p>
             <a:pPr lvl="1"/>
             <a:r>
               <a:rPr lang="en-US" dirty="0" err="1" smtClean="0"/>
-              <a:t>aTuple</a:t>
+              <a:t>aList</a:t>
             </a:r>
             <a:r>
               <a:rPr lang="en-US" dirty="0" smtClean="0"/>
-              <a:t> = ( 1, 2, 3, 4, 5, 6 )</a:t>
+              <a:t> = [ 1, 2, 3, 5, 8, 13, 21 ]</a:t>
             </a:r>
           </a:p>
           <a:p>
             <a:pPr lvl="1"/>
             <a:r>
               <a:rPr lang="en-US" dirty="0" err="1" smtClean="0"/>
-              <a:t>bTuple</a:t>
+              <a:t>bList</a:t>
             </a:r>
             <a:r>
               <a:rPr lang="en-US" dirty="0" smtClean="0"/>
-              <a:t> = ‘Peter’, ’Lois’, ’Chris’, ‘</a:t>
-            </a:r>
+              <a:t> = [ ‘Homer’, ‘Marge’, ‘Bart’, ‘Lisa’, ‘Maggie’ ]</a:t>
+            </a:r>
+          </a:p>
+          <a:p>
+            <a:pPr lvl="1"/>
             <a:r>
               <a:rPr lang="en-US" dirty="0" err="1" smtClean="0"/>
-              <a:t>Stewie</a:t>
+              <a:t>cList</a:t>
             </a:r>
             <a:r>
               <a:rPr lang="en-US" dirty="0" smtClean="0"/>
-              <a:t>’</a:t>
-            </a:r>
-          </a:p>
-          <a:p>
-            <a:pPr lvl="1"/>
+              <a:t> = [ ‘Ford’, True, ‘</a:t>
+            </a:r>
             <a:r>
               <a:rPr lang="en-US" dirty="0" err="1" smtClean="0"/>
-              <a:t>cTuple</a:t>
+              <a:t>Zaphod</a:t>
             </a:r>
             <a:r>
               <a:rPr lang="en-US" dirty="0" smtClean="0"/>
-              <a:t> = ( ‘Meg’, )</a:t>
-            </a:r>
-          </a:p>
-          <a:p>
-            <a:pPr lvl="1"/>
-            <a:r>
-              <a:rPr lang="en-US" dirty="0" err="1" smtClean="0"/>
-              <a:t>dTuple</a:t>
-            </a:r>
-            <a:r>
-              <a:rPr lang="en-US" dirty="0" smtClean="0"/>
-              <a:t> = ()</a:t>
+              <a:t>’, 42]</a:t>
             </a:r>
           </a:p>
           <a:p>
@@ -21700,24 +21481,23 @@
             <a:pPr lvl="1"/>
             <a:r>
               <a:rPr lang="en-US" dirty="0" err="1" smtClean="0"/>
-              <a:t>aTuple</a:t>
+              <a:t>aList</a:t>
             </a:r>
             <a:r>
               <a:rPr lang="en-US" dirty="0" smtClean="0"/>
-              <a:t>[1]</a:t>
+              <a:t>[5]</a:t>
             </a:r>
           </a:p>
           <a:p>
             <a:pPr lvl="1"/>
             <a:r>
               <a:rPr lang="en-US" dirty="0" err="1" smtClean="0"/>
-              <a:t>bTuple</a:t>
+              <a:t>bList</a:t>
             </a:r>
             <a:r>
               <a:rPr lang="en-US" dirty="0" smtClean="0"/>
-              <a:t>[1:2]</a:t>
-            </a:r>
-            <a:endParaRPr lang="en-US" dirty="0"/>
+              <a:t>[1:3]</a:t>
+            </a:r>
           </a:p>
         </p:txBody>
       </p:sp>
@@ -21738,7 +21518,7 @@
           <a:p>
             <a:r>
               <a:rPr lang="en-US" dirty="0" smtClean="0"/>
-              <a:t>Tuples</a:t>
+              <a:t>Lists</a:t>
             </a:r>
             <a:endParaRPr lang="en-US" dirty="0"/>
           </a:p>
@@ -21747,7 +21527,7 @@
     </p:spTree>
     <p:extLst>
       <p:ext uri="{BB962C8B-B14F-4D97-AF65-F5344CB8AC3E}">
-        <p14:creationId xmlns:p14="http://schemas.microsoft.com/office/powerpoint/2010/main" val="4108387058"/>
+        <p14:creationId xmlns:p14="http://schemas.microsoft.com/office/powerpoint/2010/main" val="431724570"/>
       </p:ext>
     </p:extLst>
   </p:cSld>
@@ -21812,40 +21592,76 @@
           <a:p>
             <a:pPr lvl="1"/>
             <a:r>
+              <a:rPr lang="en-US" dirty="0" err="1" smtClean="0"/>
+              <a:t>aList</a:t>
+            </a:r>
+            <a:r>
               <a:rPr lang="en-US" dirty="0" smtClean="0"/>
-              <a:t>Cannot be updated</a:t>
+              <a:t>[5] = 15</a:t>
             </a:r>
           </a:p>
           <a:p>
             <a:pPr lvl="1"/>
             <a:r>
+              <a:rPr lang="en-US" dirty="0" err="1" smtClean="0"/>
+              <a:t>aList.append</a:t>
+            </a:r>
+            <a:r>
               <a:rPr lang="en-US" dirty="0" smtClean="0"/>
-              <a:t>BUT a new tuple can be constructed by concatenating other tuples</a:t>
-            </a:r>
-          </a:p>
-          <a:p>
-            <a:pPr lvl="2"/>
+              <a:t>(15)</a:t>
+            </a:r>
+          </a:p>
+          <a:p>
+            <a:pPr lvl="1"/>
             <a:r>
               <a:rPr lang="en-US" dirty="0" err="1" smtClean="0"/>
-              <a:t>eTuple</a:t>
+              <a:t>aList.extend</a:t>
             </a:r>
             <a:r>
               <a:rPr lang="en-US" dirty="0" smtClean="0"/>
-              <a:t> = </a:t>
+              <a:t>(</a:t>
             </a:r>
             <a:r>
               <a:rPr lang="en-US" dirty="0" err="1" smtClean="0"/>
-              <a:t>bTuple</a:t>
+              <a:t>bList</a:t>
             </a:r>
             <a:r>
               <a:rPr lang="en-US" dirty="0" smtClean="0"/>
-              <a:t> + </a:t>
-            </a:r>
+              <a:t>)</a:t>
+            </a:r>
+          </a:p>
+          <a:p>
+            <a:pPr lvl="1"/>
             <a:r>
               <a:rPr lang="en-US" dirty="0" err="1" smtClean="0"/>
-              <a:t>cTuple</a:t>
-            </a:r>
-            <a:endParaRPr lang="en-US" dirty="0"/>
+              <a:t>bList.remove</a:t>
+            </a:r>
+            <a:r>
+              <a:rPr lang="en-US" dirty="0" smtClean="0"/>
+              <a:t>(‘Bart’)</a:t>
+            </a:r>
+          </a:p>
+          <a:p>
+            <a:pPr lvl="1"/>
+            <a:r>
+              <a:rPr lang="en-US" dirty="0" err="1" smtClean="0"/>
+              <a:t>bList.pop</a:t>
+            </a:r>
+            <a:r>
+              <a:rPr lang="en-US" dirty="0" smtClean="0"/>
+              <a:t>(2)</a:t>
+            </a:r>
+          </a:p>
+          <a:p>
+            <a:pPr lvl="1"/>
+            <a:r>
+              <a:rPr lang="en-US" dirty="0" err="1" smtClean="0"/>
+              <a:t>bList.index</a:t>
+            </a:r>
+            <a:r>
+              <a:rPr lang="en-US" dirty="0" smtClean="0"/>
+              <a:t>(‘Maggie’)</a:t>
+            </a:r>
           </a:p>
         </p:txBody>
       </p:sp>
@@ -21866,7 +21682,7 @@
           <a:p>
             <a:r>
               <a:rPr lang="en-US" dirty="0" smtClean="0"/>
-              <a:t>Tuples</a:t>
+              <a:t>Lists</a:t>
             </a:r>
             <a:endParaRPr lang="en-US" dirty="0"/>
           </a:p>
@@ -21875,7 +21691,7 @@
     </p:spTree>
     <p:extLst>
       <p:ext uri="{BB962C8B-B14F-4D97-AF65-F5344CB8AC3E}">
-        <p14:creationId xmlns:p14="http://schemas.microsoft.com/office/powerpoint/2010/main" val="325047374"/>
+        <p14:creationId xmlns:p14="http://schemas.microsoft.com/office/powerpoint/2010/main" val="3529641530"/>
       </p:ext>
     </p:extLst>
   </p:cSld>
@@ -21929,43 +21745,83 @@
         </p:nvSpPr>
         <p:spPr/>
         <p:txBody>
-          <a:bodyPr/>
+          <a:bodyPr>
+            <a:normAutofit/>
+          </a:bodyPr>
           <a:lstStyle/>
           <a:p>
             <a:r>
               <a:rPr lang="en-US" dirty="0" smtClean="0"/>
-              <a:t>Also known as “associative arrays”</a:t>
-            </a:r>
-          </a:p>
-          <a:p>
-            <a:r>
-              <a:rPr lang="en-US" dirty="0" smtClean="0"/>
-              <a:t>Indexed by keys</a:t>
-            </a:r>
-          </a:p>
-          <a:p>
-            <a:r>
-              <a:rPr lang="en-US" dirty="0" smtClean="0"/>
-              <a:t>An unordered set of </a:t>
-            </a:r>
-            <a:r>
-              <a:rPr lang="en-US" i="1" dirty="0" err="1" smtClean="0"/>
-              <a:t>key:value</a:t>
-            </a:r>
-            <a:r>
-              <a:rPr lang="en-US" dirty="0"/>
-              <a:t> </a:t>
-            </a:r>
-            <a:r>
-              <a:rPr lang="en-US" dirty="0" smtClean="0"/>
-              <a:t>pairs</a:t>
-            </a:r>
-          </a:p>
-          <a:p>
-            <a:r>
-              <a:rPr lang="en-US" dirty="0" smtClean="0"/>
-              <a:t>Keys must be unique to the dictionary</a:t>
-            </a:r>
+              <a:t>Tuple</a:t>
+            </a:r>
+          </a:p>
+          <a:p>
+            <a:pPr lvl="1"/>
+            <a:r>
+              <a:rPr lang="en-US" sz="2400" dirty="0"/>
+              <a:t>Immutable sequence of objects</a:t>
+            </a:r>
+          </a:p>
+          <a:p>
+            <a:pPr lvl="1"/>
+            <a:r>
+              <a:rPr lang="en-US" sz="2400" dirty="0" smtClean="0"/>
+              <a:t>Tuples are sequences, like Lists</a:t>
+            </a:r>
+          </a:p>
+          <a:p>
+            <a:pPr lvl="1"/>
+            <a:r>
+              <a:rPr lang="en-US" sz="2400" dirty="0" smtClean="0"/>
+              <a:t>Uses parentheses instead of square brackets</a:t>
+            </a:r>
+          </a:p>
+          <a:p>
+            <a:pPr lvl="1"/>
+            <a:r>
+              <a:rPr lang="en-US" sz="2400" dirty="0"/>
+              <a:t>Each element has an index</a:t>
+            </a:r>
+          </a:p>
+          <a:p>
+            <a:pPr lvl="1"/>
+            <a:r>
+              <a:rPr lang="en-US" sz="2400" dirty="0"/>
+              <a:t>Elements can be of mixed data types</a:t>
+            </a:r>
+          </a:p>
+          <a:p>
+            <a:pPr lvl="1"/>
+            <a:r>
+              <a:rPr lang="en-US" sz="2400" dirty="0"/>
+              <a:t>Indices are zero-based</a:t>
+            </a:r>
+          </a:p>
+          <a:p>
+            <a:pPr lvl="1"/>
+            <a:r>
+              <a:rPr lang="en-US" sz="2400" dirty="0"/>
+              <a:t>Built-in functions for </a:t>
+            </a:r>
+            <a:r>
+              <a:rPr lang="en-US" sz="2400" dirty="0" smtClean="0"/>
+              <a:t>indexing, slicing</a:t>
+            </a:r>
+            <a:r>
+              <a:rPr lang="en-US" sz="2400" dirty="0"/>
+              <a:t>, checking for membership, and sequence length </a:t>
+            </a:r>
+          </a:p>
+          <a:p>
+            <a:pPr marL="0" indent="0">
+              <a:buNone/>
+            </a:pPr>
+            <a:endParaRPr lang="en-US" dirty="0" smtClean="0"/>
+          </a:p>
+          <a:p>
+            <a:endParaRPr lang="en-US" dirty="0" smtClean="0"/>
+          </a:p>
+          <a:p>
             <a:endParaRPr lang="en-US" dirty="0"/>
           </a:p>
         </p:txBody>
@@ -21987,7 +21843,7 @@
           <a:p>
             <a:r>
               <a:rPr lang="en-US" dirty="0" smtClean="0"/>
-              <a:t>Dictionaries</a:t>
+              <a:t>Tuples</a:t>
             </a:r>
             <a:endParaRPr lang="en-US" dirty="0"/>
           </a:p>
@@ -21996,7 +21852,7 @@
     </p:spTree>
     <p:extLst>
       <p:ext uri="{BB962C8B-B14F-4D97-AF65-F5344CB8AC3E}">
-        <p14:creationId xmlns:p14="http://schemas.microsoft.com/office/powerpoint/2010/main" val="695546065"/>
+        <p14:creationId xmlns:p14="http://schemas.microsoft.com/office/powerpoint/2010/main" val="744933297"/>
       </p:ext>
     </p:extLst>
   </p:cSld>
@@ -22055,67 +21911,87 @@
           <a:p>
             <a:r>
               <a:rPr lang="en-US" dirty="0" smtClean="0"/>
-              <a:t>Construction</a:t>
+              <a:t>Tuple examples</a:t>
             </a:r>
           </a:p>
           <a:p>
             <a:pPr lvl="1"/>
             <a:r>
               <a:rPr lang="en-US" dirty="0" err="1" smtClean="0"/>
-              <a:t>dictVar</a:t>
+              <a:t>aTuple</a:t>
             </a:r>
             <a:r>
               <a:rPr lang="en-US" dirty="0" smtClean="0"/>
-              <a:t> = { ‘Alex’ : 10, ‘Bob’: 20, ‘Chris’: 30 }</a:t>
+              <a:t> = ( 1, 2, 3, 4, 5, 6 )</a:t>
             </a:r>
           </a:p>
           <a:p>
             <a:pPr lvl="1"/>
             <a:r>
               <a:rPr lang="en-US" dirty="0" err="1" smtClean="0"/>
-              <a:t>dictVar</a:t>
+              <a:t>bTuple</a:t>
             </a:r>
             <a:r>
               <a:rPr lang="en-US" dirty="0" smtClean="0"/>
-              <a:t> = {}</a:t>
+              <a:t> = ‘Peter’, ’Lois’, ’Chris’, ‘</a:t>
+            </a:r>
+            <a:r>
+              <a:rPr lang="en-US" dirty="0" err="1" smtClean="0"/>
+              <a:t>Stewie</a:t>
+            </a:r>
+            <a:r>
+              <a:rPr lang="en-US" dirty="0" smtClean="0"/>
+              <a:t>’</a:t>
             </a:r>
           </a:p>
           <a:p>
             <a:pPr lvl="1"/>
             <a:r>
               <a:rPr lang="en-US" dirty="0" err="1" smtClean="0"/>
-              <a:t>dictVar</a:t>
+              <a:t>cTuple</a:t>
             </a:r>
             <a:r>
               <a:rPr lang="en-US" dirty="0" smtClean="0"/>
-              <a:t> = </a:t>
-            </a:r>
+              <a:t> = ( ‘Meg’, )</a:t>
+            </a:r>
+          </a:p>
+          <a:p>
+            <a:pPr lvl="1"/>
             <a:r>
               <a:rPr lang="en-US" dirty="0" err="1" smtClean="0"/>
-              <a:t>dict</a:t>
+              <a:t>dTuple</a:t>
             </a:r>
             <a:r>
               <a:rPr lang="en-US" dirty="0" smtClean="0"/>
-              <a:t>([(‘Alex’, 10), (‘Bob’, 20), (‘Chris’, 30)])</a:t>
+              <a:t> = ()</a:t>
+            </a:r>
+          </a:p>
+          <a:p>
+            <a:r>
+              <a:rPr lang="en-US" dirty="0" smtClean="0"/>
+              <a:t>Accessing</a:t>
             </a:r>
           </a:p>
           <a:p>
             <a:pPr lvl="1"/>
             <a:r>
               <a:rPr lang="en-US" dirty="0" err="1" smtClean="0"/>
-              <a:t>dictVar</a:t>
+              <a:t>aTuple</a:t>
             </a:r>
             <a:r>
               <a:rPr lang="en-US" dirty="0" smtClean="0"/>
-              <a:t> = </a:t>
-            </a:r>
+              <a:t>[1]</a:t>
+            </a:r>
+          </a:p>
+          <a:p>
+            <a:pPr lvl="1"/>
             <a:r>
               <a:rPr lang="en-US" dirty="0" err="1" smtClean="0"/>
-              <a:t>dict</a:t>
+              <a:t>bTuple</a:t>
             </a:r>
             <a:r>
               <a:rPr lang="en-US" dirty="0" smtClean="0"/>
-              <a:t>(Alex=10, Bob=20, Chris=30)</a:t>
+              <a:t>[1:2]</a:t>
             </a:r>
             <a:endParaRPr lang="en-US" dirty="0"/>
           </a:p>
@@ -22138,7 +22014,7 @@
           <a:p>
             <a:r>
               <a:rPr lang="en-US" dirty="0" smtClean="0"/>
-              <a:t>Dictionaries</a:t>
+              <a:t>Tuples</a:t>
             </a:r>
             <a:endParaRPr lang="en-US" dirty="0"/>
           </a:p>
@@ -22147,7 +22023,7 @@
     </p:spTree>
     <p:extLst>
       <p:ext uri="{BB962C8B-B14F-4D97-AF65-F5344CB8AC3E}">
-        <p14:creationId xmlns:p14="http://schemas.microsoft.com/office/powerpoint/2010/main" val="2707938189"/>
+        <p14:creationId xmlns:p14="http://schemas.microsoft.com/office/powerpoint/2010/main" val="4108387058"/>
       </p:ext>
     </p:extLst>
   </p:cSld>
@@ -22199,50 +22075,52 @@
             <p:ph idx="1"/>
           </p:nvPr>
         </p:nvSpPr>
-        <p:spPr>
-          <a:xfrm>
-            <a:off x="972373" y="2070140"/>
-            <a:ext cx="10574965" cy="4095164"/>
-          </a:xfrm>
-        </p:spPr>
+        <p:spPr/>
         <p:txBody>
           <a:bodyPr/>
           <a:lstStyle/>
           <a:p>
             <a:r>
               <a:rPr lang="en-US" dirty="0" smtClean="0"/>
-              <a:t>Accessing</a:t>
+              <a:t>Updating</a:t>
             </a:r>
           </a:p>
           <a:p>
             <a:pPr lvl="1"/>
             <a:r>
               <a:rPr lang="en-US" dirty="0" smtClean="0"/>
-              <a:t>By key – </a:t>
-            </a:r>
+              <a:t>Cannot be updated</a:t>
+            </a:r>
+          </a:p>
+          <a:p>
+            <a:pPr lvl="1"/>
+            <a:r>
+              <a:rPr lang="en-US" dirty="0" smtClean="0"/>
+              <a:t>BUT a new tuple can be constructed by concatenating other tuples</a:t>
+            </a:r>
+          </a:p>
+          <a:p>
+            <a:pPr lvl="2"/>
             <a:r>
               <a:rPr lang="en-US" dirty="0" err="1" smtClean="0"/>
-              <a:t>dictVar</a:t>
+              <a:t>eTuple</a:t>
             </a:r>
             <a:r>
               <a:rPr lang="en-US" dirty="0" smtClean="0"/>
-              <a:t>[‘Alex’]</a:t>
-            </a:r>
-          </a:p>
-          <a:p>
-            <a:pPr lvl="1"/>
+              <a:t> = </a:t>
+            </a:r>
+            <a:r>
+              <a:rPr lang="en-US" dirty="0" err="1" smtClean="0"/>
+              <a:t>bTuple</a:t>
+            </a:r>
             <a:r>
               <a:rPr lang="en-US" dirty="0" smtClean="0"/>
-              <a:t>Iteration – for key in </a:t>
+              <a:t> + </a:t>
             </a:r>
             <a:r>
               <a:rPr lang="en-US" dirty="0" err="1" smtClean="0"/>
-              <a:t>dictVar</a:t>
-            </a:r>
-            <a:endParaRPr lang="en-US" dirty="0" smtClean="0"/>
-          </a:p>
-          <a:p>
-            <a:pPr lvl="1"/>
+              <a:t>cTuple</a:t>
+            </a:r>
             <a:endParaRPr lang="en-US" dirty="0"/>
           </a:p>
         </p:txBody>
@@ -22264,53 +22142,16 @@
           <a:p>
             <a:r>
               <a:rPr lang="en-US" dirty="0" smtClean="0"/>
-              <a:t>Dictionaries</a:t>
+              <a:t>Tuples</a:t>
             </a:r>
             <a:endParaRPr lang="en-US" dirty="0"/>
-          </a:p>
-        </p:txBody>
-      </p:sp>
-      <p:sp>
-        <p:nvSpPr>
-          <p:cNvPr id="6" name="TextBox 5"/>
-          <p:cNvSpPr txBox="1"/>
-          <p:nvPr/>
-        </p:nvSpPr>
-        <p:spPr>
-          <a:xfrm>
-            <a:off x="767408" y="1700808"/>
-            <a:ext cx="10814993" cy="369332"/>
-          </a:xfrm>
-          <a:prstGeom prst="rect">
-            <a:avLst/>
-          </a:prstGeom>
-          <a:noFill/>
-        </p:spPr>
-        <p:txBody>
-          <a:bodyPr wrap="square" rtlCol="0">
-            <a:spAutoFit/>
-          </a:bodyPr>
-          <a:lstStyle/>
-          <a:p>
-            <a:pPr lvl="1"/>
-            <a:r>
-              <a:rPr lang="en-US">
-                <a:latin typeface="Courier New" panose="02070309020205020404" pitchFamily="49" charset="0"/>
-                <a:cs typeface="Courier New" panose="02070309020205020404" pitchFamily="49" charset="0"/>
-              </a:rPr>
-              <a:t>dictVar = { ‘Alex’ : 10, ‘Bob’: 20, ‘Chris’: 30 }</a:t>
-            </a:r>
-            <a:endParaRPr lang="en-US" dirty="0">
-              <a:latin typeface="Courier New" panose="02070309020205020404" pitchFamily="49" charset="0"/>
-              <a:cs typeface="Courier New" panose="02070309020205020404" pitchFamily="49" charset="0"/>
-            </a:endParaRPr>
           </a:p>
         </p:txBody>
       </p:sp>
     </p:spTree>
     <p:extLst>
       <p:ext uri="{BB962C8B-B14F-4D97-AF65-F5344CB8AC3E}">
-        <p14:creationId xmlns:p14="http://schemas.microsoft.com/office/powerpoint/2010/main" val="1810107685"/>
+        <p14:creationId xmlns:p14="http://schemas.microsoft.com/office/powerpoint/2010/main" val="325047374"/>
       </p:ext>
     </p:extLst>
   </p:cSld>
@@ -22497,7 +22338,610 @@
           <a:bodyPr/>
           <a:lstStyle/>
           <a:p>
-            <a:endParaRPr lang="en-US"/>
+            <a:r>
+              <a:rPr lang="en-US" dirty="0" smtClean="0"/>
+              <a:t>Lists and Tuples: Examples</a:t>
+            </a:r>
+            <a:endParaRPr lang="en-US" dirty="0"/>
+          </a:p>
+        </p:txBody>
+      </p:sp>
+    </p:spTree>
+    <p:extLst>
+      <p:ext uri="{BB962C8B-B14F-4D97-AF65-F5344CB8AC3E}">
+        <p14:creationId xmlns:p14="http://schemas.microsoft.com/office/powerpoint/2010/main" val="2076899143"/>
+      </p:ext>
+    </p:extLst>
+  </p:cSld>
+  <p:clrMapOvr>
+    <a:masterClrMapping/>
+  </p:clrMapOvr>
+  <p:timing>
+    <p:tnLst>
+      <p:par>
+        <p:cTn id="1" dur="indefinite" restart="never" nodeType="tmRoot"/>
+      </p:par>
+    </p:tnLst>
+  </p:timing>
+</p:sld>
+</file>
+
+<file path=ppt/slides/slide61.xml><?xml version="1.0" encoding="utf-8"?>
+<p:sld xmlns:a="http://schemas.openxmlformats.org/drawingml/2006/main" xmlns:r="http://schemas.openxmlformats.org/officeDocument/2006/relationships" xmlns:p="http://schemas.openxmlformats.org/presentationml/2006/main">
+  <p:cSld>
+    <p:bg>
+      <p:bgPr>
+        <a:solidFill>
+          <a:schemeClr val="bg1"/>
+        </a:solidFill>
+        <a:effectLst/>
+      </p:bgPr>
+    </p:bg>
+    <p:spTree>
+      <p:nvGrpSpPr>
+        <p:cNvPr id="1" name=""/>
+        <p:cNvGrpSpPr/>
+        <p:nvPr/>
+      </p:nvGrpSpPr>
+      <p:grpSpPr>
+        <a:xfrm>
+          <a:off x="0" y="0"/>
+          <a:ext cx="0" cy="0"/>
+          <a:chOff x="0" y="0"/>
+          <a:chExt cx="0" cy="0"/>
+        </a:xfrm>
+      </p:grpSpPr>
+      <p:sp>
+        <p:nvSpPr>
+          <p:cNvPr id="4" name="Content Placeholder 3"/>
+          <p:cNvSpPr>
+            <a:spLocks noGrp="1"/>
+          </p:cNvSpPr>
+          <p:nvPr>
+            <p:ph idx="1"/>
+          </p:nvPr>
+        </p:nvSpPr>
+        <p:spPr/>
+        <p:txBody>
+          <a:bodyPr/>
+          <a:lstStyle/>
+          <a:p>
+            <a:r>
+              <a:rPr lang="en-US" dirty="0" smtClean="0"/>
+              <a:t>Also known as “associative arrays”</a:t>
+            </a:r>
+          </a:p>
+          <a:p>
+            <a:r>
+              <a:rPr lang="en-US" dirty="0" smtClean="0"/>
+              <a:t>Indexed by keys</a:t>
+            </a:r>
+          </a:p>
+          <a:p>
+            <a:r>
+              <a:rPr lang="en-US" dirty="0" smtClean="0"/>
+              <a:t>An unordered set of </a:t>
+            </a:r>
+            <a:r>
+              <a:rPr lang="en-US" i="1" dirty="0" err="1" smtClean="0"/>
+              <a:t>key:value</a:t>
+            </a:r>
+            <a:r>
+              <a:rPr lang="en-US" dirty="0"/>
+              <a:t> </a:t>
+            </a:r>
+            <a:r>
+              <a:rPr lang="en-US" dirty="0" smtClean="0"/>
+              <a:t>pairs</a:t>
+            </a:r>
+          </a:p>
+          <a:p>
+            <a:r>
+              <a:rPr lang="en-US" dirty="0" smtClean="0"/>
+              <a:t>Keys must be unique to the dictionary</a:t>
+            </a:r>
+            <a:endParaRPr lang="en-US" dirty="0"/>
+          </a:p>
+        </p:txBody>
+      </p:sp>
+      <p:sp>
+        <p:nvSpPr>
+          <p:cNvPr id="3" name="Title 2"/>
+          <p:cNvSpPr>
+            <a:spLocks noGrp="1"/>
+          </p:cNvSpPr>
+          <p:nvPr>
+            <p:ph type="title"/>
+          </p:nvPr>
+        </p:nvSpPr>
+        <p:spPr/>
+        <p:txBody>
+          <a:bodyPr/>
+          <a:lstStyle/>
+          <a:p>
+            <a:r>
+              <a:rPr lang="en-US" dirty="0" smtClean="0"/>
+              <a:t>Dictionaries</a:t>
+            </a:r>
+            <a:endParaRPr lang="en-US" dirty="0"/>
+          </a:p>
+        </p:txBody>
+      </p:sp>
+    </p:spTree>
+    <p:extLst>
+      <p:ext uri="{BB962C8B-B14F-4D97-AF65-F5344CB8AC3E}">
+        <p14:creationId xmlns:p14="http://schemas.microsoft.com/office/powerpoint/2010/main" val="695546065"/>
+      </p:ext>
+    </p:extLst>
+  </p:cSld>
+  <p:clrMapOvr>
+    <a:masterClrMapping/>
+  </p:clrMapOvr>
+  <p:timing>
+    <p:tnLst>
+      <p:par>
+        <p:cTn id="1" dur="indefinite" restart="never" nodeType="tmRoot"/>
+      </p:par>
+    </p:tnLst>
+  </p:timing>
+</p:sld>
+</file>
+
+<file path=ppt/slides/slide62.xml><?xml version="1.0" encoding="utf-8"?>
+<p:sld xmlns:a="http://schemas.openxmlformats.org/drawingml/2006/main" xmlns:r="http://schemas.openxmlformats.org/officeDocument/2006/relationships" xmlns:p="http://schemas.openxmlformats.org/presentationml/2006/main">
+  <p:cSld>
+    <p:bg>
+      <p:bgPr>
+        <a:solidFill>
+          <a:schemeClr val="bg1"/>
+        </a:solidFill>
+        <a:effectLst/>
+      </p:bgPr>
+    </p:bg>
+    <p:spTree>
+      <p:nvGrpSpPr>
+        <p:cNvPr id="1" name=""/>
+        <p:cNvGrpSpPr/>
+        <p:nvPr/>
+      </p:nvGrpSpPr>
+      <p:grpSpPr>
+        <a:xfrm>
+          <a:off x="0" y="0"/>
+          <a:ext cx="0" cy="0"/>
+          <a:chOff x="0" y="0"/>
+          <a:chExt cx="0" cy="0"/>
+        </a:xfrm>
+      </p:grpSpPr>
+      <p:sp>
+        <p:nvSpPr>
+          <p:cNvPr id="4" name="Content Placeholder 3"/>
+          <p:cNvSpPr>
+            <a:spLocks noGrp="1"/>
+          </p:cNvSpPr>
+          <p:nvPr>
+            <p:ph idx="1"/>
+          </p:nvPr>
+        </p:nvSpPr>
+        <p:spPr/>
+        <p:txBody>
+          <a:bodyPr/>
+          <a:lstStyle/>
+          <a:p>
+            <a:r>
+              <a:rPr lang="en-US" dirty="0" smtClean="0"/>
+              <a:t>Construction</a:t>
+            </a:r>
+          </a:p>
+          <a:p>
+            <a:pPr lvl="1"/>
+            <a:r>
+              <a:rPr lang="en-US" dirty="0" err="1" smtClean="0"/>
+              <a:t>dictVar</a:t>
+            </a:r>
+            <a:r>
+              <a:rPr lang="en-US" dirty="0" smtClean="0"/>
+              <a:t> = { ‘Alex’ : 10, ‘Bob’: 20, ‘Chris’: 30 }</a:t>
+            </a:r>
+          </a:p>
+          <a:p>
+            <a:pPr lvl="1"/>
+            <a:r>
+              <a:rPr lang="en-US" dirty="0" err="1" smtClean="0"/>
+              <a:t>dictVar</a:t>
+            </a:r>
+            <a:r>
+              <a:rPr lang="en-US" dirty="0" smtClean="0"/>
+              <a:t> = {}</a:t>
+            </a:r>
+          </a:p>
+          <a:p>
+            <a:pPr lvl="1"/>
+            <a:r>
+              <a:rPr lang="en-US" dirty="0" err="1" smtClean="0"/>
+              <a:t>dictVar</a:t>
+            </a:r>
+            <a:r>
+              <a:rPr lang="en-US" dirty="0" smtClean="0"/>
+              <a:t> = </a:t>
+            </a:r>
+            <a:r>
+              <a:rPr lang="en-US" dirty="0" err="1" smtClean="0"/>
+              <a:t>dict</a:t>
+            </a:r>
+            <a:r>
+              <a:rPr lang="en-US" dirty="0" smtClean="0"/>
+              <a:t>([(‘Alex’, 10), (‘Bob’, 20), (‘Chris’, 30)])</a:t>
+            </a:r>
+          </a:p>
+          <a:p>
+            <a:pPr lvl="1"/>
+            <a:r>
+              <a:rPr lang="en-US" dirty="0" err="1" smtClean="0"/>
+              <a:t>dictVar</a:t>
+            </a:r>
+            <a:r>
+              <a:rPr lang="en-US" dirty="0" smtClean="0"/>
+              <a:t> = </a:t>
+            </a:r>
+            <a:r>
+              <a:rPr lang="en-US" dirty="0" err="1" smtClean="0"/>
+              <a:t>dict</a:t>
+            </a:r>
+            <a:r>
+              <a:rPr lang="en-US" dirty="0" smtClean="0"/>
+              <a:t>(Alex=10, Bob=20, Chris=30)</a:t>
+            </a:r>
+            <a:endParaRPr lang="en-US" dirty="0"/>
+          </a:p>
+        </p:txBody>
+      </p:sp>
+      <p:sp>
+        <p:nvSpPr>
+          <p:cNvPr id="3" name="Title 2"/>
+          <p:cNvSpPr>
+            <a:spLocks noGrp="1"/>
+          </p:cNvSpPr>
+          <p:nvPr>
+            <p:ph type="title"/>
+          </p:nvPr>
+        </p:nvSpPr>
+        <p:spPr/>
+        <p:txBody>
+          <a:bodyPr/>
+          <a:lstStyle/>
+          <a:p>
+            <a:r>
+              <a:rPr lang="en-US" dirty="0" smtClean="0"/>
+              <a:t>Dictionaries</a:t>
+            </a:r>
+            <a:endParaRPr lang="en-US" dirty="0"/>
+          </a:p>
+        </p:txBody>
+      </p:sp>
+    </p:spTree>
+    <p:extLst>
+      <p:ext uri="{BB962C8B-B14F-4D97-AF65-F5344CB8AC3E}">
+        <p14:creationId xmlns:p14="http://schemas.microsoft.com/office/powerpoint/2010/main" val="2707938189"/>
+      </p:ext>
+    </p:extLst>
+  </p:cSld>
+  <p:clrMapOvr>
+    <a:masterClrMapping/>
+  </p:clrMapOvr>
+  <p:timing>
+    <p:tnLst>
+      <p:par>
+        <p:cTn id="1" dur="indefinite" restart="never" nodeType="tmRoot"/>
+      </p:par>
+    </p:tnLst>
+  </p:timing>
+</p:sld>
+</file>
+
+<file path=ppt/slides/slide63.xml><?xml version="1.0" encoding="utf-8"?>
+<p:sld xmlns:a="http://schemas.openxmlformats.org/drawingml/2006/main" xmlns:r="http://schemas.openxmlformats.org/officeDocument/2006/relationships" xmlns:p="http://schemas.openxmlformats.org/presentationml/2006/main">
+  <p:cSld>
+    <p:bg>
+      <p:bgPr>
+        <a:solidFill>
+          <a:schemeClr val="bg1"/>
+        </a:solidFill>
+        <a:effectLst/>
+      </p:bgPr>
+    </p:bg>
+    <p:spTree>
+      <p:nvGrpSpPr>
+        <p:cNvPr id="1" name=""/>
+        <p:cNvGrpSpPr/>
+        <p:nvPr/>
+      </p:nvGrpSpPr>
+      <p:grpSpPr>
+        <a:xfrm>
+          <a:off x="0" y="0"/>
+          <a:ext cx="0" cy="0"/>
+          <a:chOff x="0" y="0"/>
+          <a:chExt cx="0" cy="0"/>
+        </a:xfrm>
+      </p:grpSpPr>
+      <p:sp>
+        <p:nvSpPr>
+          <p:cNvPr id="4" name="Content Placeholder 3"/>
+          <p:cNvSpPr>
+            <a:spLocks noGrp="1"/>
+          </p:cNvSpPr>
+          <p:nvPr>
+            <p:ph idx="1"/>
+          </p:nvPr>
+        </p:nvSpPr>
+        <p:spPr>
+          <a:xfrm>
+            <a:off x="876836" y="1792482"/>
+            <a:ext cx="10574965" cy="4516837"/>
+          </a:xfrm>
+        </p:spPr>
+        <p:txBody>
+          <a:bodyPr/>
+          <a:lstStyle/>
+          <a:p>
+            <a:r>
+              <a:rPr lang="en-US" dirty="0" smtClean="0"/>
+              <a:t>Accessing</a:t>
+            </a:r>
+          </a:p>
+          <a:p>
+            <a:pPr lvl="1"/>
+            <a:r>
+              <a:rPr lang="en-US" dirty="0" smtClean="0"/>
+              <a:t>By key – </a:t>
+            </a:r>
+            <a:r>
+              <a:rPr lang="en-US" dirty="0" err="1" smtClean="0"/>
+              <a:t>dictVar</a:t>
+            </a:r>
+            <a:r>
+              <a:rPr lang="en-US" dirty="0" smtClean="0"/>
+              <a:t>[‘Alex’]</a:t>
+            </a:r>
+          </a:p>
+          <a:p>
+            <a:pPr lvl="1"/>
+            <a:r>
+              <a:rPr lang="en-US" dirty="0" smtClean="0"/>
+              <a:t>Iteration – for key in </a:t>
+            </a:r>
+            <a:r>
+              <a:rPr lang="en-US" dirty="0" err="1" smtClean="0"/>
+              <a:t>dictVar</a:t>
+            </a:r>
+            <a:endParaRPr lang="en-US" dirty="0" smtClean="0"/>
+          </a:p>
+          <a:p>
+            <a:r>
+              <a:rPr lang="en-US" dirty="0" smtClean="0"/>
+              <a:t>Updating</a:t>
+            </a:r>
+          </a:p>
+          <a:p>
+            <a:pPr lvl="1"/>
+            <a:r>
+              <a:rPr lang="en-US" dirty="0" smtClean="0"/>
+              <a:t>By key</a:t>
+            </a:r>
+          </a:p>
+          <a:p>
+            <a:pPr lvl="2"/>
+            <a:r>
+              <a:rPr lang="en-US" dirty="0" err="1" smtClean="0"/>
+              <a:t>dictVar</a:t>
+            </a:r>
+            <a:r>
+              <a:rPr lang="en-US" dirty="0" smtClean="0"/>
+              <a:t>[‘Alex’] = 40</a:t>
+            </a:r>
+          </a:p>
+          <a:p>
+            <a:pPr lvl="2"/>
+            <a:r>
+              <a:rPr lang="en-US" dirty="0" err="1" smtClean="0"/>
+              <a:t>dictVar</a:t>
+            </a:r>
+            <a:r>
+              <a:rPr lang="en-US" dirty="0" smtClean="0"/>
+              <a:t>[‘Dave’] = 50</a:t>
+            </a:r>
+          </a:p>
+          <a:p>
+            <a:pPr lvl="2"/>
+            <a:r>
+              <a:rPr lang="en-US" dirty="0" err="1" smtClean="0"/>
+              <a:t>someVar</a:t>
+            </a:r>
+            <a:r>
+              <a:rPr lang="en-US" dirty="0" smtClean="0"/>
+              <a:t> = ‘Bob’; </a:t>
+            </a:r>
+            <a:r>
+              <a:rPr lang="en-US" dirty="0" err="1" smtClean="0"/>
+              <a:t>dictVar</a:t>
+            </a:r>
+            <a:r>
+              <a:rPr lang="en-US" dirty="0" smtClean="0"/>
+              <a:t>[</a:t>
+            </a:r>
+            <a:r>
+              <a:rPr lang="en-US" dirty="0" err="1" smtClean="0"/>
+              <a:t>someVar</a:t>
+            </a:r>
+            <a:r>
+              <a:rPr lang="en-US" dirty="0" smtClean="0"/>
+              <a:t>] = 60</a:t>
+            </a:r>
+            <a:endParaRPr lang="en-US" dirty="0"/>
+          </a:p>
+          <a:p>
+            <a:pPr lvl="2"/>
+            <a:r>
+              <a:rPr lang="en-US" dirty="0" smtClean="0"/>
+              <a:t>del </a:t>
+            </a:r>
+            <a:r>
+              <a:rPr lang="en-US" dirty="0" err="1" smtClean="0"/>
+              <a:t>dictVar</a:t>
+            </a:r>
+            <a:r>
+              <a:rPr lang="en-US" dirty="0" smtClean="0"/>
+              <a:t>[‘Dave’]</a:t>
+            </a:r>
+          </a:p>
+        </p:txBody>
+      </p:sp>
+      <p:sp>
+        <p:nvSpPr>
+          <p:cNvPr id="3" name="Title 2"/>
+          <p:cNvSpPr>
+            <a:spLocks noGrp="1"/>
+          </p:cNvSpPr>
+          <p:nvPr>
+            <p:ph type="title"/>
+          </p:nvPr>
+        </p:nvSpPr>
+        <p:spPr/>
+        <p:txBody>
+          <a:bodyPr/>
+          <a:lstStyle/>
+          <a:p>
+            <a:r>
+              <a:rPr lang="en-US" dirty="0" smtClean="0"/>
+              <a:t>Dictionaries</a:t>
+            </a:r>
+            <a:endParaRPr lang="en-US" dirty="0"/>
+          </a:p>
+        </p:txBody>
+      </p:sp>
+      <p:sp>
+        <p:nvSpPr>
+          <p:cNvPr id="6" name="TextBox 5"/>
+          <p:cNvSpPr txBox="1"/>
+          <p:nvPr/>
+        </p:nvSpPr>
+        <p:spPr>
+          <a:xfrm>
+            <a:off x="756823" y="1412776"/>
+            <a:ext cx="10814993" cy="369332"/>
+          </a:xfrm>
+          <a:prstGeom prst="rect">
+            <a:avLst/>
+          </a:prstGeom>
+          <a:noFill/>
+        </p:spPr>
+        <p:txBody>
+          <a:bodyPr wrap="square" rtlCol="0">
+            <a:spAutoFit/>
+          </a:bodyPr>
+          <a:lstStyle/>
+          <a:p>
+            <a:pPr lvl="1"/>
+            <a:r>
+              <a:rPr lang="en-US" dirty="0" err="1">
+                <a:latin typeface="Courier New" panose="02070309020205020404" pitchFamily="49" charset="0"/>
+                <a:cs typeface="Courier New" panose="02070309020205020404" pitchFamily="49" charset="0"/>
+              </a:rPr>
+              <a:t>dictVar</a:t>
+            </a:r>
+            <a:r>
+              <a:rPr lang="en-US" dirty="0">
+                <a:latin typeface="Courier New" panose="02070309020205020404" pitchFamily="49" charset="0"/>
+                <a:cs typeface="Courier New" panose="02070309020205020404" pitchFamily="49" charset="0"/>
+              </a:rPr>
+              <a:t> = { ‘Alex’ : 10, ‘Bob’: 20, ‘Chris’: 30 }</a:t>
+            </a:r>
+          </a:p>
+        </p:txBody>
+      </p:sp>
+    </p:spTree>
+    <p:extLst>
+      <p:ext uri="{BB962C8B-B14F-4D97-AF65-F5344CB8AC3E}">
+        <p14:creationId xmlns:p14="http://schemas.microsoft.com/office/powerpoint/2010/main" val="1810107685"/>
+      </p:ext>
+    </p:extLst>
+  </p:cSld>
+  <p:clrMapOvr>
+    <a:masterClrMapping/>
+  </p:clrMapOvr>
+  <p:timing>
+    <p:tnLst>
+      <p:par>
+        <p:cTn id="1" dur="indefinite" restart="never" nodeType="tmRoot"/>
+      </p:par>
+    </p:tnLst>
+  </p:timing>
+</p:sld>
+</file>
+
+<file path=ppt/slides/slide64.xml><?xml version="1.0" encoding="utf-8"?>
+<p:sld xmlns:a="http://schemas.openxmlformats.org/drawingml/2006/main" xmlns:r="http://schemas.openxmlformats.org/officeDocument/2006/relationships" xmlns:p="http://schemas.openxmlformats.org/presentationml/2006/main">
+  <p:cSld>
+    <p:bg>
+      <p:bgPr>
+        <a:solidFill>
+          <a:schemeClr val="bg1"/>
+        </a:solidFill>
+        <a:effectLst/>
+      </p:bgPr>
+    </p:bg>
+    <p:spTree>
+      <p:nvGrpSpPr>
+        <p:cNvPr id="1" name=""/>
+        <p:cNvGrpSpPr/>
+        <p:nvPr/>
+      </p:nvGrpSpPr>
+      <p:grpSpPr>
+        <a:xfrm>
+          <a:off x="0" y="0"/>
+          <a:ext cx="0" cy="0"/>
+          <a:chOff x="0" y="0"/>
+          <a:chExt cx="0" cy="0"/>
+        </a:xfrm>
+      </p:grpSpPr>
+      <p:sp>
+        <p:nvSpPr>
+          <p:cNvPr id="4" name="Content Placeholder 3"/>
+          <p:cNvSpPr>
+            <a:spLocks noGrp="1"/>
+          </p:cNvSpPr>
+          <p:nvPr>
+            <p:ph idx="1"/>
+          </p:nvPr>
+        </p:nvSpPr>
+        <p:spPr/>
+        <p:txBody>
+          <a:bodyPr/>
+          <a:lstStyle/>
+          <a:p>
+            <a:endParaRPr lang="en-US" dirty="0"/>
+          </a:p>
+        </p:txBody>
+      </p:sp>
+      <p:sp>
+        <p:nvSpPr>
+          <p:cNvPr id="3" name="Title 2"/>
+          <p:cNvSpPr>
+            <a:spLocks noGrp="1"/>
+          </p:cNvSpPr>
+          <p:nvPr>
+            <p:ph type="title"/>
+          </p:nvPr>
+        </p:nvSpPr>
+        <p:spPr/>
+        <p:txBody>
+          <a:bodyPr/>
+          <a:lstStyle/>
+          <a:p>
+            <a:r>
+              <a:rPr lang="en-US" dirty="0" smtClean="0"/>
+              <a:t>Dictionaries: Examples</a:t>
+            </a:r>
+            <a:endParaRPr lang="en-US" dirty="0"/>
           </a:p>
         </p:txBody>
       </p:sp>
@@ -22505,6 +22949,172 @@
     <p:extLst>
       <p:ext uri="{BB962C8B-B14F-4D97-AF65-F5344CB8AC3E}">
         <p14:creationId xmlns:p14="http://schemas.microsoft.com/office/powerpoint/2010/main" val="3189642607"/>
+      </p:ext>
+    </p:extLst>
+  </p:cSld>
+  <p:clrMapOvr>
+    <a:masterClrMapping/>
+  </p:clrMapOvr>
+  <p:timing>
+    <p:tnLst>
+      <p:par>
+        <p:cTn id="1" dur="indefinite" restart="never" nodeType="tmRoot"/>
+      </p:par>
+    </p:tnLst>
+  </p:timing>
+</p:sld>
+</file>
+
+<file path=ppt/slides/slide65.xml><?xml version="1.0" encoding="utf-8"?>
+<p:sld xmlns:a="http://schemas.openxmlformats.org/drawingml/2006/main" xmlns:r="http://schemas.openxmlformats.org/officeDocument/2006/relationships" xmlns:p="http://schemas.openxmlformats.org/presentationml/2006/main">
+  <p:cSld>
+    <p:bg>
+      <p:bgPr>
+        <a:solidFill>
+          <a:schemeClr val="bg1"/>
+        </a:solidFill>
+        <a:effectLst/>
+      </p:bgPr>
+    </p:bg>
+    <p:spTree>
+      <p:nvGrpSpPr>
+        <p:cNvPr id="1" name=""/>
+        <p:cNvGrpSpPr/>
+        <p:nvPr/>
+      </p:nvGrpSpPr>
+      <p:grpSpPr>
+        <a:xfrm>
+          <a:off x="0" y="0"/>
+          <a:ext cx="0" cy="0"/>
+          <a:chOff x="0" y="0"/>
+          <a:chExt cx="0" cy="0"/>
+        </a:xfrm>
+      </p:grpSpPr>
+      <p:sp>
+        <p:nvSpPr>
+          <p:cNvPr id="4" name="Content Placeholder 3"/>
+          <p:cNvSpPr>
+            <a:spLocks noGrp="1"/>
+          </p:cNvSpPr>
+          <p:nvPr>
+            <p:ph idx="1"/>
+          </p:nvPr>
+        </p:nvSpPr>
+        <p:spPr/>
+        <p:txBody>
+          <a:bodyPr/>
+          <a:lstStyle/>
+          <a:p>
+            <a:endParaRPr lang="en-US" dirty="0"/>
+          </a:p>
+        </p:txBody>
+      </p:sp>
+      <p:sp>
+        <p:nvSpPr>
+          <p:cNvPr id="3" name="Title 2"/>
+          <p:cNvSpPr>
+            <a:spLocks noGrp="1"/>
+          </p:cNvSpPr>
+          <p:nvPr>
+            <p:ph type="title"/>
+          </p:nvPr>
+        </p:nvSpPr>
+        <p:spPr/>
+        <p:txBody>
+          <a:bodyPr/>
+          <a:lstStyle/>
+          <a:p>
+            <a:endParaRPr lang="en-US"/>
+          </a:p>
+        </p:txBody>
+      </p:sp>
+    </p:spTree>
+    <p:extLst>
+      <p:ext uri="{BB962C8B-B14F-4D97-AF65-F5344CB8AC3E}">
+        <p14:creationId xmlns:p14="http://schemas.microsoft.com/office/powerpoint/2010/main" val="3933252123"/>
+      </p:ext>
+    </p:extLst>
+  </p:cSld>
+  <p:clrMapOvr>
+    <a:masterClrMapping/>
+  </p:clrMapOvr>
+  <p:timing>
+    <p:tnLst>
+      <p:par>
+        <p:cTn id="1" dur="indefinite" restart="never" nodeType="tmRoot"/>
+      </p:par>
+    </p:tnLst>
+  </p:timing>
+</p:sld>
+</file>
+
+<file path=ppt/slides/slide66.xml><?xml version="1.0" encoding="utf-8"?>
+<p:sld xmlns:a="http://schemas.openxmlformats.org/drawingml/2006/main" xmlns:r="http://schemas.openxmlformats.org/officeDocument/2006/relationships" xmlns:p="http://schemas.openxmlformats.org/presentationml/2006/main">
+  <p:cSld>
+    <p:bg>
+      <p:bgPr>
+        <a:solidFill>
+          <a:schemeClr val="bg1"/>
+        </a:solidFill>
+        <a:effectLst/>
+      </p:bgPr>
+    </p:bg>
+    <p:spTree>
+      <p:nvGrpSpPr>
+        <p:cNvPr id="1" name=""/>
+        <p:cNvGrpSpPr/>
+        <p:nvPr/>
+      </p:nvGrpSpPr>
+      <p:grpSpPr>
+        <a:xfrm>
+          <a:off x="0" y="0"/>
+          <a:ext cx="0" cy="0"/>
+          <a:chOff x="0" y="0"/>
+          <a:chExt cx="0" cy="0"/>
+        </a:xfrm>
+      </p:grpSpPr>
+      <p:sp>
+        <p:nvSpPr>
+          <p:cNvPr id="4" name="Content Placeholder 3"/>
+          <p:cNvSpPr>
+            <a:spLocks noGrp="1"/>
+          </p:cNvSpPr>
+          <p:nvPr>
+            <p:ph idx="1"/>
+          </p:nvPr>
+        </p:nvSpPr>
+        <p:spPr/>
+        <p:txBody>
+          <a:bodyPr/>
+          <a:lstStyle/>
+          <a:p>
+            <a:endParaRPr lang="en-US" dirty="0"/>
+          </a:p>
+        </p:txBody>
+      </p:sp>
+      <p:sp>
+        <p:nvSpPr>
+          <p:cNvPr id="3" name="Title 2"/>
+          <p:cNvSpPr>
+            <a:spLocks noGrp="1"/>
+          </p:cNvSpPr>
+          <p:nvPr>
+            <p:ph type="title"/>
+          </p:nvPr>
+        </p:nvSpPr>
+        <p:spPr/>
+        <p:txBody>
+          <a:bodyPr/>
+          <a:lstStyle/>
+          <a:p>
+            <a:endParaRPr lang="en-US"/>
+          </a:p>
+        </p:txBody>
+      </p:sp>
+    </p:spTree>
+    <p:extLst>
+      <p:ext uri="{BB962C8B-B14F-4D97-AF65-F5344CB8AC3E}">
+        <p14:creationId xmlns:p14="http://schemas.microsoft.com/office/powerpoint/2010/main" val="663500974"/>
       </p:ext>
     </p:extLst>
   </p:cSld>

--- a/Programming Foundations.pptx
+++ b/Programming Foundations.pptx
@@ -5,7 +5,7 @@
     <p:sldMasterId id="2147483648" r:id="rId1"/>
   </p:sldMasterIdLst>
   <p:notesMasterIdLst>
-    <p:notesMasterId r:id="rId68"/>
+    <p:notesMasterId r:id="rId75"/>
   </p:notesMasterIdLst>
   <p:sldIdLst>
     <p:sldId id="256" r:id="rId2"/>
@@ -72,8 +72,15 @@
     <p:sldId id="314" r:id="rId63"/>
     <p:sldId id="315" r:id="rId64"/>
     <p:sldId id="316" r:id="rId65"/>
-    <p:sldId id="317" r:id="rId66"/>
-    <p:sldId id="322" r:id="rId67"/>
+    <p:sldId id="324" r:id="rId66"/>
+    <p:sldId id="317" r:id="rId67"/>
+    <p:sldId id="322" r:id="rId68"/>
+    <p:sldId id="323" r:id="rId69"/>
+    <p:sldId id="325" r:id="rId70"/>
+    <p:sldId id="326" r:id="rId71"/>
+    <p:sldId id="327" r:id="rId72"/>
+    <p:sldId id="329" r:id="rId73"/>
+    <p:sldId id="328" r:id="rId74"/>
   </p:sldIdLst>
   <p:sldSz cx="12192000" cy="6858000"/>
   <p:notesSz cx="6858000" cy="9144000"/>
@@ -253,8 +260,15 @@
             <p14:sldId id="314"/>
             <p14:sldId id="315"/>
             <p14:sldId id="316"/>
+            <p14:sldId id="324"/>
             <p14:sldId id="317"/>
             <p14:sldId id="322"/>
+            <p14:sldId id="323"/>
+            <p14:sldId id="325"/>
+            <p14:sldId id="326"/>
+            <p14:sldId id="327"/>
+            <p14:sldId id="329"/>
+            <p14:sldId id="328"/>
           </p14:sldIdLst>
         </p14:section>
       </p14:sectionLst>
@@ -1232,6 +1246,141 @@
     <p:extLst>
       <p:ext uri="{BB962C8B-B14F-4D97-AF65-F5344CB8AC3E}">
         <p14:creationId xmlns:p14="http://schemas.microsoft.com/office/powerpoint/2010/main" val="3349135495"/>
+      </p:ext>
+    </p:extLst>
+  </p:cSld>
+  <p:clrMapOvr>
+    <a:masterClrMapping/>
+  </p:clrMapOvr>
+</p:notes>
+</file>
+
+<file path=ppt/notesSlides/notesSlide14.xml><?xml version="1.0" encoding="utf-8"?>
+<p:notes xmlns:a="http://schemas.openxmlformats.org/drawingml/2006/main" xmlns:r="http://schemas.openxmlformats.org/officeDocument/2006/relationships" xmlns:p="http://schemas.openxmlformats.org/presentationml/2006/main">
+  <p:cSld>
+    <p:spTree>
+      <p:nvGrpSpPr>
+        <p:cNvPr id="1" name=""/>
+        <p:cNvGrpSpPr/>
+        <p:nvPr/>
+      </p:nvGrpSpPr>
+      <p:grpSpPr>
+        <a:xfrm>
+          <a:off x="0" y="0"/>
+          <a:ext cx="0" cy="0"/>
+          <a:chOff x="0" y="0"/>
+          <a:chExt cx="0" cy="0"/>
+        </a:xfrm>
+      </p:grpSpPr>
+      <p:sp>
+        <p:nvSpPr>
+          <p:cNvPr id="2" name="Slide Image Placeholder 1"/>
+          <p:cNvSpPr>
+            <a:spLocks noGrp="1" noRot="1" noChangeAspect="1"/>
+          </p:cNvSpPr>
+          <p:nvPr>
+            <p:ph type="sldImg"/>
+          </p:nvPr>
+        </p:nvSpPr>
+        <p:spPr/>
+      </p:sp>
+      <p:sp>
+        <p:nvSpPr>
+          <p:cNvPr id="3" name="Notes Placeholder 2"/>
+          <p:cNvSpPr>
+            <a:spLocks noGrp="1"/>
+          </p:cNvSpPr>
+          <p:nvPr>
+            <p:ph type="body" idx="1"/>
+          </p:nvPr>
+        </p:nvSpPr>
+        <p:spPr/>
+        <p:txBody>
+          <a:bodyPr/>
+          <a:lstStyle/>
+          <a:p>
+            <a:r>
+              <a:rPr lang="en-US" b="1" dirty="0" smtClean="0"/>
+              <a:t>Exercise</a:t>
+            </a:r>
+            <a:r>
+              <a:rPr lang="en-US" b="1" baseline="0" dirty="0" smtClean="0"/>
+              <a:t> – Mathematical Operations</a:t>
+            </a:r>
+          </a:p>
+          <a:p>
+            <a:endParaRPr lang="en-GB" b="1" baseline="0" dirty="0" smtClean="0"/>
+          </a:p>
+          <a:p>
+            <a:r>
+              <a:rPr lang="en-GB" b="0" baseline="0" dirty="0" smtClean="0">
+                <a:solidFill>
+                  <a:srgbClr val="FF0000"/>
+                </a:solidFill>
+              </a:rPr>
+              <a:t>Design an exercise where the delegates build upon the user of the input and </a:t>
+            </a:r>
+            <a:r>
+              <a:rPr lang="en-GB" b="0" baseline="0" dirty="0" err="1" smtClean="0">
+                <a:solidFill>
+                  <a:srgbClr val="FF0000"/>
+                </a:solidFill>
+              </a:rPr>
+              <a:t>raw_input</a:t>
+            </a:r>
+            <a:r>
+              <a:rPr lang="en-GB" b="0" baseline="0" dirty="0" smtClean="0">
+                <a:solidFill>
+                  <a:srgbClr val="FF0000"/>
+                </a:solidFill>
+              </a:rPr>
+              <a:t> functions to take input and build a calculator or something.</a:t>
+            </a:r>
+          </a:p>
+          <a:p>
+            <a:endParaRPr lang="en-US" dirty="0" smtClean="0"/>
+          </a:p>
+          <a:p>
+            <a:endParaRPr lang="en-US" dirty="0"/>
+          </a:p>
+        </p:txBody>
+      </p:sp>
+      <p:sp>
+        <p:nvSpPr>
+          <p:cNvPr id="4" name="Slide Number Placeholder 3"/>
+          <p:cNvSpPr>
+            <a:spLocks noGrp="1"/>
+          </p:cNvSpPr>
+          <p:nvPr>
+            <p:ph type="sldNum" sz="quarter" idx="10"/>
+          </p:nvPr>
+        </p:nvSpPr>
+        <p:spPr/>
+        <p:txBody>
+          <a:bodyPr/>
+          <a:lstStyle/>
+          <a:p>
+            <a:fld id="{D2FD33D1-5F8B-45B7-9940-CBFFF9C06F51}" type="slidenum">
+              <a:rPr lang="en-GB" smtClean="0">
+                <a:solidFill>
+                  <a:prstClr val="black"/>
+                </a:solidFill>
+              </a:rPr>
+              <a:pPr/>
+              <a:t>65</a:t>
+            </a:fld>
+            <a:endParaRPr lang="en-GB" dirty="0">
+              <a:solidFill>
+                <a:prstClr val="black"/>
+              </a:solidFill>
+            </a:endParaRPr>
+          </a:p>
+        </p:txBody>
+      </p:sp>
+    </p:spTree>
+    <p:extLst>
+      <p:ext uri="{BB962C8B-B14F-4D97-AF65-F5344CB8AC3E}">
+        <p14:creationId xmlns:p14="http://schemas.microsoft.com/office/powerpoint/2010/main" val="1019159918"/>
       </p:ext>
     </p:extLst>
   </p:cSld>
@@ -22968,14 +23117,6 @@
 <file path=ppt/slides/slide65.xml><?xml version="1.0" encoding="utf-8"?>
 <p:sld xmlns:a="http://schemas.openxmlformats.org/drawingml/2006/main" xmlns:r="http://schemas.openxmlformats.org/officeDocument/2006/relationships" xmlns:p="http://schemas.openxmlformats.org/presentationml/2006/main">
   <p:cSld>
-    <p:bg>
-      <p:bgPr>
-        <a:solidFill>
-          <a:schemeClr val="bg1"/>
-        </a:solidFill>
-        <a:effectLst/>
-      </p:bgPr>
-    </p:bg>
     <p:spTree>
       <p:nvGrpSpPr>
         <p:cNvPr id="1" name=""/>
@@ -22992,26 +23133,7 @@
       </p:grpSpPr>
       <p:sp>
         <p:nvSpPr>
-          <p:cNvPr id="4" name="Content Placeholder 3"/>
-          <p:cNvSpPr>
-            <a:spLocks noGrp="1"/>
-          </p:cNvSpPr>
-          <p:nvPr>
-            <p:ph idx="1"/>
-          </p:nvPr>
-        </p:nvSpPr>
-        <p:spPr/>
-        <p:txBody>
-          <a:bodyPr/>
-          <a:lstStyle/>
-          <a:p>
-            <a:endParaRPr lang="en-US" dirty="0"/>
-          </a:p>
-        </p:txBody>
-      </p:sp>
-      <p:sp>
-        <p:nvSpPr>
-          <p:cNvPr id="3" name="Title 2"/>
+          <p:cNvPr id="4" name="Title 3"/>
           <p:cNvSpPr>
             <a:spLocks noGrp="1"/>
           </p:cNvSpPr>
@@ -23021,17 +23143,35 @@
         </p:nvSpPr>
         <p:spPr/>
         <p:txBody>
-          <a:bodyPr/>
+          <a:bodyPr>
+            <a:normAutofit/>
+          </a:bodyPr>
           <a:lstStyle/>
           <a:p>
-            <a:endParaRPr lang="en-US"/>
+            <a:r>
+              <a:rPr lang="en-US" dirty="0" smtClean="0">
+                <a:solidFill>
+                  <a:srgbClr val="C4A174"/>
+                </a:solidFill>
+              </a:rPr>
+              <a:t>Exercise:</a:t>
+            </a:r>
+            <a:r>
+              <a:rPr lang="en-US" dirty="0" smtClean="0"/>
+              <a:t> </a:t>
+            </a:r>
+            <a:r>
+              <a:rPr lang="en-US" dirty="0" smtClean="0"/>
+              <a:t>Data Types</a:t>
+            </a:r>
+            <a:endParaRPr lang="en-US" dirty="0"/>
           </a:p>
         </p:txBody>
       </p:sp>
     </p:spTree>
     <p:extLst>
       <p:ext uri="{BB962C8B-B14F-4D97-AF65-F5344CB8AC3E}">
-        <p14:creationId xmlns:p14="http://schemas.microsoft.com/office/powerpoint/2010/main" val="3933252123"/>
+        <p14:creationId xmlns:p14="http://schemas.microsoft.com/office/powerpoint/2010/main" val="3767105570"/>
       </p:ext>
     </p:extLst>
   </p:cSld>
@@ -23088,6 +23228,30 @@
           <a:bodyPr/>
           <a:lstStyle/>
           <a:p>
+            <a:r>
+              <a:rPr lang="en-US" dirty="0" smtClean="0"/>
+              <a:t>Membership</a:t>
+            </a:r>
+          </a:p>
+          <a:p>
+            <a:pPr lvl="1"/>
+            <a:r>
+              <a:rPr lang="en-US" dirty="0" smtClean="0"/>
+              <a:t>in, not in</a:t>
+            </a:r>
+          </a:p>
+          <a:p>
+            <a:r>
+              <a:rPr lang="en-US" dirty="0" smtClean="0"/>
+              <a:t>Identity</a:t>
+            </a:r>
+          </a:p>
+          <a:p>
+            <a:pPr lvl="1"/>
+            <a:r>
+              <a:rPr lang="en-US" dirty="0" smtClean="0"/>
+              <a:t>is, is not</a:t>
+            </a:r>
             <a:endParaRPr lang="en-US" dirty="0"/>
           </a:p>
         </p:txBody>
@@ -23107,7 +23271,132 @@
           <a:bodyPr/>
           <a:lstStyle/>
           <a:p>
-            <a:endParaRPr lang="en-US"/>
+            <a:r>
+              <a:rPr lang="en-US" dirty="0" smtClean="0"/>
+              <a:t>Operators Part 2</a:t>
+            </a:r>
+            <a:endParaRPr lang="en-US" dirty="0"/>
+          </a:p>
+        </p:txBody>
+      </p:sp>
+    </p:spTree>
+    <p:extLst>
+      <p:ext uri="{BB962C8B-B14F-4D97-AF65-F5344CB8AC3E}">
+        <p14:creationId xmlns:p14="http://schemas.microsoft.com/office/powerpoint/2010/main" val="3933252123"/>
+      </p:ext>
+    </p:extLst>
+  </p:cSld>
+  <p:clrMapOvr>
+    <a:masterClrMapping/>
+  </p:clrMapOvr>
+  <p:timing>
+    <p:tnLst>
+      <p:par>
+        <p:cTn id="1" dur="indefinite" restart="never" nodeType="tmRoot"/>
+      </p:par>
+    </p:tnLst>
+  </p:timing>
+</p:sld>
+</file>
+
+<file path=ppt/slides/slide67.xml><?xml version="1.0" encoding="utf-8"?>
+<p:sld xmlns:a="http://schemas.openxmlformats.org/drawingml/2006/main" xmlns:r="http://schemas.openxmlformats.org/officeDocument/2006/relationships" xmlns:p="http://schemas.openxmlformats.org/presentationml/2006/main">
+  <p:cSld>
+    <p:bg>
+      <p:bgPr>
+        <a:solidFill>
+          <a:schemeClr val="bg1"/>
+        </a:solidFill>
+        <a:effectLst/>
+      </p:bgPr>
+    </p:bg>
+    <p:spTree>
+      <p:nvGrpSpPr>
+        <p:cNvPr id="1" name=""/>
+        <p:cNvGrpSpPr/>
+        <p:nvPr/>
+      </p:nvGrpSpPr>
+      <p:grpSpPr>
+        <a:xfrm>
+          <a:off x="0" y="0"/>
+          <a:ext cx="0" cy="0"/>
+          <a:chOff x="0" y="0"/>
+          <a:chExt cx="0" cy="0"/>
+        </a:xfrm>
+      </p:grpSpPr>
+      <p:sp>
+        <p:nvSpPr>
+          <p:cNvPr id="4" name="Content Placeholder 3"/>
+          <p:cNvSpPr>
+            <a:spLocks noGrp="1"/>
+          </p:cNvSpPr>
+          <p:nvPr>
+            <p:ph idx="1"/>
+          </p:nvPr>
+        </p:nvSpPr>
+        <p:spPr/>
+        <p:txBody>
+          <a:bodyPr/>
+          <a:lstStyle/>
+          <a:p>
+            <a:r>
+              <a:rPr lang="en-US" dirty="0" smtClean="0"/>
+              <a:t>Test for membership in strings, lists or tuples</a:t>
+            </a:r>
+          </a:p>
+          <a:p>
+            <a:r>
+              <a:rPr lang="en-US" dirty="0"/>
+              <a:t>i</a:t>
+            </a:r>
+            <a:r>
+              <a:rPr lang="en-US" dirty="0" smtClean="0"/>
+              <a:t>n</a:t>
+            </a:r>
+          </a:p>
+          <a:p>
+            <a:pPr lvl="1"/>
+            <a:r>
+              <a:rPr lang="en-US" dirty="0" smtClean="0"/>
+              <a:t>True if it finds a variable in the specified sequence, otherwise False</a:t>
+            </a:r>
+          </a:p>
+          <a:p>
+            <a:r>
+              <a:rPr lang="en-US" dirty="0" smtClean="0"/>
+              <a:t>not in</a:t>
+            </a:r>
+          </a:p>
+          <a:p>
+            <a:pPr lvl="1"/>
+            <a:r>
+              <a:rPr lang="en-US" dirty="0" smtClean="0"/>
+              <a:t>True if it does not find a variable in the specified sequence, otherwise False</a:t>
+            </a:r>
+            <a:endParaRPr lang="en-US" dirty="0"/>
+          </a:p>
+        </p:txBody>
+      </p:sp>
+      <p:sp>
+        <p:nvSpPr>
+          <p:cNvPr id="3" name="Title 2"/>
+          <p:cNvSpPr>
+            <a:spLocks noGrp="1"/>
+          </p:cNvSpPr>
+          <p:nvPr>
+            <p:ph type="title"/>
+          </p:nvPr>
+        </p:nvSpPr>
+        <p:spPr/>
+        <p:txBody>
+          <a:bodyPr/>
+          <a:lstStyle/>
+          <a:p>
+            <a:r>
+              <a:rPr lang="en-US" dirty="0" smtClean="0"/>
+              <a:t>Membership Operators</a:t>
+            </a:r>
+            <a:endParaRPr lang="en-US" dirty="0"/>
           </a:p>
         </p:txBody>
       </p:sp>
@@ -23115,6 +23404,219 @@
     <p:extLst>
       <p:ext uri="{BB962C8B-B14F-4D97-AF65-F5344CB8AC3E}">
         <p14:creationId xmlns:p14="http://schemas.microsoft.com/office/powerpoint/2010/main" val="663500974"/>
+      </p:ext>
+    </p:extLst>
+  </p:cSld>
+  <p:clrMapOvr>
+    <a:masterClrMapping/>
+  </p:clrMapOvr>
+  <p:timing>
+    <p:tnLst>
+      <p:par>
+        <p:cTn id="1" dur="indefinite" restart="never" nodeType="tmRoot"/>
+      </p:par>
+    </p:tnLst>
+  </p:timing>
+</p:sld>
+</file>
+
+<file path=ppt/slides/slide68.xml><?xml version="1.0" encoding="utf-8"?>
+<p:sld xmlns:a="http://schemas.openxmlformats.org/drawingml/2006/main" xmlns:r="http://schemas.openxmlformats.org/officeDocument/2006/relationships" xmlns:p="http://schemas.openxmlformats.org/presentationml/2006/main">
+  <p:cSld>
+    <p:bg>
+      <p:bgPr>
+        <a:solidFill>
+          <a:schemeClr val="bg1"/>
+        </a:solidFill>
+        <a:effectLst/>
+      </p:bgPr>
+    </p:bg>
+    <p:spTree>
+      <p:nvGrpSpPr>
+        <p:cNvPr id="1" name=""/>
+        <p:cNvGrpSpPr/>
+        <p:nvPr/>
+      </p:nvGrpSpPr>
+      <p:grpSpPr>
+        <a:xfrm>
+          <a:off x="0" y="0"/>
+          <a:ext cx="0" cy="0"/>
+          <a:chOff x="0" y="0"/>
+          <a:chExt cx="0" cy="0"/>
+        </a:xfrm>
+      </p:grpSpPr>
+      <p:sp>
+        <p:nvSpPr>
+          <p:cNvPr id="4" name="Content Placeholder 3"/>
+          <p:cNvSpPr>
+            <a:spLocks noGrp="1"/>
+          </p:cNvSpPr>
+          <p:nvPr>
+            <p:ph idx="1"/>
+          </p:nvPr>
+        </p:nvSpPr>
+        <p:spPr/>
+        <p:txBody>
+          <a:bodyPr/>
+          <a:lstStyle/>
+          <a:p>
+            <a:endParaRPr lang="en-US" dirty="0"/>
+          </a:p>
+        </p:txBody>
+      </p:sp>
+      <p:sp>
+        <p:nvSpPr>
+          <p:cNvPr id="3" name="Title 2"/>
+          <p:cNvSpPr>
+            <a:spLocks noGrp="1"/>
+          </p:cNvSpPr>
+          <p:nvPr>
+            <p:ph type="title"/>
+          </p:nvPr>
+        </p:nvSpPr>
+        <p:spPr/>
+        <p:txBody>
+          <a:bodyPr/>
+          <a:lstStyle/>
+          <a:p>
+            <a:r>
+              <a:rPr lang="en-US" dirty="0" smtClean="0"/>
+              <a:t>Membership: Examples</a:t>
+            </a:r>
+            <a:endParaRPr lang="en-US" dirty="0"/>
+          </a:p>
+        </p:txBody>
+      </p:sp>
+    </p:spTree>
+    <p:extLst>
+      <p:ext uri="{BB962C8B-B14F-4D97-AF65-F5344CB8AC3E}">
+        <p14:creationId xmlns:p14="http://schemas.microsoft.com/office/powerpoint/2010/main" val="2909336299"/>
+      </p:ext>
+    </p:extLst>
+  </p:cSld>
+  <p:clrMapOvr>
+    <a:masterClrMapping/>
+  </p:clrMapOvr>
+  <p:timing>
+    <p:tnLst>
+      <p:par>
+        <p:cTn id="1" dur="indefinite" restart="never" nodeType="tmRoot"/>
+      </p:par>
+    </p:tnLst>
+  </p:timing>
+</p:sld>
+</file>
+
+<file path=ppt/slides/slide69.xml><?xml version="1.0" encoding="utf-8"?>
+<p:sld xmlns:a="http://schemas.openxmlformats.org/drawingml/2006/main" xmlns:r="http://schemas.openxmlformats.org/officeDocument/2006/relationships" xmlns:p="http://schemas.openxmlformats.org/presentationml/2006/main">
+  <p:cSld>
+    <p:bg>
+      <p:bgPr>
+        <a:solidFill>
+          <a:schemeClr val="bg1"/>
+        </a:solidFill>
+        <a:effectLst/>
+      </p:bgPr>
+    </p:bg>
+    <p:spTree>
+      <p:nvGrpSpPr>
+        <p:cNvPr id="1" name=""/>
+        <p:cNvGrpSpPr/>
+        <p:nvPr/>
+      </p:nvGrpSpPr>
+      <p:grpSpPr>
+        <a:xfrm>
+          <a:off x="0" y="0"/>
+          <a:ext cx="0" cy="0"/>
+          <a:chOff x="0" y="0"/>
+          <a:chExt cx="0" cy="0"/>
+        </a:xfrm>
+      </p:grpSpPr>
+      <p:sp>
+        <p:nvSpPr>
+          <p:cNvPr id="4" name="Content Placeholder 3"/>
+          <p:cNvSpPr>
+            <a:spLocks noGrp="1"/>
+          </p:cNvSpPr>
+          <p:nvPr>
+            <p:ph idx="1"/>
+          </p:nvPr>
+        </p:nvSpPr>
+        <p:spPr/>
+        <p:txBody>
+          <a:bodyPr/>
+          <a:lstStyle/>
+          <a:p>
+            <a:r>
+              <a:rPr lang="en-US" dirty="0" smtClean="0"/>
+              <a:t>Compare the memory locations of two objects</a:t>
+            </a:r>
+          </a:p>
+          <a:p>
+            <a:pPr lvl="1"/>
+            <a:r>
+              <a:rPr lang="en-US" dirty="0" smtClean="0"/>
+              <a:t>is</a:t>
+            </a:r>
+          </a:p>
+          <a:p>
+            <a:pPr lvl="2"/>
+            <a:r>
+              <a:rPr lang="en-US" dirty="0" smtClean="0"/>
+              <a:t>True if variables on both sides of the operator point to the same object, otherwise False</a:t>
+            </a:r>
+          </a:p>
+          <a:p>
+            <a:pPr lvl="1"/>
+            <a:r>
+              <a:rPr lang="en-US" dirty="0" smtClean="0"/>
+              <a:t>is not</a:t>
+            </a:r>
+            <a:r>
+              <a:rPr lang="en-US" dirty="0" smtClean="0"/>
+              <a:t> </a:t>
+            </a:r>
+          </a:p>
+          <a:p>
+            <a:pPr lvl="2"/>
+            <a:r>
+              <a:rPr lang="en-US" dirty="0" smtClean="0"/>
+              <a:t>False if variables on both sides of the operator point to the same object, otherwise True</a:t>
+            </a:r>
+          </a:p>
+          <a:p>
+            <a:pPr lvl="1"/>
+            <a:endParaRPr lang="en-US" dirty="0"/>
+          </a:p>
+        </p:txBody>
+      </p:sp>
+      <p:sp>
+        <p:nvSpPr>
+          <p:cNvPr id="3" name="Title 2"/>
+          <p:cNvSpPr>
+            <a:spLocks noGrp="1"/>
+          </p:cNvSpPr>
+          <p:nvPr>
+            <p:ph type="title"/>
+          </p:nvPr>
+        </p:nvSpPr>
+        <p:spPr/>
+        <p:txBody>
+          <a:bodyPr/>
+          <a:lstStyle/>
+          <a:p>
+            <a:r>
+              <a:rPr lang="en-US" dirty="0" smtClean="0"/>
+              <a:t>Identity Operators</a:t>
+            </a:r>
+            <a:endParaRPr lang="en-US" dirty="0"/>
+          </a:p>
+        </p:txBody>
+      </p:sp>
+    </p:spTree>
+    <p:extLst>
+      <p:ext uri="{BB962C8B-B14F-4D97-AF65-F5344CB8AC3E}">
+        <p14:creationId xmlns:p14="http://schemas.microsoft.com/office/powerpoint/2010/main" val="4152278287"/>
       </p:ext>
     </p:extLst>
   </p:cSld>
@@ -23224,6 +23726,490 @@
     <p:extLst>
       <p:ext uri="{BB962C8B-B14F-4D97-AF65-F5344CB8AC3E}">
         <p14:creationId xmlns:p14="http://schemas.microsoft.com/office/powerpoint/2010/main" val="744400195"/>
+      </p:ext>
+    </p:extLst>
+  </p:cSld>
+  <p:clrMapOvr>
+    <a:masterClrMapping/>
+  </p:clrMapOvr>
+  <p:timing>
+    <p:tnLst>
+      <p:par>
+        <p:cTn id="1" dur="indefinite" restart="never" nodeType="tmRoot"/>
+      </p:par>
+    </p:tnLst>
+  </p:timing>
+</p:sld>
+</file>
+
+<file path=ppt/slides/slide70.xml><?xml version="1.0" encoding="utf-8"?>
+<p:sld xmlns:a="http://schemas.openxmlformats.org/drawingml/2006/main" xmlns:r="http://schemas.openxmlformats.org/officeDocument/2006/relationships" xmlns:p="http://schemas.openxmlformats.org/presentationml/2006/main">
+  <p:cSld>
+    <p:bg>
+      <p:bgPr>
+        <a:solidFill>
+          <a:schemeClr val="bg1"/>
+        </a:solidFill>
+        <a:effectLst/>
+      </p:bgPr>
+    </p:bg>
+    <p:spTree>
+      <p:nvGrpSpPr>
+        <p:cNvPr id="1" name=""/>
+        <p:cNvGrpSpPr/>
+        <p:nvPr/>
+      </p:nvGrpSpPr>
+      <p:grpSpPr>
+        <a:xfrm>
+          <a:off x="0" y="0"/>
+          <a:ext cx="0" cy="0"/>
+          <a:chOff x="0" y="0"/>
+          <a:chExt cx="0" cy="0"/>
+        </a:xfrm>
+      </p:grpSpPr>
+      <p:sp>
+        <p:nvSpPr>
+          <p:cNvPr id="4" name="Content Placeholder 3"/>
+          <p:cNvSpPr>
+            <a:spLocks noGrp="1"/>
+          </p:cNvSpPr>
+          <p:nvPr>
+            <p:ph idx="1"/>
+          </p:nvPr>
+        </p:nvSpPr>
+        <p:spPr/>
+        <p:txBody>
+          <a:bodyPr/>
+          <a:lstStyle/>
+          <a:p>
+            <a:endParaRPr lang="en-US" dirty="0"/>
+          </a:p>
+        </p:txBody>
+      </p:sp>
+      <p:sp>
+        <p:nvSpPr>
+          <p:cNvPr id="3" name="Title 2"/>
+          <p:cNvSpPr>
+            <a:spLocks noGrp="1"/>
+          </p:cNvSpPr>
+          <p:nvPr>
+            <p:ph type="title"/>
+          </p:nvPr>
+        </p:nvSpPr>
+        <p:spPr/>
+        <p:txBody>
+          <a:bodyPr/>
+          <a:lstStyle/>
+          <a:p>
+            <a:r>
+              <a:rPr lang="en-US" dirty="0" smtClean="0"/>
+              <a:t>Identity: Examples</a:t>
+            </a:r>
+            <a:endParaRPr lang="en-US" dirty="0"/>
+          </a:p>
+        </p:txBody>
+      </p:sp>
+    </p:spTree>
+    <p:extLst>
+      <p:ext uri="{BB962C8B-B14F-4D97-AF65-F5344CB8AC3E}">
+        <p14:creationId xmlns:p14="http://schemas.microsoft.com/office/powerpoint/2010/main" val="1530654124"/>
+      </p:ext>
+    </p:extLst>
+  </p:cSld>
+  <p:clrMapOvr>
+    <a:masterClrMapping/>
+  </p:clrMapOvr>
+  <p:timing>
+    <p:tnLst>
+      <p:par>
+        <p:cTn id="1" dur="indefinite" restart="never" nodeType="tmRoot"/>
+      </p:par>
+    </p:tnLst>
+  </p:timing>
+</p:sld>
+</file>
+
+<file path=ppt/slides/slide71.xml><?xml version="1.0" encoding="utf-8"?>
+<p:sld xmlns:a="http://schemas.openxmlformats.org/drawingml/2006/main" xmlns:r="http://schemas.openxmlformats.org/officeDocument/2006/relationships" xmlns:p="http://schemas.openxmlformats.org/presentationml/2006/main">
+  <p:cSld>
+    <p:bg>
+      <p:bgPr>
+        <a:solidFill>
+          <a:schemeClr val="bg1"/>
+        </a:solidFill>
+        <a:effectLst/>
+      </p:bgPr>
+    </p:bg>
+    <p:spTree>
+      <p:nvGrpSpPr>
+        <p:cNvPr id="1" name=""/>
+        <p:cNvGrpSpPr/>
+        <p:nvPr/>
+      </p:nvGrpSpPr>
+      <p:grpSpPr>
+        <a:xfrm>
+          <a:off x="0" y="0"/>
+          <a:ext cx="0" cy="0"/>
+          <a:chOff x="0" y="0"/>
+          <a:chExt cx="0" cy="0"/>
+        </a:xfrm>
+      </p:grpSpPr>
+      <p:sp>
+        <p:nvSpPr>
+          <p:cNvPr id="4" name="Content Placeholder 3"/>
+          <p:cNvSpPr>
+            <a:spLocks noGrp="1"/>
+          </p:cNvSpPr>
+          <p:nvPr>
+            <p:ph idx="1"/>
+          </p:nvPr>
+        </p:nvSpPr>
+        <p:spPr/>
+        <p:txBody>
+          <a:bodyPr>
+            <a:normAutofit/>
+          </a:bodyPr>
+          <a:lstStyle/>
+          <a:p>
+            <a:r>
+              <a:rPr lang="en-US" dirty="0" smtClean="0"/>
+              <a:t>What is a module?</a:t>
+            </a:r>
+          </a:p>
+          <a:p>
+            <a:pPr lvl="1"/>
+            <a:r>
+              <a:rPr lang="en-US" dirty="0" smtClean="0"/>
+              <a:t>A file containing Python definitions and statements</a:t>
+            </a:r>
+          </a:p>
+          <a:p>
+            <a:pPr lvl="1"/>
+            <a:r>
+              <a:rPr lang="en-US" dirty="0" smtClean="0"/>
+              <a:t>Module files have the .</a:t>
+            </a:r>
+            <a:r>
+              <a:rPr lang="en-US" dirty="0" err="1" smtClean="0"/>
+              <a:t>py</a:t>
+            </a:r>
+            <a:r>
+              <a:rPr lang="en-US" dirty="0" smtClean="0"/>
+              <a:t> extension, e.g. mymodule.py</a:t>
+            </a:r>
+            <a:endParaRPr lang="en-US" dirty="0" smtClean="0"/>
+          </a:p>
+          <a:p>
+            <a:r>
+              <a:rPr lang="en-US" dirty="0" smtClean="0"/>
+              <a:t>Why do we use them?</a:t>
+            </a:r>
+          </a:p>
+          <a:p>
+            <a:pPr lvl="1"/>
+            <a:r>
+              <a:rPr lang="en-US" dirty="0" smtClean="0"/>
+              <a:t>Provide reusable code</a:t>
+            </a:r>
+          </a:p>
+          <a:p>
+            <a:pPr lvl="1"/>
+            <a:r>
+              <a:rPr lang="en-US" dirty="0" smtClean="0"/>
+              <a:t>Prevent code duplication</a:t>
+            </a:r>
+          </a:p>
+          <a:p>
+            <a:pPr lvl="1"/>
+            <a:r>
+              <a:rPr lang="en-US" dirty="0" smtClean="0"/>
+              <a:t>Split application code into functional groups</a:t>
+            </a:r>
+          </a:p>
+        </p:txBody>
+      </p:sp>
+      <p:sp>
+        <p:nvSpPr>
+          <p:cNvPr id="3" name="Title 2"/>
+          <p:cNvSpPr>
+            <a:spLocks noGrp="1"/>
+          </p:cNvSpPr>
+          <p:nvPr>
+            <p:ph type="title"/>
+          </p:nvPr>
+        </p:nvSpPr>
+        <p:spPr/>
+        <p:txBody>
+          <a:bodyPr/>
+          <a:lstStyle/>
+          <a:p>
+            <a:r>
+              <a:rPr lang="en-US" dirty="0" smtClean="0"/>
+              <a:t>Libraries, </a:t>
+            </a:r>
+            <a:r>
+              <a:rPr lang="en-US" dirty="0" err="1" smtClean="0"/>
+              <a:t>a.k.a</a:t>
+            </a:r>
+            <a:r>
+              <a:rPr lang="en-US" dirty="0" smtClean="0"/>
+              <a:t> Modules</a:t>
+            </a:r>
+            <a:endParaRPr lang="en-US" dirty="0"/>
+          </a:p>
+        </p:txBody>
+      </p:sp>
+    </p:spTree>
+    <p:extLst>
+      <p:ext uri="{BB962C8B-B14F-4D97-AF65-F5344CB8AC3E}">
+        <p14:creationId xmlns:p14="http://schemas.microsoft.com/office/powerpoint/2010/main" val="1762627127"/>
+      </p:ext>
+    </p:extLst>
+  </p:cSld>
+  <p:clrMapOvr>
+    <a:masterClrMapping/>
+  </p:clrMapOvr>
+  <p:timing>
+    <p:tnLst>
+      <p:par>
+        <p:cTn id="1" dur="indefinite" restart="never" nodeType="tmRoot"/>
+      </p:par>
+    </p:tnLst>
+  </p:timing>
+</p:sld>
+</file>
+
+<file path=ppt/slides/slide72.xml><?xml version="1.0" encoding="utf-8"?>
+<p:sld xmlns:a="http://schemas.openxmlformats.org/drawingml/2006/main" xmlns:r="http://schemas.openxmlformats.org/officeDocument/2006/relationships" xmlns:p="http://schemas.openxmlformats.org/presentationml/2006/main">
+  <p:cSld>
+    <p:bg>
+      <p:bgPr>
+        <a:solidFill>
+          <a:schemeClr val="bg1"/>
+        </a:solidFill>
+        <a:effectLst/>
+      </p:bgPr>
+    </p:bg>
+    <p:spTree>
+      <p:nvGrpSpPr>
+        <p:cNvPr id="1" name=""/>
+        <p:cNvGrpSpPr/>
+        <p:nvPr/>
+      </p:nvGrpSpPr>
+      <p:grpSpPr>
+        <a:xfrm>
+          <a:off x="0" y="0"/>
+          <a:ext cx="0" cy="0"/>
+          <a:chOff x="0" y="0"/>
+          <a:chExt cx="0" cy="0"/>
+        </a:xfrm>
+      </p:grpSpPr>
+      <p:sp>
+        <p:nvSpPr>
+          <p:cNvPr id="4" name="Content Placeholder 3"/>
+          <p:cNvSpPr>
+            <a:spLocks noGrp="1"/>
+          </p:cNvSpPr>
+          <p:nvPr>
+            <p:ph idx="1"/>
+          </p:nvPr>
+        </p:nvSpPr>
+        <p:spPr>
+          <a:xfrm>
+            <a:off x="1007436" y="1556792"/>
+            <a:ext cx="10574965" cy="4569373"/>
+          </a:xfrm>
+        </p:spPr>
+        <p:txBody>
+          <a:bodyPr>
+            <a:normAutofit lnSpcReduction="10000"/>
+          </a:bodyPr>
+          <a:lstStyle/>
+          <a:p>
+            <a:r>
+              <a:rPr lang="en-US" dirty="0" smtClean="0"/>
+              <a:t>Where to get them</a:t>
+            </a:r>
+          </a:p>
+          <a:p>
+            <a:pPr lvl="1"/>
+            <a:r>
+              <a:rPr lang="en-US" dirty="0" err="1" smtClean="0"/>
+              <a:t>Github</a:t>
+            </a:r>
+            <a:endParaRPr lang="en-US" dirty="0" smtClean="0"/>
+          </a:p>
+          <a:p>
+            <a:pPr lvl="1"/>
+            <a:r>
+              <a:rPr lang="en-US" dirty="0" smtClean="0"/>
+              <a:t>Pip</a:t>
+            </a:r>
+          </a:p>
+          <a:p>
+            <a:pPr lvl="1"/>
+            <a:r>
+              <a:rPr lang="en-US" dirty="0" err="1" smtClean="0"/>
+              <a:t>Bitbucket</a:t>
+            </a:r>
+            <a:endParaRPr lang="en-US" dirty="0" smtClean="0"/>
+          </a:p>
+          <a:p>
+            <a:pPr lvl="1"/>
+            <a:r>
+              <a:rPr lang="en-US" dirty="0" err="1" smtClean="0"/>
+              <a:t>PyPi</a:t>
+            </a:r>
+            <a:endParaRPr lang="en-US" dirty="0" smtClean="0"/>
+          </a:p>
+          <a:p>
+            <a:r>
+              <a:rPr lang="en-US" dirty="0" smtClean="0"/>
+              <a:t>Concerns</a:t>
+            </a:r>
+          </a:p>
+          <a:p>
+            <a:pPr lvl="1"/>
+            <a:r>
+              <a:rPr lang="en-US" dirty="0" smtClean="0"/>
+              <a:t>Black boxing</a:t>
+            </a:r>
+          </a:p>
+          <a:p>
+            <a:pPr lvl="1"/>
+            <a:r>
+              <a:rPr lang="en-US" dirty="0" smtClean="0"/>
+              <a:t>Security</a:t>
+            </a:r>
+            <a:endParaRPr lang="en-US" dirty="0"/>
+          </a:p>
+          <a:p>
+            <a:pPr lvl="1"/>
+            <a:r>
+              <a:rPr lang="en-US" dirty="0" smtClean="0"/>
+              <a:t>Support</a:t>
+            </a:r>
+          </a:p>
+        </p:txBody>
+      </p:sp>
+      <p:sp>
+        <p:nvSpPr>
+          <p:cNvPr id="3" name="Title 2"/>
+          <p:cNvSpPr>
+            <a:spLocks noGrp="1"/>
+          </p:cNvSpPr>
+          <p:nvPr>
+            <p:ph type="title"/>
+          </p:nvPr>
+        </p:nvSpPr>
+        <p:spPr/>
+        <p:txBody>
+          <a:bodyPr/>
+          <a:lstStyle/>
+          <a:p>
+            <a:r>
+              <a:rPr lang="en-US" dirty="0" smtClean="0"/>
+              <a:t>Libraries, </a:t>
+            </a:r>
+            <a:r>
+              <a:rPr lang="en-US" dirty="0" err="1" smtClean="0"/>
+              <a:t>a.k.a</a:t>
+            </a:r>
+            <a:r>
+              <a:rPr lang="en-US" dirty="0" smtClean="0"/>
+              <a:t> Modules</a:t>
+            </a:r>
+            <a:endParaRPr lang="en-US" dirty="0"/>
+          </a:p>
+        </p:txBody>
+      </p:sp>
+    </p:spTree>
+    <p:extLst>
+      <p:ext uri="{BB962C8B-B14F-4D97-AF65-F5344CB8AC3E}">
+        <p14:creationId xmlns:p14="http://schemas.microsoft.com/office/powerpoint/2010/main" val="4016755990"/>
+      </p:ext>
+    </p:extLst>
+  </p:cSld>
+  <p:clrMapOvr>
+    <a:masterClrMapping/>
+  </p:clrMapOvr>
+  <p:timing>
+    <p:tnLst>
+      <p:par>
+        <p:cTn id="1" dur="indefinite" restart="never" nodeType="tmRoot"/>
+      </p:par>
+    </p:tnLst>
+  </p:timing>
+</p:sld>
+</file>
+
+<file path=ppt/slides/slide73.xml><?xml version="1.0" encoding="utf-8"?>
+<p:sld xmlns:a="http://schemas.openxmlformats.org/drawingml/2006/main" xmlns:r="http://schemas.openxmlformats.org/officeDocument/2006/relationships" xmlns:p="http://schemas.openxmlformats.org/presentationml/2006/main">
+  <p:cSld>
+    <p:bg>
+      <p:bgPr>
+        <a:solidFill>
+          <a:schemeClr val="bg1"/>
+        </a:solidFill>
+        <a:effectLst/>
+      </p:bgPr>
+    </p:bg>
+    <p:spTree>
+      <p:nvGrpSpPr>
+        <p:cNvPr id="1" name=""/>
+        <p:cNvGrpSpPr/>
+        <p:nvPr/>
+      </p:nvGrpSpPr>
+      <p:grpSpPr>
+        <a:xfrm>
+          <a:off x="0" y="0"/>
+          <a:ext cx="0" cy="0"/>
+          <a:chOff x="0" y="0"/>
+          <a:chExt cx="0" cy="0"/>
+        </a:xfrm>
+      </p:grpSpPr>
+      <p:sp>
+        <p:nvSpPr>
+          <p:cNvPr id="4" name="Content Placeholder 3"/>
+          <p:cNvSpPr>
+            <a:spLocks noGrp="1"/>
+          </p:cNvSpPr>
+          <p:nvPr>
+            <p:ph idx="1"/>
+          </p:nvPr>
+        </p:nvSpPr>
+        <p:spPr/>
+        <p:txBody>
+          <a:bodyPr/>
+          <a:lstStyle/>
+          <a:p>
+            <a:endParaRPr lang="en-US" dirty="0"/>
+          </a:p>
+        </p:txBody>
+      </p:sp>
+      <p:sp>
+        <p:nvSpPr>
+          <p:cNvPr id="3" name="Title 2"/>
+          <p:cNvSpPr>
+            <a:spLocks noGrp="1"/>
+          </p:cNvSpPr>
+          <p:nvPr>
+            <p:ph type="title"/>
+          </p:nvPr>
+        </p:nvSpPr>
+        <p:spPr/>
+        <p:txBody>
+          <a:bodyPr/>
+          <a:lstStyle/>
+          <a:p>
+            <a:endParaRPr lang="en-US"/>
+          </a:p>
+        </p:txBody>
+      </p:sp>
+    </p:spTree>
+    <p:extLst>
+      <p:ext uri="{BB962C8B-B14F-4D97-AF65-F5344CB8AC3E}">
+        <p14:creationId xmlns:p14="http://schemas.microsoft.com/office/powerpoint/2010/main" val="1427963118"/>
       </p:ext>
     </p:extLst>
   </p:cSld>

--- a/Programming Foundations.pptx
+++ b/Programming Foundations.pptx
@@ -5,7 +5,7 @@
     <p:sldMasterId id="2147483648" r:id="rId1"/>
   </p:sldMasterIdLst>
   <p:notesMasterIdLst>
-    <p:notesMasterId r:id="rId75"/>
+    <p:notesMasterId r:id="rId79"/>
   </p:notesMasterIdLst>
   <p:sldIdLst>
     <p:sldId id="256" r:id="rId2"/>
@@ -78,9 +78,13 @@
     <p:sldId id="323" r:id="rId69"/>
     <p:sldId id="325" r:id="rId70"/>
     <p:sldId id="326" r:id="rId71"/>
-    <p:sldId id="327" r:id="rId72"/>
-    <p:sldId id="329" r:id="rId73"/>
-    <p:sldId id="328" r:id="rId74"/>
+    <p:sldId id="331" r:id="rId72"/>
+    <p:sldId id="332" r:id="rId73"/>
+    <p:sldId id="327" r:id="rId74"/>
+    <p:sldId id="329" r:id="rId75"/>
+    <p:sldId id="330" r:id="rId76"/>
+    <p:sldId id="328" r:id="rId77"/>
+    <p:sldId id="333" r:id="rId78"/>
   </p:sldIdLst>
   <p:sldSz cx="12192000" cy="6858000"/>
   <p:notesSz cx="6858000" cy="9144000"/>
@@ -266,9 +270,13 @@
             <p14:sldId id="323"/>
             <p14:sldId id="325"/>
             <p14:sldId id="326"/>
+            <p14:sldId id="331"/>
+            <p14:sldId id="332"/>
             <p14:sldId id="327"/>
             <p14:sldId id="329"/>
+            <p14:sldId id="330"/>
             <p14:sldId id="328"/>
+            <p14:sldId id="333"/>
           </p14:sldIdLst>
         </p14:section>
       </p14:sectionLst>
@@ -23866,65 +23874,32 @@
         </p:nvSpPr>
         <p:spPr/>
         <p:txBody>
-          <a:bodyPr>
-            <a:normAutofit/>
-          </a:bodyPr>
+          <a:bodyPr/>
           <a:lstStyle/>
           <a:p>
             <a:r>
               <a:rPr lang="en-US" dirty="0" smtClean="0"/>
-              <a:t>What is a module?</a:t>
-            </a:r>
-          </a:p>
-          <a:p>
-            <a:pPr lvl="1"/>
+              <a:t>A function definition is an executable statement wrapping any number of statements or expressions</a:t>
+            </a:r>
+          </a:p>
+          <a:p>
             <a:r>
               <a:rPr lang="en-US" dirty="0" smtClean="0"/>
-              <a:t>A file containing Python definitions and statements</a:t>
-            </a:r>
-          </a:p>
-          <a:p>
-            <a:pPr lvl="1"/>
+              <a:t>The function definition does not execute the function body; this get executed when the function is invoked</a:t>
+            </a:r>
+          </a:p>
+          <a:p>
             <a:r>
               <a:rPr lang="en-US" dirty="0" smtClean="0"/>
-              <a:t>Module files have the .</a:t>
-            </a:r>
-            <a:r>
-              <a:rPr lang="en-US" dirty="0" err="1" smtClean="0"/>
-              <a:t>py</a:t>
-            </a:r>
+              <a:t>Can specify zero or more parameters</a:t>
+            </a:r>
+          </a:p>
+          <a:p>
             <a:r>
               <a:rPr lang="en-US" dirty="0" smtClean="0"/>
-              <a:t> extension, e.g. mymodule.py</a:t>
-            </a:r>
-            <a:endParaRPr lang="en-US" dirty="0" smtClean="0"/>
-          </a:p>
-          <a:p>
-            <a:r>
-              <a:rPr lang="en-US" dirty="0" smtClean="0"/>
-              <a:t>Why do we use them?</a:t>
-            </a:r>
-          </a:p>
-          <a:p>
-            <a:pPr lvl="1"/>
-            <a:r>
-              <a:rPr lang="en-US" dirty="0" smtClean="0"/>
-              <a:t>Provide reusable code</a:t>
-            </a:r>
-          </a:p>
-          <a:p>
-            <a:pPr lvl="1"/>
-            <a:r>
-              <a:rPr lang="en-US" dirty="0" smtClean="0"/>
-              <a:t>Prevent code duplication</a:t>
-            </a:r>
-          </a:p>
-          <a:p>
-            <a:pPr lvl="1"/>
-            <a:r>
-              <a:rPr lang="en-US" dirty="0" smtClean="0"/>
-              <a:t>Split application code into functional groups</a:t>
-            </a:r>
+              <a:t>Parameters can be supplied with default values</a:t>
+            </a:r>
+            <a:endParaRPr lang="en-US" dirty="0"/>
           </a:p>
         </p:txBody>
       </p:sp>
@@ -23945,15 +23920,7 @@
           <a:p>
             <a:r>
               <a:rPr lang="en-US" dirty="0" smtClean="0"/>
-              <a:t>Libraries, </a:t>
-            </a:r>
-            <a:r>
-              <a:rPr lang="en-US" dirty="0" err="1" smtClean="0"/>
-              <a:t>a.k.a</a:t>
-            </a:r>
-            <a:r>
-              <a:rPr lang="en-US" dirty="0" smtClean="0"/>
-              <a:t> Modules</a:t>
+              <a:t>Functions</a:t>
             </a:r>
             <a:endParaRPr lang="en-US" dirty="0"/>
           </a:p>
@@ -23962,7 +23929,7 @@
     </p:spTree>
     <p:extLst>
       <p:ext uri="{BB962C8B-B14F-4D97-AF65-F5344CB8AC3E}">
-        <p14:creationId xmlns:p14="http://schemas.microsoft.com/office/powerpoint/2010/main" val="1762627127"/>
+        <p14:creationId xmlns:p14="http://schemas.microsoft.com/office/powerpoint/2010/main" val="3799788725"/>
       </p:ext>
     </p:extLst>
   </p:cSld>
@@ -24014,81 +23981,12 @@
             <p:ph idx="1"/>
           </p:nvPr>
         </p:nvSpPr>
-        <p:spPr>
-          <a:xfrm>
-            <a:off x="1007436" y="1556792"/>
-            <a:ext cx="10574965" cy="4569373"/>
-          </a:xfrm>
-        </p:spPr>
+        <p:spPr/>
         <p:txBody>
-          <a:bodyPr>
-            <a:normAutofit lnSpcReduction="10000"/>
-          </a:bodyPr>
+          <a:bodyPr/>
           <a:lstStyle/>
           <a:p>
-            <a:r>
-              <a:rPr lang="en-US" dirty="0" smtClean="0"/>
-              <a:t>Where to get them</a:t>
-            </a:r>
-          </a:p>
-          <a:p>
-            <a:pPr lvl="1"/>
-            <a:r>
-              <a:rPr lang="en-US" dirty="0" err="1" smtClean="0"/>
-              <a:t>Github</a:t>
-            </a:r>
-            <a:endParaRPr lang="en-US" dirty="0" smtClean="0"/>
-          </a:p>
-          <a:p>
-            <a:pPr lvl="1"/>
-            <a:r>
-              <a:rPr lang="en-US" dirty="0" smtClean="0"/>
-              <a:t>Pip</a:t>
-            </a:r>
-          </a:p>
-          <a:p>
-            <a:pPr lvl="1"/>
-            <a:r>
-              <a:rPr lang="en-US" dirty="0" err="1" smtClean="0"/>
-              <a:t>Bitbucket</a:t>
-            </a:r>
-            <a:endParaRPr lang="en-US" dirty="0" smtClean="0"/>
-          </a:p>
-          <a:p>
-            <a:pPr lvl="1"/>
-            <a:r>
-              <a:rPr lang="en-US" dirty="0" err="1" smtClean="0"/>
-              <a:t>PyPi</a:t>
-            </a:r>
-            <a:endParaRPr lang="en-US" dirty="0" smtClean="0"/>
-          </a:p>
-          <a:p>
-            <a:r>
-              <a:rPr lang="en-US" dirty="0" smtClean="0"/>
-              <a:t>Concerns</a:t>
-            </a:r>
-          </a:p>
-          <a:p>
-            <a:pPr lvl="1"/>
-            <a:r>
-              <a:rPr lang="en-US" dirty="0" smtClean="0"/>
-              <a:t>Black boxing</a:t>
-            </a:r>
-          </a:p>
-          <a:p>
-            <a:pPr lvl="1"/>
-            <a:r>
-              <a:rPr lang="en-US" dirty="0" smtClean="0"/>
-              <a:t>Security</a:t>
-            </a:r>
             <a:endParaRPr lang="en-US" dirty="0"/>
-          </a:p>
-          <a:p>
-            <a:pPr lvl="1"/>
-            <a:r>
-              <a:rPr lang="en-US" dirty="0" smtClean="0"/>
-              <a:t>Support</a:t>
-            </a:r>
           </a:p>
         </p:txBody>
       </p:sp>
@@ -24109,15 +24007,7 @@
           <a:p>
             <a:r>
               <a:rPr lang="en-US" dirty="0" smtClean="0"/>
-              <a:t>Libraries, </a:t>
-            </a:r>
-            <a:r>
-              <a:rPr lang="en-US" dirty="0" err="1" smtClean="0"/>
-              <a:t>a.k.a</a:t>
-            </a:r>
-            <a:r>
-              <a:rPr lang="en-US" dirty="0" smtClean="0"/>
-              <a:t> Modules</a:t>
+              <a:t>Functions: Examples</a:t>
             </a:r>
             <a:endParaRPr lang="en-US" dirty="0"/>
           </a:p>
@@ -24126,7 +24016,7 @@
     </p:spTree>
     <p:extLst>
       <p:ext uri="{BB962C8B-B14F-4D97-AF65-F5344CB8AC3E}">
-        <p14:creationId xmlns:p14="http://schemas.microsoft.com/office/powerpoint/2010/main" val="4016755990"/>
+        <p14:creationId xmlns:p14="http://schemas.microsoft.com/office/powerpoint/2010/main" val="569879142"/>
       </p:ext>
     </p:extLst>
   </p:cSld>
@@ -24180,10 +24070,65 @@
         </p:nvSpPr>
         <p:spPr/>
         <p:txBody>
-          <a:bodyPr/>
+          <a:bodyPr>
+            <a:normAutofit/>
+          </a:bodyPr>
           <a:lstStyle/>
           <a:p>
-            <a:endParaRPr lang="en-US" dirty="0"/>
+            <a:r>
+              <a:rPr lang="en-US" dirty="0" smtClean="0"/>
+              <a:t>What is a module?</a:t>
+            </a:r>
+          </a:p>
+          <a:p>
+            <a:pPr lvl="1"/>
+            <a:r>
+              <a:rPr lang="en-US" dirty="0" smtClean="0"/>
+              <a:t>A file containing Python definitions and statements</a:t>
+            </a:r>
+          </a:p>
+          <a:p>
+            <a:pPr lvl="1"/>
+            <a:r>
+              <a:rPr lang="en-US" dirty="0" smtClean="0"/>
+              <a:t>Module files have the .</a:t>
+            </a:r>
+            <a:r>
+              <a:rPr lang="en-US" dirty="0" err="1" smtClean="0"/>
+              <a:t>py</a:t>
+            </a:r>
+            <a:r>
+              <a:rPr lang="en-US" dirty="0" smtClean="0"/>
+              <a:t> extension, e.g. mymodule.py</a:t>
+            </a:r>
+            <a:endParaRPr lang="en-US" dirty="0" smtClean="0"/>
+          </a:p>
+          <a:p>
+            <a:r>
+              <a:rPr lang="en-US" dirty="0" smtClean="0"/>
+              <a:t>Why do we use them?</a:t>
+            </a:r>
+          </a:p>
+          <a:p>
+            <a:pPr lvl="1"/>
+            <a:r>
+              <a:rPr lang="en-US" dirty="0" smtClean="0"/>
+              <a:t>Provide reusable code</a:t>
+            </a:r>
+          </a:p>
+          <a:p>
+            <a:pPr lvl="1"/>
+            <a:r>
+              <a:rPr lang="en-US" dirty="0" smtClean="0"/>
+              <a:t>Prevent code duplication</a:t>
+            </a:r>
+          </a:p>
+          <a:p>
+            <a:pPr lvl="1"/>
+            <a:r>
+              <a:rPr lang="en-US" dirty="0" smtClean="0"/>
+              <a:t>Split application code into functional groups</a:t>
+            </a:r>
           </a:p>
         </p:txBody>
       </p:sp>
@@ -24202,7 +24147,428 @@
           <a:bodyPr/>
           <a:lstStyle/>
           <a:p>
-            <a:endParaRPr lang="en-US"/>
+            <a:r>
+              <a:rPr lang="en-US" dirty="0" smtClean="0"/>
+              <a:t>Libraries, </a:t>
+            </a:r>
+            <a:r>
+              <a:rPr lang="en-US" dirty="0" err="1" smtClean="0"/>
+              <a:t>a.k.a</a:t>
+            </a:r>
+            <a:r>
+              <a:rPr lang="en-US" dirty="0" smtClean="0"/>
+              <a:t> Modules</a:t>
+            </a:r>
+            <a:endParaRPr lang="en-US" dirty="0"/>
+          </a:p>
+        </p:txBody>
+      </p:sp>
+    </p:spTree>
+    <p:extLst>
+      <p:ext uri="{BB962C8B-B14F-4D97-AF65-F5344CB8AC3E}">
+        <p14:creationId xmlns:p14="http://schemas.microsoft.com/office/powerpoint/2010/main" val="1762627127"/>
+      </p:ext>
+    </p:extLst>
+  </p:cSld>
+  <p:clrMapOvr>
+    <a:masterClrMapping/>
+  </p:clrMapOvr>
+  <p:timing>
+    <p:tnLst>
+      <p:par>
+        <p:cTn id="1" dur="indefinite" restart="never" nodeType="tmRoot"/>
+      </p:par>
+    </p:tnLst>
+  </p:timing>
+</p:sld>
+</file>
+
+<file path=ppt/slides/slide74.xml><?xml version="1.0" encoding="utf-8"?>
+<p:sld xmlns:a="http://schemas.openxmlformats.org/drawingml/2006/main" xmlns:r="http://schemas.openxmlformats.org/officeDocument/2006/relationships" xmlns:p="http://schemas.openxmlformats.org/presentationml/2006/main">
+  <p:cSld>
+    <p:bg>
+      <p:bgPr>
+        <a:solidFill>
+          <a:schemeClr val="bg1"/>
+        </a:solidFill>
+        <a:effectLst/>
+      </p:bgPr>
+    </p:bg>
+    <p:spTree>
+      <p:nvGrpSpPr>
+        <p:cNvPr id="1" name=""/>
+        <p:cNvGrpSpPr/>
+        <p:nvPr/>
+      </p:nvGrpSpPr>
+      <p:grpSpPr>
+        <a:xfrm>
+          <a:off x="0" y="0"/>
+          <a:ext cx="0" cy="0"/>
+          <a:chOff x="0" y="0"/>
+          <a:chExt cx="0" cy="0"/>
+        </a:xfrm>
+      </p:grpSpPr>
+      <p:sp>
+        <p:nvSpPr>
+          <p:cNvPr id="4" name="Content Placeholder 3"/>
+          <p:cNvSpPr>
+            <a:spLocks noGrp="1"/>
+          </p:cNvSpPr>
+          <p:nvPr>
+            <p:ph idx="1"/>
+          </p:nvPr>
+        </p:nvSpPr>
+        <p:spPr>
+          <a:xfrm>
+            <a:off x="1007436" y="1556792"/>
+            <a:ext cx="10574965" cy="4569373"/>
+          </a:xfrm>
+        </p:spPr>
+        <p:txBody>
+          <a:bodyPr>
+            <a:normAutofit lnSpcReduction="10000"/>
+          </a:bodyPr>
+          <a:lstStyle/>
+          <a:p>
+            <a:r>
+              <a:rPr lang="en-US" dirty="0" smtClean="0"/>
+              <a:t>Where to get them</a:t>
+            </a:r>
+          </a:p>
+          <a:p>
+            <a:pPr lvl="1"/>
+            <a:r>
+              <a:rPr lang="en-US" dirty="0" err="1" smtClean="0"/>
+              <a:t>Github</a:t>
+            </a:r>
+            <a:endParaRPr lang="en-US" dirty="0" smtClean="0"/>
+          </a:p>
+          <a:p>
+            <a:pPr lvl="1"/>
+            <a:r>
+              <a:rPr lang="en-US" dirty="0" smtClean="0"/>
+              <a:t>Pip</a:t>
+            </a:r>
+          </a:p>
+          <a:p>
+            <a:pPr lvl="1"/>
+            <a:r>
+              <a:rPr lang="en-US" dirty="0" err="1" smtClean="0"/>
+              <a:t>Bitbucket</a:t>
+            </a:r>
+            <a:endParaRPr lang="en-US" dirty="0" smtClean="0"/>
+          </a:p>
+          <a:p>
+            <a:pPr lvl="1"/>
+            <a:r>
+              <a:rPr lang="en-US" dirty="0" err="1" smtClean="0"/>
+              <a:t>PyPi</a:t>
+            </a:r>
+            <a:endParaRPr lang="en-US" dirty="0" smtClean="0"/>
+          </a:p>
+          <a:p>
+            <a:r>
+              <a:rPr lang="en-US" dirty="0" smtClean="0"/>
+              <a:t>Concerns</a:t>
+            </a:r>
+          </a:p>
+          <a:p>
+            <a:pPr lvl="1"/>
+            <a:r>
+              <a:rPr lang="en-US" dirty="0" smtClean="0"/>
+              <a:t>Black boxing</a:t>
+            </a:r>
+          </a:p>
+          <a:p>
+            <a:pPr lvl="1"/>
+            <a:r>
+              <a:rPr lang="en-US" dirty="0" smtClean="0"/>
+              <a:t>Security</a:t>
+            </a:r>
+            <a:endParaRPr lang="en-US" dirty="0"/>
+          </a:p>
+          <a:p>
+            <a:pPr lvl="1"/>
+            <a:r>
+              <a:rPr lang="en-US" dirty="0" smtClean="0"/>
+              <a:t>Support</a:t>
+            </a:r>
+          </a:p>
+        </p:txBody>
+      </p:sp>
+      <p:sp>
+        <p:nvSpPr>
+          <p:cNvPr id="3" name="Title 2"/>
+          <p:cNvSpPr>
+            <a:spLocks noGrp="1"/>
+          </p:cNvSpPr>
+          <p:nvPr>
+            <p:ph type="title"/>
+          </p:nvPr>
+        </p:nvSpPr>
+        <p:spPr/>
+        <p:txBody>
+          <a:bodyPr/>
+          <a:lstStyle/>
+          <a:p>
+            <a:r>
+              <a:rPr lang="en-US" dirty="0" smtClean="0"/>
+              <a:t>Libraries, </a:t>
+            </a:r>
+            <a:r>
+              <a:rPr lang="en-US" dirty="0" err="1" smtClean="0"/>
+              <a:t>a.k.a</a:t>
+            </a:r>
+            <a:r>
+              <a:rPr lang="en-US" dirty="0" smtClean="0"/>
+              <a:t> Modules</a:t>
+            </a:r>
+            <a:endParaRPr lang="en-US" dirty="0"/>
+          </a:p>
+        </p:txBody>
+      </p:sp>
+    </p:spTree>
+    <p:extLst>
+      <p:ext uri="{BB962C8B-B14F-4D97-AF65-F5344CB8AC3E}">
+        <p14:creationId xmlns:p14="http://schemas.microsoft.com/office/powerpoint/2010/main" val="4016755990"/>
+      </p:ext>
+    </p:extLst>
+  </p:cSld>
+  <p:clrMapOvr>
+    <a:masterClrMapping/>
+  </p:clrMapOvr>
+  <p:timing>
+    <p:tnLst>
+      <p:par>
+        <p:cTn id="1" dur="indefinite" restart="never" nodeType="tmRoot"/>
+      </p:par>
+    </p:tnLst>
+  </p:timing>
+</p:sld>
+</file>
+
+<file path=ppt/slides/slide75.xml><?xml version="1.0" encoding="utf-8"?>
+<p:sld xmlns:a="http://schemas.openxmlformats.org/drawingml/2006/main" xmlns:r="http://schemas.openxmlformats.org/officeDocument/2006/relationships" xmlns:p="http://schemas.openxmlformats.org/presentationml/2006/main">
+  <p:cSld>
+    <p:bg>
+      <p:bgPr>
+        <a:solidFill>
+          <a:schemeClr val="bg1"/>
+        </a:solidFill>
+        <a:effectLst/>
+      </p:bgPr>
+    </p:bg>
+    <p:spTree>
+      <p:nvGrpSpPr>
+        <p:cNvPr id="1" name=""/>
+        <p:cNvGrpSpPr/>
+        <p:nvPr/>
+      </p:nvGrpSpPr>
+      <p:grpSpPr>
+        <a:xfrm>
+          <a:off x="0" y="0"/>
+          <a:ext cx="0" cy="0"/>
+          <a:chOff x="0" y="0"/>
+          <a:chExt cx="0" cy="0"/>
+        </a:xfrm>
+      </p:grpSpPr>
+      <p:sp>
+        <p:nvSpPr>
+          <p:cNvPr id="4" name="Content Placeholder 3"/>
+          <p:cNvSpPr>
+            <a:spLocks noGrp="1"/>
+          </p:cNvSpPr>
+          <p:nvPr>
+            <p:ph idx="1"/>
+          </p:nvPr>
+        </p:nvSpPr>
+        <p:spPr>
+          <a:xfrm>
+            <a:off x="1007436" y="1556792"/>
+            <a:ext cx="10574965" cy="4569373"/>
+          </a:xfrm>
+        </p:spPr>
+        <p:txBody>
+          <a:bodyPr>
+            <a:normAutofit/>
+          </a:bodyPr>
+          <a:lstStyle/>
+          <a:p>
+            <a:r>
+              <a:rPr lang="en-US" dirty="0" smtClean="0"/>
+              <a:t>Example libraries</a:t>
+            </a:r>
+          </a:p>
+          <a:p>
+            <a:pPr lvl="1"/>
+            <a:r>
+              <a:rPr lang="en-US" dirty="0" err="1" smtClean="0"/>
+              <a:t>pyOpenSSL</a:t>
+            </a:r>
+            <a:endParaRPr lang="en-US" dirty="0" smtClean="0"/>
+          </a:p>
+          <a:p>
+            <a:pPr lvl="1"/>
+            <a:r>
+              <a:rPr lang="en-US" dirty="0" err="1" smtClean="0"/>
+              <a:t>Django</a:t>
+            </a:r>
+            <a:endParaRPr lang="en-US" dirty="0" smtClean="0"/>
+          </a:p>
+          <a:p>
+            <a:pPr lvl="1"/>
+            <a:r>
+              <a:rPr lang="en-US" dirty="0" smtClean="0"/>
+              <a:t>MySQL-python</a:t>
+            </a:r>
+          </a:p>
+          <a:p>
+            <a:pPr lvl="1"/>
+            <a:r>
+              <a:rPr lang="en-US" dirty="0" err="1" smtClean="0"/>
+              <a:t>Plotly</a:t>
+            </a:r>
+            <a:endParaRPr lang="en-US" dirty="0" smtClean="0"/>
+          </a:p>
+          <a:p>
+            <a:pPr lvl="1"/>
+            <a:r>
+              <a:rPr lang="en-US" dirty="0" smtClean="0"/>
+              <a:t>Requests</a:t>
+            </a:r>
+          </a:p>
+          <a:p>
+            <a:pPr lvl="1"/>
+            <a:r>
+              <a:rPr lang="en-US" dirty="0" smtClean="0"/>
+              <a:t>Beautiful Soup</a:t>
+            </a:r>
+          </a:p>
+          <a:p>
+            <a:pPr lvl="1"/>
+            <a:endParaRPr lang="en-US" dirty="0" smtClean="0"/>
+          </a:p>
+          <a:p>
+            <a:pPr lvl="1"/>
+            <a:endParaRPr lang="en-US" dirty="0" smtClean="0"/>
+          </a:p>
+        </p:txBody>
+      </p:sp>
+      <p:sp>
+        <p:nvSpPr>
+          <p:cNvPr id="3" name="Title 2"/>
+          <p:cNvSpPr>
+            <a:spLocks noGrp="1"/>
+          </p:cNvSpPr>
+          <p:nvPr>
+            <p:ph type="title"/>
+          </p:nvPr>
+        </p:nvSpPr>
+        <p:spPr/>
+        <p:txBody>
+          <a:bodyPr/>
+          <a:lstStyle/>
+          <a:p>
+            <a:r>
+              <a:rPr lang="en-US" dirty="0" smtClean="0"/>
+              <a:t>Libraries, </a:t>
+            </a:r>
+            <a:r>
+              <a:rPr lang="en-US" dirty="0" err="1" smtClean="0"/>
+              <a:t>a.k.a</a:t>
+            </a:r>
+            <a:r>
+              <a:rPr lang="en-US" dirty="0" smtClean="0"/>
+              <a:t> Modules</a:t>
+            </a:r>
+            <a:endParaRPr lang="en-US" dirty="0"/>
+          </a:p>
+        </p:txBody>
+      </p:sp>
+    </p:spTree>
+    <p:extLst>
+      <p:ext uri="{BB962C8B-B14F-4D97-AF65-F5344CB8AC3E}">
+        <p14:creationId xmlns:p14="http://schemas.microsoft.com/office/powerpoint/2010/main" val="2118525289"/>
+      </p:ext>
+    </p:extLst>
+  </p:cSld>
+  <p:clrMapOvr>
+    <a:masterClrMapping/>
+  </p:clrMapOvr>
+  <p:timing>
+    <p:tnLst>
+      <p:par>
+        <p:cTn id="1" dur="indefinite" restart="never" nodeType="tmRoot"/>
+      </p:par>
+    </p:tnLst>
+  </p:timing>
+</p:sld>
+</file>
+
+<file path=ppt/slides/slide76.xml><?xml version="1.0" encoding="utf-8"?>
+<p:sld xmlns:a="http://schemas.openxmlformats.org/drawingml/2006/main" xmlns:r="http://schemas.openxmlformats.org/officeDocument/2006/relationships" xmlns:p="http://schemas.openxmlformats.org/presentationml/2006/main">
+  <p:cSld>
+    <p:bg>
+      <p:bgPr>
+        <a:solidFill>
+          <a:schemeClr val="bg1"/>
+        </a:solidFill>
+        <a:effectLst/>
+      </p:bgPr>
+    </p:bg>
+    <p:spTree>
+      <p:nvGrpSpPr>
+        <p:cNvPr id="1" name=""/>
+        <p:cNvGrpSpPr/>
+        <p:nvPr/>
+      </p:nvGrpSpPr>
+      <p:grpSpPr>
+        <a:xfrm>
+          <a:off x="0" y="0"/>
+          <a:ext cx="0" cy="0"/>
+          <a:chOff x="0" y="0"/>
+          <a:chExt cx="0" cy="0"/>
+        </a:xfrm>
+      </p:grpSpPr>
+      <p:sp>
+        <p:nvSpPr>
+          <p:cNvPr id="4" name="Content Placeholder 3"/>
+          <p:cNvSpPr>
+            <a:spLocks noGrp="1"/>
+          </p:cNvSpPr>
+          <p:nvPr>
+            <p:ph idx="1"/>
+          </p:nvPr>
+        </p:nvSpPr>
+        <p:spPr/>
+        <p:txBody>
+          <a:bodyPr/>
+          <a:lstStyle/>
+          <a:p>
+            <a:endParaRPr lang="en-US" dirty="0"/>
+          </a:p>
+        </p:txBody>
+      </p:sp>
+      <p:sp>
+        <p:nvSpPr>
+          <p:cNvPr id="3" name="Title 2"/>
+          <p:cNvSpPr>
+            <a:spLocks noGrp="1"/>
+          </p:cNvSpPr>
+          <p:nvPr>
+            <p:ph type="title"/>
+          </p:nvPr>
+        </p:nvSpPr>
+        <p:spPr/>
+        <p:txBody>
+          <a:bodyPr/>
+          <a:lstStyle/>
+          <a:p>
+            <a:r>
+              <a:rPr lang="en-US" dirty="0" smtClean="0"/>
+              <a:t>Libraries: Examples</a:t>
+            </a:r>
+            <a:endParaRPr lang="en-US" dirty="0"/>
           </a:p>
         </p:txBody>
       </p:sp>
@@ -24210,6 +24576,89 @@
     <p:extLst>
       <p:ext uri="{BB962C8B-B14F-4D97-AF65-F5344CB8AC3E}">
         <p14:creationId xmlns:p14="http://schemas.microsoft.com/office/powerpoint/2010/main" val="1427963118"/>
+      </p:ext>
+    </p:extLst>
+  </p:cSld>
+  <p:clrMapOvr>
+    <a:masterClrMapping/>
+  </p:clrMapOvr>
+  <p:timing>
+    <p:tnLst>
+      <p:par>
+        <p:cTn id="1" dur="indefinite" restart="never" nodeType="tmRoot"/>
+      </p:par>
+    </p:tnLst>
+  </p:timing>
+</p:sld>
+</file>
+
+<file path=ppt/slides/slide77.xml><?xml version="1.0" encoding="utf-8"?>
+<p:sld xmlns:a="http://schemas.openxmlformats.org/drawingml/2006/main" xmlns:r="http://schemas.openxmlformats.org/officeDocument/2006/relationships" xmlns:p="http://schemas.openxmlformats.org/presentationml/2006/main">
+  <p:cSld>
+    <p:bg>
+      <p:bgPr>
+        <a:solidFill>
+          <a:schemeClr val="bg1"/>
+        </a:solidFill>
+        <a:effectLst/>
+      </p:bgPr>
+    </p:bg>
+    <p:spTree>
+      <p:nvGrpSpPr>
+        <p:cNvPr id="1" name=""/>
+        <p:cNvGrpSpPr/>
+        <p:nvPr/>
+      </p:nvGrpSpPr>
+      <p:grpSpPr>
+        <a:xfrm>
+          <a:off x="0" y="0"/>
+          <a:ext cx="0" cy="0"/>
+          <a:chOff x="0" y="0"/>
+          <a:chExt cx="0" cy="0"/>
+        </a:xfrm>
+      </p:grpSpPr>
+      <p:sp>
+        <p:nvSpPr>
+          <p:cNvPr id="4" name="Content Placeholder 3"/>
+          <p:cNvSpPr>
+            <a:spLocks noGrp="1"/>
+          </p:cNvSpPr>
+          <p:nvPr>
+            <p:ph idx="1"/>
+          </p:nvPr>
+        </p:nvSpPr>
+        <p:spPr/>
+        <p:txBody>
+          <a:bodyPr/>
+          <a:lstStyle/>
+          <a:p>
+            <a:endParaRPr lang="en-US" dirty="0"/>
+          </a:p>
+        </p:txBody>
+      </p:sp>
+      <p:sp>
+        <p:nvSpPr>
+          <p:cNvPr id="3" name="Title 2"/>
+          <p:cNvSpPr>
+            <a:spLocks noGrp="1"/>
+          </p:cNvSpPr>
+          <p:nvPr>
+            <p:ph type="title"/>
+          </p:nvPr>
+        </p:nvSpPr>
+        <p:spPr/>
+        <p:txBody>
+          <a:bodyPr/>
+          <a:lstStyle/>
+          <a:p>
+            <a:endParaRPr lang="en-US"/>
+          </a:p>
+        </p:txBody>
+      </p:sp>
+    </p:spTree>
+    <p:extLst>
+      <p:ext uri="{BB962C8B-B14F-4D97-AF65-F5344CB8AC3E}">
+        <p14:creationId xmlns:p14="http://schemas.microsoft.com/office/powerpoint/2010/main" val="1143777063"/>
       </p:ext>
     </p:extLst>
   </p:cSld>

--- a/Programming Foundations.pptx
+++ b/Programming Foundations.pptx
@@ -5,7 +5,7 @@
     <p:sldMasterId id="2147483648" r:id="rId1"/>
   </p:sldMasterIdLst>
   <p:notesMasterIdLst>
-    <p:notesMasterId r:id="rId79"/>
+    <p:notesMasterId r:id="rId80"/>
   </p:notesMasterIdLst>
   <p:sldIdLst>
     <p:sldId id="256" r:id="rId2"/>
@@ -80,11 +80,12 @@
     <p:sldId id="326" r:id="rId71"/>
     <p:sldId id="331" r:id="rId72"/>
     <p:sldId id="332" r:id="rId73"/>
-    <p:sldId id="327" r:id="rId74"/>
-    <p:sldId id="329" r:id="rId75"/>
-    <p:sldId id="330" r:id="rId76"/>
-    <p:sldId id="328" r:id="rId77"/>
-    <p:sldId id="333" r:id="rId78"/>
+    <p:sldId id="334" r:id="rId74"/>
+    <p:sldId id="327" r:id="rId75"/>
+    <p:sldId id="329" r:id="rId76"/>
+    <p:sldId id="330" r:id="rId77"/>
+    <p:sldId id="328" r:id="rId78"/>
+    <p:sldId id="333" r:id="rId79"/>
   </p:sldIdLst>
   <p:sldSz cx="12192000" cy="6858000"/>
   <p:notesSz cx="6858000" cy="9144000"/>
@@ -272,6 +273,7 @@
             <p14:sldId id="326"/>
             <p14:sldId id="331"/>
             <p14:sldId id="332"/>
+            <p14:sldId id="334"/>
             <p14:sldId id="327"/>
             <p14:sldId id="329"/>
             <p14:sldId id="330"/>
@@ -1389,6 +1391,141 @@
     <p:extLst>
       <p:ext uri="{BB962C8B-B14F-4D97-AF65-F5344CB8AC3E}">
         <p14:creationId xmlns:p14="http://schemas.microsoft.com/office/powerpoint/2010/main" val="1019159918"/>
+      </p:ext>
+    </p:extLst>
+  </p:cSld>
+  <p:clrMapOvr>
+    <a:masterClrMapping/>
+  </p:clrMapOvr>
+</p:notes>
+</file>
+
+<file path=ppt/notesSlides/notesSlide15.xml><?xml version="1.0" encoding="utf-8"?>
+<p:notes xmlns:a="http://schemas.openxmlformats.org/drawingml/2006/main" xmlns:r="http://schemas.openxmlformats.org/officeDocument/2006/relationships" xmlns:p="http://schemas.openxmlformats.org/presentationml/2006/main">
+  <p:cSld>
+    <p:spTree>
+      <p:nvGrpSpPr>
+        <p:cNvPr id="1" name=""/>
+        <p:cNvGrpSpPr/>
+        <p:nvPr/>
+      </p:nvGrpSpPr>
+      <p:grpSpPr>
+        <a:xfrm>
+          <a:off x="0" y="0"/>
+          <a:ext cx="0" cy="0"/>
+          <a:chOff x="0" y="0"/>
+          <a:chExt cx="0" cy="0"/>
+        </a:xfrm>
+      </p:grpSpPr>
+      <p:sp>
+        <p:nvSpPr>
+          <p:cNvPr id="2" name="Slide Image Placeholder 1"/>
+          <p:cNvSpPr>
+            <a:spLocks noGrp="1" noRot="1" noChangeAspect="1"/>
+          </p:cNvSpPr>
+          <p:nvPr>
+            <p:ph type="sldImg"/>
+          </p:nvPr>
+        </p:nvSpPr>
+        <p:spPr/>
+      </p:sp>
+      <p:sp>
+        <p:nvSpPr>
+          <p:cNvPr id="3" name="Notes Placeholder 2"/>
+          <p:cNvSpPr>
+            <a:spLocks noGrp="1"/>
+          </p:cNvSpPr>
+          <p:nvPr>
+            <p:ph type="body" idx="1"/>
+          </p:nvPr>
+        </p:nvSpPr>
+        <p:spPr/>
+        <p:txBody>
+          <a:bodyPr/>
+          <a:lstStyle/>
+          <a:p>
+            <a:r>
+              <a:rPr lang="en-US" b="1" dirty="0" smtClean="0"/>
+              <a:t>Exercise</a:t>
+            </a:r>
+            <a:r>
+              <a:rPr lang="en-US" b="1" baseline="0" dirty="0" smtClean="0"/>
+              <a:t> – Mathematical Operations</a:t>
+            </a:r>
+          </a:p>
+          <a:p>
+            <a:endParaRPr lang="en-GB" b="1" baseline="0" dirty="0" smtClean="0"/>
+          </a:p>
+          <a:p>
+            <a:r>
+              <a:rPr lang="en-GB" b="0" baseline="0" dirty="0" smtClean="0">
+                <a:solidFill>
+                  <a:srgbClr val="FF0000"/>
+                </a:solidFill>
+              </a:rPr>
+              <a:t>Design an exercise where the delegates build upon the user of the input and </a:t>
+            </a:r>
+            <a:r>
+              <a:rPr lang="en-GB" b="0" baseline="0" dirty="0" err="1" smtClean="0">
+                <a:solidFill>
+                  <a:srgbClr val="FF0000"/>
+                </a:solidFill>
+              </a:rPr>
+              <a:t>raw_input</a:t>
+            </a:r>
+            <a:r>
+              <a:rPr lang="en-GB" b="0" baseline="0" dirty="0" smtClean="0">
+                <a:solidFill>
+                  <a:srgbClr val="FF0000"/>
+                </a:solidFill>
+              </a:rPr>
+              <a:t> functions to take input and build a calculator or something.</a:t>
+            </a:r>
+          </a:p>
+          <a:p>
+            <a:endParaRPr lang="en-US" dirty="0" smtClean="0"/>
+          </a:p>
+          <a:p>
+            <a:endParaRPr lang="en-US" dirty="0"/>
+          </a:p>
+        </p:txBody>
+      </p:sp>
+      <p:sp>
+        <p:nvSpPr>
+          <p:cNvPr id="4" name="Slide Number Placeholder 3"/>
+          <p:cNvSpPr>
+            <a:spLocks noGrp="1"/>
+          </p:cNvSpPr>
+          <p:nvPr>
+            <p:ph type="sldNum" sz="quarter" idx="10"/>
+          </p:nvPr>
+        </p:nvSpPr>
+        <p:spPr/>
+        <p:txBody>
+          <a:bodyPr/>
+          <a:lstStyle/>
+          <a:p>
+            <a:fld id="{D2FD33D1-5F8B-45B7-9940-CBFFF9C06F51}" type="slidenum">
+              <a:rPr lang="en-GB" smtClean="0">
+                <a:solidFill>
+                  <a:prstClr val="black"/>
+                </a:solidFill>
+              </a:rPr>
+              <a:pPr/>
+              <a:t>73</a:t>
+            </a:fld>
+            <a:endParaRPr lang="en-GB" dirty="0">
+              <a:solidFill>
+                <a:prstClr val="black"/>
+              </a:solidFill>
+            </a:endParaRPr>
+          </a:p>
+        </p:txBody>
+      </p:sp>
+    </p:spTree>
+    <p:extLst>
+      <p:ext uri="{BB962C8B-B14F-4D97-AF65-F5344CB8AC3E}">
+        <p14:creationId xmlns:p14="http://schemas.microsoft.com/office/powerpoint/2010/main" val="813080437"/>
       </p:ext>
     </p:extLst>
   </p:cSld>
@@ -23874,7 +24011,9 @@
         </p:nvSpPr>
         <p:spPr/>
         <p:txBody>
-          <a:bodyPr/>
+          <a:bodyPr>
+            <a:normAutofit lnSpcReduction="10000"/>
+          </a:bodyPr>
           <a:lstStyle/>
           <a:p>
             <a:r>
@@ -23897,7 +24036,20 @@
           <a:p>
             <a:r>
               <a:rPr lang="en-US" dirty="0" smtClean="0"/>
+              <a:t>Can return objects</a:t>
+            </a:r>
+            <a:endParaRPr lang="en-US" dirty="0" smtClean="0"/>
+          </a:p>
+          <a:p>
+            <a:r>
+              <a:rPr lang="en-US" dirty="0" smtClean="0"/>
               <a:t>Parameters can be supplied with default values</a:t>
+            </a:r>
+          </a:p>
+          <a:p>
+            <a:r>
+              <a:rPr lang="en-US" dirty="0" smtClean="0"/>
+              <a:t>Helps compartmentalize application logic</a:t>
             </a:r>
             <a:endParaRPr lang="en-US" dirty="0"/>
           </a:p>
@@ -24036,14 +24188,6 @@
 <file path=ppt/slides/slide73.xml><?xml version="1.0" encoding="utf-8"?>
 <p:sld xmlns:a="http://schemas.openxmlformats.org/drawingml/2006/main" xmlns:r="http://schemas.openxmlformats.org/officeDocument/2006/relationships" xmlns:p="http://schemas.openxmlformats.org/presentationml/2006/main">
   <p:cSld>
-    <p:bg>
-      <p:bgPr>
-        <a:solidFill>
-          <a:schemeClr val="bg1"/>
-        </a:solidFill>
-        <a:effectLst/>
-      </p:bgPr>
-    </p:bg>
     <p:spTree>
       <p:nvGrpSpPr>
         <p:cNvPr id="1" name=""/>
@@ -24060,81 +24204,7 @@
       </p:grpSpPr>
       <p:sp>
         <p:nvSpPr>
-          <p:cNvPr id="4" name="Content Placeholder 3"/>
-          <p:cNvSpPr>
-            <a:spLocks noGrp="1"/>
-          </p:cNvSpPr>
-          <p:nvPr>
-            <p:ph idx="1"/>
-          </p:nvPr>
-        </p:nvSpPr>
-        <p:spPr/>
-        <p:txBody>
-          <a:bodyPr>
-            <a:normAutofit/>
-          </a:bodyPr>
-          <a:lstStyle/>
-          <a:p>
-            <a:r>
-              <a:rPr lang="en-US" dirty="0" smtClean="0"/>
-              <a:t>What is a module?</a:t>
-            </a:r>
-          </a:p>
-          <a:p>
-            <a:pPr lvl="1"/>
-            <a:r>
-              <a:rPr lang="en-US" dirty="0" smtClean="0"/>
-              <a:t>A file containing Python definitions and statements</a:t>
-            </a:r>
-          </a:p>
-          <a:p>
-            <a:pPr lvl="1"/>
-            <a:r>
-              <a:rPr lang="en-US" dirty="0" smtClean="0"/>
-              <a:t>Module files have the .</a:t>
-            </a:r>
-            <a:r>
-              <a:rPr lang="en-US" dirty="0" err="1" smtClean="0"/>
-              <a:t>py</a:t>
-            </a:r>
-            <a:r>
-              <a:rPr lang="en-US" dirty="0" smtClean="0"/>
-              <a:t> extension, e.g. mymodule.py</a:t>
-            </a:r>
-            <a:endParaRPr lang="en-US" dirty="0" smtClean="0"/>
-          </a:p>
-          <a:p>
-            <a:r>
-              <a:rPr lang="en-US" dirty="0" smtClean="0"/>
-              <a:t>Why do we use them?</a:t>
-            </a:r>
-          </a:p>
-          <a:p>
-            <a:pPr lvl="1"/>
-            <a:r>
-              <a:rPr lang="en-US" dirty="0" smtClean="0"/>
-              <a:t>Provide reusable code</a:t>
-            </a:r>
-          </a:p>
-          <a:p>
-            <a:pPr lvl="1"/>
-            <a:r>
-              <a:rPr lang="en-US" dirty="0" smtClean="0"/>
-              <a:t>Prevent code duplication</a:t>
-            </a:r>
-          </a:p>
-          <a:p>
-            <a:pPr lvl="1"/>
-            <a:r>
-              <a:rPr lang="en-US" dirty="0" smtClean="0"/>
-              <a:t>Split application code into functional groups</a:t>
-            </a:r>
-          </a:p>
-        </p:txBody>
-      </p:sp>
-      <p:sp>
-        <p:nvSpPr>
-          <p:cNvPr id="3" name="Title 2"/>
+          <p:cNvPr id="4" name="Title 3"/>
           <p:cNvSpPr>
             <a:spLocks noGrp="1"/>
           </p:cNvSpPr>
@@ -24144,20 +24214,26 @@
         </p:nvSpPr>
         <p:spPr/>
         <p:txBody>
-          <a:bodyPr/>
+          <a:bodyPr>
+            <a:normAutofit/>
+          </a:bodyPr>
           <a:lstStyle/>
           <a:p>
             <a:r>
+              <a:rPr lang="en-US" dirty="0" smtClean="0">
+                <a:solidFill>
+                  <a:srgbClr val="C4A174"/>
+                </a:solidFill>
+              </a:rPr>
+              <a:t>Exercise:</a:t>
+            </a:r>
+            <a:r>
               <a:rPr lang="en-US" dirty="0" smtClean="0"/>
-              <a:t>Libraries, </a:t>
-            </a:r>
-            <a:r>
-              <a:rPr lang="en-US" dirty="0" err="1" smtClean="0"/>
-              <a:t>a.k.a</a:t>
+              <a:t> </a:t>
             </a:r>
             <a:r>
               <a:rPr lang="en-US" dirty="0" smtClean="0"/>
-              <a:t> Modules</a:t>
+              <a:t>Functions</a:t>
             </a:r>
             <a:endParaRPr lang="en-US" dirty="0"/>
           </a:p>
@@ -24166,7 +24242,7 @@
     </p:spTree>
     <p:extLst>
       <p:ext uri="{BB962C8B-B14F-4D97-AF65-F5344CB8AC3E}">
-        <p14:creationId xmlns:p14="http://schemas.microsoft.com/office/powerpoint/2010/main" val="1762627127"/>
+        <p14:creationId xmlns:p14="http://schemas.microsoft.com/office/powerpoint/2010/main" val="1638318231"/>
       </p:ext>
     </p:extLst>
   </p:cSld>
@@ -24218,80 +24294,66 @@
             <p:ph idx="1"/>
           </p:nvPr>
         </p:nvSpPr>
-        <p:spPr>
-          <a:xfrm>
-            <a:off x="1007436" y="1556792"/>
-            <a:ext cx="10574965" cy="4569373"/>
-          </a:xfrm>
-        </p:spPr>
+        <p:spPr/>
         <p:txBody>
           <a:bodyPr>
-            <a:normAutofit lnSpcReduction="10000"/>
+            <a:normAutofit/>
           </a:bodyPr>
           <a:lstStyle/>
           <a:p>
             <a:r>
               <a:rPr lang="en-US" dirty="0" smtClean="0"/>
-              <a:t>Where to get them</a:t>
+              <a:t>What is a module?</a:t>
             </a:r>
           </a:p>
           <a:p>
             <a:pPr lvl="1"/>
             <a:r>
+              <a:rPr lang="en-US" dirty="0" smtClean="0"/>
+              <a:t>A file containing Python definitions and statements</a:t>
+            </a:r>
+          </a:p>
+          <a:p>
+            <a:pPr lvl="1"/>
+            <a:r>
+              <a:rPr lang="en-US" dirty="0" smtClean="0"/>
+              <a:t>Module files have the .</a:t>
+            </a:r>
+            <a:r>
               <a:rPr lang="en-US" dirty="0" err="1" smtClean="0"/>
-              <a:t>Github</a:t>
+              <a:t>py</a:t>
+            </a:r>
+            <a:r>
+              <a:rPr lang="en-US" dirty="0" smtClean="0"/>
+              <a:t> extension, e.g. mymodule.py</a:t>
             </a:r>
             <a:endParaRPr lang="en-US" dirty="0" smtClean="0"/>
           </a:p>
           <a:p>
+            <a:r>
+              <a:rPr lang="en-US" dirty="0" smtClean="0"/>
+              <a:t>Why do we use them?</a:t>
+            </a:r>
+          </a:p>
+          <a:p>
             <a:pPr lvl="1"/>
             <a:r>
               <a:rPr lang="en-US" dirty="0" smtClean="0"/>
-              <a:t>Pip</a:t>
+              <a:t>Provide reusable code</a:t>
             </a:r>
           </a:p>
           <a:p>
             <a:pPr lvl="1"/>
             <a:r>
-              <a:rPr lang="en-US" dirty="0" err="1" smtClean="0"/>
-              <a:t>Bitbucket</a:t>
-            </a:r>
-            <a:endParaRPr lang="en-US" dirty="0" smtClean="0"/>
+              <a:rPr lang="en-US" dirty="0" smtClean="0"/>
+              <a:t>Prevent code duplication</a:t>
+            </a:r>
           </a:p>
           <a:p>
             <a:pPr lvl="1"/>
             <a:r>
-              <a:rPr lang="en-US" dirty="0" err="1" smtClean="0"/>
-              <a:t>PyPi</a:t>
-            </a:r>
-            <a:endParaRPr lang="en-US" dirty="0" smtClean="0"/>
-          </a:p>
-          <a:p>
-            <a:r>
               <a:rPr lang="en-US" dirty="0" smtClean="0"/>
-              <a:t>Concerns</a:t>
-            </a:r>
-          </a:p>
-          <a:p>
-            <a:pPr lvl="1"/>
-            <a:r>
-              <a:rPr lang="en-US" dirty="0" smtClean="0"/>
-              <a:t>Black boxing</a:t>
-            </a:r>
-          </a:p>
-          <a:p>
-            <a:pPr lvl="1"/>
-            <a:r>
-              <a:rPr lang="en-US" dirty="0" smtClean="0"/>
-              <a:t>Security</a:t>
-            </a:r>
-            <a:endParaRPr lang="en-US" dirty="0"/>
-          </a:p>
-          <a:p>
-            <a:pPr lvl="1"/>
-            <a:r>
-              <a:rPr lang="en-US" dirty="0" smtClean="0"/>
-              <a:t>Support</a:t>
+              <a:t>Split application code into functional groups</a:t>
             </a:r>
           </a:p>
         </p:txBody>
@@ -24330,7 +24392,7 @@
     </p:spTree>
     <p:extLst>
       <p:ext uri="{BB962C8B-B14F-4D97-AF65-F5344CB8AC3E}">
-        <p14:creationId xmlns:p14="http://schemas.microsoft.com/office/powerpoint/2010/main" val="4016755990"/>
+        <p14:creationId xmlns:p14="http://schemas.microsoft.com/office/powerpoint/2010/main" val="1762627127"/>
       </p:ext>
     </p:extLst>
   </p:cSld>
@@ -24390,67 +24452,73 @@
         </p:spPr>
         <p:txBody>
           <a:bodyPr>
-            <a:normAutofit/>
+            <a:normAutofit lnSpcReduction="10000"/>
           </a:bodyPr>
           <a:lstStyle/>
           <a:p>
             <a:r>
               <a:rPr lang="en-US" dirty="0" smtClean="0"/>
-              <a:t>Example libraries</a:t>
+              <a:t>Where to get them</a:t>
             </a:r>
           </a:p>
           <a:p>
             <a:pPr lvl="1"/>
             <a:r>
               <a:rPr lang="en-US" dirty="0" err="1" smtClean="0"/>
-              <a:t>pyOpenSSL</a:t>
+              <a:t>Github</a:t>
             </a:r>
             <a:endParaRPr lang="en-US" dirty="0" smtClean="0"/>
           </a:p>
           <a:p>
             <a:pPr lvl="1"/>
             <a:r>
+              <a:rPr lang="en-US" dirty="0" smtClean="0"/>
+              <a:t>Pip</a:t>
+            </a:r>
+          </a:p>
+          <a:p>
+            <a:pPr lvl="1"/>
+            <a:r>
               <a:rPr lang="en-US" dirty="0" err="1" smtClean="0"/>
-              <a:t>Django</a:t>
+              <a:t>Bitbucket</a:t>
             </a:r>
             <a:endParaRPr lang="en-US" dirty="0" smtClean="0"/>
           </a:p>
           <a:p>
             <a:pPr lvl="1"/>
             <a:r>
+              <a:rPr lang="en-US" dirty="0" err="1" smtClean="0"/>
+              <a:t>PyPi</a:t>
+            </a:r>
+            <a:endParaRPr lang="en-US" dirty="0" smtClean="0"/>
+          </a:p>
+          <a:p>
+            <a:r>
               <a:rPr lang="en-US" dirty="0" smtClean="0"/>
-              <a:t>MySQL-python</a:t>
+              <a:t>Concerns</a:t>
             </a:r>
           </a:p>
           <a:p>
             <a:pPr lvl="1"/>
             <a:r>
-              <a:rPr lang="en-US" dirty="0" err="1" smtClean="0"/>
-              <a:t>Plotly</a:t>
-            </a:r>
-            <a:endParaRPr lang="en-US" dirty="0" smtClean="0"/>
+              <a:rPr lang="en-US" dirty="0" smtClean="0"/>
+              <a:t>Black boxing</a:t>
+            </a:r>
           </a:p>
           <a:p>
             <a:pPr lvl="1"/>
             <a:r>
               <a:rPr lang="en-US" dirty="0" smtClean="0"/>
-              <a:t>Requests</a:t>
-            </a:r>
+              <a:t>Security</a:t>
+            </a:r>
+            <a:endParaRPr lang="en-US" dirty="0"/>
           </a:p>
           <a:p>
             <a:pPr lvl="1"/>
             <a:r>
               <a:rPr lang="en-US" dirty="0" smtClean="0"/>
-              <a:t>Beautiful Soup</a:t>
-            </a:r>
-          </a:p>
-          <a:p>
-            <a:pPr lvl="1"/>
-            <a:endParaRPr lang="en-US" dirty="0" smtClean="0"/>
-          </a:p>
-          <a:p>
-            <a:pPr lvl="1"/>
-            <a:endParaRPr lang="en-US" dirty="0" smtClean="0"/>
+              <a:t>Support</a:t>
+            </a:r>
           </a:p>
         </p:txBody>
       </p:sp>
@@ -24488,7 +24556,7 @@
     </p:spTree>
     <p:extLst>
       <p:ext uri="{BB962C8B-B14F-4D97-AF65-F5344CB8AC3E}">
-        <p14:creationId xmlns:p14="http://schemas.microsoft.com/office/powerpoint/2010/main" val="2118525289"/>
+        <p14:creationId xmlns:p14="http://schemas.microsoft.com/office/powerpoint/2010/main" val="4016755990"/>
       </p:ext>
     </p:extLst>
   </p:cSld>
@@ -24540,6 +24608,164 @@
             <p:ph idx="1"/>
           </p:nvPr>
         </p:nvSpPr>
+        <p:spPr>
+          <a:xfrm>
+            <a:off x="1007436" y="1556792"/>
+            <a:ext cx="10574965" cy="4569373"/>
+          </a:xfrm>
+        </p:spPr>
+        <p:txBody>
+          <a:bodyPr>
+            <a:normAutofit/>
+          </a:bodyPr>
+          <a:lstStyle/>
+          <a:p>
+            <a:r>
+              <a:rPr lang="en-US" dirty="0" smtClean="0"/>
+              <a:t>Example libraries</a:t>
+            </a:r>
+          </a:p>
+          <a:p>
+            <a:pPr lvl="1"/>
+            <a:r>
+              <a:rPr lang="en-US" dirty="0" err="1" smtClean="0"/>
+              <a:t>pyOpenSSL</a:t>
+            </a:r>
+            <a:endParaRPr lang="en-US" dirty="0" smtClean="0"/>
+          </a:p>
+          <a:p>
+            <a:pPr lvl="1"/>
+            <a:r>
+              <a:rPr lang="en-US" dirty="0" err="1" smtClean="0"/>
+              <a:t>Django</a:t>
+            </a:r>
+            <a:endParaRPr lang="en-US" dirty="0" smtClean="0"/>
+          </a:p>
+          <a:p>
+            <a:pPr lvl="1"/>
+            <a:r>
+              <a:rPr lang="en-US" dirty="0" smtClean="0"/>
+              <a:t>MySQL-python</a:t>
+            </a:r>
+          </a:p>
+          <a:p>
+            <a:pPr lvl="1"/>
+            <a:r>
+              <a:rPr lang="en-US" dirty="0" err="1" smtClean="0"/>
+              <a:t>Plotly</a:t>
+            </a:r>
+            <a:endParaRPr lang="en-US" dirty="0" smtClean="0"/>
+          </a:p>
+          <a:p>
+            <a:pPr lvl="1"/>
+            <a:r>
+              <a:rPr lang="en-US" dirty="0" smtClean="0"/>
+              <a:t>Requests</a:t>
+            </a:r>
+          </a:p>
+          <a:p>
+            <a:pPr lvl="1"/>
+            <a:r>
+              <a:rPr lang="en-US" dirty="0" smtClean="0"/>
+              <a:t>Beautiful Soup</a:t>
+            </a:r>
+          </a:p>
+          <a:p>
+            <a:pPr lvl="1"/>
+            <a:endParaRPr lang="en-US" dirty="0" smtClean="0"/>
+          </a:p>
+          <a:p>
+            <a:pPr lvl="1"/>
+            <a:endParaRPr lang="en-US" dirty="0" smtClean="0"/>
+          </a:p>
+        </p:txBody>
+      </p:sp>
+      <p:sp>
+        <p:nvSpPr>
+          <p:cNvPr id="3" name="Title 2"/>
+          <p:cNvSpPr>
+            <a:spLocks noGrp="1"/>
+          </p:cNvSpPr>
+          <p:nvPr>
+            <p:ph type="title"/>
+          </p:nvPr>
+        </p:nvSpPr>
+        <p:spPr/>
+        <p:txBody>
+          <a:bodyPr/>
+          <a:lstStyle/>
+          <a:p>
+            <a:r>
+              <a:rPr lang="en-US" dirty="0" smtClean="0"/>
+              <a:t>Libraries, </a:t>
+            </a:r>
+            <a:r>
+              <a:rPr lang="en-US" dirty="0" err="1" smtClean="0"/>
+              <a:t>a.k.a</a:t>
+            </a:r>
+            <a:r>
+              <a:rPr lang="en-US" dirty="0" smtClean="0"/>
+              <a:t> Modules</a:t>
+            </a:r>
+            <a:endParaRPr lang="en-US" dirty="0"/>
+          </a:p>
+        </p:txBody>
+      </p:sp>
+    </p:spTree>
+    <p:extLst>
+      <p:ext uri="{BB962C8B-B14F-4D97-AF65-F5344CB8AC3E}">
+        <p14:creationId xmlns:p14="http://schemas.microsoft.com/office/powerpoint/2010/main" val="2118525289"/>
+      </p:ext>
+    </p:extLst>
+  </p:cSld>
+  <p:clrMapOvr>
+    <a:masterClrMapping/>
+  </p:clrMapOvr>
+  <p:timing>
+    <p:tnLst>
+      <p:par>
+        <p:cTn id="1" dur="indefinite" restart="never" nodeType="tmRoot"/>
+      </p:par>
+    </p:tnLst>
+  </p:timing>
+</p:sld>
+</file>
+
+<file path=ppt/slides/slide77.xml><?xml version="1.0" encoding="utf-8"?>
+<p:sld xmlns:a="http://schemas.openxmlformats.org/drawingml/2006/main" xmlns:r="http://schemas.openxmlformats.org/officeDocument/2006/relationships" xmlns:p="http://schemas.openxmlformats.org/presentationml/2006/main">
+  <p:cSld>
+    <p:bg>
+      <p:bgPr>
+        <a:solidFill>
+          <a:schemeClr val="bg1"/>
+        </a:solidFill>
+        <a:effectLst/>
+      </p:bgPr>
+    </p:bg>
+    <p:spTree>
+      <p:nvGrpSpPr>
+        <p:cNvPr id="1" name=""/>
+        <p:cNvGrpSpPr/>
+        <p:nvPr/>
+      </p:nvGrpSpPr>
+      <p:grpSpPr>
+        <a:xfrm>
+          <a:off x="0" y="0"/>
+          <a:ext cx="0" cy="0"/>
+          <a:chOff x="0" y="0"/>
+          <a:chExt cx="0" cy="0"/>
+        </a:xfrm>
+      </p:grpSpPr>
+      <p:sp>
+        <p:nvSpPr>
+          <p:cNvPr id="4" name="Content Placeholder 3"/>
+          <p:cNvSpPr>
+            <a:spLocks noGrp="1"/>
+          </p:cNvSpPr>
+          <p:nvPr>
+            <p:ph idx="1"/>
+          </p:nvPr>
+        </p:nvSpPr>
         <p:spPr/>
         <p:txBody>
           <a:bodyPr/>
@@ -24592,7 +24818,7 @@
 </p:sld>
 </file>
 
-<file path=ppt/slides/slide77.xml><?xml version="1.0" encoding="utf-8"?>
+<file path=ppt/slides/slide78.xml><?xml version="1.0" encoding="utf-8"?>
 <p:sld xmlns:a="http://schemas.openxmlformats.org/drawingml/2006/main" xmlns:r="http://schemas.openxmlformats.org/officeDocument/2006/relationships" xmlns:p="http://schemas.openxmlformats.org/presentationml/2006/main">
   <p:cSld>
     <p:bg>

--- a/Programming Foundations.pptx
+++ b/Programming Foundations.pptx
@@ -5,7 +5,7 @@
     <p:sldMasterId id="2147483648" r:id="rId1"/>
   </p:sldMasterIdLst>
   <p:notesMasterIdLst>
-    <p:notesMasterId r:id="rId80"/>
+    <p:notesMasterId r:id="rId84"/>
   </p:notesMasterIdLst>
   <p:sldIdLst>
     <p:sldId id="256" r:id="rId2"/>
@@ -86,6 +86,10 @@
     <p:sldId id="330" r:id="rId77"/>
     <p:sldId id="328" r:id="rId78"/>
     <p:sldId id="333" r:id="rId79"/>
+    <p:sldId id="335" r:id="rId80"/>
+    <p:sldId id="337" r:id="rId81"/>
+    <p:sldId id="336" r:id="rId82"/>
+    <p:sldId id="338" r:id="rId83"/>
   </p:sldIdLst>
   <p:sldSz cx="12192000" cy="6858000"/>
   <p:notesSz cx="6858000" cy="9144000"/>
@@ -279,6 +283,10 @@
             <p14:sldId id="330"/>
             <p14:sldId id="328"/>
             <p14:sldId id="333"/>
+            <p14:sldId id="335"/>
+            <p14:sldId id="337"/>
+            <p14:sldId id="336"/>
+            <p14:sldId id="338"/>
           </p14:sldIdLst>
         </p14:section>
       </p14:sectionLst>
@@ -383,7 +391,7 @@
           <a:p>
             <a:fld id="{71E97B14-EBBC-4D63-9452-80CC20F4551D}" type="datetimeFigureOut">
               <a:rPr lang="en-GB" smtClean="0"/>
-              <a:t>18/01/2016</a:t>
+              <a:t>20/01/2016</a:t>
             </a:fld>
             <a:endParaRPr lang="en-GB" dirty="0"/>
           </a:p>
@@ -1526,6 +1534,141 @@
     <p:extLst>
       <p:ext uri="{BB962C8B-B14F-4D97-AF65-F5344CB8AC3E}">
         <p14:creationId xmlns:p14="http://schemas.microsoft.com/office/powerpoint/2010/main" val="813080437"/>
+      </p:ext>
+    </p:extLst>
+  </p:cSld>
+  <p:clrMapOvr>
+    <a:masterClrMapping/>
+  </p:clrMapOvr>
+</p:notes>
+</file>
+
+<file path=ppt/notesSlides/notesSlide16.xml><?xml version="1.0" encoding="utf-8"?>
+<p:notes xmlns:a="http://schemas.openxmlformats.org/drawingml/2006/main" xmlns:r="http://schemas.openxmlformats.org/officeDocument/2006/relationships" xmlns:p="http://schemas.openxmlformats.org/presentationml/2006/main">
+  <p:cSld>
+    <p:spTree>
+      <p:nvGrpSpPr>
+        <p:cNvPr id="1" name=""/>
+        <p:cNvGrpSpPr/>
+        <p:nvPr/>
+      </p:nvGrpSpPr>
+      <p:grpSpPr>
+        <a:xfrm>
+          <a:off x="0" y="0"/>
+          <a:ext cx="0" cy="0"/>
+          <a:chOff x="0" y="0"/>
+          <a:chExt cx="0" cy="0"/>
+        </a:xfrm>
+      </p:grpSpPr>
+      <p:sp>
+        <p:nvSpPr>
+          <p:cNvPr id="2" name="Slide Image Placeholder 1"/>
+          <p:cNvSpPr>
+            <a:spLocks noGrp="1" noRot="1" noChangeAspect="1"/>
+          </p:cNvSpPr>
+          <p:nvPr>
+            <p:ph type="sldImg"/>
+          </p:nvPr>
+        </p:nvSpPr>
+        <p:spPr/>
+      </p:sp>
+      <p:sp>
+        <p:nvSpPr>
+          <p:cNvPr id="3" name="Notes Placeholder 2"/>
+          <p:cNvSpPr>
+            <a:spLocks noGrp="1"/>
+          </p:cNvSpPr>
+          <p:nvPr>
+            <p:ph type="body" idx="1"/>
+          </p:nvPr>
+        </p:nvSpPr>
+        <p:spPr/>
+        <p:txBody>
+          <a:bodyPr/>
+          <a:lstStyle/>
+          <a:p>
+            <a:r>
+              <a:rPr lang="en-US" b="1" dirty="0" smtClean="0"/>
+              <a:t>Exercise</a:t>
+            </a:r>
+            <a:r>
+              <a:rPr lang="en-US" b="1" baseline="0" dirty="0" smtClean="0"/>
+              <a:t> – Mathematical Operations</a:t>
+            </a:r>
+          </a:p>
+          <a:p>
+            <a:endParaRPr lang="en-GB" b="1" baseline="0" dirty="0" smtClean="0"/>
+          </a:p>
+          <a:p>
+            <a:r>
+              <a:rPr lang="en-GB" b="0" baseline="0" dirty="0" smtClean="0">
+                <a:solidFill>
+                  <a:srgbClr val="FF0000"/>
+                </a:solidFill>
+              </a:rPr>
+              <a:t>Design an exercise where the delegates build upon the user of the input and </a:t>
+            </a:r>
+            <a:r>
+              <a:rPr lang="en-GB" b="0" baseline="0" dirty="0" err="1" smtClean="0">
+                <a:solidFill>
+                  <a:srgbClr val="FF0000"/>
+                </a:solidFill>
+              </a:rPr>
+              <a:t>raw_input</a:t>
+            </a:r>
+            <a:r>
+              <a:rPr lang="en-GB" b="0" baseline="0" dirty="0" smtClean="0">
+                <a:solidFill>
+                  <a:srgbClr val="FF0000"/>
+                </a:solidFill>
+              </a:rPr>
+              <a:t> functions to take input and build a calculator or something.</a:t>
+            </a:r>
+          </a:p>
+          <a:p>
+            <a:endParaRPr lang="en-US" dirty="0" smtClean="0"/>
+          </a:p>
+          <a:p>
+            <a:endParaRPr lang="en-US" dirty="0"/>
+          </a:p>
+        </p:txBody>
+      </p:sp>
+      <p:sp>
+        <p:nvSpPr>
+          <p:cNvPr id="4" name="Slide Number Placeholder 3"/>
+          <p:cNvSpPr>
+            <a:spLocks noGrp="1"/>
+          </p:cNvSpPr>
+          <p:nvPr>
+            <p:ph type="sldNum" sz="quarter" idx="10"/>
+          </p:nvPr>
+        </p:nvSpPr>
+        <p:spPr/>
+        <p:txBody>
+          <a:bodyPr/>
+          <a:lstStyle/>
+          <a:p>
+            <a:fld id="{D2FD33D1-5F8B-45B7-9940-CBFFF9C06F51}" type="slidenum">
+              <a:rPr lang="en-GB" smtClean="0">
+                <a:solidFill>
+                  <a:prstClr val="black"/>
+                </a:solidFill>
+              </a:rPr>
+              <a:pPr/>
+              <a:t>80</a:t>
+            </a:fld>
+            <a:endParaRPr lang="en-GB" dirty="0">
+              <a:solidFill>
+                <a:prstClr val="black"/>
+              </a:solidFill>
+            </a:endParaRPr>
+          </a:p>
+        </p:txBody>
+      </p:sp>
+    </p:spTree>
+    <p:extLst>
+      <p:ext uri="{BB962C8B-B14F-4D97-AF65-F5344CB8AC3E}">
+        <p14:creationId xmlns:p14="http://schemas.microsoft.com/office/powerpoint/2010/main" val="118522055"/>
       </p:ext>
     </p:extLst>
   </p:cSld>
@@ -21243,7 +21386,6 @@
               <a:rPr lang="en-US" dirty="0" smtClean="0"/>
               <a:t>All other values are considered True</a:t>
             </a:r>
-            <a:endParaRPr lang="en-US" dirty="0" smtClean="0"/>
           </a:p>
         </p:txBody>
       </p:sp>
@@ -21400,7 +21542,6 @@
               <a:rPr lang="en-US" dirty="0" smtClean="0"/>
               <a:t> is not True</a:t>
             </a:r>
-            <a:endParaRPr lang="en-US" dirty="0" smtClean="0"/>
           </a:p>
           <a:p>
             <a:pPr lvl="2"/>
@@ -23303,11 +23444,7 @@
             </a:r>
             <a:r>
               <a:rPr lang="en-US" dirty="0" smtClean="0"/>
-              <a:t> </a:t>
-            </a:r>
-            <a:r>
-              <a:rPr lang="en-US" dirty="0" smtClean="0"/>
-              <a:t>Data Types</a:t>
+              <a:t> Data Types</a:t>
             </a:r>
             <a:endParaRPr lang="en-US" dirty="0"/>
           </a:p>
@@ -23715,11 +23852,7 @@
             <a:pPr lvl="1"/>
             <a:r>
               <a:rPr lang="en-US" dirty="0" smtClean="0"/>
-              <a:t>is not</a:t>
-            </a:r>
-            <a:r>
-              <a:rPr lang="en-US" dirty="0" smtClean="0"/>
-              <a:t> </a:t>
+              <a:t>is not </a:t>
             </a:r>
           </a:p>
           <a:p>
@@ -24038,7 +24171,6 @@
               <a:rPr lang="en-US" dirty="0" smtClean="0"/>
               <a:t>Can return objects</a:t>
             </a:r>
-            <a:endParaRPr lang="en-US" dirty="0" smtClean="0"/>
           </a:p>
           <a:p>
             <a:r>
@@ -24229,11 +24361,7 @@
             </a:r>
             <a:r>
               <a:rPr lang="en-US" dirty="0" smtClean="0"/>
-              <a:t> </a:t>
-            </a:r>
-            <a:r>
-              <a:rPr lang="en-US" dirty="0" smtClean="0"/>
-              <a:t>Functions</a:t>
+              <a:t> Functions</a:t>
             </a:r>
             <a:endParaRPr lang="en-US" dirty="0"/>
           </a:p>
@@ -24327,7 +24455,6 @@
               <a:rPr lang="en-US" dirty="0" smtClean="0"/>
               <a:t> extension, e.g. mymodule.py</a:t>
             </a:r>
-            <a:endParaRPr lang="en-US" dirty="0" smtClean="0"/>
           </a:p>
           <a:p>
             <a:r>
@@ -24855,10 +24982,94 @@
         </p:nvSpPr>
         <p:spPr/>
         <p:txBody>
-          <a:bodyPr/>
+          <a:bodyPr>
+            <a:normAutofit lnSpcReduction="10000"/>
+          </a:bodyPr>
           <a:lstStyle/>
           <a:p>
-            <a:endParaRPr lang="en-US" dirty="0"/>
+            <a:r>
+              <a:rPr lang="en-US" dirty="0" smtClean="0"/>
+              <a:t>What do we mean by ‘debugging’?</a:t>
+            </a:r>
+          </a:p>
+          <a:p>
+            <a:pPr lvl="1"/>
+            <a:r>
+              <a:rPr lang="en-GB" dirty="0"/>
+              <a:t>Identifying and correcting errors in </a:t>
+            </a:r>
+            <a:r>
+              <a:rPr lang="en-GB" dirty="0" smtClean="0"/>
+              <a:t>a program</a:t>
+            </a:r>
+          </a:p>
+          <a:p>
+            <a:pPr lvl="1"/>
+            <a:endParaRPr lang="en-GB" dirty="0"/>
+          </a:p>
+          <a:p>
+            <a:r>
+              <a:rPr lang="en-GB" dirty="0" smtClean="0"/>
+              <a:t>Types of bug</a:t>
+            </a:r>
+          </a:p>
+          <a:p>
+            <a:pPr lvl="1"/>
+            <a:r>
+              <a:rPr lang="en-GB" dirty="0" smtClean="0"/>
+              <a:t>Cosmetic – a problem with the appearance of the software</a:t>
+            </a:r>
+          </a:p>
+          <a:p>
+            <a:pPr lvl="1"/>
+            <a:r>
+              <a:rPr lang="en-GB" dirty="0"/>
+              <a:t>Logical </a:t>
+            </a:r>
+            <a:r>
+              <a:rPr lang="en-GB" dirty="0" smtClean="0"/>
+              <a:t>or </a:t>
+            </a:r>
+            <a:r>
+              <a:rPr lang="en-GB" dirty="0"/>
+              <a:t>semantic </a:t>
+            </a:r>
+            <a:r>
+              <a:rPr lang="en-GB" dirty="0" smtClean="0"/>
+              <a:t>– the software </a:t>
+            </a:r>
+            <a:r>
+              <a:rPr lang="en-GB" dirty="0"/>
+              <a:t>works but produces unexpected </a:t>
+            </a:r>
+            <a:r>
+              <a:rPr lang="en-GB" dirty="0" smtClean="0"/>
+              <a:t>results</a:t>
+            </a:r>
+          </a:p>
+          <a:p>
+            <a:pPr lvl="1"/>
+            <a:r>
+              <a:rPr lang="en-GB" dirty="0"/>
+              <a:t>Runtime - errors that cause </a:t>
+            </a:r>
+            <a:r>
+              <a:rPr lang="en-GB" dirty="0" smtClean="0"/>
+              <a:t>the software to </a:t>
+            </a:r>
+            <a:r>
+              <a:rPr lang="en-GB" dirty="0"/>
+              <a:t>crash even though it compiles </a:t>
+            </a:r>
+            <a:r>
+              <a:rPr lang="en-GB" dirty="0" smtClean="0"/>
+              <a:t>correctly or otherwise </a:t>
+            </a:r>
+            <a:r>
+              <a:rPr lang="en-GB" dirty="0"/>
+              <a:t>appears ok</a:t>
+            </a:r>
+            <a:endParaRPr lang="en-GB" dirty="0" smtClean="0"/>
           </a:p>
         </p:txBody>
       </p:sp>
@@ -24877,7 +25088,11 @@
           <a:bodyPr/>
           <a:lstStyle/>
           <a:p>
-            <a:endParaRPr lang="en-US"/>
+            <a:r>
+              <a:rPr lang="en-US" dirty="0" smtClean="0"/>
+              <a:t>Debugging</a:t>
+            </a:r>
+            <a:endParaRPr lang="en-US" dirty="0"/>
           </a:p>
         </p:txBody>
       </p:sp>
@@ -24885,6 +25100,209 @@
     <p:extLst>
       <p:ext uri="{BB962C8B-B14F-4D97-AF65-F5344CB8AC3E}">
         <p14:creationId xmlns:p14="http://schemas.microsoft.com/office/powerpoint/2010/main" val="1143777063"/>
+      </p:ext>
+    </p:extLst>
+  </p:cSld>
+  <p:clrMapOvr>
+    <a:masterClrMapping/>
+  </p:clrMapOvr>
+  <p:timing>
+    <p:tnLst>
+      <p:par>
+        <p:cTn id="1" dur="indefinite" restart="never" nodeType="tmRoot"/>
+      </p:par>
+    </p:tnLst>
+  </p:timing>
+</p:sld>
+</file>
+
+<file path=ppt/slides/slide79.xml><?xml version="1.0" encoding="utf-8"?>
+<p:sld xmlns:a="http://schemas.openxmlformats.org/drawingml/2006/main" xmlns:r="http://schemas.openxmlformats.org/officeDocument/2006/relationships" xmlns:p="http://schemas.openxmlformats.org/presentationml/2006/main">
+  <p:cSld>
+    <p:bg>
+      <p:bgPr>
+        <a:solidFill>
+          <a:schemeClr val="bg1"/>
+        </a:solidFill>
+        <a:effectLst/>
+      </p:bgPr>
+    </p:bg>
+    <p:spTree>
+      <p:nvGrpSpPr>
+        <p:cNvPr id="1" name=""/>
+        <p:cNvGrpSpPr/>
+        <p:nvPr/>
+      </p:nvGrpSpPr>
+      <p:grpSpPr>
+        <a:xfrm>
+          <a:off x="0" y="0"/>
+          <a:ext cx="0" cy="0"/>
+          <a:chOff x="0" y="0"/>
+          <a:chExt cx="0" cy="0"/>
+        </a:xfrm>
+      </p:grpSpPr>
+      <p:sp>
+        <p:nvSpPr>
+          <p:cNvPr id="4" name="Content Placeholder 3"/>
+          <p:cNvSpPr>
+            <a:spLocks noGrp="1"/>
+          </p:cNvSpPr>
+          <p:nvPr>
+            <p:ph idx="1"/>
+          </p:nvPr>
+        </p:nvSpPr>
+        <p:spPr/>
+        <p:txBody>
+          <a:bodyPr>
+            <a:normAutofit fontScale="92500" lnSpcReduction="20000"/>
+          </a:bodyPr>
+          <a:lstStyle/>
+          <a:p>
+            <a:r>
+              <a:rPr lang="en-US" dirty="0" smtClean="0"/>
+              <a:t>Strategies</a:t>
+            </a:r>
+          </a:p>
+          <a:p>
+            <a:pPr lvl="1"/>
+            <a:r>
+              <a:rPr lang="en-US" dirty="0" smtClean="0"/>
+              <a:t>Replication, replication, replication</a:t>
+            </a:r>
+          </a:p>
+          <a:p>
+            <a:pPr lvl="2"/>
+            <a:r>
+              <a:rPr lang="en-GB" dirty="0" smtClean="0"/>
+              <a:t>The </a:t>
+            </a:r>
+            <a:r>
+              <a:rPr lang="en-GB" dirty="0"/>
+              <a:t>m</a:t>
+            </a:r>
+            <a:r>
+              <a:rPr lang="en-GB" dirty="0" smtClean="0"/>
+              <a:t>ost </a:t>
+            </a:r>
+            <a:r>
+              <a:rPr lang="en-GB" dirty="0"/>
+              <a:t>important factor in fixing a bug is being able to replicate </a:t>
+            </a:r>
+            <a:r>
+              <a:rPr lang="en-GB" dirty="0" smtClean="0"/>
+              <a:t>it</a:t>
+            </a:r>
+          </a:p>
+          <a:p>
+            <a:pPr lvl="1"/>
+            <a:r>
+              <a:rPr lang="en-US" dirty="0" smtClean="0"/>
+              <a:t>Console logging</a:t>
+            </a:r>
+          </a:p>
+          <a:p>
+            <a:pPr lvl="2"/>
+            <a:r>
+              <a:rPr lang="en-GB" dirty="0"/>
+              <a:t>Output variables to console </a:t>
+            </a:r>
+            <a:r>
+              <a:rPr lang="en-GB" dirty="0" smtClean="0"/>
+              <a:t>for inspection </a:t>
+            </a:r>
+            <a:r>
+              <a:rPr lang="en-GB" dirty="0"/>
+              <a:t>during </a:t>
+            </a:r>
+            <a:r>
+              <a:rPr lang="en-GB" dirty="0" smtClean="0"/>
+              <a:t>execution</a:t>
+            </a:r>
+          </a:p>
+          <a:p>
+            <a:pPr lvl="1"/>
+            <a:r>
+              <a:rPr lang="en-US" dirty="0"/>
+              <a:t>Stack </a:t>
+            </a:r>
+            <a:r>
+              <a:rPr lang="en-US" dirty="0" smtClean="0"/>
+              <a:t>trace</a:t>
+            </a:r>
+          </a:p>
+          <a:p>
+            <a:pPr lvl="2"/>
+            <a:r>
+              <a:rPr lang="en-GB" dirty="0"/>
+              <a:t>When provided by an exception can point to the precise line of code that is causing the </a:t>
+            </a:r>
+            <a:r>
+              <a:rPr lang="en-GB" dirty="0" smtClean="0"/>
+              <a:t>problem</a:t>
+            </a:r>
+          </a:p>
+          <a:p>
+            <a:pPr lvl="1"/>
+            <a:r>
+              <a:rPr lang="en-US" dirty="0"/>
+              <a:t>Debugger </a:t>
+            </a:r>
+            <a:r>
+              <a:rPr lang="en-US" dirty="0" smtClean="0"/>
+              <a:t>instrumentation</a:t>
+            </a:r>
+          </a:p>
+          <a:p>
+            <a:pPr lvl="2"/>
+            <a:r>
+              <a:rPr lang="en-US" dirty="0" smtClean="0"/>
+              <a:t>Breakpoints</a:t>
+            </a:r>
+          </a:p>
+          <a:p>
+            <a:pPr lvl="2"/>
+            <a:r>
+              <a:rPr lang="en-US" dirty="0" smtClean="0"/>
+              <a:t>Stepping through or into</a:t>
+            </a:r>
+          </a:p>
+          <a:p>
+            <a:pPr lvl="2"/>
+            <a:r>
+              <a:rPr lang="en-US" dirty="0" smtClean="0"/>
+              <a:t>Variable inspection</a:t>
+            </a:r>
+            <a:endParaRPr lang="en-US" dirty="0"/>
+          </a:p>
+        </p:txBody>
+      </p:sp>
+      <p:sp>
+        <p:nvSpPr>
+          <p:cNvPr id="3" name="Title 2"/>
+          <p:cNvSpPr>
+            <a:spLocks noGrp="1"/>
+          </p:cNvSpPr>
+          <p:nvPr>
+            <p:ph type="title"/>
+          </p:nvPr>
+        </p:nvSpPr>
+        <p:spPr/>
+        <p:txBody>
+          <a:bodyPr/>
+          <a:lstStyle/>
+          <a:p>
+            <a:r>
+              <a:rPr lang="en-US" dirty="0" smtClean="0"/>
+              <a:t>Debugging</a:t>
+            </a:r>
+            <a:endParaRPr lang="en-US" dirty="0"/>
+          </a:p>
+        </p:txBody>
+      </p:sp>
+    </p:spTree>
+    <p:extLst>
+      <p:ext uri="{BB962C8B-B14F-4D97-AF65-F5344CB8AC3E}">
+        <p14:creationId xmlns:p14="http://schemas.microsoft.com/office/powerpoint/2010/main" val="2883934611"/>
       </p:ext>
     </p:extLst>
   </p:cSld>
@@ -24945,6 +25363,246 @@
     <p:extLst>
       <p:ext uri="{BB962C8B-B14F-4D97-AF65-F5344CB8AC3E}">
         <p14:creationId xmlns:p14="http://schemas.microsoft.com/office/powerpoint/2010/main" val="3774322516"/>
+      </p:ext>
+    </p:extLst>
+  </p:cSld>
+  <p:clrMapOvr>
+    <a:masterClrMapping/>
+  </p:clrMapOvr>
+  <p:timing>
+    <p:tnLst>
+      <p:par>
+        <p:cTn id="1" dur="indefinite" restart="never" nodeType="tmRoot"/>
+      </p:par>
+    </p:tnLst>
+  </p:timing>
+</p:sld>
+</file>
+
+<file path=ppt/slides/slide80.xml><?xml version="1.0" encoding="utf-8"?>
+<p:sld xmlns:a="http://schemas.openxmlformats.org/drawingml/2006/main" xmlns:r="http://schemas.openxmlformats.org/officeDocument/2006/relationships" xmlns:p="http://schemas.openxmlformats.org/presentationml/2006/main">
+  <p:cSld>
+    <p:spTree>
+      <p:nvGrpSpPr>
+        <p:cNvPr id="1" name=""/>
+        <p:cNvGrpSpPr/>
+        <p:nvPr/>
+      </p:nvGrpSpPr>
+      <p:grpSpPr>
+        <a:xfrm>
+          <a:off x="0" y="0"/>
+          <a:ext cx="0" cy="0"/>
+          <a:chOff x="0" y="0"/>
+          <a:chExt cx="0" cy="0"/>
+        </a:xfrm>
+      </p:grpSpPr>
+      <p:sp>
+        <p:nvSpPr>
+          <p:cNvPr id="4" name="Title 3"/>
+          <p:cNvSpPr>
+            <a:spLocks noGrp="1"/>
+          </p:cNvSpPr>
+          <p:nvPr>
+            <p:ph type="title"/>
+          </p:nvPr>
+        </p:nvSpPr>
+        <p:spPr/>
+        <p:txBody>
+          <a:bodyPr>
+            <a:normAutofit/>
+          </a:bodyPr>
+          <a:lstStyle/>
+          <a:p>
+            <a:r>
+              <a:rPr lang="en-US" dirty="0" smtClean="0">
+                <a:solidFill>
+                  <a:srgbClr val="C4A174"/>
+                </a:solidFill>
+              </a:rPr>
+              <a:t>Exercise:</a:t>
+            </a:r>
+            <a:r>
+              <a:rPr lang="en-US" dirty="0" smtClean="0"/>
+              <a:t> </a:t>
+            </a:r>
+            <a:r>
+              <a:rPr lang="en-US" dirty="0" smtClean="0"/>
+              <a:t>Debugging</a:t>
+            </a:r>
+            <a:endParaRPr lang="en-US" dirty="0"/>
+          </a:p>
+        </p:txBody>
+      </p:sp>
+    </p:spTree>
+    <p:extLst>
+      <p:ext uri="{BB962C8B-B14F-4D97-AF65-F5344CB8AC3E}">
+        <p14:creationId xmlns:p14="http://schemas.microsoft.com/office/powerpoint/2010/main" val="1260493395"/>
+      </p:ext>
+    </p:extLst>
+  </p:cSld>
+  <p:clrMapOvr>
+    <a:masterClrMapping/>
+  </p:clrMapOvr>
+  <p:timing>
+    <p:tnLst>
+      <p:par>
+        <p:cTn id="1" dur="indefinite" restart="never" nodeType="tmRoot"/>
+      </p:par>
+    </p:tnLst>
+  </p:timing>
+</p:sld>
+</file>
+
+<file path=ppt/slides/slide81.xml><?xml version="1.0" encoding="utf-8"?>
+<p:sld xmlns:a="http://schemas.openxmlformats.org/drawingml/2006/main" xmlns:r="http://schemas.openxmlformats.org/officeDocument/2006/relationships" xmlns:p="http://schemas.openxmlformats.org/presentationml/2006/main">
+  <p:cSld>
+    <p:bg>
+      <p:bgPr>
+        <a:solidFill>
+          <a:schemeClr val="bg1"/>
+        </a:solidFill>
+        <a:effectLst/>
+      </p:bgPr>
+    </p:bg>
+    <p:spTree>
+      <p:nvGrpSpPr>
+        <p:cNvPr id="1" name=""/>
+        <p:cNvGrpSpPr/>
+        <p:nvPr/>
+      </p:nvGrpSpPr>
+      <p:grpSpPr>
+        <a:xfrm>
+          <a:off x="0" y="0"/>
+          <a:ext cx="0" cy="0"/>
+          <a:chOff x="0" y="0"/>
+          <a:chExt cx="0" cy="0"/>
+        </a:xfrm>
+      </p:grpSpPr>
+      <p:sp>
+        <p:nvSpPr>
+          <p:cNvPr id="4" name="Content Placeholder 3"/>
+          <p:cNvSpPr>
+            <a:spLocks noGrp="1"/>
+          </p:cNvSpPr>
+          <p:nvPr>
+            <p:ph idx="1"/>
+          </p:nvPr>
+        </p:nvSpPr>
+        <p:spPr/>
+        <p:txBody>
+          <a:bodyPr/>
+          <a:lstStyle/>
+          <a:p>
+            <a:endParaRPr lang="en-US" dirty="0"/>
+          </a:p>
+        </p:txBody>
+      </p:sp>
+      <p:sp>
+        <p:nvSpPr>
+          <p:cNvPr id="3" name="Title 2"/>
+          <p:cNvSpPr>
+            <a:spLocks noGrp="1"/>
+          </p:cNvSpPr>
+          <p:nvPr>
+            <p:ph type="title"/>
+          </p:nvPr>
+        </p:nvSpPr>
+        <p:spPr/>
+        <p:txBody>
+          <a:bodyPr/>
+          <a:lstStyle/>
+          <a:p>
+            <a:endParaRPr lang="en-US"/>
+          </a:p>
+        </p:txBody>
+      </p:sp>
+    </p:spTree>
+    <p:extLst>
+      <p:ext uri="{BB962C8B-B14F-4D97-AF65-F5344CB8AC3E}">
+        <p14:creationId xmlns:p14="http://schemas.microsoft.com/office/powerpoint/2010/main" val="1081349820"/>
+      </p:ext>
+    </p:extLst>
+  </p:cSld>
+  <p:clrMapOvr>
+    <a:masterClrMapping/>
+  </p:clrMapOvr>
+  <p:timing>
+    <p:tnLst>
+      <p:par>
+        <p:cTn id="1" dur="indefinite" restart="never" nodeType="tmRoot"/>
+      </p:par>
+    </p:tnLst>
+  </p:timing>
+</p:sld>
+</file>
+
+<file path=ppt/slides/slide82.xml><?xml version="1.0" encoding="utf-8"?>
+<p:sld xmlns:a="http://schemas.openxmlformats.org/drawingml/2006/main" xmlns:r="http://schemas.openxmlformats.org/officeDocument/2006/relationships" xmlns:p="http://schemas.openxmlformats.org/presentationml/2006/main">
+  <p:cSld>
+    <p:bg>
+      <p:bgPr>
+        <a:solidFill>
+          <a:schemeClr val="bg1"/>
+        </a:solidFill>
+        <a:effectLst/>
+      </p:bgPr>
+    </p:bg>
+    <p:spTree>
+      <p:nvGrpSpPr>
+        <p:cNvPr id="1" name=""/>
+        <p:cNvGrpSpPr/>
+        <p:nvPr/>
+      </p:nvGrpSpPr>
+      <p:grpSpPr>
+        <a:xfrm>
+          <a:off x="0" y="0"/>
+          <a:ext cx="0" cy="0"/>
+          <a:chOff x="0" y="0"/>
+          <a:chExt cx="0" cy="0"/>
+        </a:xfrm>
+      </p:grpSpPr>
+      <p:sp>
+        <p:nvSpPr>
+          <p:cNvPr id="4" name="Content Placeholder 3"/>
+          <p:cNvSpPr>
+            <a:spLocks noGrp="1"/>
+          </p:cNvSpPr>
+          <p:nvPr>
+            <p:ph idx="1"/>
+          </p:nvPr>
+        </p:nvSpPr>
+        <p:spPr/>
+        <p:txBody>
+          <a:bodyPr/>
+          <a:lstStyle/>
+          <a:p>
+            <a:endParaRPr lang="en-US" dirty="0"/>
+          </a:p>
+        </p:txBody>
+      </p:sp>
+      <p:sp>
+        <p:nvSpPr>
+          <p:cNvPr id="3" name="Title 2"/>
+          <p:cNvSpPr>
+            <a:spLocks noGrp="1"/>
+          </p:cNvSpPr>
+          <p:nvPr>
+            <p:ph type="title"/>
+          </p:nvPr>
+        </p:nvSpPr>
+        <p:spPr/>
+        <p:txBody>
+          <a:bodyPr/>
+          <a:lstStyle/>
+          <a:p>
+            <a:endParaRPr lang="en-US"/>
+          </a:p>
+        </p:txBody>
+      </p:sp>
+    </p:spTree>
+    <p:extLst>
+      <p:ext uri="{BB962C8B-B14F-4D97-AF65-F5344CB8AC3E}">
+        <p14:creationId xmlns:p14="http://schemas.microsoft.com/office/powerpoint/2010/main" val="2677945179"/>
       </p:ext>
     </p:extLst>
   </p:cSld>

--- a/Programming Foundations.pptx
+++ b/Programming Foundations.pptx
@@ -5,7 +5,7 @@
     <p:sldMasterId id="2147483648" r:id="rId1"/>
   </p:sldMasterIdLst>
   <p:notesMasterIdLst>
-    <p:notesMasterId r:id="rId84"/>
+    <p:notesMasterId r:id="rId95"/>
   </p:notesMasterIdLst>
   <p:sldIdLst>
     <p:sldId id="256" r:id="rId2"/>
@@ -87,9 +87,20 @@
     <p:sldId id="328" r:id="rId78"/>
     <p:sldId id="333" r:id="rId79"/>
     <p:sldId id="335" r:id="rId80"/>
-    <p:sldId id="337" r:id="rId81"/>
-    <p:sldId id="336" r:id="rId82"/>
-    <p:sldId id="338" r:id="rId83"/>
+    <p:sldId id="339" r:id="rId81"/>
+    <p:sldId id="337" r:id="rId82"/>
+    <p:sldId id="336" r:id="rId83"/>
+    <p:sldId id="338" r:id="rId84"/>
+    <p:sldId id="341" r:id="rId85"/>
+    <p:sldId id="342" r:id="rId86"/>
+    <p:sldId id="344" r:id="rId87"/>
+    <p:sldId id="347" r:id="rId88"/>
+    <p:sldId id="345" r:id="rId89"/>
+    <p:sldId id="346" r:id="rId90"/>
+    <p:sldId id="343" r:id="rId91"/>
+    <p:sldId id="350" r:id="rId92"/>
+    <p:sldId id="348" r:id="rId93"/>
+    <p:sldId id="349" r:id="rId94"/>
   </p:sldIdLst>
   <p:sldSz cx="12192000" cy="6858000"/>
   <p:notesSz cx="6858000" cy="9144000"/>
@@ -284,9 +295,20 @@
             <p14:sldId id="328"/>
             <p14:sldId id="333"/>
             <p14:sldId id="335"/>
+            <p14:sldId id="339"/>
             <p14:sldId id="337"/>
             <p14:sldId id="336"/>
             <p14:sldId id="338"/>
+            <p14:sldId id="341"/>
+            <p14:sldId id="342"/>
+            <p14:sldId id="344"/>
+            <p14:sldId id="347"/>
+            <p14:sldId id="345"/>
+            <p14:sldId id="346"/>
+            <p14:sldId id="343"/>
+            <p14:sldId id="350"/>
+            <p14:sldId id="348"/>
+            <p14:sldId id="349"/>
           </p14:sldIdLst>
         </p14:section>
       </p14:sectionLst>
@@ -1655,7 +1677,7 @@
                 </a:solidFill>
               </a:rPr>
               <a:pPr/>
-              <a:t>80</a:t>
+              <a:t>81</a:t>
             </a:fld>
             <a:endParaRPr lang="en-GB" dirty="0">
               <a:solidFill>
@@ -1669,6 +1691,141 @@
     <p:extLst>
       <p:ext uri="{BB962C8B-B14F-4D97-AF65-F5344CB8AC3E}">
         <p14:creationId xmlns:p14="http://schemas.microsoft.com/office/powerpoint/2010/main" val="118522055"/>
+      </p:ext>
+    </p:extLst>
+  </p:cSld>
+  <p:clrMapOvr>
+    <a:masterClrMapping/>
+  </p:clrMapOvr>
+</p:notes>
+</file>
+
+<file path=ppt/notesSlides/notesSlide17.xml><?xml version="1.0" encoding="utf-8"?>
+<p:notes xmlns:a="http://schemas.openxmlformats.org/drawingml/2006/main" xmlns:r="http://schemas.openxmlformats.org/officeDocument/2006/relationships" xmlns:p="http://schemas.openxmlformats.org/presentationml/2006/main">
+  <p:cSld>
+    <p:spTree>
+      <p:nvGrpSpPr>
+        <p:cNvPr id="1" name=""/>
+        <p:cNvGrpSpPr/>
+        <p:nvPr/>
+      </p:nvGrpSpPr>
+      <p:grpSpPr>
+        <a:xfrm>
+          <a:off x="0" y="0"/>
+          <a:ext cx="0" cy="0"/>
+          <a:chOff x="0" y="0"/>
+          <a:chExt cx="0" cy="0"/>
+        </a:xfrm>
+      </p:grpSpPr>
+      <p:sp>
+        <p:nvSpPr>
+          <p:cNvPr id="2" name="Slide Image Placeholder 1"/>
+          <p:cNvSpPr>
+            <a:spLocks noGrp="1" noRot="1" noChangeAspect="1"/>
+          </p:cNvSpPr>
+          <p:nvPr>
+            <p:ph type="sldImg"/>
+          </p:nvPr>
+        </p:nvSpPr>
+        <p:spPr/>
+      </p:sp>
+      <p:sp>
+        <p:nvSpPr>
+          <p:cNvPr id="3" name="Notes Placeholder 2"/>
+          <p:cNvSpPr>
+            <a:spLocks noGrp="1"/>
+          </p:cNvSpPr>
+          <p:nvPr>
+            <p:ph type="body" idx="1"/>
+          </p:nvPr>
+        </p:nvSpPr>
+        <p:spPr/>
+        <p:txBody>
+          <a:bodyPr/>
+          <a:lstStyle/>
+          <a:p>
+            <a:r>
+              <a:rPr lang="en-US" b="1" dirty="0" smtClean="0"/>
+              <a:t>Exercise</a:t>
+            </a:r>
+            <a:r>
+              <a:rPr lang="en-US" b="1" baseline="0" dirty="0" smtClean="0"/>
+              <a:t> – Mathematical Operations</a:t>
+            </a:r>
+          </a:p>
+          <a:p>
+            <a:endParaRPr lang="en-GB" b="1" baseline="0" dirty="0" smtClean="0"/>
+          </a:p>
+          <a:p>
+            <a:r>
+              <a:rPr lang="en-GB" b="0" baseline="0" dirty="0" smtClean="0">
+                <a:solidFill>
+                  <a:srgbClr val="FF0000"/>
+                </a:solidFill>
+              </a:rPr>
+              <a:t>Design an exercise where the delegates build upon the user of the input and </a:t>
+            </a:r>
+            <a:r>
+              <a:rPr lang="en-GB" b="0" baseline="0" dirty="0" err="1" smtClean="0">
+                <a:solidFill>
+                  <a:srgbClr val="FF0000"/>
+                </a:solidFill>
+              </a:rPr>
+              <a:t>raw_input</a:t>
+            </a:r>
+            <a:r>
+              <a:rPr lang="en-GB" b="0" baseline="0" dirty="0" smtClean="0">
+                <a:solidFill>
+                  <a:srgbClr val="FF0000"/>
+                </a:solidFill>
+              </a:rPr>
+              <a:t> functions to take input and build a calculator or something.</a:t>
+            </a:r>
+          </a:p>
+          <a:p>
+            <a:endParaRPr lang="en-US" dirty="0" smtClean="0"/>
+          </a:p>
+          <a:p>
+            <a:endParaRPr lang="en-US" dirty="0"/>
+          </a:p>
+        </p:txBody>
+      </p:sp>
+      <p:sp>
+        <p:nvSpPr>
+          <p:cNvPr id="4" name="Slide Number Placeholder 3"/>
+          <p:cNvSpPr>
+            <a:spLocks noGrp="1"/>
+          </p:cNvSpPr>
+          <p:nvPr>
+            <p:ph type="sldNum" sz="quarter" idx="10"/>
+          </p:nvPr>
+        </p:nvSpPr>
+        <p:spPr/>
+        <p:txBody>
+          <a:bodyPr/>
+          <a:lstStyle/>
+          <a:p>
+            <a:fld id="{D2FD33D1-5F8B-45B7-9940-CBFFF9C06F51}" type="slidenum">
+              <a:rPr lang="en-GB" smtClean="0">
+                <a:solidFill>
+                  <a:prstClr val="black"/>
+                </a:solidFill>
+              </a:rPr>
+              <a:pPr/>
+              <a:t>91</a:t>
+            </a:fld>
+            <a:endParaRPr lang="en-GB" dirty="0">
+              <a:solidFill>
+                <a:prstClr val="black"/>
+              </a:solidFill>
+            </a:endParaRPr>
+          </a:p>
+        </p:txBody>
+      </p:sp>
+    </p:spTree>
+    <p:extLst>
+      <p:ext uri="{BB962C8B-B14F-4D97-AF65-F5344CB8AC3E}">
+        <p14:creationId xmlns:p14="http://schemas.microsoft.com/office/powerpoint/2010/main" val="207883666"/>
       </p:ext>
     </p:extLst>
   </p:cSld>
@@ -25382,80 +25539,6 @@
 <file path=ppt/slides/slide80.xml><?xml version="1.0" encoding="utf-8"?>
 <p:sld xmlns:a="http://schemas.openxmlformats.org/drawingml/2006/main" xmlns:r="http://schemas.openxmlformats.org/officeDocument/2006/relationships" xmlns:p="http://schemas.openxmlformats.org/presentationml/2006/main">
   <p:cSld>
-    <p:spTree>
-      <p:nvGrpSpPr>
-        <p:cNvPr id="1" name=""/>
-        <p:cNvGrpSpPr/>
-        <p:nvPr/>
-      </p:nvGrpSpPr>
-      <p:grpSpPr>
-        <a:xfrm>
-          <a:off x="0" y="0"/>
-          <a:ext cx="0" cy="0"/>
-          <a:chOff x="0" y="0"/>
-          <a:chExt cx="0" cy="0"/>
-        </a:xfrm>
-      </p:grpSpPr>
-      <p:sp>
-        <p:nvSpPr>
-          <p:cNvPr id="4" name="Title 3"/>
-          <p:cNvSpPr>
-            <a:spLocks noGrp="1"/>
-          </p:cNvSpPr>
-          <p:nvPr>
-            <p:ph type="title"/>
-          </p:nvPr>
-        </p:nvSpPr>
-        <p:spPr/>
-        <p:txBody>
-          <a:bodyPr>
-            <a:normAutofit/>
-          </a:bodyPr>
-          <a:lstStyle/>
-          <a:p>
-            <a:r>
-              <a:rPr lang="en-US" dirty="0" smtClean="0">
-                <a:solidFill>
-                  <a:srgbClr val="C4A174"/>
-                </a:solidFill>
-              </a:rPr>
-              <a:t>Exercise:</a:t>
-            </a:r>
-            <a:r>
-              <a:rPr lang="en-US" dirty="0" smtClean="0"/>
-              <a:t> </a:t>
-            </a:r>
-            <a:r>
-              <a:rPr lang="en-US" dirty="0" smtClean="0"/>
-              <a:t>Debugging</a:t>
-            </a:r>
-            <a:endParaRPr lang="en-US" dirty="0"/>
-          </a:p>
-        </p:txBody>
-      </p:sp>
-    </p:spTree>
-    <p:extLst>
-      <p:ext uri="{BB962C8B-B14F-4D97-AF65-F5344CB8AC3E}">
-        <p14:creationId xmlns:p14="http://schemas.microsoft.com/office/powerpoint/2010/main" val="1260493395"/>
-      </p:ext>
-    </p:extLst>
-  </p:cSld>
-  <p:clrMapOvr>
-    <a:masterClrMapping/>
-  </p:clrMapOvr>
-  <p:timing>
-    <p:tnLst>
-      <p:par>
-        <p:cTn id="1" dur="indefinite" restart="never" nodeType="tmRoot"/>
-      </p:par>
-    </p:tnLst>
-  </p:timing>
-</p:sld>
-</file>
-
-<file path=ppt/slides/slide81.xml><?xml version="1.0" encoding="utf-8"?>
-<p:sld xmlns:a="http://schemas.openxmlformats.org/drawingml/2006/main" xmlns:r="http://schemas.openxmlformats.org/officeDocument/2006/relationships" xmlns:p="http://schemas.openxmlformats.org/presentationml/2006/main">
-  <p:cSld>
     <p:bg>
       <p:bgPr>
         <a:solidFill>
@@ -25512,14 +25595,96 @@
           <a:bodyPr/>
           <a:lstStyle/>
           <a:p>
-            <a:endParaRPr lang="en-US"/>
+            <a:r>
+              <a:rPr lang="en-US" dirty="0" smtClean="0"/>
+              <a:t>Debugging: </a:t>
+            </a:r>
+            <a:r>
+              <a:rPr lang="en-US" dirty="0" smtClean="0"/>
+              <a:t>Examples</a:t>
+            </a:r>
+            <a:endParaRPr lang="en-US" dirty="0"/>
           </a:p>
         </p:txBody>
       </p:sp>
     </p:spTree>
     <p:extLst>
       <p:ext uri="{BB962C8B-B14F-4D97-AF65-F5344CB8AC3E}">
-        <p14:creationId xmlns:p14="http://schemas.microsoft.com/office/powerpoint/2010/main" val="1081349820"/>
+        <p14:creationId xmlns:p14="http://schemas.microsoft.com/office/powerpoint/2010/main" val="1956684700"/>
+      </p:ext>
+    </p:extLst>
+  </p:cSld>
+  <p:clrMapOvr>
+    <a:masterClrMapping/>
+  </p:clrMapOvr>
+  <p:timing>
+    <p:tnLst>
+      <p:par>
+        <p:cTn id="1" dur="indefinite" restart="never" nodeType="tmRoot"/>
+      </p:par>
+    </p:tnLst>
+  </p:timing>
+</p:sld>
+</file>
+
+<file path=ppt/slides/slide81.xml><?xml version="1.0" encoding="utf-8"?>
+<p:sld xmlns:a="http://schemas.openxmlformats.org/drawingml/2006/main" xmlns:r="http://schemas.openxmlformats.org/officeDocument/2006/relationships" xmlns:p="http://schemas.openxmlformats.org/presentationml/2006/main">
+  <p:cSld>
+    <p:spTree>
+      <p:nvGrpSpPr>
+        <p:cNvPr id="1" name=""/>
+        <p:cNvGrpSpPr/>
+        <p:nvPr/>
+      </p:nvGrpSpPr>
+      <p:grpSpPr>
+        <a:xfrm>
+          <a:off x="0" y="0"/>
+          <a:ext cx="0" cy="0"/>
+          <a:chOff x="0" y="0"/>
+          <a:chExt cx="0" cy="0"/>
+        </a:xfrm>
+      </p:grpSpPr>
+      <p:sp>
+        <p:nvSpPr>
+          <p:cNvPr id="4" name="Title 3"/>
+          <p:cNvSpPr>
+            <a:spLocks noGrp="1"/>
+          </p:cNvSpPr>
+          <p:nvPr>
+            <p:ph type="title"/>
+          </p:nvPr>
+        </p:nvSpPr>
+        <p:spPr/>
+        <p:txBody>
+          <a:bodyPr>
+            <a:normAutofit/>
+          </a:bodyPr>
+          <a:lstStyle/>
+          <a:p>
+            <a:r>
+              <a:rPr lang="en-US" dirty="0" smtClean="0">
+                <a:solidFill>
+                  <a:srgbClr val="C4A174"/>
+                </a:solidFill>
+              </a:rPr>
+              <a:t>Exercise:</a:t>
+            </a:r>
+            <a:r>
+              <a:rPr lang="en-US" dirty="0" smtClean="0"/>
+              <a:t> </a:t>
+            </a:r>
+            <a:r>
+              <a:rPr lang="en-US" dirty="0" smtClean="0"/>
+              <a:t>Debugging</a:t>
+            </a:r>
+            <a:endParaRPr lang="en-US" dirty="0"/>
+          </a:p>
+        </p:txBody>
+      </p:sp>
+    </p:spTree>
+    <p:extLst>
+      <p:ext uri="{BB962C8B-B14F-4D97-AF65-F5344CB8AC3E}">
+        <p14:creationId xmlns:p14="http://schemas.microsoft.com/office/powerpoint/2010/main" val="1260493395"/>
       </p:ext>
     </p:extLst>
   </p:cSld>
@@ -25576,6 +25741,36 @@
           <a:bodyPr/>
           <a:lstStyle/>
           <a:p>
+            <a:r>
+              <a:rPr lang="en-US" dirty="0" smtClean="0"/>
+              <a:t>What are file types?</a:t>
+            </a:r>
+          </a:p>
+          <a:p>
+            <a:pPr lvl="1"/>
+            <a:r>
+              <a:rPr lang="en-US" dirty="0" smtClean="0"/>
+              <a:t>Data can be expressed in numerous ways – JSON, XML, CSV, TXT, BIN, DOC, XLS, PPT</a:t>
+            </a:r>
+          </a:p>
+          <a:p>
+            <a:pPr lvl="1"/>
+            <a:r>
+              <a:rPr lang="en-US" dirty="0" smtClean="0"/>
+              <a:t>File extension indicates data structure</a:t>
+            </a:r>
+          </a:p>
+          <a:p>
+            <a:pPr lvl="1"/>
+            <a:r>
+              <a:rPr lang="en-US" dirty="0" smtClean="0"/>
+              <a:t>Allows efficient and convenient data exchange</a:t>
+            </a:r>
+          </a:p>
+          <a:p>
+            <a:pPr marL="457200" lvl="1" indent="0">
+              <a:buNone/>
+            </a:pPr>
             <a:endParaRPr lang="en-US" dirty="0"/>
           </a:p>
         </p:txBody>
@@ -25595,7 +25790,275 @@
           <a:bodyPr/>
           <a:lstStyle/>
           <a:p>
-            <a:endParaRPr lang="en-US"/>
+            <a:r>
+              <a:rPr lang="en-US" dirty="0" smtClean="0"/>
+              <a:t>File types</a:t>
+            </a:r>
+            <a:endParaRPr lang="en-US" dirty="0"/>
+          </a:p>
+        </p:txBody>
+      </p:sp>
+    </p:spTree>
+    <p:extLst>
+      <p:ext uri="{BB962C8B-B14F-4D97-AF65-F5344CB8AC3E}">
+        <p14:creationId xmlns:p14="http://schemas.microsoft.com/office/powerpoint/2010/main" val="1081349820"/>
+      </p:ext>
+    </p:extLst>
+  </p:cSld>
+  <p:clrMapOvr>
+    <a:masterClrMapping/>
+  </p:clrMapOvr>
+  <p:timing>
+    <p:tnLst>
+      <p:par>
+        <p:cTn id="1" dur="indefinite" restart="never" nodeType="tmRoot"/>
+      </p:par>
+    </p:tnLst>
+  </p:timing>
+</p:sld>
+</file>
+
+<file path=ppt/slides/slide83.xml><?xml version="1.0" encoding="utf-8"?>
+<p:sld xmlns:a="http://schemas.openxmlformats.org/drawingml/2006/main" xmlns:r="http://schemas.openxmlformats.org/officeDocument/2006/relationships" xmlns:p="http://schemas.openxmlformats.org/presentationml/2006/main">
+  <p:cSld>
+    <p:bg>
+      <p:bgPr>
+        <a:solidFill>
+          <a:schemeClr val="bg1"/>
+        </a:solidFill>
+        <a:effectLst/>
+      </p:bgPr>
+    </p:bg>
+    <p:spTree>
+      <p:nvGrpSpPr>
+        <p:cNvPr id="1" name=""/>
+        <p:cNvGrpSpPr/>
+        <p:nvPr/>
+      </p:nvGrpSpPr>
+      <p:grpSpPr>
+        <a:xfrm>
+          <a:off x="0" y="0"/>
+          <a:ext cx="0" cy="0"/>
+          <a:chOff x="0" y="0"/>
+          <a:chExt cx="0" cy="0"/>
+        </a:xfrm>
+      </p:grpSpPr>
+      <p:sp>
+        <p:nvSpPr>
+          <p:cNvPr id="4" name="Content Placeholder 3"/>
+          <p:cNvSpPr>
+            <a:spLocks noGrp="1"/>
+          </p:cNvSpPr>
+          <p:nvPr>
+            <p:ph idx="1"/>
+          </p:nvPr>
+        </p:nvSpPr>
+        <p:spPr/>
+        <p:txBody>
+          <a:bodyPr/>
+          <a:lstStyle/>
+          <a:p>
+            <a:r>
+              <a:rPr lang="en-US" dirty="0" smtClean="0"/>
+              <a:t>What does ‘IO’ mean?</a:t>
+            </a:r>
+          </a:p>
+          <a:p>
+            <a:r>
+              <a:rPr lang="en-US" dirty="0" smtClean="0"/>
+              <a:t>How do we interact with files?</a:t>
+            </a:r>
+          </a:p>
+          <a:p>
+            <a:pPr lvl="1"/>
+            <a:r>
+              <a:rPr lang="en-US" dirty="0" smtClean="0"/>
+              <a:t>What’s the ‘path’ to the fil</a:t>
+            </a:r>
+            <a:r>
+              <a:rPr lang="en-US" dirty="0" smtClean="0"/>
+              <a:t>e?</a:t>
+            </a:r>
+          </a:p>
+          <a:p>
+            <a:pPr lvl="2"/>
+            <a:r>
+              <a:rPr lang="en-US" dirty="0" smtClean="0"/>
+              <a:t>The route from the root of the drive to the file</a:t>
+            </a:r>
+          </a:p>
+          <a:p>
+            <a:pPr lvl="2"/>
+            <a:r>
+              <a:rPr lang="en-US" dirty="0" smtClean="0"/>
+              <a:t>Operating systems express paths differently</a:t>
+            </a:r>
+          </a:p>
+          <a:p>
+            <a:pPr lvl="3"/>
+            <a:r>
+              <a:rPr lang="en-US" dirty="0"/>
+              <a:t>C:\</a:t>
+            </a:r>
+            <a:r>
+              <a:rPr lang="en-US" dirty="0" smtClean="0"/>
+              <a:t>Windows\System32</a:t>
+            </a:r>
+          </a:p>
+          <a:p>
+            <a:pPr lvl="3"/>
+            <a:r>
+              <a:rPr lang="en-US" dirty="0" smtClean="0"/>
+              <a:t>/</a:t>
+            </a:r>
+            <a:r>
+              <a:rPr lang="en-US" dirty="0" err="1" smtClean="0"/>
+              <a:t>usr</a:t>
+            </a:r>
+            <a:r>
+              <a:rPr lang="en-US" dirty="0" smtClean="0"/>
+              <a:t>/bin</a:t>
+            </a:r>
+          </a:p>
+          <a:p>
+            <a:pPr lvl="3"/>
+            <a:endParaRPr lang="en-US" dirty="0" smtClean="0"/>
+          </a:p>
+          <a:p>
+            <a:pPr lvl="3"/>
+            <a:endParaRPr lang="en-US" dirty="0"/>
+          </a:p>
+        </p:txBody>
+      </p:sp>
+      <p:sp>
+        <p:nvSpPr>
+          <p:cNvPr id="3" name="Title 2"/>
+          <p:cNvSpPr>
+            <a:spLocks noGrp="1"/>
+          </p:cNvSpPr>
+          <p:nvPr>
+            <p:ph type="title"/>
+          </p:nvPr>
+        </p:nvSpPr>
+        <p:spPr/>
+        <p:txBody>
+          <a:bodyPr/>
+          <a:lstStyle/>
+          <a:p>
+            <a:r>
+              <a:rPr lang="en-US" dirty="0" smtClean="0"/>
+              <a:t>File IO</a:t>
+            </a:r>
+            <a:endParaRPr lang="en-US" dirty="0"/>
+          </a:p>
+        </p:txBody>
+      </p:sp>
+      <p:sp>
+        <p:nvSpPr>
+          <p:cNvPr id="5" name="Rectangle 2"/>
+          <p:cNvSpPr>
+            <a:spLocks noChangeArrowheads="1"/>
+          </p:cNvSpPr>
+          <p:nvPr/>
+        </p:nvSpPr>
+        <p:spPr bwMode="auto">
+          <a:xfrm>
+            <a:off x="0" y="0"/>
+            <a:ext cx="12192000" cy="457200"/>
+          </a:xfrm>
+          <a:prstGeom prst="rect">
+            <a:avLst/>
+          </a:prstGeom>
+          <a:solidFill>
+            <a:srgbClr val="FFFFFF"/>
+          </a:solidFill>
+          <a:ln>
+            <a:noFill/>
+          </a:ln>
+          <a:effectLst/>
+          <a:extLst>
+            <a:ext uri="{91240B29-F687-4F45-9708-019B960494DF}">
+              <a14:hiddenLine xmlns:a14="http://schemas.microsoft.com/office/drawing/2010/main" w="9525">
+                <a:solidFill>
+                  <a:schemeClr val="tx1"/>
+                </a:solidFill>
+                <a:miter lim="800000"/>
+                <a:headEnd/>
+                <a:tailEnd/>
+              </a14:hiddenLine>
+            </a:ext>
+            <a:ext uri="{AF507438-7753-43E0-B8FC-AC1667EBCBE1}">
+              <a14:hiddenEffects xmlns:a14="http://schemas.microsoft.com/office/drawing/2010/main">
+                <a:effectLst>
+                  <a:outerShdw dist="35921" dir="2700000" algn="ctr" rotWithShape="0">
+                    <a:schemeClr val="bg2"/>
+                  </a:outerShdw>
+                </a:effectLst>
+              </a14:hiddenEffects>
+            </a:ext>
+          </a:extLst>
+        </p:spPr>
+        <p:txBody>
+          <a:bodyPr vert="horz" wrap="none" lIns="91440" tIns="45720" rIns="91440" bIns="45720" numCol="1" anchor="ctr" anchorCtr="0" compatLnSpc="1">
+            <a:prstTxWarp prst="textNoShape">
+              <a:avLst/>
+            </a:prstTxWarp>
+            <a:spAutoFit/>
+          </a:bodyPr>
+          <a:lstStyle/>
+          <a:p>
+            <a:pPr marL="0" marR="0" lvl="0" indent="0" algn="l" defTabSz="914400" rtl="0" eaLnBrk="0" fontAlgn="base" latinLnBrk="0" hangingPunct="0">
+              <a:lnSpc>
+                <a:spcPct val="100000"/>
+              </a:lnSpc>
+              <a:spcBef>
+                <a:spcPct val="0"/>
+              </a:spcBef>
+              <a:spcAft>
+                <a:spcPct val="0"/>
+              </a:spcAft>
+              <a:buClrTx/>
+              <a:buSzTx/>
+              <a:buFontTx/>
+              <a:buNone/>
+              <a:tabLst/>
+            </a:pPr>
+            <a:r>
+              <a:rPr kumimoji="0" lang="en-US" sz="1000" b="1" i="0" u="none" strike="noStrike" cap="none" normalizeH="0" baseline="0" smtClean="0">
+                <a:ln>
+                  <a:noFill/>
+                </a:ln>
+                <a:solidFill>
+                  <a:srgbClr val="000000"/>
+                </a:solidFill>
+                <a:effectLst/>
+                <a:latin typeface="Arial Unicode MS" panose="020B0604020202020204" pitchFamily="34" charset="-128"/>
+                <a:cs typeface="Times New Roman" panose="02020603050405020304" pitchFamily="18" charset="0"/>
+              </a:rPr>
+              <a:t>/dev/hda</a:t>
+            </a:r>
+            <a:r>
+              <a:rPr kumimoji="0" lang="en-US" sz="800" b="0" i="0" u="none" strike="noStrike" cap="none" normalizeH="0" baseline="0" smtClean="0">
+                <a:ln>
+                  <a:noFill/>
+                </a:ln>
+                <a:solidFill>
+                  <a:schemeClr val="tx1"/>
+                </a:solidFill>
+                <a:effectLst/>
+              </a:rPr>
+              <a:t> </a:t>
+            </a:r>
+            <a:endParaRPr kumimoji="0" lang="en-US" sz="1800" b="0" i="0" u="none" strike="noStrike" cap="none" normalizeH="0" baseline="0" smtClean="0">
+              <a:ln>
+                <a:noFill/>
+              </a:ln>
+              <a:solidFill>
+                <a:schemeClr val="tx1"/>
+              </a:solidFill>
+              <a:effectLst/>
+              <a:latin typeface="Arial" panose="020B0604020202020204" pitchFamily="34" charset="0"/>
+            </a:endParaRPr>
           </a:p>
         </p:txBody>
       </p:sp>
@@ -25603,6 +26066,962 @@
     <p:extLst>
       <p:ext uri="{BB962C8B-B14F-4D97-AF65-F5344CB8AC3E}">
         <p14:creationId xmlns:p14="http://schemas.microsoft.com/office/powerpoint/2010/main" val="2677945179"/>
+      </p:ext>
+    </p:extLst>
+  </p:cSld>
+  <p:clrMapOvr>
+    <a:masterClrMapping/>
+  </p:clrMapOvr>
+  <p:timing>
+    <p:tnLst>
+      <p:par>
+        <p:cTn id="1" dur="indefinite" restart="never" nodeType="tmRoot"/>
+      </p:par>
+    </p:tnLst>
+  </p:timing>
+</p:sld>
+</file>
+
+<file path=ppt/slides/slide84.xml><?xml version="1.0" encoding="utf-8"?>
+<p:sld xmlns:a="http://schemas.openxmlformats.org/drawingml/2006/main" xmlns:r="http://schemas.openxmlformats.org/officeDocument/2006/relationships" xmlns:p="http://schemas.openxmlformats.org/presentationml/2006/main">
+  <p:cSld>
+    <p:bg>
+      <p:bgPr>
+        <a:solidFill>
+          <a:schemeClr val="bg1"/>
+        </a:solidFill>
+        <a:effectLst/>
+      </p:bgPr>
+    </p:bg>
+    <p:spTree>
+      <p:nvGrpSpPr>
+        <p:cNvPr id="1" name=""/>
+        <p:cNvGrpSpPr/>
+        <p:nvPr/>
+      </p:nvGrpSpPr>
+      <p:grpSpPr>
+        <a:xfrm>
+          <a:off x="0" y="0"/>
+          <a:ext cx="0" cy="0"/>
+          <a:chOff x="0" y="0"/>
+          <a:chExt cx="0" cy="0"/>
+        </a:xfrm>
+      </p:grpSpPr>
+      <p:sp>
+        <p:nvSpPr>
+          <p:cNvPr id="4" name="Content Placeholder 3"/>
+          <p:cNvSpPr>
+            <a:spLocks noGrp="1"/>
+          </p:cNvSpPr>
+          <p:nvPr>
+            <p:ph idx="1"/>
+          </p:nvPr>
+        </p:nvSpPr>
+        <p:spPr/>
+        <p:txBody>
+          <a:bodyPr>
+            <a:normAutofit lnSpcReduction="10000"/>
+          </a:bodyPr>
+          <a:lstStyle/>
+          <a:p>
+            <a:pPr marL="457200" lvl="2" indent="-457200"/>
+            <a:r>
+              <a:rPr lang="en-US" dirty="0"/>
+              <a:t>How do we account for the differences in path syntax between operating systems?</a:t>
+            </a:r>
+          </a:p>
+          <a:p>
+            <a:pPr lvl="1"/>
+            <a:r>
+              <a:rPr lang="en-US" dirty="0" smtClean="0"/>
+              <a:t>In Python, use the </a:t>
+            </a:r>
+            <a:r>
+              <a:rPr lang="en-US" dirty="0" err="1" smtClean="0"/>
+              <a:t>os.path</a:t>
+            </a:r>
+            <a:r>
+              <a:rPr lang="en-US" dirty="0" smtClean="0"/>
+              <a:t> module</a:t>
+            </a:r>
+          </a:p>
+          <a:p>
+            <a:pPr lvl="1"/>
+            <a:r>
+              <a:rPr lang="en-US" dirty="0" smtClean="0"/>
+              <a:t>Python always loads the path module suitable for the operating system it is running on</a:t>
+            </a:r>
+          </a:p>
+          <a:p>
+            <a:pPr lvl="1"/>
+            <a:r>
+              <a:rPr lang="en-US" dirty="0" smtClean="0"/>
+              <a:t>Specific modules can be loaded to manipulate paths that ar</a:t>
+            </a:r>
+            <a:r>
+              <a:rPr lang="en-US" dirty="0" smtClean="0"/>
+              <a:t>e always in one of the different formats, such as</a:t>
+            </a:r>
+          </a:p>
+          <a:p>
+            <a:pPr lvl="2"/>
+            <a:r>
+              <a:rPr lang="en-US" dirty="0" err="1" smtClean="0"/>
+              <a:t>posixpath</a:t>
+            </a:r>
+            <a:r>
+              <a:rPr lang="en-US" dirty="0" smtClean="0"/>
+              <a:t> for Unix-style paths</a:t>
+            </a:r>
+          </a:p>
+          <a:p>
+            <a:pPr lvl="2"/>
+            <a:r>
+              <a:rPr lang="en-US" dirty="0" err="1"/>
+              <a:t>n</a:t>
+            </a:r>
+            <a:r>
+              <a:rPr lang="en-US" dirty="0" err="1" smtClean="0"/>
+              <a:t>tpath</a:t>
+            </a:r>
+            <a:r>
+              <a:rPr lang="en-US" dirty="0" smtClean="0"/>
+              <a:t> for Windows-style paths</a:t>
+            </a:r>
+          </a:p>
+          <a:p>
+            <a:pPr lvl="2"/>
+            <a:r>
+              <a:rPr lang="en-US" dirty="0" err="1" smtClean="0"/>
+              <a:t>macpath</a:t>
+            </a:r>
+            <a:r>
+              <a:rPr lang="en-US" dirty="0" smtClean="0"/>
+              <a:t> for old-style </a:t>
+            </a:r>
+            <a:r>
+              <a:rPr lang="en-US" dirty="0" err="1" smtClean="0"/>
+              <a:t>MacOS</a:t>
+            </a:r>
+            <a:r>
+              <a:rPr lang="en-US" dirty="0" smtClean="0"/>
+              <a:t> paths</a:t>
+            </a:r>
+            <a:endParaRPr lang="en-US" dirty="0"/>
+          </a:p>
+        </p:txBody>
+      </p:sp>
+      <p:sp>
+        <p:nvSpPr>
+          <p:cNvPr id="3" name="Title 2"/>
+          <p:cNvSpPr>
+            <a:spLocks noGrp="1"/>
+          </p:cNvSpPr>
+          <p:nvPr>
+            <p:ph type="title"/>
+          </p:nvPr>
+        </p:nvSpPr>
+        <p:spPr/>
+        <p:txBody>
+          <a:bodyPr/>
+          <a:lstStyle/>
+          <a:p>
+            <a:r>
+              <a:rPr lang="en-US" dirty="0" smtClean="0"/>
+              <a:t>File IO</a:t>
+            </a:r>
+            <a:endParaRPr lang="en-US" dirty="0"/>
+          </a:p>
+        </p:txBody>
+      </p:sp>
+    </p:spTree>
+    <p:extLst>
+      <p:ext uri="{BB962C8B-B14F-4D97-AF65-F5344CB8AC3E}">
+        <p14:creationId xmlns:p14="http://schemas.microsoft.com/office/powerpoint/2010/main" val="1106993298"/>
+      </p:ext>
+    </p:extLst>
+  </p:cSld>
+  <p:clrMapOvr>
+    <a:masterClrMapping/>
+  </p:clrMapOvr>
+  <p:timing>
+    <p:tnLst>
+      <p:par>
+        <p:cTn id="1" dur="indefinite" restart="never" nodeType="tmRoot"/>
+      </p:par>
+    </p:tnLst>
+  </p:timing>
+</p:sld>
+</file>
+
+<file path=ppt/slides/slide85.xml><?xml version="1.0" encoding="utf-8"?>
+<p:sld xmlns:a="http://schemas.openxmlformats.org/drawingml/2006/main" xmlns:r="http://schemas.openxmlformats.org/officeDocument/2006/relationships" xmlns:p="http://schemas.openxmlformats.org/presentationml/2006/main">
+  <p:cSld>
+    <p:bg>
+      <p:bgPr>
+        <a:solidFill>
+          <a:schemeClr val="bg1"/>
+        </a:solidFill>
+        <a:effectLst/>
+      </p:bgPr>
+    </p:bg>
+    <p:spTree>
+      <p:nvGrpSpPr>
+        <p:cNvPr id="1" name=""/>
+        <p:cNvGrpSpPr/>
+        <p:nvPr/>
+      </p:nvGrpSpPr>
+      <p:grpSpPr>
+        <a:xfrm>
+          <a:off x="0" y="0"/>
+          <a:ext cx="0" cy="0"/>
+          <a:chOff x="0" y="0"/>
+          <a:chExt cx="0" cy="0"/>
+        </a:xfrm>
+      </p:grpSpPr>
+      <p:sp>
+        <p:nvSpPr>
+          <p:cNvPr id="4" name="Content Placeholder 3"/>
+          <p:cNvSpPr>
+            <a:spLocks noGrp="1"/>
+          </p:cNvSpPr>
+          <p:nvPr>
+            <p:ph idx="1"/>
+          </p:nvPr>
+        </p:nvSpPr>
+        <p:spPr/>
+        <p:txBody>
+          <a:bodyPr/>
+          <a:lstStyle/>
+          <a:p>
+            <a:endParaRPr lang="en-US" dirty="0"/>
+          </a:p>
+        </p:txBody>
+      </p:sp>
+      <p:sp>
+        <p:nvSpPr>
+          <p:cNvPr id="3" name="Title 2"/>
+          <p:cNvSpPr>
+            <a:spLocks noGrp="1"/>
+          </p:cNvSpPr>
+          <p:nvPr>
+            <p:ph type="title"/>
+          </p:nvPr>
+        </p:nvSpPr>
+        <p:spPr/>
+        <p:txBody>
+          <a:bodyPr/>
+          <a:lstStyle/>
+          <a:p>
+            <a:r>
+              <a:rPr lang="en-US" dirty="0" smtClean="0"/>
+              <a:t>File IO: Path Examples</a:t>
+            </a:r>
+            <a:endParaRPr lang="en-US" dirty="0"/>
+          </a:p>
+        </p:txBody>
+      </p:sp>
+    </p:spTree>
+    <p:extLst>
+      <p:ext uri="{BB962C8B-B14F-4D97-AF65-F5344CB8AC3E}">
+        <p14:creationId xmlns:p14="http://schemas.microsoft.com/office/powerpoint/2010/main" val="3224124106"/>
+      </p:ext>
+    </p:extLst>
+  </p:cSld>
+  <p:clrMapOvr>
+    <a:masterClrMapping/>
+  </p:clrMapOvr>
+  <p:timing>
+    <p:tnLst>
+      <p:par>
+        <p:cTn id="1" dur="indefinite" restart="never" nodeType="tmRoot"/>
+      </p:par>
+    </p:tnLst>
+  </p:timing>
+</p:sld>
+</file>
+
+<file path=ppt/slides/slide86.xml><?xml version="1.0" encoding="utf-8"?>
+<p:sld xmlns:a="http://schemas.openxmlformats.org/drawingml/2006/main" xmlns:r="http://schemas.openxmlformats.org/officeDocument/2006/relationships" xmlns:p="http://schemas.openxmlformats.org/presentationml/2006/main">
+  <p:cSld>
+    <p:bg>
+      <p:bgPr>
+        <a:solidFill>
+          <a:schemeClr val="bg1"/>
+        </a:solidFill>
+        <a:effectLst/>
+      </p:bgPr>
+    </p:bg>
+    <p:spTree>
+      <p:nvGrpSpPr>
+        <p:cNvPr id="1" name=""/>
+        <p:cNvGrpSpPr/>
+        <p:nvPr/>
+      </p:nvGrpSpPr>
+      <p:grpSpPr>
+        <a:xfrm>
+          <a:off x="0" y="0"/>
+          <a:ext cx="0" cy="0"/>
+          <a:chOff x="0" y="0"/>
+          <a:chExt cx="0" cy="0"/>
+        </a:xfrm>
+      </p:grpSpPr>
+      <p:sp>
+        <p:nvSpPr>
+          <p:cNvPr id="4" name="Content Placeholder 3"/>
+          <p:cNvSpPr>
+            <a:spLocks noGrp="1"/>
+          </p:cNvSpPr>
+          <p:nvPr>
+            <p:ph idx="1"/>
+          </p:nvPr>
+        </p:nvSpPr>
+        <p:spPr/>
+        <p:txBody>
+          <a:bodyPr>
+            <a:normAutofit fontScale="92500" lnSpcReduction="10000"/>
+          </a:bodyPr>
+          <a:lstStyle/>
+          <a:p>
+            <a:r>
+              <a:rPr lang="en-US" dirty="0" smtClean="0"/>
+              <a:t>How do we open a file?</a:t>
+            </a:r>
+          </a:p>
+          <a:p>
+            <a:pPr lvl="1"/>
+            <a:r>
+              <a:rPr lang="en-US" dirty="0" smtClean="0"/>
+              <a:t>open(</a:t>
+            </a:r>
+            <a:r>
+              <a:rPr lang="en-US" i="1" dirty="0" smtClean="0"/>
+              <a:t>name[,mode[,buffering]]</a:t>
+            </a:r>
+            <a:r>
+              <a:rPr lang="en-US" dirty="0" smtClean="0"/>
+              <a:t>)</a:t>
+            </a:r>
+          </a:p>
+          <a:p>
+            <a:pPr lvl="2"/>
+            <a:r>
+              <a:rPr lang="en-US" dirty="0" smtClean="0"/>
+              <a:t>name </a:t>
+            </a:r>
+            <a:r>
+              <a:rPr lang="en-US" dirty="0" smtClean="0"/>
+              <a:t>– file name to be opened</a:t>
+            </a:r>
+          </a:p>
+          <a:p>
+            <a:pPr lvl="2"/>
+            <a:r>
+              <a:rPr lang="en-US" dirty="0" smtClean="0"/>
+              <a:t>mode – string indicating how the file is to be opened</a:t>
+            </a:r>
+          </a:p>
+          <a:p>
+            <a:pPr lvl="3"/>
+            <a:r>
+              <a:rPr lang="en-US" dirty="0" smtClean="0"/>
+              <a:t>r – for reading</a:t>
+            </a:r>
+          </a:p>
+          <a:p>
+            <a:pPr lvl="3"/>
+            <a:r>
+              <a:rPr lang="en-US" dirty="0" smtClean="0"/>
+              <a:t>w – for writing</a:t>
+            </a:r>
+          </a:p>
+          <a:p>
+            <a:pPr lvl="3"/>
+            <a:r>
+              <a:rPr lang="en-US" dirty="0" smtClean="0"/>
+              <a:t>a – for appending</a:t>
+            </a:r>
+          </a:p>
+          <a:p>
+            <a:pPr lvl="3"/>
+            <a:r>
+              <a:rPr lang="en-US" dirty="0" smtClean="0"/>
+              <a:t>defaults to ‘r’</a:t>
+            </a:r>
+            <a:endParaRPr lang="en-US" dirty="0" smtClean="0"/>
+          </a:p>
+          <a:p>
+            <a:pPr lvl="2"/>
+            <a:r>
+              <a:rPr lang="en-US" dirty="0" smtClean="0"/>
+              <a:t>buffering – optional argument indicating desired buffer size</a:t>
+            </a:r>
+          </a:p>
+          <a:p>
+            <a:pPr lvl="3"/>
+            <a:r>
+              <a:rPr lang="en-US" dirty="0" smtClean="0"/>
+              <a:t>0 – </a:t>
+            </a:r>
+            <a:r>
+              <a:rPr lang="en-US" dirty="0" err="1" smtClean="0"/>
+              <a:t>unbuffered</a:t>
+            </a:r>
+            <a:endParaRPr lang="en-US" dirty="0" smtClean="0"/>
+          </a:p>
+          <a:p>
+            <a:pPr lvl="3"/>
+            <a:r>
+              <a:rPr lang="en-US" dirty="0" smtClean="0"/>
+              <a:t>1 – line buffered</a:t>
+            </a:r>
+          </a:p>
+          <a:p>
+            <a:pPr lvl="3"/>
+            <a:r>
+              <a:rPr lang="en-US" dirty="0" smtClean="0"/>
+              <a:t>any other positive value in bytes</a:t>
+            </a:r>
+          </a:p>
+          <a:p>
+            <a:pPr marL="914400" lvl="2" indent="0">
+              <a:buNone/>
+            </a:pPr>
+            <a:endParaRPr lang="en-US" dirty="0"/>
+          </a:p>
+        </p:txBody>
+      </p:sp>
+      <p:sp>
+        <p:nvSpPr>
+          <p:cNvPr id="3" name="Title 2"/>
+          <p:cNvSpPr>
+            <a:spLocks noGrp="1"/>
+          </p:cNvSpPr>
+          <p:nvPr>
+            <p:ph type="title"/>
+          </p:nvPr>
+        </p:nvSpPr>
+        <p:spPr/>
+        <p:txBody>
+          <a:bodyPr/>
+          <a:lstStyle/>
+          <a:p>
+            <a:r>
+              <a:rPr lang="en-US" dirty="0" smtClean="0"/>
+              <a:t>File IO: File Operations</a:t>
+            </a:r>
+            <a:endParaRPr lang="en-US" dirty="0"/>
+          </a:p>
+        </p:txBody>
+      </p:sp>
+    </p:spTree>
+    <p:extLst>
+      <p:ext uri="{BB962C8B-B14F-4D97-AF65-F5344CB8AC3E}">
+        <p14:creationId xmlns:p14="http://schemas.microsoft.com/office/powerpoint/2010/main" val="2870467808"/>
+      </p:ext>
+    </p:extLst>
+  </p:cSld>
+  <p:clrMapOvr>
+    <a:masterClrMapping/>
+  </p:clrMapOvr>
+  <p:timing>
+    <p:tnLst>
+      <p:par>
+        <p:cTn id="1" dur="indefinite" restart="never" nodeType="tmRoot"/>
+      </p:par>
+    </p:tnLst>
+  </p:timing>
+</p:sld>
+</file>
+
+<file path=ppt/slides/slide87.xml><?xml version="1.0" encoding="utf-8"?>
+<p:sld xmlns:a="http://schemas.openxmlformats.org/drawingml/2006/main" xmlns:r="http://schemas.openxmlformats.org/officeDocument/2006/relationships" xmlns:p="http://schemas.openxmlformats.org/presentationml/2006/main">
+  <p:cSld>
+    <p:bg>
+      <p:bgPr>
+        <a:solidFill>
+          <a:schemeClr val="bg1"/>
+        </a:solidFill>
+        <a:effectLst/>
+      </p:bgPr>
+    </p:bg>
+    <p:spTree>
+      <p:nvGrpSpPr>
+        <p:cNvPr id="1" name=""/>
+        <p:cNvGrpSpPr/>
+        <p:nvPr/>
+      </p:nvGrpSpPr>
+      <p:grpSpPr>
+        <a:xfrm>
+          <a:off x="0" y="0"/>
+          <a:ext cx="0" cy="0"/>
+          <a:chOff x="0" y="0"/>
+          <a:chExt cx="0" cy="0"/>
+        </a:xfrm>
+      </p:grpSpPr>
+      <p:sp>
+        <p:nvSpPr>
+          <p:cNvPr id="4" name="Content Placeholder 3"/>
+          <p:cNvSpPr>
+            <a:spLocks noGrp="1"/>
+          </p:cNvSpPr>
+          <p:nvPr>
+            <p:ph idx="1"/>
+          </p:nvPr>
+        </p:nvSpPr>
+        <p:spPr/>
+        <p:txBody>
+          <a:bodyPr>
+            <a:normAutofit/>
+          </a:bodyPr>
+          <a:lstStyle/>
+          <a:p>
+            <a:r>
+              <a:rPr lang="en-US" dirty="0" smtClean="0"/>
+              <a:t>But I want to read </a:t>
+            </a:r>
+            <a:r>
+              <a:rPr lang="en-US" i="1" dirty="0" smtClean="0"/>
+              <a:t>and</a:t>
+            </a:r>
+            <a:r>
+              <a:rPr lang="en-US" dirty="0" smtClean="0"/>
+              <a:t> write!</a:t>
+            </a:r>
+          </a:p>
+          <a:p>
+            <a:pPr lvl="1"/>
+            <a:r>
+              <a:rPr lang="en-US" dirty="0" smtClean="0"/>
+              <a:t>append a ‘+’ to the mode to open the file for updating (reading and writing)</a:t>
+            </a:r>
+          </a:p>
+          <a:p>
+            <a:pPr lvl="2"/>
+            <a:r>
+              <a:rPr lang="en-US" dirty="0" smtClean="0"/>
+              <a:t>r+, w</a:t>
+            </a:r>
+            <a:r>
+              <a:rPr lang="en-US" dirty="0" smtClean="0"/>
+              <a:t>+, </a:t>
+            </a:r>
+            <a:r>
+              <a:rPr lang="en-US" dirty="0" smtClean="0"/>
+              <a:t>a+</a:t>
+            </a:r>
+            <a:endParaRPr lang="en-US" dirty="0"/>
+          </a:p>
+          <a:p>
+            <a:pPr lvl="1"/>
+            <a:r>
+              <a:rPr lang="en-US" dirty="0" smtClean="0"/>
+              <a:t>note that ‘w+’ truncates the file</a:t>
+            </a:r>
+          </a:p>
+          <a:p>
+            <a:pPr lvl="1"/>
+            <a:endParaRPr lang="en-US" dirty="0" smtClean="0"/>
+          </a:p>
+        </p:txBody>
+      </p:sp>
+      <p:sp>
+        <p:nvSpPr>
+          <p:cNvPr id="3" name="Title 2"/>
+          <p:cNvSpPr>
+            <a:spLocks noGrp="1"/>
+          </p:cNvSpPr>
+          <p:nvPr>
+            <p:ph type="title"/>
+          </p:nvPr>
+        </p:nvSpPr>
+        <p:spPr/>
+        <p:txBody>
+          <a:bodyPr/>
+          <a:lstStyle/>
+          <a:p>
+            <a:r>
+              <a:rPr lang="en-US" dirty="0" smtClean="0"/>
+              <a:t>File IO: File Operations</a:t>
+            </a:r>
+            <a:endParaRPr lang="en-US" dirty="0"/>
+          </a:p>
+        </p:txBody>
+      </p:sp>
+    </p:spTree>
+    <p:extLst>
+      <p:ext uri="{BB962C8B-B14F-4D97-AF65-F5344CB8AC3E}">
+        <p14:creationId xmlns:p14="http://schemas.microsoft.com/office/powerpoint/2010/main" val="2622588657"/>
+      </p:ext>
+    </p:extLst>
+  </p:cSld>
+  <p:clrMapOvr>
+    <a:masterClrMapping/>
+  </p:clrMapOvr>
+  <p:timing>
+    <p:tnLst>
+      <p:par>
+        <p:cTn id="1" dur="indefinite" restart="never" nodeType="tmRoot"/>
+      </p:par>
+    </p:tnLst>
+  </p:timing>
+</p:sld>
+</file>
+
+<file path=ppt/slides/slide88.xml><?xml version="1.0" encoding="utf-8"?>
+<p:sld xmlns:a="http://schemas.openxmlformats.org/drawingml/2006/main" xmlns:r="http://schemas.openxmlformats.org/officeDocument/2006/relationships" xmlns:p="http://schemas.openxmlformats.org/presentationml/2006/main">
+  <p:cSld>
+    <p:bg>
+      <p:bgPr>
+        <a:solidFill>
+          <a:schemeClr val="bg1"/>
+        </a:solidFill>
+        <a:effectLst/>
+      </p:bgPr>
+    </p:bg>
+    <p:spTree>
+      <p:nvGrpSpPr>
+        <p:cNvPr id="1" name=""/>
+        <p:cNvGrpSpPr/>
+        <p:nvPr/>
+      </p:nvGrpSpPr>
+      <p:grpSpPr>
+        <a:xfrm>
+          <a:off x="0" y="0"/>
+          <a:ext cx="0" cy="0"/>
+          <a:chOff x="0" y="0"/>
+          <a:chExt cx="0" cy="0"/>
+        </a:xfrm>
+      </p:grpSpPr>
+      <p:sp>
+        <p:nvSpPr>
+          <p:cNvPr id="4" name="Content Placeholder 3"/>
+          <p:cNvSpPr>
+            <a:spLocks noGrp="1"/>
+          </p:cNvSpPr>
+          <p:nvPr>
+            <p:ph idx="1"/>
+          </p:nvPr>
+        </p:nvSpPr>
+        <p:spPr/>
+        <p:txBody>
+          <a:bodyPr/>
+          <a:lstStyle/>
+          <a:p>
+            <a:r>
+              <a:rPr lang="en-US" dirty="0" smtClean="0"/>
+              <a:t>But what about binary data?</a:t>
+            </a:r>
+          </a:p>
+          <a:p>
+            <a:pPr lvl="1"/>
+            <a:r>
+              <a:rPr lang="en-US" dirty="0" smtClean="0"/>
+              <a:t>open() defaults to tex</a:t>
+            </a:r>
+            <a:r>
+              <a:rPr lang="en-US" dirty="0" smtClean="0"/>
+              <a:t>t mode</a:t>
+            </a:r>
+          </a:p>
+          <a:p>
+            <a:pPr lvl="1"/>
+            <a:r>
+              <a:rPr lang="en-US" dirty="0" smtClean="0"/>
+              <a:t>append ‘b’ to the mode for binary on systems that differentiate between text and binary data</a:t>
+            </a:r>
+            <a:endParaRPr lang="en-US" dirty="0"/>
+          </a:p>
+          <a:p>
+            <a:pPr lvl="2"/>
+            <a:r>
+              <a:rPr lang="en-US" dirty="0" err="1" smtClean="0"/>
+              <a:t>rb</a:t>
+            </a:r>
+            <a:r>
+              <a:rPr lang="en-US" dirty="0" smtClean="0"/>
+              <a:t>, </a:t>
+            </a:r>
+            <a:r>
+              <a:rPr lang="en-US" dirty="0" err="1" smtClean="0"/>
+              <a:t>wb</a:t>
+            </a:r>
+            <a:r>
+              <a:rPr lang="en-US" dirty="0" smtClean="0"/>
+              <a:t>, </a:t>
+            </a:r>
+            <a:r>
+              <a:rPr lang="en-US" dirty="0" err="1" smtClean="0"/>
+              <a:t>ab</a:t>
+            </a:r>
+            <a:endParaRPr lang="en-US" dirty="0" smtClean="0"/>
+          </a:p>
+          <a:p>
+            <a:pPr lvl="1"/>
+            <a:r>
+              <a:rPr lang="en-US" dirty="0" smtClean="0"/>
+              <a:t>Has no effect on systems that don’t differentiate</a:t>
+            </a:r>
+          </a:p>
+          <a:p>
+            <a:pPr lvl="1"/>
+            <a:endParaRPr lang="en-US" dirty="0" smtClean="0"/>
+          </a:p>
+          <a:p>
+            <a:pPr marL="914400" lvl="2" indent="0">
+              <a:buNone/>
+            </a:pPr>
+            <a:endParaRPr lang="en-US" dirty="0" smtClean="0"/>
+          </a:p>
+        </p:txBody>
+      </p:sp>
+      <p:sp>
+        <p:nvSpPr>
+          <p:cNvPr id="3" name="Title 2"/>
+          <p:cNvSpPr>
+            <a:spLocks noGrp="1"/>
+          </p:cNvSpPr>
+          <p:nvPr>
+            <p:ph type="title"/>
+          </p:nvPr>
+        </p:nvSpPr>
+        <p:spPr/>
+        <p:txBody>
+          <a:bodyPr/>
+          <a:lstStyle/>
+          <a:p>
+            <a:r>
+              <a:rPr lang="en-US" dirty="0" smtClean="0"/>
+              <a:t>File IO: File Operations</a:t>
+            </a:r>
+            <a:endParaRPr lang="en-US" dirty="0"/>
+          </a:p>
+        </p:txBody>
+      </p:sp>
+    </p:spTree>
+    <p:extLst>
+      <p:ext uri="{BB962C8B-B14F-4D97-AF65-F5344CB8AC3E}">
+        <p14:creationId xmlns:p14="http://schemas.microsoft.com/office/powerpoint/2010/main" val="1760797253"/>
+      </p:ext>
+    </p:extLst>
+  </p:cSld>
+  <p:clrMapOvr>
+    <a:masterClrMapping/>
+  </p:clrMapOvr>
+  <p:timing>
+    <p:tnLst>
+      <p:par>
+        <p:cTn id="1" dur="indefinite" restart="never" nodeType="tmRoot"/>
+      </p:par>
+    </p:tnLst>
+  </p:timing>
+</p:sld>
+</file>
+
+<file path=ppt/slides/slide89.xml><?xml version="1.0" encoding="utf-8"?>
+<p:sld xmlns:a="http://schemas.openxmlformats.org/drawingml/2006/main" xmlns:r="http://schemas.openxmlformats.org/officeDocument/2006/relationships" xmlns:p="http://schemas.openxmlformats.org/presentationml/2006/main">
+  <p:cSld>
+    <p:bg>
+      <p:bgPr>
+        <a:solidFill>
+          <a:schemeClr val="bg1"/>
+        </a:solidFill>
+        <a:effectLst/>
+      </p:bgPr>
+    </p:bg>
+    <p:spTree>
+      <p:nvGrpSpPr>
+        <p:cNvPr id="1" name=""/>
+        <p:cNvGrpSpPr/>
+        <p:nvPr/>
+      </p:nvGrpSpPr>
+      <p:grpSpPr>
+        <a:xfrm>
+          <a:off x="0" y="0"/>
+          <a:ext cx="0" cy="0"/>
+          <a:chOff x="0" y="0"/>
+          <a:chExt cx="0" cy="0"/>
+        </a:xfrm>
+      </p:grpSpPr>
+      <p:sp>
+        <p:nvSpPr>
+          <p:cNvPr id="4" name="Content Placeholder 3"/>
+          <p:cNvSpPr>
+            <a:spLocks noGrp="1"/>
+          </p:cNvSpPr>
+          <p:nvPr>
+            <p:ph idx="1"/>
+          </p:nvPr>
+        </p:nvSpPr>
+        <p:spPr/>
+        <p:txBody>
+          <a:bodyPr>
+            <a:normAutofit lnSpcReduction="10000"/>
+          </a:bodyPr>
+          <a:lstStyle/>
+          <a:p>
+            <a:r>
+              <a:rPr lang="en-US" dirty="0" smtClean="0"/>
+              <a:t>Can I delete files?</a:t>
+            </a:r>
+          </a:p>
+          <a:p>
+            <a:pPr lvl="1"/>
+            <a:r>
+              <a:rPr lang="en-US" dirty="0" err="1" smtClean="0"/>
+              <a:t>os.remove</a:t>
+            </a:r>
+            <a:r>
+              <a:rPr lang="en-US" dirty="0" smtClean="0"/>
+              <a:t>(</a:t>
+            </a:r>
+            <a:r>
+              <a:rPr lang="en-US" i="1" dirty="0" smtClean="0"/>
+              <a:t>path</a:t>
+            </a:r>
+            <a:r>
+              <a:rPr lang="en-US" dirty="0" smtClean="0"/>
+              <a:t>)</a:t>
+            </a:r>
+          </a:p>
+          <a:p>
+            <a:r>
+              <a:rPr lang="en-US" dirty="0" smtClean="0"/>
+              <a:t>What about directories?</a:t>
+            </a:r>
+          </a:p>
+          <a:p>
+            <a:pPr lvl="1"/>
+            <a:r>
+              <a:rPr lang="en-US" dirty="0" err="1" smtClean="0"/>
+              <a:t>os.rmdir</a:t>
+            </a:r>
+            <a:r>
+              <a:rPr lang="en-US" dirty="0" smtClean="0"/>
+              <a:t>(</a:t>
+            </a:r>
+            <a:r>
+              <a:rPr lang="en-US" i="1" dirty="0" smtClean="0"/>
+              <a:t>path</a:t>
+            </a:r>
+            <a:r>
+              <a:rPr lang="en-US" dirty="0" smtClean="0"/>
+              <a:t>)</a:t>
+            </a:r>
+            <a:endParaRPr lang="en-US" dirty="0"/>
+          </a:p>
+          <a:p>
+            <a:pPr lvl="1"/>
+            <a:r>
+              <a:rPr lang="en-US" dirty="0" err="1" smtClean="0"/>
+              <a:t>os.removedirs</a:t>
+            </a:r>
+            <a:r>
+              <a:rPr lang="en-US" dirty="0" smtClean="0"/>
+              <a:t>(</a:t>
+            </a:r>
+            <a:r>
+              <a:rPr lang="en-US" i="1" dirty="0" smtClean="0"/>
+              <a:t>path</a:t>
+            </a:r>
+            <a:r>
+              <a:rPr lang="en-US" dirty="0" smtClean="0"/>
+              <a:t>)</a:t>
+            </a:r>
+            <a:endParaRPr lang="en-US" dirty="0"/>
+          </a:p>
+          <a:p>
+            <a:r>
+              <a:rPr lang="en-US" dirty="0" smtClean="0"/>
+              <a:t>Can I do anything else?</a:t>
+            </a:r>
+          </a:p>
+          <a:p>
+            <a:pPr lvl="1"/>
+            <a:r>
+              <a:rPr lang="en-US" dirty="0" err="1" smtClean="0"/>
+              <a:t>os.listdir</a:t>
+            </a:r>
+            <a:r>
+              <a:rPr lang="en-US" dirty="0" smtClean="0"/>
+              <a:t>(</a:t>
+            </a:r>
+            <a:r>
+              <a:rPr lang="en-US" i="1" dirty="0"/>
+              <a:t>path</a:t>
+            </a:r>
+            <a:r>
+              <a:rPr lang="en-US" dirty="0" smtClean="0"/>
+              <a:t>)</a:t>
+            </a:r>
+          </a:p>
+          <a:p>
+            <a:pPr lvl="1"/>
+            <a:r>
+              <a:rPr lang="en-US" dirty="0" err="1" smtClean="0"/>
+              <a:t>os.rename</a:t>
+            </a:r>
+            <a:r>
+              <a:rPr lang="en-US" dirty="0" smtClean="0"/>
+              <a:t>(</a:t>
+            </a:r>
+            <a:r>
+              <a:rPr lang="en-US" i="1" dirty="0" err="1" smtClean="0"/>
+              <a:t>src,dest</a:t>
+            </a:r>
+            <a:r>
+              <a:rPr lang="en-US" dirty="0" smtClean="0"/>
+              <a:t>)</a:t>
+            </a:r>
+          </a:p>
+          <a:p>
+            <a:pPr lvl="1"/>
+            <a:r>
+              <a:rPr lang="en-US" dirty="0" err="1" smtClean="0"/>
+              <a:t>os.mkdir</a:t>
+            </a:r>
+            <a:r>
+              <a:rPr lang="en-US" dirty="0" smtClean="0"/>
+              <a:t>(</a:t>
+            </a:r>
+            <a:r>
+              <a:rPr lang="en-US" i="1" dirty="0" smtClean="0"/>
+              <a:t>path[,mode]</a:t>
+            </a:r>
+            <a:r>
+              <a:rPr lang="en-US" dirty="0" smtClean="0"/>
+              <a:t>)</a:t>
+            </a:r>
+          </a:p>
+        </p:txBody>
+      </p:sp>
+      <p:sp>
+        <p:nvSpPr>
+          <p:cNvPr id="3" name="Title 2"/>
+          <p:cNvSpPr>
+            <a:spLocks noGrp="1"/>
+          </p:cNvSpPr>
+          <p:nvPr>
+            <p:ph type="title"/>
+          </p:nvPr>
+        </p:nvSpPr>
+        <p:spPr/>
+        <p:txBody>
+          <a:bodyPr/>
+          <a:lstStyle/>
+          <a:p>
+            <a:r>
+              <a:rPr lang="en-US" dirty="0" smtClean="0"/>
+              <a:t>File IO</a:t>
+            </a:r>
+            <a:endParaRPr lang="en-US" dirty="0"/>
+          </a:p>
+        </p:txBody>
+      </p:sp>
+    </p:spTree>
+    <p:extLst>
+      <p:ext uri="{BB962C8B-B14F-4D97-AF65-F5344CB8AC3E}">
+        <p14:creationId xmlns:p14="http://schemas.microsoft.com/office/powerpoint/2010/main" val="3485451260"/>
       </p:ext>
     </p:extLst>
   </p:cSld>
@@ -25715,6 +27134,333 @@
     <p:extLst>
       <p:ext uri="{BB962C8B-B14F-4D97-AF65-F5344CB8AC3E}">
         <p14:creationId xmlns:p14="http://schemas.microsoft.com/office/powerpoint/2010/main" val="1132235158"/>
+      </p:ext>
+    </p:extLst>
+  </p:cSld>
+  <p:clrMapOvr>
+    <a:masterClrMapping/>
+  </p:clrMapOvr>
+  <p:timing>
+    <p:tnLst>
+      <p:par>
+        <p:cTn id="1" dur="indefinite" restart="never" nodeType="tmRoot"/>
+      </p:par>
+    </p:tnLst>
+  </p:timing>
+</p:sld>
+</file>
+
+<file path=ppt/slides/slide90.xml><?xml version="1.0" encoding="utf-8"?>
+<p:sld xmlns:a="http://schemas.openxmlformats.org/drawingml/2006/main" xmlns:r="http://schemas.openxmlformats.org/officeDocument/2006/relationships" xmlns:p="http://schemas.openxmlformats.org/presentationml/2006/main">
+  <p:cSld>
+    <p:bg>
+      <p:bgPr>
+        <a:solidFill>
+          <a:schemeClr val="bg1"/>
+        </a:solidFill>
+        <a:effectLst/>
+      </p:bgPr>
+    </p:bg>
+    <p:spTree>
+      <p:nvGrpSpPr>
+        <p:cNvPr id="1" name=""/>
+        <p:cNvGrpSpPr/>
+        <p:nvPr/>
+      </p:nvGrpSpPr>
+      <p:grpSpPr>
+        <a:xfrm>
+          <a:off x="0" y="0"/>
+          <a:ext cx="0" cy="0"/>
+          <a:chOff x="0" y="0"/>
+          <a:chExt cx="0" cy="0"/>
+        </a:xfrm>
+      </p:grpSpPr>
+      <p:sp>
+        <p:nvSpPr>
+          <p:cNvPr id="4" name="Content Placeholder 3"/>
+          <p:cNvSpPr>
+            <a:spLocks noGrp="1"/>
+          </p:cNvSpPr>
+          <p:nvPr>
+            <p:ph idx="1"/>
+          </p:nvPr>
+        </p:nvSpPr>
+        <p:spPr/>
+        <p:txBody>
+          <a:bodyPr/>
+          <a:lstStyle/>
+          <a:p>
+            <a:endParaRPr lang="en-US" dirty="0"/>
+          </a:p>
+        </p:txBody>
+      </p:sp>
+      <p:sp>
+        <p:nvSpPr>
+          <p:cNvPr id="3" name="Title 2"/>
+          <p:cNvSpPr>
+            <a:spLocks noGrp="1"/>
+          </p:cNvSpPr>
+          <p:nvPr>
+            <p:ph type="title"/>
+          </p:nvPr>
+        </p:nvSpPr>
+        <p:spPr/>
+        <p:txBody>
+          <a:bodyPr/>
+          <a:lstStyle/>
+          <a:p>
+            <a:r>
+              <a:rPr lang="en-US" dirty="0" smtClean="0"/>
+              <a:t>File IO: File Operations Examples</a:t>
+            </a:r>
+            <a:endParaRPr lang="en-US" dirty="0"/>
+          </a:p>
+        </p:txBody>
+      </p:sp>
+    </p:spTree>
+    <p:extLst>
+      <p:ext uri="{BB962C8B-B14F-4D97-AF65-F5344CB8AC3E}">
+        <p14:creationId xmlns:p14="http://schemas.microsoft.com/office/powerpoint/2010/main" val="347953696"/>
+      </p:ext>
+    </p:extLst>
+  </p:cSld>
+  <p:clrMapOvr>
+    <a:masterClrMapping/>
+  </p:clrMapOvr>
+  <p:timing>
+    <p:tnLst>
+      <p:par>
+        <p:cTn id="1" dur="indefinite" restart="never" nodeType="tmRoot"/>
+      </p:par>
+    </p:tnLst>
+  </p:timing>
+</p:sld>
+</file>
+
+<file path=ppt/slides/slide91.xml><?xml version="1.0" encoding="utf-8"?>
+<p:sld xmlns:a="http://schemas.openxmlformats.org/drawingml/2006/main" xmlns:r="http://schemas.openxmlformats.org/officeDocument/2006/relationships" xmlns:p="http://schemas.openxmlformats.org/presentationml/2006/main">
+  <p:cSld>
+    <p:spTree>
+      <p:nvGrpSpPr>
+        <p:cNvPr id="1" name=""/>
+        <p:cNvGrpSpPr/>
+        <p:nvPr/>
+      </p:nvGrpSpPr>
+      <p:grpSpPr>
+        <a:xfrm>
+          <a:off x="0" y="0"/>
+          <a:ext cx="0" cy="0"/>
+          <a:chOff x="0" y="0"/>
+          <a:chExt cx="0" cy="0"/>
+        </a:xfrm>
+      </p:grpSpPr>
+      <p:sp>
+        <p:nvSpPr>
+          <p:cNvPr id="4" name="Title 3"/>
+          <p:cNvSpPr>
+            <a:spLocks noGrp="1"/>
+          </p:cNvSpPr>
+          <p:nvPr>
+            <p:ph type="title"/>
+          </p:nvPr>
+        </p:nvSpPr>
+        <p:spPr/>
+        <p:txBody>
+          <a:bodyPr>
+            <a:normAutofit/>
+          </a:bodyPr>
+          <a:lstStyle/>
+          <a:p>
+            <a:r>
+              <a:rPr lang="en-US" dirty="0" smtClean="0">
+                <a:solidFill>
+                  <a:srgbClr val="C4A174"/>
+                </a:solidFill>
+              </a:rPr>
+              <a:t>Exercise:</a:t>
+            </a:r>
+            <a:r>
+              <a:rPr lang="en-US" dirty="0" smtClean="0"/>
+              <a:t> </a:t>
+            </a:r>
+            <a:r>
+              <a:rPr lang="en-US" dirty="0" smtClean="0"/>
+              <a:t>File Operations</a:t>
+            </a:r>
+            <a:endParaRPr lang="en-US" dirty="0"/>
+          </a:p>
+        </p:txBody>
+      </p:sp>
+    </p:spTree>
+    <p:extLst>
+      <p:ext uri="{BB962C8B-B14F-4D97-AF65-F5344CB8AC3E}">
+        <p14:creationId xmlns:p14="http://schemas.microsoft.com/office/powerpoint/2010/main" val="1034857759"/>
+      </p:ext>
+    </p:extLst>
+  </p:cSld>
+  <p:clrMapOvr>
+    <a:masterClrMapping/>
+  </p:clrMapOvr>
+  <p:timing>
+    <p:tnLst>
+      <p:par>
+        <p:cTn id="1" dur="indefinite" restart="never" nodeType="tmRoot"/>
+      </p:par>
+    </p:tnLst>
+  </p:timing>
+</p:sld>
+</file>
+
+<file path=ppt/slides/slide92.xml><?xml version="1.0" encoding="utf-8"?>
+<p:sld xmlns:a="http://schemas.openxmlformats.org/drawingml/2006/main" xmlns:r="http://schemas.openxmlformats.org/officeDocument/2006/relationships" xmlns:p="http://schemas.openxmlformats.org/presentationml/2006/main">
+  <p:cSld>
+    <p:bg>
+      <p:bgPr>
+        <a:solidFill>
+          <a:schemeClr val="bg1"/>
+        </a:solidFill>
+        <a:effectLst/>
+      </p:bgPr>
+    </p:bg>
+    <p:spTree>
+      <p:nvGrpSpPr>
+        <p:cNvPr id="1" name=""/>
+        <p:cNvGrpSpPr/>
+        <p:nvPr/>
+      </p:nvGrpSpPr>
+      <p:grpSpPr>
+        <a:xfrm>
+          <a:off x="0" y="0"/>
+          <a:ext cx="0" cy="0"/>
+          <a:chOff x="0" y="0"/>
+          <a:chExt cx="0" cy="0"/>
+        </a:xfrm>
+      </p:grpSpPr>
+      <p:sp>
+        <p:nvSpPr>
+          <p:cNvPr id="4" name="Content Placeholder 3"/>
+          <p:cNvSpPr>
+            <a:spLocks noGrp="1"/>
+          </p:cNvSpPr>
+          <p:nvPr>
+            <p:ph idx="1"/>
+          </p:nvPr>
+        </p:nvSpPr>
+        <p:spPr/>
+        <p:txBody>
+          <a:bodyPr/>
+          <a:lstStyle/>
+          <a:p>
+            <a:endParaRPr lang="en-US" dirty="0"/>
+          </a:p>
+        </p:txBody>
+      </p:sp>
+      <p:sp>
+        <p:nvSpPr>
+          <p:cNvPr id="3" name="Title 2"/>
+          <p:cNvSpPr>
+            <a:spLocks noGrp="1"/>
+          </p:cNvSpPr>
+          <p:nvPr>
+            <p:ph type="title"/>
+          </p:nvPr>
+        </p:nvSpPr>
+        <p:spPr/>
+        <p:txBody>
+          <a:bodyPr/>
+          <a:lstStyle/>
+          <a:p>
+            <a:endParaRPr lang="en-US"/>
+          </a:p>
+        </p:txBody>
+      </p:sp>
+    </p:spTree>
+    <p:extLst>
+      <p:ext uri="{BB962C8B-B14F-4D97-AF65-F5344CB8AC3E}">
+        <p14:creationId xmlns:p14="http://schemas.microsoft.com/office/powerpoint/2010/main" val="906518440"/>
+      </p:ext>
+    </p:extLst>
+  </p:cSld>
+  <p:clrMapOvr>
+    <a:masterClrMapping/>
+  </p:clrMapOvr>
+  <p:timing>
+    <p:tnLst>
+      <p:par>
+        <p:cTn id="1" dur="indefinite" restart="never" nodeType="tmRoot"/>
+      </p:par>
+    </p:tnLst>
+  </p:timing>
+</p:sld>
+</file>
+
+<file path=ppt/slides/slide93.xml><?xml version="1.0" encoding="utf-8"?>
+<p:sld xmlns:a="http://schemas.openxmlformats.org/drawingml/2006/main" xmlns:r="http://schemas.openxmlformats.org/officeDocument/2006/relationships" xmlns:p="http://schemas.openxmlformats.org/presentationml/2006/main">
+  <p:cSld>
+    <p:bg>
+      <p:bgPr>
+        <a:solidFill>
+          <a:schemeClr val="bg1"/>
+        </a:solidFill>
+        <a:effectLst/>
+      </p:bgPr>
+    </p:bg>
+    <p:spTree>
+      <p:nvGrpSpPr>
+        <p:cNvPr id="1" name=""/>
+        <p:cNvGrpSpPr/>
+        <p:nvPr/>
+      </p:nvGrpSpPr>
+      <p:grpSpPr>
+        <a:xfrm>
+          <a:off x="0" y="0"/>
+          <a:ext cx="0" cy="0"/>
+          <a:chOff x="0" y="0"/>
+          <a:chExt cx="0" cy="0"/>
+        </a:xfrm>
+      </p:grpSpPr>
+      <p:sp>
+        <p:nvSpPr>
+          <p:cNvPr id="4" name="Content Placeholder 3"/>
+          <p:cNvSpPr>
+            <a:spLocks noGrp="1"/>
+          </p:cNvSpPr>
+          <p:nvPr>
+            <p:ph idx="1"/>
+          </p:nvPr>
+        </p:nvSpPr>
+        <p:spPr/>
+        <p:txBody>
+          <a:bodyPr/>
+          <a:lstStyle/>
+          <a:p>
+            <a:endParaRPr lang="en-US" dirty="0"/>
+          </a:p>
+        </p:txBody>
+      </p:sp>
+      <p:sp>
+        <p:nvSpPr>
+          <p:cNvPr id="3" name="Title 2"/>
+          <p:cNvSpPr>
+            <a:spLocks noGrp="1"/>
+          </p:cNvSpPr>
+          <p:nvPr>
+            <p:ph type="title"/>
+          </p:nvPr>
+        </p:nvSpPr>
+        <p:spPr/>
+        <p:txBody>
+          <a:bodyPr/>
+          <a:lstStyle/>
+          <a:p>
+            <a:endParaRPr lang="en-US"/>
+          </a:p>
+        </p:txBody>
+      </p:sp>
+    </p:spTree>
+    <p:extLst>
+      <p:ext uri="{BB962C8B-B14F-4D97-AF65-F5344CB8AC3E}">
+        <p14:creationId xmlns:p14="http://schemas.microsoft.com/office/powerpoint/2010/main" val="2774228623"/>
       </p:ext>
     </p:extLst>
   </p:cSld>

--- a/Programming Foundations.pptx
+++ b/Programming Foundations.pptx
@@ -5,7 +5,7 @@
     <p:sldMasterId id="2147483648" r:id="rId1"/>
   </p:sldMasterIdLst>
   <p:notesMasterIdLst>
-    <p:notesMasterId r:id="rId109"/>
+    <p:notesMasterId r:id="rId111"/>
   </p:notesMasterIdLst>
   <p:sldIdLst>
     <p:sldId id="351" r:id="rId2"/>
@@ -115,6 +115,8 @@
     <p:sldId id="350" r:id="rId106"/>
     <p:sldId id="348" r:id="rId107"/>
     <p:sldId id="349" r:id="rId108"/>
+    <p:sldId id="409" r:id="rId109"/>
+    <p:sldId id="410" r:id="rId110"/>
   </p:sldIdLst>
   <p:sldSz cx="12192000" cy="6858000"/>
   <p:notesSz cx="6858000" cy="9144000"/>
@@ -329,6 +331,8 @@
             <p14:sldId id="350"/>
             <p14:sldId id="348"/>
             <p14:sldId id="349"/>
+            <p14:sldId id="409"/>
+            <p14:sldId id="410"/>
           </p14:sldIdLst>
         </p14:section>
       </p14:sectionLst>
@@ -1539,9 +1543,9 @@
   <dgm:cxnLst>
     <dgm:cxn modelId="{0F5843CD-2FD7-47C5-B826-0F535DDE794A}" type="presOf" srcId="{0EA64D6E-0E7C-4CE2-99F5-AD8069551B7E}" destId="{EBD957B8-5044-4437-8E69-192C1B73A0D1}" srcOrd="0" destOrd="0" presId="urn:microsoft.com/office/officeart/2005/8/layout/process2"/>
     <dgm:cxn modelId="{806178BE-B211-4E86-9491-5ACE840F9927}" type="presOf" srcId="{F121ED9E-1A1F-4D0F-943C-6D5EC75E9B19}" destId="{ADB7B8A9-F6E1-4FED-A7A6-24EC1EFB1EAB}" srcOrd="0" destOrd="0" presId="urn:microsoft.com/office/officeart/2005/8/layout/process2"/>
-    <dgm:cxn modelId="{041C7343-8BD3-41FE-A851-8E5A22766360}" type="presOf" srcId="{3E518059-FE73-4200-AC2D-BD4E9EB2C847}" destId="{A74C78E4-8832-4C13-934B-AA751647A1C6}" srcOrd="0" destOrd="0" presId="urn:microsoft.com/office/officeart/2005/8/layout/process2"/>
     <dgm:cxn modelId="{35591546-C94C-437D-AFE9-20AAD52156A2}" type="presOf" srcId="{986D7809-AE77-4191-96BF-5F7C3D500DCF}" destId="{CBA859AF-B4D2-4B6C-9BE6-10B45B364C82}" srcOrd="0" destOrd="0" presId="urn:microsoft.com/office/officeart/2005/8/layout/process2"/>
     <dgm:cxn modelId="{6E7B27D3-DA0D-4C4D-8361-F7A50586644E}" type="presOf" srcId="{F826FE68-88FE-4A31-A16F-53B01398E8FA}" destId="{5D7DAF9D-6DD3-4180-A544-BA7A5F0447DD}" srcOrd="0" destOrd="0" presId="urn:microsoft.com/office/officeart/2005/8/layout/process2"/>
+    <dgm:cxn modelId="{041C7343-8BD3-41FE-A851-8E5A22766360}" type="presOf" srcId="{3E518059-FE73-4200-AC2D-BD4E9EB2C847}" destId="{A74C78E4-8832-4C13-934B-AA751647A1C6}" srcOrd="0" destOrd="0" presId="urn:microsoft.com/office/officeart/2005/8/layout/process2"/>
     <dgm:cxn modelId="{A579BADF-3CE3-4A4E-93AA-7EC11E801F63}" type="presOf" srcId="{1F9B8025-7285-46BF-B3DA-7A6D9F5D69D5}" destId="{947C49DA-FE80-4263-859A-2BD214FF0140}" srcOrd="1" destOrd="0" presId="urn:microsoft.com/office/officeart/2005/8/layout/process2"/>
     <dgm:cxn modelId="{BBEFFD94-C69D-4F30-B569-AF74E5E03DBA}" type="presOf" srcId="{66C2ACF5-098D-4D0A-A849-813A142D451E}" destId="{59035E21-6807-4867-98C2-36089ED27B58}" srcOrd="0" destOrd="0" presId="urn:microsoft.com/office/officeart/2005/8/layout/process2"/>
     <dgm:cxn modelId="{80842BCA-6FB9-4C2F-9EA4-24EE19168D6B}" type="presOf" srcId="{9A966981-B7F2-4B9D-8A88-64E67132E007}" destId="{DD84BFB4-0252-4197-A95E-14458D33A13B}" srcOrd="0" destOrd="0" presId="urn:microsoft.com/office/officeart/2005/8/layout/process2"/>
@@ -1595,825 +1599,6 @@
       <dsp:cNvGrpSpPr/>
     </dsp:nvGrpSpPr>
     <dsp:grpSpPr/>
-    <dsp:sp modelId="{517E2B6A-6088-4E38-8C14-9D4C8D8E0C45}">
-      <dsp:nvSpPr>
-        <dsp:cNvPr id="0" name=""/>
-        <dsp:cNvSpPr/>
-      </dsp:nvSpPr>
-      <dsp:spPr>
-        <a:xfrm>
-          <a:off x="1510934" y="1364"/>
-          <a:ext cx="1562011" cy="404404"/>
-        </a:xfrm>
-        <a:prstGeom prst="roundRect">
-          <a:avLst>
-            <a:gd name="adj" fmla="val 10000"/>
-          </a:avLst>
-        </a:prstGeom>
-        <a:solidFill>
-          <a:schemeClr val="accent1">
-            <a:hueOff val="0"/>
-            <a:satOff val="0"/>
-            <a:lumOff val="0"/>
-            <a:alphaOff val="0"/>
-          </a:schemeClr>
-        </a:solidFill>
-        <a:ln w="25400" cap="flat" cmpd="sng" algn="ctr">
-          <a:solidFill>
-            <a:schemeClr val="lt1">
-              <a:hueOff val="0"/>
-              <a:satOff val="0"/>
-              <a:lumOff val="0"/>
-              <a:alphaOff val="0"/>
-            </a:schemeClr>
-          </a:solidFill>
-          <a:prstDash val="solid"/>
-        </a:ln>
-        <a:effectLst/>
-      </dsp:spPr>
-      <dsp:style>
-        <a:lnRef idx="2">
-          <a:scrgbClr r="0" g="0" b="0"/>
-        </a:lnRef>
-        <a:fillRef idx="1">
-          <a:scrgbClr r="0" g="0" b="0"/>
-        </a:fillRef>
-        <a:effectRef idx="0">
-          <a:scrgbClr r="0" g="0" b="0"/>
-        </a:effectRef>
-        <a:fontRef idx="minor">
-          <a:schemeClr val="lt1"/>
-        </a:fontRef>
-      </dsp:style>
-      <dsp:txBody>
-        <a:bodyPr spcFirstLastPara="0" vert="horz" wrap="square" lIns="64770" tIns="64770" rIns="64770" bIns="64770" numCol="1" spcCol="1270" anchor="ctr" anchorCtr="0">
-          <a:noAutofit/>
-        </a:bodyPr>
-        <a:lstStyle/>
-        <a:p>
-          <a:pPr lvl="0" algn="ctr" defTabSz="755650">
-            <a:lnSpc>
-              <a:spcPct val="90000"/>
-            </a:lnSpc>
-            <a:spcBef>
-              <a:spcPct val="0"/>
-            </a:spcBef>
-            <a:spcAft>
-              <a:spcPct val="35000"/>
-            </a:spcAft>
-          </a:pPr>
-          <a:r>
-            <a:rPr lang="en-GB" sz="1700" kern="1200" dirty="0" smtClean="0"/>
-            <a:t>Start</a:t>
-          </a:r>
-          <a:endParaRPr lang="en-US" sz="1700" kern="1200" dirty="0"/>
-        </a:p>
-      </dsp:txBody>
-      <dsp:txXfrm>
-        <a:off x="1522779" y="13209"/>
-        <a:ext cx="1538321" cy="380714"/>
-      </dsp:txXfrm>
-    </dsp:sp>
-    <dsp:sp modelId="{EBD957B8-5044-4437-8E69-192C1B73A0D1}">
-      <dsp:nvSpPr>
-        <dsp:cNvPr id="0" name=""/>
-        <dsp:cNvSpPr/>
-      </dsp:nvSpPr>
-      <dsp:spPr>
-        <a:xfrm rot="5400000">
-          <a:off x="2216114" y="415879"/>
-          <a:ext cx="151651" cy="181981"/>
-        </a:xfrm>
-        <a:prstGeom prst="rightArrow">
-          <a:avLst>
-            <a:gd name="adj1" fmla="val 60000"/>
-            <a:gd name="adj2" fmla="val 50000"/>
-          </a:avLst>
-        </a:prstGeom>
-        <a:solidFill>
-          <a:schemeClr val="accent1">
-            <a:tint val="60000"/>
-            <a:hueOff val="0"/>
-            <a:satOff val="0"/>
-            <a:lumOff val="0"/>
-            <a:alphaOff val="0"/>
-          </a:schemeClr>
-        </a:solidFill>
-        <a:ln>
-          <a:noFill/>
-        </a:ln>
-        <a:effectLst/>
-      </dsp:spPr>
-      <dsp:style>
-        <a:lnRef idx="0">
-          <a:scrgbClr r="0" g="0" b="0"/>
-        </a:lnRef>
-        <a:fillRef idx="1">
-          <a:scrgbClr r="0" g="0" b="0"/>
-        </a:fillRef>
-        <a:effectRef idx="0">
-          <a:scrgbClr r="0" g="0" b="0"/>
-        </a:effectRef>
-        <a:fontRef idx="minor">
-          <a:schemeClr val="lt1"/>
-        </a:fontRef>
-      </dsp:style>
-      <dsp:txBody>
-        <a:bodyPr spcFirstLastPara="0" vert="horz" wrap="square" lIns="0" tIns="0" rIns="0" bIns="0" numCol="1" spcCol="1270" anchor="ctr" anchorCtr="0">
-          <a:noAutofit/>
-        </a:bodyPr>
-        <a:lstStyle/>
-        <a:p>
-          <a:pPr lvl="0" algn="ctr" defTabSz="311150">
-            <a:lnSpc>
-              <a:spcPct val="90000"/>
-            </a:lnSpc>
-            <a:spcBef>
-              <a:spcPct val="0"/>
-            </a:spcBef>
-            <a:spcAft>
-              <a:spcPct val="35000"/>
-            </a:spcAft>
-          </a:pPr>
-          <a:endParaRPr lang="en-US" sz="700" kern="1200"/>
-        </a:p>
-      </dsp:txBody>
-      <dsp:txXfrm rot="-5400000">
-        <a:off x="2237346" y="431044"/>
-        <a:ext cx="109189" cy="106156"/>
-      </dsp:txXfrm>
-    </dsp:sp>
-    <dsp:sp modelId="{394229BB-DC0E-43C1-AE25-86A595FF7AEE}">
-      <dsp:nvSpPr>
-        <dsp:cNvPr id="0" name=""/>
-        <dsp:cNvSpPr/>
-      </dsp:nvSpPr>
-      <dsp:spPr>
-        <a:xfrm>
-          <a:off x="1510934" y="607971"/>
-          <a:ext cx="1562011" cy="404404"/>
-        </a:xfrm>
-        <a:prstGeom prst="roundRect">
-          <a:avLst>
-            <a:gd name="adj" fmla="val 10000"/>
-          </a:avLst>
-        </a:prstGeom>
-        <a:solidFill>
-          <a:schemeClr val="accent1">
-            <a:hueOff val="0"/>
-            <a:satOff val="0"/>
-            <a:lumOff val="0"/>
-            <a:alphaOff val="0"/>
-          </a:schemeClr>
-        </a:solidFill>
-        <a:ln w="25400" cap="flat" cmpd="sng" algn="ctr">
-          <a:solidFill>
-            <a:schemeClr val="lt1">
-              <a:hueOff val="0"/>
-              <a:satOff val="0"/>
-              <a:lumOff val="0"/>
-              <a:alphaOff val="0"/>
-            </a:schemeClr>
-          </a:solidFill>
-          <a:prstDash val="solid"/>
-        </a:ln>
-        <a:effectLst/>
-      </dsp:spPr>
-      <dsp:style>
-        <a:lnRef idx="2">
-          <a:scrgbClr r="0" g="0" b="0"/>
-        </a:lnRef>
-        <a:fillRef idx="1">
-          <a:scrgbClr r="0" g="0" b="0"/>
-        </a:fillRef>
-        <a:effectRef idx="0">
-          <a:scrgbClr r="0" g="0" b="0"/>
-        </a:effectRef>
-        <a:fontRef idx="minor">
-          <a:schemeClr val="lt1"/>
-        </a:fontRef>
-      </dsp:style>
-      <dsp:txBody>
-        <a:bodyPr spcFirstLastPara="0" vert="horz" wrap="square" lIns="64770" tIns="64770" rIns="64770" bIns="64770" numCol="1" spcCol="1270" anchor="ctr" anchorCtr="0">
-          <a:noAutofit/>
-        </a:bodyPr>
-        <a:lstStyle/>
-        <a:p>
-          <a:pPr lvl="0" algn="ctr" defTabSz="755650">
-            <a:lnSpc>
-              <a:spcPct val="90000"/>
-            </a:lnSpc>
-            <a:spcBef>
-              <a:spcPct val="0"/>
-            </a:spcBef>
-            <a:spcAft>
-              <a:spcPct val="35000"/>
-            </a:spcAft>
-          </a:pPr>
-          <a:r>
-            <a:rPr lang="en-GB" sz="1700" kern="1200" dirty="0" smtClean="0"/>
-            <a:t>Do Something</a:t>
-          </a:r>
-          <a:endParaRPr lang="en-US" sz="1700" kern="1200" dirty="0"/>
-        </a:p>
-      </dsp:txBody>
-      <dsp:txXfrm>
-        <a:off x="1522779" y="619816"/>
-        <a:ext cx="1538321" cy="380714"/>
-      </dsp:txXfrm>
-    </dsp:sp>
-    <dsp:sp modelId="{E9CCAF9B-4428-49D5-A531-3E4ED9DD8D36}">
-      <dsp:nvSpPr>
-        <dsp:cNvPr id="0" name=""/>
-        <dsp:cNvSpPr/>
-      </dsp:nvSpPr>
-      <dsp:spPr>
-        <a:xfrm rot="5400000">
-          <a:off x="2216114" y="1022485"/>
-          <a:ext cx="151651" cy="181981"/>
-        </a:xfrm>
-        <a:prstGeom prst="rightArrow">
-          <a:avLst>
-            <a:gd name="adj1" fmla="val 60000"/>
-            <a:gd name="adj2" fmla="val 50000"/>
-          </a:avLst>
-        </a:prstGeom>
-        <a:solidFill>
-          <a:schemeClr val="accent1">
-            <a:tint val="60000"/>
-            <a:hueOff val="0"/>
-            <a:satOff val="0"/>
-            <a:lumOff val="0"/>
-            <a:alphaOff val="0"/>
-          </a:schemeClr>
-        </a:solidFill>
-        <a:ln>
-          <a:noFill/>
-        </a:ln>
-        <a:effectLst/>
-      </dsp:spPr>
-      <dsp:style>
-        <a:lnRef idx="0">
-          <a:scrgbClr r="0" g="0" b="0"/>
-        </a:lnRef>
-        <a:fillRef idx="1">
-          <a:scrgbClr r="0" g="0" b="0"/>
-        </a:fillRef>
-        <a:effectRef idx="0">
-          <a:scrgbClr r="0" g="0" b="0"/>
-        </a:effectRef>
-        <a:fontRef idx="minor">
-          <a:schemeClr val="lt1"/>
-        </a:fontRef>
-      </dsp:style>
-      <dsp:txBody>
-        <a:bodyPr spcFirstLastPara="0" vert="horz" wrap="square" lIns="0" tIns="0" rIns="0" bIns="0" numCol="1" spcCol="1270" anchor="ctr" anchorCtr="0">
-          <a:noAutofit/>
-        </a:bodyPr>
-        <a:lstStyle/>
-        <a:p>
-          <a:pPr lvl="0" algn="ctr" defTabSz="311150">
-            <a:lnSpc>
-              <a:spcPct val="90000"/>
-            </a:lnSpc>
-            <a:spcBef>
-              <a:spcPct val="0"/>
-            </a:spcBef>
-            <a:spcAft>
-              <a:spcPct val="35000"/>
-            </a:spcAft>
-          </a:pPr>
-          <a:endParaRPr lang="en-US" sz="700" kern="1200"/>
-        </a:p>
-      </dsp:txBody>
-      <dsp:txXfrm rot="-5400000">
-        <a:off x="2237346" y="1037650"/>
-        <a:ext cx="109189" cy="106156"/>
-      </dsp:txXfrm>
-    </dsp:sp>
-    <dsp:sp modelId="{A74C78E4-8832-4C13-934B-AA751647A1C6}">
-      <dsp:nvSpPr>
-        <dsp:cNvPr id="0" name=""/>
-        <dsp:cNvSpPr/>
-      </dsp:nvSpPr>
-      <dsp:spPr>
-        <a:xfrm>
-          <a:off x="1510934" y="1214577"/>
-          <a:ext cx="1562011" cy="404404"/>
-        </a:xfrm>
-        <a:prstGeom prst="roundRect">
-          <a:avLst>
-            <a:gd name="adj" fmla="val 10000"/>
-          </a:avLst>
-        </a:prstGeom>
-        <a:solidFill>
-          <a:schemeClr val="accent1">
-            <a:hueOff val="0"/>
-            <a:satOff val="0"/>
-            <a:lumOff val="0"/>
-            <a:alphaOff val="0"/>
-          </a:schemeClr>
-        </a:solidFill>
-        <a:ln w="25400" cap="flat" cmpd="sng" algn="ctr">
-          <a:solidFill>
-            <a:schemeClr val="lt1">
-              <a:hueOff val="0"/>
-              <a:satOff val="0"/>
-              <a:lumOff val="0"/>
-              <a:alphaOff val="0"/>
-            </a:schemeClr>
-          </a:solidFill>
-          <a:prstDash val="solid"/>
-        </a:ln>
-        <a:effectLst/>
-      </dsp:spPr>
-      <dsp:style>
-        <a:lnRef idx="2">
-          <a:scrgbClr r="0" g="0" b="0"/>
-        </a:lnRef>
-        <a:fillRef idx="1">
-          <a:scrgbClr r="0" g="0" b="0"/>
-        </a:fillRef>
-        <a:effectRef idx="0">
-          <a:scrgbClr r="0" g="0" b="0"/>
-        </a:effectRef>
-        <a:fontRef idx="minor">
-          <a:schemeClr val="lt1"/>
-        </a:fontRef>
-      </dsp:style>
-      <dsp:txBody>
-        <a:bodyPr spcFirstLastPara="0" vert="horz" wrap="square" lIns="64770" tIns="64770" rIns="64770" bIns="64770" numCol="1" spcCol="1270" anchor="ctr" anchorCtr="0">
-          <a:noAutofit/>
-        </a:bodyPr>
-        <a:lstStyle/>
-        <a:p>
-          <a:pPr lvl="0" algn="ctr" defTabSz="755650">
-            <a:lnSpc>
-              <a:spcPct val="90000"/>
-            </a:lnSpc>
-            <a:spcBef>
-              <a:spcPct val="0"/>
-            </a:spcBef>
-            <a:spcAft>
-              <a:spcPct val="35000"/>
-            </a:spcAft>
-          </a:pPr>
-          <a:r>
-            <a:rPr lang="en-GB" sz="1700" kern="1200" dirty="0" smtClean="0"/>
-            <a:t>Do Something</a:t>
-          </a:r>
-          <a:endParaRPr lang="en-US" sz="1700" kern="1200" dirty="0"/>
-        </a:p>
-      </dsp:txBody>
-      <dsp:txXfrm>
-        <a:off x="1522779" y="1226422"/>
-        <a:ext cx="1538321" cy="380714"/>
-      </dsp:txXfrm>
-    </dsp:sp>
-    <dsp:sp modelId="{5D7DAF9D-6DD3-4180-A544-BA7A5F0447DD}">
-      <dsp:nvSpPr>
-        <dsp:cNvPr id="0" name=""/>
-        <dsp:cNvSpPr/>
-      </dsp:nvSpPr>
-      <dsp:spPr>
-        <a:xfrm rot="5400000">
-          <a:off x="2216114" y="1629091"/>
-          <a:ext cx="151651" cy="181981"/>
-        </a:xfrm>
-        <a:prstGeom prst="rightArrow">
-          <a:avLst>
-            <a:gd name="adj1" fmla="val 60000"/>
-            <a:gd name="adj2" fmla="val 50000"/>
-          </a:avLst>
-        </a:prstGeom>
-        <a:solidFill>
-          <a:schemeClr val="accent1">
-            <a:tint val="60000"/>
-            <a:hueOff val="0"/>
-            <a:satOff val="0"/>
-            <a:lumOff val="0"/>
-            <a:alphaOff val="0"/>
-          </a:schemeClr>
-        </a:solidFill>
-        <a:ln>
-          <a:noFill/>
-        </a:ln>
-        <a:effectLst/>
-      </dsp:spPr>
-      <dsp:style>
-        <a:lnRef idx="0">
-          <a:scrgbClr r="0" g="0" b="0"/>
-        </a:lnRef>
-        <a:fillRef idx="1">
-          <a:scrgbClr r="0" g="0" b="0"/>
-        </a:fillRef>
-        <a:effectRef idx="0">
-          <a:scrgbClr r="0" g="0" b="0"/>
-        </a:effectRef>
-        <a:fontRef idx="minor">
-          <a:schemeClr val="lt1"/>
-        </a:fontRef>
-      </dsp:style>
-      <dsp:txBody>
-        <a:bodyPr spcFirstLastPara="0" vert="horz" wrap="square" lIns="0" tIns="0" rIns="0" bIns="0" numCol="1" spcCol="1270" anchor="ctr" anchorCtr="0">
-          <a:noAutofit/>
-        </a:bodyPr>
-        <a:lstStyle/>
-        <a:p>
-          <a:pPr lvl="0" algn="ctr" defTabSz="311150">
-            <a:lnSpc>
-              <a:spcPct val="90000"/>
-            </a:lnSpc>
-            <a:spcBef>
-              <a:spcPct val="0"/>
-            </a:spcBef>
-            <a:spcAft>
-              <a:spcPct val="35000"/>
-            </a:spcAft>
-          </a:pPr>
-          <a:endParaRPr lang="en-US" sz="700" kern="1200"/>
-        </a:p>
-      </dsp:txBody>
-      <dsp:txXfrm rot="-5400000">
-        <a:off x="2237346" y="1644256"/>
-        <a:ext cx="109189" cy="106156"/>
-      </dsp:txXfrm>
-    </dsp:sp>
-    <dsp:sp modelId="{ADB7B8A9-F6E1-4FED-A7A6-24EC1EFB1EAB}">
-      <dsp:nvSpPr>
-        <dsp:cNvPr id="0" name=""/>
-        <dsp:cNvSpPr/>
-      </dsp:nvSpPr>
-      <dsp:spPr>
-        <a:xfrm>
-          <a:off x="1510934" y="1821183"/>
-          <a:ext cx="1562011" cy="404404"/>
-        </a:xfrm>
-        <a:prstGeom prst="roundRect">
-          <a:avLst>
-            <a:gd name="adj" fmla="val 10000"/>
-          </a:avLst>
-        </a:prstGeom>
-        <a:solidFill>
-          <a:schemeClr val="accent1">
-            <a:hueOff val="0"/>
-            <a:satOff val="0"/>
-            <a:lumOff val="0"/>
-            <a:alphaOff val="0"/>
-          </a:schemeClr>
-        </a:solidFill>
-        <a:ln w="25400" cap="flat" cmpd="sng" algn="ctr">
-          <a:solidFill>
-            <a:schemeClr val="lt1">
-              <a:hueOff val="0"/>
-              <a:satOff val="0"/>
-              <a:lumOff val="0"/>
-              <a:alphaOff val="0"/>
-            </a:schemeClr>
-          </a:solidFill>
-          <a:prstDash val="solid"/>
-        </a:ln>
-        <a:effectLst/>
-      </dsp:spPr>
-      <dsp:style>
-        <a:lnRef idx="2">
-          <a:scrgbClr r="0" g="0" b="0"/>
-        </a:lnRef>
-        <a:fillRef idx="1">
-          <a:scrgbClr r="0" g="0" b="0"/>
-        </a:fillRef>
-        <a:effectRef idx="0">
-          <a:scrgbClr r="0" g="0" b="0"/>
-        </a:effectRef>
-        <a:fontRef idx="minor">
-          <a:schemeClr val="lt1"/>
-        </a:fontRef>
-      </dsp:style>
-      <dsp:txBody>
-        <a:bodyPr spcFirstLastPara="0" vert="horz" wrap="square" lIns="64770" tIns="64770" rIns="64770" bIns="64770" numCol="1" spcCol="1270" anchor="ctr" anchorCtr="0">
-          <a:noAutofit/>
-        </a:bodyPr>
-        <a:lstStyle/>
-        <a:p>
-          <a:pPr lvl="0" algn="ctr" defTabSz="755650">
-            <a:lnSpc>
-              <a:spcPct val="90000"/>
-            </a:lnSpc>
-            <a:spcBef>
-              <a:spcPct val="0"/>
-            </a:spcBef>
-            <a:spcAft>
-              <a:spcPct val="35000"/>
-            </a:spcAft>
-          </a:pPr>
-          <a:r>
-            <a:rPr lang="en-GB" sz="1700" kern="1200" dirty="0" smtClean="0"/>
-            <a:t>Do Something</a:t>
-          </a:r>
-          <a:endParaRPr lang="en-US" sz="1700" kern="1200" dirty="0"/>
-        </a:p>
-      </dsp:txBody>
-      <dsp:txXfrm>
-        <a:off x="1522779" y="1833028"/>
-        <a:ext cx="1538321" cy="380714"/>
-      </dsp:txXfrm>
-    </dsp:sp>
-    <dsp:sp modelId="{7E8A4308-E336-4422-BC13-C1C779D43AAF}">
-      <dsp:nvSpPr>
-        <dsp:cNvPr id="0" name=""/>
-        <dsp:cNvSpPr/>
-      </dsp:nvSpPr>
-      <dsp:spPr>
-        <a:xfrm rot="5400000">
-          <a:off x="2216114" y="2235697"/>
-          <a:ext cx="151651" cy="181981"/>
-        </a:xfrm>
-        <a:prstGeom prst="rightArrow">
-          <a:avLst>
-            <a:gd name="adj1" fmla="val 60000"/>
-            <a:gd name="adj2" fmla="val 50000"/>
-          </a:avLst>
-        </a:prstGeom>
-        <a:solidFill>
-          <a:schemeClr val="accent1">
-            <a:tint val="60000"/>
-            <a:hueOff val="0"/>
-            <a:satOff val="0"/>
-            <a:lumOff val="0"/>
-            <a:alphaOff val="0"/>
-          </a:schemeClr>
-        </a:solidFill>
-        <a:ln>
-          <a:noFill/>
-        </a:ln>
-        <a:effectLst/>
-      </dsp:spPr>
-      <dsp:style>
-        <a:lnRef idx="0">
-          <a:scrgbClr r="0" g="0" b="0"/>
-        </a:lnRef>
-        <a:fillRef idx="1">
-          <a:scrgbClr r="0" g="0" b="0"/>
-        </a:fillRef>
-        <a:effectRef idx="0">
-          <a:scrgbClr r="0" g="0" b="0"/>
-        </a:effectRef>
-        <a:fontRef idx="minor">
-          <a:schemeClr val="lt1"/>
-        </a:fontRef>
-      </dsp:style>
-      <dsp:txBody>
-        <a:bodyPr spcFirstLastPara="0" vert="horz" wrap="square" lIns="0" tIns="0" rIns="0" bIns="0" numCol="1" spcCol="1270" anchor="ctr" anchorCtr="0">
-          <a:noAutofit/>
-        </a:bodyPr>
-        <a:lstStyle/>
-        <a:p>
-          <a:pPr lvl="0" algn="ctr" defTabSz="311150">
-            <a:lnSpc>
-              <a:spcPct val="90000"/>
-            </a:lnSpc>
-            <a:spcBef>
-              <a:spcPct val="0"/>
-            </a:spcBef>
-            <a:spcAft>
-              <a:spcPct val="35000"/>
-            </a:spcAft>
-          </a:pPr>
-          <a:endParaRPr lang="en-US" sz="700" kern="1200"/>
-        </a:p>
-      </dsp:txBody>
-      <dsp:txXfrm rot="-5400000">
-        <a:off x="2237346" y="2250862"/>
-        <a:ext cx="109189" cy="106156"/>
-      </dsp:txXfrm>
-    </dsp:sp>
-    <dsp:sp modelId="{DD84BFB4-0252-4197-A95E-14458D33A13B}">
-      <dsp:nvSpPr>
-        <dsp:cNvPr id="0" name=""/>
-        <dsp:cNvSpPr/>
-      </dsp:nvSpPr>
-      <dsp:spPr>
-        <a:xfrm>
-          <a:off x="1510934" y="2427789"/>
-          <a:ext cx="1562011" cy="404404"/>
-        </a:xfrm>
-        <a:prstGeom prst="roundRect">
-          <a:avLst>
-            <a:gd name="adj" fmla="val 10000"/>
-          </a:avLst>
-        </a:prstGeom>
-        <a:solidFill>
-          <a:schemeClr val="accent1">
-            <a:hueOff val="0"/>
-            <a:satOff val="0"/>
-            <a:lumOff val="0"/>
-            <a:alphaOff val="0"/>
-          </a:schemeClr>
-        </a:solidFill>
-        <a:ln w="25400" cap="flat" cmpd="sng" algn="ctr">
-          <a:solidFill>
-            <a:schemeClr val="lt1">
-              <a:hueOff val="0"/>
-              <a:satOff val="0"/>
-              <a:lumOff val="0"/>
-              <a:alphaOff val="0"/>
-            </a:schemeClr>
-          </a:solidFill>
-          <a:prstDash val="solid"/>
-        </a:ln>
-        <a:effectLst/>
-      </dsp:spPr>
-      <dsp:style>
-        <a:lnRef idx="2">
-          <a:scrgbClr r="0" g="0" b="0"/>
-        </a:lnRef>
-        <a:fillRef idx="1">
-          <a:scrgbClr r="0" g="0" b="0"/>
-        </a:fillRef>
-        <a:effectRef idx="0">
-          <a:scrgbClr r="0" g="0" b="0"/>
-        </a:effectRef>
-        <a:fontRef idx="minor">
-          <a:schemeClr val="lt1"/>
-        </a:fontRef>
-      </dsp:style>
-      <dsp:txBody>
-        <a:bodyPr spcFirstLastPara="0" vert="horz" wrap="square" lIns="64770" tIns="64770" rIns="64770" bIns="64770" numCol="1" spcCol="1270" anchor="ctr" anchorCtr="0">
-          <a:noAutofit/>
-        </a:bodyPr>
-        <a:lstStyle/>
-        <a:p>
-          <a:pPr lvl="0" algn="ctr" defTabSz="755650">
-            <a:lnSpc>
-              <a:spcPct val="90000"/>
-            </a:lnSpc>
-            <a:spcBef>
-              <a:spcPct val="0"/>
-            </a:spcBef>
-            <a:spcAft>
-              <a:spcPct val="35000"/>
-            </a:spcAft>
-          </a:pPr>
-          <a:r>
-            <a:rPr lang="en-GB" sz="1700" kern="1200" dirty="0" smtClean="0"/>
-            <a:t>Do Something</a:t>
-          </a:r>
-          <a:endParaRPr lang="en-US" sz="1700" kern="1200" dirty="0"/>
-        </a:p>
-      </dsp:txBody>
-      <dsp:txXfrm>
-        <a:off x="1522779" y="2439634"/>
-        <a:ext cx="1538321" cy="380714"/>
-      </dsp:txXfrm>
-    </dsp:sp>
-    <dsp:sp modelId="{CBA859AF-B4D2-4B6C-9BE6-10B45B364C82}">
-      <dsp:nvSpPr>
-        <dsp:cNvPr id="0" name=""/>
-        <dsp:cNvSpPr/>
-      </dsp:nvSpPr>
-      <dsp:spPr>
-        <a:xfrm rot="5400000">
-          <a:off x="2216114" y="2842304"/>
-          <a:ext cx="151651" cy="181981"/>
-        </a:xfrm>
-        <a:prstGeom prst="rightArrow">
-          <a:avLst>
-            <a:gd name="adj1" fmla="val 60000"/>
-            <a:gd name="adj2" fmla="val 50000"/>
-          </a:avLst>
-        </a:prstGeom>
-        <a:solidFill>
-          <a:schemeClr val="accent1">
-            <a:tint val="60000"/>
-            <a:hueOff val="0"/>
-            <a:satOff val="0"/>
-            <a:lumOff val="0"/>
-            <a:alphaOff val="0"/>
-          </a:schemeClr>
-        </a:solidFill>
-        <a:ln>
-          <a:noFill/>
-        </a:ln>
-        <a:effectLst/>
-      </dsp:spPr>
-      <dsp:style>
-        <a:lnRef idx="0">
-          <a:scrgbClr r="0" g="0" b="0"/>
-        </a:lnRef>
-        <a:fillRef idx="1">
-          <a:scrgbClr r="0" g="0" b="0"/>
-        </a:fillRef>
-        <a:effectRef idx="0">
-          <a:scrgbClr r="0" g="0" b="0"/>
-        </a:effectRef>
-        <a:fontRef idx="minor">
-          <a:schemeClr val="lt1"/>
-        </a:fontRef>
-      </dsp:style>
-      <dsp:txBody>
-        <a:bodyPr spcFirstLastPara="0" vert="horz" wrap="square" lIns="0" tIns="0" rIns="0" bIns="0" numCol="1" spcCol="1270" anchor="ctr" anchorCtr="0">
-          <a:noAutofit/>
-        </a:bodyPr>
-        <a:lstStyle/>
-        <a:p>
-          <a:pPr lvl="0" algn="ctr" defTabSz="311150">
-            <a:lnSpc>
-              <a:spcPct val="90000"/>
-            </a:lnSpc>
-            <a:spcBef>
-              <a:spcPct val="0"/>
-            </a:spcBef>
-            <a:spcAft>
-              <a:spcPct val="35000"/>
-            </a:spcAft>
-          </a:pPr>
-          <a:endParaRPr lang="en-US" sz="700" kern="1200"/>
-        </a:p>
-      </dsp:txBody>
-      <dsp:txXfrm rot="-5400000">
-        <a:off x="2237346" y="2857469"/>
-        <a:ext cx="109189" cy="106156"/>
-      </dsp:txXfrm>
-    </dsp:sp>
-    <dsp:sp modelId="{59035E21-6807-4867-98C2-36089ED27B58}">
-      <dsp:nvSpPr>
-        <dsp:cNvPr id="0" name=""/>
-        <dsp:cNvSpPr/>
-      </dsp:nvSpPr>
-      <dsp:spPr>
-        <a:xfrm>
-          <a:off x="1510934" y="3034396"/>
-          <a:ext cx="1562011" cy="404404"/>
-        </a:xfrm>
-        <a:prstGeom prst="roundRect">
-          <a:avLst>
-            <a:gd name="adj" fmla="val 10000"/>
-          </a:avLst>
-        </a:prstGeom>
-        <a:solidFill>
-          <a:schemeClr val="accent1">
-            <a:hueOff val="0"/>
-            <a:satOff val="0"/>
-            <a:lumOff val="0"/>
-            <a:alphaOff val="0"/>
-          </a:schemeClr>
-        </a:solidFill>
-        <a:ln w="25400" cap="flat" cmpd="sng" algn="ctr">
-          <a:solidFill>
-            <a:schemeClr val="lt1">
-              <a:hueOff val="0"/>
-              <a:satOff val="0"/>
-              <a:lumOff val="0"/>
-              <a:alphaOff val="0"/>
-            </a:schemeClr>
-          </a:solidFill>
-          <a:prstDash val="solid"/>
-        </a:ln>
-        <a:effectLst/>
-      </dsp:spPr>
-      <dsp:style>
-        <a:lnRef idx="2">
-          <a:scrgbClr r="0" g="0" b="0"/>
-        </a:lnRef>
-        <a:fillRef idx="1">
-          <a:scrgbClr r="0" g="0" b="0"/>
-        </a:fillRef>
-        <a:effectRef idx="0">
-          <a:scrgbClr r="0" g="0" b="0"/>
-        </a:effectRef>
-        <a:fontRef idx="minor">
-          <a:schemeClr val="lt1"/>
-        </a:fontRef>
-      </dsp:style>
-      <dsp:txBody>
-        <a:bodyPr spcFirstLastPara="0" vert="horz" wrap="square" lIns="64770" tIns="64770" rIns="64770" bIns="64770" numCol="1" spcCol="1270" anchor="ctr" anchorCtr="0">
-          <a:noAutofit/>
-        </a:bodyPr>
-        <a:lstStyle/>
-        <a:p>
-          <a:pPr lvl="0" algn="ctr" defTabSz="755650">
-            <a:lnSpc>
-              <a:spcPct val="90000"/>
-            </a:lnSpc>
-            <a:spcBef>
-              <a:spcPct val="0"/>
-            </a:spcBef>
-            <a:spcAft>
-              <a:spcPct val="35000"/>
-            </a:spcAft>
-          </a:pPr>
-          <a:r>
-            <a:rPr lang="en-GB" sz="1700" kern="1200" dirty="0" smtClean="0"/>
-            <a:t>Finish</a:t>
-          </a:r>
-          <a:endParaRPr lang="en-US" sz="1700" kern="1200" dirty="0"/>
-        </a:p>
-      </dsp:txBody>
-      <dsp:txXfrm>
-        <a:off x="1522779" y="3046241"/>
-        <a:ext cx="1538321" cy="380714"/>
-      </dsp:txXfrm>
-    </dsp:sp>
   </dsp:spTree>
 </dsp:drawing>
 </file>
@@ -3683,7 +2868,7 @@
           <a:p>
             <a:fld id="{71E97B14-EBBC-4D63-9452-80CC20F4551D}" type="datetimeFigureOut">
               <a:rPr lang="en-GB" smtClean="0"/>
-              <a:t>20/01/2016</a:t>
+              <a:t>21/01/2016</a:t>
             </a:fld>
             <a:endParaRPr lang="en-GB" dirty="0"/>
           </a:p>
@@ -9659,9 +8844,60 @@
         </p:nvSpPr>
         <p:spPr/>
         <p:txBody>
-          <a:bodyPr/>
+          <a:bodyPr>
+            <a:normAutofit fontScale="92500" lnSpcReduction="10000"/>
+          </a:bodyPr>
           <a:lstStyle/>
           <a:p>
+            <a:r>
+              <a:rPr lang="en-US" dirty="0" smtClean="0"/>
+              <a:t>What happens when our application encounters an error?</a:t>
+            </a:r>
+          </a:p>
+          <a:p>
+            <a:r>
+              <a:rPr lang="en-US" dirty="0" smtClean="0"/>
+              <a:t>What can we do to prevent our application crashing?</a:t>
+            </a:r>
+          </a:p>
+          <a:p>
+            <a:r>
+              <a:rPr lang="en-US" dirty="0" smtClean="0"/>
+              <a:t>try…except…finally</a:t>
+            </a:r>
+          </a:p>
+          <a:p>
+            <a:pPr lvl="1"/>
+            <a:r>
+              <a:rPr lang="en-US" dirty="0" smtClean="0"/>
+              <a:t>try block tells the interpreter that the following code may cause an error</a:t>
+            </a:r>
+          </a:p>
+          <a:p>
+            <a:pPr lvl="1"/>
+            <a:r>
+              <a:rPr lang="en-US" dirty="0" smtClean="0"/>
+              <a:t>except blocks tell th</a:t>
+            </a:r>
+            <a:r>
+              <a:rPr lang="en-US" dirty="0" smtClean="0"/>
+              <a:t>e interpreter what kind of errors should be expected and what to do when they occur. This is called ‘catching’ the exception.</a:t>
+            </a:r>
+          </a:p>
+          <a:p>
+            <a:pPr lvl="1"/>
+            <a:r>
+              <a:rPr lang="en-US" dirty="0" smtClean="0"/>
+              <a:t>finally block tells the interpreter what to do next, </a:t>
+            </a:r>
+            <a:r>
+              <a:rPr lang="en-US" i="1" dirty="0" smtClean="0"/>
+              <a:t>whether or not an error occurred</a:t>
+            </a:r>
+            <a:r>
+              <a:rPr lang="en-US" dirty="0" smtClean="0"/>
+              <a:t>.</a:t>
+            </a:r>
             <a:endParaRPr lang="en-US" dirty="0"/>
           </a:p>
         </p:txBody>
@@ -9681,7 +8917,11 @@
           <a:bodyPr/>
           <a:lstStyle/>
           <a:p>
-            <a:endParaRPr lang="en-US"/>
+            <a:r>
+              <a:rPr lang="en-US" dirty="0" smtClean="0"/>
+              <a:t>Error Handling</a:t>
+            </a:r>
+            <a:endParaRPr lang="en-US" dirty="0"/>
           </a:p>
         </p:txBody>
       </p:sp>
@@ -9732,6 +8972,169 @@
       </p:grpSpPr>
       <p:sp>
         <p:nvSpPr>
+          <p:cNvPr id="3" name="Title 2"/>
+          <p:cNvSpPr>
+            <a:spLocks noGrp="1"/>
+          </p:cNvSpPr>
+          <p:nvPr>
+            <p:ph type="title"/>
+          </p:nvPr>
+        </p:nvSpPr>
+        <p:spPr/>
+        <p:txBody>
+          <a:bodyPr/>
+          <a:lstStyle/>
+          <a:p>
+            <a:r>
+              <a:rPr lang="en-US" dirty="0" smtClean="0"/>
+              <a:t>Error Handling: Example</a:t>
+            </a:r>
+            <a:endParaRPr lang="en-US" dirty="0"/>
+          </a:p>
+        </p:txBody>
+      </p:sp>
+      <p:sp>
+        <p:nvSpPr>
+          <p:cNvPr id="5" name="Rectangle 4"/>
+          <p:cNvSpPr/>
+          <p:nvPr/>
+        </p:nvSpPr>
+        <p:spPr>
+          <a:xfrm>
+            <a:off x="3143672" y="1415673"/>
+            <a:ext cx="5472608" cy="461665"/>
+          </a:xfrm>
+          <a:prstGeom prst="rect">
+            <a:avLst/>
+          </a:prstGeom>
+          <a:solidFill>
+            <a:schemeClr val="bg1"/>
+          </a:solidFill>
+          <a:ln w="28575">
+            <a:solidFill>
+              <a:srgbClr val="008000"/>
+            </a:solidFill>
+          </a:ln>
+          <a:effectLst>
+            <a:outerShdw blurRad="50800" dist="38100" dir="2700000" algn="tl" rotWithShape="0">
+              <a:prstClr val="black">
+                <a:alpha val="40000"/>
+              </a:prstClr>
+            </a:outerShdw>
+          </a:effectLst>
+        </p:spPr>
+        <p:txBody>
+          <a:bodyPr wrap="square">
+            <a:spAutoFit/>
+          </a:bodyPr>
+          <a:lstStyle/>
+          <a:p>
+            <a:r>
+              <a:rPr lang="en-US" sz="1200" dirty="0" smtClean="0">
+                <a:solidFill>
+                  <a:srgbClr val="008000"/>
+                </a:solidFill>
+                <a:highlight>
+                  <a:srgbClr val="FFFFFF"/>
+                </a:highlight>
+                <a:latin typeface="Courier New" panose="02070309020205020404" pitchFamily="49" charset="0"/>
+              </a:rPr>
+              <a:t>#!/</a:t>
+            </a:r>
+            <a:r>
+              <a:rPr lang="en-US" sz="1200" dirty="0" err="1" smtClean="0">
+                <a:solidFill>
+                  <a:srgbClr val="008000"/>
+                </a:solidFill>
+                <a:highlight>
+                  <a:srgbClr val="FFFFFF"/>
+                </a:highlight>
+                <a:latin typeface="Courier New" panose="02070309020205020404" pitchFamily="49" charset="0"/>
+              </a:rPr>
+              <a:t>usr</a:t>
+            </a:r>
+            <a:r>
+              <a:rPr lang="en-US" sz="1200" dirty="0" smtClean="0">
+                <a:solidFill>
+                  <a:srgbClr val="008000"/>
+                </a:solidFill>
+                <a:highlight>
+                  <a:srgbClr val="FFFFFF"/>
+                </a:highlight>
+                <a:latin typeface="Courier New" panose="02070309020205020404" pitchFamily="49" charset="0"/>
+              </a:rPr>
+              <a:t>/bin/python</a:t>
+            </a:r>
+            <a:endParaRPr lang="en-US" sz="1200" dirty="0" smtClean="0">
+              <a:solidFill>
+                <a:srgbClr val="000000"/>
+              </a:solidFill>
+              <a:highlight>
+                <a:srgbClr val="FFFFFF"/>
+              </a:highlight>
+              <a:latin typeface="Courier New" panose="02070309020205020404" pitchFamily="49" charset="0"/>
+            </a:endParaRPr>
+          </a:p>
+          <a:p>
+            <a:endParaRPr lang="en-US" sz="1200" dirty="0" smtClean="0">
+              <a:solidFill>
+                <a:srgbClr val="000000"/>
+              </a:solidFill>
+              <a:highlight>
+                <a:srgbClr val="FFFFFF"/>
+              </a:highlight>
+              <a:latin typeface="Courier New" panose="02070309020205020404" pitchFamily="49" charset="0"/>
+            </a:endParaRPr>
+          </a:p>
+        </p:txBody>
+      </p:sp>
+    </p:spTree>
+    <p:extLst>
+      <p:ext uri="{BB962C8B-B14F-4D97-AF65-F5344CB8AC3E}">
+        <p14:creationId xmlns:p14="http://schemas.microsoft.com/office/powerpoint/2010/main" val="2774228623"/>
+      </p:ext>
+    </p:extLst>
+  </p:cSld>
+  <p:clrMapOvr>
+    <a:masterClrMapping/>
+  </p:clrMapOvr>
+  <p:timing>
+    <p:tnLst>
+      <p:par>
+        <p:cTn id="1" dur="indefinite" restart="never" nodeType="tmRoot"/>
+      </p:par>
+    </p:tnLst>
+  </p:timing>
+</p:sld>
+</file>
+
+<file path=ppt/slides/slide108.xml><?xml version="1.0" encoding="utf-8"?>
+<p:sld xmlns:a="http://schemas.openxmlformats.org/drawingml/2006/main" xmlns:r="http://schemas.openxmlformats.org/officeDocument/2006/relationships" xmlns:p="http://schemas.openxmlformats.org/presentationml/2006/main">
+  <p:cSld>
+    <p:bg>
+      <p:bgPr>
+        <a:solidFill>
+          <a:schemeClr val="bg1"/>
+        </a:solidFill>
+        <a:effectLst/>
+      </p:bgPr>
+    </p:bg>
+    <p:spTree>
+      <p:nvGrpSpPr>
+        <p:cNvPr id="1" name=""/>
+        <p:cNvGrpSpPr/>
+        <p:nvPr/>
+      </p:nvGrpSpPr>
+      <p:grpSpPr>
+        <a:xfrm>
+          <a:off x="0" y="0"/>
+          <a:ext cx="0" cy="0"/>
+          <a:chOff x="0" y="0"/>
+          <a:chExt cx="0" cy="0"/>
+        </a:xfrm>
+      </p:grpSpPr>
+      <p:sp>
+        <p:nvSpPr>
           <p:cNvPr id="4" name="Content Placeholder 3"/>
           <p:cNvSpPr>
             <a:spLocks noGrp="1"/>
@@ -9771,7 +9174,90 @@
     </p:spTree>
     <p:extLst>
       <p:ext uri="{BB962C8B-B14F-4D97-AF65-F5344CB8AC3E}">
-        <p14:creationId xmlns:p14="http://schemas.microsoft.com/office/powerpoint/2010/main" val="2774228623"/>
+        <p14:creationId xmlns:p14="http://schemas.microsoft.com/office/powerpoint/2010/main" val="4107860098"/>
+      </p:ext>
+    </p:extLst>
+  </p:cSld>
+  <p:clrMapOvr>
+    <a:masterClrMapping/>
+  </p:clrMapOvr>
+  <p:timing>
+    <p:tnLst>
+      <p:par>
+        <p:cTn id="1" dur="indefinite" restart="never" nodeType="tmRoot"/>
+      </p:par>
+    </p:tnLst>
+  </p:timing>
+</p:sld>
+</file>
+
+<file path=ppt/slides/slide109.xml><?xml version="1.0" encoding="utf-8"?>
+<p:sld xmlns:a="http://schemas.openxmlformats.org/drawingml/2006/main" xmlns:r="http://schemas.openxmlformats.org/officeDocument/2006/relationships" xmlns:p="http://schemas.openxmlformats.org/presentationml/2006/main">
+  <p:cSld>
+    <p:bg>
+      <p:bgPr>
+        <a:solidFill>
+          <a:schemeClr val="bg1"/>
+        </a:solidFill>
+        <a:effectLst/>
+      </p:bgPr>
+    </p:bg>
+    <p:spTree>
+      <p:nvGrpSpPr>
+        <p:cNvPr id="1" name=""/>
+        <p:cNvGrpSpPr/>
+        <p:nvPr/>
+      </p:nvGrpSpPr>
+      <p:grpSpPr>
+        <a:xfrm>
+          <a:off x="0" y="0"/>
+          <a:ext cx="0" cy="0"/>
+          <a:chOff x="0" y="0"/>
+          <a:chExt cx="0" cy="0"/>
+        </a:xfrm>
+      </p:grpSpPr>
+      <p:sp>
+        <p:nvSpPr>
+          <p:cNvPr id="4" name="Content Placeholder 3"/>
+          <p:cNvSpPr>
+            <a:spLocks noGrp="1"/>
+          </p:cNvSpPr>
+          <p:nvPr>
+            <p:ph idx="1"/>
+          </p:nvPr>
+        </p:nvSpPr>
+        <p:spPr/>
+        <p:txBody>
+          <a:bodyPr/>
+          <a:lstStyle/>
+          <a:p>
+            <a:endParaRPr lang="en-US" dirty="0"/>
+          </a:p>
+        </p:txBody>
+      </p:sp>
+      <p:sp>
+        <p:nvSpPr>
+          <p:cNvPr id="3" name="Title 2"/>
+          <p:cNvSpPr>
+            <a:spLocks noGrp="1"/>
+          </p:cNvSpPr>
+          <p:nvPr>
+            <p:ph type="title"/>
+          </p:nvPr>
+        </p:nvSpPr>
+        <p:spPr/>
+        <p:txBody>
+          <a:bodyPr/>
+          <a:lstStyle/>
+          <a:p>
+            <a:endParaRPr lang="en-US"/>
+          </a:p>
+        </p:txBody>
+      </p:sp>
+    </p:spTree>
+    <p:extLst>
+      <p:ext uri="{BB962C8B-B14F-4D97-AF65-F5344CB8AC3E}">
+        <p14:creationId xmlns:p14="http://schemas.microsoft.com/office/powerpoint/2010/main" val="1171126260"/>
       </p:ext>
     </p:extLst>
   </p:cSld>

--- a/Programming Foundations.pptx
+++ b/Programming Foundations.pptx
@@ -5,7 +5,7 @@
     <p:sldMasterId id="2147483648" r:id="rId1"/>
   </p:sldMasterIdLst>
   <p:notesMasterIdLst>
-    <p:notesMasterId r:id="rId111"/>
+    <p:notesMasterId r:id="rId118"/>
   </p:notesMasterIdLst>
   <p:sldIdLst>
     <p:sldId id="351" r:id="rId2"/>
@@ -116,7 +116,14 @@
     <p:sldId id="348" r:id="rId107"/>
     <p:sldId id="349" r:id="rId108"/>
     <p:sldId id="409" r:id="rId109"/>
-    <p:sldId id="410" r:id="rId110"/>
+    <p:sldId id="412" r:id="rId110"/>
+    <p:sldId id="410" r:id="rId111"/>
+    <p:sldId id="413" r:id="rId112"/>
+    <p:sldId id="414" r:id="rId113"/>
+    <p:sldId id="415" r:id="rId114"/>
+    <p:sldId id="417" r:id="rId115"/>
+    <p:sldId id="416" r:id="rId116"/>
+    <p:sldId id="411" r:id="rId117"/>
   </p:sldIdLst>
   <p:sldSz cx="12192000" cy="6858000"/>
   <p:notesSz cx="6858000" cy="9144000"/>
@@ -332,7 +339,14 @@
             <p14:sldId id="348"/>
             <p14:sldId id="349"/>
             <p14:sldId id="409"/>
+            <p14:sldId id="412"/>
             <p14:sldId id="410"/>
+            <p14:sldId id="413"/>
+            <p14:sldId id="414"/>
+            <p14:sldId id="415"/>
+            <p14:sldId id="417"/>
+            <p14:sldId id="416"/>
+            <p14:sldId id="411"/>
           </p14:sldIdLst>
         </p14:section>
       </p14:sectionLst>
@@ -9145,9 +9159,65 @@
         </p:nvSpPr>
         <p:spPr/>
         <p:txBody>
-          <a:bodyPr/>
+          <a:bodyPr>
+            <a:normAutofit lnSpcReduction="10000"/>
+          </a:bodyPr>
           <a:lstStyle/>
           <a:p>
+            <a:r>
+              <a:rPr lang="en-US" dirty="0" smtClean="0"/>
+              <a:t>What is a thread?</a:t>
+            </a:r>
+            <a:endParaRPr lang="en-US" dirty="0" smtClean="0"/>
+          </a:p>
+          <a:p>
+            <a:pPr lvl="1"/>
+            <a:r>
+              <a:rPr lang="en-US" dirty="0" smtClean="0"/>
+              <a:t>“…an activity that is run in a separate thread of control.”</a:t>
+            </a:r>
+          </a:p>
+          <a:p>
+            <a:pPr lvl="1"/>
+            <a:r>
+              <a:rPr lang="en-US" dirty="0" smtClean="0"/>
+              <a:t>Every Python program has a “main thread” or initial thread of control</a:t>
+            </a:r>
+          </a:p>
+          <a:p>
+            <a:pPr lvl="1"/>
+            <a:r>
+              <a:rPr lang="en-US" dirty="0" smtClean="0"/>
+              <a:t>Once started, a thread continues until its run() method terminates</a:t>
+            </a:r>
+          </a:p>
+          <a:p>
+            <a:pPr lvl="2"/>
+            <a:r>
+              <a:rPr lang="en-US" dirty="0" smtClean="0"/>
+              <a:t>Either normally or via unhandled exception</a:t>
+            </a:r>
+          </a:p>
+          <a:p>
+            <a:pPr lvl="1"/>
+            <a:r>
+              <a:rPr lang="en-US" dirty="0" smtClean="0"/>
+              <a:t>Threads can block other threads</a:t>
+            </a:r>
+          </a:p>
+          <a:p>
+            <a:pPr lvl="1"/>
+            <a:r>
+              <a:rPr lang="en-US" dirty="0" smtClean="0"/>
+              <a:t>Threads can signal other threads</a:t>
+            </a:r>
+          </a:p>
+          <a:p>
+            <a:pPr lvl="1"/>
+            <a:r>
+              <a:rPr lang="en-US" dirty="0" smtClean="0"/>
+              <a:t>Threads can be interrogated to see if they’re running</a:t>
+            </a:r>
             <a:endParaRPr lang="en-US" dirty="0"/>
           </a:p>
         </p:txBody>
@@ -9167,7 +9237,11 @@
           <a:bodyPr/>
           <a:lstStyle/>
           <a:p>
-            <a:endParaRPr lang="en-US"/>
+            <a:r>
+              <a:rPr lang="en-US" dirty="0" smtClean="0"/>
+              <a:t>Threading</a:t>
+            </a:r>
+            <a:endParaRPr lang="en-US" dirty="0"/>
           </a:p>
         </p:txBody>
       </p:sp>
@@ -9228,9 +9302,129 @@
         </p:nvSpPr>
         <p:spPr/>
         <p:txBody>
-          <a:bodyPr/>
+          <a:bodyPr>
+            <a:normAutofit lnSpcReduction="10000"/>
+          </a:bodyPr>
           <a:lstStyle/>
           <a:p>
+            <a:r>
+              <a:rPr lang="en-US" dirty="0" smtClean="0"/>
+              <a:t>Creating a thread</a:t>
+            </a:r>
+          </a:p>
+          <a:p>
+            <a:pPr lvl="1"/>
+            <a:r>
+              <a:rPr lang="en-US" dirty="0" err="1" smtClean="0"/>
+              <a:t>thread.start_new_thread</a:t>
+            </a:r>
+            <a:r>
+              <a:rPr lang="en-US" dirty="0" smtClean="0"/>
+              <a:t>(</a:t>
+            </a:r>
+            <a:r>
+              <a:rPr lang="en-US" i="1" dirty="0" smtClean="0"/>
+              <a:t>function, </a:t>
+            </a:r>
+            <a:r>
+              <a:rPr lang="en-US" i="1" dirty="0" err="1" smtClean="0"/>
+              <a:t>args</a:t>
+            </a:r>
+            <a:r>
+              <a:rPr lang="en-US" i="1" dirty="0" smtClean="0"/>
+              <a:t>[, </a:t>
+            </a:r>
+            <a:r>
+              <a:rPr lang="en-US" i="1" dirty="0" err="1" smtClean="0"/>
+              <a:t>kwargs</a:t>
+            </a:r>
+            <a:r>
+              <a:rPr lang="en-US" i="1" dirty="0" smtClean="0"/>
+              <a:t>]</a:t>
+            </a:r>
+            <a:r>
+              <a:rPr lang="en-US" dirty="0" smtClean="0"/>
+              <a:t>)</a:t>
+            </a:r>
+          </a:p>
+          <a:p>
+            <a:pPr lvl="2"/>
+            <a:r>
+              <a:rPr lang="en-US" dirty="0" smtClean="0"/>
+              <a:t>Runs </a:t>
+            </a:r>
+            <a:r>
+              <a:rPr lang="en-US" dirty="0" smtClean="0"/>
+              <a:t>until the function returns or terminates due to an unhandled exception</a:t>
+            </a:r>
+          </a:p>
+          <a:p>
+            <a:pPr lvl="2"/>
+            <a:r>
+              <a:rPr lang="en-US" i="1" dirty="0" err="1" smtClean="0"/>
+              <a:t>args</a:t>
+            </a:r>
+            <a:r>
+              <a:rPr lang="en-US" i="1" dirty="0" smtClean="0"/>
+              <a:t> </a:t>
+            </a:r>
+            <a:r>
+              <a:rPr lang="en-US" dirty="0" smtClean="0"/>
+              <a:t>is a tuple of arguments – use an empty tuple for functions with no arguments</a:t>
+            </a:r>
+          </a:p>
+          <a:p>
+            <a:pPr lvl="2"/>
+            <a:r>
+              <a:rPr lang="en-US" dirty="0" smtClean="0"/>
+              <a:t>Returns the thread identifier</a:t>
+            </a:r>
+          </a:p>
+          <a:p>
+            <a:pPr lvl="1"/>
+            <a:r>
+              <a:rPr lang="en-US" dirty="0" err="1" smtClean="0"/>
+              <a:t>threading.Thread</a:t>
+            </a:r>
+            <a:endParaRPr lang="en-US" dirty="0" smtClean="0"/>
+          </a:p>
+          <a:p>
+            <a:pPr lvl="2"/>
+            <a:r>
+              <a:rPr lang="en-US" dirty="0" smtClean="0"/>
+              <a:t>Provide a callable object to the constructor</a:t>
+            </a:r>
+          </a:p>
+          <a:p>
+            <a:pPr lvl="2"/>
+            <a:r>
+              <a:rPr lang="en-US" dirty="0" smtClean="0"/>
+              <a:t>Subclass and override </a:t>
+            </a:r>
+            <a:r>
+              <a:rPr lang="en-US" i="1" dirty="0" smtClean="0"/>
+              <a:t>run() </a:t>
+            </a:r>
+            <a:r>
+              <a:rPr lang="en-US" dirty="0" smtClean="0"/>
+              <a:t>and </a:t>
+            </a:r>
+            <a:r>
+              <a:rPr lang="en-US" i="1" dirty="0" smtClean="0"/>
+              <a:t>__</a:t>
+            </a:r>
+            <a:r>
+              <a:rPr lang="en-US" i="1" dirty="0" err="1" smtClean="0"/>
+              <a:t>init</a:t>
+            </a:r>
+            <a:r>
+              <a:rPr lang="en-US" i="1" dirty="0" smtClean="0"/>
+              <a:t>__</a:t>
+            </a:r>
+            <a:r>
+              <a:rPr lang="en-US" dirty="0" smtClean="0"/>
+              <a:t>() methods</a:t>
+            </a:r>
             <a:endParaRPr lang="en-US" dirty="0"/>
           </a:p>
         </p:txBody>
@@ -9250,14 +9444,18 @@
           <a:bodyPr/>
           <a:lstStyle/>
           <a:p>
-            <a:endParaRPr lang="en-US"/>
+            <a:r>
+              <a:rPr lang="en-US" dirty="0" smtClean="0"/>
+              <a:t>Threading: Creation</a:t>
+            </a:r>
+            <a:endParaRPr lang="en-US" dirty="0"/>
           </a:p>
         </p:txBody>
       </p:sp>
     </p:spTree>
     <p:extLst>
       <p:ext uri="{BB962C8B-B14F-4D97-AF65-F5344CB8AC3E}">
-        <p14:creationId xmlns:p14="http://schemas.microsoft.com/office/powerpoint/2010/main" val="1171126260"/>
+        <p14:creationId xmlns:p14="http://schemas.microsoft.com/office/powerpoint/2010/main" val="1216512238"/>
       </p:ext>
     </p:extLst>
   </p:cSld>
@@ -10032,6 +10230,937 @@
       <p:bldP spid="7" grpId="0" animBg="1"/>
       <p:bldP spid="8" grpId="0" animBg="1"/>
     </p:bldLst>
+  </p:timing>
+</p:sld>
+</file>
+
+<file path=ppt/slides/slide110.xml><?xml version="1.0" encoding="utf-8"?>
+<p:sld xmlns:a="http://schemas.openxmlformats.org/drawingml/2006/main" xmlns:r="http://schemas.openxmlformats.org/officeDocument/2006/relationships" xmlns:p="http://schemas.openxmlformats.org/presentationml/2006/main">
+  <p:cSld>
+    <p:bg>
+      <p:bgPr>
+        <a:solidFill>
+          <a:schemeClr val="bg1"/>
+        </a:solidFill>
+        <a:effectLst/>
+      </p:bgPr>
+    </p:bg>
+    <p:spTree>
+      <p:nvGrpSpPr>
+        <p:cNvPr id="1" name=""/>
+        <p:cNvGrpSpPr/>
+        <p:nvPr/>
+      </p:nvGrpSpPr>
+      <p:grpSpPr>
+        <a:xfrm>
+          <a:off x="0" y="0"/>
+          <a:ext cx="0" cy="0"/>
+          <a:chOff x="0" y="0"/>
+          <a:chExt cx="0" cy="0"/>
+        </a:xfrm>
+      </p:grpSpPr>
+      <p:sp>
+        <p:nvSpPr>
+          <p:cNvPr id="4" name="Content Placeholder 3"/>
+          <p:cNvSpPr>
+            <a:spLocks noGrp="1"/>
+          </p:cNvSpPr>
+          <p:nvPr>
+            <p:ph idx="1"/>
+          </p:nvPr>
+        </p:nvSpPr>
+        <p:spPr/>
+        <p:txBody>
+          <a:bodyPr>
+            <a:normAutofit fontScale="92500" lnSpcReduction="20000"/>
+          </a:bodyPr>
+          <a:lstStyle/>
+          <a:p>
+            <a:r>
+              <a:rPr lang="en-US" dirty="0" smtClean="0"/>
+              <a:t>Waiting for another thread to finish</a:t>
+            </a:r>
+          </a:p>
+          <a:p>
+            <a:pPr lvl="1"/>
+            <a:r>
+              <a:rPr lang="en-US" dirty="0" smtClean="0"/>
+              <a:t>Often we require another thread to complete before we can continue</a:t>
+            </a:r>
+          </a:p>
+          <a:p>
+            <a:pPr lvl="1"/>
+            <a:r>
+              <a:rPr lang="en-US" dirty="0" smtClean="0"/>
+              <a:t>Usually we want to restrict the amount of time we wait before making a decision</a:t>
+            </a:r>
+          </a:p>
+          <a:p>
+            <a:pPr lvl="1"/>
+            <a:r>
+              <a:rPr lang="en-US" dirty="0" err="1" smtClean="0"/>
+              <a:t>Thread.join</a:t>
+            </a:r>
+            <a:r>
+              <a:rPr lang="en-US" dirty="0" smtClean="0"/>
+              <a:t>(</a:t>
+            </a:r>
+            <a:r>
+              <a:rPr lang="en-US" dirty="0" smtClean="0"/>
+              <a:t>[</a:t>
+            </a:r>
+            <a:r>
+              <a:rPr lang="en-US" i="1" dirty="0" smtClean="0"/>
+              <a:t>timeout</a:t>
+            </a:r>
+            <a:r>
+              <a:rPr lang="en-US" dirty="0" smtClean="0"/>
+              <a:t>])</a:t>
+            </a:r>
+          </a:p>
+          <a:p>
+            <a:pPr lvl="2"/>
+            <a:r>
+              <a:rPr lang="en-US" dirty="0" smtClean="0"/>
+              <a:t>Makes the current thread wait until the referenced thread object terminates</a:t>
+            </a:r>
+          </a:p>
+          <a:p>
+            <a:pPr lvl="2"/>
+            <a:r>
+              <a:rPr lang="en-US" i="1" dirty="0" smtClean="0"/>
+              <a:t>timeout</a:t>
+            </a:r>
+            <a:r>
+              <a:rPr lang="en-US" dirty="0" smtClean="0"/>
+              <a:t> is a floating point number representing the number of seconds the current thread should be blocked for</a:t>
+            </a:r>
+          </a:p>
+          <a:p>
+            <a:pPr lvl="2"/>
+            <a:r>
+              <a:rPr lang="en-US" dirty="0" smtClean="0"/>
+              <a:t>Does not return so you must call </a:t>
+            </a:r>
+            <a:r>
+              <a:rPr lang="en-US" i="1" dirty="0" err="1" smtClean="0"/>
+              <a:t>isAlive</a:t>
+            </a:r>
+            <a:r>
+              <a:rPr lang="en-US" i="1" dirty="0" smtClean="0"/>
+              <a:t>()</a:t>
+            </a:r>
+            <a:r>
+              <a:rPr lang="en-US" dirty="0" smtClean="0"/>
+              <a:t> when the calling thread resumes to determine if a timeout occurred</a:t>
+            </a:r>
+          </a:p>
+          <a:p>
+            <a:pPr lvl="2"/>
+            <a:r>
+              <a:rPr lang="en-US" dirty="0" smtClean="0"/>
+              <a:t>A thread can be joined many times</a:t>
+            </a:r>
+          </a:p>
+          <a:p>
+            <a:pPr lvl="2"/>
+            <a:r>
+              <a:rPr lang="en-US" dirty="0" smtClean="0"/>
+              <a:t>Raises </a:t>
+            </a:r>
+            <a:r>
+              <a:rPr lang="en-US" dirty="0" err="1" smtClean="0"/>
+              <a:t>RuntimeError</a:t>
+            </a:r>
+            <a:r>
+              <a:rPr lang="en-US" dirty="0" smtClean="0"/>
+              <a:t> </a:t>
+            </a:r>
+            <a:endParaRPr lang="en-US" dirty="0"/>
+          </a:p>
+        </p:txBody>
+      </p:sp>
+      <p:sp>
+        <p:nvSpPr>
+          <p:cNvPr id="3" name="Title 2"/>
+          <p:cNvSpPr>
+            <a:spLocks noGrp="1"/>
+          </p:cNvSpPr>
+          <p:nvPr>
+            <p:ph type="title"/>
+          </p:nvPr>
+        </p:nvSpPr>
+        <p:spPr/>
+        <p:txBody>
+          <a:bodyPr/>
+          <a:lstStyle/>
+          <a:p>
+            <a:r>
+              <a:rPr lang="en-US" dirty="0" smtClean="0"/>
+              <a:t>Threading: Blocking</a:t>
+            </a:r>
+            <a:endParaRPr lang="en-US" dirty="0"/>
+          </a:p>
+        </p:txBody>
+      </p:sp>
+    </p:spTree>
+    <p:extLst>
+      <p:ext uri="{BB962C8B-B14F-4D97-AF65-F5344CB8AC3E}">
+        <p14:creationId xmlns:p14="http://schemas.microsoft.com/office/powerpoint/2010/main" val="1171126260"/>
+      </p:ext>
+    </p:extLst>
+  </p:cSld>
+  <p:clrMapOvr>
+    <a:masterClrMapping/>
+  </p:clrMapOvr>
+  <p:timing>
+    <p:tnLst>
+      <p:par>
+        <p:cTn id="1" dur="indefinite" restart="never" nodeType="tmRoot"/>
+      </p:par>
+    </p:tnLst>
+  </p:timing>
+</p:sld>
+</file>
+
+<file path=ppt/slides/slide111.xml><?xml version="1.0" encoding="utf-8"?>
+<p:sld xmlns:a="http://schemas.openxmlformats.org/drawingml/2006/main" xmlns:r="http://schemas.openxmlformats.org/officeDocument/2006/relationships" xmlns:p="http://schemas.openxmlformats.org/presentationml/2006/main">
+  <p:cSld>
+    <p:bg>
+      <p:bgPr>
+        <a:solidFill>
+          <a:schemeClr val="bg1"/>
+        </a:solidFill>
+        <a:effectLst/>
+      </p:bgPr>
+    </p:bg>
+    <p:spTree>
+      <p:nvGrpSpPr>
+        <p:cNvPr id="1" name=""/>
+        <p:cNvGrpSpPr/>
+        <p:nvPr/>
+      </p:nvGrpSpPr>
+      <p:grpSpPr>
+        <a:xfrm>
+          <a:off x="0" y="0"/>
+          <a:ext cx="0" cy="0"/>
+          <a:chOff x="0" y="0"/>
+          <a:chExt cx="0" cy="0"/>
+        </a:xfrm>
+      </p:grpSpPr>
+      <p:sp>
+        <p:nvSpPr>
+          <p:cNvPr id="4" name="Content Placeholder 3"/>
+          <p:cNvSpPr>
+            <a:spLocks noGrp="1"/>
+          </p:cNvSpPr>
+          <p:nvPr>
+            <p:ph idx="1"/>
+          </p:nvPr>
+        </p:nvSpPr>
+        <p:spPr/>
+        <p:txBody>
+          <a:bodyPr>
+            <a:normAutofit lnSpcReduction="10000"/>
+          </a:bodyPr>
+          <a:lstStyle/>
+          <a:p>
+            <a:r>
+              <a:rPr lang="en-US" dirty="0" smtClean="0"/>
+              <a:t>What happens when more than one thread may wish to interact with another?</a:t>
+            </a:r>
+          </a:p>
+          <a:p>
+            <a:r>
+              <a:rPr lang="en-US" dirty="0" smtClean="0"/>
+              <a:t>Lock objects</a:t>
+            </a:r>
+          </a:p>
+          <a:p>
+            <a:pPr lvl="1"/>
+            <a:r>
+              <a:rPr lang="en-US" dirty="0" smtClean="0"/>
+              <a:t>A lock can be either ‘locked’ or ‘unlocked’</a:t>
+            </a:r>
+          </a:p>
+          <a:p>
+            <a:pPr lvl="1"/>
+            <a:r>
+              <a:rPr lang="en-US" dirty="0" smtClean="0"/>
+              <a:t>When locked, blocks until a call to release in another thread unlocks it</a:t>
+            </a:r>
+          </a:p>
+          <a:p>
+            <a:r>
+              <a:rPr lang="en-US" dirty="0" smtClean="0"/>
+              <a:t>Semaphore objects</a:t>
+            </a:r>
+          </a:p>
+          <a:p>
+            <a:pPr lvl="1"/>
+            <a:r>
+              <a:rPr lang="en-US" dirty="0" smtClean="0"/>
+              <a:t>Uses a counter to blocking state</a:t>
+            </a:r>
+          </a:p>
+          <a:p>
+            <a:pPr lvl="1"/>
+            <a:r>
+              <a:rPr lang="en-US" dirty="0" smtClean="0"/>
+              <a:t>Used to guard limited resources, e.g. databases</a:t>
+            </a:r>
+          </a:p>
+          <a:p>
+            <a:endParaRPr lang="en-US" dirty="0" smtClean="0"/>
+          </a:p>
+          <a:p>
+            <a:endParaRPr lang="en-US" dirty="0"/>
+          </a:p>
+        </p:txBody>
+      </p:sp>
+      <p:sp>
+        <p:nvSpPr>
+          <p:cNvPr id="3" name="Title 2"/>
+          <p:cNvSpPr>
+            <a:spLocks noGrp="1"/>
+          </p:cNvSpPr>
+          <p:nvPr>
+            <p:ph type="title"/>
+          </p:nvPr>
+        </p:nvSpPr>
+        <p:spPr/>
+        <p:txBody>
+          <a:bodyPr/>
+          <a:lstStyle/>
+          <a:p>
+            <a:r>
+              <a:rPr lang="en-US" dirty="0" smtClean="0"/>
+              <a:t>Threading: Locking</a:t>
+            </a:r>
+            <a:endParaRPr lang="en-US" dirty="0"/>
+          </a:p>
+        </p:txBody>
+      </p:sp>
+    </p:spTree>
+    <p:extLst>
+      <p:ext uri="{BB962C8B-B14F-4D97-AF65-F5344CB8AC3E}">
+        <p14:creationId xmlns:p14="http://schemas.microsoft.com/office/powerpoint/2010/main" val="1035738185"/>
+      </p:ext>
+    </p:extLst>
+  </p:cSld>
+  <p:clrMapOvr>
+    <a:masterClrMapping/>
+  </p:clrMapOvr>
+  <p:timing>
+    <p:tnLst>
+      <p:par>
+        <p:cTn id="1" dur="indefinite" restart="never" nodeType="tmRoot"/>
+      </p:par>
+    </p:tnLst>
+  </p:timing>
+</p:sld>
+</file>
+
+<file path=ppt/slides/slide112.xml><?xml version="1.0" encoding="utf-8"?>
+<p:sld xmlns:a="http://schemas.openxmlformats.org/drawingml/2006/main" xmlns:r="http://schemas.openxmlformats.org/officeDocument/2006/relationships" xmlns:p="http://schemas.openxmlformats.org/presentationml/2006/main">
+  <p:cSld>
+    <p:bg>
+      <p:bgPr>
+        <a:solidFill>
+          <a:schemeClr val="bg1"/>
+        </a:solidFill>
+        <a:effectLst/>
+      </p:bgPr>
+    </p:bg>
+    <p:spTree>
+      <p:nvGrpSpPr>
+        <p:cNvPr id="1" name=""/>
+        <p:cNvGrpSpPr/>
+        <p:nvPr/>
+      </p:nvGrpSpPr>
+      <p:grpSpPr>
+        <a:xfrm>
+          <a:off x="0" y="0"/>
+          <a:ext cx="0" cy="0"/>
+          <a:chOff x="0" y="0"/>
+          <a:chExt cx="0" cy="0"/>
+        </a:xfrm>
+      </p:grpSpPr>
+      <p:sp>
+        <p:nvSpPr>
+          <p:cNvPr id="4" name="Content Placeholder 3"/>
+          <p:cNvSpPr>
+            <a:spLocks noGrp="1"/>
+          </p:cNvSpPr>
+          <p:nvPr>
+            <p:ph idx="1"/>
+          </p:nvPr>
+        </p:nvSpPr>
+        <p:spPr/>
+        <p:txBody>
+          <a:bodyPr/>
+          <a:lstStyle/>
+          <a:p>
+            <a:r>
+              <a:rPr lang="en-US" dirty="0" smtClean="0"/>
+              <a:t>What do we do if we want one thread to communicate with another?</a:t>
+            </a:r>
+          </a:p>
+          <a:p>
+            <a:r>
+              <a:rPr lang="en-US" dirty="0" smtClean="0"/>
+              <a:t>Event objects</a:t>
+            </a:r>
+          </a:p>
+          <a:p>
+            <a:pPr lvl="1"/>
+            <a:r>
+              <a:rPr lang="en-US" dirty="0" smtClean="0"/>
+              <a:t>Uses an internal flag that can be </a:t>
+            </a:r>
+            <a:r>
+              <a:rPr lang="en-US" i="1" dirty="0" smtClean="0"/>
+              <a:t>set()</a:t>
+            </a:r>
+            <a:r>
+              <a:rPr lang="en-US" dirty="0" smtClean="0"/>
+              <a:t> or </a:t>
+            </a:r>
+            <a:r>
+              <a:rPr lang="en-US" i="1" dirty="0" smtClean="0"/>
+              <a:t>clear()</a:t>
+            </a:r>
+            <a:r>
+              <a:rPr lang="en-US" dirty="0" err="1" smtClean="0"/>
+              <a:t>ed</a:t>
+            </a:r>
+            <a:endParaRPr lang="en-US" dirty="0" smtClean="0"/>
+          </a:p>
+          <a:p>
+            <a:pPr lvl="1"/>
+            <a:r>
+              <a:rPr lang="en-US" i="1" dirty="0" smtClean="0"/>
+              <a:t>wait([timeout])</a:t>
+            </a:r>
+            <a:r>
+              <a:rPr lang="en-US" dirty="0" smtClean="0"/>
+              <a:t> method blocks until flag is true or until the provided timeout</a:t>
+            </a:r>
+          </a:p>
+          <a:p>
+            <a:pPr lvl="1"/>
+            <a:r>
+              <a:rPr lang="en-US" dirty="0" smtClean="0"/>
+              <a:t>Allows one thread to signal an event for other threads to wait for</a:t>
+            </a:r>
+          </a:p>
+          <a:p>
+            <a:pPr lvl="1"/>
+            <a:endParaRPr lang="en-US" dirty="0"/>
+          </a:p>
+        </p:txBody>
+      </p:sp>
+      <p:sp>
+        <p:nvSpPr>
+          <p:cNvPr id="3" name="Title 2"/>
+          <p:cNvSpPr>
+            <a:spLocks noGrp="1"/>
+          </p:cNvSpPr>
+          <p:nvPr>
+            <p:ph type="title"/>
+          </p:nvPr>
+        </p:nvSpPr>
+        <p:spPr/>
+        <p:txBody>
+          <a:bodyPr/>
+          <a:lstStyle/>
+          <a:p>
+            <a:r>
+              <a:rPr lang="en-US" dirty="0" smtClean="0"/>
+              <a:t>Threading: </a:t>
+            </a:r>
+            <a:r>
+              <a:rPr lang="en-US" dirty="0" err="1" smtClean="0"/>
+              <a:t>Signalling</a:t>
+            </a:r>
+            <a:endParaRPr lang="en-US" dirty="0"/>
+          </a:p>
+        </p:txBody>
+      </p:sp>
+    </p:spTree>
+    <p:extLst>
+      <p:ext uri="{BB962C8B-B14F-4D97-AF65-F5344CB8AC3E}">
+        <p14:creationId xmlns:p14="http://schemas.microsoft.com/office/powerpoint/2010/main" val="3543490637"/>
+      </p:ext>
+    </p:extLst>
+  </p:cSld>
+  <p:clrMapOvr>
+    <a:masterClrMapping/>
+  </p:clrMapOvr>
+  <p:timing>
+    <p:tnLst>
+      <p:par>
+        <p:cTn id="1" dur="indefinite" restart="never" nodeType="tmRoot"/>
+      </p:par>
+    </p:tnLst>
+  </p:timing>
+</p:sld>
+</file>
+
+<file path=ppt/slides/slide113.xml><?xml version="1.0" encoding="utf-8"?>
+<p:sld xmlns:a="http://schemas.openxmlformats.org/drawingml/2006/main" xmlns:r="http://schemas.openxmlformats.org/officeDocument/2006/relationships" xmlns:p="http://schemas.openxmlformats.org/presentationml/2006/main">
+  <p:cSld>
+    <p:bg>
+      <p:bgPr>
+        <a:solidFill>
+          <a:schemeClr val="bg1"/>
+        </a:solidFill>
+        <a:effectLst/>
+      </p:bgPr>
+    </p:bg>
+    <p:spTree>
+      <p:nvGrpSpPr>
+        <p:cNvPr id="1" name=""/>
+        <p:cNvGrpSpPr/>
+        <p:nvPr/>
+      </p:nvGrpSpPr>
+      <p:grpSpPr>
+        <a:xfrm>
+          <a:off x="0" y="0"/>
+          <a:ext cx="0" cy="0"/>
+          <a:chOff x="0" y="0"/>
+          <a:chExt cx="0" cy="0"/>
+        </a:xfrm>
+      </p:grpSpPr>
+      <p:sp>
+        <p:nvSpPr>
+          <p:cNvPr id="4" name="Content Placeholder 3"/>
+          <p:cNvSpPr>
+            <a:spLocks noGrp="1"/>
+          </p:cNvSpPr>
+          <p:nvPr>
+            <p:ph idx="1"/>
+          </p:nvPr>
+        </p:nvSpPr>
+        <p:spPr/>
+        <p:txBody>
+          <a:bodyPr>
+            <a:normAutofit lnSpcReduction="10000"/>
+          </a:bodyPr>
+          <a:lstStyle/>
+          <a:p>
+            <a:r>
+              <a:rPr lang="en-US" dirty="0" smtClean="0"/>
+              <a:t>Often we will want to create deferred or recurring processes</a:t>
+            </a:r>
+          </a:p>
+          <a:p>
+            <a:r>
+              <a:rPr lang="en-US" dirty="0" err="1" smtClean="0"/>
+              <a:t>threading.Timer</a:t>
+            </a:r>
+            <a:r>
+              <a:rPr lang="en-US" dirty="0" smtClean="0"/>
+              <a:t>(</a:t>
+            </a:r>
+            <a:r>
+              <a:rPr lang="en-US" i="1" dirty="0" smtClean="0"/>
+              <a:t>interval, function, </a:t>
+            </a:r>
+            <a:r>
+              <a:rPr lang="en-US" i="1" dirty="0" err="1" smtClean="0"/>
+              <a:t>args</a:t>
+            </a:r>
+            <a:r>
+              <a:rPr lang="en-US" i="1" dirty="0" smtClean="0"/>
+              <a:t>=[], </a:t>
+            </a:r>
+            <a:r>
+              <a:rPr lang="en-US" i="1" dirty="0" err="1" smtClean="0"/>
+              <a:t>kwargs</a:t>
+            </a:r>
+            <a:r>
+              <a:rPr lang="en-US" i="1" dirty="0" smtClean="0"/>
+              <a:t>={}</a:t>
+            </a:r>
+            <a:r>
+              <a:rPr lang="en-US" dirty="0" smtClean="0"/>
+              <a:t>)</a:t>
+            </a:r>
+          </a:p>
+          <a:p>
+            <a:pPr lvl="1"/>
+            <a:r>
+              <a:rPr lang="en-US" dirty="0" smtClean="0"/>
+              <a:t>Runs </a:t>
+            </a:r>
+            <a:r>
+              <a:rPr lang="en-US" i="1" dirty="0" smtClean="0"/>
+              <a:t>function</a:t>
+            </a:r>
+            <a:r>
+              <a:rPr lang="en-US" dirty="0" smtClean="0"/>
+              <a:t> with arguments </a:t>
+            </a:r>
+            <a:r>
+              <a:rPr lang="en-US" i="1" dirty="0" err="1" smtClean="0"/>
+              <a:t>args</a:t>
+            </a:r>
+            <a:r>
+              <a:rPr lang="en-US" dirty="0" smtClean="0"/>
+              <a:t> after </a:t>
+            </a:r>
+            <a:r>
+              <a:rPr lang="en-US" i="1" dirty="0" smtClean="0"/>
+              <a:t>interval</a:t>
+            </a:r>
+            <a:r>
+              <a:rPr lang="en-US" dirty="0" smtClean="0"/>
+              <a:t> seconds have passed</a:t>
+            </a:r>
+          </a:p>
+          <a:p>
+            <a:pPr lvl="1"/>
+            <a:r>
+              <a:rPr lang="en-US" dirty="0" smtClean="0"/>
+              <a:t>Since it’s a subclass of Thread, the function will either return or raise a </a:t>
+            </a:r>
+            <a:r>
+              <a:rPr lang="en-US" dirty="0" err="1" smtClean="0"/>
+              <a:t>ThreadError</a:t>
+            </a:r>
+            <a:endParaRPr lang="en-US" dirty="0" smtClean="0"/>
+          </a:p>
+          <a:p>
+            <a:pPr lvl="1"/>
+            <a:r>
+              <a:rPr lang="en-US" dirty="0" smtClean="0"/>
+              <a:t>A simple recurring task can be created by calling the timer again once it’s completed</a:t>
+            </a:r>
+          </a:p>
+          <a:p>
+            <a:pPr lvl="1"/>
+            <a:r>
+              <a:rPr lang="en-US" dirty="0" smtClean="0"/>
+              <a:t>Don’t reinvent the wheel!</a:t>
+            </a:r>
+            <a:endParaRPr lang="en-US" dirty="0"/>
+          </a:p>
+        </p:txBody>
+      </p:sp>
+      <p:sp>
+        <p:nvSpPr>
+          <p:cNvPr id="3" name="Title 2"/>
+          <p:cNvSpPr>
+            <a:spLocks noGrp="1"/>
+          </p:cNvSpPr>
+          <p:nvPr>
+            <p:ph type="title"/>
+          </p:nvPr>
+        </p:nvSpPr>
+        <p:spPr/>
+        <p:txBody>
+          <a:bodyPr/>
+          <a:lstStyle/>
+          <a:p>
+            <a:r>
+              <a:rPr lang="en-US" dirty="0" smtClean="0"/>
+              <a:t>Threading: Timers</a:t>
+            </a:r>
+            <a:endParaRPr lang="en-US" dirty="0"/>
+          </a:p>
+        </p:txBody>
+      </p:sp>
+    </p:spTree>
+    <p:extLst>
+      <p:ext uri="{BB962C8B-B14F-4D97-AF65-F5344CB8AC3E}">
+        <p14:creationId xmlns:p14="http://schemas.microsoft.com/office/powerpoint/2010/main" val="924080095"/>
+      </p:ext>
+    </p:extLst>
+  </p:cSld>
+  <p:clrMapOvr>
+    <a:masterClrMapping/>
+  </p:clrMapOvr>
+  <p:timing>
+    <p:tnLst>
+      <p:par>
+        <p:cTn id="1" dur="indefinite" restart="never" nodeType="tmRoot"/>
+      </p:par>
+    </p:tnLst>
+  </p:timing>
+</p:sld>
+</file>
+
+<file path=ppt/slides/slide114.xml><?xml version="1.0" encoding="utf-8"?>
+<p:sld xmlns:a="http://schemas.openxmlformats.org/drawingml/2006/main" xmlns:r="http://schemas.openxmlformats.org/officeDocument/2006/relationships" xmlns:p="http://schemas.openxmlformats.org/presentationml/2006/main">
+  <p:cSld>
+    <p:bg>
+      <p:bgPr>
+        <a:solidFill>
+          <a:schemeClr val="bg1"/>
+        </a:solidFill>
+        <a:effectLst/>
+      </p:bgPr>
+    </p:bg>
+    <p:spTree>
+      <p:nvGrpSpPr>
+        <p:cNvPr id="1" name=""/>
+        <p:cNvGrpSpPr/>
+        <p:nvPr/>
+      </p:nvGrpSpPr>
+      <p:grpSpPr>
+        <a:xfrm>
+          <a:off x="0" y="0"/>
+          <a:ext cx="0" cy="0"/>
+          <a:chOff x="0" y="0"/>
+          <a:chExt cx="0" cy="0"/>
+        </a:xfrm>
+      </p:grpSpPr>
+      <p:sp>
+        <p:nvSpPr>
+          <p:cNvPr id="4" name="Content Placeholder 3"/>
+          <p:cNvSpPr>
+            <a:spLocks noGrp="1"/>
+          </p:cNvSpPr>
+          <p:nvPr>
+            <p:ph idx="1"/>
+          </p:nvPr>
+        </p:nvSpPr>
+        <p:spPr/>
+        <p:txBody>
+          <a:bodyPr/>
+          <a:lstStyle/>
+          <a:p>
+            <a:r>
+              <a:rPr lang="en-US" dirty="0" smtClean="0"/>
+              <a:t>Thread safety</a:t>
+            </a:r>
+          </a:p>
+          <a:p>
+            <a:pPr lvl="1"/>
+            <a:r>
+              <a:rPr lang="en-US" dirty="0" smtClean="0"/>
+              <a:t>Imports are generally safe unless they spawn a new thread and wait for it in any way</a:t>
+            </a:r>
+          </a:p>
+          <a:p>
+            <a:pPr lvl="1"/>
+            <a:r>
+              <a:rPr lang="en-US" dirty="0" smtClean="0"/>
+              <a:t>Debugging synchronization issues is hard</a:t>
+            </a:r>
+          </a:p>
+          <a:p>
+            <a:pPr lvl="1"/>
+            <a:endParaRPr lang="en-US" dirty="0"/>
+          </a:p>
+        </p:txBody>
+      </p:sp>
+      <p:sp>
+        <p:nvSpPr>
+          <p:cNvPr id="3" name="Title 2"/>
+          <p:cNvSpPr>
+            <a:spLocks noGrp="1"/>
+          </p:cNvSpPr>
+          <p:nvPr>
+            <p:ph type="title"/>
+          </p:nvPr>
+        </p:nvSpPr>
+        <p:spPr/>
+        <p:txBody>
+          <a:bodyPr/>
+          <a:lstStyle/>
+          <a:p>
+            <a:r>
+              <a:rPr lang="en-US" dirty="0" smtClean="0"/>
+              <a:t>Threading: Gotchas</a:t>
+            </a:r>
+            <a:endParaRPr lang="en-US" dirty="0"/>
+          </a:p>
+        </p:txBody>
+      </p:sp>
+    </p:spTree>
+    <p:extLst>
+      <p:ext uri="{BB962C8B-B14F-4D97-AF65-F5344CB8AC3E}">
+        <p14:creationId xmlns:p14="http://schemas.microsoft.com/office/powerpoint/2010/main" val="3744078267"/>
+      </p:ext>
+    </p:extLst>
+  </p:cSld>
+  <p:clrMapOvr>
+    <a:masterClrMapping/>
+  </p:clrMapOvr>
+  <p:timing>
+    <p:tnLst>
+      <p:par>
+        <p:cTn id="1" dur="indefinite" restart="never" nodeType="tmRoot"/>
+      </p:par>
+    </p:tnLst>
+  </p:timing>
+</p:sld>
+</file>
+
+<file path=ppt/slides/slide115.xml><?xml version="1.0" encoding="utf-8"?>
+<p:sld xmlns:a="http://schemas.openxmlformats.org/drawingml/2006/main" xmlns:r="http://schemas.openxmlformats.org/officeDocument/2006/relationships" xmlns:p="http://schemas.openxmlformats.org/presentationml/2006/main">
+  <p:cSld>
+    <p:bg>
+      <p:bgPr>
+        <a:solidFill>
+          <a:schemeClr val="bg1"/>
+        </a:solidFill>
+        <a:effectLst/>
+      </p:bgPr>
+    </p:bg>
+    <p:spTree>
+      <p:nvGrpSpPr>
+        <p:cNvPr id="1" name=""/>
+        <p:cNvGrpSpPr/>
+        <p:nvPr/>
+      </p:nvGrpSpPr>
+      <p:grpSpPr>
+        <a:xfrm>
+          <a:off x="0" y="0"/>
+          <a:ext cx="0" cy="0"/>
+          <a:chOff x="0" y="0"/>
+          <a:chExt cx="0" cy="0"/>
+        </a:xfrm>
+      </p:grpSpPr>
+      <p:sp>
+        <p:nvSpPr>
+          <p:cNvPr id="4" name="Content Placeholder 3"/>
+          <p:cNvSpPr>
+            <a:spLocks noGrp="1"/>
+          </p:cNvSpPr>
+          <p:nvPr>
+            <p:ph idx="1"/>
+          </p:nvPr>
+        </p:nvSpPr>
+        <p:spPr/>
+        <p:txBody>
+          <a:bodyPr/>
+          <a:lstStyle/>
+          <a:p>
+            <a:endParaRPr lang="en-US" dirty="0"/>
+          </a:p>
+        </p:txBody>
+      </p:sp>
+      <p:sp>
+        <p:nvSpPr>
+          <p:cNvPr id="3" name="Title 2"/>
+          <p:cNvSpPr>
+            <a:spLocks noGrp="1"/>
+          </p:cNvSpPr>
+          <p:nvPr>
+            <p:ph type="title"/>
+          </p:nvPr>
+        </p:nvSpPr>
+        <p:spPr/>
+        <p:txBody>
+          <a:bodyPr/>
+          <a:lstStyle/>
+          <a:p>
+            <a:endParaRPr lang="en-US" dirty="0"/>
+          </a:p>
+        </p:txBody>
+      </p:sp>
+    </p:spTree>
+    <p:extLst>
+      <p:ext uri="{BB962C8B-B14F-4D97-AF65-F5344CB8AC3E}">
+        <p14:creationId xmlns:p14="http://schemas.microsoft.com/office/powerpoint/2010/main" val="136758698"/>
+      </p:ext>
+    </p:extLst>
+  </p:cSld>
+  <p:clrMapOvr>
+    <a:masterClrMapping/>
+  </p:clrMapOvr>
+  <p:timing>
+    <p:tnLst>
+      <p:par>
+        <p:cTn id="1" dur="indefinite" restart="never" nodeType="tmRoot"/>
+      </p:par>
+    </p:tnLst>
+  </p:timing>
+</p:sld>
+</file>
+
+<file path=ppt/slides/slide116.xml><?xml version="1.0" encoding="utf-8"?>
+<p:sld xmlns:a="http://schemas.openxmlformats.org/drawingml/2006/main" xmlns:r="http://schemas.openxmlformats.org/officeDocument/2006/relationships" xmlns:p="http://schemas.openxmlformats.org/presentationml/2006/main">
+  <p:cSld>
+    <p:bg>
+      <p:bgPr>
+        <a:solidFill>
+          <a:schemeClr val="bg1"/>
+        </a:solidFill>
+        <a:effectLst/>
+      </p:bgPr>
+    </p:bg>
+    <p:spTree>
+      <p:nvGrpSpPr>
+        <p:cNvPr id="1" name=""/>
+        <p:cNvGrpSpPr/>
+        <p:nvPr/>
+      </p:nvGrpSpPr>
+      <p:grpSpPr>
+        <a:xfrm>
+          <a:off x="0" y="0"/>
+          <a:ext cx="0" cy="0"/>
+          <a:chOff x="0" y="0"/>
+          <a:chExt cx="0" cy="0"/>
+        </a:xfrm>
+      </p:grpSpPr>
+      <p:sp>
+        <p:nvSpPr>
+          <p:cNvPr id="4" name="Content Placeholder 3"/>
+          <p:cNvSpPr>
+            <a:spLocks noGrp="1"/>
+          </p:cNvSpPr>
+          <p:nvPr>
+            <p:ph idx="1"/>
+          </p:nvPr>
+        </p:nvSpPr>
+        <p:spPr/>
+        <p:txBody>
+          <a:bodyPr/>
+          <a:lstStyle/>
+          <a:p>
+            <a:endParaRPr lang="en-US" dirty="0"/>
+          </a:p>
+        </p:txBody>
+      </p:sp>
+      <p:sp>
+        <p:nvSpPr>
+          <p:cNvPr id="3" name="Title 2"/>
+          <p:cNvSpPr>
+            <a:spLocks noGrp="1"/>
+          </p:cNvSpPr>
+          <p:nvPr>
+            <p:ph type="title"/>
+          </p:nvPr>
+        </p:nvSpPr>
+        <p:spPr/>
+        <p:txBody>
+          <a:bodyPr/>
+          <a:lstStyle/>
+          <a:p>
+            <a:endParaRPr lang="en-US"/>
+          </a:p>
+        </p:txBody>
+      </p:sp>
+    </p:spTree>
+    <p:extLst>
+      <p:ext uri="{BB962C8B-B14F-4D97-AF65-F5344CB8AC3E}">
+        <p14:creationId xmlns:p14="http://schemas.microsoft.com/office/powerpoint/2010/main" val="495795509"/>
+      </p:ext>
+    </p:extLst>
+  </p:cSld>
+  <p:clrMapOvr>
+    <a:masterClrMapping/>
+  </p:clrMapOvr>
+  <p:timing>
+    <p:tnLst>
+      <p:par>
+        <p:cTn id="1" dur="indefinite" restart="never" nodeType="tmRoot"/>
+      </p:par>
+    </p:tnLst>
   </p:timing>
 </p:sld>
 </file>

--- a/Programming Foundations.pptx
+++ b/Programming Foundations.pptx
@@ -5,7 +5,7 @@
     <p:sldMasterId id="2147483648" r:id="rId1"/>
   </p:sldMasterIdLst>
   <p:notesMasterIdLst>
-    <p:notesMasterId r:id="rId118"/>
+    <p:notesMasterId r:id="rId123"/>
   </p:notesMasterIdLst>
   <p:sldIdLst>
     <p:sldId id="351" r:id="rId2"/>
@@ -68,62 +68,67 @@
     <p:sldId id="408" r:id="rId59"/>
     <p:sldId id="302" r:id="rId60"/>
     <p:sldId id="301" r:id="rId61"/>
-    <p:sldId id="303" r:id="rId62"/>
+    <p:sldId id="422" r:id="rId62"/>
     <p:sldId id="318" r:id="rId63"/>
     <p:sldId id="304" r:id="rId64"/>
     <p:sldId id="319" r:id="rId65"/>
     <p:sldId id="305" r:id="rId66"/>
-    <p:sldId id="306" r:id="rId67"/>
-    <p:sldId id="320" r:id="rId68"/>
-    <p:sldId id="307" r:id="rId69"/>
-    <p:sldId id="308" r:id="rId70"/>
-    <p:sldId id="310" r:id="rId71"/>
-    <p:sldId id="309" r:id="rId72"/>
-    <p:sldId id="311" r:id="rId73"/>
-    <p:sldId id="312" r:id="rId74"/>
-    <p:sldId id="321" r:id="rId75"/>
-    <p:sldId id="313" r:id="rId76"/>
-    <p:sldId id="314" r:id="rId77"/>
-    <p:sldId id="315" r:id="rId78"/>
-    <p:sldId id="316" r:id="rId79"/>
-    <p:sldId id="324" r:id="rId80"/>
-    <p:sldId id="317" r:id="rId81"/>
-    <p:sldId id="322" r:id="rId82"/>
-    <p:sldId id="323" r:id="rId83"/>
-    <p:sldId id="325" r:id="rId84"/>
-    <p:sldId id="326" r:id="rId85"/>
-    <p:sldId id="331" r:id="rId86"/>
-    <p:sldId id="332" r:id="rId87"/>
-    <p:sldId id="334" r:id="rId88"/>
-    <p:sldId id="327" r:id="rId89"/>
-    <p:sldId id="329" r:id="rId90"/>
-    <p:sldId id="330" r:id="rId91"/>
-    <p:sldId id="328" r:id="rId92"/>
-    <p:sldId id="333" r:id="rId93"/>
-    <p:sldId id="335" r:id="rId94"/>
-    <p:sldId id="339" r:id="rId95"/>
-    <p:sldId id="337" r:id="rId96"/>
-    <p:sldId id="336" r:id="rId97"/>
-    <p:sldId id="338" r:id="rId98"/>
-    <p:sldId id="341" r:id="rId99"/>
-    <p:sldId id="342" r:id="rId100"/>
-    <p:sldId id="344" r:id="rId101"/>
-    <p:sldId id="347" r:id="rId102"/>
-    <p:sldId id="345" r:id="rId103"/>
-    <p:sldId id="346" r:id="rId104"/>
-    <p:sldId id="343" r:id="rId105"/>
-    <p:sldId id="350" r:id="rId106"/>
-    <p:sldId id="348" r:id="rId107"/>
-    <p:sldId id="349" r:id="rId108"/>
-    <p:sldId id="409" r:id="rId109"/>
-    <p:sldId id="412" r:id="rId110"/>
-    <p:sldId id="410" r:id="rId111"/>
-    <p:sldId id="413" r:id="rId112"/>
-    <p:sldId id="414" r:id="rId113"/>
-    <p:sldId id="415" r:id="rId114"/>
-    <p:sldId id="417" r:id="rId115"/>
-    <p:sldId id="416" r:id="rId116"/>
-    <p:sldId id="411" r:id="rId117"/>
+    <p:sldId id="423" r:id="rId67"/>
+    <p:sldId id="306" r:id="rId68"/>
+    <p:sldId id="320" r:id="rId69"/>
+    <p:sldId id="307" r:id="rId70"/>
+    <p:sldId id="308" r:id="rId71"/>
+    <p:sldId id="310" r:id="rId72"/>
+    <p:sldId id="309" r:id="rId73"/>
+    <p:sldId id="311" r:id="rId74"/>
+    <p:sldId id="312" r:id="rId75"/>
+    <p:sldId id="321" r:id="rId76"/>
+    <p:sldId id="313" r:id="rId77"/>
+    <p:sldId id="314" r:id="rId78"/>
+    <p:sldId id="315" r:id="rId79"/>
+    <p:sldId id="316" r:id="rId80"/>
+    <p:sldId id="324" r:id="rId81"/>
+    <p:sldId id="317" r:id="rId82"/>
+    <p:sldId id="322" r:id="rId83"/>
+    <p:sldId id="323" r:id="rId84"/>
+    <p:sldId id="325" r:id="rId85"/>
+    <p:sldId id="326" r:id="rId86"/>
+    <p:sldId id="331" r:id="rId87"/>
+    <p:sldId id="332" r:id="rId88"/>
+    <p:sldId id="334" r:id="rId89"/>
+    <p:sldId id="327" r:id="rId90"/>
+    <p:sldId id="329" r:id="rId91"/>
+    <p:sldId id="330" r:id="rId92"/>
+    <p:sldId id="328" r:id="rId93"/>
+    <p:sldId id="420" r:id="rId94"/>
+    <p:sldId id="333" r:id="rId95"/>
+    <p:sldId id="335" r:id="rId96"/>
+    <p:sldId id="339" r:id="rId97"/>
+    <p:sldId id="337" r:id="rId98"/>
+    <p:sldId id="336" r:id="rId99"/>
+    <p:sldId id="338" r:id="rId100"/>
+    <p:sldId id="341" r:id="rId101"/>
+    <p:sldId id="342" r:id="rId102"/>
+    <p:sldId id="344" r:id="rId103"/>
+    <p:sldId id="347" r:id="rId104"/>
+    <p:sldId id="345" r:id="rId105"/>
+    <p:sldId id="346" r:id="rId106"/>
+    <p:sldId id="343" r:id="rId107"/>
+    <p:sldId id="350" r:id="rId108"/>
+    <p:sldId id="348" r:id="rId109"/>
+    <p:sldId id="349" r:id="rId110"/>
+    <p:sldId id="421" r:id="rId111"/>
+    <p:sldId id="409" r:id="rId112"/>
+    <p:sldId id="412" r:id="rId113"/>
+    <p:sldId id="410" r:id="rId114"/>
+    <p:sldId id="413" r:id="rId115"/>
+    <p:sldId id="414" r:id="rId116"/>
+    <p:sldId id="415" r:id="rId117"/>
+    <p:sldId id="417" r:id="rId118"/>
+    <p:sldId id="416" r:id="rId119"/>
+    <p:sldId id="419" r:id="rId120"/>
+    <p:sldId id="411" r:id="rId121"/>
+    <p:sldId id="418" r:id="rId122"/>
   </p:sldIdLst>
   <p:sldSz cx="12192000" cy="6858000"/>
   <p:notesSz cx="6858000" cy="9144000"/>
@@ -291,11 +296,12 @@
           <p14:sldIdLst>
             <p14:sldId id="302"/>
             <p14:sldId id="301"/>
-            <p14:sldId id="303"/>
+            <p14:sldId id="422"/>
             <p14:sldId id="318"/>
             <p14:sldId id="304"/>
             <p14:sldId id="319"/>
             <p14:sldId id="305"/>
+            <p14:sldId id="423"/>
             <p14:sldId id="306"/>
             <p14:sldId id="320"/>
             <p14:sldId id="307"/>
@@ -322,6 +328,7 @@
             <p14:sldId id="329"/>
             <p14:sldId id="330"/>
             <p14:sldId id="328"/>
+            <p14:sldId id="420"/>
             <p14:sldId id="333"/>
             <p14:sldId id="335"/>
             <p14:sldId id="339"/>
@@ -338,6 +345,7 @@
             <p14:sldId id="350"/>
             <p14:sldId id="348"/>
             <p14:sldId id="349"/>
+            <p14:sldId id="421"/>
             <p14:sldId id="409"/>
             <p14:sldId id="412"/>
             <p14:sldId id="410"/>
@@ -346,7 +354,9 @@
             <p14:sldId id="415"/>
             <p14:sldId id="417"/>
             <p14:sldId id="416"/>
+            <p14:sldId id="419"/>
             <p14:sldId id="411"/>
+            <p14:sldId id="418"/>
           </p14:sldIdLst>
         </p14:section>
       </p14:sectionLst>
@@ -1613,6 +1623,825 @@
       <dsp:cNvGrpSpPr/>
     </dsp:nvGrpSpPr>
     <dsp:grpSpPr/>
+    <dsp:sp modelId="{517E2B6A-6088-4E38-8C14-9D4C8D8E0C45}">
+      <dsp:nvSpPr>
+        <dsp:cNvPr id="0" name=""/>
+        <dsp:cNvSpPr/>
+      </dsp:nvSpPr>
+      <dsp:spPr>
+        <a:xfrm>
+          <a:off x="1510934" y="1364"/>
+          <a:ext cx="1562011" cy="404404"/>
+        </a:xfrm>
+        <a:prstGeom prst="roundRect">
+          <a:avLst>
+            <a:gd name="adj" fmla="val 10000"/>
+          </a:avLst>
+        </a:prstGeom>
+        <a:solidFill>
+          <a:schemeClr val="accent1">
+            <a:hueOff val="0"/>
+            <a:satOff val="0"/>
+            <a:lumOff val="0"/>
+            <a:alphaOff val="0"/>
+          </a:schemeClr>
+        </a:solidFill>
+        <a:ln w="25400" cap="flat" cmpd="sng" algn="ctr">
+          <a:solidFill>
+            <a:schemeClr val="lt1">
+              <a:hueOff val="0"/>
+              <a:satOff val="0"/>
+              <a:lumOff val="0"/>
+              <a:alphaOff val="0"/>
+            </a:schemeClr>
+          </a:solidFill>
+          <a:prstDash val="solid"/>
+        </a:ln>
+        <a:effectLst/>
+      </dsp:spPr>
+      <dsp:style>
+        <a:lnRef idx="2">
+          <a:scrgbClr r="0" g="0" b="0"/>
+        </a:lnRef>
+        <a:fillRef idx="1">
+          <a:scrgbClr r="0" g="0" b="0"/>
+        </a:fillRef>
+        <a:effectRef idx="0">
+          <a:scrgbClr r="0" g="0" b="0"/>
+        </a:effectRef>
+        <a:fontRef idx="minor">
+          <a:schemeClr val="lt1"/>
+        </a:fontRef>
+      </dsp:style>
+      <dsp:txBody>
+        <a:bodyPr spcFirstLastPara="0" vert="horz" wrap="square" lIns="64770" tIns="64770" rIns="64770" bIns="64770" numCol="1" spcCol="1270" anchor="ctr" anchorCtr="0">
+          <a:noAutofit/>
+        </a:bodyPr>
+        <a:lstStyle/>
+        <a:p>
+          <a:pPr lvl="0" algn="ctr" defTabSz="755650">
+            <a:lnSpc>
+              <a:spcPct val="90000"/>
+            </a:lnSpc>
+            <a:spcBef>
+              <a:spcPct val="0"/>
+            </a:spcBef>
+            <a:spcAft>
+              <a:spcPct val="35000"/>
+            </a:spcAft>
+          </a:pPr>
+          <a:r>
+            <a:rPr lang="en-GB" sz="1700" kern="1200" dirty="0" smtClean="0"/>
+            <a:t>Start</a:t>
+          </a:r>
+          <a:endParaRPr lang="en-US" sz="1700" kern="1200" dirty="0"/>
+        </a:p>
+      </dsp:txBody>
+      <dsp:txXfrm>
+        <a:off x="1522779" y="13209"/>
+        <a:ext cx="1538321" cy="380714"/>
+      </dsp:txXfrm>
+    </dsp:sp>
+    <dsp:sp modelId="{EBD957B8-5044-4437-8E69-192C1B73A0D1}">
+      <dsp:nvSpPr>
+        <dsp:cNvPr id="0" name=""/>
+        <dsp:cNvSpPr/>
+      </dsp:nvSpPr>
+      <dsp:spPr>
+        <a:xfrm rot="5400000">
+          <a:off x="2216114" y="415879"/>
+          <a:ext cx="151651" cy="181981"/>
+        </a:xfrm>
+        <a:prstGeom prst="rightArrow">
+          <a:avLst>
+            <a:gd name="adj1" fmla="val 60000"/>
+            <a:gd name="adj2" fmla="val 50000"/>
+          </a:avLst>
+        </a:prstGeom>
+        <a:solidFill>
+          <a:schemeClr val="accent1">
+            <a:tint val="60000"/>
+            <a:hueOff val="0"/>
+            <a:satOff val="0"/>
+            <a:lumOff val="0"/>
+            <a:alphaOff val="0"/>
+          </a:schemeClr>
+        </a:solidFill>
+        <a:ln>
+          <a:noFill/>
+        </a:ln>
+        <a:effectLst/>
+      </dsp:spPr>
+      <dsp:style>
+        <a:lnRef idx="0">
+          <a:scrgbClr r="0" g="0" b="0"/>
+        </a:lnRef>
+        <a:fillRef idx="1">
+          <a:scrgbClr r="0" g="0" b="0"/>
+        </a:fillRef>
+        <a:effectRef idx="0">
+          <a:scrgbClr r="0" g="0" b="0"/>
+        </a:effectRef>
+        <a:fontRef idx="minor">
+          <a:schemeClr val="lt1"/>
+        </a:fontRef>
+      </dsp:style>
+      <dsp:txBody>
+        <a:bodyPr spcFirstLastPara="0" vert="horz" wrap="square" lIns="0" tIns="0" rIns="0" bIns="0" numCol="1" spcCol="1270" anchor="ctr" anchorCtr="0">
+          <a:noAutofit/>
+        </a:bodyPr>
+        <a:lstStyle/>
+        <a:p>
+          <a:pPr lvl="0" algn="ctr" defTabSz="311150">
+            <a:lnSpc>
+              <a:spcPct val="90000"/>
+            </a:lnSpc>
+            <a:spcBef>
+              <a:spcPct val="0"/>
+            </a:spcBef>
+            <a:spcAft>
+              <a:spcPct val="35000"/>
+            </a:spcAft>
+          </a:pPr>
+          <a:endParaRPr lang="en-US" sz="700" kern="1200"/>
+        </a:p>
+      </dsp:txBody>
+      <dsp:txXfrm rot="-5400000">
+        <a:off x="2237346" y="431044"/>
+        <a:ext cx="109189" cy="106156"/>
+      </dsp:txXfrm>
+    </dsp:sp>
+    <dsp:sp modelId="{394229BB-DC0E-43C1-AE25-86A595FF7AEE}">
+      <dsp:nvSpPr>
+        <dsp:cNvPr id="0" name=""/>
+        <dsp:cNvSpPr/>
+      </dsp:nvSpPr>
+      <dsp:spPr>
+        <a:xfrm>
+          <a:off x="1510934" y="607971"/>
+          <a:ext cx="1562011" cy="404404"/>
+        </a:xfrm>
+        <a:prstGeom prst="roundRect">
+          <a:avLst>
+            <a:gd name="adj" fmla="val 10000"/>
+          </a:avLst>
+        </a:prstGeom>
+        <a:solidFill>
+          <a:schemeClr val="accent1">
+            <a:hueOff val="0"/>
+            <a:satOff val="0"/>
+            <a:lumOff val="0"/>
+            <a:alphaOff val="0"/>
+          </a:schemeClr>
+        </a:solidFill>
+        <a:ln w="25400" cap="flat" cmpd="sng" algn="ctr">
+          <a:solidFill>
+            <a:schemeClr val="lt1">
+              <a:hueOff val="0"/>
+              <a:satOff val="0"/>
+              <a:lumOff val="0"/>
+              <a:alphaOff val="0"/>
+            </a:schemeClr>
+          </a:solidFill>
+          <a:prstDash val="solid"/>
+        </a:ln>
+        <a:effectLst/>
+      </dsp:spPr>
+      <dsp:style>
+        <a:lnRef idx="2">
+          <a:scrgbClr r="0" g="0" b="0"/>
+        </a:lnRef>
+        <a:fillRef idx="1">
+          <a:scrgbClr r="0" g="0" b="0"/>
+        </a:fillRef>
+        <a:effectRef idx="0">
+          <a:scrgbClr r="0" g="0" b="0"/>
+        </a:effectRef>
+        <a:fontRef idx="minor">
+          <a:schemeClr val="lt1"/>
+        </a:fontRef>
+      </dsp:style>
+      <dsp:txBody>
+        <a:bodyPr spcFirstLastPara="0" vert="horz" wrap="square" lIns="64770" tIns="64770" rIns="64770" bIns="64770" numCol="1" spcCol="1270" anchor="ctr" anchorCtr="0">
+          <a:noAutofit/>
+        </a:bodyPr>
+        <a:lstStyle/>
+        <a:p>
+          <a:pPr lvl="0" algn="ctr" defTabSz="755650">
+            <a:lnSpc>
+              <a:spcPct val="90000"/>
+            </a:lnSpc>
+            <a:spcBef>
+              <a:spcPct val="0"/>
+            </a:spcBef>
+            <a:spcAft>
+              <a:spcPct val="35000"/>
+            </a:spcAft>
+          </a:pPr>
+          <a:r>
+            <a:rPr lang="en-GB" sz="1700" kern="1200" dirty="0" smtClean="0"/>
+            <a:t>Do Something</a:t>
+          </a:r>
+          <a:endParaRPr lang="en-US" sz="1700" kern="1200" dirty="0"/>
+        </a:p>
+      </dsp:txBody>
+      <dsp:txXfrm>
+        <a:off x="1522779" y="619816"/>
+        <a:ext cx="1538321" cy="380714"/>
+      </dsp:txXfrm>
+    </dsp:sp>
+    <dsp:sp modelId="{E9CCAF9B-4428-49D5-A531-3E4ED9DD8D36}">
+      <dsp:nvSpPr>
+        <dsp:cNvPr id="0" name=""/>
+        <dsp:cNvSpPr/>
+      </dsp:nvSpPr>
+      <dsp:spPr>
+        <a:xfrm rot="5400000">
+          <a:off x="2216114" y="1022485"/>
+          <a:ext cx="151651" cy="181981"/>
+        </a:xfrm>
+        <a:prstGeom prst="rightArrow">
+          <a:avLst>
+            <a:gd name="adj1" fmla="val 60000"/>
+            <a:gd name="adj2" fmla="val 50000"/>
+          </a:avLst>
+        </a:prstGeom>
+        <a:solidFill>
+          <a:schemeClr val="accent1">
+            <a:tint val="60000"/>
+            <a:hueOff val="0"/>
+            <a:satOff val="0"/>
+            <a:lumOff val="0"/>
+            <a:alphaOff val="0"/>
+          </a:schemeClr>
+        </a:solidFill>
+        <a:ln>
+          <a:noFill/>
+        </a:ln>
+        <a:effectLst/>
+      </dsp:spPr>
+      <dsp:style>
+        <a:lnRef idx="0">
+          <a:scrgbClr r="0" g="0" b="0"/>
+        </a:lnRef>
+        <a:fillRef idx="1">
+          <a:scrgbClr r="0" g="0" b="0"/>
+        </a:fillRef>
+        <a:effectRef idx="0">
+          <a:scrgbClr r="0" g="0" b="0"/>
+        </a:effectRef>
+        <a:fontRef idx="minor">
+          <a:schemeClr val="lt1"/>
+        </a:fontRef>
+      </dsp:style>
+      <dsp:txBody>
+        <a:bodyPr spcFirstLastPara="0" vert="horz" wrap="square" lIns="0" tIns="0" rIns="0" bIns="0" numCol="1" spcCol="1270" anchor="ctr" anchorCtr="0">
+          <a:noAutofit/>
+        </a:bodyPr>
+        <a:lstStyle/>
+        <a:p>
+          <a:pPr lvl="0" algn="ctr" defTabSz="311150">
+            <a:lnSpc>
+              <a:spcPct val="90000"/>
+            </a:lnSpc>
+            <a:spcBef>
+              <a:spcPct val="0"/>
+            </a:spcBef>
+            <a:spcAft>
+              <a:spcPct val="35000"/>
+            </a:spcAft>
+          </a:pPr>
+          <a:endParaRPr lang="en-US" sz="700" kern="1200"/>
+        </a:p>
+      </dsp:txBody>
+      <dsp:txXfrm rot="-5400000">
+        <a:off x="2237346" y="1037650"/>
+        <a:ext cx="109189" cy="106156"/>
+      </dsp:txXfrm>
+    </dsp:sp>
+    <dsp:sp modelId="{A74C78E4-8832-4C13-934B-AA751647A1C6}">
+      <dsp:nvSpPr>
+        <dsp:cNvPr id="0" name=""/>
+        <dsp:cNvSpPr/>
+      </dsp:nvSpPr>
+      <dsp:spPr>
+        <a:xfrm>
+          <a:off x="1510934" y="1214577"/>
+          <a:ext cx="1562011" cy="404404"/>
+        </a:xfrm>
+        <a:prstGeom prst="roundRect">
+          <a:avLst>
+            <a:gd name="adj" fmla="val 10000"/>
+          </a:avLst>
+        </a:prstGeom>
+        <a:solidFill>
+          <a:schemeClr val="accent1">
+            <a:hueOff val="0"/>
+            <a:satOff val="0"/>
+            <a:lumOff val="0"/>
+            <a:alphaOff val="0"/>
+          </a:schemeClr>
+        </a:solidFill>
+        <a:ln w="25400" cap="flat" cmpd="sng" algn="ctr">
+          <a:solidFill>
+            <a:schemeClr val="lt1">
+              <a:hueOff val="0"/>
+              <a:satOff val="0"/>
+              <a:lumOff val="0"/>
+              <a:alphaOff val="0"/>
+            </a:schemeClr>
+          </a:solidFill>
+          <a:prstDash val="solid"/>
+        </a:ln>
+        <a:effectLst/>
+      </dsp:spPr>
+      <dsp:style>
+        <a:lnRef idx="2">
+          <a:scrgbClr r="0" g="0" b="0"/>
+        </a:lnRef>
+        <a:fillRef idx="1">
+          <a:scrgbClr r="0" g="0" b="0"/>
+        </a:fillRef>
+        <a:effectRef idx="0">
+          <a:scrgbClr r="0" g="0" b="0"/>
+        </a:effectRef>
+        <a:fontRef idx="minor">
+          <a:schemeClr val="lt1"/>
+        </a:fontRef>
+      </dsp:style>
+      <dsp:txBody>
+        <a:bodyPr spcFirstLastPara="0" vert="horz" wrap="square" lIns="64770" tIns="64770" rIns="64770" bIns="64770" numCol="1" spcCol="1270" anchor="ctr" anchorCtr="0">
+          <a:noAutofit/>
+        </a:bodyPr>
+        <a:lstStyle/>
+        <a:p>
+          <a:pPr lvl="0" algn="ctr" defTabSz="755650">
+            <a:lnSpc>
+              <a:spcPct val="90000"/>
+            </a:lnSpc>
+            <a:spcBef>
+              <a:spcPct val="0"/>
+            </a:spcBef>
+            <a:spcAft>
+              <a:spcPct val="35000"/>
+            </a:spcAft>
+          </a:pPr>
+          <a:r>
+            <a:rPr lang="en-GB" sz="1700" kern="1200" dirty="0" smtClean="0"/>
+            <a:t>Do Something</a:t>
+          </a:r>
+          <a:endParaRPr lang="en-US" sz="1700" kern="1200" dirty="0"/>
+        </a:p>
+      </dsp:txBody>
+      <dsp:txXfrm>
+        <a:off x="1522779" y="1226422"/>
+        <a:ext cx="1538321" cy="380714"/>
+      </dsp:txXfrm>
+    </dsp:sp>
+    <dsp:sp modelId="{5D7DAF9D-6DD3-4180-A544-BA7A5F0447DD}">
+      <dsp:nvSpPr>
+        <dsp:cNvPr id="0" name=""/>
+        <dsp:cNvSpPr/>
+      </dsp:nvSpPr>
+      <dsp:spPr>
+        <a:xfrm rot="5400000">
+          <a:off x="2216114" y="1629091"/>
+          <a:ext cx="151651" cy="181981"/>
+        </a:xfrm>
+        <a:prstGeom prst="rightArrow">
+          <a:avLst>
+            <a:gd name="adj1" fmla="val 60000"/>
+            <a:gd name="adj2" fmla="val 50000"/>
+          </a:avLst>
+        </a:prstGeom>
+        <a:solidFill>
+          <a:schemeClr val="accent1">
+            <a:tint val="60000"/>
+            <a:hueOff val="0"/>
+            <a:satOff val="0"/>
+            <a:lumOff val="0"/>
+            <a:alphaOff val="0"/>
+          </a:schemeClr>
+        </a:solidFill>
+        <a:ln>
+          <a:noFill/>
+        </a:ln>
+        <a:effectLst/>
+      </dsp:spPr>
+      <dsp:style>
+        <a:lnRef idx="0">
+          <a:scrgbClr r="0" g="0" b="0"/>
+        </a:lnRef>
+        <a:fillRef idx="1">
+          <a:scrgbClr r="0" g="0" b="0"/>
+        </a:fillRef>
+        <a:effectRef idx="0">
+          <a:scrgbClr r="0" g="0" b="0"/>
+        </a:effectRef>
+        <a:fontRef idx="minor">
+          <a:schemeClr val="lt1"/>
+        </a:fontRef>
+      </dsp:style>
+      <dsp:txBody>
+        <a:bodyPr spcFirstLastPara="0" vert="horz" wrap="square" lIns="0" tIns="0" rIns="0" bIns="0" numCol="1" spcCol="1270" anchor="ctr" anchorCtr="0">
+          <a:noAutofit/>
+        </a:bodyPr>
+        <a:lstStyle/>
+        <a:p>
+          <a:pPr lvl="0" algn="ctr" defTabSz="311150">
+            <a:lnSpc>
+              <a:spcPct val="90000"/>
+            </a:lnSpc>
+            <a:spcBef>
+              <a:spcPct val="0"/>
+            </a:spcBef>
+            <a:spcAft>
+              <a:spcPct val="35000"/>
+            </a:spcAft>
+          </a:pPr>
+          <a:endParaRPr lang="en-US" sz="700" kern="1200"/>
+        </a:p>
+      </dsp:txBody>
+      <dsp:txXfrm rot="-5400000">
+        <a:off x="2237346" y="1644256"/>
+        <a:ext cx="109189" cy="106156"/>
+      </dsp:txXfrm>
+    </dsp:sp>
+    <dsp:sp modelId="{ADB7B8A9-F6E1-4FED-A7A6-24EC1EFB1EAB}">
+      <dsp:nvSpPr>
+        <dsp:cNvPr id="0" name=""/>
+        <dsp:cNvSpPr/>
+      </dsp:nvSpPr>
+      <dsp:spPr>
+        <a:xfrm>
+          <a:off x="1510934" y="1821183"/>
+          <a:ext cx="1562011" cy="404404"/>
+        </a:xfrm>
+        <a:prstGeom prst="roundRect">
+          <a:avLst>
+            <a:gd name="adj" fmla="val 10000"/>
+          </a:avLst>
+        </a:prstGeom>
+        <a:solidFill>
+          <a:schemeClr val="accent1">
+            <a:hueOff val="0"/>
+            <a:satOff val="0"/>
+            <a:lumOff val="0"/>
+            <a:alphaOff val="0"/>
+          </a:schemeClr>
+        </a:solidFill>
+        <a:ln w="25400" cap="flat" cmpd="sng" algn="ctr">
+          <a:solidFill>
+            <a:schemeClr val="lt1">
+              <a:hueOff val="0"/>
+              <a:satOff val="0"/>
+              <a:lumOff val="0"/>
+              <a:alphaOff val="0"/>
+            </a:schemeClr>
+          </a:solidFill>
+          <a:prstDash val="solid"/>
+        </a:ln>
+        <a:effectLst/>
+      </dsp:spPr>
+      <dsp:style>
+        <a:lnRef idx="2">
+          <a:scrgbClr r="0" g="0" b="0"/>
+        </a:lnRef>
+        <a:fillRef idx="1">
+          <a:scrgbClr r="0" g="0" b="0"/>
+        </a:fillRef>
+        <a:effectRef idx="0">
+          <a:scrgbClr r="0" g="0" b="0"/>
+        </a:effectRef>
+        <a:fontRef idx="minor">
+          <a:schemeClr val="lt1"/>
+        </a:fontRef>
+      </dsp:style>
+      <dsp:txBody>
+        <a:bodyPr spcFirstLastPara="0" vert="horz" wrap="square" lIns="64770" tIns="64770" rIns="64770" bIns="64770" numCol="1" spcCol="1270" anchor="ctr" anchorCtr="0">
+          <a:noAutofit/>
+        </a:bodyPr>
+        <a:lstStyle/>
+        <a:p>
+          <a:pPr lvl="0" algn="ctr" defTabSz="755650">
+            <a:lnSpc>
+              <a:spcPct val="90000"/>
+            </a:lnSpc>
+            <a:spcBef>
+              <a:spcPct val="0"/>
+            </a:spcBef>
+            <a:spcAft>
+              <a:spcPct val="35000"/>
+            </a:spcAft>
+          </a:pPr>
+          <a:r>
+            <a:rPr lang="en-GB" sz="1700" kern="1200" dirty="0" smtClean="0"/>
+            <a:t>Do Something</a:t>
+          </a:r>
+          <a:endParaRPr lang="en-US" sz="1700" kern="1200" dirty="0"/>
+        </a:p>
+      </dsp:txBody>
+      <dsp:txXfrm>
+        <a:off x="1522779" y="1833028"/>
+        <a:ext cx="1538321" cy="380714"/>
+      </dsp:txXfrm>
+    </dsp:sp>
+    <dsp:sp modelId="{7E8A4308-E336-4422-BC13-C1C779D43AAF}">
+      <dsp:nvSpPr>
+        <dsp:cNvPr id="0" name=""/>
+        <dsp:cNvSpPr/>
+      </dsp:nvSpPr>
+      <dsp:spPr>
+        <a:xfrm rot="5400000">
+          <a:off x="2216114" y="2235697"/>
+          <a:ext cx="151651" cy="181981"/>
+        </a:xfrm>
+        <a:prstGeom prst="rightArrow">
+          <a:avLst>
+            <a:gd name="adj1" fmla="val 60000"/>
+            <a:gd name="adj2" fmla="val 50000"/>
+          </a:avLst>
+        </a:prstGeom>
+        <a:solidFill>
+          <a:schemeClr val="accent1">
+            <a:tint val="60000"/>
+            <a:hueOff val="0"/>
+            <a:satOff val="0"/>
+            <a:lumOff val="0"/>
+            <a:alphaOff val="0"/>
+          </a:schemeClr>
+        </a:solidFill>
+        <a:ln>
+          <a:noFill/>
+        </a:ln>
+        <a:effectLst/>
+      </dsp:spPr>
+      <dsp:style>
+        <a:lnRef idx="0">
+          <a:scrgbClr r="0" g="0" b="0"/>
+        </a:lnRef>
+        <a:fillRef idx="1">
+          <a:scrgbClr r="0" g="0" b="0"/>
+        </a:fillRef>
+        <a:effectRef idx="0">
+          <a:scrgbClr r="0" g="0" b="0"/>
+        </a:effectRef>
+        <a:fontRef idx="minor">
+          <a:schemeClr val="lt1"/>
+        </a:fontRef>
+      </dsp:style>
+      <dsp:txBody>
+        <a:bodyPr spcFirstLastPara="0" vert="horz" wrap="square" lIns="0" tIns="0" rIns="0" bIns="0" numCol="1" spcCol="1270" anchor="ctr" anchorCtr="0">
+          <a:noAutofit/>
+        </a:bodyPr>
+        <a:lstStyle/>
+        <a:p>
+          <a:pPr lvl="0" algn="ctr" defTabSz="311150">
+            <a:lnSpc>
+              <a:spcPct val="90000"/>
+            </a:lnSpc>
+            <a:spcBef>
+              <a:spcPct val="0"/>
+            </a:spcBef>
+            <a:spcAft>
+              <a:spcPct val="35000"/>
+            </a:spcAft>
+          </a:pPr>
+          <a:endParaRPr lang="en-US" sz="700" kern="1200"/>
+        </a:p>
+      </dsp:txBody>
+      <dsp:txXfrm rot="-5400000">
+        <a:off x="2237346" y="2250862"/>
+        <a:ext cx="109189" cy="106156"/>
+      </dsp:txXfrm>
+    </dsp:sp>
+    <dsp:sp modelId="{DD84BFB4-0252-4197-A95E-14458D33A13B}">
+      <dsp:nvSpPr>
+        <dsp:cNvPr id="0" name=""/>
+        <dsp:cNvSpPr/>
+      </dsp:nvSpPr>
+      <dsp:spPr>
+        <a:xfrm>
+          <a:off x="1510934" y="2427789"/>
+          <a:ext cx="1562011" cy="404404"/>
+        </a:xfrm>
+        <a:prstGeom prst="roundRect">
+          <a:avLst>
+            <a:gd name="adj" fmla="val 10000"/>
+          </a:avLst>
+        </a:prstGeom>
+        <a:solidFill>
+          <a:schemeClr val="accent1">
+            <a:hueOff val="0"/>
+            <a:satOff val="0"/>
+            <a:lumOff val="0"/>
+            <a:alphaOff val="0"/>
+          </a:schemeClr>
+        </a:solidFill>
+        <a:ln w="25400" cap="flat" cmpd="sng" algn="ctr">
+          <a:solidFill>
+            <a:schemeClr val="lt1">
+              <a:hueOff val="0"/>
+              <a:satOff val="0"/>
+              <a:lumOff val="0"/>
+              <a:alphaOff val="0"/>
+            </a:schemeClr>
+          </a:solidFill>
+          <a:prstDash val="solid"/>
+        </a:ln>
+        <a:effectLst/>
+      </dsp:spPr>
+      <dsp:style>
+        <a:lnRef idx="2">
+          <a:scrgbClr r="0" g="0" b="0"/>
+        </a:lnRef>
+        <a:fillRef idx="1">
+          <a:scrgbClr r="0" g="0" b="0"/>
+        </a:fillRef>
+        <a:effectRef idx="0">
+          <a:scrgbClr r="0" g="0" b="0"/>
+        </a:effectRef>
+        <a:fontRef idx="minor">
+          <a:schemeClr val="lt1"/>
+        </a:fontRef>
+      </dsp:style>
+      <dsp:txBody>
+        <a:bodyPr spcFirstLastPara="0" vert="horz" wrap="square" lIns="64770" tIns="64770" rIns="64770" bIns="64770" numCol="1" spcCol="1270" anchor="ctr" anchorCtr="0">
+          <a:noAutofit/>
+        </a:bodyPr>
+        <a:lstStyle/>
+        <a:p>
+          <a:pPr lvl="0" algn="ctr" defTabSz="755650">
+            <a:lnSpc>
+              <a:spcPct val="90000"/>
+            </a:lnSpc>
+            <a:spcBef>
+              <a:spcPct val="0"/>
+            </a:spcBef>
+            <a:spcAft>
+              <a:spcPct val="35000"/>
+            </a:spcAft>
+          </a:pPr>
+          <a:r>
+            <a:rPr lang="en-GB" sz="1700" kern="1200" dirty="0" smtClean="0"/>
+            <a:t>Do Something</a:t>
+          </a:r>
+          <a:endParaRPr lang="en-US" sz="1700" kern="1200" dirty="0"/>
+        </a:p>
+      </dsp:txBody>
+      <dsp:txXfrm>
+        <a:off x="1522779" y="2439634"/>
+        <a:ext cx="1538321" cy="380714"/>
+      </dsp:txXfrm>
+    </dsp:sp>
+    <dsp:sp modelId="{CBA859AF-B4D2-4B6C-9BE6-10B45B364C82}">
+      <dsp:nvSpPr>
+        <dsp:cNvPr id="0" name=""/>
+        <dsp:cNvSpPr/>
+      </dsp:nvSpPr>
+      <dsp:spPr>
+        <a:xfrm rot="5400000">
+          <a:off x="2216114" y="2842304"/>
+          <a:ext cx="151651" cy="181981"/>
+        </a:xfrm>
+        <a:prstGeom prst="rightArrow">
+          <a:avLst>
+            <a:gd name="adj1" fmla="val 60000"/>
+            <a:gd name="adj2" fmla="val 50000"/>
+          </a:avLst>
+        </a:prstGeom>
+        <a:solidFill>
+          <a:schemeClr val="accent1">
+            <a:tint val="60000"/>
+            <a:hueOff val="0"/>
+            <a:satOff val="0"/>
+            <a:lumOff val="0"/>
+            <a:alphaOff val="0"/>
+          </a:schemeClr>
+        </a:solidFill>
+        <a:ln>
+          <a:noFill/>
+        </a:ln>
+        <a:effectLst/>
+      </dsp:spPr>
+      <dsp:style>
+        <a:lnRef idx="0">
+          <a:scrgbClr r="0" g="0" b="0"/>
+        </a:lnRef>
+        <a:fillRef idx="1">
+          <a:scrgbClr r="0" g="0" b="0"/>
+        </a:fillRef>
+        <a:effectRef idx="0">
+          <a:scrgbClr r="0" g="0" b="0"/>
+        </a:effectRef>
+        <a:fontRef idx="minor">
+          <a:schemeClr val="lt1"/>
+        </a:fontRef>
+      </dsp:style>
+      <dsp:txBody>
+        <a:bodyPr spcFirstLastPara="0" vert="horz" wrap="square" lIns="0" tIns="0" rIns="0" bIns="0" numCol="1" spcCol="1270" anchor="ctr" anchorCtr="0">
+          <a:noAutofit/>
+        </a:bodyPr>
+        <a:lstStyle/>
+        <a:p>
+          <a:pPr lvl="0" algn="ctr" defTabSz="311150">
+            <a:lnSpc>
+              <a:spcPct val="90000"/>
+            </a:lnSpc>
+            <a:spcBef>
+              <a:spcPct val="0"/>
+            </a:spcBef>
+            <a:spcAft>
+              <a:spcPct val="35000"/>
+            </a:spcAft>
+          </a:pPr>
+          <a:endParaRPr lang="en-US" sz="700" kern="1200"/>
+        </a:p>
+      </dsp:txBody>
+      <dsp:txXfrm rot="-5400000">
+        <a:off x="2237346" y="2857469"/>
+        <a:ext cx="109189" cy="106156"/>
+      </dsp:txXfrm>
+    </dsp:sp>
+    <dsp:sp modelId="{59035E21-6807-4867-98C2-36089ED27B58}">
+      <dsp:nvSpPr>
+        <dsp:cNvPr id="0" name=""/>
+        <dsp:cNvSpPr/>
+      </dsp:nvSpPr>
+      <dsp:spPr>
+        <a:xfrm>
+          <a:off x="1510934" y="3034396"/>
+          <a:ext cx="1562011" cy="404404"/>
+        </a:xfrm>
+        <a:prstGeom prst="roundRect">
+          <a:avLst>
+            <a:gd name="adj" fmla="val 10000"/>
+          </a:avLst>
+        </a:prstGeom>
+        <a:solidFill>
+          <a:schemeClr val="accent1">
+            <a:hueOff val="0"/>
+            <a:satOff val="0"/>
+            <a:lumOff val="0"/>
+            <a:alphaOff val="0"/>
+          </a:schemeClr>
+        </a:solidFill>
+        <a:ln w="25400" cap="flat" cmpd="sng" algn="ctr">
+          <a:solidFill>
+            <a:schemeClr val="lt1">
+              <a:hueOff val="0"/>
+              <a:satOff val="0"/>
+              <a:lumOff val="0"/>
+              <a:alphaOff val="0"/>
+            </a:schemeClr>
+          </a:solidFill>
+          <a:prstDash val="solid"/>
+        </a:ln>
+        <a:effectLst/>
+      </dsp:spPr>
+      <dsp:style>
+        <a:lnRef idx="2">
+          <a:scrgbClr r="0" g="0" b="0"/>
+        </a:lnRef>
+        <a:fillRef idx="1">
+          <a:scrgbClr r="0" g="0" b="0"/>
+        </a:fillRef>
+        <a:effectRef idx="0">
+          <a:scrgbClr r="0" g="0" b="0"/>
+        </a:effectRef>
+        <a:fontRef idx="minor">
+          <a:schemeClr val="lt1"/>
+        </a:fontRef>
+      </dsp:style>
+      <dsp:txBody>
+        <a:bodyPr spcFirstLastPara="0" vert="horz" wrap="square" lIns="64770" tIns="64770" rIns="64770" bIns="64770" numCol="1" spcCol="1270" anchor="ctr" anchorCtr="0">
+          <a:noAutofit/>
+        </a:bodyPr>
+        <a:lstStyle/>
+        <a:p>
+          <a:pPr lvl="0" algn="ctr" defTabSz="755650">
+            <a:lnSpc>
+              <a:spcPct val="90000"/>
+            </a:lnSpc>
+            <a:spcBef>
+              <a:spcPct val="0"/>
+            </a:spcBef>
+            <a:spcAft>
+              <a:spcPct val="35000"/>
+            </a:spcAft>
+          </a:pPr>
+          <a:r>
+            <a:rPr lang="en-GB" sz="1700" kern="1200" dirty="0" smtClean="0"/>
+            <a:t>Finish</a:t>
+          </a:r>
+          <a:endParaRPr lang="en-US" sz="1700" kern="1200" dirty="0"/>
+        </a:p>
+      </dsp:txBody>
+      <dsp:txXfrm>
+        <a:off x="1522779" y="3046241"/>
+        <a:ext cx="1538321" cy="380714"/>
+      </dsp:txXfrm>
+    </dsp:sp>
   </dsp:spTree>
 </dsp:drawing>
 </file>
@@ -4633,48 +5462,14 @@
           <a:lstStyle/>
           <a:p>
             <a:r>
-              <a:rPr lang="en-US" b="1" dirty="0" smtClean="0"/>
-              <a:t>Exercise</a:t>
-            </a:r>
-            <a:r>
-              <a:rPr lang="en-US" b="1" baseline="0" dirty="0" smtClean="0"/>
-              <a:t> – Mathematical Operations</a:t>
-            </a:r>
-          </a:p>
-          <a:p>
-            <a:endParaRPr lang="en-GB" b="1" baseline="0" dirty="0" smtClean="0"/>
-          </a:p>
-          <a:p>
-            <a:r>
-              <a:rPr lang="en-GB" b="0" baseline="0" dirty="0" smtClean="0">
-                <a:solidFill>
-                  <a:srgbClr val="FF0000"/>
-                </a:solidFill>
-              </a:rPr>
-              <a:t>Design an exercise where the delegates build upon the user of the input and </a:t>
-            </a:r>
-            <a:r>
-              <a:rPr lang="en-GB" b="0" baseline="0" dirty="0" err="1" smtClean="0">
-                <a:solidFill>
-                  <a:srgbClr val="FF0000"/>
-                </a:solidFill>
-              </a:rPr>
-              <a:t>raw_input</a:t>
-            </a:r>
-            <a:r>
-              <a:rPr lang="en-GB" b="0" baseline="0" dirty="0" smtClean="0">
-                <a:solidFill>
-                  <a:srgbClr val="FF0000"/>
-                </a:solidFill>
-              </a:rPr>
-              <a:t> functions to take input and build a calculator or something.</a:t>
-            </a:r>
-          </a:p>
-          <a:p>
-            <a:endParaRPr lang="en-US" dirty="0" smtClean="0"/>
-          </a:p>
-          <a:p>
-            <a:endParaRPr lang="en-US" dirty="0"/>
+              <a:rPr lang="en-GB" dirty="0" smtClean="0"/>
+              <a:t>Complex</a:t>
+            </a:r>
+            <a:r>
+              <a:rPr lang="en-GB" baseline="0" dirty="0" smtClean="0"/>
+              <a:t> numbers have a real and imaginary part.</a:t>
+            </a:r>
+            <a:endParaRPr lang="en-GB" dirty="0"/>
           </a:p>
         </p:txBody>
       </p:sp>
@@ -4694,26 +5489,17 @@
           <a:lstStyle/>
           <a:p>
             <a:fld id="{D2FD33D1-5F8B-45B7-9940-CBFFF9C06F51}" type="slidenum">
-              <a:rPr lang="en-GB" smtClean="0">
-                <a:solidFill>
-                  <a:prstClr val="black"/>
-                </a:solidFill>
-              </a:rPr>
-              <a:pPr/>
-              <a:t>79</a:t>
+              <a:rPr lang="en-GB" smtClean="0"/>
+              <a:t>61</a:t>
             </a:fld>
-            <a:endParaRPr lang="en-GB" dirty="0">
-              <a:solidFill>
-                <a:prstClr val="black"/>
-              </a:solidFill>
-            </a:endParaRPr>
+            <a:endParaRPr lang="en-GB" dirty="0"/>
           </a:p>
         </p:txBody>
       </p:sp>
     </p:spTree>
     <p:extLst>
       <p:ext uri="{BB962C8B-B14F-4D97-AF65-F5344CB8AC3E}">
-        <p14:creationId xmlns:p14="http://schemas.microsoft.com/office/powerpoint/2010/main" val="1019159918"/>
+        <p14:creationId xmlns:p14="http://schemas.microsoft.com/office/powerpoint/2010/main" val="3796556409"/>
       </p:ext>
     </p:extLst>
   </p:cSld>
@@ -4835,7 +5621,7 @@
                 </a:solidFill>
               </a:rPr>
               <a:pPr/>
-              <a:t>87</a:t>
+              <a:t>80</a:t>
             </a:fld>
             <a:endParaRPr lang="en-GB" dirty="0">
               <a:solidFill>
@@ -4848,7 +5634,7 @@
     </p:spTree>
     <p:extLst>
       <p:ext uri="{BB962C8B-B14F-4D97-AF65-F5344CB8AC3E}">
-        <p14:creationId xmlns:p14="http://schemas.microsoft.com/office/powerpoint/2010/main" val="813080437"/>
+        <p14:creationId xmlns:p14="http://schemas.microsoft.com/office/powerpoint/2010/main" val="1019159918"/>
       </p:ext>
     </p:extLst>
   </p:cSld>
@@ -4970,7 +5756,7 @@
                 </a:solidFill>
               </a:rPr>
               <a:pPr/>
-              <a:t>95</a:t>
+              <a:t>88</a:t>
             </a:fld>
             <a:endParaRPr lang="en-GB" dirty="0">
               <a:solidFill>
@@ -4983,7 +5769,7 @@
     </p:spTree>
     <p:extLst>
       <p:ext uri="{BB962C8B-B14F-4D97-AF65-F5344CB8AC3E}">
-        <p14:creationId xmlns:p14="http://schemas.microsoft.com/office/powerpoint/2010/main" val="118522055"/>
+        <p14:creationId xmlns:p14="http://schemas.microsoft.com/office/powerpoint/2010/main" val="813080437"/>
       </p:ext>
     </p:extLst>
   </p:cSld>
@@ -5105,7 +5891,7 @@
                 </a:solidFill>
               </a:rPr>
               <a:pPr/>
-              <a:t>105</a:t>
+              <a:t>93</a:t>
             </a:fld>
             <a:endParaRPr lang="en-GB" dirty="0">
               <a:solidFill>
@@ -5118,7 +5904,547 @@
     </p:spTree>
     <p:extLst>
       <p:ext uri="{BB962C8B-B14F-4D97-AF65-F5344CB8AC3E}">
+        <p14:creationId xmlns:p14="http://schemas.microsoft.com/office/powerpoint/2010/main" val="1232327454"/>
+      </p:ext>
+    </p:extLst>
+  </p:cSld>
+  <p:clrMapOvr>
+    <a:masterClrMapping/>
+  </p:clrMapOvr>
+</p:notes>
+</file>
+
+<file path=ppt/notesSlides/notesSlide25.xml><?xml version="1.0" encoding="utf-8"?>
+<p:notes xmlns:a="http://schemas.openxmlformats.org/drawingml/2006/main" xmlns:r="http://schemas.openxmlformats.org/officeDocument/2006/relationships" xmlns:p="http://schemas.openxmlformats.org/presentationml/2006/main">
+  <p:cSld>
+    <p:spTree>
+      <p:nvGrpSpPr>
+        <p:cNvPr id="1" name=""/>
+        <p:cNvGrpSpPr/>
+        <p:nvPr/>
+      </p:nvGrpSpPr>
+      <p:grpSpPr>
+        <a:xfrm>
+          <a:off x="0" y="0"/>
+          <a:ext cx="0" cy="0"/>
+          <a:chOff x="0" y="0"/>
+          <a:chExt cx="0" cy="0"/>
+        </a:xfrm>
+      </p:grpSpPr>
+      <p:sp>
+        <p:nvSpPr>
+          <p:cNvPr id="2" name="Slide Image Placeholder 1"/>
+          <p:cNvSpPr>
+            <a:spLocks noGrp="1" noRot="1" noChangeAspect="1"/>
+          </p:cNvSpPr>
+          <p:nvPr>
+            <p:ph type="sldImg"/>
+          </p:nvPr>
+        </p:nvSpPr>
+        <p:spPr/>
+      </p:sp>
+      <p:sp>
+        <p:nvSpPr>
+          <p:cNvPr id="3" name="Notes Placeholder 2"/>
+          <p:cNvSpPr>
+            <a:spLocks noGrp="1"/>
+          </p:cNvSpPr>
+          <p:nvPr>
+            <p:ph type="body" idx="1"/>
+          </p:nvPr>
+        </p:nvSpPr>
+        <p:spPr/>
+        <p:txBody>
+          <a:bodyPr/>
+          <a:lstStyle/>
+          <a:p>
+            <a:r>
+              <a:rPr lang="en-US" b="1" dirty="0" smtClean="0"/>
+              <a:t>Exercise</a:t>
+            </a:r>
+            <a:r>
+              <a:rPr lang="en-US" b="1" baseline="0" dirty="0" smtClean="0"/>
+              <a:t> – Mathematical Operations</a:t>
+            </a:r>
+          </a:p>
+          <a:p>
+            <a:endParaRPr lang="en-GB" b="1" baseline="0" dirty="0" smtClean="0"/>
+          </a:p>
+          <a:p>
+            <a:r>
+              <a:rPr lang="en-GB" b="0" baseline="0" dirty="0" smtClean="0">
+                <a:solidFill>
+                  <a:srgbClr val="FF0000"/>
+                </a:solidFill>
+              </a:rPr>
+              <a:t>Design an exercise where the delegates build upon the user of the input and </a:t>
+            </a:r>
+            <a:r>
+              <a:rPr lang="en-GB" b="0" baseline="0" dirty="0" err="1" smtClean="0">
+                <a:solidFill>
+                  <a:srgbClr val="FF0000"/>
+                </a:solidFill>
+              </a:rPr>
+              <a:t>raw_input</a:t>
+            </a:r>
+            <a:r>
+              <a:rPr lang="en-GB" b="0" baseline="0" dirty="0" smtClean="0">
+                <a:solidFill>
+                  <a:srgbClr val="FF0000"/>
+                </a:solidFill>
+              </a:rPr>
+              <a:t> functions to take input and build a calculator or something.</a:t>
+            </a:r>
+          </a:p>
+          <a:p>
+            <a:endParaRPr lang="en-US" dirty="0" smtClean="0"/>
+          </a:p>
+          <a:p>
+            <a:endParaRPr lang="en-US" dirty="0"/>
+          </a:p>
+        </p:txBody>
+      </p:sp>
+      <p:sp>
+        <p:nvSpPr>
+          <p:cNvPr id="4" name="Slide Number Placeholder 3"/>
+          <p:cNvSpPr>
+            <a:spLocks noGrp="1"/>
+          </p:cNvSpPr>
+          <p:nvPr>
+            <p:ph type="sldNum" sz="quarter" idx="10"/>
+          </p:nvPr>
+        </p:nvSpPr>
+        <p:spPr/>
+        <p:txBody>
+          <a:bodyPr/>
+          <a:lstStyle/>
+          <a:p>
+            <a:fld id="{D2FD33D1-5F8B-45B7-9940-CBFFF9C06F51}" type="slidenum">
+              <a:rPr lang="en-GB" smtClean="0">
+                <a:solidFill>
+                  <a:prstClr val="black"/>
+                </a:solidFill>
+              </a:rPr>
+              <a:pPr/>
+              <a:t>97</a:t>
+            </a:fld>
+            <a:endParaRPr lang="en-GB" dirty="0">
+              <a:solidFill>
+                <a:prstClr val="black"/>
+              </a:solidFill>
+            </a:endParaRPr>
+          </a:p>
+        </p:txBody>
+      </p:sp>
+    </p:spTree>
+    <p:extLst>
+      <p:ext uri="{BB962C8B-B14F-4D97-AF65-F5344CB8AC3E}">
+        <p14:creationId xmlns:p14="http://schemas.microsoft.com/office/powerpoint/2010/main" val="118522055"/>
+      </p:ext>
+    </p:extLst>
+  </p:cSld>
+  <p:clrMapOvr>
+    <a:masterClrMapping/>
+  </p:clrMapOvr>
+</p:notes>
+</file>
+
+<file path=ppt/notesSlides/notesSlide26.xml><?xml version="1.0" encoding="utf-8"?>
+<p:notes xmlns:a="http://schemas.openxmlformats.org/drawingml/2006/main" xmlns:r="http://schemas.openxmlformats.org/officeDocument/2006/relationships" xmlns:p="http://schemas.openxmlformats.org/presentationml/2006/main">
+  <p:cSld>
+    <p:spTree>
+      <p:nvGrpSpPr>
+        <p:cNvPr id="1" name=""/>
+        <p:cNvGrpSpPr/>
+        <p:nvPr/>
+      </p:nvGrpSpPr>
+      <p:grpSpPr>
+        <a:xfrm>
+          <a:off x="0" y="0"/>
+          <a:ext cx="0" cy="0"/>
+          <a:chOff x="0" y="0"/>
+          <a:chExt cx="0" cy="0"/>
+        </a:xfrm>
+      </p:grpSpPr>
+      <p:sp>
+        <p:nvSpPr>
+          <p:cNvPr id="2" name="Slide Image Placeholder 1"/>
+          <p:cNvSpPr>
+            <a:spLocks noGrp="1" noRot="1" noChangeAspect="1"/>
+          </p:cNvSpPr>
+          <p:nvPr>
+            <p:ph type="sldImg"/>
+          </p:nvPr>
+        </p:nvSpPr>
+        <p:spPr/>
+      </p:sp>
+      <p:sp>
+        <p:nvSpPr>
+          <p:cNvPr id="3" name="Notes Placeholder 2"/>
+          <p:cNvSpPr>
+            <a:spLocks noGrp="1"/>
+          </p:cNvSpPr>
+          <p:nvPr>
+            <p:ph type="body" idx="1"/>
+          </p:nvPr>
+        </p:nvSpPr>
+        <p:spPr/>
+        <p:txBody>
+          <a:bodyPr/>
+          <a:lstStyle/>
+          <a:p>
+            <a:r>
+              <a:rPr lang="en-US" b="1" dirty="0" smtClean="0"/>
+              <a:t>Exercise</a:t>
+            </a:r>
+            <a:r>
+              <a:rPr lang="en-US" b="1" baseline="0" dirty="0" smtClean="0"/>
+              <a:t> – Mathematical Operations</a:t>
+            </a:r>
+          </a:p>
+          <a:p>
+            <a:endParaRPr lang="en-GB" b="1" baseline="0" dirty="0" smtClean="0"/>
+          </a:p>
+          <a:p>
+            <a:r>
+              <a:rPr lang="en-GB" b="0" baseline="0" dirty="0" smtClean="0">
+                <a:solidFill>
+                  <a:srgbClr val="FF0000"/>
+                </a:solidFill>
+              </a:rPr>
+              <a:t>Design an exercise where the delegates build upon the user of the input and </a:t>
+            </a:r>
+            <a:r>
+              <a:rPr lang="en-GB" b="0" baseline="0" dirty="0" err="1" smtClean="0">
+                <a:solidFill>
+                  <a:srgbClr val="FF0000"/>
+                </a:solidFill>
+              </a:rPr>
+              <a:t>raw_input</a:t>
+            </a:r>
+            <a:r>
+              <a:rPr lang="en-GB" b="0" baseline="0" dirty="0" smtClean="0">
+                <a:solidFill>
+                  <a:srgbClr val="FF0000"/>
+                </a:solidFill>
+              </a:rPr>
+              <a:t> functions to take input and build a calculator or something.</a:t>
+            </a:r>
+          </a:p>
+          <a:p>
+            <a:endParaRPr lang="en-US" dirty="0" smtClean="0"/>
+          </a:p>
+          <a:p>
+            <a:endParaRPr lang="en-US" dirty="0"/>
+          </a:p>
+        </p:txBody>
+      </p:sp>
+      <p:sp>
+        <p:nvSpPr>
+          <p:cNvPr id="4" name="Slide Number Placeholder 3"/>
+          <p:cNvSpPr>
+            <a:spLocks noGrp="1"/>
+          </p:cNvSpPr>
+          <p:nvPr>
+            <p:ph type="sldNum" sz="quarter" idx="10"/>
+          </p:nvPr>
+        </p:nvSpPr>
+        <p:spPr/>
+        <p:txBody>
+          <a:bodyPr/>
+          <a:lstStyle/>
+          <a:p>
+            <a:fld id="{D2FD33D1-5F8B-45B7-9940-CBFFF9C06F51}" type="slidenum">
+              <a:rPr lang="en-GB" smtClean="0">
+                <a:solidFill>
+                  <a:prstClr val="black"/>
+                </a:solidFill>
+              </a:rPr>
+              <a:pPr/>
+              <a:t>107</a:t>
+            </a:fld>
+            <a:endParaRPr lang="en-GB" dirty="0">
+              <a:solidFill>
+                <a:prstClr val="black"/>
+              </a:solidFill>
+            </a:endParaRPr>
+          </a:p>
+        </p:txBody>
+      </p:sp>
+    </p:spTree>
+    <p:extLst>
+      <p:ext uri="{BB962C8B-B14F-4D97-AF65-F5344CB8AC3E}">
         <p14:creationId xmlns:p14="http://schemas.microsoft.com/office/powerpoint/2010/main" val="207883666"/>
+      </p:ext>
+    </p:extLst>
+  </p:cSld>
+  <p:clrMapOvr>
+    <a:masterClrMapping/>
+  </p:clrMapOvr>
+</p:notes>
+</file>
+
+<file path=ppt/notesSlides/notesSlide27.xml><?xml version="1.0" encoding="utf-8"?>
+<p:notes xmlns:a="http://schemas.openxmlformats.org/drawingml/2006/main" xmlns:r="http://schemas.openxmlformats.org/officeDocument/2006/relationships" xmlns:p="http://schemas.openxmlformats.org/presentationml/2006/main">
+  <p:cSld>
+    <p:spTree>
+      <p:nvGrpSpPr>
+        <p:cNvPr id="1" name=""/>
+        <p:cNvGrpSpPr/>
+        <p:nvPr/>
+      </p:nvGrpSpPr>
+      <p:grpSpPr>
+        <a:xfrm>
+          <a:off x="0" y="0"/>
+          <a:ext cx="0" cy="0"/>
+          <a:chOff x="0" y="0"/>
+          <a:chExt cx="0" cy="0"/>
+        </a:xfrm>
+      </p:grpSpPr>
+      <p:sp>
+        <p:nvSpPr>
+          <p:cNvPr id="2" name="Slide Image Placeholder 1"/>
+          <p:cNvSpPr>
+            <a:spLocks noGrp="1" noRot="1" noChangeAspect="1"/>
+          </p:cNvSpPr>
+          <p:nvPr>
+            <p:ph type="sldImg"/>
+          </p:nvPr>
+        </p:nvSpPr>
+        <p:spPr/>
+      </p:sp>
+      <p:sp>
+        <p:nvSpPr>
+          <p:cNvPr id="3" name="Notes Placeholder 2"/>
+          <p:cNvSpPr>
+            <a:spLocks noGrp="1"/>
+          </p:cNvSpPr>
+          <p:nvPr>
+            <p:ph type="body" idx="1"/>
+          </p:nvPr>
+        </p:nvSpPr>
+        <p:spPr/>
+        <p:txBody>
+          <a:bodyPr/>
+          <a:lstStyle/>
+          <a:p>
+            <a:r>
+              <a:rPr lang="en-US" b="1" dirty="0" smtClean="0"/>
+              <a:t>Exercise</a:t>
+            </a:r>
+            <a:r>
+              <a:rPr lang="en-US" b="1" baseline="0" dirty="0" smtClean="0"/>
+              <a:t> – Mathematical Operations</a:t>
+            </a:r>
+          </a:p>
+          <a:p>
+            <a:endParaRPr lang="en-GB" b="1" baseline="0" dirty="0" smtClean="0"/>
+          </a:p>
+          <a:p>
+            <a:r>
+              <a:rPr lang="en-GB" b="0" baseline="0" dirty="0" smtClean="0">
+                <a:solidFill>
+                  <a:srgbClr val="FF0000"/>
+                </a:solidFill>
+              </a:rPr>
+              <a:t>Design an exercise where the delegates build upon the user of the input and </a:t>
+            </a:r>
+            <a:r>
+              <a:rPr lang="en-GB" b="0" baseline="0" dirty="0" err="1" smtClean="0">
+                <a:solidFill>
+                  <a:srgbClr val="FF0000"/>
+                </a:solidFill>
+              </a:rPr>
+              <a:t>raw_input</a:t>
+            </a:r>
+            <a:r>
+              <a:rPr lang="en-GB" b="0" baseline="0" dirty="0" smtClean="0">
+                <a:solidFill>
+                  <a:srgbClr val="FF0000"/>
+                </a:solidFill>
+              </a:rPr>
+              <a:t> functions to take input and build a calculator or something.</a:t>
+            </a:r>
+          </a:p>
+          <a:p>
+            <a:endParaRPr lang="en-US" dirty="0" smtClean="0"/>
+          </a:p>
+          <a:p>
+            <a:endParaRPr lang="en-US" dirty="0"/>
+          </a:p>
+        </p:txBody>
+      </p:sp>
+      <p:sp>
+        <p:nvSpPr>
+          <p:cNvPr id="4" name="Slide Number Placeholder 3"/>
+          <p:cNvSpPr>
+            <a:spLocks noGrp="1"/>
+          </p:cNvSpPr>
+          <p:nvPr>
+            <p:ph type="sldNum" sz="quarter" idx="10"/>
+          </p:nvPr>
+        </p:nvSpPr>
+        <p:spPr/>
+        <p:txBody>
+          <a:bodyPr/>
+          <a:lstStyle/>
+          <a:p>
+            <a:fld id="{D2FD33D1-5F8B-45B7-9940-CBFFF9C06F51}" type="slidenum">
+              <a:rPr lang="en-GB" smtClean="0">
+                <a:solidFill>
+                  <a:prstClr val="black"/>
+                </a:solidFill>
+              </a:rPr>
+              <a:pPr/>
+              <a:t>110</a:t>
+            </a:fld>
+            <a:endParaRPr lang="en-GB" dirty="0">
+              <a:solidFill>
+                <a:prstClr val="black"/>
+              </a:solidFill>
+            </a:endParaRPr>
+          </a:p>
+        </p:txBody>
+      </p:sp>
+    </p:spTree>
+    <p:extLst>
+      <p:ext uri="{BB962C8B-B14F-4D97-AF65-F5344CB8AC3E}">
+        <p14:creationId xmlns:p14="http://schemas.microsoft.com/office/powerpoint/2010/main" val="3712048495"/>
+      </p:ext>
+    </p:extLst>
+  </p:cSld>
+  <p:clrMapOvr>
+    <a:masterClrMapping/>
+  </p:clrMapOvr>
+</p:notes>
+</file>
+
+<file path=ppt/notesSlides/notesSlide28.xml><?xml version="1.0" encoding="utf-8"?>
+<p:notes xmlns:a="http://schemas.openxmlformats.org/drawingml/2006/main" xmlns:r="http://schemas.openxmlformats.org/officeDocument/2006/relationships" xmlns:p="http://schemas.openxmlformats.org/presentationml/2006/main">
+  <p:cSld>
+    <p:spTree>
+      <p:nvGrpSpPr>
+        <p:cNvPr id="1" name=""/>
+        <p:cNvGrpSpPr/>
+        <p:nvPr/>
+      </p:nvGrpSpPr>
+      <p:grpSpPr>
+        <a:xfrm>
+          <a:off x="0" y="0"/>
+          <a:ext cx="0" cy="0"/>
+          <a:chOff x="0" y="0"/>
+          <a:chExt cx="0" cy="0"/>
+        </a:xfrm>
+      </p:grpSpPr>
+      <p:sp>
+        <p:nvSpPr>
+          <p:cNvPr id="2" name="Slide Image Placeholder 1"/>
+          <p:cNvSpPr>
+            <a:spLocks noGrp="1" noRot="1" noChangeAspect="1"/>
+          </p:cNvSpPr>
+          <p:nvPr>
+            <p:ph type="sldImg"/>
+          </p:nvPr>
+        </p:nvSpPr>
+        <p:spPr/>
+      </p:sp>
+      <p:sp>
+        <p:nvSpPr>
+          <p:cNvPr id="3" name="Notes Placeholder 2"/>
+          <p:cNvSpPr>
+            <a:spLocks noGrp="1"/>
+          </p:cNvSpPr>
+          <p:nvPr>
+            <p:ph type="body" idx="1"/>
+          </p:nvPr>
+        </p:nvSpPr>
+        <p:spPr/>
+        <p:txBody>
+          <a:bodyPr/>
+          <a:lstStyle/>
+          <a:p>
+            <a:r>
+              <a:rPr lang="en-US" b="1" dirty="0" smtClean="0"/>
+              <a:t>Exercise</a:t>
+            </a:r>
+            <a:r>
+              <a:rPr lang="en-US" b="1" baseline="0" dirty="0" smtClean="0"/>
+              <a:t> – Mathematical Operations</a:t>
+            </a:r>
+          </a:p>
+          <a:p>
+            <a:endParaRPr lang="en-GB" b="1" baseline="0" dirty="0" smtClean="0"/>
+          </a:p>
+          <a:p>
+            <a:r>
+              <a:rPr lang="en-GB" b="0" baseline="0" dirty="0" smtClean="0">
+                <a:solidFill>
+                  <a:srgbClr val="FF0000"/>
+                </a:solidFill>
+              </a:rPr>
+              <a:t>Design an exercise where the delegates build upon the user of the input and </a:t>
+            </a:r>
+            <a:r>
+              <a:rPr lang="en-GB" b="0" baseline="0" dirty="0" err="1" smtClean="0">
+                <a:solidFill>
+                  <a:srgbClr val="FF0000"/>
+                </a:solidFill>
+              </a:rPr>
+              <a:t>raw_input</a:t>
+            </a:r>
+            <a:r>
+              <a:rPr lang="en-GB" b="0" baseline="0" dirty="0" smtClean="0">
+                <a:solidFill>
+                  <a:srgbClr val="FF0000"/>
+                </a:solidFill>
+              </a:rPr>
+              <a:t> functions to take input and build a calculator or something.</a:t>
+            </a:r>
+          </a:p>
+          <a:p>
+            <a:endParaRPr lang="en-US" dirty="0" smtClean="0"/>
+          </a:p>
+          <a:p>
+            <a:endParaRPr lang="en-US" dirty="0"/>
+          </a:p>
+        </p:txBody>
+      </p:sp>
+      <p:sp>
+        <p:nvSpPr>
+          <p:cNvPr id="4" name="Slide Number Placeholder 3"/>
+          <p:cNvSpPr>
+            <a:spLocks noGrp="1"/>
+          </p:cNvSpPr>
+          <p:nvPr>
+            <p:ph type="sldNum" sz="quarter" idx="10"/>
+          </p:nvPr>
+        </p:nvSpPr>
+        <p:spPr/>
+        <p:txBody>
+          <a:bodyPr/>
+          <a:lstStyle/>
+          <a:p>
+            <a:fld id="{D2FD33D1-5F8B-45B7-9940-CBFFF9C06F51}" type="slidenum">
+              <a:rPr lang="en-GB" smtClean="0">
+                <a:solidFill>
+                  <a:prstClr val="black"/>
+                </a:solidFill>
+              </a:rPr>
+              <a:pPr/>
+              <a:t>119</a:t>
+            </a:fld>
+            <a:endParaRPr lang="en-GB" dirty="0">
+              <a:solidFill>
+                <a:prstClr val="black"/>
+              </a:solidFill>
+            </a:endParaRPr>
+          </a:p>
+        </p:txBody>
+      </p:sp>
+    </p:spTree>
+    <p:extLst>
+      <p:ext uri="{BB962C8B-B14F-4D97-AF65-F5344CB8AC3E}">
+        <p14:creationId xmlns:p14="http://schemas.microsoft.com/office/powerpoint/2010/main" val="487731684"/>
       </p:ext>
     </p:extLst>
   </p:cSld>
@@ -8022,109 +9348,89 @@
         <p:spPr/>
         <p:txBody>
           <a:bodyPr>
-            <a:normAutofit fontScale="92500" lnSpcReduction="10000"/>
+            <a:normAutofit lnSpcReduction="10000"/>
           </a:bodyPr>
           <a:lstStyle/>
           <a:p>
+            <a:pPr marL="457200" lvl="2" indent="-457200"/>
+            <a:r>
+              <a:rPr lang="en-US" dirty="0"/>
+              <a:t>How do we account for the differences in path syntax between operating systems?</a:t>
+            </a:r>
+          </a:p>
+          <a:p>
+            <a:pPr lvl="1"/>
             <a:r>
               <a:rPr lang="en-US" dirty="0" smtClean="0"/>
-              <a:t>How do we open a file?</a:t>
+              <a:t>In Python, use the </a:t>
+            </a:r>
+            <a:r>
+              <a:rPr lang="en-US" dirty="0" err="1" smtClean="0"/>
+              <a:t>os.path</a:t>
+            </a:r>
+            <a:r>
+              <a:rPr lang="en-US" dirty="0" smtClean="0"/>
+              <a:t> module</a:t>
             </a:r>
           </a:p>
           <a:p>
             <a:pPr lvl="1"/>
             <a:r>
               <a:rPr lang="en-US" dirty="0" smtClean="0"/>
-              <a:t>open(</a:t>
-            </a:r>
-            <a:r>
-              <a:rPr lang="en-US" i="1" dirty="0" smtClean="0"/>
-              <a:t>name[,mode[,buffering]]</a:t>
-            </a:r>
+              <a:t>Python always loads the path module suitable for the operating system it is running on</a:t>
+            </a:r>
+          </a:p>
+          <a:p>
+            <a:pPr lvl="1"/>
             <a:r>
               <a:rPr lang="en-US" dirty="0" smtClean="0"/>
-              <a:t>)</a:t>
+              <a:t>Specific modules can be loaded to manipulate paths that are always in one of the different formats, such as</a:t>
             </a:r>
           </a:p>
           <a:p>
             <a:pPr lvl="2"/>
             <a:r>
+              <a:rPr lang="en-US" dirty="0" err="1" smtClean="0"/>
+              <a:t>posixpath</a:t>
+            </a:r>
+            <a:r>
               <a:rPr lang="en-US" dirty="0" smtClean="0"/>
-              <a:t>name – file name to be opened</a:t>
+              <a:t> for Unix-style paths</a:t>
             </a:r>
           </a:p>
           <a:p>
             <a:pPr lvl="2"/>
             <a:r>
+              <a:rPr lang="en-US" dirty="0" err="1"/>
+              <a:t>n</a:t>
+            </a:r>
+            <a:r>
+              <a:rPr lang="en-US" dirty="0" err="1" smtClean="0"/>
+              <a:t>tpath</a:t>
+            </a:r>
+            <a:r>
               <a:rPr lang="en-US" dirty="0" smtClean="0"/>
-              <a:t>mode – string indicating how the file is to be opened</a:t>
-            </a:r>
-          </a:p>
-          <a:p>
-            <a:pPr lvl="3"/>
+              <a:t> for Windows-style paths</a:t>
+            </a:r>
+          </a:p>
+          <a:p>
+            <a:pPr lvl="2"/>
+            <a:r>
+              <a:rPr lang="en-US" dirty="0" err="1" smtClean="0"/>
+              <a:t>macpath</a:t>
+            </a:r>
             <a:r>
               <a:rPr lang="en-US" dirty="0" smtClean="0"/>
-              <a:t>r – for reading</a:t>
-            </a:r>
-          </a:p>
-          <a:p>
-            <a:pPr lvl="3"/>
+              <a:t> for old-style </a:t>
+            </a:r>
+            <a:r>
+              <a:rPr lang="en-US" dirty="0" err="1" smtClean="0"/>
+              <a:t>MacOS</a:t>
+            </a:r>
             <a:r>
               <a:rPr lang="en-US" dirty="0" smtClean="0"/>
-              <a:t>w – for writing</a:t>
-            </a:r>
-          </a:p>
-          <a:p>
-            <a:pPr lvl="3"/>
-            <a:r>
-              <a:rPr lang="en-US" dirty="0" smtClean="0"/>
-              <a:t>a – for appending</a:t>
-            </a:r>
-          </a:p>
-          <a:p>
-            <a:pPr lvl="3"/>
-            <a:r>
-              <a:rPr lang="en-US" dirty="0" smtClean="0"/>
-              <a:t>defaults to ‘r’</a:t>
-            </a:r>
-          </a:p>
-          <a:p>
-            <a:pPr lvl="2"/>
-            <a:r>
-              <a:rPr lang="en-US" dirty="0" smtClean="0"/>
-              <a:t>buffering – optional argument indicating desired buffer size</a:t>
-            </a:r>
-          </a:p>
-          <a:p>
-            <a:pPr lvl="3"/>
-            <a:r>
-              <a:rPr lang="en-US" dirty="0" smtClean="0"/>
-              <a:t>0 – </a:t>
-            </a:r>
-            <a:r>
-              <a:rPr lang="en-US" dirty="0" err="1" smtClean="0"/>
-              <a:t>unbuffered</a:t>
-            </a:r>
-            <a:endParaRPr lang="en-US" dirty="0" smtClean="0"/>
-          </a:p>
-          <a:p>
-            <a:pPr lvl="3"/>
-            <a:r>
-              <a:rPr lang="en-US" dirty="0" smtClean="0"/>
-              <a:t>1 – line buffered</a:t>
-            </a:r>
-          </a:p>
-          <a:p>
-            <a:pPr lvl="3"/>
-            <a:r>
-              <a:rPr lang="en-US" dirty="0" smtClean="0"/>
-              <a:t>any other positive value in bytes</a:t>
-            </a:r>
-          </a:p>
-          <a:p>
-            <a:pPr marL="914400" lvl="2" indent="0">
-              <a:buNone/>
-            </a:pPr>
+              <a:t> paths</a:t>
+            </a:r>
             <a:endParaRPr lang="en-US" dirty="0"/>
           </a:p>
         </p:txBody>
@@ -8146,7 +9452,7 @@
           <a:p>
             <a:r>
               <a:rPr lang="en-US" dirty="0" smtClean="0"/>
-              <a:t>File IO: File Operations</a:t>
+              <a:t>File IO</a:t>
             </a:r>
             <a:endParaRPr lang="en-US" dirty="0"/>
           </a:p>
@@ -8155,7 +9461,7 @@
     </p:spTree>
     <p:extLst>
       <p:ext uri="{BB962C8B-B14F-4D97-AF65-F5344CB8AC3E}">
-        <p14:creationId xmlns:p14="http://schemas.microsoft.com/office/powerpoint/2010/main" val="2870467808"/>
+        <p14:creationId xmlns:p14="http://schemas.microsoft.com/office/powerpoint/2010/main" val="1106993298"/>
       </p:ext>
     </p:extLst>
   </p:cSld>
@@ -8209,49 +9515,10 @@
         </p:nvSpPr>
         <p:spPr/>
         <p:txBody>
-          <a:bodyPr>
-            <a:normAutofit/>
-          </a:bodyPr>
+          <a:bodyPr/>
           <a:lstStyle/>
           <a:p>
-            <a:r>
-              <a:rPr lang="en-US" dirty="0" smtClean="0"/>
-              <a:t>But I want to read </a:t>
-            </a:r>
-            <a:r>
-              <a:rPr lang="en-US" i="1" dirty="0" smtClean="0"/>
-              <a:t>and</a:t>
-            </a:r>
-            <a:r>
-              <a:rPr lang="en-US" dirty="0" smtClean="0"/>
-              <a:t> write!</a:t>
-            </a:r>
-          </a:p>
-          <a:p>
-            <a:pPr lvl="1"/>
-            <a:r>
-              <a:rPr lang="en-US" dirty="0" smtClean="0"/>
-              <a:t>append a ‘+’ to the mode to open the file for updating (reading and writing)</a:t>
-            </a:r>
-          </a:p>
-          <a:p>
-            <a:pPr lvl="2"/>
-            <a:r>
-              <a:rPr lang="en-US" dirty="0" smtClean="0"/>
-              <a:t>r+, w+, a+</a:t>
-            </a:r>
             <a:endParaRPr lang="en-US" dirty="0"/>
-          </a:p>
-          <a:p>
-            <a:pPr lvl="1"/>
-            <a:r>
-              <a:rPr lang="en-US" dirty="0" smtClean="0"/>
-              <a:t>note that ‘w+’ truncates the file</a:t>
-            </a:r>
-          </a:p>
-          <a:p>
-            <a:pPr lvl="1"/>
-            <a:endParaRPr lang="en-US" dirty="0" smtClean="0"/>
           </a:p>
         </p:txBody>
       </p:sp>
@@ -8272,7 +9539,7 @@
           <a:p>
             <a:r>
               <a:rPr lang="en-US" dirty="0" smtClean="0"/>
-              <a:t>File IO: File Operations</a:t>
+              <a:t>File IO: Path Examples</a:t>
             </a:r>
             <a:endParaRPr lang="en-US" dirty="0"/>
           </a:p>
@@ -8281,7 +9548,7 @@
     </p:spTree>
     <p:extLst>
       <p:ext uri="{BB962C8B-B14F-4D97-AF65-F5344CB8AC3E}">
-        <p14:creationId xmlns:p14="http://schemas.microsoft.com/office/powerpoint/2010/main" val="2622588657"/>
+        <p14:creationId xmlns:p14="http://schemas.microsoft.com/office/powerpoint/2010/main" val="3224124106"/>
       </p:ext>
     </p:extLst>
   </p:cSld>
@@ -8335,69 +9602,111 @@
         </p:nvSpPr>
         <p:spPr/>
         <p:txBody>
-          <a:bodyPr/>
+          <a:bodyPr>
+            <a:normAutofit fontScale="92500" lnSpcReduction="10000"/>
+          </a:bodyPr>
           <a:lstStyle/>
           <a:p>
             <a:r>
               <a:rPr lang="en-US" dirty="0" smtClean="0"/>
-              <a:t>But what about binary data?</a:t>
+              <a:t>How do we open a file?</a:t>
             </a:r>
           </a:p>
           <a:p>
             <a:pPr lvl="1"/>
             <a:r>
               <a:rPr lang="en-US" dirty="0" smtClean="0"/>
-              <a:t>open() defaults to text mode</a:t>
-            </a:r>
-          </a:p>
-          <a:p>
-            <a:pPr lvl="1"/>
+              <a:t>open(</a:t>
+            </a:r>
+            <a:r>
+              <a:rPr lang="en-US" i="1" dirty="0" smtClean="0"/>
+              <a:t>name[,mode[,buffering]]</a:t>
+            </a:r>
             <a:r>
               <a:rPr lang="en-US" dirty="0" smtClean="0"/>
-              <a:t>append ‘b’ to the mode for binary on systems that differentiate between text and binary data</a:t>
-            </a:r>
-            <a:endParaRPr lang="en-US" dirty="0"/>
+              <a:t>)</a:t>
+            </a:r>
           </a:p>
           <a:p>
             <a:pPr lvl="2"/>
             <a:r>
+              <a:rPr lang="en-US" dirty="0" smtClean="0"/>
+              <a:t>name – file name to be opened</a:t>
+            </a:r>
+          </a:p>
+          <a:p>
+            <a:pPr lvl="2"/>
+            <a:r>
+              <a:rPr lang="en-US" dirty="0" smtClean="0"/>
+              <a:t>mode – string indicating how the file is to be opened</a:t>
+            </a:r>
+          </a:p>
+          <a:p>
+            <a:pPr lvl="3"/>
+            <a:r>
+              <a:rPr lang="en-US" dirty="0" smtClean="0"/>
+              <a:t>r – for reading</a:t>
+            </a:r>
+          </a:p>
+          <a:p>
+            <a:pPr lvl="3"/>
+            <a:r>
+              <a:rPr lang="en-US" dirty="0" smtClean="0"/>
+              <a:t>w – for writing</a:t>
+            </a:r>
+          </a:p>
+          <a:p>
+            <a:pPr lvl="3"/>
+            <a:r>
+              <a:rPr lang="en-US" dirty="0" smtClean="0"/>
+              <a:t>a – for appending</a:t>
+            </a:r>
+          </a:p>
+          <a:p>
+            <a:pPr lvl="3"/>
+            <a:r>
+              <a:rPr lang="en-US" dirty="0" smtClean="0"/>
+              <a:t>defaults to ‘r’</a:t>
+            </a:r>
+          </a:p>
+          <a:p>
+            <a:pPr lvl="2"/>
+            <a:r>
+              <a:rPr lang="en-US" dirty="0" smtClean="0"/>
+              <a:t>buffering – optional argument indicating desired buffer size</a:t>
+            </a:r>
+          </a:p>
+          <a:p>
+            <a:pPr lvl="3"/>
+            <a:r>
+              <a:rPr lang="en-US" dirty="0" smtClean="0"/>
+              <a:t>0 – </a:t>
+            </a:r>
+            <a:r>
               <a:rPr lang="en-US" dirty="0" err="1" smtClean="0"/>
-              <a:t>rb</a:t>
-            </a:r>
+              <a:t>unbuffered</a:t>
+            </a:r>
+            <a:endParaRPr lang="en-US" dirty="0" smtClean="0"/>
+          </a:p>
+          <a:p>
+            <a:pPr lvl="3"/>
             <a:r>
               <a:rPr lang="en-US" dirty="0" smtClean="0"/>
-              <a:t>, </a:t>
-            </a:r>
-            <a:r>
-              <a:rPr lang="en-US" dirty="0" err="1" smtClean="0"/>
-              <a:t>wb</a:t>
-            </a:r>
+              <a:t>1 – line buffered</a:t>
+            </a:r>
+          </a:p>
+          <a:p>
+            <a:pPr lvl="3"/>
             <a:r>
               <a:rPr lang="en-US" dirty="0" smtClean="0"/>
-              <a:t>, </a:t>
-            </a:r>
-            <a:r>
-              <a:rPr lang="en-US" dirty="0" err="1" smtClean="0"/>
-              <a:t>ab</a:t>
-            </a:r>
-            <a:endParaRPr lang="en-US" dirty="0" smtClean="0"/>
-          </a:p>
-          <a:p>
-            <a:pPr lvl="1"/>
-            <a:r>
-              <a:rPr lang="en-US" dirty="0" smtClean="0"/>
-              <a:t>Has no effect on systems that don’t differentiate</a:t>
-            </a:r>
-          </a:p>
-          <a:p>
-            <a:pPr lvl="1"/>
-            <a:endParaRPr lang="en-US" dirty="0" smtClean="0"/>
+              <a:t>any other positive value in bytes</a:t>
+            </a:r>
           </a:p>
           <a:p>
             <a:pPr marL="914400" lvl="2" indent="0">
               <a:buNone/>
             </a:pPr>
-            <a:endParaRPr lang="en-US" dirty="0" smtClean="0"/>
+            <a:endParaRPr lang="en-US" dirty="0"/>
           </a:p>
         </p:txBody>
       </p:sp>
@@ -8427,7 +9736,7 @@
     </p:spTree>
     <p:extLst>
       <p:ext uri="{BB962C8B-B14F-4D97-AF65-F5344CB8AC3E}">
-        <p14:creationId xmlns:p14="http://schemas.microsoft.com/office/powerpoint/2010/main" val="1760797253"/>
+        <p14:creationId xmlns:p14="http://schemas.microsoft.com/office/powerpoint/2010/main" val="2870467808"/>
       </p:ext>
     </p:extLst>
   </p:cSld>
@@ -8482,142 +9791,48 @@
         <p:spPr/>
         <p:txBody>
           <a:bodyPr>
-            <a:normAutofit lnSpcReduction="10000"/>
+            <a:normAutofit/>
           </a:bodyPr>
           <a:lstStyle/>
           <a:p>
             <a:r>
               <a:rPr lang="en-US" dirty="0" smtClean="0"/>
-              <a:t>Can I delete files?</a:t>
+              <a:t>But I want to read </a:t>
+            </a:r>
+            <a:r>
+              <a:rPr lang="en-US" i="1" dirty="0" smtClean="0"/>
+              <a:t>and</a:t>
+            </a:r>
+            <a:r>
+              <a:rPr lang="en-US" dirty="0" smtClean="0"/>
+              <a:t> write!</a:t>
             </a:r>
           </a:p>
           <a:p>
             <a:pPr lvl="1"/>
             <a:r>
-              <a:rPr lang="en-US" dirty="0" err="1" smtClean="0"/>
-              <a:t>os.remove</a:t>
-            </a:r>
-            <a:r>
               <a:rPr lang="en-US" dirty="0" smtClean="0"/>
-              <a:t>(</a:t>
-            </a:r>
-            <a:r>
-              <a:rPr lang="en-US" i="1" dirty="0" smtClean="0"/>
-              <a:t>path</a:t>
-            </a:r>
+              <a:t>append a ‘+’ to the mode to open the file for updating (reading and writing)</a:t>
+            </a:r>
+          </a:p>
+          <a:p>
+            <a:pPr lvl="2"/>
             <a:r>
               <a:rPr lang="en-US" dirty="0" smtClean="0"/>
-              <a:t>)</a:t>
-            </a:r>
-          </a:p>
-          <a:p>
+              <a:t>r+, w+, a+</a:t>
+            </a:r>
+            <a:endParaRPr lang="en-US" dirty="0"/>
+          </a:p>
+          <a:p>
+            <a:pPr lvl="1"/>
             <a:r>
               <a:rPr lang="en-US" dirty="0" smtClean="0"/>
-              <a:t>What about directories?</a:t>
+              <a:t>note that ‘w+’ truncates the file</a:t>
             </a:r>
           </a:p>
           <a:p>
             <a:pPr lvl="1"/>
-            <a:r>
-              <a:rPr lang="en-US" dirty="0" err="1" smtClean="0"/>
-              <a:t>os.rmdir</a:t>
-            </a:r>
-            <a:r>
-              <a:rPr lang="en-US" dirty="0" smtClean="0"/>
-              <a:t>(</a:t>
-            </a:r>
-            <a:r>
-              <a:rPr lang="en-US" i="1" dirty="0" smtClean="0"/>
-              <a:t>path</a:t>
-            </a:r>
-            <a:r>
-              <a:rPr lang="en-US" dirty="0" smtClean="0"/>
-              <a:t>)</a:t>
-            </a:r>
-            <a:endParaRPr lang="en-US" dirty="0"/>
-          </a:p>
-          <a:p>
-            <a:pPr lvl="1"/>
-            <a:r>
-              <a:rPr lang="en-US" dirty="0" err="1" smtClean="0"/>
-              <a:t>os.removedirs</a:t>
-            </a:r>
-            <a:r>
-              <a:rPr lang="en-US" dirty="0" smtClean="0"/>
-              <a:t>(</a:t>
-            </a:r>
-            <a:r>
-              <a:rPr lang="en-US" i="1" dirty="0" smtClean="0"/>
-              <a:t>path</a:t>
-            </a:r>
-            <a:r>
-              <a:rPr lang="en-US" dirty="0" smtClean="0"/>
-              <a:t>)</a:t>
-            </a:r>
-            <a:endParaRPr lang="en-US" dirty="0"/>
-          </a:p>
-          <a:p>
-            <a:r>
-              <a:rPr lang="en-US" dirty="0" smtClean="0"/>
-              <a:t>Can I do anything else?</a:t>
-            </a:r>
-          </a:p>
-          <a:p>
-            <a:pPr lvl="1"/>
-            <a:r>
-              <a:rPr lang="en-US" dirty="0" err="1" smtClean="0"/>
-              <a:t>os.listdir</a:t>
-            </a:r>
-            <a:r>
-              <a:rPr lang="en-US" dirty="0" smtClean="0"/>
-              <a:t>(</a:t>
-            </a:r>
-            <a:r>
-              <a:rPr lang="en-US" i="1" dirty="0"/>
-              <a:t>path</a:t>
-            </a:r>
-            <a:r>
-              <a:rPr lang="en-US" dirty="0" smtClean="0"/>
-              <a:t>)</a:t>
-            </a:r>
-          </a:p>
-          <a:p>
-            <a:pPr lvl="1"/>
-            <a:r>
-              <a:rPr lang="en-US" dirty="0" err="1" smtClean="0"/>
-              <a:t>os.rename</a:t>
-            </a:r>
-            <a:r>
-              <a:rPr lang="en-US" dirty="0" smtClean="0"/>
-              <a:t>(</a:t>
-            </a:r>
-            <a:r>
-              <a:rPr lang="en-US" i="1" dirty="0" err="1" smtClean="0"/>
-              <a:t>src,dest</a:t>
-            </a:r>
-            <a:r>
-              <a:rPr lang="en-US" dirty="0" smtClean="0"/>
-              <a:t>)</a:t>
-            </a:r>
-          </a:p>
-          <a:p>
-            <a:pPr lvl="1"/>
-            <a:r>
-              <a:rPr lang="en-US" dirty="0" err="1" smtClean="0"/>
-              <a:t>os.mkdir</a:t>
-            </a:r>
-            <a:r>
-              <a:rPr lang="en-US" dirty="0" smtClean="0"/>
-              <a:t>(</a:t>
-            </a:r>
-            <a:r>
-              <a:rPr lang="en-US" i="1" dirty="0" smtClean="0"/>
-              <a:t>path[,mode]</a:t>
-            </a:r>
-            <a:r>
-              <a:rPr lang="en-US" dirty="0" smtClean="0"/>
-              <a:t>)</a:t>
-            </a:r>
+            <a:endParaRPr lang="en-US" dirty="0" smtClean="0"/>
           </a:p>
         </p:txBody>
       </p:sp>
@@ -8638,7 +9853,7 @@
           <a:p>
             <a:r>
               <a:rPr lang="en-US" dirty="0" smtClean="0"/>
-              <a:t>File IO</a:t>
+              <a:t>File IO: File Operations</a:t>
             </a:r>
             <a:endParaRPr lang="en-US" dirty="0"/>
           </a:p>
@@ -8647,7 +9862,7 @@
     </p:spTree>
     <p:extLst>
       <p:ext uri="{BB962C8B-B14F-4D97-AF65-F5344CB8AC3E}">
-        <p14:creationId xmlns:p14="http://schemas.microsoft.com/office/powerpoint/2010/main" val="3485451260"/>
+        <p14:creationId xmlns:p14="http://schemas.microsoft.com/office/powerpoint/2010/main" val="2622588657"/>
       </p:ext>
     </p:extLst>
   </p:cSld>
@@ -8704,7 +9919,66 @@
           <a:bodyPr/>
           <a:lstStyle/>
           <a:p>
+            <a:r>
+              <a:rPr lang="en-US" dirty="0" smtClean="0"/>
+              <a:t>But what about binary data?</a:t>
+            </a:r>
+          </a:p>
+          <a:p>
+            <a:pPr lvl="1"/>
+            <a:r>
+              <a:rPr lang="en-US" dirty="0" smtClean="0"/>
+              <a:t>open() defaults to text mode</a:t>
+            </a:r>
+          </a:p>
+          <a:p>
+            <a:pPr lvl="1"/>
+            <a:r>
+              <a:rPr lang="en-US" dirty="0" smtClean="0"/>
+              <a:t>append ‘b’ to the mode for binary on systems that differentiate between text and binary data</a:t>
+            </a:r>
             <a:endParaRPr lang="en-US" dirty="0"/>
+          </a:p>
+          <a:p>
+            <a:pPr lvl="2"/>
+            <a:r>
+              <a:rPr lang="en-US" dirty="0" err="1" smtClean="0"/>
+              <a:t>rb</a:t>
+            </a:r>
+            <a:r>
+              <a:rPr lang="en-US" dirty="0" smtClean="0"/>
+              <a:t>, </a:t>
+            </a:r>
+            <a:r>
+              <a:rPr lang="en-US" dirty="0" err="1" smtClean="0"/>
+              <a:t>wb</a:t>
+            </a:r>
+            <a:r>
+              <a:rPr lang="en-US" dirty="0" smtClean="0"/>
+              <a:t>, </a:t>
+            </a:r>
+            <a:r>
+              <a:rPr lang="en-US" dirty="0" err="1" smtClean="0"/>
+              <a:t>ab</a:t>
+            </a:r>
+            <a:endParaRPr lang="en-US" dirty="0" smtClean="0"/>
+          </a:p>
+          <a:p>
+            <a:pPr lvl="1"/>
+            <a:r>
+              <a:rPr lang="en-US" dirty="0" smtClean="0"/>
+              <a:t>Has no effect on systems that don’t differentiate</a:t>
+            </a:r>
+          </a:p>
+          <a:p>
+            <a:pPr lvl="1"/>
+            <a:endParaRPr lang="en-US" dirty="0" smtClean="0"/>
+          </a:p>
+          <a:p>
+            <a:pPr marL="914400" lvl="2" indent="0">
+              <a:buNone/>
+            </a:pPr>
+            <a:endParaRPr lang="en-US" dirty="0" smtClean="0"/>
           </a:p>
         </p:txBody>
       </p:sp>
@@ -8725,7 +9999,7 @@
           <a:p>
             <a:r>
               <a:rPr lang="en-US" dirty="0" smtClean="0"/>
-              <a:t>File IO: File Operations Examples</a:t>
+              <a:t>File IO: File Operations</a:t>
             </a:r>
             <a:endParaRPr lang="en-US" dirty="0"/>
           </a:p>
@@ -8734,7 +10008,7 @@
     </p:spTree>
     <p:extLst>
       <p:ext uri="{BB962C8B-B14F-4D97-AF65-F5344CB8AC3E}">
-        <p14:creationId xmlns:p14="http://schemas.microsoft.com/office/powerpoint/2010/main" val="347953696"/>
+        <p14:creationId xmlns:p14="http://schemas.microsoft.com/office/powerpoint/2010/main" val="1760797253"/>
       </p:ext>
     </p:extLst>
   </p:cSld>
@@ -8754,6 +10028,14 @@
 <file path=ppt/slides/slide105.xml><?xml version="1.0" encoding="utf-8"?>
 <p:sld xmlns:a="http://schemas.openxmlformats.org/drawingml/2006/main" xmlns:r="http://schemas.openxmlformats.org/officeDocument/2006/relationships" xmlns:p="http://schemas.openxmlformats.org/presentationml/2006/main">
   <p:cSld>
+    <p:bg>
+      <p:bgPr>
+        <a:solidFill>
+          <a:schemeClr val="bg1"/>
+        </a:solidFill>
+        <a:effectLst/>
+      </p:bgPr>
+    </p:bg>
     <p:spTree>
       <p:nvGrpSpPr>
         <p:cNvPr id="1" name=""/>
@@ -8770,7 +10052,159 @@
       </p:grpSpPr>
       <p:sp>
         <p:nvSpPr>
-          <p:cNvPr id="4" name="Title 3"/>
+          <p:cNvPr id="4" name="Content Placeholder 3"/>
+          <p:cNvSpPr>
+            <a:spLocks noGrp="1"/>
+          </p:cNvSpPr>
+          <p:nvPr>
+            <p:ph idx="1"/>
+          </p:nvPr>
+        </p:nvSpPr>
+        <p:spPr/>
+        <p:txBody>
+          <a:bodyPr>
+            <a:normAutofit lnSpcReduction="10000"/>
+          </a:bodyPr>
+          <a:lstStyle/>
+          <a:p>
+            <a:r>
+              <a:rPr lang="en-US" dirty="0" smtClean="0"/>
+              <a:t>Can I delete files?</a:t>
+            </a:r>
+          </a:p>
+          <a:p>
+            <a:pPr lvl="1"/>
+            <a:r>
+              <a:rPr lang="en-US" dirty="0" err="1" smtClean="0"/>
+              <a:t>os.remove</a:t>
+            </a:r>
+            <a:r>
+              <a:rPr lang="en-US" dirty="0" smtClean="0"/>
+              <a:t>(</a:t>
+            </a:r>
+            <a:r>
+              <a:rPr lang="en-US" i="1" dirty="0" smtClean="0"/>
+              <a:t>path</a:t>
+            </a:r>
+            <a:r>
+              <a:rPr lang="en-US" dirty="0" smtClean="0"/>
+              <a:t>)</a:t>
+            </a:r>
+          </a:p>
+          <a:p>
+            <a:r>
+              <a:rPr lang="en-US" dirty="0" smtClean="0"/>
+              <a:t>What about directories?</a:t>
+            </a:r>
+          </a:p>
+          <a:p>
+            <a:pPr lvl="1"/>
+            <a:r>
+              <a:rPr lang="en-US" dirty="0" err="1" smtClean="0"/>
+              <a:t>os.rmdir</a:t>
+            </a:r>
+            <a:r>
+              <a:rPr lang="en-US" dirty="0" smtClean="0"/>
+              <a:t>(</a:t>
+            </a:r>
+            <a:r>
+              <a:rPr lang="en-US" i="1" dirty="0" smtClean="0"/>
+              <a:t>path</a:t>
+            </a:r>
+            <a:r>
+              <a:rPr lang="en-US" dirty="0" smtClean="0"/>
+              <a:t>)</a:t>
+            </a:r>
+            <a:endParaRPr lang="en-US" dirty="0"/>
+          </a:p>
+          <a:p>
+            <a:pPr lvl="1"/>
+            <a:r>
+              <a:rPr lang="en-US" dirty="0" err="1" smtClean="0"/>
+              <a:t>os.removedirs</a:t>
+            </a:r>
+            <a:r>
+              <a:rPr lang="en-US" dirty="0" smtClean="0"/>
+              <a:t>(</a:t>
+            </a:r>
+            <a:r>
+              <a:rPr lang="en-US" i="1" dirty="0" smtClean="0"/>
+              <a:t>path</a:t>
+            </a:r>
+            <a:r>
+              <a:rPr lang="en-US" dirty="0" smtClean="0"/>
+              <a:t>)</a:t>
+            </a:r>
+            <a:endParaRPr lang="en-US" dirty="0"/>
+          </a:p>
+          <a:p>
+            <a:r>
+              <a:rPr lang="en-US" dirty="0" smtClean="0"/>
+              <a:t>Can I do anything else?</a:t>
+            </a:r>
+          </a:p>
+          <a:p>
+            <a:pPr lvl="1"/>
+            <a:r>
+              <a:rPr lang="en-US" dirty="0" err="1" smtClean="0"/>
+              <a:t>os.listdir</a:t>
+            </a:r>
+            <a:r>
+              <a:rPr lang="en-US" dirty="0" smtClean="0"/>
+              <a:t>(</a:t>
+            </a:r>
+            <a:r>
+              <a:rPr lang="en-US" i="1" dirty="0"/>
+              <a:t>path</a:t>
+            </a:r>
+            <a:r>
+              <a:rPr lang="en-US" dirty="0" smtClean="0"/>
+              <a:t>)</a:t>
+            </a:r>
+          </a:p>
+          <a:p>
+            <a:pPr lvl="1"/>
+            <a:r>
+              <a:rPr lang="en-US" dirty="0" err="1" smtClean="0"/>
+              <a:t>os.rename</a:t>
+            </a:r>
+            <a:r>
+              <a:rPr lang="en-US" dirty="0" smtClean="0"/>
+              <a:t>(</a:t>
+            </a:r>
+            <a:r>
+              <a:rPr lang="en-US" i="1" dirty="0" err="1" smtClean="0"/>
+              <a:t>src,dest</a:t>
+            </a:r>
+            <a:r>
+              <a:rPr lang="en-US" dirty="0" smtClean="0"/>
+              <a:t>)</a:t>
+            </a:r>
+          </a:p>
+          <a:p>
+            <a:pPr lvl="1"/>
+            <a:r>
+              <a:rPr lang="en-US" dirty="0" err="1" smtClean="0"/>
+              <a:t>os.mkdir</a:t>
+            </a:r>
+            <a:r>
+              <a:rPr lang="en-US" dirty="0" smtClean="0"/>
+              <a:t>(</a:t>
+            </a:r>
+            <a:r>
+              <a:rPr lang="en-US" i="1" dirty="0" smtClean="0"/>
+              <a:t>path[,mode]</a:t>
+            </a:r>
+            <a:r>
+              <a:rPr lang="en-US" dirty="0" smtClean="0"/>
+              <a:t>)</a:t>
+            </a:r>
+          </a:p>
+        </p:txBody>
+      </p:sp>
+      <p:sp>
+        <p:nvSpPr>
+          <p:cNvPr id="3" name="Title 2"/>
           <p:cNvSpPr>
             <a:spLocks noGrp="1"/>
           </p:cNvSpPr>
@@ -8780,22 +10214,12 @@
         </p:nvSpPr>
         <p:spPr/>
         <p:txBody>
-          <a:bodyPr>
-            <a:normAutofit/>
-          </a:bodyPr>
+          <a:bodyPr/>
           <a:lstStyle/>
           <a:p>
             <a:r>
-              <a:rPr lang="en-US" dirty="0" smtClean="0">
-                <a:solidFill>
-                  <a:srgbClr val="C4A174"/>
-                </a:solidFill>
-              </a:rPr>
-              <a:t>Exercise:</a:t>
-            </a:r>
-            <a:r>
               <a:rPr lang="en-US" dirty="0" smtClean="0"/>
-              <a:t> File Operations</a:t>
+              <a:t>File IO</a:t>
             </a:r>
             <a:endParaRPr lang="en-US" dirty="0"/>
           </a:p>
@@ -8804,7 +10228,7 @@
     </p:spTree>
     <p:extLst>
       <p:ext uri="{BB962C8B-B14F-4D97-AF65-F5344CB8AC3E}">
-        <p14:creationId xmlns:p14="http://schemas.microsoft.com/office/powerpoint/2010/main" val="1034857759"/>
+        <p14:creationId xmlns:p14="http://schemas.microsoft.com/office/powerpoint/2010/main" val="3485451260"/>
       </p:ext>
     </p:extLst>
   </p:cSld>
@@ -8858,60 +10282,9 @@
         </p:nvSpPr>
         <p:spPr/>
         <p:txBody>
-          <a:bodyPr>
-            <a:normAutofit fontScale="92500" lnSpcReduction="10000"/>
-          </a:bodyPr>
+          <a:bodyPr/>
           <a:lstStyle/>
           <a:p>
-            <a:r>
-              <a:rPr lang="en-US" dirty="0" smtClean="0"/>
-              <a:t>What happens when our application encounters an error?</a:t>
-            </a:r>
-          </a:p>
-          <a:p>
-            <a:r>
-              <a:rPr lang="en-US" dirty="0" smtClean="0"/>
-              <a:t>What can we do to prevent our application crashing?</a:t>
-            </a:r>
-          </a:p>
-          <a:p>
-            <a:r>
-              <a:rPr lang="en-US" dirty="0" smtClean="0"/>
-              <a:t>try…except…finally</a:t>
-            </a:r>
-          </a:p>
-          <a:p>
-            <a:pPr lvl="1"/>
-            <a:r>
-              <a:rPr lang="en-US" dirty="0" smtClean="0"/>
-              <a:t>try block tells the interpreter that the following code may cause an error</a:t>
-            </a:r>
-          </a:p>
-          <a:p>
-            <a:pPr lvl="1"/>
-            <a:r>
-              <a:rPr lang="en-US" dirty="0" smtClean="0"/>
-              <a:t>except blocks tell th</a:t>
-            </a:r>
-            <a:r>
-              <a:rPr lang="en-US" dirty="0" smtClean="0"/>
-              <a:t>e interpreter what kind of errors should be expected and what to do when they occur. This is called ‘catching’ the exception.</a:t>
-            </a:r>
-          </a:p>
-          <a:p>
-            <a:pPr lvl="1"/>
-            <a:r>
-              <a:rPr lang="en-US" dirty="0" smtClean="0"/>
-              <a:t>finally block tells the interpreter what to do next, </a:t>
-            </a:r>
-            <a:r>
-              <a:rPr lang="en-US" i="1" dirty="0" smtClean="0"/>
-              <a:t>whether or not an error occurred</a:t>
-            </a:r>
-            <a:r>
-              <a:rPr lang="en-US" dirty="0" smtClean="0"/>
-              <a:t>.</a:t>
-            </a:r>
             <a:endParaRPr lang="en-US" dirty="0"/>
           </a:p>
         </p:txBody>
@@ -8933,7 +10306,7 @@
           <a:p>
             <a:r>
               <a:rPr lang="en-US" dirty="0" smtClean="0"/>
-              <a:t>Error Handling</a:t>
+              <a:t>File IO: File Operations Examples</a:t>
             </a:r>
             <a:endParaRPr lang="en-US" dirty="0"/>
           </a:p>
@@ -8942,7 +10315,7 @@
     </p:spTree>
     <p:extLst>
       <p:ext uri="{BB962C8B-B14F-4D97-AF65-F5344CB8AC3E}">
-        <p14:creationId xmlns:p14="http://schemas.microsoft.com/office/powerpoint/2010/main" val="906518440"/>
+        <p14:creationId xmlns:p14="http://schemas.microsoft.com/office/powerpoint/2010/main" val="347953696"/>
       </p:ext>
     </p:extLst>
   </p:cSld>
@@ -8962,14 +10335,6 @@
 <file path=ppt/slides/slide107.xml><?xml version="1.0" encoding="utf-8"?>
 <p:sld xmlns:a="http://schemas.openxmlformats.org/drawingml/2006/main" xmlns:r="http://schemas.openxmlformats.org/officeDocument/2006/relationships" xmlns:p="http://schemas.openxmlformats.org/presentationml/2006/main">
   <p:cSld>
-    <p:bg>
-      <p:bgPr>
-        <a:solidFill>
-          <a:schemeClr val="bg1"/>
-        </a:solidFill>
-        <a:effectLst/>
-      </p:bgPr>
-    </p:bg>
     <p:spTree>
       <p:nvGrpSpPr>
         <p:cNvPr id="1" name=""/>
@@ -8986,7 +10351,7 @@
       </p:grpSpPr>
       <p:sp>
         <p:nvSpPr>
-          <p:cNvPr id="3" name="Title 2"/>
+          <p:cNvPr id="4" name="Title 3"/>
           <p:cNvSpPr>
             <a:spLocks noGrp="1"/>
           </p:cNvSpPr>
@@ -8996,116 +10361,31 @@
         </p:nvSpPr>
         <p:spPr/>
         <p:txBody>
-          <a:bodyPr/>
-          <a:lstStyle/>
-          <a:p>
-            <a:r>
-              <a:rPr lang="en-US" dirty="0" smtClean="0"/>
-              <a:t>Error Handling: Example</a:t>
-            </a:r>
-            <a:endParaRPr lang="en-US" dirty="0"/>
-          </a:p>
-        </p:txBody>
-      </p:sp>
-      <p:sp>
-        <p:nvSpPr>
-          <p:cNvPr id="5" name="Rectangle 4"/>
-          <p:cNvSpPr/>
-          <p:nvPr/>
-        </p:nvSpPr>
-        <p:spPr>
-          <a:xfrm>
-            <a:off x="3143672" y="1415673"/>
-            <a:ext cx="5472608" cy="461665"/>
-          </a:xfrm>
-          <a:prstGeom prst="rect">
-            <a:avLst/>
-          </a:prstGeom>
-          <a:solidFill>
-            <a:schemeClr val="bg1"/>
-          </a:solidFill>
-          <a:ln w="28575">
-            <a:solidFill>
-              <a:srgbClr val="008000"/>
-            </a:solidFill>
-          </a:ln>
-          <a:effectLst>
-            <a:outerShdw blurRad="50800" dist="38100" dir="2700000" algn="tl" rotWithShape="0">
-              <a:prstClr val="black">
-                <a:alpha val="40000"/>
-              </a:prstClr>
-            </a:outerShdw>
-          </a:effectLst>
-        </p:spPr>
-        <p:txBody>
-          <a:bodyPr wrap="square">
-            <a:spAutoFit/>
+          <a:bodyPr>
+            <a:normAutofit/>
           </a:bodyPr>
           <a:lstStyle/>
           <a:p>
             <a:r>
-              <a:rPr lang="en-US" sz="1200" dirty="0" smtClean="0">
-                <a:solidFill>
-                  <a:srgbClr val="008000"/>
-                </a:solidFill>
-                <a:highlight>
-                  <a:srgbClr val="FFFFFF"/>
-                </a:highlight>
-                <a:latin typeface="Courier New" panose="02070309020205020404" pitchFamily="49" charset="0"/>
-              </a:rPr>
-              <a:t>#!/</a:t>
-            </a:r>
-            <a:r>
-              <a:rPr lang="en-US" sz="1200" dirty="0" err="1" smtClean="0">
-                <a:solidFill>
-                  <a:srgbClr val="008000"/>
-                </a:solidFill>
-                <a:highlight>
-                  <a:srgbClr val="FFFFFF"/>
-                </a:highlight>
-                <a:latin typeface="Courier New" panose="02070309020205020404" pitchFamily="49" charset="0"/>
-              </a:rPr>
-              <a:t>usr</a:t>
-            </a:r>
-            <a:r>
-              <a:rPr lang="en-US" sz="1200" dirty="0" smtClean="0">
-                <a:solidFill>
-                  <a:srgbClr val="008000"/>
-                </a:solidFill>
-                <a:highlight>
-                  <a:srgbClr val="FFFFFF"/>
-                </a:highlight>
-                <a:latin typeface="Courier New" panose="02070309020205020404" pitchFamily="49" charset="0"/>
-              </a:rPr>
-              <a:t>/bin/python</a:t>
-            </a:r>
-            <a:endParaRPr lang="en-US" sz="1200" dirty="0" smtClean="0">
-              <a:solidFill>
-                <a:srgbClr val="000000"/>
-              </a:solidFill>
-              <a:highlight>
-                <a:srgbClr val="FFFFFF"/>
-              </a:highlight>
-              <a:latin typeface="Courier New" panose="02070309020205020404" pitchFamily="49" charset="0"/>
-            </a:endParaRPr>
-          </a:p>
-          <a:p>
-            <a:endParaRPr lang="en-US" sz="1200" dirty="0" smtClean="0">
-              <a:solidFill>
-                <a:srgbClr val="000000"/>
-              </a:solidFill>
-              <a:highlight>
-                <a:srgbClr val="FFFFFF"/>
-              </a:highlight>
-              <a:latin typeface="Courier New" panose="02070309020205020404" pitchFamily="49" charset="0"/>
-            </a:endParaRPr>
+              <a:rPr lang="en-US" dirty="0" smtClean="0">
+                <a:solidFill>
+                  <a:srgbClr val="C4A174"/>
+                </a:solidFill>
+              </a:rPr>
+              <a:t>Exercise:</a:t>
+            </a:r>
+            <a:r>
+              <a:rPr lang="en-US" dirty="0" smtClean="0"/>
+              <a:t> File Operations</a:t>
+            </a:r>
+            <a:endParaRPr lang="en-US" dirty="0"/>
           </a:p>
         </p:txBody>
       </p:sp>
     </p:spTree>
     <p:extLst>
       <p:ext uri="{BB962C8B-B14F-4D97-AF65-F5344CB8AC3E}">
-        <p14:creationId xmlns:p14="http://schemas.microsoft.com/office/powerpoint/2010/main" val="2774228623"/>
+        <p14:creationId xmlns:p14="http://schemas.microsoft.com/office/powerpoint/2010/main" val="1034857759"/>
       </p:ext>
     </p:extLst>
   </p:cSld>
@@ -9160,63 +10440,54 @@
         <p:spPr/>
         <p:txBody>
           <a:bodyPr>
-            <a:normAutofit lnSpcReduction="10000"/>
+            <a:normAutofit fontScale="92500" lnSpcReduction="10000"/>
           </a:bodyPr>
           <a:lstStyle/>
           <a:p>
             <a:r>
               <a:rPr lang="en-US" dirty="0" smtClean="0"/>
-              <a:t>What is a thread?</a:t>
-            </a:r>
-            <a:endParaRPr lang="en-US" dirty="0" smtClean="0"/>
+              <a:t>What happens when our application encounters an error?</a:t>
+            </a:r>
+          </a:p>
+          <a:p>
+            <a:r>
+              <a:rPr lang="en-US" dirty="0" smtClean="0"/>
+              <a:t>What can we do to prevent our application crashing?</a:t>
+            </a:r>
+          </a:p>
+          <a:p>
+            <a:r>
+              <a:rPr lang="en-US" dirty="0" smtClean="0"/>
+              <a:t>try…except…finally</a:t>
+            </a:r>
           </a:p>
           <a:p>
             <a:pPr lvl="1"/>
             <a:r>
               <a:rPr lang="en-US" dirty="0" smtClean="0"/>
-              <a:t>“…an activity that is run in a separate thread of control.”</a:t>
+              <a:t>try block tells the interpreter that the following code may cause an error</a:t>
             </a:r>
           </a:p>
           <a:p>
             <a:pPr lvl="1"/>
             <a:r>
               <a:rPr lang="en-US" dirty="0" smtClean="0"/>
-              <a:t>Every Python program has a “main thread” or initial thread of control</a:t>
+              <a:t>except blocks tell the interpreter what kind of errors should be expected and what to do when they occur. This is called ‘catching’ the exception.</a:t>
             </a:r>
           </a:p>
           <a:p>
             <a:pPr lvl="1"/>
             <a:r>
               <a:rPr lang="en-US" dirty="0" smtClean="0"/>
-              <a:t>Once started, a thread continues until its run() method terminates</a:t>
-            </a:r>
-          </a:p>
-          <a:p>
-            <a:pPr lvl="2"/>
+              <a:t>finally block tells the interpreter what to do next, </a:t>
+            </a:r>
+            <a:r>
+              <a:rPr lang="en-US" i="1" dirty="0" smtClean="0"/>
+              <a:t>whether or not an error occurred</a:t>
+            </a:r>
             <a:r>
               <a:rPr lang="en-US" dirty="0" smtClean="0"/>
-              <a:t>Either normally or via unhandled exception</a:t>
-            </a:r>
-          </a:p>
-          <a:p>
-            <a:pPr lvl="1"/>
-            <a:r>
-              <a:rPr lang="en-US" dirty="0" smtClean="0"/>
-              <a:t>Threads can block other threads</a:t>
-            </a:r>
-          </a:p>
-          <a:p>
-            <a:pPr lvl="1"/>
-            <a:r>
-              <a:rPr lang="en-US" dirty="0" smtClean="0"/>
-              <a:t>Threads can signal other threads</a:t>
-            </a:r>
-          </a:p>
-          <a:p>
-            <a:pPr lvl="1"/>
-            <a:r>
-              <a:rPr lang="en-US" dirty="0" smtClean="0"/>
-              <a:t>Threads can be interrogated to see if they’re running</a:t>
+              <a:t>.</a:t>
             </a:r>
             <a:endParaRPr lang="en-US" dirty="0"/>
           </a:p>
@@ -9239,7 +10510,7 @@
           <a:p>
             <a:r>
               <a:rPr lang="en-US" dirty="0" smtClean="0"/>
-              <a:t>Threading</a:t>
+              <a:t>Error Handling</a:t>
             </a:r>
             <a:endParaRPr lang="en-US" dirty="0"/>
           </a:p>
@@ -9248,7 +10519,7 @@
     </p:spTree>
     <p:extLst>
       <p:ext uri="{BB962C8B-B14F-4D97-AF65-F5344CB8AC3E}">
-        <p14:creationId xmlns:p14="http://schemas.microsoft.com/office/powerpoint/2010/main" val="4107860098"/>
+        <p14:creationId xmlns:p14="http://schemas.microsoft.com/office/powerpoint/2010/main" val="906518440"/>
       </p:ext>
     </p:extLst>
   </p:cSld>
@@ -9292,145 +10563,6 @@
       </p:grpSpPr>
       <p:sp>
         <p:nvSpPr>
-          <p:cNvPr id="4" name="Content Placeholder 3"/>
-          <p:cNvSpPr>
-            <a:spLocks noGrp="1"/>
-          </p:cNvSpPr>
-          <p:nvPr>
-            <p:ph idx="1"/>
-          </p:nvPr>
-        </p:nvSpPr>
-        <p:spPr/>
-        <p:txBody>
-          <a:bodyPr>
-            <a:normAutofit lnSpcReduction="10000"/>
-          </a:bodyPr>
-          <a:lstStyle/>
-          <a:p>
-            <a:r>
-              <a:rPr lang="en-US" dirty="0" smtClean="0"/>
-              <a:t>Creating a thread</a:t>
-            </a:r>
-          </a:p>
-          <a:p>
-            <a:pPr lvl="1"/>
-            <a:r>
-              <a:rPr lang="en-US" dirty="0" err="1" smtClean="0"/>
-              <a:t>thread.start_new_thread</a:t>
-            </a:r>
-            <a:r>
-              <a:rPr lang="en-US" dirty="0" smtClean="0"/>
-              <a:t>(</a:t>
-            </a:r>
-            <a:r>
-              <a:rPr lang="en-US" i="1" dirty="0" smtClean="0"/>
-              <a:t>function, </a:t>
-            </a:r>
-            <a:r>
-              <a:rPr lang="en-US" i="1" dirty="0" err="1" smtClean="0"/>
-              <a:t>args</a:t>
-            </a:r>
-            <a:r>
-              <a:rPr lang="en-US" i="1" dirty="0" smtClean="0"/>
-              <a:t>[, </a:t>
-            </a:r>
-            <a:r>
-              <a:rPr lang="en-US" i="1" dirty="0" err="1" smtClean="0"/>
-              <a:t>kwargs</a:t>
-            </a:r>
-            <a:r>
-              <a:rPr lang="en-US" i="1" dirty="0" smtClean="0"/>
-              <a:t>]</a:t>
-            </a:r>
-            <a:r>
-              <a:rPr lang="en-US" dirty="0" smtClean="0"/>
-              <a:t>)</a:t>
-            </a:r>
-          </a:p>
-          <a:p>
-            <a:pPr lvl="2"/>
-            <a:r>
-              <a:rPr lang="en-US" dirty="0" smtClean="0"/>
-              <a:t>Runs </a:t>
-            </a:r>
-            <a:r>
-              <a:rPr lang="en-US" dirty="0" smtClean="0"/>
-              <a:t>until the function returns or terminates due to an unhandled exception</a:t>
-            </a:r>
-          </a:p>
-          <a:p>
-            <a:pPr lvl="2"/>
-            <a:r>
-              <a:rPr lang="en-US" i="1" dirty="0" err="1" smtClean="0"/>
-              <a:t>args</a:t>
-            </a:r>
-            <a:r>
-              <a:rPr lang="en-US" i="1" dirty="0" smtClean="0"/>
-              <a:t> </a:t>
-            </a:r>
-            <a:r>
-              <a:rPr lang="en-US" dirty="0" smtClean="0"/>
-              <a:t>is a tuple of arguments – use an empty tuple for functions with no arguments</a:t>
-            </a:r>
-          </a:p>
-          <a:p>
-            <a:pPr lvl="2"/>
-            <a:r>
-              <a:rPr lang="en-US" dirty="0" smtClean="0"/>
-              <a:t>Returns the thread identifier</a:t>
-            </a:r>
-          </a:p>
-          <a:p>
-            <a:pPr lvl="1"/>
-            <a:r>
-              <a:rPr lang="en-US" dirty="0" err="1" smtClean="0"/>
-              <a:t>threading.Thread</a:t>
-            </a:r>
-            <a:endParaRPr lang="en-US" dirty="0" smtClean="0"/>
-          </a:p>
-          <a:p>
-            <a:pPr lvl="2"/>
-            <a:r>
-              <a:rPr lang="en-US" dirty="0" smtClean="0"/>
-              <a:t>Provide a callable object to the constructor</a:t>
-            </a:r>
-          </a:p>
-          <a:p>
-            <a:pPr lvl="2"/>
-            <a:r>
-              <a:rPr lang="en-US" dirty="0" smtClean="0"/>
-              <a:t>Subclass and override </a:t>
-            </a:r>
-            <a:r>
-              <a:rPr lang="en-US" i="1" dirty="0" smtClean="0"/>
-              <a:t>run() </a:t>
-            </a:r>
-            <a:r>
-              <a:rPr lang="en-US" dirty="0" smtClean="0"/>
-              <a:t>and </a:t>
-            </a:r>
-            <a:r>
-              <a:rPr lang="en-US" i="1" dirty="0" smtClean="0"/>
-              <a:t>__</a:t>
-            </a:r>
-            <a:r>
-              <a:rPr lang="en-US" i="1" dirty="0" err="1" smtClean="0"/>
-              <a:t>init</a:t>
-            </a:r>
-            <a:r>
-              <a:rPr lang="en-US" i="1" dirty="0" smtClean="0"/>
-              <a:t>__</a:t>
-            </a:r>
-            <a:r>
-              <a:rPr lang="en-US" dirty="0" smtClean="0"/>
-              <a:t>() methods</a:t>
-            </a:r>
-            <a:endParaRPr lang="en-US" dirty="0"/>
-          </a:p>
-        </p:txBody>
-      </p:sp>
-      <p:sp>
-        <p:nvSpPr>
           <p:cNvPr id="3" name="Title 2"/>
           <p:cNvSpPr>
             <a:spLocks noGrp="1"/>
@@ -9446,16 +10578,111 @@
           <a:p>
             <a:r>
               <a:rPr lang="en-US" dirty="0" smtClean="0"/>
-              <a:t>Threading: Creation</a:t>
+              <a:t>Error Handling: Example</a:t>
             </a:r>
             <a:endParaRPr lang="en-US" dirty="0"/>
+          </a:p>
+        </p:txBody>
+      </p:sp>
+      <p:sp>
+        <p:nvSpPr>
+          <p:cNvPr id="5" name="Rectangle 4"/>
+          <p:cNvSpPr/>
+          <p:nvPr/>
+        </p:nvSpPr>
+        <p:spPr>
+          <a:xfrm>
+            <a:off x="3143672" y="1415673"/>
+            <a:ext cx="5472608" cy="461665"/>
+          </a:xfrm>
+          <a:prstGeom prst="rect">
+            <a:avLst/>
+          </a:prstGeom>
+          <a:solidFill>
+            <a:schemeClr val="bg1"/>
+          </a:solidFill>
+          <a:ln w="28575">
+            <a:solidFill>
+              <a:srgbClr val="008000"/>
+            </a:solidFill>
+          </a:ln>
+          <a:effectLst>
+            <a:outerShdw blurRad="50800" dist="38100" dir="2700000" algn="tl" rotWithShape="0">
+              <a:prstClr val="black">
+                <a:alpha val="40000"/>
+              </a:prstClr>
+            </a:outerShdw>
+          </a:effectLst>
+        </p:spPr>
+        <p:txBody>
+          <a:bodyPr wrap="square">
+            <a:spAutoFit/>
+          </a:bodyPr>
+          <a:lstStyle/>
+          <a:p>
+            <a:r>
+              <a:rPr lang="en-US" sz="1200" dirty="0" smtClean="0">
+                <a:solidFill>
+                  <a:srgbClr val="008000"/>
+                </a:solidFill>
+                <a:highlight>
+                  <a:srgbClr val="FFFFFF"/>
+                </a:highlight>
+                <a:latin typeface="Courier New" panose="02070309020205020404" pitchFamily="49" charset="0"/>
+              </a:rPr>
+              <a:t>#!/</a:t>
+            </a:r>
+            <a:r>
+              <a:rPr lang="en-US" sz="1200" dirty="0" err="1" smtClean="0">
+                <a:solidFill>
+                  <a:srgbClr val="008000"/>
+                </a:solidFill>
+                <a:highlight>
+                  <a:srgbClr val="FFFFFF"/>
+                </a:highlight>
+                <a:latin typeface="Courier New" panose="02070309020205020404" pitchFamily="49" charset="0"/>
+              </a:rPr>
+              <a:t>usr</a:t>
+            </a:r>
+            <a:r>
+              <a:rPr lang="en-US" sz="1200" dirty="0" smtClean="0">
+                <a:solidFill>
+                  <a:srgbClr val="008000"/>
+                </a:solidFill>
+                <a:highlight>
+                  <a:srgbClr val="FFFFFF"/>
+                </a:highlight>
+                <a:latin typeface="Courier New" panose="02070309020205020404" pitchFamily="49" charset="0"/>
+              </a:rPr>
+              <a:t>/bin/python</a:t>
+            </a:r>
+            <a:endParaRPr lang="en-US" sz="1200" dirty="0" smtClean="0">
+              <a:solidFill>
+                <a:srgbClr val="000000"/>
+              </a:solidFill>
+              <a:highlight>
+                <a:srgbClr val="FFFFFF"/>
+              </a:highlight>
+              <a:latin typeface="Courier New" panose="02070309020205020404" pitchFamily="49" charset="0"/>
+            </a:endParaRPr>
+          </a:p>
+          <a:p>
+            <a:endParaRPr lang="en-US" sz="1200" dirty="0" smtClean="0">
+              <a:solidFill>
+                <a:srgbClr val="000000"/>
+              </a:solidFill>
+              <a:highlight>
+                <a:srgbClr val="FFFFFF"/>
+              </a:highlight>
+              <a:latin typeface="Courier New" panose="02070309020205020404" pitchFamily="49" charset="0"/>
+            </a:endParaRPr>
           </a:p>
         </p:txBody>
       </p:sp>
     </p:spTree>
     <p:extLst>
       <p:ext uri="{BB962C8B-B14F-4D97-AF65-F5344CB8AC3E}">
-        <p14:creationId xmlns:p14="http://schemas.microsoft.com/office/powerpoint/2010/main" val="1216512238"/>
+        <p14:creationId xmlns:p14="http://schemas.microsoft.com/office/powerpoint/2010/main" val="2774228623"/>
       </p:ext>
     </p:extLst>
   </p:cSld>
@@ -10237,14 +11464,6 @@
 <file path=ppt/slides/slide110.xml><?xml version="1.0" encoding="utf-8"?>
 <p:sld xmlns:a="http://schemas.openxmlformats.org/drawingml/2006/main" xmlns:r="http://schemas.openxmlformats.org/officeDocument/2006/relationships" xmlns:p="http://schemas.openxmlformats.org/presentationml/2006/main">
   <p:cSld>
-    <p:bg>
-      <p:bgPr>
-        <a:solidFill>
-          <a:schemeClr val="bg1"/>
-        </a:solidFill>
-        <a:effectLst/>
-      </p:bgPr>
-    </p:bg>
     <p:spTree>
       <p:nvGrpSpPr>
         <p:cNvPr id="1" name=""/>
@@ -10261,128 +11480,7 @@
       </p:grpSpPr>
       <p:sp>
         <p:nvSpPr>
-          <p:cNvPr id="4" name="Content Placeholder 3"/>
-          <p:cNvSpPr>
-            <a:spLocks noGrp="1"/>
-          </p:cNvSpPr>
-          <p:nvPr>
-            <p:ph idx="1"/>
-          </p:nvPr>
-        </p:nvSpPr>
-        <p:spPr/>
-        <p:txBody>
-          <a:bodyPr>
-            <a:normAutofit fontScale="92500" lnSpcReduction="20000"/>
-          </a:bodyPr>
-          <a:lstStyle/>
-          <a:p>
-            <a:r>
-              <a:rPr lang="en-US" dirty="0" smtClean="0"/>
-              <a:t>Waiting for another thread to finish</a:t>
-            </a:r>
-          </a:p>
-          <a:p>
-            <a:pPr lvl="1"/>
-            <a:r>
-              <a:rPr lang="en-US" dirty="0" smtClean="0"/>
-              <a:t>Often we require another thread to complete before we can continue</a:t>
-            </a:r>
-          </a:p>
-          <a:p>
-            <a:pPr lvl="1"/>
-            <a:r>
-              <a:rPr lang="en-US" dirty="0" smtClean="0"/>
-              <a:t>Usually we want to restrict the amount of time we wait before making a decision</a:t>
-            </a:r>
-          </a:p>
-          <a:p>
-            <a:pPr lvl="1"/>
-            <a:r>
-              <a:rPr lang="en-US" dirty="0" err="1" smtClean="0"/>
-              <a:t>Thread.join</a:t>
-            </a:r>
-            <a:r>
-              <a:rPr lang="en-US" dirty="0" smtClean="0"/>
-              <a:t>(</a:t>
-            </a:r>
-            <a:r>
-              <a:rPr lang="en-US" dirty="0" smtClean="0"/>
-              <a:t>[</a:t>
-            </a:r>
-            <a:r>
-              <a:rPr lang="en-US" i="1" dirty="0" smtClean="0"/>
-              <a:t>timeout</a:t>
-            </a:r>
-            <a:r>
-              <a:rPr lang="en-US" dirty="0" smtClean="0"/>
-              <a:t>])</a:t>
-            </a:r>
-          </a:p>
-          <a:p>
-            <a:pPr lvl="2"/>
-            <a:r>
-              <a:rPr lang="en-US" dirty="0" smtClean="0"/>
-              <a:t>Makes the current thread wait until the referenced thread object terminates</a:t>
-            </a:r>
-          </a:p>
-          <a:p>
-            <a:pPr lvl="2"/>
-            <a:r>
-              <a:rPr lang="en-US" i="1" dirty="0" smtClean="0"/>
-              <a:t>timeout</a:t>
-            </a:r>
-            <a:r>
-              <a:rPr lang="en-US" dirty="0" smtClean="0"/>
-              <a:t> is a floating point number representing the number of seconds the current thread should be blocked for</a:t>
-            </a:r>
-          </a:p>
-          <a:p>
-            <a:pPr lvl="2"/>
-            <a:r>
-              <a:rPr lang="en-US" dirty="0" smtClean="0"/>
-              <a:t>Does not return so you must call </a:t>
-            </a:r>
-            <a:r>
-              <a:rPr lang="en-US" i="1" dirty="0" err="1" smtClean="0"/>
-              <a:t>isAlive</a:t>
-            </a:r>
-            <a:r>
-              <a:rPr lang="en-US" i="1" dirty="0" smtClean="0"/>
-              <a:t>()</a:t>
-            </a:r>
-            <a:r>
-              <a:rPr lang="en-US" dirty="0" smtClean="0"/>
-              <a:t> when the calling thread resumes to determine if a timeout occurred</a:t>
-            </a:r>
-          </a:p>
-          <a:p>
-            <a:pPr lvl="2"/>
-            <a:r>
-              <a:rPr lang="en-US" dirty="0" smtClean="0"/>
-              <a:t>A thread can be joined many times</a:t>
-            </a:r>
-          </a:p>
-          <a:p>
-            <a:pPr lvl="2"/>
-            <a:r>
-              <a:rPr lang="en-US" dirty="0" smtClean="0"/>
-              <a:t>Raises </a:t>
-            </a:r>
-            <a:r>
-              <a:rPr lang="en-US" dirty="0" err="1" smtClean="0"/>
-              <a:t>RuntimeError</a:t>
-            </a:r>
-            <a:r>
-              <a:rPr lang="en-US" dirty="0" smtClean="0"/>
-              <a:t> </a:t>
-            </a:r>
-            <a:endParaRPr lang="en-US" dirty="0"/>
-          </a:p>
-        </p:txBody>
-      </p:sp>
-      <p:sp>
-        <p:nvSpPr>
-          <p:cNvPr id="3" name="Title 2"/>
+          <p:cNvPr id="4" name="Title 3"/>
           <p:cNvSpPr>
             <a:spLocks noGrp="1"/>
           </p:cNvSpPr>
@@ -10392,12 +11490,26 @@
         </p:nvSpPr>
         <p:spPr/>
         <p:txBody>
-          <a:bodyPr/>
+          <a:bodyPr>
+            <a:normAutofit/>
+          </a:bodyPr>
           <a:lstStyle/>
           <a:p>
             <a:r>
+              <a:rPr lang="en-US" dirty="0" smtClean="0">
+                <a:solidFill>
+                  <a:srgbClr val="C4A174"/>
+                </a:solidFill>
+              </a:rPr>
+              <a:t>Exercise:</a:t>
+            </a:r>
+            <a:r>
               <a:rPr lang="en-US" dirty="0" smtClean="0"/>
-              <a:t>Threading: Blocking</a:t>
+              <a:t> </a:t>
+            </a:r>
+            <a:r>
+              <a:rPr lang="en-US" dirty="0" smtClean="0"/>
+              <a:t>Error Handling</a:t>
             </a:r>
             <a:endParaRPr lang="en-US" dirty="0"/>
           </a:p>
@@ -10406,7 +11518,7 @@
     </p:spTree>
     <p:extLst>
       <p:ext uri="{BB962C8B-B14F-4D97-AF65-F5344CB8AC3E}">
-        <p14:creationId xmlns:p14="http://schemas.microsoft.com/office/powerpoint/2010/main" val="1171126260"/>
+        <p14:creationId xmlns:p14="http://schemas.microsoft.com/office/powerpoint/2010/main" val="1892705950"/>
       </p:ext>
     </p:extLst>
   </p:cSld>
@@ -10467,53 +11579,57 @@
           <a:p>
             <a:r>
               <a:rPr lang="en-US" dirty="0" smtClean="0"/>
-              <a:t>What happens when more than one thread may wish to interact with another?</a:t>
-            </a:r>
-          </a:p>
-          <a:p>
+              <a:t>What is a thread?</a:t>
+            </a:r>
+          </a:p>
+          <a:p>
+            <a:pPr lvl="1"/>
             <a:r>
               <a:rPr lang="en-US" dirty="0" smtClean="0"/>
-              <a:t>Lock objects</a:t>
+              <a:t>“…an activity that is run in a separate thread of control.”</a:t>
             </a:r>
           </a:p>
           <a:p>
             <a:pPr lvl="1"/>
             <a:r>
               <a:rPr lang="en-US" dirty="0" smtClean="0"/>
-              <a:t>A lock can be either ‘locked’ or ‘unlocked’</a:t>
+              <a:t>Every Python program has a “main thread” or initial thread of control</a:t>
             </a:r>
           </a:p>
           <a:p>
             <a:pPr lvl="1"/>
             <a:r>
               <a:rPr lang="en-US" dirty="0" smtClean="0"/>
-              <a:t>When locked, blocks until a call to release in another thread unlocks it</a:t>
-            </a:r>
-          </a:p>
-          <a:p>
+              <a:t>Once started, a thread continues until its run() method terminates</a:t>
+            </a:r>
+          </a:p>
+          <a:p>
+            <a:pPr lvl="2"/>
             <a:r>
               <a:rPr lang="en-US" dirty="0" smtClean="0"/>
-              <a:t>Semaphore objects</a:t>
+              <a:t>Either normally or via unhandled exception</a:t>
             </a:r>
           </a:p>
           <a:p>
             <a:pPr lvl="1"/>
             <a:r>
               <a:rPr lang="en-US" dirty="0" smtClean="0"/>
-              <a:t>Uses a counter to blocking state</a:t>
+              <a:t>Threads can block other threads</a:t>
             </a:r>
           </a:p>
           <a:p>
             <a:pPr lvl="1"/>
             <a:r>
               <a:rPr lang="en-US" dirty="0" smtClean="0"/>
-              <a:t>Used to guard limited resources, e.g. databases</a:t>
-            </a:r>
-          </a:p>
-          <a:p>
-            <a:endParaRPr lang="en-US" dirty="0" smtClean="0"/>
-          </a:p>
-          <a:p>
+              <a:t>Threads can signal other threads</a:t>
+            </a:r>
+          </a:p>
+          <a:p>
+            <a:pPr lvl="1"/>
+            <a:r>
+              <a:rPr lang="en-US" dirty="0" smtClean="0"/>
+              <a:t>Threads can be interrogated to see if they’re running</a:t>
+            </a:r>
             <a:endParaRPr lang="en-US" dirty="0"/>
           </a:p>
         </p:txBody>
@@ -10535,7 +11651,7 @@
           <a:p>
             <a:r>
               <a:rPr lang="en-US" dirty="0" smtClean="0"/>
-              <a:t>Threading: Locking</a:t>
+              <a:t>Threading</a:t>
             </a:r>
             <a:endParaRPr lang="en-US" dirty="0"/>
           </a:p>
@@ -10544,7 +11660,7 @@
     </p:spTree>
     <p:extLst>
       <p:ext uri="{BB962C8B-B14F-4D97-AF65-F5344CB8AC3E}">
-        <p14:creationId xmlns:p14="http://schemas.microsoft.com/office/powerpoint/2010/main" val="1035738185"/>
+        <p14:creationId xmlns:p14="http://schemas.microsoft.com/office/powerpoint/2010/main" val="4107860098"/>
       </p:ext>
     </p:extLst>
   </p:cSld>
@@ -10598,64 +11714,125 @@
         </p:nvSpPr>
         <p:spPr/>
         <p:txBody>
-          <a:bodyPr/>
+          <a:bodyPr>
+            <a:normAutofit lnSpcReduction="10000"/>
+          </a:bodyPr>
           <a:lstStyle/>
           <a:p>
             <a:r>
               <a:rPr lang="en-US" dirty="0" smtClean="0"/>
-              <a:t>What do we do if we want one thread to communicate with another?</a:t>
-            </a:r>
-          </a:p>
-          <a:p>
+              <a:t>Creating a thread</a:t>
+            </a:r>
+          </a:p>
+          <a:p>
+            <a:pPr lvl="1"/>
+            <a:r>
+              <a:rPr lang="en-US" dirty="0" err="1" smtClean="0"/>
+              <a:t>thread.start_new_thread</a:t>
+            </a:r>
             <a:r>
               <a:rPr lang="en-US" dirty="0" smtClean="0"/>
-              <a:t>Event objects</a:t>
+              <a:t>(</a:t>
+            </a:r>
+            <a:r>
+              <a:rPr lang="en-US" i="1" dirty="0" smtClean="0"/>
+              <a:t>function, </a:t>
+            </a:r>
+            <a:r>
+              <a:rPr lang="en-US" i="1" dirty="0" err="1" smtClean="0"/>
+              <a:t>args</a:t>
+            </a:r>
+            <a:r>
+              <a:rPr lang="en-US" i="1" dirty="0" smtClean="0"/>
+              <a:t>[, </a:t>
+            </a:r>
+            <a:r>
+              <a:rPr lang="en-US" i="1" dirty="0" err="1" smtClean="0"/>
+              <a:t>kwargs</a:t>
+            </a:r>
+            <a:r>
+              <a:rPr lang="en-US" i="1" dirty="0" smtClean="0"/>
+              <a:t>]</a:t>
+            </a:r>
+            <a:r>
+              <a:rPr lang="en-US" dirty="0" smtClean="0"/>
+              <a:t>)</a:t>
+            </a:r>
+          </a:p>
+          <a:p>
+            <a:pPr lvl="2"/>
+            <a:r>
+              <a:rPr lang="en-US" dirty="0" smtClean="0"/>
+              <a:t>Runs until the function returns or terminates due to an unhandled exception</a:t>
+            </a:r>
+          </a:p>
+          <a:p>
+            <a:pPr lvl="2"/>
+            <a:r>
+              <a:rPr lang="en-US" i="1" dirty="0" err="1" smtClean="0"/>
+              <a:t>args</a:t>
+            </a:r>
+            <a:r>
+              <a:rPr lang="en-US" i="1" dirty="0" smtClean="0"/>
+              <a:t> </a:t>
+            </a:r>
+            <a:r>
+              <a:rPr lang="en-US" dirty="0" smtClean="0"/>
+              <a:t>is a tuple of arguments – use an empty tuple for functions with no arguments</a:t>
+            </a:r>
+          </a:p>
+          <a:p>
+            <a:pPr lvl="2"/>
+            <a:r>
+              <a:rPr lang="en-US" dirty="0" smtClean="0"/>
+              <a:t>Returns the thread identifier</a:t>
             </a:r>
           </a:p>
           <a:p>
             <a:pPr lvl="1"/>
             <a:r>
+              <a:rPr lang="en-US" dirty="0" err="1" smtClean="0"/>
+              <a:t>threading.Thread</a:t>
+            </a:r>
+            <a:endParaRPr lang="en-US" dirty="0" smtClean="0"/>
+          </a:p>
+          <a:p>
+            <a:pPr lvl="2"/>
+            <a:r>
               <a:rPr lang="en-US" dirty="0" smtClean="0"/>
-              <a:t>Uses an internal flag that can be </a:t>
+              <a:t>Provide a callable object to the constructor</a:t>
+            </a:r>
+          </a:p>
+          <a:p>
+            <a:pPr lvl="2"/>
+            <a:r>
+              <a:rPr lang="en-US" dirty="0" smtClean="0"/>
+              <a:t>Subclass and override </a:t>
             </a:r>
             <a:r>
               <a:rPr lang="en-US" i="1" dirty="0" smtClean="0"/>
-              <a:t>set()</a:t>
+              <a:t>run() </a:t>
             </a:r>
             <a:r>
               <a:rPr lang="en-US" dirty="0" smtClean="0"/>
-              <a:t> or </a:t>
+              <a:t>and </a:t>
             </a:r>
             <a:r>
               <a:rPr lang="en-US" i="1" dirty="0" smtClean="0"/>
-              <a:t>clear()</a:t>
-            </a:r>
-            <a:r>
-              <a:rPr lang="en-US" dirty="0" err="1" smtClean="0"/>
-              <a:t>ed</a:t>
-            </a:r>
-            <a:endParaRPr lang="en-US" dirty="0" smtClean="0"/>
-          </a:p>
-          <a:p>
-            <a:pPr lvl="1"/>
+              <a:t>__</a:t>
+            </a:r>
+            <a:r>
+              <a:rPr lang="en-US" i="1" dirty="0" err="1" smtClean="0"/>
+              <a:t>init</a:t>
+            </a:r>
             <a:r>
               <a:rPr lang="en-US" i="1" dirty="0" smtClean="0"/>
-              <a:t>wait([timeout])</a:t>
+              <a:t>__</a:t>
             </a:r>
             <a:r>
               <a:rPr lang="en-US" dirty="0" smtClean="0"/>
-              <a:t> method blocks until flag is true or until the provided timeout</a:t>
-            </a:r>
-          </a:p>
-          <a:p>
-            <a:pPr lvl="1"/>
-            <a:r>
-              <a:rPr lang="en-US" dirty="0" smtClean="0"/>
-              <a:t>Allows one thread to signal an event for other threads to wait for</a:t>
-            </a:r>
-          </a:p>
-          <a:p>
-            <a:pPr lvl="1"/>
+              <a:t>() methods</a:t>
+            </a:r>
             <a:endParaRPr lang="en-US" dirty="0"/>
           </a:p>
         </p:txBody>
@@ -10677,11 +11854,7 @@
           <a:p>
             <a:r>
               <a:rPr lang="en-US" dirty="0" smtClean="0"/>
-              <a:t>Threading: </a:t>
-            </a:r>
-            <a:r>
-              <a:rPr lang="en-US" dirty="0" err="1" smtClean="0"/>
-              <a:t>Signalling</a:t>
+              <a:t>Threading: Creation</a:t>
             </a:r>
             <a:endParaRPr lang="en-US" dirty="0"/>
           </a:p>
@@ -10690,7 +11863,7 @@
     </p:spTree>
     <p:extLst>
       <p:ext uri="{BB962C8B-B14F-4D97-AF65-F5344CB8AC3E}">
-        <p14:creationId xmlns:p14="http://schemas.microsoft.com/office/powerpoint/2010/main" val="3543490637"/>
+        <p14:creationId xmlns:p14="http://schemas.microsoft.com/office/powerpoint/2010/main" val="1216512238"/>
       </p:ext>
     </p:extLst>
   </p:cSld>
@@ -10745,104 +11918,105 @@
         <p:spPr/>
         <p:txBody>
           <a:bodyPr>
-            <a:normAutofit lnSpcReduction="10000"/>
+            <a:normAutofit fontScale="92500" lnSpcReduction="20000"/>
           </a:bodyPr>
           <a:lstStyle/>
           <a:p>
             <a:r>
               <a:rPr lang="en-US" dirty="0" smtClean="0"/>
-              <a:t>Often we will want to create deferred or recurring processes</a:t>
-            </a:r>
-          </a:p>
-          <a:p>
+              <a:t>Waiting for another thread to finish</a:t>
+            </a:r>
+          </a:p>
+          <a:p>
+            <a:pPr lvl="1"/>
+            <a:r>
+              <a:rPr lang="en-US" dirty="0" smtClean="0"/>
+              <a:t>Often we require another thread to complete before we can continue</a:t>
+            </a:r>
+          </a:p>
+          <a:p>
+            <a:pPr lvl="1"/>
+            <a:r>
+              <a:rPr lang="en-US" dirty="0" smtClean="0"/>
+              <a:t>Usually we want to restrict the amount of time we wait before making a decision</a:t>
+            </a:r>
+          </a:p>
+          <a:p>
+            <a:pPr lvl="1"/>
             <a:r>
               <a:rPr lang="en-US" dirty="0" err="1" smtClean="0"/>
-              <a:t>threading.Timer</a:t>
+              <a:t>Thread.join</a:t>
             </a:r>
             <a:r>
               <a:rPr lang="en-US" dirty="0" smtClean="0"/>
-              <a:t>(</a:t>
+              <a:t>([</a:t>
             </a:r>
             <a:r>
               <a:rPr lang="en-US" i="1" dirty="0" smtClean="0"/>
-              <a:t>interval, function, </a:t>
+              <a:t>timeout</a:t>
+            </a:r>
+            <a:r>
+              <a:rPr lang="en-US" dirty="0" smtClean="0"/>
+              <a:t>])</a:t>
+            </a:r>
+          </a:p>
+          <a:p>
+            <a:pPr lvl="2"/>
+            <a:r>
+              <a:rPr lang="en-US" dirty="0" smtClean="0"/>
+              <a:t>Makes the current thread wait until the referenced thread object terminates</a:t>
+            </a:r>
+          </a:p>
+          <a:p>
+            <a:pPr lvl="2"/>
+            <a:r>
+              <a:rPr lang="en-US" i="1" dirty="0" smtClean="0"/>
+              <a:t>timeout</a:t>
+            </a:r>
+            <a:r>
+              <a:rPr lang="en-US" dirty="0" smtClean="0"/>
+              <a:t> is a floating point number representing the number of seconds the current thread should be blocked for</a:t>
+            </a:r>
+          </a:p>
+          <a:p>
+            <a:pPr lvl="2"/>
+            <a:r>
+              <a:rPr lang="en-US" dirty="0" smtClean="0"/>
+              <a:t>Does not return so you must call </a:t>
             </a:r>
             <a:r>
               <a:rPr lang="en-US" i="1" dirty="0" err="1" smtClean="0"/>
-              <a:t>args</a:t>
+              <a:t>isAlive</a:t>
             </a:r>
             <a:r>
               <a:rPr lang="en-US" i="1" dirty="0" smtClean="0"/>
-              <a:t>=[], </a:t>
-            </a:r>
-            <a:r>
-              <a:rPr lang="en-US" i="1" dirty="0" err="1" smtClean="0"/>
-              <a:t>kwargs</a:t>
-            </a:r>
-            <a:r>
-              <a:rPr lang="en-US" i="1" dirty="0" smtClean="0"/>
-              <a:t>={}</a:t>
+              <a:t>()</a:t>
             </a:r>
             <a:r>
               <a:rPr lang="en-US" dirty="0" smtClean="0"/>
-              <a:t>)</a:t>
-            </a:r>
-          </a:p>
-          <a:p>
-            <a:pPr lvl="1"/>
+              <a:t> when the calling thread resumes to determine if a timeout occurred</a:t>
+            </a:r>
+          </a:p>
+          <a:p>
+            <a:pPr lvl="2"/>
             <a:r>
               <a:rPr lang="en-US" dirty="0" smtClean="0"/>
-              <a:t>Runs </a:t>
-            </a:r>
-            <a:r>
-              <a:rPr lang="en-US" i="1" dirty="0" smtClean="0"/>
-              <a:t>function</a:t>
-            </a:r>
+              <a:t>A thread can be joined many times</a:t>
+            </a:r>
+          </a:p>
+          <a:p>
+            <a:pPr lvl="2"/>
             <a:r>
               <a:rPr lang="en-US" dirty="0" smtClean="0"/>
-              <a:t> with arguments </a:t>
-            </a:r>
-            <a:r>
-              <a:rPr lang="en-US" i="1" dirty="0" err="1" smtClean="0"/>
-              <a:t>args</a:t>
+              <a:t>Raises </a:t>
+            </a:r>
+            <a:r>
+              <a:rPr lang="en-US" dirty="0" err="1" smtClean="0"/>
+              <a:t>RuntimeError</a:t>
             </a:r>
             <a:r>
               <a:rPr lang="en-US" dirty="0" smtClean="0"/>
-              <a:t> after </a:t>
-            </a:r>
-            <a:r>
-              <a:rPr lang="en-US" i="1" dirty="0" smtClean="0"/>
-              <a:t>interval</a:t>
-            </a:r>
-            <a:r>
-              <a:rPr lang="en-US" dirty="0" smtClean="0"/>
-              <a:t> seconds have passed</a:t>
-            </a:r>
-          </a:p>
-          <a:p>
-            <a:pPr lvl="1"/>
-            <a:r>
-              <a:rPr lang="en-US" dirty="0" smtClean="0"/>
-              <a:t>Since it’s a subclass of Thread, the function will either return or raise a </a:t>
-            </a:r>
-            <a:r>
-              <a:rPr lang="en-US" dirty="0" err="1" smtClean="0"/>
-              <a:t>ThreadError</a:t>
-            </a:r>
-            <a:endParaRPr lang="en-US" dirty="0" smtClean="0"/>
-          </a:p>
-          <a:p>
-            <a:pPr lvl="1"/>
-            <a:r>
-              <a:rPr lang="en-US" dirty="0" smtClean="0"/>
-              <a:t>A simple recurring task can be created by calling the timer again once it’s completed</a:t>
-            </a:r>
-          </a:p>
-          <a:p>
-            <a:pPr lvl="1"/>
-            <a:r>
-              <a:rPr lang="en-US" dirty="0" smtClean="0"/>
-              <a:t>Don’t reinvent the wheel!</a:t>
+              <a:t> </a:t>
             </a:r>
             <a:endParaRPr lang="en-US" dirty="0"/>
           </a:p>
@@ -10865,7 +12039,7 @@
           <a:p>
             <a:r>
               <a:rPr lang="en-US" dirty="0" smtClean="0"/>
-              <a:t>Threading: Timers</a:t>
+              <a:t>Threading: Blocking</a:t>
             </a:r>
             <a:endParaRPr lang="en-US" dirty="0"/>
           </a:p>
@@ -10874,7 +12048,7 @@
     </p:spTree>
     <p:extLst>
       <p:ext uri="{BB962C8B-B14F-4D97-AF65-F5344CB8AC3E}">
-        <p14:creationId xmlns:p14="http://schemas.microsoft.com/office/powerpoint/2010/main" val="924080095"/>
+        <p14:creationId xmlns:p14="http://schemas.microsoft.com/office/powerpoint/2010/main" val="1171126260"/>
       </p:ext>
     </p:extLst>
   </p:cSld>
@@ -10928,30 +12102,60 @@
         </p:nvSpPr>
         <p:spPr/>
         <p:txBody>
-          <a:bodyPr/>
+          <a:bodyPr>
+            <a:normAutofit lnSpcReduction="10000"/>
+          </a:bodyPr>
           <a:lstStyle/>
           <a:p>
             <a:r>
               <a:rPr lang="en-US" dirty="0" smtClean="0"/>
-              <a:t>Thread safety</a:t>
+              <a:t>What happens when more than one thread may wish to interact with another?</a:t>
+            </a:r>
+          </a:p>
+          <a:p>
+            <a:r>
+              <a:rPr lang="en-US" dirty="0" smtClean="0"/>
+              <a:t>Lock objects</a:t>
             </a:r>
           </a:p>
           <a:p>
             <a:pPr lvl="1"/>
             <a:r>
               <a:rPr lang="en-US" dirty="0" smtClean="0"/>
-              <a:t>Imports are generally safe unless they spawn a new thread and wait for it in any way</a:t>
+              <a:t>A lock can be either ‘locked’ or ‘unlocked’</a:t>
             </a:r>
           </a:p>
           <a:p>
             <a:pPr lvl="1"/>
             <a:r>
               <a:rPr lang="en-US" dirty="0" smtClean="0"/>
-              <a:t>Debugging synchronization issues is hard</a:t>
+              <a:t>When locked, blocks until a call to release in another thread unlocks it</a:t>
+            </a:r>
+          </a:p>
+          <a:p>
+            <a:r>
+              <a:rPr lang="en-US" dirty="0" smtClean="0"/>
+              <a:t>Semaphore objects</a:t>
             </a:r>
           </a:p>
           <a:p>
             <a:pPr lvl="1"/>
+            <a:r>
+              <a:rPr lang="en-US" dirty="0" smtClean="0"/>
+              <a:t>Uses a counter to blocking state</a:t>
+            </a:r>
+          </a:p>
+          <a:p>
+            <a:pPr lvl="1"/>
+            <a:r>
+              <a:rPr lang="en-US" dirty="0" smtClean="0"/>
+              <a:t>Used to guard limited resources, e.g. databases</a:t>
+            </a:r>
+          </a:p>
+          <a:p>
+            <a:endParaRPr lang="en-US" dirty="0" smtClean="0"/>
+          </a:p>
+          <a:p>
             <a:endParaRPr lang="en-US" dirty="0"/>
           </a:p>
         </p:txBody>
@@ -10973,7 +12177,7 @@
           <a:p>
             <a:r>
               <a:rPr lang="en-US" dirty="0" smtClean="0"/>
-              <a:t>Threading: Gotchas</a:t>
+              <a:t>Threading: Locking</a:t>
             </a:r>
             <a:endParaRPr lang="en-US" dirty="0"/>
           </a:p>
@@ -10982,7 +12186,7 @@
     </p:spTree>
     <p:extLst>
       <p:ext uri="{BB962C8B-B14F-4D97-AF65-F5344CB8AC3E}">
-        <p14:creationId xmlns:p14="http://schemas.microsoft.com/office/powerpoint/2010/main" val="3744078267"/>
+        <p14:creationId xmlns:p14="http://schemas.microsoft.com/office/powerpoint/2010/main" val="1035738185"/>
       </p:ext>
     </p:extLst>
   </p:cSld>
@@ -11039,6 +12243,61 @@
           <a:bodyPr/>
           <a:lstStyle/>
           <a:p>
+            <a:r>
+              <a:rPr lang="en-US" dirty="0" smtClean="0"/>
+              <a:t>What do we do if we want one thread to communicate with another?</a:t>
+            </a:r>
+          </a:p>
+          <a:p>
+            <a:r>
+              <a:rPr lang="en-US" dirty="0" smtClean="0"/>
+              <a:t>Event objects</a:t>
+            </a:r>
+          </a:p>
+          <a:p>
+            <a:pPr lvl="1"/>
+            <a:r>
+              <a:rPr lang="en-US" dirty="0" smtClean="0"/>
+              <a:t>Uses an internal flag that can be </a:t>
+            </a:r>
+            <a:r>
+              <a:rPr lang="en-US" i="1" dirty="0" smtClean="0"/>
+              <a:t>set()</a:t>
+            </a:r>
+            <a:r>
+              <a:rPr lang="en-US" dirty="0" smtClean="0"/>
+              <a:t> or </a:t>
+            </a:r>
+            <a:r>
+              <a:rPr lang="en-US" i="1" dirty="0" smtClean="0"/>
+              <a:t>clear()</a:t>
+            </a:r>
+            <a:r>
+              <a:rPr lang="en-US" dirty="0" err="1" smtClean="0"/>
+              <a:t>ed</a:t>
+            </a:r>
+            <a:endParaRPr lang="en-US" dirty="0" smtClean="0"/>
+          </a:p>
+          <a:p>
+            <a:pPr lvl="1"/>
+            <a:r>
+              <a:rPr lang="en-US" i="1" dirty="0" smtClean="0"/>
+              <a:t>wait([timeout])</a:t>
+            </a:r>
+            <a:r>
+              <a:rPr lang="en-US" dirty="0" smtClean="0"/>
+              <a:t> method blocks until flag is true or until the provided timeout</a:t>
+            </a:r>
+          </a:p>
+          <a:p>
+            <a:pPr lvl="1"/>
+            <a:r>
+              <a:rPr lang="en-US" dirty="0" smtClean="0"/>
+              <a:t>Allows one thread to signal an event for other threads to wait for</a:t>
+            </a:r>
+          </a:p>
+          <a:p>
+            <a:pPr lvl="1"/>
             <a:endParaRPr lang="en-US" dirty="0"/>
           </a:p>
         </p:txBody>
@@ -11058,6 +12317,14 @@
           <a:bodyPr/>
           <a:lstStyle/>
           <a:p>
+            <a:r>
+              <a:rPr lang="en-US" dirty="0" smtClean="0"/>
+              <a:t>Threading: </a:t>
+            </a:r>
+            <a:r>
+              <a:rPr lang="en-US" dirty="0" err="1" smtClean="0"/>
+              <a:t>Signalling</a:t>
+            </a:r>
             <a:endParaRPr lang="en-US" dirty="0"/>
           </a:p>
         </p:txBody>
@@ -11065,7 +12332,7 @@
     </p:spTree>
     <p:extLst>
       <p:ext uri="{BB962C8B-B14F-4D97-AF65-F5344CB8AC3E}">
-        <p14:creationId xmlns:p14="http://schemas.microsoft.com/office/powerpoint/2010/main" val="136758698"/>
+        <p14:creationId xmlns:p14="http://schemas.microsoft.com/office/powerpoint/2010/main" val="3543490637"/>
       </p:ext>
     </p:extLst>
   </p:cSld>
@@ -11119,9 +12386,106 @@
         </p:nvSpPr>
         <p:spPr/>
         <p:txBody>
-          <a:bodyPr/>
+          <a:bodyPr>
+            <a:normAutofit lnSpcReduction="10000"/>
+          </a:bodyPr>
           <a:lstStyle/>
           <a:p>
+            <a:r>
+              <a:rPr lang="en-US" dirty="0" smtClean="0"/>
+              <a:t>Often we will want to create deferred or recurring processes</a:t>
+            </a:r>
+          </a:p>
+          <a:p>
+            <a:r>
+              <a:rPr lang="en-US" dirty="0" err="1" smtClean="0"/>
+              <a:t>threading.Timer</a:t>
+            </a:r>
+            <a:r>
+              <a:rPr lang="en-US" dirty="0" smtClean="0"/>
+              <a:t>(</a:t>
+            </a:r>
+            <a:r>
+              <a:rPr lang="en-US" i="1" dirty="0" smtClean="0"/>
+              <a:t>interval, function, </a:t>
+            </a:r>
+            <a:r>
+              <a:rPr lang="en-US" i="1" dirty="0" err="1" smtClean="0"/>
+              <a:t>args</a:t>
+            </a:r>
+            <a:r>
+              <a:rPr lang="en-US" i="1" dirty="0" smtClean="0"/>
+              <a:t>=[], </a:t>
+            </a:r>
+            <a:r>
+              <a:rPr lang="en-US" i="1" dirty="0" err="1" smtClean="0"/>
+              <a:t>kwargs</a:t>
+            </a:r>
+            <a:r>
+              <a:rPr lang="en-US" i="1" dirty="0" smtClean="0"/>
+              <a:t>={}</a:t>
+            </a:r>
+            <a:r>
+              <a:rPr lang="en-US" dirty="0" smtClean="0"/>
+              <a:t>)</a:t>
+            </a:r>
+          </a:p>
+          <a:p>
+            <a:pPr lvl="1"/>
+            <a:r>
+              <a:rPr lang="en-US" dirty="0" smtClean="0"/>
+              <a:t>Runs </a:t>
+            </a:r>
+            <a:r>
+              <a:rPr lang="en-US" i="1" dirty="0" smtClean="0"/>
+              <a:t>function</a:t>
+            </a:r>
+            <a:r>
+              <a:rPr lang="en-US" dirty="0" smtClean="0"/>
+              <a:t> with arguments </a:t>
+            </a:r>
+            <a:r>
+              <a:rPr lang="en-US" i="1" dirty="0" err="1" smtClean="0"/>
+              <a:t>args</a:t>
+            </a:r>
+            <a:r>
+              <a:rPr lang="en-US" dirty="0" smtClean="0"/>
+              <a:t> after </a:t>
+            </a:r>
+            <a:r>
+              <a:rPr lang="en-US" i="1" dirty="0" smtClean="0"/>
+              <a:t>interval</a:t>
+            </a:r>
+            <a:r>
+              <a:rPr lang="en-US" dirty="0" smtClean="0"/>
+              <a:t> seconds have passed</a:t>
+            </a:r>
+          </a:p>
+          <a:p>
+            <a:pPr lvl="1"/>
+            <a:r>
+              <a:rPr lang="en-US" dirty="0" smtClean="0"/>
+              <a:t>Since it’s a subclass of Thread, the function will either return or raise a </a:t>
+            </a:r>
+            <a:r>
+              <a:rPr lang="en-US" dirty="0" err="1" smtClean="0"/>
+              <a:t>ThreadError</a:t>
+            </a:r>
+            <a:endParaRPr lang="en-US" dirty="0" smtClean="0"/>
+          </a:p>
+          <a:p>
+            <a:pPr lvl="1"/>
+            <a:r>
+              <a:rPr lang="en-US" dirty="0" smtClean="0"/>
+              <a:t>A simple recurring task can be created by calling the timer again once it’s completed</a:t>
+            </a:r>
+          </a:p>
+          <a:p>
+            <a:pPr lvl="1"/>
+            <a:r>
+              <a:rPr lang="en-US" dirty="0" smtClean="0"/>
+              <a:t>Don’t reinvent the wheel!</a:t>
+            </a:r>
             <a:endParaRPr lang="en-US" dirty="0"/>
           </a:p>
         </p:txBody>
@@ -11141,14 +12505,287 @@
           <a:bodyPr/>
           <a:lstStyle/>
           <a:p>
-            <a:endParaRPr lang="en-US"/>
+            <a:r>
+              <a:rPr lang="en-US" dirty="0" smtClean="0"/>
+              <a:t>Threading: Timers</a:t>
+            </a:r>
+            <a:endParaRPr lang="en-US" dirty="0"/>
           </a:p>
         </p:txBody>
       </p:sp>
     </p:spTree>
     <p:extLst>
       <p:ext uri="{BB962C8B-B14F-4D97-AF65-F5344CB8AC3E}">
-        <p14:creationId xmlns:p14="http://schemas.microsoft.com/office/powerpoint/2010/main" val="495795509"/>
+        <p14:creationId xmlns:p14="http://schemas.microsoft.com/office/powerpoint/2010/main" val="924080095"/>
+      </p:ext>
+    </p:extLst>
+  </p:cSld>
+  <p:clrMapOvr>
+    <a:masterClrMapping/>
+  </p:clrMapOvr>
+  <p:timing>
+    <p:tnLst>
+      <p:par>
+        <p:cTn id="1" dur="indefinite" restart="never" nodeType="tmRoot"/>
+      </p:par>
+    </p:tnLst>
+  </p:timing>
+</p:sld>
+</file>
+
+<file path=ppt/slides/slide117.xml><?xml version="1.0" encoding="utf-8"?>
+<p:sld xmlns:a="http://schemas.openxmlformats.org/drawingml/2006/main" xmlns:r="http://schemas.openxmlformats.org/officeDocument/2006/relationships" xmlns:p="http://schemas.openxmlformats.org/presentationml/2006/main">
+  <p:cSld>
+    <p:bg>
+      <p:bgPr>
+        <a:solidFill>
+          <a:schemeClr val="bg1"/>
+        </a:solidFill>
+        <a:effectLst/>
+      </p:bgPr>
+    </p:bg>
+    <p:spTree>
+      <p:nvGrpSpPr>
+        <p:cNvPr id="1" name=""/>
+        <p:cNvGrpSpPr/>
+        <p:nvPr/>
+      </p:nvGrpSpPr>
+      <p:grpSpPr>
+        <a:xfrm>
+          <a:off x="0" y="0"/>
+          <a:ext cx="0" cy="0"/>
+          <a:chOff x="0" y="0"/>
+          <a:chExt cx="0" cy="0"/>
+        </a:xfrm>
+      </p:grpSpPr>
+      <p:sp>
+        <p:nvSpPr>
+          <p:cNvPr id="4" name="Content Placeholder 3"/>
+          <p:cNvSpPr>
+            <a:spLocks noGrp="1"/>
+          </p:cNvSpPr>
+          <p:nvPr>
+            <p:ph idx="1"/>
+          </p:nvPr>
+        </p:nvSpPr>
+        <p:spPr/>
+        <p:txBody>
+          <a:bodyPr/>
+          <a:lstStyle/>
+          <a:p>
+            <a:r>
+              <a:rPr lang="en-US" dirty="0" smtClean="0"/>
+              <a:t>Thread safety</a:t>
+            </a:r>
+          </a:p>
+          <a:p>
+            <a:pPr lvl="1"/>
+            <a:r>
+              <a:rPr lang="en-US" dirty="0" smtClean="0"/>
+              <a:t>Imports are generally safe unless they spawn a new thread and wait for it in any way</a:t>
+            </a:r>
+          </a:p>
+          <a:p>
+            <a:pPr lvl="1"/>
+            <a:r>
+              <a:rPr lang="en-US" dirty="0" smtClean="0"/>
+              <a:t>Debugging synchronization issues is hard</a:t>
+            </a:r>
+          </a:p>
+          <a:p>
+            <a:pPr lvl="1"/>
+            <a:endParaRPr lang="en-US" dirty="0"/>
+          </a:p>
+        </p:txBody>
+      </p:sp>
+      <p:sp>
+        <p:nvSpPr>
+          <p:cNvPr id="3" name="Title 2"/>
+          <p:cNvSpPr>
+            <a:spLocks noGrp="1"/>
+          </p:cNvSpPr>
+          <p:nvPr>
+            <p:ph type="title"/>
+          </p:nvPr>
+        </p:nvSpPr>
+        <p:spPr/>
+        <p:txBody>
+          <a:bodyPr/>
+          <a:lstStyle/>
+          <a:p>
+            <a:r>
+              <a:rPr lang="en-US" dirty="0" smtClean="0"/>
+              <a:t>Threading: Gotchas</a:t>
+            </a:r>
+            <a:endParaRPr lang="en-US" dirty="0"/>
+          </a:p>
+        </p:txBody>
+      </p:sp>
+    </p:spTree>
+    <p:extLst>
+      <p:ext uri="{BB962C8B-B14F-4D97-AF65-F5344CB8AC3E}">
+        <p14:creationId xmlns:p14="http://schemas.microsoft.com/office/powerpoint/2010/main" val="3744078267"/>
+      </p:ext>
+    </p:extLst>
+  </p:cSld>
+  <p:clrMapOvr>
+    <a:masterClrMapping/>
+  </p:clrMapOvr>
+  <p:timing>
+    <p:tnLst>
+      <p:par>
+        <p:cTn id="1" dur="indefinite" restart="never" nodeType="tmRoot"/>
+      </p:par>
+    </p:tnLst>
+  </p:timing>
+</p:sld>
+</file>
+
+<file path=ppt/slides/slide118.xml><?xml version="1.0" encoding="utf-8"?>
+<p:sld xmlns:a="http://schemas.openxmlformats.org/drawingml/2006/main" xmlns:r="http://schemas.openxmlformats.org/officeDocument/2006/relationships" xmlns:p="http://schemas.openxmlformats.org/presentationml/2006/main">
+  <p:cSld>
+    <p:bg>
+      <p:bgPr>
+        <a:solidFill>
+          <a:schemeClr val="bg1"/>
+        </a:solidFill>
+        <a:effectLst/>
+      </p:bgPr>
+    </p:bg>
+    <p:spTree>
+      <p:nvGrpSpPr>
+        <p:cNvPr id="1" name=""/>
+        <p:cNvGrpSpPr/>
+        <p:nvPr/>
+      </p:nvGrpSpPr>
+      <p:grpSpPr>
+        <a:xfrm>
+          <a:off x="0" y="0"/>
+          <a:ext cx="0" cy="0"/>
+          <a:chOff x="0" y="0"/>
+          <a:chExt cx="0" cy="0"/>
+        </a:xfrm>
+      </p:grpSpPr>
+      <p:sp>
+        <p:nvSpPr>
+          <p:cNvPr id="4" name="Content Placeholder 3"/>
+          <p:cNvSpPr>
+            <a:spLocks noGrp="1"/>
+          </p:cNvSpPr>
+          <p:nvPr>
+            <p:ph idx="1"/>
+          </p:nvPr>
+        </p:nvSpPr>
+        <p:spPr/>
+        <p:txBody>
+          <a:bodyPr/>
+          <a:lstStyle/>
+          <a:p>
+            <a:endParaRPr lang="en-US" dirty="0"/>
+          </a:p>
+        </p:txBody>
+      </p:sp>
+      <p:sp>
+        <p:nvSpPr>
+          <p:cNvPr id="3" name="Title 2"/>
+          <p:cNvSpPr>
+            <a:spLocks noGrp="1"/>
+          </p:cNvSpPr>
+          <p:nvPr>
+            <p:ph type="title"/>
+          </p:nvPr>
+        </p:nvSpPr>
+        <p:spPr/>
+        <p:txBody>
+          <a:bodyPr/>
+          <a:lstStyle/>
+          <a:p>
+            <a:r>
+              <a:rPr lang="en-US" dirty="0" smtClean="0"/>
+              <a:t>Threading: Examples</a:t>
+            </a:r>
+            <a:endParaRPr lang="en-US" dirty="0"/>
+          </a:p>
+        </p:txBody>
+      </p:sp>
+    </p:spTree>
+    <p:extLst>
+      <p:ext uri="{BB962C8B-B14F-4D97-AF65-F5344CB8AC3E}">
+        <p14:creationId xmlns:p14="http://schemas.microsoft.com/office/powerpoint/2010/main" val="136758698"/>
+      </p:ext>
+    </p:extLst>
+  </p:cSld>
+  <p:clrMapOvr>
+    <a:masterClrMapping/>
+  </p:clrMapOvr>
+  <p:timing>
+    <p:tnLst>
+      <p:par>
+        <p:cTn id="1" dur="indefinite" restart="never" nodeType="tmRoot"/>
+      </p:par>
+    </p:tnLst>
+  </p:timing>
+</p:sld>
+</file>
+
+<file path=ppt/slides/slide119.xml><?xml version="1.0" encoding="utf-8"?>
+<p:sld xmlns:a="http://schemas.openxmlformats.org/drawingml/2006/main" xmlns:r="http://schemas.openxmlformats.org/officeDocument/2006/relationships" xmlns:p="http://schemas.openxmlformats.org/presentationml/2006/main">
+  <p:cSld>
+    <p:spTree>
+      <p:nvGrpSpPr>
+        <p:cNvPr id="1" name=""/>
+        <p:cNvGrpSpPr/>
+        <p:nvPr/>
+      </p:nvGrpSpPr>
+      <p:grpSpPr>
+        <a:xfrm>
+          <a:off x="0" y="0"/>
+          <a:ext cx="0" cy="0"/>
+          <a:chOff x="0" y="0"/>
+          <a:chExt cx="0" cy="0"/>
+        </a:xfrm>
+      </p:grpSpPr>
+      <p:sp>
+        <p:nvSpPr>
+          <p:cNvPr id="4" name="Title 3"/>
+          <p:cNvSpPr>
+            <a:spLocks noGrp="1"/>
+          </p:cNvSpPr>
+          <p:nvPr>
+            <p:ph type="title"/>
+          </p:nvPr>
+        </p:nvSpPr>
+        <p:spPr/>
+        <p:txBody>
+          <a:bodyPr>
+            <a:normAutofit/>
+          </a:bodyPr>
+          <a:lstStyle/>
+          <a:p>
+            <a:r>
+              <a:rPr lang="en-US" dirty="0" smtClean="0">
+                <a:solidFill>
+                  <a:srgbClr val="C4A174"/>
+                </a:solidFill>
+              </a:rPr>
+              <a:t>Exercise:</a:t>
+            </a:r>
+            <a:r>
+              <a:rPr lang="en-US" dirty="0" smtClean="0"/>
+              <a:t> </a:t>
+            </a:r>
+            <a:r>
+              <a:rPr lang="en-US" dirty="0" smtClean="0"/>
+              <a:t>Threading</a:t>
+            </a:r>
+            <a:endParaRPr lang="en-US" dirty="0"/>
+          </a:p>
+        </p:txBody>
+      </p:sp>
+    </p:spTree>
+    <p:extLst>
+      <p:ext uri="{BB962C8B-B14F-4D97-AF65-F5344CB8AC3E}">
+        <p14:creationId xmlns:p14="http://schemas.microsoft.com/office/powerpoint/2010/main" val="2171789236"/>
       </p:ext>
     </p:extLst>
   </p:cSld>
@@ -11857,6 +13494,172 @@
       <p:bldP spid="7" grpId="0" animBg="1"/>
       <p:bldP spid="8" grpId="0" animBg="1"/>
     </p:bldLst>
+  </p:timing>
+</p:sld>
+</file>
+
+<file path=ppt/slides/slide120.xml><?xml version="1.0" encoding="utf-8"?>
+<p:sld xmlns:a="http://schemas.openxmlformats.org/drawingml/2006/main" xmlns:r="http://schemas.openxmlformats.org/officeDocument/2006/relationships" xmlns:p="http://schemas.openxmlformats.org/presentationml/2006/main">
+  <p:cSld>
+    <p:bg>
+      <p:bgPr>
+        <a:solidFill>
+          <a:schemeClr val="bg1"/>
+        </a:solidFill>
+        <a:effectLst/>
+      </p:bgPr>
+    </p:bg>
+    <p:spTree>
+      <p:nvGrpSpPr>
+        <p:cNvPr id="1" name=""/>
+        <p:cNvGrpSpPr/>
+        <p:nvPr/>
+      </p:nvGrpSpPr>
+      <p:grpSpPr>
+        <a:xfrm>
+          <a:off x="0" y="0"/>
+          <a:ext cx="0" cy="0"/>
+          <a:chOff x="0" y="0"/>
+          <a:chExt cx="0" cy="0"/>
+        </a:xfrm>
+      </p:grpSpPr>
+      <p:sp>
+        <p:nvSpPr>
+          <p:cNvPr id="4" name="Content Placeholder 3"/>
+          <p:cNvSpPr>
+            <a:spLocks noGrp="1"/>
+          </p:cNvSpPr>
+          <p:nvPr>
+            <p:ph idx="1"/>
+          </p:nvPr>
+        </p:nvSpPr>
+        <p:spPr/>
+        <p:txBody>
+          <a:bodyPr/>
+          <a:lstStyle/>
+          <a:p>
+            <a:endParaRPr lang="en-US" dirty="0"/>
+          </a:p>
+        </p:txBody>
+      </p:sp>
+      <p:sp>
+        <p:nvSpPr>
+          <p:cNvPr id="3" name="Title 2"/>
+          <p:cNvSpPr>
+            <a:spLocks noGrp="1"/>
+          </p:cNvSpPr>
+          <p:nvPr>
+            <p:ph type="title"/>
+          </p:nvPr>
+        </p:nvSpPr>
+        <p:spPr/>
+        <p:txBody>
+          <a:bodyPr/>
+          <a:lstStyle/>
+          <a:p>
+            <a:endParaRPr lang="en-US"/>
+          </a:p>
+        </p:txBody>
+      </p:sp>
+    </p:spTree>
+    <p:extLst>
+      <p:ext uri="{BB962C8B-B14F-4D97-AF65-F5344CB8AC3E}">
+        <p14:creationId xmlns:p14="http://schemas.microsoft.com/office/powerpoint/2010/main" val="495795509"/>
+      </p:ext>
+    </p:extLst>
+  </p:cSld>
+  <p:clrMapOvr>
+    <a:masterClrMapping/>
+  </p:clrMapOvr>
+  <p:timing>
+    <p:tnLst>
+      <p:par>
+        <p:cTn id="1" dur="indefinite" restart="never" nodeType="tmRoot"/>
+      </p:par>
+    </p:tnLst>
+  </p:timing>
+</p:sld>
+</file>
+
+<file path=ppt/slides/slide121.xml><?xml version="1.0" encoding="utf-8"?>
+<p:sld xmlns:a="http://schemas.openxmlformats.org/drawingml/2006/main" xmlns:r="http://schemas.openxmlformats.org/officeDocument/2006/relationships" xmlns:p="http://schemas.openxmlformats.org/presentationml/2006/main">
+  <p:cSld>
+    <p:bg>
+      <p:bgPr>
+        <a:solidFill>
+          <a:schemeClr val="bg1"/>
+        </a:solidFill>
+        <a:effectLst/>
+      </p:bgPr>
+    </p:bg>
+    <p:spTree>
+      <p:nvGrpSpPr>
+        <p:cNvPr id="1" name=""/>
+        <p:cNvGrpSpPr/>
+        <p:nvPr/>
+      </p:nvGrpSpPr>
+      <p:grpSpPr>
+        <a:xfrm>
+          <a:off x="0" y="0"/>
+          <a:ext cx="0" cy="0"/>
+          <a:chOff x="0" y="0"/>
+          <a:chExt cx="0" cy="0"/>
+        </a:xfrm>
+      </p:grpSpPr>
+      <p:sp>
+        <p:nvSpPr>
+          <p:cNvPr id="4" name="Content Placeholder 3"/>
+          <p:cNvSpPr>
+            <a:spLocks noGrp="1"/>
+          </p:cNvSpPr>
+          <p:nvPr>
+            <p:ph idx="1"/>
+          </p:nvPr>
+        </p:nvSpPr>
+        <p:spPr/>
+        <p:txBody>
+          <a:bodyPr/>
+          <a:lstStyle/>
+          <a:p>
+            <a:endParaRPr lang="en-US" dirty="0"/>
+          </a:p>
+        </p:txBody>
+      </p:sp>
+      <p:sp>
+        <p:nvSpPr>
+          <p:cNvPr id="3" name="Title 2"/>
+          <p:cNvSpPr>
+            <a:spLocks noGrp="1"/>
+          </p:cNvSpPr>
+          <p:nvPr>
+            <p:ph type="title"/>
+          </p:nvPr>
+        </p:nvSpPr>
+        <p:spPr/>
+        <p:txBody>
+          <a:bodyPr/>
+          <a:lstStyle/>
+          <a:p>
+            <a:endParaRPr lang="en-US"/>
+          </a:p>
+        </p:txBody>
+      </p:sp>
+    </p:spTree>
+    <p:extLst>
+      <p:ext uri="{BB962C8B-B14F-4D97-AF65-F5344CB8AC3E}">
+        <p14:creationId xmlns:p14="http://schemas.microsoft.com/office/powerpoint/2010/main" val="1414823563"/>
+      </p:ext>
+    </p:extLst>
+  </p:cSld>
+  <p:clrMapOvr>
+    <a:masterClrMapping/>
+  </p:clrMapOvr>
+  <p:timing>
+    <p:tnLst>
+      <p:par>
+        <p:cTn id="1" dur="indefinite" restart="never" nodeType="tmRoot"/>
+      </p:par>
+    </p:tnLst>
   </p:timing>
 </p:sld>
 </file>
@@ -26419,7 +28222,7 @@
         <p:spPr/>
         <p:txBody>
           <a:bodyPr>
-            <a:normAutofit/>
+            <a:normAutofit fontScale="92500" lnSpcReduction="20000"/>
           </a:bodyPr>
           <a:lstStyle/>
           <a:p>
@@ -26466,6 +28269,14 @@
             <a:pPr lvl="1"/>
             <a:r>
               <a:rPr lang="en-GB" dirty="0" smtClean="0"/>
+              <a:t>Functions</a:t>
+            </a:r>
+            <a:endParaRPr lang="en-GB" dirty="0" smtClean="0"/>
+          </a:p>
+          <a:p>
+            <a:pPr lvl="1"/>
+            <a:r>
+              <a:rPr lang="en-GB" dirty="0" smtClean="0"/>
               <a:t>Libraries</a:t>
             </a:r>
           </a:p>
@@ -26475,6 +28286,28 @@
               <a:rPr lang="en-GB" dirty="0" smtClean="0"/>
               <a:t>Debugging</a:t>
             </a:r>
+          </a:p>
+          <a:p>
+            <a:pPr lvl="1"/>
+            <a:r>
+              <a:rPr lang="en-GB" dirty="0" smtClean="0"/>
+              <a:t>File IO</a:t>
+            </a:r>
+          </a:p>
+          <a:p>
+            <a:pPr lvl="1"/>
+            <a:r>
+              <a:rPr lang="en-GB" dirty="0" smtClean="0"/>
+              <a:t>Error Handling</a:t>
+            </a:r>
+          </a:p>
+          <a:p>
+            <a:pPr lvl="1"/>
+            <a:r>
+              <a:rPr lang="en-GB" dirty="0" smtClean="0"/>
+              <a:t>Threading</a:t>
+            </a:r>
+            <a:endParaRPr lang="en-GB" dirty="0" smtClean="0"/>
           </a:p>
           <a:p>
             <a:r>
@@ -33188,55 +35021,6 @@
       </p:grpSpPr>
       <p:sp>
         <p:nvSpPr>
-          <p:cNvPr id="4" name="Content Placeholder 3"/>
-          <p:cNvSpPr>
-            <a:spLocks noGrp="1"/>
-          </p:cNvSpPr>
-          <p:nvPr>
-            <p:ph idx="1"/>
-          </p:nvPr>
-        </p:nvSpPr>
-        <p:spPr/>
-        <p:txBody>
-          <a:bodyPr/>
-          <a:lstStyle/>
-          <a:p>
-            <a:r>
-              <a:rPr lang="en-US" dirty="0" smtClean="0"/>
-              <a:t>Integer - </a:t>
-            </a:r>
-            <a:r>
-              <a:rPr lang="en-US" dirty="0" err="1" smtClean="0"/>
-              <a:t>int</a:t>
-            </a:r>
-            <a:r>
-              <a:rPr lang="en-US" dirty="0" smtClean="0"/>
-              <a:t>()</a:t>
-            </a:r>
-          </a:p>
-          <a:p>
-            <a:r>
-              <a:rPr lang="en-US" dirty="0" smtClean="0"/>
-              <a:t>Longs – long()</a:t>
-            </a:r>
-          </a:p>
-          <a:p>
-            <a:r>
-              <a:rPr lang="en-US" dirty="0" smtClean="0"/>
-              <a:t>Floats – float()</a:t>
-            </a:r>
-          </a:p>
-          <a:p>
-            <a:r>
-              <a:rPr lang="en-US" dirty="0" smtClean="0"/>
-              <a:t>Complex – complex()</a:t>
-            </a:r>
-            <a:endParaRPr lang="en-US" dirty="0"/>
-          </a:p>
-        </p:txBody>
-      </p:sp>
-      <p:sp>
-        <p:nvSpPr>
           <p:cNvPr id="3" name="Title 2"/>
           <p:cNvSpPr>
             <a:spLocks noGrp="1"/>
@@ -33258,10 +35042,341 @@
           </a:p>
         </p:txBody>
       </p:sp>
+      <p:graphicFrame>
+        <p:nvGraphicFramePr>
+          <p:cNvPr id="6" name="Content Placeholder 4"/>
+          <p:cNvGraphicFramePr>
+            <a:graphicFrameLocks/>
+          </p:cNvGraphicFramePr>
+          <p:nvPr>
+            <p:extLst>
+              <p:ext uri="{D42A27DB-BD31-4B8C-83A1-F6EECF244321}">
+                <p14:modId xmlns:p14="http://schemas.microsoft.com/office/powerpoint/2010/main" val="1616287261"/>
+              </p:ext>
+            </p:extLst>
+          </p:nvPr>
+        </p:nvGraphicFramePr>
+        <p:xfrm>
+          <a:off x="695400" y="1700808"/>
+          <a:ext cx="10574338" cy="1854200"/>
+        </p:xfrm>
+        <a:graphic>
+          <a:graphicData uri="http://schemas.openxmlformats.org/drawingml/2006/table">
+            <a:tbl>
+              <a:tblPr firstRow="1" bandRow="1">
+                <a:tableStyleId>{5C22544A-7EE6-4342-B048-85BDC9FD1C3A}</a:tableStyleId>
+              </a:tblPr>
+              <a:tblGrid>
+                <a:gridCol w="1512168"/>
+                <a:gridCol w="6312073"/>
+                <a:gridCol w="2750097"/>
+              </a:tblGrid>
+              <a:tr h="370840">
+                <a:tc>
+                  <a:txBody>
+                    <a:bodyPr/>
+                    <a:lstStyle/>
+                    <a:p>
+                      <a:r>
+                        <a:rPr lang="en-GB" dirty="0" smtClean="0"/>
+                        <a:t>Type</a:t>
+                      </a:r>
+                      <a:endParaRPr lang="en-US" dirty="0"/>
+                    </a:p>
+                  </a:txBody>
+                  <a:tcPr/>
+                </a:tc>
+                <a:tc>
+                  <a:txBody>
+                    <a:bodyPr/>
+                    <a:lstStyle/>
+                    <a:p>
+                      <a:r>
+                        <a:rPr lang="en-GB" dirty="0" smtClean="0"/>
+                        <a:t>Description</a:t>
+                      </a:r>
+                      <a:endParaRPr lang="en-US" dirty="0"/>
+                    </a:p>
+                  </a:txBody>
+                  <a:tcPr/>
+                </a:tc>
+                <a:tc>
+                  <a:txBody>
+                    <a:bodyPr/>
+                    <a:lstStyle/>
+                    <a:p>
+                      <a:r>
+                        <a:rPr lang="en-GB" dirty="0" smtClean="0"/>
+                        <a:t>Example</a:t>
+                      </a:r>
+                      <a:endParaRPr lang="en-US" dirty="0"/>
+                    </a:p>
+                  </a:txBody>
+                  <a:tcPr/>
+                </a:tc>
+              </a:tr>
+              <a:tr h="370840">
+                <a:tc>
+                  <a:txBody>
+                    <a:bodyPr/>
+                    <a:lstStyle/>
+                    <a:p>
+                      <a:pPr algn="ctr"/>
+                      <a:r>
+                        <a:rPr lang="en-GB" dirty="0" err="1" smtClean="0">
+                          <a:solidFill>
+                            <a:srgbClr val="0000FF"/>
+                          </a:solidFill>
+                          <a:latin typeface="Courier New" panose="02070309020205020404" pitchFamily="49" charset="0"/>
+                          <a:cs typeface="Courier New" panose="02070309020205020404" pitchFamily="49" charset="0"/>
+                        </a:rPr>
+                        <a:t>int</a:t>
+                      </a:r>
+                      <a:r>
+                        <a:rPr lang="en-GB" dirty="0" smtClean="0">
+                          <a:solidFill>
+                            <a:srgbClr val="0000FF"/>
+                          </a:solidFill>
+                          <a:latin typeface="Courier New" panose="02070309020205020404" pitchFamily="49" charset="0"/>
+                          <a:cs typeface="Courier New" panose="02070309020205020404" pitchFamily="49" charset="0"/>
+                        </a:rPr>
+                        <a:t>()</a:t>
+                      </a:r>
+                      <a:endParaRPr lang="en-US" dirty="0">
+                        <a:solidFill>
+                          <a:srgbClr val="0000FF"/>
+                        </a:solidFill>
+                        <a:latin typeface="Courier New" panose="02070309020205020404" pitchFamily="49" charset="0"/>
+                        <a:cs typeface="Courier New" panose="02070309020205020404" pitchFamily="49" charset="0"/>
+                      </a:endParaRPr>
+                    </a:p>
+                  </a:txBody>
+                  <a:tcPr/>
+                </a:tc>
+                <a:tc>
+                  <a:txBody>
+                    <a:bodyPr/>
+                    <a:lstStyle/>
+                    <a:p>
+                      <a:r>
+                        <a:rPr lang="en-GB" dirty="0" smtClean="0"/>
+                        <a:t>A signed integer (whole number)</a:t>
+                      </a:r>
+                      <a:endParaRPr lang="en-US" dirty="0"/>
+                    </a:p>
+                  </a:txBody>
+                  <a:tcPr/>
+                </a:tc>
+                <a:tc>
+                  <a:txBody>
+                    <a:bodyPr/>
+                    <a:lstStyle/>
+                    <a:p>
+                      <a:r>
+                        <a:rPr lang="en-GB" dirty="0" smtClean="0"/>
+                        <a:t>1,2,</a:t>
+                      </a:r>
+                      <a:r>
+                        <a:rPr lang="en-GB" baseline="0" dirty="0" smtClean="0"/>
+                        <a:t>3,4,5….</a:t>
+                      </a:r>
+                      <a:endParaRPr lang="en-US" dirty="0"/>
+                    </a:p>
+                  </a:txBody>
+                  <a:tcPr/>
+                </a:tc>
+              </a:tr>
+              <a:tr h="370840">
+                <a:tc>
+                  <a:txBody>
+                    <a:bodyPr/>
+                    <a:lstStyle/>
+                    <a:p>
+                      <a:pPr algn="ctr"/>
+                      <a:r>
+                        <a:rPr lang="en-GB" dirty="0" smtClean="0">
+                          <a:solidFill>
+                            <a:srgbClr val="0000FF"/>
+                          </a:solidFill>
+                          <a:latin typeface="Courier New" panose="02070309020205020404" pitchFamily="49" charset="0"/>
+                          <a:cs typeface="Courier New" panose="02070309020205020404" pitchFamily="49" charset="0"/>
+                        </a:rPr>
+                        <a:t>long()</a:t>
+                      </a:r>
+                      <a:endParaRPr lang="en-US" dirty="0">
+                        <a:solidFill>
+                          <a:srgbClr val="0000FF"/>
+                        </a:solidFill>
+                        <a:latin typeface="Courier New" panose="02070309020205020404" pitchFamily="49" charset="0"/>
+                        <a:cs typeface="Courier New" panose="02070309020205020404" pitchFamily="49" charset="0"/>
+                      </a:endParaRPr>
+                    </a:p>
+                  </a:txBody>
+                  <a:tcPr/>
+                </a:tc>
+                <a:tc>
+                  <a:txBody>
+                    <a:bodyPr/>
+                    <a:lstStyle/>
+                    <a:p>
+                      <a:r>
+                        <a:rPr lang="en-GB" dirty="0" smtClean="0"/>
+                        <a:t>A long integer</a:t>
+                      </a:r>
+                      <a:endParaRPr lang="en-US" b="1" dirty="0"/>
+                    </a:p>
+                  </a:txBody>
+                  <a:tcPr/>
+                </a:tc>
+                <a:tc>
+                  <a:txBody>
+                    <a:bodyPr/>
+                    <a:lstStyle/>
+                    <a:p>
+                      <a:r>
+                        <a:rPr lang="en-GB" dirty="0" smtClean="0"/>
+                        <a:t>78421974L</a:t>
+                      </a:r>
+                      <a:endParaRPr lang="en-US" dirty="0"/>
+                    </a:p>
+                  </a:txBody>
+                  <a:tcPr/>
+                </a:tc>
+              </a:tr>
+              <a:tr h="370840">
+                <a:tc>
+                  <a:txBody>
+                    <a:bodyPr/>
+                    <a:lstStyle/>
+                    <a:p>
+                      <a:pPr algn="ctr"/>
+                      <a:r>
+                        <a:rPr lang="en-GB" dirty="0" smtClean="0">
+                          <a:solidFill>
+                            <a:srgbClr val="0000FF"/>
+                          </a:solidFill>
+                          <a:latin typeface="Courier New" panose="02070309020205020404" pitchFamily="49" charset="0"/>
+                          <a:cs typeface="Courier New" panose="02070309020205020404" pitchFamily="49" charset="0"/>
+                        </a:rPr>
+                        <a:t>float()</a:t>
+                      </a:r>
+                      <a:endParaRPr lang="en-US" dirty="0">
+                        <a:solidFill>
+                          <a:srgbClr val="0000FF"/>
+                        </a:solidFill>
+                        <a:latin typeface="Courier New" panose="02070309020205020404" pitchFamily="49" charset="0"/>
+                        <a:cs typeface="Courier New" panose="02070309020205020404" pitchFamily="49" charset="0"/>
+                      </a:endParaRPr>
+                    </a:p>
+                  </a:txBody>
+                  <a:tcPr/>
+                </a:tc>
+                <a:tc>
+                  <a:txBody>
+                    <a:bodyPr/>
+                    <a:lstStyle/>
+                    <a:p>
+                      <a:r>
+                        <a:rPr lang="en-GB" b="0" dirty="0" smtClean="0"/>
+                        <a:t>A floating</a:t>
+                      </a:r>
+                      <a:r>
+                        <a:rPr lang="en-GB" b="0" baseline="0" dirty="0" smtClean="0"/>
+                        <a:t> point number</a:t>
+                      </a:r>
+                      <a:endParaRPr lang="en-US" b="0" dirty="0"/>
+                    </a:p>
+                  </a:txBody>
+                  <a:tcPr/>
+                </a:tc>
+                <a:tc>
+                  <a:txBody>
+                    <a:bodyPr/>
+                    <a:lstStyle/>
+                    <a:p>
+                      <a:r>
+                        <a:rPr lang="en-GB" dirty="0" smtClean="0"/>
+                        <a:t>3.141592768</a:t>
+                      </a:r>
+                      <a:endParaRPr lang="en-US" dirty="0"/>
+                    </a:p>
+                  </a:txBody>
+                  <a:tcPr/>
+                </a:tc>
+              </a:tr>
+              <a:tr h="370840">
+                <a:tc>
+                  <a:txBody>
+                    <a:bodyPr/>
+                    <a:lstStyle/>
+                    <a:p>
+                      <a:pPr algn="ctr"/>
+                      <a:r>
+                        <a:rPr lang="en-GB" dirty="0" smtClean="0">
+                          <a:solidFill>
+                            <a:srgbClr val="0000FF"/>
+                          </a:solidFill>
+                          <a:latin typeface="Courier New" panose="02070309020205020404" pitchFamily="49" charset="0"/>
+                          <a:cs typeface="Courier New" panose="02070309020205020404" pitchFamily="49" charset="0"/>
+                        </a:rPr>
+                        <a:t>complex()</a:t>
+                      </a:r>
+                      <a:endParaRPr lang="en-US" dirty="0">
+                        <a:solidFill>
+                          <a:srgbClr val="0000FF"/>
+                        </a:solidFill>
+                        <a:latin typeface="Courier New" panose="02070309020205020404" pitchFamily="49" charset="0"/>
+                        <a:cs typeface="Courier New" panose="02070309020205020404" pitchFamily="49" charset="0"/>
+                      </a:endParaRPr>
+                    </a:p>
+                  </a:txBody>
+                  <a:tcPr/>
+                </a:tc>
+                <a:tc>
+                  <a:txBody>
+                    <a:bodyPr/>
+                    <a:lstStyle/>
+                    <a:p>
+                      <a:r>
+                        <a:rPr lang="en-GB" b="0" dirty="0" smtClean="0"/>
+                        <a:t>A mathematically</a:t>
+                      </a:r>
+                      <a:r>
+                        <a:rPr lang="en-GB" b="0" baseline="0" dirty="0" smtClean="0"/>
+                        <a:t> complex </a:t>
+                      </a:r>
+                      <a:r>
+                        <a:rPr lang="en-GB" b="0" dirty="0" smtClean="0"/>
+                        <a:t>number</a:t>
+                      </a:r>
+                      <a:endParaRPr lang="en-US" b="0" dirty="0"/>
+                    </a:p>
+                  </a:txBody>
+                  <a:tcPr/>
+                </a:tc>
+                <a:tc>
+                  <a:txBody>
+                    <a:bodyPr/>
+                    <a:lstStyle/>
+                    <a:p>
+                      <a:r>
+                        <a:rPr lang="en-GB" dirty="0" smtClean="0"/>
+                        <a:t>3.14j</a:t>
+                      </a:r>
+                      <a:endParaRPr lang="en-GB" baseline="0" dirty="0" smtClean="0"/>
+                    </a:p>
+                  </a:txBody>
+                  <a:tcPr/>
+                </a:tc>
+              </a:tr>
+            </a:tbl>
+          </a:graphicData>
+        </a:graphic>
+      </p:graphicFrame>
     </p:spTree>
     <p:extLst>
       <p:ext uri="{BB962C8B-B14F-4D97-AF65-F5344CB8AC3E}">
-        <p14:creationId xmlns:p14="http://schemas.microsoft.com/office/powerpoint/2010/main" val="3457724775"/>
+        <p14:creationId xmlns:p14="http://schemas.microsoft.com/office/powerpoint/2010/main" val="3094971317"/>
       </p:ext>
     </p:extLst>
   </p:cSld>
@@ -33726,114 +35841,6 @@
       </p:grpSpPr>
       <p:sp>
         <p:nvSpPr>
-          <p:cNvPr id="4" name="Content Placeholder 3"/>
-          <p:cNvSpPr>
-            <a:spLocks noGrp="1"/>
-          </p:cNvSpPr>
-          <p:nvPr>
-            <p:ph idx="1"/>
-          </p:nvPr>
-        </p:nvSpPr>
-        <p:spPr/>
-        <p:txBody>
-          <a:bodyPr/>
-          <a:lstStyle/>
-          <a:p>
-            <a:r>
-              <a:rPr lang="en-US" dirty="0" smtClean="0"/>
-              <a:t>In expressions</a:t>
-            </a:r>
-          </a:p>
-          <a:p>
-            <a:pPr lvl="1"/>
-            <a:r>
-              <a:rPr lang="en-US" dirty="0" smtClean="0"/>
-              <a:t>Assignments: </a:t>
-            </a:r>
-            <a:r>
-              <a:rPr lang="en-US" dirty="0" err="1" smtClean="0"/>
-              <a:t>booleanVar</a:t>
-            </a:r>
-            <a:r>
-              <a:rPr lang="en-US" dirty="0" smtClean="0"/>
-              <a:t> = True</a:t>
-            </a:r>
-          </a:p>
-          <a:p>
-            <a:pPr lvl="1"/>
-            <a:r>
-              <a:rPr lang="en-US" dirty="0" smtClean="0"/>
-              <a:t>Comparisons</a:t>
-            </a:r>
-          </a:p>
-          <a:p>
-            <a:pPr lvl="2"/>
-            <a:r>
-              <a:rPr lang="en-US" dirty="0" err="1" smtClean="0"/>
-              <a:t>booleanVar</a:t>
-            </a:r>
-            <a:r>
-              <a:rPr lang="en-US" dirty="0" smtClean="0"/>
-              <a:t> == True</a:t>
-            </a:r>
-          </a:p>
-          <a:p>
-            <a:pPr lvl="2"/>
-            <a:r>
-              <a:rPr lang="en-US" dirty="0" err="1"/>
-              <a:t>booleanVar</a:t>
-            </a:r>
-            <a:r>
-              <a:rPr lang="en-US" dirty="0"/>
-              <a:t> != True</a:t>
-            </a:r>
-          </a:p>
-          <a:p>
-            <a:pPr lvl="2"/>
-            <a:r>
-              <a:rPr lang="en-US" dirty="0" err="1" smtClean="0"/>
-              <a:t>booleanVar</a:t>
-            </a:r>
-            <a:r>
-              <a:rPr lang="en-US" dirty="0" smtClean="0"/>
-              <a:t> is True</a:t>
-            </a:r>
-          </a:p>
-          <a:p>
-            <a:pPr lvl="2"/>
-            <a:r>
-              <a:rPr lang="en-US" dirty="0" err="1" smtClean="0"/>
-              <a:t>booleanVar</a:t>
-            </a:r>
-            <a:r>
-              <a:rPr lang="en-US" dirty="0" smtClean="0"/>
-              <a:t> is not True</a:t>
-            </a:r>
-          </a:p>
-          <a:p>
-            <a:pPr lvl="2"/>
-            <a:r>
-              <a:rPr lang="en-US" dirty="0" err="1" smtClean="0"/>
-              <a:t>booleanVar</a:t>
-            </a:r>
-            <a:endParaRPr lang="en-US" dirty="0" smtClean="0"/>
-          </a:p>
-          <a:p>
-            <a:pPr lvl="2"/>
-            <a:r>
-              <a:rPr lang="en-US" dirty="0" smtClean="0"/>
-              <a:t>not </a:t>
-            </a:r>
-            <a:r>
-              <a:rPr lang="en-US" dirty="0" err="1" smtClean="0"/>
-              <a:t>booleanVar</a:t>
-            </a:r>
-            <a:endParaRPr lang="en-US" dirty="0"/>
-          </a:p>
-        </p:txBody>
-      </p:sp>
-      <p:sp>
-        <p:nvSpPr>
           <p:cNvPr id="3" name="Title 2"/>
           <p:cNvSpPr>
             <a:spLocks noGrp="1"/>
@@ -33855,10 +35862,341 @@
           </a:p>
         </p:txBody>
       </p:sp>
+      <p:graphicFrame>
+        <p:nvGraphicFramePr>
+          <p:cNvPr id="5" name="Content Placeholder 4"/>
+          <p:cNvGraphicFramePr>
+            <a:graphicFrameLocks/>
+          </p:cNvGraphicFramePr>
+          <p:nvPr>
+            <p:extLst>
+              <p:ext uri="{D42A27DB-BD31-4B8C-83A1-F6EECF244321}">
+                <p14:modId xmlns:p14="http://schemas.microsoft.com/office/powerpoint/2010/main" val="436962913"/>
+              </p:ext>
+            </p:extLst>
+          </p:nvPr>
+        </p:nvGraphicFramePr>
+        <p:xfrm>
+          <a:off x="695400" y="1700808"/>
+          <a:ext cx="10574338" cy="1854200"/>
+        </p:xfrm>
+        <a:graphic>
+          <a:graphicData uri="http://schemas.openxmlformats.org/drawingml/2006/table">
+            <a:tbl>
+              <a:tblPr firstRow="1" bandRow="1">
+                <a:tableStyleId>{5C22544A-7EE6-4342-B048-85BDC9FD1C3A}</a:tableStyleId>
+              </a:tblPr>
+              <a:tblGrid>
+                <a:gridCol w="1512168"/>
+                <a:gridCol w="6312073"/>
+                <a:gridCol w="2750097"/>
+              </a:tblGrid>
+              <a:tr h="370840">
+                <a:tc>
+                  <a:txBody>
+                    <a:bodyPr/>
+                    <a:lstStyle/>
+                    <a:p>
+                      <a:r>
+                        <a:rPr lang="en-GB" dirty="0" smtClean="0"/>
+                        <a:t>Type</a:t>
+                      </a:r>
+                      <a:endParaRPr lang="en-US" dirty="0"/>
+                    </a:p>
+                  </a:txBody>
+                  <a:tcPr/>
+                </a:tc>
+                <a:tc>
+                  <a:txBody>
+                    <a:bodyPr/>
+                    <a:lstStyle/>
+                    <a:p>
+                      <a:r>
+                        <a:rPr lang="en-GB" dirty="0" smtClean="0"/>
+                        <a:t>Description</a:t>
+                      </a:r>
+                      <a:endParaRPr lang="en-US" dirty="0"/>
+                    </a:p>
+                  </a:txBody>
+                  <a:tcPr/>
+                </a:tc>
+                <a:tc>
+                  <a:txBody>
+                    <a:bodyPr/>
+                    <a:lstStyle/>
+                    <a:p>
+                      <a:r>
+                        <a:rPr lang="en-GB" dirty="0" smtClean="0"/>
+                        <a:t>Example</a:t>
+                      </a:r>
+                      <a:endParaRPr lang="en-US" dirty="0"/>
+                    </a:p>
+                  </a:txBody>
+                  <a:tcPr/>
+                </a:tc>
+              </a:tr>
+              <a:tr h="370840">
+                <a:tc>
+                  <a:txBody>
+                    <a:bodyPr/>
+                    <a:lstStyle/>
+                    <a:p>
+                      <a:pPr algn="ctr"/>
+                      <a:r>
+                        <a:rPr lang="en-GB" dirty="0" err="1" smtClean="0">
+                          <a:solidFill>
+                            <a:srgbClr val="0000FF"/>
+                          </a:solidFill>
+                          <a:latin typeface="Courier New" panose="02070309020205020404" pitchFamily="49" charset="0"/>
+                          <a:cs typeface="Courier New" panose="02070309020205020404" pitchFamily="49" charset="0"/>
+                        </a:rPr>
+                        <a:t>int</a:t>
+                      </a:r>
+                      <a:r>
+                        <a:rPr lang="en-GB" dirty="0" smtClean="0">
+                          <a:solidFill>
+                            <a:srgbClr val="0000FF"/>
+                          </a:solidFill>
+                          <a:latin typeface="Courier New" panose="02070309020205020404" pitchFamily="49" charset="0"/>
+                          <a:cs typeface="Courier New" panose="02070309020205020404" pitchFamily="49" charset="0"/>
+                        </a:rPr>
+                        <a:t>()</a:t>
+                      </a:r>
+                      <a:endParaRPr lang="en-US" dirty="0">
+                        <a:solidFill>
+                          <a:srgbClr val="0000FF"/>
+                        </a:solidFill>
+                        <a:latin typeface="Courier New" panose="02070309020205020404" pitchFamily="49" charset="0"/>
+                        <a:cs typeface="Courier New" panose="02070309020205020404" pitchFamily="49" charset="0"/>
+                      </a:endParaRPr>
+                    </a:p>
+                  </a:txBody>
+                  <a:tcPr/>
+                </a:tc>
+                <a:tc>
+                  <a:txBody>
+                    <a:bodyPr/>
+                    <a:lstStyle/>
+                    <a:p>
+                      <a:r>
+                        <a:rPr lang="en-GB" dirty="0" smtClean="0"/>
+                        <a:t>A signed integer (whole number)</a:t>
+                      </a:r>
+                      <a:endParaRPr lang="en-US" dirty="0"/>
+                    </a:p>
+                  </a:txBody>
+                  <a:tcPr/>
+                </a:tc>
+                <a:tc>
+                  <a:txBody>
+                    <a:bodyPr/>
+                    <a:lstStyle/>
+                    <a:p>
+                      <a:r>
+                        <a:rPr lang="en-GB" dirty="0" smtClean="0"/>
+                        <a:t>1,2,</a:t>
+                      </a:r>
+                      <a:r>
+                        <a:rPr lang="en-GB" baseline="0" dirty="0" smtClean="0"/>
+                        <a:t>3,4,5….</a:t>
+                      </a:r>
+                      <a:endParaRPr lang="en-US" dirty="0"/>
+                    </a:p>
+                  </a:txBody>
+                  <a:tcPr/>
+                </a:tc>
+              </a:tr>
+              <a:tr h="370840">
+                <a:tc>
+                  <a:txBody>
+                    <a:bodyPr/>
+                    <a:lstStyle/>
+                    <a:p>
+                      <a:pPr algn="ctr"/>
+                      <a:r>
+                        <a:rPr lang="en-GB" dirty="0" smtClean="0">
+                          <a:solidFill>
+                            <a:srgbClr val="0000FF"/>
+                          </a:solidFill>
+                          <a:latin typeface="Courier New" panose="02070309020205020404" pitchFamily="49" charset="0"/>
+                          <a:cs typeface="Courier New" panose="02070309020205020404" pitchFamily="49" charset="0"/>
+                        </a:rPr>
+                        <a:t>long()</a:t>
+                      </a:r>
+                      <a:endParaRPr lang="en-US" dirty="0">
+                        <a:solidFill>
+                          <a:srgbClr val="0000FF"/>
+                        </a:solidFill>
+                        <a:latin typeface="Courier New" panose="02070309020205020404" pitchFamily="49" charset="0"/>
+                        <a:cs typeface="Courier New" panose="02070309020205020404" pitchFamily="49" charset="0"/>
+                      </a:endParaRPr>
+                    </a:p>
+                  </a:txBody>
+                  <a:tcPr/>
+                </a:tc>
+                <a:tc>
+                  <a:txBody>
+                    <a:bodyPr/>
+                    <a:lstStyle/>
+                    <a:p>
+                      <a:r>
+                        <a:rPr lang="en-GB" dirty="0" smtClean="0"/>
+                        <a:t>A long integer</a:t>
+                      </a:r>
+                      <a:endParaRPr lang="en-US" b="1" dirty="0"/>
+                    </a:p>
+                  </a:txBody>
+                  <a:tcPr/>
+                </a:tc>
+                <a:tc>
+                  <a:txBody>
+                    <a:bodyPr/>
+                    <a:lstStyle/>
+                    <a:p>
+                      <a:r>
+                        <a:rPr lang="en-GB" dirty="0" smtClean="0"/>
+                        <a:t>78421974L</a:t>
+                      </a:r>
+                      <a:endParaRPr lang="en-US" dirty="0"/>
+                    </a:p>
+                  </a:txBody>
+                  <a:tcPr/>
+                </a:tc>
+              </a:tr>
+              <a:tr h="370840">
+                <a:tc>
+                  <a:txBody>
+                    <a:bodyPr/>
+                    <a:lstStyle/>
+                    <a:p>
+                      <a:pPr algn="ctr"/>
+                      <a:r>
+                        <a:rPr lang="en-GB" dirty="0" smtClean="0">
+                          <a:solidFill>
+                            <a:srgbClr val="0000FF"/>
+                          </a:solidFill>
+                          <a:latin typeface="Courier New" panose="02070309020205020404" pitchFamily="49" charset="0"/>
+                          <a:cs typeface="Courier New" panose="02070309020205020404" pitchFamily="49" charset="0"/>
+                        </a:rPr>
+                        <a:t>float()</a:t>
+                      </a:r>
+                      <a:endParaRPr lang="en-US" dirty="0">
+                        <a:solidFill>
+                          <a:srgbClr val="0000FF"/>
+                        </a:solidFill>
+                        <a:latin typeface="Courier New" panose="02070309020205020404" pitchFamily="49" charset="0"/>
+                        <a:cs typeface="Courier New" panose="02070309020205020404" pitchFamily="49" charset="0"/>
+                      </a:endParaRPr>
+                    </a:p>
+                  </a:txBody>
+                  <a:tcPr/>
+                </a:tc>
+                <a:tc>
+                  <a:txBody>
+                    <a:bodyPr/>
+                    <a:lstStyle/>
+                    <a:p>
+                      <a:r>
+                        <a:rPr lang="en-GB" b="0" dirty="0" smtClean="0"/>
+                        <a:t>A floating</a:t>
+                      </a:r>
+                      <a:r>
+                        <a:rPr lang="en-GB" b="0" baseline="0" dirty="0" smtClean="0"/>
+                        <a:t> point number</a:t>
+                      </a:r>
+                      <a:endParaRPr lang="en-US" b="0" dirty="0"/>
+                    </a:p>
+                  </a:txBody>
+                  <a:tcPr/>
+                </a:tc>
+                <a:tc>
+                  <a:txBody>
+                    <a:bodyPr/>
+                    <a:lstStyle/>
+                    <a:p>
+                      <a:r>
+                        <a:rPr lang="en-GB" dirty="0" smtClean="0"/>
+                        <a:t>3.141592768</a:t>
+                      </a:r>
+                      <a:endParaRPr lang="en-US" dirty="0"/>
+                    </a:p>
+                  </a:txBody>
+                  <a:tcPr/>
+                </a:tc>
+              </a:tr>
+              <a:tr h="370840">
+                <a:tc>
+                  <a:txBody>
+                    <a:bodyPr/>
+                    <a:lstStyle/>
+                    <a:p>
+                      <a:pPr algn="ctr"/>
+                      <a:r>
+                        <a:rPr lang="en-GB" dirty="0" smtClean="0">
+                          <a:solidFill>
+                            <a:srgbClr val="0000FF"/>
+                          </a:solidFill>
+                          <a:latin typeface="Courier New" panose="02070309020205020404" pitchFamily="49" charset="0"/>
+                          <a:cs typeface="Courier New" panose="02070309020205020404" pitchFamily="49" charset="0"/>
+                        </a:rPr>
+                        <a:t>complex()</a:t>
+                      </a:r>
+                      <a:endParaRPr lang="en-US" dirty="0">
+                        <a:solidFill>
+                          <a:srgbClr val="0000FF"/>
+                        </a:solidFill>
+                        <a:latin typeface="Courier New" panose="02070309020205020404" pitchFamily="49" charset="0"/>
+                        <a:cs typeface="Courier New" panose="02070309020205020404" pitchFamily="49" charset="0"/>
+                      </a:endParaRPr>
+                    </a:p>
+                  </a:txBody>
+                  <a:tcPr/>
+                </a:tc>
+                <a:tc>
+                  <a:txBody>
+                    <a:bodyPr/>
+                    <a:lstStyle/>
+                    <a:p>
+                      <a:r>
+                        <a:rPr lang="en-GB" b="0" dirty="0" smtClean="0"/>
+                        <a:t>A mathematically</a:t>
+                      </a:r>
+                      <a:r>
+                        <a:rPr lang="en-GB" b="0" baseline="0" dirty="0" smtClean="0"/>
+                        <a:t> complex </a:t>
+                      </a:r>
+                      <a:r>
+                        <a:rPr lang="en-GB" b="0" dirty="0" smtClean="0"/>
+                        <a:t>number</a:t>
+                      </a:r>
+                      <a:endParaRPr lang="en-US" b="0" dirty="0"/>
+                    </a:p>
+                  </a:txBody>
+                  <a:tcPr/>
+                </a:tc>
+                <a:tc>
+                  <a:txBody>
+                    <a:bodyPr/>
+                    <a:lstStyle/>
+                    <a:p>
+                      <a:r>
+                        <a:rPr lang="en-GB" dirty="0" smtClean="0"/>
+                        <a:t>3.14j</a:t>
+                      </a:r>
+                      <a:endParaRPr lang="en-GB" baseline="0" dirty="0" smtClean="0"/>
+                    </a:p>
+                  </a:txBody>
+                  <a:tcPr/>
+                </a:tc>
+              </a:tr>
+            </a:tbl>
+          </a:graphicData>
+        </a:graphic>
+      </p:graphicFrame>
     </p:spTree>
     <p:extLst>
       <p:ext uri="{BB962C8B-B14F-4D97-AF65-F5344CB8AC3E}">
-        <p14:creationId xmlns:p14="http://schemas.microsoft.com/office/powerpoint/2010/main" val="3718321057"/>
+        <p14:creationId xmlns:p14="http://schemas.microsoft.com/office/powerpoint/2010/main" val="2112398483"/>
       </p:ext>
     </p:extLst>
   </p:cSld>
@@ -33915,6 +36253,95 @@
           <a:bodyPr/>
           <a:lstStyle/>
           <a:p>
+            <a:r>
+              <a:rPr lang="en-US" dirty="0" smtClean="0"/>
+              <a:t>In expressions</a:t>
+            </a:r>
+          </a:p>
+          <a:p>
+            <a:pPr lvl="1"/>
+            <a:r>
+              <a:rPr lang="en-US" dirty="0" smtClean="0"/>
+              <a:t>Assignments: </a:t>
+            </a:r>
+            <a:r>
+              <a:rPr lang="en-US" dirty="0" err="1" smtClean="0"/>
+              <a:t>booleanVar</a:t>
+            </a:r>
+            <a:r>
+              <a:rPr lang="en-US" dirty="0" smtClean="0"/>
+              <a:t> = True</a:t>
+            </a:r>
+          </a:p>
+          <a:p>
+            <a:pPr lvl="1"/>
+            <a:r>
+              <a:rPr lang="en-US" dirty="0" smtClean="0"/>
+              <a:t>Comparisons</a:t>
+            </a:r>
+          </a:p>
+          <a:p>
+            <a:pPr lvl="2"/>
+            <a:r>
+              <a:rPr lang="en-US" dirty="0" err="1" smtClean="0"/>
+              <a:t>booleanVar</a:t>
+            </a:r>
+            <a:r>
+              <a:rPr lang="en-US" dirty="0" smtClean="0"/>
+              <a:t> == True</a:t>
+            </a:r>
+          </a:p>
+          <a:p>
+            <a:pPr lvl="2"/>
+            <a:r>
+              <a:rPr lang="en-US" dirty="0" err="1"/>
+              <a:t>booleanVar</a:t>
+            </a:r>
+            <a:r>
+              <a:rPr lang="en-US" dirty="0"/>
+              <a:t> != True</a:t>
+            </a:r>
+          </a:p>
+          <a:p>
+            <a:pPr lvl="2"/>
+            <a:r>
+              <a:rPr lang="en-US" dirty="0" err="1" smtClean="0"/>
+              <a:t>booleanVar</a:t>
+            </a:r>
+            <a:r>
+              <a:rPr lang="en-US" dirty="0" smtClean="0"/>
+              <a:t> is True</a:t>
+            </a:r>
+          </a:p>
+          <a:p>
+            <a:pPr lvl="2"/>
+            <a:r>
+              <a:rPr lang="en-US" dirty="0" err="1" smtClean="0"/>
+              <a:t>booleanVar</a:t>
+            </a:r>
+            <a:r>
+              <a:rPr lang="en-US" dirty="0" smtClean="0"/>
+              <a:t> is not True</a:t>
+            </a:r>
+          </a:p>
+          <a:p>
+            <a:pPr lvl="2"/>
+            <a:r>
+              <a:rPr lang="en-US" dirty="0" err="1" smtClean="0"/>
+              <a:t>booleanVar</a:t>
+            </a:r>
+            <a:endParaRPr lang="en-US" dirty="0" smtClean="0"/>
+          </a:p>
+          <a:p>
+            <a:pPr lvl="2"/>
+            <a:r>
+              <a:rPr lang="en-US" dirty="0" smtClean="0"/>
+              <a:t>not </a:t>
+            </a:r>
+            <a:r>
+              <a:rPr lang="en-US" dirty="0" err="1" smtClean="0"/>
+              <a:t>booleanVar</a:t>
+            </a:r>
             <a:endParaRPr lang="en-US" dirty="0"/>
           </a:p>
         </p:txBody>
@@ -33936,7 +36363,7 @@
           <a:p>
             <a:r>
               <a:rPr lang="en-US" dirty="0" smtClean="0"/>
-              <a:t>Booleans: Examples</a:t>
+              <a:t>Booleans</a:t>
             </a:r>
             <a:endParaRPr lang="en-US" dirty="0"/>
           </a:p>
@@ -33945,7 +36372,7 @@
     </p:spTree>
     <p:extLst>
       <p:ext uri="{BB962C8B-B14F-4D97-AF65-F5344CB8AC3E}">
-        <p14:creationId xmlns:p14="http://schemas.microsoft.com/office/powerpoint/2010/main" val="2935414783"/>
+        <p14:creationId xmlns:p14="http://schemas.microsoft.com/office/powerpoint/2010/main" val="3718321057"/>
       </p:ext>
     </p:extLst>
   </p:cSld>
@@ -34002,45 +36429,7 @@
           <a:bodyPr/>
           <a:lstStyle/>
           <a:p>
-            <a:r>
-              <a:rPr lang="en-US" dirty="0" smtClean="0"/>
-              <a:t>List</a:t>
-            </a:r>
-          </a:p>
-          <a:p>
-            <a:pPr lvl="1"/>
-            <a:r>
-              <a:rPr lang="en-US" sz="2400" dirty="0" smtClean="0"/>
-              <a:t>Comma separated values between square brackets</a:t>
-            </a:r>
-          </a:p>
-          <a:p>
-            <a:pPr lvl="1"/>
-            <a:r>
-              <a:rPr lang="en-US" sz="2400" dirty="0" smtClean="0"/>
-              <a:t>Each element has an index</a:t>
-            </a:r>
-          </a:p>
-          <a:p>
-            <a:pPr lvl="1"/>
-            <a:r>
-              <a:rPr lang="en-US" sz="2400" dirty="0" smtClean="0"/>
-              <a:t>Elements can be of mixed data types</a:t>
-            </a:r>
-          </a:p>
-          <a:p>
-            <a:pPr lvl="1"/>
-            <a:r>
-              <a:rPr lang="en-US" sz="2400" dirty="0" smtClean="0"/>
-              <a:t>Indices are zero-based</a:t>
-            </a:r>
-          </a:p>
-          <a:p>
-            <a:pPr lvl="1"/>
-            <a:r>
-              <a:rPr lang="en-US" sz="2400" dirty="0" smtClean="0"/>
-              <a:t>Built-in functions include indexing, adding, slicing, checking for membership, and sequence length </a:t>
-            </a:r>
+            <a:endParaRPr lang="en-US" dirty="0"/>
           </a:p>
         </p:txBody>
       </p:sp>
@@ -34061,7 +36450,7 @@
           <a:p>
             <a:r>
               <a:rPr lang="en-US" dirty="0" smtClean="0"/>
-              <a:t>Lists and Tuples</a:t>
+              <a:t>Booleans: Examples</a:t>
             </a:r>
             <a:endParaRPr lang="en-US" dirty="0"/>
           </a:p>
@@ -34070,7 +36459,7 @@
     </p:spTree>
     <p:extLst>
       <p:ext uri="{BB962C8B-B14F-4D97-AF65-F5344CB8AC3E}">
-        <p14:creationId xmlns:p14="http://schemas.microsoft.com/office/powerpoint/2010/main" val="1010290534"/>
+        <p14:creationId xmlns:p14="http://schemas.microsoft.com/office/powerpoint/2010/main" val="2935414783"/>
       </p:ext>
     </p:extLst>
   </p:cSld>
@@ -34129,76 +36518,42 @@
           <a:p>
             <a:r>
               <a:rPr lang="en-US" dirty="0" smtClean="0"/>
-              <a:t>List examples</a:t>
+              <a:t>List</a:t>
             </a:r>
           </a:p>
           <a:p>
             <a:pPr lvl="1"/>
             <a:r>
-              <a:rPr lang="en-US" dirty="0" err="1" smtClean="0"/>
-              <a:t>aList</a:t>
-            </a:r>
-            <a:r>
-              <a:rPr lang="en-US" dirty="0" smtClean="0"/>
-              <a:t> = [ 1, 2, 3, 5, 8, 13, 21 ]</a:t>
+              <a:rPr lang="en-US" sz="2400" dirty="0" smtClean="0"/>
+              <a:t>Comma separated values between square brackets</a:t>
             </a:r>
           </a:p>
           <a:p>
             <a:pPr lvl="1"/>
             <a:r>
-              <a:rPr lang="en-US" dirty="0" err="1" smtClean="0"/>
-              <a:t>bList</a:t>
-            </a:r>
-            <a:r>
-              <a:rPr lang="en-US" dirty="0" smtClean="0"/>
-              <a:t> = [ ‘Homer’, ‘Marge’, ‘Bart’, ‘Lisa’, ‘Maggie’ ]</a:t>
+              <a:rPr lang="en-US" sz="2400" dirty="0" smtClean="0"/>
+              <a:t>Each element has an index</a:t>
             </a:r>
           </a:p>
           <a:p>
             <a:pPr lvl="1"/>
             <a:r>
-              <a:rPr lang="en-US" dirty="0" err="1" smtClean="0"/>
-              <a:t>cList</a:t>
-            </a:r>
-            <a:r>
-              <a:rPr lang="en-US" dirty="0" smtClean="0"/>
-              <a:t> = [ ‘Ford’, True, ‘</a:t>
-            </a:r>
-            <a:r>
-              <a:rPr lang="en-US" dirty="0" err="1" smtClean="0"/>
-              <a:t>Zaphod</a:t>
-            </a:r>
-            <a:r>
-              <a:rPr lang="en-US" dirty="0" smtClean="0"/>
-              <a:t>’, 42]</a:t>
-            </a:r>
-          </a:p>
-          <a:p>
-            <a:r>
-              <a:rPr lang="en-US" dirty="0" smtClean="0"/>
-              <a:t>Accessing</a:t>
+              <a:rPr lang="en-US" sz="2400" dirty="0" smtClean="0"/>
+              <a:t>Elements can be of mixed data types</a:t>
             </a:r>
           </a:p>
           <a:p>
             <a:pPr lvl="1"/>
             <a:r>
-              <a:rPr lang="en-US" dirty="0" err="1" smtClean="0"/>
-              <a:t>aList</a:t>
-            </a:r>
-            <a:r>
-              <a:rPr lang="en-US" dirty="0" smtClean="0"/>
-              <a:t>[5]</a:t>
+              <a:rPr lang="en-US" sz="2400" dirty="0" smtClean="0"/>
+              <a:t>Indices are zero-based</a:t>
             </a:r>
           </a:p>
           <a:p>
             <a:pPr lvl="1"/>
             <a:r>
-              <a:rPr lang="en-US" dirty="0" err="1" smtClean="0"/>
-              <a:t>bList</a:t>
-            </a:r>
-            <a:r>
-              <a:rPr lang="en-US" dirty="0" smtClean="0"/>
-              <a:t>[1:3]</a:t>
+              <a:rPr lang="en-US" sz="2400" dirty="0" smtClean="0"/>
+              <a:t>Built-in functions include indexing, adding, slicing, checking for membership, and sequence length </a:t>
             </a:r>
           </a:p>
         </p:txBody>
@@ -34220,7 +36575,7 @@
           <a:p>
             <a:r>
               <a:rPr lang="en-US" dirty="0" smtClean="0"/>
-              <a:t>Lists</a:t>
+              <a:t>Lists and Tuples</a:t>
             </a:r>
             <a:endParaRPr lang="en-US" dirty="0"/>
           </a:p>
@@ -34229,7 +36584,7 @@
     </p:spTree>
     <p:extLst>
       <p:ext uri="{BB962C8B-B14F-4D97-AF65-F5344CB8AC3E}">
-        <p14:creationId xmlns:p14="http://schemas.microsoft.com/office/powerpoint/2010/main" val="431724570"/>
+        <p14:creationId xmlns:p14="http://schemas.microsoft.com/office/powerpoint/2010/main" val="1010290534"/>
       </p:ext>
     </p:extLst>
   </p:cSld>
@@ -34397,7 +36752,7 @@
           <a:p>
             <a:r>
               <a:rPr lang="en-US" dirty="0" smtClean="0"/>
-              <a:t>Updating</a:t>
+              <a:t>List examples</a:t>
             </a:r>
           </a:p>
           <a:p>
@@ -34408,70 +36763,65 @@
             </a:r>
             <a:r>
               <a:rPr lang="en-US" dirty="0" smtClean="0"/>
-              <a:t>[5] = 15</a:t>
+              <a:t> = [ 1, 2, 3, 5, 8, 13, 21 ]</a:t>
             </a:r>
           </a:p>
           <a:p>
             <a:pPr lvl="1"/>
-            <a:r>
-              <a:rPr lang="en-US" dirty="0" err="1" smtClean="0"/>
-              <a:t>aList.append</a:t>
-            </a:r>
-            <a:r>
-              <a:rPr lang="en-US" dirty="0" smtClean="0"/>
-              <a:t>(15)</a:t>
-            </a:r>
-          </a:p>
-          <a:p>
-            <a:pPr lvl="1"/>
-            <a:r>
-              <a:rPr lang="en-US" dirty="0" err="1" smtClean="0"/>
-              <a:t>aList.extend</a:t>
-            </a:r>
-            <a:r>
-              <a:rPr lang="en-US" dirty="0" smtClean="0"/>
-              <a:t>(</a:t>
-            </a:r>
             <a:r>
               <a:rPr lang="en-US" dirty="0" err="1" smtClean="0"/>
               <a:t>bList</a:t>
             </a:r>
             <a:r>
               <a:rPr lang="en-US" dirty="0" smtClean="0"/>
-              <a:t>)</a:t>
+              <a:t> = [ ‘Homer’, ‘Marge’, ‘Bart’, ‘Lisa’, ‘Maggie’ ]</a:t>
             </a:r>
           </a:p>
           <a:p>
             <a:pPr lvl="1"/>
             <a:r>
               <a:rPr lang="en-US" dirty="0" err="1" smtClean="0"/>
-              <a:t>bList.remove</a:t>
+              <a:t>cList</a:t>
             </a:r>
             <a:r>
               <a:rPr lang="en-US" dirty="0" smtClean="0"/>
-              <a:t>(‘Bart’)</a:t>
+              <a:t> = [ ‘Ford’, True, ‘</a:t>
+            </a:r>
+            <a:r>
+              <a:rPr lang="en-US" dirty="0" err="1" smtClean="0"/>
+              <a:t>Zaphod</a:t>
+            </a:r>
+            <a:r>
+              <a:rPr lang="en-US" dirty="0" smtClean="0"/>
+              <a:t>’, 42]</a:t>
+            </a:r>
+          </a:p>
+          <a:p>
+            <a:r>
+              <a:rPr lang="en-US" dirty="0" smtClean="0"/>
+              <a:t>Accessing</a:t>
             </a:r>
           </a:p>
           <a:p>
             <a:pPr lvl="1"/>
             <a:r>
               <a:rPr lang="en-US" dirty="0" err="1" smtClean="0"/>
-              <a:t>bList.pop</a:t>
+              <a:t>aList</a:t>
             </a:r>
             <a:r>
               <a:rPr lang="en-US" dirty="0" smtClean="0"/>
-              <a:t>(2)</a:t>
+              <a:t>[5]</a:t>
             </a:r>
           </a:p>
           <a:p>
             <a:pPr lvl="1"/>
             <a:r>
               <a:rPr lang="en-US" dirty="0" err="1" smtClean="0"/>
-              <a:t>bList.index</a:t>
+              <a:t>bList</a:t>
             </a:r>
             <a:r>
               <a:rPr lang="en-US" dirty="0" smtClean="0"/>
-              <a:t>(‘Maggie’)</a:t>
+              <a:t>[1:3]</a:t>
             </a:r>
           </a:p>
         </p:txBody>
@@ -34502,7 +36852,7 @@
     </p:spTree>
     <p:extLst>
       <p:ext uri="{BB962C8B-B14F-4D97-AF65-F5344CB8AC3E}">
-        <p14:creationId xmlns:p14="http://schemas.microsoft.com/office/powerpoint/2010/main" val="3529641530"/>
+        <p14:creationId xmlns:p14="http://schemas.microsoft.com/office/powerpoint/2010/main" val="431724570"/>
       </p:ext>
     </p:extLst>
   </p:cSld>
@@ -34556,84 +36906,87 @@
         </p:nvSpPr>
         <p:spPr/>
         <p:txBody>
-          <a:bodyPr>
-            <a:normAutofit/>
-          </a:bodyPr>
+          <a:bodyPr/>
           <a:lstStyle/>
           <a:p>
             <a:r>
               <a:rPr lang="en-US" dirty="0" smtClean="0"/>
-              <a:t>Tuple</a:t>
+              <a:t>Updating</a:t>
             </a:r>
           </a:p>
           <a:p>
             <a:pPr lvl="1"/>
             <a:r>
-              <a:rPr lang="en-US" sz="2400" dirty="0"/>
-              <a:t>Immutable sequence of objects</a:t>
+              <a:rPr lang="en-US" dirty="0" err="1" smtClean="0"/>
+              <a:t>aList</a:t>
+            </a:r>
+            <a:r>
+              <a:rPr lang="en-US" dirty="0" smtClean="0"/>
+              <a:t>[5] = 15</a:t>
             </a:r>
           </a:p>
           <a:p>
             <a:pPr lvl="1"/>
             <a:r>
-              <a:rPr lang="en-US" sz="2400" dirty="0" smtClean="0"/>
-              <a:t>Tuples are sequences, like Lists</a:t>
+              <a:rPr lang="en-US" dirty="0" err="1" smtClean="0"/>
+              <a:t>aList.append</a:t>
+            </a:r>
+            <a:r>
+              <a:rPr lang="en-US" dirty="0" smtClean="0"/>
+              <a:t>(15)</a:t>
             </a:r>
           </a:p>
           <a:p>
             <a:pPr lvl="1"/>
             <a:r>
-              <a:rPr lang="en-US" sz="2400" dirty="0" smtClean="0"/>
-              <a:t>Uses parentheses instead of square brackets</a:t>
+              <a:rPr lang="en-US" dirty="0" err="1" smtClean="0"/>
+              <a:t>aList.extend</a:t>
+            </a:r>
+            <a:r>
+              <a:rPr lang="en-US" dirty="0" smtClean="0"/>
+              <a:t>(</a:t>
+            </a:r>
+            <a:r>
+              <a:rPr lang="en-US" dirty="0" err="1" smtClean="0"/>
+              <a:t>bList</a:t>
+            </a:r>
+            <a:r>
+              <a:rPr lang="en-US" dirty="0" smtClean="0"/>
+              <a:t>)</a:t>
             </a:r>
           </a:p>
           <a:p>
             <a:pPr lvl="1"/>
             <a:r>
-              <a:rPr lang="en-US" sz="2400" dirty="0"/>
-              <a:t>Each element has an index</a:t>
+              <a:rPr lang="en-US" dirty="0" err="1" smtClean="0"/>
+              <a:t>bList.remove</a:t>
+            </a:r>
+            <a:r>
+              <a:rPr lang="en-US" dirty="0" smtClean="0"/>
+              <a:t>(‘Bart’)</a:t>
             </a:r>
           </a:p>
           <a:p>
             <a:pPr lvl="1"/>
             <a:r>
-              <a:rPr lang="en-US" sz="2400" dirty="0"/>
-              <a:t>Elements can be of mixed data types</a:t>
+              <a:rPr lang="en-US" dirty="0" err="1" smtClean="0"/>
+              <a:t>bList.pop</a:t>
+            </a:r>
+            <a:r>
+              <a:rPr lang="en-US" dirty="0" smtClean="0"/>
+              <a:t>(2)</a:t>
             </a:r>
           </a:p>
           <a:p>
             <a:pPr lvl="1"/>
             <a:r>
-              <a:rPr lang="en-US" sz="2400" dirty="0"/>
-              <a:t>Indices are zero-based</a:t>
-            </a:r>
-          </a:p>
-          <a:p>
-            <a:pPr lvl="1"/>
-            <a:r>
-              <a:rPr lang="en-US" sz="2400" dirty="0"/>
-              <a:t>Built-in functions for </a:t>
-            </a:r>
-            <a:r>
-              <a:rPr lang="en-US" sz="2400" dirty="0" smtClean="0"/>
-              <a:t>indexing, slicing</a:t>
-            </a:r>
-            <a:r>
-              <a:rPr lang="en-US" sz="2400" dirty="0"/>
-              <a:t>, checking for membership, and sequence length </a:t>
-            </a:r>
-          </a:p>
-          <a:p>
-            <a:pPr marL="0" indent="0">
-              <a:buNone/>
-            </a:pPr>
-            <a:endParaRPr lang="en-US" dirty="0" smtClean="0"/>
-          </a:p>
-          <a:p>
-            <a:endParaRPr lang="en-US" dirty="0" smtClean="0"/>
-          </a:p>
-          <a:p>
-            <a:endParaRPr lang="en-US" dirty="0"/>
+              <a:rPr lang="en-US" dirty="0" err="1" smtClean="0"/>
+              <a:t>bList.index</a:t>
+            </a:r>
+            <a:r>
+              <a:rPr lang="en-US" dirty="0" smtClean="0"/>
+              <a:t>(‘Maggie’)</a:t>
+            </a:r>
           </a:p>
         </p:txBody>
       </p:sp>
@@ -34654,7 +37007,7 @@
           <a:p>
             <a:r>
               <a:rPr lang="en-US" dirty="0" smtClean="0"/>
-              <a:t>Tuples</a:t>
+              <a:t>Lists</a:t>
             </a:r>
             <a:endParaRPr lang="en-US" dirty="0"/>
           </a:p>
@@ -34663,7 +37016,7 @@
     </p:spTree>
     <p:extLst>
       <p:ext uri="{BB962C8B-B14F-4D97-AF65-F5344CB8AC3E}">
-        <p14:creationId xmlns:p14="http://schemas.microsoft.com/office/powerpoint/2010/main" val="744933297"/>
+        <p14:creationId xmlns:p14="http://schemas.microsoft.com/office/powerpoint/2010/main" val="3529641530"/>
       </p:ext>
     </p:extLst>
   </p:cSld>
@@ -34717,93 +37070,83 @@
         </p:nvSpPr>
         <p:spPr/>
         <p:txBody>
-          <a:bodyPr/>
+          <a:bodyPr>
+            <a:normAutofit/>
+          </a:bodyPr>
           <a:lstStyle/>
           <a:p>
             <a:r>
               <a:rPr lang="en-US" dirty="0" smtClean="0"/>
-              <a:t>Tuple examples</a:t>
+              <a:t>Tuple</a:t>
             </a:r>
           </a:p>
           <a:p>
             <a:pPr lvl="1"/>
             <a:r>
-              <a:rPr lang="en-US" dirty="0" err="1" smtClean="0"/>
-              <a:t>aTuple</a:t>
-            </a:r>
-            <a:r>
-              <a:rPr lang="en-US" dirty="0" smtClean="0"/>
-              <a:t> = ( 1, 2, 3, 4, 5, 6 )</a:t>
+              <a:rPr lang="en-US" sz="2400" dirty="0"/>
+              <a:t>Immutable sequence of objects</a:t>
             </a:r>
           </a:p>
           <a:p>
             <a:pPr lvl="1"/>
             <a:r>
-              <a:rPr lang="en-US" dirty="0" err="1" smtClean="0"/>
-              <a:t>bTuple</a:t>
-            </a:r>
-            <a:r>
-              <a:rPr lang="en-US" dirty="0" smtClean="0"/>
-              <a:t> = ‘Peter’, ’Lois’, ’Chris’, ‘</a:t>
-            </a:r>
-            <a:r>
-              <a:rPr lang="en-US" dirty="0" err="1" smtClean="0"/>
-              <a:t>Stewie</a:t>
-            </a:r>
-            <a:r>
-              <a:rPr lang="en-US" dirty="0" smtClean="0"/>
-              <a:t>’</a:t>
+              <a:rPr lang="en-US" sz="2400" dirty="0" smtClean="0"/>
+              <a:t>Tuples are sequences, like Lists</a:t>
             </a:r>
           </a:p>
           <a:p>
             <a:pPr lvl="1"/>
             <a:r>
-              <a:rPr lang="en-US" dirty="0" err="1" smtClean="0"/>
-              <a:t>cTuple</a:t>
-            </a:r>
-            <a:r>
-              <a:rPr lang="en-US" dirty="0" smtClean="0"/>
-              <a:t> = ( ‘Meg’, )</a:t>
+              <a:rPr lang="en-US" sz="2400" dirty="0" smtClean="0"/>
+              <a:t>Uses parentheses instead of square brackets</a:t>
             </a:r>
           </a:p>
           <a:p>
             <a:pPr lvl="1"/>
             <a:r>
-              <a:rPr lang="en-US" dirty="0" err="1" smtClean="0"/>
-              <a:t>dTuple</a:t>
-            </a:r>
-            <a:r>
-              <a:rPr lang="en-US" dirty="0" smtClean="0"/>
-              <a:t> = ()</a:t>
-            </a:r>
-          </a:p>
-          <a:p>
-            <a:r>
-              <a:rPr lang="en-US" dirty="0" smtClean="0"/>
-              <a:t>Accessing</a:t>
+              <a:rPr lang="en-US" sz="2400" dirty="0"/>
+              <a:t>Each element has an index</a:t>
             </a:r>
           </a:p>
           <a:p>
             <a:pPr lvl="1"/>
             <a:r>
-              <a:rPr lang="en-US" dirty="0" err="1" smtClean="0"/>
-              <a:t>aTuple</a:t>
-            </a:r>
-            <a:r>
-              <a:rPr lang="en-US" dirty="0" smtClean="0"/>
-              <a:t>[1]</a:t>
+              <a:rPr lang="en-US" sz="2400" dirty="0"/>
+              <a:t>Elements can be of mixed data types</a:t>
             </a:r>
           </a:p>
           <a:p>
             <a:pPr lvl="1"/>
             <a:r>
-              <a:rPr lang="en-US" dirty="0" err="1" smtClean="0"/>
-              <a:t>bTuple</a:t>
-            </a:r>
-            <a:r>
-              <a:rPr lang="en-US" dirty="0" smtClean="0"/>
-              <a:t>[1:2]</a:t>
-            </a:r>
+              <a:rPr lang="en-US" sz="2400" dirty="0"/>
+              <a:t>Indices are zero-based</a:t>
+            </a:r>
+          </a:p>
+          <a:p>
+            <a:pPr lvl="1"/>
+            <a:r>
+              <a:rPr lang="en-US" sz="2400" dirty="0"/>
+              <a:t>Built-in functions for </a:t>
+            </a:r>
+            <a:r>
+              <a:rPr lang="en-US" sz="2400" dirty="0" smtClean="0"/>
+              <a:t>indexing, slicing</a:t>
+            </a:r>
+            <a:r>
+              <a:rPr lang="en-US" sz="2400" dirty="0"/>
+              <a:t>, checking for membership, and sequence length </a:t>
+            </a:r>
+          </a:p>
+          <a:p>
+            <a:pPr marL="0" indent="0">
+              <a:buNone/>
+            </a:pPr>
+            <a:endParaRPr lang="en-US" dirty="0" smtClean="0"/>
+          </a:p>
+          <a:p>
+            <a:endParaRPr lang="en-US" dirty="0" smtClean="0"/>
+          </a:p>
+          <a:p>
             <a:endParaRPr lang="en-US" dirty="0"/>
           </a:p>
         </p:txBody>
@@ -34834,7 +37177,7 @@
     </p:spTree>
     <p:extLst>
       <p:ext uri="{BB962C8B-B14F-4D97-AF65-F5344CB8AC3E}">
-        <p14:creationId xmlns:p14="http://schemas.microsoft.com/office/powerpoint/2010/main" val="4108387058"/>
+        <p14:creationId xmlns:p14="http://schemas.microsoft.com/office/powerpoint/2010/main" val="744933297"/>
       </p:ext>
     </p:extLst>
   </p:cSld>
@@ -34893,44 +37236,87 @@
           <a:p>
             <a:r>
               <a:rPr lang="en-US" dirty="0" smtClean="0"/>
-              <a:t>Updating</a:t>
+              <a:t>Tuple examples</a:t>
             </a:r>
           </a:p>
           <a:p>
             <a:pPr lvl="1"/>
             <a:r>
+              <a:rPr lang="en-US" dirty="0" err="1" smtClean="0"/>
+              <a:t>aTuple</a:t>
+            </a:r>
+            <a:r>
               <a:rPr lang="en-US" dirty="0" smtClean="0"/>
-              <a:t>Cannot be updated</a:t>
+              <a:t> = ( 1, 2, 3, 4, 5, 6 )</a:t>
             </a:r>
           </a:p>
           <a:p>
             <a:pPr lvl="1"/>
-            <a:r>
-              <a:rPr lang="en-US" dirty="0" smtClean="0"/>
-              <a:t>BUT a new tuple can be constructed by concatenating other tuples</a:t>
-            </a:r>
-          </a:p>
-          <a:p>
-            <a:pPr lvl="2"/>
-            <a:r>
-              <a:rPr lang="en-US" dirty="0" err="1" smtClean="0"/>
-              <a:t>eTuple</a:t>
-            </a:r>
-            <a:r>
-              <a:rPr lang="en-US" dirty="0" smtClean="0"/>
-              <a:t> = </a:t>
-            </a:r>
             <a:r>
               <a:rPr lang="en-US" dirty="0" err="1" smtClean="0"/>
               <a:t>bTuple</a:t>
             </a:r>
             <a:r>
               <a:rPr lang="en-US" dirty="0" smtClean="0"/>
-              <a:t> + </a:t>
-            </a:r>
+              <a:t> = ‘Peter’, ’Lois’, ’Chris’, ‘</a:t>
+            </a:r>
+            <a:r>
+              <a:rPr lang="en-US" dirty="0" err="1" smtClean="0"/>
+              <a:t>Stewie</a:t>
+            </a:r>
+            <a:r>
+              <a:rPr lang="en-US" dirty="0" smtClean="0"/>
+              <a:t>’</a:t>
+            </a:r>
+          </a:p>
+          <a:p>
+            <a:pPr lvl="1"/>
             <a:r>
               <a:rPr lang="en-US" dirty="0" err="1" smtClean="0"/>
               <a:t>cTuple</a:t>
+            </a:r>
+            <a:r>
+              <a:rPr lang="en-US" dirty="0" smtClean="0"/>
+              <a:t> = ( ‘Meg’, )</a:t>
+            </a:r>
+          </a:p>
+          <a:p>
+            <a:pPr lvl="1"/>
+            <a:r>
+              <a:rPr lang="en-US" dirty="0" err="1" smtClean="0"/>
+              <a:t>dTuple</a:t>
+            </a:r>
+            <a:r>
+              <a:rPr lang="en-US" dirty="0" smtClean="0"/>
+              <a:t> = ()</a:t>
+            </a:r>
+          </a:p>
+          <a:p>
+            <a:r>
+              <a:rPr lang="en-US" dirty="0" smtClean="0"/>
+              <a:t>Accessing</a:t>
+            </a:r>
+          </a:p>
+          <a:p>
+            <a:pPr lvl="1"/>
+            <a:r>
+              <a:rPr lang="en-US" dirty="0" err="1" smtClean="0"/>
+              <a:t>aTuple</a:t>
+            </a:r>
+            <a:r>
+              <a:rPr lang="en-US" dirty="0" smtClean="0"/>
+              <a:t>[1]</a:t>
+            </a:r>
+          </a:p>
+          <a:p>
+            <a:pPr lvl="1"/>
+            <a:r>
+              <a:rPr lang="en-US" dirty="0" err="1" smtClean="0"/>
+              <a:t>bTuple</a:t>
+            </a:r>
+            <a:r>
+              <a:rPr lang="en-US" dirty="0" smtClean="0"/>
+              <a:t>[1:2]</a:t>
             </a:r>
             <a:endParaRPr lang="en-US" dirty="0"/>
           </a:p>
@@ -34962,7 +37348,7 @@
     </p:spTree>
     <p:extLst>
       <p:ext uri="{BB962C8B-B14F-4D97-AF65-F5344CB8AC3E}">
-        <p14:creationId xmlns:p14="http://schemas.microsoft.com/office/powerpoint/2010/main" val="325047374"/>
+        <p14:creationId xmlns:p14="http://schemas.microsoft.com/office/powerpoint/2010/main" val="4108387058"/>
       </p:ext>
     </p:extLst>
   </p:cSld>
@@ -35019,6 +37405,47 @@
           <a:bodyPr/>
           <a:lstStyle/>
           <a:p>
+            <a:r>
+              <a:rPr lang="en-US" dirty="0" smtClean="0"/>
+              <a:t>Updating</a:t>
+            </a:r>
+          </a:p>
+          <a:p>
+            <a:pPr lvl="1"/>
+            <a:r>
+              <a:rPr lang="en-US" dirty="0" smtClean="0"/>
+              <a:t>Cannot be updated</a:t>
+            </a:r>
+          </a:p>
+          <a:p>
+            <a:pPr lvl="1"/>
+            <a:r>
+              <a:rPr lang="en-US" dirty="0" smtClean="0"/>
+              <a:t>BUT a new tuple can be constructed by concatenating other tuples</a:t>
+            </a:r>
+          </a:p>
+          <a:p>
+            <a:pPr lvl="2"/>
+            <a:r>
+              <a:rPr lang="en-US" dirty="0" err="1" smtClean="0"/>
+              <a:t>eTuple</a:t>
+            </a:r>
+            <a:r>
+              <a:rPr lang="en-US" dirty="0" smtClean="0"/>
+              <a:t> = </a:t>
+            </a:r>
+            <a:r>
+              <a:rPr lang="en-US" dirty="0" err="1" smtClean="0"/>
+              <a:t>bTuple</a:t>
+            </a:r>
+            <a:r>
+              <a:rPr lang="en-US" dirty="0" smtClean="0"/>
+              <a:t> + </a:t>
+            </a:r>
+            <a:r>
+              <a:rPr lang="en-US" dirty="0" err="1" smtClean="0"/>
+              <a:t>cTuple</a:t>
+            </a:r>
             <a:endParaRPr lang="en-US" dirty="0"/>
           </a:p>
         </p:txBody>
@@ -35040,7 +37467,7 @@
           <a:p>
             <a:r>
               <a:rPr lang="en-US" dirty="0" smtClean="0"/>
-              <a:t>Lists and Tuples: Examples</a:t>
+              <a:t>Tuples</a:t>
             </a:r>
             <a:endParaRPr lang="en-US" dirty="0"/>
           </a:p>
@@ -35049,7 +37476,7 @@
     </p:spTree>
     <p:extLst>
       <p:ext uri="{BB962C8B-B14F-4D97-AF65-F5344CB8AC3E}">
-        <p14:creationId xmlns:p14="http://schemas.microsoft.com/office/powerpoint/2010/main" val="2076899143"/>
+        <p14:creationId xmlns:p14="http://schemas.microsoft.com/office/powerpoint/2010/main" val="325047374"/>
       </p:ext>
     </p:extLst>
   </p:cSld>
@@ -35106,40 +37533,6 @@
           <a:bodyPr/>
           <a:lstStyle/>
           <a:p>
-            <a:r>
-              <a:rPr lang="en-US" dirty="0" smtClean="0"/>
-              <a:t>Also known as “associative arrays”</a:t>
-            </a:r>
-          </a:p>
-          <a:p>
-            <a:r>
-              <a:rPr lang="en-US" dirty="0" smtClean="0"/>
-              <a:t>Indexed by keys</a:t>
-            </a:r>
-          </a:p>
-          <a:p>
-            <a:r>
-              <a:rPr lang="en-US" dirty="0" smtClean="0"/>
-              <a:t>An unordered set of </a:t>
-            </a:r>
-            <a:r>
-              <a:rPr lang="en-US" i="1" dirty="0" err="1" smtClean="0"/>
-              <a:t>key:value</a:t>
-            </a:r>
-            <a:r>
-              <a:rPr lang="en-US" dirty="0"/>
-              <a:t> </a:t>
-            </a:r>
-            <a:r>
-              <a:rPr lang="en-US" dirty="0" smtClean="0"/>
-              <a:t>pairs</a:t>
-            </a:r>
-          </a:p>
-          <a:p>
-            <a:r>
-              <a:rPr lang="en-US" dirty="0" smtClean="0"/>
-              <a:t>Keys must be unique to the dictionary</a:t>
-            </a:r>
             <a:endParaRPr lang="en-US" dirty="0"/>
           </a:p>
         </p:txBody>
@@ -35161,7 +37554,7 @@
           <a:p>
             <a:r>
               <a:rPr lang="en-US" dirty="0" smtClean="0"/>
-              <a:t>Dictionaries</a:t>
+              <a:t>Lists and Tuples: Examples</a:t>
             </a:r>
             <a:endParaRPr lang="en-US" dirty="0"/>
           </a:p>
@@ -35170,7 +37563,7 @@
     </p:spTree>
     <p:extLst>
       <p:ext uri="{BB962C8B-B14F-4D97-AF65-F5344CB8AC3E}">
-        <p14:creationId xmlns:p14="http://schemas.microsoft.com/office/powerpoint/2010/main" val="695546065"/>
+        <p14:creationId xmlns:p14="http://schemas.microsoft.com/office/powerpoint/2010/main" val="2076899143"/>
       </p:ext>
     </p:extLst>
   </p:cSld>
@@ -35229,67 +37622,37 @@
           <a:p>
             <a:r>
               <a:rPr lang="en-US" dirty="0" smtClean="0"/>
-              <a:t>Construction</a:t>
-            </a:r>
-          </a:p>
-          <a:p>
-            <a:pPr lvl="1"/>
-            <a:r>
-              <a:rPr lang="en-US" dirty="0" err="1" smtClean="0"/>
-              <a:t>dictVar</a:t>
-            </a:r>
+              <a:t>Also known as “associative arrays”</a:t>
+            </a:r>
+          </a:p>
+          <a:p>
             <a:r>
               <a:rPr lang="en-US" dirty="0" smtClean="0"/>
-              <a:t> = { ‘Alex’ : 10, ‘Bob’: 20, ‘Chris’: 30 }</a:t>
-            </a:r>
-          </a:p>
-          <a:p>
-            <a:pPr lvl="1"/>
-            <a:r>
-              <a:rPr lang="en-US" dirty="0" err="1" smtClean="0"/>
-              <a:t>dictVar</a:t>
-            </a:r>
+              <a:t>Indexed by keys</a:t>
+            </a:r>
+          </a:p>
+          <a:p>
             <a:r>
               <a:rPr lang="en-US" dirty="0" smtClean="0"/>
-              <a:t> = {}</a:t>
-            </a:r>
-          </a:p>
-          <a:p>
-            <a:pPr lvl="1"/>
-            <a:r>
-              <a:rPr lang="en-US" dirty="0" err="1" smtClean="0"/>
-              <a:t>dictVar</a:t>
+              <a:t>An unordered set of </a:t>
+            </a:r>
+            <a:r>
+              <a:rPr lang="en-US" i="1" dirty="0" err="1" smtClean="0"/>
+              <a:t>key:value</a:t>
+            </a:r>
+            <a:r>
+              <a:rPr lang="en-US" dirty="0"/>
+              <a:t> </a:t>
             </a:r>
             <a:r>
               <a:rPr lang="en-US" dirty="0" smtClean="0"/>
-              <a:t> = </a:t>
-            </a:r>
-            <a:r>
-              <a:rPr lang="en-US" dirty="0" err="1" smtClean="0"/>
-              <a:t>dict</a:t>
-            </a:r>
+              <a:t>pairs</a:t>
+            </a:r>
+          </a:p>
+          <a:p>
             <a:r>
               <a:rPr lang="en-US" dirty="0" smtClean="0"/>
-              <a:t>([(‘Alex’, 10), (‘Bob’, 20), (‘Chris’, 30)])</a:t>
-            </a:r>
-          </a:p>
-          <a:p>
-            <a:pPr lvl="1"/>
-            <a:r>
-              <a:rPr lang="en-US" dirty="0" err="1" smtClean="0"/>
-              <a:t>dictVar</a:t>
-            </a:r>
-            <a:r>
-              <a:rPr lang="en-US" dirty="0" smtClean="0"/>
-              <a:t> = </a:t>
-            </a:r>
-            <a:r>
-              <a:rPr lang="en-US" dirty="0" err="1" smtClean="0"/>
-              <a:t>dict</a:t>
-            </a:r>
-            <a:r>
-              <a:rPr lang="en-US" dirty="0" smtClean="0"/>
-              <a:t>(Alex=10, Bob=20, Chris=30)</a:t>
+              <a:t>Keys must be unique to the dictionary</a:t>
             </a:r>
             <a:endParaRPr lang="en-US" dirty="0"/>
           </a:p>
@@ -35321,7 +37684,7 @@
     </p:spTree>
     <p:extLst>
       <p:ext uri="{BB962C8B-B14F-4D97-AF65-F5344CB8AC3E}">
-        <p14:creationId xmlns:p14="http://schemas.microsoft.com/office/powerpoint/2010/main" val="2707938189"/>
+        <p14:creationId xmlns:p14="http://schemas.microsoft.com/office/powerpoint/2010/main" val="695546065"/>
       </p:ext>
     </p:extLst>
   </p:cSld>
@@ -35373,125 +37736,76 @@
             <p:ph idx="1"/>
           </p:nvPr>
         </p:nvSpPr>
-        <p:spPr>
-          <a:xfrm>
-            <a:off x="876836" y="1792482"/>
-            <a:ext cx="10574965" cy="4516837"/>
-          </a:xfrm>
-        </p:spPr>
+        <p:spPr/>
         <p:txBody>
           <a:bodyPr/>
           <a:lstStyle/>
           <a:p>
             <a:r>
               <a:rPr lang="en-US" dirty="0" smtClean="0"/>
-              <a:t>Accessing</a:t>
+              <a:t>Construction</a:t>
             </a:r>
           </a:p>
           <a:p>
             <a:pPr lvl="1"/>
-            <a:r>
-              <a:rPr lang="en-US" dirty="0" smtClean="0"/>
-              <a:t>By key – </a:t>
-            </a:r>
             <a:r>
               <a:rPr lang="en-US" dirty="0" err="1" smtClean="0"/>
               <a:t>dictVar</a:t>
             </a:r>
             <a:r>
               <a:rPr lang="en-US" dirty="0" smtClean="0"/>
-              <a:t>[‘Alex’]</a:t>
+              <a:t> = { ‘Alex’ : 10, ‘Bob’: 20, ‘Chris’: 30 }</a:t>
             </a:r>
           </a:p>
           <a:p>
             <a:pPr lvl="1"/>
-            <a:r>
-              <a:rPr lang="en-US" dirty="0" smtClean="0"/>
-              <a:t>Iteration – for key in </a:t>
-            </a:r>
             <a:r>
               <a:rPr lang="en-US" dirty="0" err="1" smtClean="0"/>
               <a:t>dictVar</a:t>
             </a:r>
-            <a:endParaRPr lang="en-US" dirty="0" smtClean="0"/>
-          </a:p>
-          <a:p>
             <a:r>
               <a:rPr lang="en-US" dirty="0" smtClean="0"/>
-              <a:t>Updating</a:t>
+              <a:t> = {}</a:t>
             </a:r>
           </a:p>
           <a:p>
             <a:pPr lvl="1"/>
-            <a:r>
-              <a:rPr lang="en-US" dirty="0" smtClean="0"/>
-              <a:t>By key</a:t>
-            </a:r>
-          </a:p>
-          <a:p>
-            <a:pPr lvl="2"/>
             <a:r>
               <a:rPr lang="en-US" dirty="0" err="1" smtClean="0"/>
               <a:t>dictVar</a:t>
             </a:r>
             <a:r>
               <a:rPr lang="en-US" dirty="0" smtClean="0"/>
-              <a:t>[‘Alex’] = 40</a:t>
-            </a:r>
-          </a:p>
-          <a:p>
-            <a:pPr lvl="2"/>
+              <a:t> = </a:t>
+            </a:r>
+            <a:r>
+              <a:rPr lang="en-US" dirty="0" err="1" smtClean="0"/>
+              <a:t>dict</a:t>
+            </a:r>
+            <a:r>
+              <a:rPr lang="en-US" dirty="0" smtClean="0"/>
+              <a:t>([(‘Alex’, 10), (‘Bob’, 20), (‘Chris’, 30)])</a:t>
+            </a:r>
+          </a:p>
+          <a:p>
+            <a:pPr lvl="1"/>
             <a:r>
               <a:rPr lang="en-US" dirty="0" err="1" smtClean="0"/>
               <a:t>dictVar</a:t>
             </a:r>
             <a:r>
               <a:rPr lang="en-US" dirty="0" smtClean="0"/>
-              <a:t>[‘Dave’] = 50</a:t>
-            </a:r>
-          </a:p>
-          <a:p>
-            <a:pPr lvl="2"/>
+              <a:t> = </a:t>
+            </a:r>
             <a:r>
               <a:rPr lang="en-US" dirty="0" err="1" smtClean="0"/>
-              <a:t>someVar</a:t>
+              <a:t>dict</a:t>
             </a:r>
             <a:r>
               <a:rPr lang="en-US" dirty="0" smtClean="0"/>
-              <a:t> = ‘Bob’; </a:t>
-            </a:r>
-            <a:r>
-              <a:rPr lang="en-US" dirty="0" err="1" smtClean="0"/>
-              <a:t>dictVar</a:t>
-            </a:r>
-            <a:r>
-              <a:rPr lang="en-US" dirty="0" smtClean="0"/>
-              <a:t>[</a:t>
-            </a:r>
-            <a:r>
-              <a:rPr lang="en-US" dirty="0" err="1" smtClean="0"/>
-              <a:t>someVar</a:t>
-            </a:r>
-            <a:r>
-              <a:rPr lang="en-US" dirty="0" smtClean="0"/>
-              <a:t>] = 60</a:t>
+              <a:t>(Alex=10, Bob=20, Chris=30)</a:t>
             </a:r>
             <a:endParaRPr lang="en-US" dirty="0"/>
-          </a:p>
-          <a:p>
-            <a:pPr lvl="2"/>
-            <a:r>
-              <a:rPr lang="en-US" dirty="0" smtClean="0"/>
-              <a:t>del </a:t>
-            </a:r>
-            <a:r>
-              <a:rPr lang="en-US" dirty="0" err="1" smtClean="0"/>
-              <a:t>dictVar</a:t>
-            </a:r>
-            <a:r>
-              <a:rPr lang="en-US" dirty="0" smtClean="0"/>
-              <a:t>[‘Dave’]</a:t>
-            </a:r>
           </a:p>
         </p:txBody>
       </p:sp>
@@ -35518,50 +37832,10 @@
           </a:p>
         </p:txBody>
       </p:sp>
-      <p:sp>
-        <p:nvSpPr>
-          <p:cNvPr id="6" name="TextBox 5"/>
-          <p:cNvSpPr txBox="1"/>
-          <p:nvPr/>
-        </p:nvSpPr>
-        <p:spPr>
-          <a:xfrm>
-            <a:off x="756823" y="1412776"/>
-            <a:ext cx="10814993" cy="369332"/>
-          </a:xfrm>
-          <a:prstGeom prst="rect">
-            <a:avLst/>
-          </a:prstGeom>
-          <a:noFill/>
-        </p:spPr>
-        <p:txBody>
-          <a:bodyPr wrap="square" rtlCol="0">
-            <a:spAutoFit/>
-          </a:bodyPr>
-          <a:lstStyle/>
-          <a:p>
-            <a:pPr lvl="1"/>
-            <a:r>
-              <a:rPr lang="en-US" dirty="0" err="1">
-                <a:latin typeface="Courier New" panose="02070309020205020404" pitchFamily="49" charset="0"/>
-                <a:cs typeface="Courier New" panose="02070309020205020404" pitchFamily="49" charset="0"/>
-              </a:rPr>
-              <a:t>dictVar</a:t>
-            </a:r>
-            <a:r>
-              <a:rPr lang="en-US" dirty="0">
-                <a:latin typeface="Courier New" panose="02070309020205020404" pitchFamily="49" charset="0"/>
-                <a:cs typeface="Courier New" panose="02070309020205020404" pitchFamily="49" charset="0"/>
-              </a:rPr>
-              <a:t> = { ‘Alex’ : 10, ‘Bob’: 20, ‘Chris’: 30 }</a:t>
-            </a:r>
-          </a:p>
-        </p:txBody>
-      </p:sp>
     </p:spTree>
     <p:extLst>
       <p:ext uri="{BB962C8B-B14F-4D97-AF65-F5344CB8AC3E}">
-        <p14:creationId xmlns:p14="http://schemas.microsoft.com/office/powerpoint/2010/main" val="1810107685"/>
+        <p14:creationId xmlns:p14="http://schemas.microsoft.com/office/powerpoint/2010/main" val="2707938189"/>
       </p:ext>
     </p:extLst>
   </p:cSld>
@@ -35613,12 +37887,125 @@
             <p:ph idx="1"/>
           </p:nvPr>
         </p:nvSpPr>
-        <p:spPr/>
+        <p:spPr>
+          <a:xfrm>
+            <a:off x="876836" y="1792482"/>
+            <a:ext cx="10574965" cy="4516837"/>
+          </a:xfrm>
+        </p:spPr>
         <p:txBody>
           <a:bodyPr/>
           <a:lstStyle/>
           <a:p>
+            <a:r>
+              <a:rPr lang="en-US" dirty="0" smtClean="0"/>
+              <a:t>Accessing</a:t>
+            </a:r>
+          </a:p>
+          <a:p>
+            <a:pPr lvl="1"/>
+            <a:r>
+              <a:rPr lang="en-US" dirty="0" smtClean="0"/>
+              <a:t>By key – </a:t>
+            </a:r>
+            <a:r>
+              <a:rPr lang="en-US" dirty="0" err="1" smtClean="0"/>
+              <a:t>dictVar</a:t>
+            </a:r>
+            <a:r>
+              <a:rPr lang="en-US" dirty="0" smtClean="0"/>
+              <a:t>[‘Alex’]</a:t>
+            </a:r>
+          </a:p>
+          <a:p>
+            <a:pPr lvl="1"/>
+            <a:r>
+              <a:rPr lang="en-US" dirty="0" smtClean="0"/>
+              <a:t>Iteration – for key in </a:t>
+            </a:r>
+            <a:r>
+              <a:rPr lang="en-US" dirty="0" err="1" smtClean="0"/>
+              <a:t>dictVar</a:t>
+            </a:r>
+            <a:endParaRPr lang="en-US" dirty="0" smtClean="0"/>
+          </a:p>
+          <a:p>
+            <a:r>
+              <a:rPr lang="en-US" dirty="0" smtClean="0"/>
+              <a:t>Updating</a:t>
+            </a:r>
+          </a:p>
+          <a:p>
+            <a:pPr lvl="1"/>
+            <a:r>
+              <a:rPr lang="en-US" dirty="0" smtClean="0"/>
+              <a:t>By key</a:t>
+            </a:r>
+          </a:p>
+          <a:p>
+            <a:pPr lvl="2"/>
+            <a:r>
+              <a:rPr lang="en-US" dirty="0" err="1" smtClean="0"/>
+              <a:t>dictVar</a:t>
+            </a:r>
+            <a:r>
+              <a:rPr lang="en-US" dirty="0" smtClean="0"/>
+              <a:t>[‘Alex’] = 40</a:t>
+            </a:r>
+          </a:p>
+          <a:p>
+            <a:pPr lvl="2"/>
+            <a:r>
+              <a:rPr lang="en-US" dirty="0" err="1" smtClean="0"/>
+              <a:t>dictVar</a:t>
+            </a:r>
+            <a:r>
+              <a:rPr lang="en-US" dirty="0" smtClean="0"/>
+              <a:t>[‘Dave’] = 50</a:t>
+            </a:r>
+          </a:p>
+          <a:p>
+            <a:pPr lvl="2"/>
+            <a:r>
+              <a:rPr lang="en-US" dirty="0" err="1" smtClean="0"/>
+              <a:t>someVar</a:t>
+            </a:r>
+            <a:r>
+              <a:rPr lang="en-US" dirty="0" smtClean="0"/>
+              <a:t> = ‘Bob’; </a:t>
+            </a:r>
+            <a:r>
+              <a:rPr lang="en-US" dirty="0" err="1" smtClean="0"/>
+              <a:t>dictVar</a:t>
+            </a:r>
+            <a:r>
+              <a:rPr lang="en-US" dirty="0" smtClean="0"/>
+              <a:t>[</a:t>
+            </a:r>
+            <a:r>
+              <a:rPr lang="en-US" dirty="0" err="1" smtClean="0"/>
+              <a:t>someVar</a:t>
+            </a:r>
+            <a:r>
+              <a:rPr lang="en-US" dirty="0" smtClean="0"/>
+              <a:t>] = 60</a:t>
+            </a:r>
             <a:endParaRPr lang="en-US" dirty="0"/>
+          </a:p>
+          <a:p>
+            <a:pPr lvl="2"/>
+            <a:r>
+              <a:rPr lang="en-US" dirty="0" smtClean="0"/>
+              <a:t>del </a:t>
+            </a:r>
+            <a:r>
+              <a:rPr lang="en-US" dirty="0" err="1" smtClean="0"/>
+              <a:t>dictVar</a:t>
+            </a:r>
+            <a:r>
+              <a:rPr lang="en-US" dirty="0" smtClean="0"/>
+              <a:t>[‘Dave’]</a:t>
+            </a:r>
           </a:p>
         </p:txBody>
       </p:sp>
@@ -35639,16 +38026,56 @@
           <a:p>
             <a:r>
               <a:rPr lang="en-US" dirty="0" smtClean="0"/>
-              <a:t>Dictionaries: Examples</a:t>
+              <a:t>Dictionaries</a:t>
             </a:r>
             <a:endParaRPr lang="en-US" dirty="0"/>
+          </a:p>
+        </p:txBody>
+      </p:sp>
+      <p:sp>
+        <p:nvSpPr>
+          <p:cNvPr id="6" name="TextBox 5"/>
+          <p:cNvSpPr txBox="1"/>
+          <p:nvPr/>
+        </p:nvSpPr>
+        <p:spPr>
+          <a:xfrm>
+            <a:off x="756823" y="1412776"/>
+            <a:ext cx="10814993" cy="369332"/>
+          </a:xfrm>
+          <a:prstGeom prst="rect">
+            <a:avLst/>
+          </a:prstGeom>
+          <a:noFill/>
+        </p:spPr>
+        <p:txBody>
+          <a:bodyPr wrap="square" rtlCol="0">
+            <a:spAutoFit/>
+          </a:bodyPr>
+          <a:lstStyle/>
+          <a:p>
+            <a:pPr lvl="1"/>
+            <a:r>
+              <a:rPr lang="en-US" dirty="0" err="1">
+                <a:latin typeface="Courier New" panose="02070309020205020404" pitchFamily="49" charset="0"/>
+                <a:cs typeface="Courier New" panose="02070309020205020404" pitchFamily="49" charset="0"/>
+              </a:rPr>
+              <a:t>dictVar</a:t>
+            </a:r>
+            <a:r>
+              <a:rPr lang="en-US" dirty="0">
+                <a:latin typeface="Courier New" panose="02070309020205020404" pitchFamily="49" charset="0"/>
+                <a:cs typeface="Courier New" panose="02070309020205020404" pitchFamily="49" charset="0"/>
+              </a:rPr>
+              <a:t> = { ‘Alex’ : 10, ‘Bob’: 20, ‘Chris’: 30 }</a:t>
+            </a:r>
           </a:p>
         </p:txBody>
       </p:sp>
     </p:spTree>
     <p:extLst>
       <p:ext uri="{BB962C8B-B14F-4D97-AF65-F5344CB8AC3E}">
-        <p14:creationId xmlns:p14="http://schemas.microsoft.com/office/powerpoint/2010/main" val="3189642607"/>
+        <p14:creationId xmlns:p14="http://schemas.microsoft.com/office/powerpoint/2010/main" val="1810107685"/>
       </p:ext>
     </p:extLst>
   </p:cSld>
@@ -35668,6 +38095,14 @@
 <file path=ppt/slides/slide79.xml><?xml version="1.0" encoding="utf-8"?>
 <p:sld xmlns:a="http://schemas.openxmlformats.org/drawingml/2006/main" xmlns:r="http://schemas.openxmlformats.org/officeDocument/2006/relationships" xmlns:p="http://schemas.openxmlformats.org/presentationml/2006/main">
   <p:cSld>
+    <p:bg>
+      <p:bgPr>
+        <a:solidFill>
+          <a:schemeClr val="bg1"/>
+        </a:solidFill>
+        <a:effectLst/>
+      </p:bgPr>
+    </p:bg>
     <p:spTree>
       <p:nvGrpSpPr>
         <p:cNvPr id="1" name=""/>
@@ -35684,7 +38119,26 @@
       </p:grpSpPr>
       <p:sp>
         <p:nvSpPr>
-          <p:cNvPr id="4" name="Title 3"/>
+          <p:cNvPr id="4" name="Content Placeholder 3"/>
+          <p:cNvSpPr>
+            <a:spLocks noGrp="1"/>
+          </p:cNvSpPr>
+          <p:nvPr>
+            <p:ph idx="1"/>
+          </p:nvPr>
+        </p:nvSpPr>
+        <p:spPr/>
+        <p:txBody>
+          <a:bodyPr/>
+          <a:lstStyle/>
+          <a:p>
+            <a:endParaRPr lang="en-US" dirty="0"/>
+          </a:p>
+        </p:txBody>
+      </p:sp>
+      <p:sp>
+        <p:nvSpPr>
+          <p:cNvPr id="3" name="Title 2"/>
           <p:cNvSpPr>
             <a:spLocks noGrp="1"/>
           </p:cNvSpPr>
@@ -35694,22 +38148,12 @@
         </p:nvSpPr>
         <p:spPr/>
         <p:txBody>
-          <a:bodyPr>
-            <a:normAutofit/>
-          </a:bodyPr>
+          <a:bodyPr/>
           <a:lstStyle/>
           <a:p>
             <a:r>
-              <a:rPr lang="en-US" dirty="0" smtClean="0">
-                <a:solidFill>
-                  <a:srgbClr val="C4A174"/>
-                </a:solidFill>
-              </a:rPr>
-              <a:t>Exercise:</a:t>
-            </a:r>
-            <a:r>
               <a:rPr lang="en-US" dirty="0" smtClean="0"/>
-              <a:t> Data Types</a:t>
+              <a:t>Dictionaries: Examples</a:t>
             </a:r>
             <a:endParaRPr lang="en-US" dirty="0"/>
           </a:p>
@@ -35718,7 +38162,7 @@
     </p:spTree>
     <p:extLst>
       <p:ext uri="{BB962C8B-B14F-4D97-AF65-F5344CB8AC3E}">
-        <p14:creationId xmlns:p14="http://schemas.microsoft.com/office/powerpoint/2010/main" val="3767105570"/>
+        <p14:creationId xmlns:p14="http://schemas.microsoft.com/office/powerpoint/2010/main" val="3189642607"/>
       </p:ext>
     </p:extLst>
   </p:cSld>
@@ -35798,14 +38242,6 @@
 <file path=ppt/slides/slide80.xml><?xml version="1.0" encoding="utf-8"?>
 <p:sld xmlns:a="http://schemas.openxmlformats.org/drawingml/2006/main" xmlns:r="http://schemas.openxmlformats.org/officeDocument/2006/relationships" xmlns:p="http://schemas.openxmlformats.org/presentationml/2006/main">
   <p:cSld>
-    <p:bg>
-      <p:bgPr>
-        <a:solidFill>
-          <a:schemeClr val="bg1"/>
-        </a:solidFill>
-        <a:effectLst/>
-      </p:bgPr>
-    </p:bg>
     <p:spTree>
       <p:nvGrpSpPr>
         <p:cNvPr id="1" name=""/>
@@ -35822,50 +38258,7 @@
       </p:grpSpPr>
       <p:sp>
         <p:nvSpPr>
-          <p:cNvPr id="4" name="Content Placeholder 3"/>
-          <p:cNvSpPr>
-            <a:spLocks noGrp="1"/>
-          </p:cNvSpPr>
-          <p:nvPr>
-            <p:ph idx="1"/>
-          </p:nvPr>
-        </p:nvSpPr>
-        <p:spPr/>
-        <p:txBody>
-          <a:bodyPr/>
-          <a:lstStyle/>
-          <a:p>
-            <a:r>
-              <a:rPr lang="en-US" dirty="0" smtClean="0"/>
-              <a:t>Membership</a:t>
-            </a:r>
-          </a:p>
-          <a:p>
-            <a:pPr lvl="1"/>
-            <a:r>
-              <a:rPr lang="en-US" dirty="0" smtClean="0"/>
-              <a:t>in, not in</a:t>
-            </a:r>
-          </a:p>
-          <a:p>
-            <a:r>
-              <a:rPr lang="en-US" dirty="0" smtClean="0"/>
-              <a:t>Identity</a:t>
-            </a:r>
-          </a:p>
-          <a:p>
-            <a:pPr lvl="1"/>
-            <a:r>
-              <a:rPr lang="en-US" dirty="0" smtClean="0"/>
-              <a:t>is, is not</a:t>
-            </a:r>
-            <a:endParaRPr lang="en-US" dirty="0"/>
-          </a:p>
-        </p:txBody>
-      </p:sp>
-      <p:sp>
-        <p:nvSpPr>
-          <p:cNvPr id="3" name="Title 2"/>
+          <p:cNvPr id="4" name="Title 3"/>
           <p:cNvSpPr>
             <a:spLocks noGrp="1"/>
           </p:cNvSpPr>
@@ -35875,12 +38268,22 @@
         </p:nvSpPr>
         <p:spPr/>
         <p:txBody>
-          <a:bodyPr/>
+          <a:bodyPr>
+            <a:normAutofit/>
+          </a:bodyPr>
           <a:lstStyle/>
           <a:p>
             <a:r>
+              <a:rPr lang="en-US" dirty="0" smtClean="0">
+                <a:solidFill>
+                  <a:srgbClr val="C4A174"/>
+                </a:solidFill>
+              </a:rPr>
+              <a:t>Exercise:</a:t>
+            </a:r>
+            <a:r>
               <a:rPr lang="en-US" dirty="0" smtClean="0"/>
-              <a:t>Operators Part 2</a:t>
+              <a:t> Data Types</a:t>
             </a:r>
             <a:endParaRPr lang="en-US" dirty="0"/>
           </a:p>
@@ -35889,7 +38292,7 @@
     </p:spTree>
     <p:extLst>
       <p:ext uri="{BB962C8B-B14F-4D97-AF65-F5344CB8AC3E}">
-        <p14:creationId xmlns:p14="http://schemas.microsoft.com/office/powerpoint/2010/main" val="3933252123"/>
+        <p14:creationId xmlns:p14="http://schemas.microsoft.com/office/powerpoint/2010/main" val="3767105570"/>
       </p:ext>
     </p:extLst>
   </p:cSld>
@@ -35948,37 +38351,27 @@
           <a:p>
             <a:r>
               <a:rPr lang="en-US" dirty="0" smtClean="0"/>
-              <a:t>Test for membership in strings, lists or tuples</a:t>
-            </a:r>
-          </a:p>
-          <a:p>
-            <a:r>
-              <a:rPr lang="en-US" dirty="0"/>
-              <a:t>i</a:t>
-            </a:r>
+              <a:t>Membership</a:t>
+            </a:r>
+          </a:p>
+          <a:p>
+            <a:pPr lvl="1"/>
             <a:r>
               <a:rPr lang="en-US" dirty="0" smtClean="0"/>
-              <a:t>n</a:t>
+              <a:t>in, not in</a:t>
+            </a:r>
+          </a:p>
+          <a:p>
+            <a:r>
+              <a:rPr lang="en-US" dirty="0" smtClean="0"/>
+              <a:t>Identity</a:t>
             </a:r>
           </a:p>
           <a:p>
             <a:pPr lvl="1"/>
             <a:r>
               <a:rPr lang="en-US" dirty="0" smtClean="0"/>
-              <a:t>True if it finds a variable in the specified sequence, otherwise False</a:t>
-            </a:r>
-          </a:p>
-          <a:p>
-            <a:r>
-              <a:rPr lang="en-US" dirty="0" smtClean="0"/>
-              <a:t>not in</a:t>
-            </a:r>
-          </a:p>
-          <a:p>
-            <a:pPr lvl="1"/>
-            <a:r>
-              <a:rPr lang="en-US" dirty="0" smtClean="0"/>
-              <a:t>True if it does not find a variable in the specified sequence, otherwise False</a:t>
+              <a:t>is, is not</a:t>
             </a:r>
             <a:endParaRPr lang="en-US" dirty="0"/>
           </a:p>
@@ -36001,7 +38394,7 @@
           <a:p>
             <a:r>
               <a:rPr lang="en-US" dirty="0" smtClean="0"/>
-              <a:t>Membership Operators</a:t>
+              <a:t>Operators Part 2</a:t>
             </a:r>
             <a:endParaRPr lang="en-US" dirty="0"/>
           </a:p>
@@ -36010,7 +38403,7 @@
     </p:spTree>
     <p:extLst>
       <p:ext uri="{BB962C8B-B14F-4D97-AF65-F5344CB8AC3E}">
-        <p14:creationId xmlns:p14="http://schemas.microsoft.com/office/powerpoint/2010/main" val="663500974"/>
+        <p14:creationId xmlns:p14="http://schemas.microsoft.com/office/powerpoint/2010/main" val="3933252123"/>
       </p:ext>
     </p:extLst>
   </p:cSld>
@@ -36067,6 +38460,40 @@
           <a:bodyPr/>
           <a:lstStyle/>
           <a:p>
+            <a:r>
+              <a:rPr lang="en-US" dirty="0" smtClean="0"/>
+              <a:t>Test for membership in strings, lists or tuples</a:t>
+            </a:r>
+          </a:p>
+          <a:p>
+            <a:r>
+              <a:rPr lang="en-US" dirty="0"/>
+              <a:t>i</a:t>
+            </a:r>
+            <a:r>
+              <a:rPr lang="en-US" dirty="0" smtClean="0"/>
+              <a:t>n</a:t>
+            </a:r>
+          </a:p>
+          <a:p>
+            <a:pPr lvl="1"/>
+            <a:r>
+              <a:rPr lang="en-US" dirty="0" smtClean="0"/>
+              <a:t>True if it finds a variable in the specified sequence, otherwise False</a:t>
+            </a:r>
+          </a:p>
+          <a:p>
+            <a:r>
+              <a:rPr lang="en-US" dirty="0" smtClean="0"/>
+              <a:t>not in</a:t>
+            </a:r>
+          </a:p>
+          <a:p>
+            <a:pPr lvl="1"/>
+            <a:r>
+              <a:rPr lang="en-US" dirty="0" smtClean="0"/>
+              <a:t>True if it does not find a variable in the specified sequence, otherwise False</a:t>
+            </a:r>
             <a:endParaRPr lang="en-US" dirty="0"/>
           </a:p>
         </p:txBody>
@@ -36088,7 +38515,7 @@
           <a:p>
             <a:r>
               <a:rPr lang="en-US" dirty="0" smtClean="0"/>
-              <a:t>Membership: Examples</a:t>
+              <a:t>Membership Operators</a:t>
             </a:r>
             <a:endParaRPr lang="en-US" dirty="0"/>
           </a:p>
@@ -36097,7 +38524,7 @@
     </p:spTree>
     <p:extLst>
       <p:ext uri="{BB962C8B-B14F-4D97-AF65-F5344CB8AC3E}">
-        <p14:creationId xmlns:p14="http://schemas.microsoft.com/office/powerpoint/2010/main" val="2909336299"/>
+        <p14:creationId xmlns:p14="http://schemas.microsoft.com/office/powerpoint/2010/main" val="663500974"/>
       </p:ext>
     </p:extLst>
   </p:cSld>
@@ -36154,41 +38581,6 @@
           <a:bodyPr/>
           <a:lstStyle/>
           <a:p>
-            <a:r>
-              <a:rPr lang="en-US" dirty="0" smtClean="0"/>
-              <a:t>Compare the memory locations of two objects</a:t>
-            </a:r>
-          </a:p>
-          <a:p>
-            <a:pPr lvl="1"/>
-            <a:r>
-              <a:rPr lang="en-US" dirty="0" smtClean="0"/>
-              <a:t>is</a:t>
-            </a:r>
-          </a:p>
-          <a:p>
-            <a:pPr lvl="2"/>
-            <a:r>
-              <a:rPr lang="en-US" dirty="0" smtClean="0"/>
-              <a:t>True if variables on both sides of the operator point to the same object, otherwise False</a:t>
-            </a:r>
-          </a:p>
-          <a:p>
-            <a:pPr lvl="1"/>
-            <a:r>
-              <a:rPr lang="en-US" dirty="0" smtClean="0"/>
-              <a:t>is not </a:t>
-            </a:r>
-          </a:p>
-          <a:p>
-            <a:pPr lvl="2"/>
-            <a:r>
-              <a:rPr lang="en-US" dirty="0" smtClean="0"/>
-              <a:t>False if variables on both sides of the operator point to the same object, otherwise True</a:t>
-            </a:r>
-          </a:p>
-          <a:p>
-            <a:pPr lvl="1"/>
             <a:endParaRPr lang="en-US" dirty="0"/>
           </a:p>
         </p:txBody>
@@ -36210,7 +38602,7 @@
           <a:p>
             <a:r>
               <a:rPr lang="en-US" dirty="0" smtClean="0"/>
-              <a:t>Identity Operators</a:t>
+              <a:t>Membership: Examples</a:t>
             </a:r>
             <a:endParaRPr lang="en-US" dirty="0"/>
           </a:p>
@@ -36219,7 +38611,7 @@
     </p:spTree>
     <p:extLst>
       <p:ext uri="{BB962C8B-B14F-4D97-AF65-F5344CB8AC3E}">
-        <p14:creationId xmlns:p14="http://schemas.microsoft.com/office/powerpoint/2010/main" val="4152278287"/>
+        <p14:creationId xmlns:p14="http://schemas.microsoft.com/office/powerpoint/2010/main" val="2909336299"/>
       </p:ext>
     </p:extLst>
   </p:cSld>
@@ -36276,6 +38668,41 @@
           <a:bodyPr/>
           <a:lstStyle/>
           <a:p>
+            <a:r>
+              <a:rPr lang="en-US" dirty="0" smtClean="0"/>
+              <a:t>Compare the memory locations of two objects</a:t>
+            </a:r>
+          </a:p>
+          <a:p>
+            <a:pPr lvl="1"/>
+            <a:r>
+              <a:rPr lang="en-US" dirty="0" smtClean="0"/>
+              <a:t>is</a:t>
+            </a:r>
+          </a:p>
+          <a:p>
+            <a:pPr lvl="2"/>
+            <a:r>
+              <a:rPr lang="en-US" dirty="0" smtClean="0"/>
+              <a:t>True if variables on both sides of the operator point to the same object, otherwise False</a:t>
+            </a:r>
+          </a:p>
+          <a:p>
+            <a:pPr lvl="1"/>
+            <a:r>
+              <a:rPr lang="en-US" dirty="0" smtClean="0"/>
+              <a:t>is not </a:t>
+            </a:r>
+          </a:p>
+          <a:p>
+            <a:pPr lvl="2"/>
+            <a:r>
+              <a:rPr lang="en-US" dirty="0" smtClean="0"/>
+              <a:t>False if variables on both sides of the operator point to the same object, otherwise True</a:t>
+            </a:r>
+          </a:p>
+          <a:p>
+            <a:pPr lvl="1"/>
             <a:endParaRPr lang="en-US" dirty="0"/>
           </a:p>
         </p:txBody>
@@ -36297,7 +38724,7 @@
           <a:p>
             <a:r>
               <a:rPr lang="en-US" dirty="0" smtClean="0"/>
-              <a:t>Identity: Examples</a:t>
+              <a:t>Identity Operators</a:t>
             </a:r>
             <a:endParaRPr lang="en-US" dirty="0"/>
           </a:p>
@@ -36306,7 +38733,7 @@
     </p:spTree>
     <p:extLst>
       <p:ext uri="{BB962C8B-B14F-4D97-AF65-F5344CB8AC3E}">
-        <p14:creationId xmlns:p14="http://schemas.microsoft.com/office/powerpoint/2010/main" val="1530654124"/>
+        <p14:creationId xmlns:p14="http://schemas.microsoft.com/office/powerpoint/2010/main" val="4152278287"/>
       </p:ext>
     </p:extLst>
   </p:cSld>
@@ -36360,45 +38787,9 @@
         </p:nvSpPr>
         <p:spPr/>
         <p:txBody>
-          <a:bodyPr>
-            <a:normAutofit lnSpcReduction="10000"/>
-          </a:bodyPr>
+          <a:bodyPr/>
           <a:lstStyle/>
           <a:p>
-            <a:r>
-              <a:rPr lang="en-US" dirty="0" smtClean="0"/>
-              <a:t>A function definition is an executable statement wrapping any number of statements or expressions</a:t>
-            </a:r>
-          </a:p>
-          <a:p>
-            <a:r>
-              <a:rPr lang="en-US" dirty="0" smtClean="0"/>
-              <a:t>The function definition does not execute the function body; this get executed when the function is invoked</a:t>
-            </a:r>
-          </a:p>
-          <a:p>
-            <a:r>
-              <a:rPr lang="en-US" dirty="0" smtClean="0"/>
-              <a:t>Can specify zero or more parameters</a:t>
-            </a:r>
-          </a:p>
-          <a:p>
-            <a:r>
-              <a:rPr lang="en-US" dirty="0" smtClean="0"/>
-              <a:t>Can return objects</a:t>
-            </a:r>
-          </a:p>
-          <a:p>
-            <a:r>
-              <a:rPr lang="en-US" dirty="0" smtClean="0"/>
-              <a:t>Parameters can be supplied with default values</a:t>
-            </a:r>
-          </a:p>
-          <a:p>
-            <a:r>
-              <a:rPr lang="en-US" dirty="0" smtClean="0"/>
-              <a:t>Helps compartmentalize application logic</a:t>
-            </a:r>
             <a:endParaRPr lang="en-US" dirty="0"/>
           </a:p>
         </p:txBody>
@@ -36420,7 +38811,7 @@
           <a:p>
             <a:r>
               <a:rPr lang="en-US" dirty="0" smtClean="0"/>
-              <a:t>Functions</a:t>
+              <a:t>Identity: Examples</a:t>
             </a:r>
             <a:endParaRPr lang="en-US" dirty="0"/>
           </a:p>
@@ -36429,7 +38820,7 @@
     </p:spTree>
     <p:extLst>
       <p:ext uri="{BB962C8B-B14F-4D97-AF65-F5344CB8AC3E}">
-        <p14:creationId xmlns:p14="http://schemas.microsoft.com/office/powerpoint/2010/main" val="3799788725"/>
+        <p14:creationId xmlns:p14="http://schemas.microsoft.com/office/powerpoint/2010/main" val="1530654124"/>
       </p:ext>
     </p:extLst>
   </p:cSld>
@@ -36483,9 +38874,45 @@
         </p:nvSpPr>
         <p:spPr/>
         <p:txBody>
-          <a:bodyPr/>
+          <a:bodyPr>
+            <a:normAutofit lnSpcReduction="10000"/>
+          </a:bodyPr>
           <a:lstStyle/>
           <a:p>
+            <a:r>
+              <a:rPr lang="en-US" dirty="0" smtClean="0"/>
+              <a:t>A function definition is an executable statement wrapping any number of statements or expressions</a:t>
+            </a:r>
+          </a:p>
+          <a:p>
+            <a:r>
+              <a:rPr lang="en-US" dirty="0" smtClean="0"/>
+              <a:t>The function definition does not execute the function body; this get executed when the function is invoked</a:t>
+            </a:r>
+          </a:p>
+          <a:p>
+            <a:r>
+              <a:rPr lang="en-US" dirty="0" smtClean="0"/>
+              <a:t>Can specify zero or more parameters</a:t>
+            </a:r>
+          </a:p>
+          <a:p>
+            <a:r>
+              <a:rPr lang="en-US" dirty="0" smtClean="0"/>
+              <a:t>Can return objects</a:t>
+            </a:r>
+          </a:p>
+          <a:p>
+            <a:r>
+              <a:rPr lang="en-US" dirty="0" smtClean="0"/>
+              <a:t>Parameters can be supplied with default values</a:t>
+            </a:r>
+          </a:p>
+          <a:p>
+            <a:r>
+              <a:rPr lang="en-US" dirty="0" smtClean="0"/>
+              <a:t>Helps compartmentalize application logic</a:t>
+            </a:r>
             <a:endParaRPr lang="en-US" dirty="0"/>
           </a:p>
         </p:txBody>
@@ -36507,7 +38934,7 @@
           <a:p>
             <a:r>
               <a:rPr lang="en-US" dirty="0" smtClean="0"/>
-              <a:t>Functions: Examples</a:t>
+              <a:t>Functions</a:t>
             </a:r>
             <a:endParaRPr lang="en-US" dirty="0"/>
           </a:p>
@@ -36516,7 +38943,7 @@
     </p:spTree>
     <p:extLst>
       <p:ext uri="{BB962C8B-B14F-4D97-AF65-F5344CB8AC3E}">
-        <p14:creationId xmlns:p14="http://schemas.microsoft.com/office/powerpoint/2010/main" val="569879142"/>
+        <p14:creationId xmlns:p14="http://schemas.microsoft.com/office/powerpoint/2010/main" val="3799788725"/>
       </p:ext>
     </p:extLst>
   </p:cSld>
@@ -36534,76 +38961,6 @@
 </file>
 
 <file path=ppt/slides/slide87.xml><?xml version="1.0" encoding="utf-8"?>
-<p:sld xmlns:a="http://schemas.openxmlformats.org/drawingml/2006/main" xmlns:r="http://schemas.openxmlformats.org/officeDocument/2006/relationships" xmlns:p="http://schemas.openxmlformats.org/presentationml/2006/main">
-  <p:cSld>
-    <p:spTree>
-      <p:nvGrpSpPr>
-        <p:cNvPr id="1" name=""/>
-        <p:cNvGrpSpPr/>
-        <p:nvPr/>
-      </p:nvGrpSpPr>
-      <p:grpSpPr>
-        <a:xfrm>
-          <a:off x="0" y="0"/>
-          <a:ext cx="0" cy="0"/>
-          <a:chOff x="0" y="0"/>
-          <a:chExt cx="0" cy="0"/>
-        </a:xfrm>
-      </p:grpSpPr>
-      <p:sp>
-        <p:nvSpPr>
-          <p:cNvPr id="4" name="Title 3"/>
-          <p:cNvSpPr>
-            <a:spLocks noGrp="1"/>
-          </p:cNvSpPr>
-          <p:nvPr>
-            <p:ph type="title"/>
-          </p:nvPr>
-        </p:nvSpPr>
-        <p:spPr/>
-        <p:txBody>
-          <a:bodyPr>
-            <a:normAutofit/>
-          </a:bodyPr>
-          <a:lstStyle/>
-          <a:p>
-            <a:r>
-              <a:rPr lang="en-US" dirty="0" smtClean="0">
-                <a:solidFill>
-                  <a:srgbClr val="C4A174"/>
-                </a:solidFill>
-              </a:rPr>
-              <a:t>Exercise:</a:t>
-            </a:r>
-            <a:r>
-              <a:rPr lang="en-US" dirty="0" smtClean="0"/>
-              <a:t> Functions</a:t>
-            </a:r>
-            <a:endParaRPr lang="en-US" dirty="0"/>
-          </a:p>
-        </p:txBody>
-      </p:sp>
-    </p:spTree>
-    <p:extLst>
-      <p:ext uri="{BB962C8B-B14F-4D97-AF65-F5344CB8AC3E}">
-        <p14:creationId xmlns:p14="http://schemas.microsoft.com/office/powerpoint/2010/main" val="1638318231"/>
-      </p:ext>
-    </p:extLst>
-  </p:cSld>
-  <p:clrMapOvr>
-    <a:masterClrMapping/>
-  </p:clrMapOvr>
-  <p:timing>
-    <p:tnLst>
-      <p:par>
-        <p:cTn id="1" dur="indefinite" restart="never" nodeType="tmRoot"/>
-      </p:par>
-    </p:tnLst>
-  </p:timing>
-</p:sld>
-</file>
-
-<file path=ppt/slides/slide88.xml><?xml version="1.0" encoding="utf-8"?>
 <p:sld xmlns:a="http://schemas.openxmlformats.org/drawingml/2006/main" xmlns:r="http://schemas.openxmlformats.org/officeDocument/2006/relationships" xmlns:p="http://schemas.openxmlformats.org/presentationml/2006/main">
   <p:cSld>
     <p:bg>
@@ -36640,64 +38997,10 @@
         </p:nvSpPr>
         <p:spPr/>
         <p:txBody>
-          <a:bodyPr>
-            <a:normAutofit/>
-          </a:bodyPr>
+          <a:bodyPr/>
           <a:lstStyle/>
           <a:p>
-            <a:r>
-              <a:rPr lang="en-US" dirty="0" smtClean="0"/>
-              <a:t>What is a module?</a:t>
-            </a:r>
-          </a:p>
-          <a:p>
-            <a:pPr lvl="1"/>
-            <a:r>
-              <a:rPr lang="en-US" dirty="0" smtClean="0"/>
-              <a:t>A file containing Python definitions and statements</a:t>
-            </a:r>
-          </a:p>
-          <a:p>
-            <a:pPr lvl="1"/>
-            <a:r>
-              <a:rPr lang="en-US" dirty="0" smtClean="0"/>
-              <a:t>Module files have the .</a:t>
-            </a:r>
-            <a:r>
-              <a:rPr lang="en-US" dirty="0" err="1" smtClean="0"/>
-              <a:t>py</a:t>
-            </a:r>
-            <a:r>
-              <a:rPr lang="en-US" dirty="0" smtClean="0"/>
-              <a:t> extension, e.g. mymodule.py</a:t>
-            </a:r>
-          </a:p>
-          <a:p>
-            <a:r>
-              <a:rPr lang="en-US" dirty="0" smtClean="0"/>
-              <a:t>Why do we use them?</a:t>
-            </a:r>
-          </a:p>
-          <a:p>
-            <a:pPr lvl="1"/>
-            <a:r>
-              <a:rPr lang="en-US" dirty="0" smtClean="0"/>
-              <a:t>Provide reusable code</a:t>
-            </a:r>
-          </a:p>
-          <a:p>
-            <a:pPr lvl="1"/>
-            <a:r>
-              <a:rPr lang="en-US" dirty="0" smtClean="0"/>
-              <a:t>Prevent code duplication</a:t>
-            </a:r>
-          </a:p>
-          <a:p>
-            <a:pPr lvl="1"/>
-            <a:r>
-              <a:rPr lang="en-US" dirty="0" smtClean="0"/>
-              <a:t>Split application code into functional groups</a:t>
-            </a:r>
+            <a:endParaRPr lang="en-US" dirty="0"/>
           </a:p>
         </p:txBody>
       </p:sp>
@@ -36718,15 +39021,7 @@
           <a:p>
             <a:r>
               <a:rPr lang="en-US" dirty="0" smtClean="0"/>
-              <a:t>Libraries, </a:t>
-            </a:r>
-            <a:r>
-              <a:rPr lang="en-US" dirty="0" err="1" smtClean="0"/>
-              <a:t>a.k.a</a:t>
-            </a:r>
-            <a:r>
-              <a:rPr lang="en-US" dirty="0" smtClean="0"/>
-              <a:t> Modules</a:t>
+              <a:t>Functions: Examples</a:t>
             </a:r>
             <a:endParaRPr lang="en-US" dirty="0"/>
           </a:p>
@@ -36735,7 +39030,77 @@
     </p:spTree>
     <p:extLst>
       <p:ext uri="{BB962C8B-B14F-4D97-AF65-F5344CB8AC3E}">
-        <p14:creationId xmlns:p14="http://schemas.microsoft.com/office/powerpoint/2010/main" val="1762627127"/>
+        <p14:creationId xmlns:p14="http://schemas.microsoft.com/office/powerpoint/2010/main" val="569879142"/>
+      </p:ext>
+    </p:extLst>
+  </p:cSld>
+  <p:clrMapOvr>
+    <a:masterClrMapping/>
+  </p:clrMapOvr>
+  <p:timing>
+    <p:tnLst>
+      <p:par>
+        <p:cTn id="1" dur="indefinite" restart="never" nodeType="tmRoot"/>
+      </p:par>
+    </p:tnLst>
+  </p:timing>
+</p:sld>
+</file>
+
+<file path=ppt/slides/slide88.xml><?xml version="1.0" encoding="utf-8"?>
+<p:sld xmlns:a="http://schemas.openxmlformats.org/drawingml/2006/main" xmlns:r="http://schemas.openxmlformats.org/officeDocument/2006/relationships" xmlns:p="http://schemas.openxmlformats.org/presentationml/2006/main">
+  <p:cSld>
+    <p:spTree>
+      <p:nvGrpSpPr>
+        <p:cNvPr id="1" name=""/>
+        <p:cNvGrpSpPr/>
+        <p:nvPr/>
+      </p:nvGrpSpPr>
+      <p:grpSpPr>
+        <a:xfrm>
+          <a:off x="0" y="0"/>
+          <a:ext cx="0" cy="0"/>
+          <a:chOff x="0" y="0"/>
+          <a:chExt cx="0" cy="0"/>
+        </a:xfrm>
+      </p:grpSpPr>
+      <p:sp>
+        <p:nvSpPr>
+          <p:cNvPr id="4" name="Title 3"/>
+          <p:cNvSpPr>
+            <a:spLocks noGrp="1"/>
+          </p:cNvSpPr>
+          <p:nvPr>
+            <p:ph type="title"/>
+          </p:nvPr>
+        </p:nvSpPr>
+        <p:spPr/>
+        <p:txBody>
+          <a:bodyPr>
+            <a:normAutofit/>
+          </a:bodyPr>
+          <a:lstStyle/>
+          <a:p>
+            <a:r>
+              <a:rPr lang="en-US" dirty="0" smtClean="0">
+                <a:solidFill>
+                  <a:srgbClr val="C4A174"/>
+                </a:solidFill>
+              </a:rPr>
+              <a:t>Exercise:</a:t>
+            </a:r>
+            <a:r>
+              <a:rPr lang="en-US" dirty="0" smtClean="0"/>
+              <a:t> Functions</a:t>
+            </a:r>
+            <a:endParaRPr lang="en-US" dirty="0"/>
+          </a:p>
+        </p:txBody>
+      </p:sp>
+    </p:spTree>
+    <p:extLst>
+      <p:ext uri="{BB962C8B-B14F-4D97-AF65-F5344CB8AC3E}">
+        <p14:creationId xmlns:p14="http://schemas.microsoft.com/office/powerpoint/2010/main" val="1638318231"/>
       </p:ext>
     </p:extLst>
   </p:cSld>
@@ -36787,80 +39152,65 @@
             <p:ph idx="1"/>
           </p:nvPr>
         </p:nvSpPr>
-        <p:spPr>
-          <a:xfrm>
-            <a:off x="1007436" y="1556792"/>
-            <a:ext cx="10574965" cy="4569373"/>
-          </a:xfrm>
-        </p:spPr>
+        <p:spPr/>
         <p:txBody>
           <a:bodyPr>
-            <a:normAutofit lnSpcReduction="10000"/>
+            <a:normAutofit/>
           </a:bodyPr>
           <a:lstStyle/>
           <a:p>
             <a:r>
               <a:rPr lang="en-US" dirty="0" smtClean="0"/>
-              <a:t>Where to get them</a:t>
+              <a:t>What is a module?</a:t>
             </a:r>
           </a:p>
           <a:p>
             <a:pPr lvl="1"/>
             <a:r>
+              <a:rPr lang="en-US" dirty="0" smtClean="0"/>
+              <a:t>A file containing Python definitions and statements</a:t>
+            </a:r>
+          </a:p>
+          <a:p>
+            <a:pPr lvl="1"/>
+            <a:r>
+              <a:rPr lang="en-US" dirty="0" smtClean="0"/>
+              <a:t>Module files have the .</a:t>
+            </a:r>
+            <a:r>
               <a:rPr lang="en-US" dirty="0" err="1" smtClean="0"/>
-              <a:t>Github</a:t>
-            </a:r>
-            <a:endParaRPr lang="en-US" dirty="0" smtClean="0"/>
+              <a:t>py</a:t>
+            </a:r>
+            <a:r>
+              <a:rPr lang="en-US" dirty="0" smtClean="0"/>
+              <a:t> extension, e.g. mymodule.py</a:t>
+            </a:r>
+          </a:p>
+          <a:p>
+            <a:r>
+              <a:rPr lang="en-US" dirty="0" smtClean="0"/>
+              <a:t>Why do we use them?</a:t>
+            </a:r>
           </a:p>
           <a:p>
             <a:pPr lvl="1"/>
             <a:r>
               <a:rPr lang="en-US" dirty="0" smtClean="0"/>
-              <a:t>Pip</a:t>
+              <a:t>Provide reusable code</a:t>
             </a:r>
           </a:p>
           <a:p>
             <a:pPr lvl="1"/>
             <a:r>
-              <a:rPr lang="en-US" dirty="0" err="1" smtClean="0"/>
-              <a:t>Bitbucket</a:t>
-            </a:r>
-            <a:endParaRPr lang="en-US" dirty="0" smtClean="0"/>
+              <a:rPr lang="en-US" dirty="0" smtClean="0"/>
+              <a:t>Prevent code duplication</a:t>
+            </a:r>
           </a:p>
           <a:p>
             <a:pPr lvl="1"/>
             <a:r>
-              <a:rPr lang="en-US" dirty="0" err="1" smtClean="0"/>
-              <a:t>PyPi</a:t>
-            </a:r>
-            <a:endParaRPr lang="en-US" dirty="0" smtClean="0"/>
-          </a:p>
-          <a:p>
-            <a:r>
               <a:rPr lang="en-US" dirty="0" smtClean="0"/>
-              <a:t>Concerns</a:t>
-            </a:r>
-          </a:p>
-          <a:p>
-            <a:pPr lvl="1"/>
-            <a:r>
-              <a:rPr lang="en-US" dirty="0" smtClean="0"/>
-              <a:t>Black boxing</a:t>
-            </a:r>
-          </a:p>
-          <a:p>
-            <a:pPr lvl="1"/>
-            <a:r>
-              <a:rPr lang="en-US" dirty="0" smtClean="0"/>
-              <a:t>Security</a:t>
-            </a:r>
-            <a:endParaRPr lang="en-US" dirty="0"/>
-          </a:p>
-          <a:p>
-            <a:pPr lvl="1"/>
-            <a:r>
-              <a:rPr lang="en-US" dirty="0" smtClean="0"/>
-              <a:t>Support</a:t>
+              <a:t>Split application code into functional groups</a:t>
             </a:r>
           </a:p>
         </p:txBody>
@@ -36899,7 +39249,7 @@
     </p:spTree>
     <p:extLst>
       <p:ext uri="{BB962C8B-B14F-4D97-AF65-F5344CB8AC3E}">
-        <p14:creationId xmlns:p14="http://schemas.microsoft.com/office/powerpoint/2010/main" val="4016755990"/>
+        <p14:creationId xmlns:p14="http://schemas.microsoft.com/office/powerpoint/2010/main" val="1762627127"/>
       </p:ext>
     </p:extLst>
   </p:cSld>
@@ -37071,67 +39421,73 @@
         </p:spPr>
         <p:txBody>
           <a:bodyPr>
-            <a:normAutofit/>
+            <a:normAutofit lnSpcReduction="10000"/>
           </a:bodyPr>
           <a:lstStyle/>
           <a:p>
             <a:r>
               <a:rPr lang="en-US" dirty="0" smtClean="0"/>
-              <a:t>Example libraries</a:t>
+              <a:t>Where to get them</a:t>
             </a:r>
           </a:p>
           <a:p>
             <a:pPr lvl="1"/>
             <a:r>
               <a:rPr lang="en-US" dirty="0" err="1" smtClean="0"/>
-              <a:t>pyOpenSSL</a:t>
+              <a:t>Github</a:t>
             </a:r>
             <a:endParaRPr lang="en-US" dirty="0" smtClean="0"/>
           </a:p>
           <a:p>
             <a:pPr lvl="1"/>
             <a:r>
+              <a:rPr lang="en-US" dirty="0" smtClean="0"/>
+              <a:t>Pip</a:t>
+            </a:r>
+          </a:p>
+          <a:p>
+            <a:pPr lvl="1"/>
+            <a:r>
               <a:rPr lang="en-US" dirty="0" err="1" smtClean="0"/>
-              <a:t>Django</a:t>
+              <a:t>Bitbucket</a:t>
             </a:r>
             <a:endParaRPr lang="en-US" dirty="0" smtClean="0"/>
           </a:p>
           <a:p>
             <a:pPr lvl="1"/>
             <a:r>
+              <a:rPr lang="en-US" dirty="0" err="1" smtClean="0"/>
+              <a:t>PyPi</a:t>
+            </a:r>
+            <a:endParaRPr lang="en-US" dirty="0" smtClean="0"/>
+          </a:p>
+          <a:p>
+            <a:r>
               <a:rPr lang="en-US" dirty="0" smtClean="0"/>
-              <a:t>MySQL-python</a:t>
+              <a:t>Concerns</a:t>
             </a:r>
           </a:p>
           <a:p>
             <a:pPr lvl="1"/>
             <a:r>
-              <a:rPr lang="en-US" dirty="0" err="1" smtClean="0"/>
-              <a:t>Plotly</a:t>
-            </a:r>
-            <a:endParaRPr lang="en-US" dirty="0" smtClean="0"/>
+              <a:rPr lang="en-US" dirty="0" smtClean="0"/>
+              <a:t>Black boxing</a:t>
+            </a:r>
           </a:p>
           <a:p>
             <a:pPr lvl="1"/>
             <a:r>
               <a:rPr lang="en-US" dirty="0" smtClean="0"/>
-              <a:t>Requests</a:t>
-            </a:r>
+              <a:t>Security</a:t>
+            </a:r>
+            <a:endParaRPr lang="en-US" dirty="0"/>
           </a:p>
           <a:p>
             <a:pPr lvl="1"/>
             <a:r>
               <a:rPr lang="en-US" dirty="0" smtClean="0"/>
-              <a:t>Beautiful Soup</a:t>
-            </a:r>
-          </a:p>
-          <a:p>
-            <a:pPr lvl="1"/>
-            <a:endParaRPr lang="en-US" dirty="0" smtClean="0"/>
-          </a:p>
-          <a:p>
-            <a:pPr lvl="1"/>
-            <a:endParaRPr lang="en-US" dirty="0" smtClean="0"/>
+              <a:t>Support</a:t>
+            </a:r>
           </a:p>
         </p:txBody>
       </p:sp>
@@ -37169,7 +39525,7 @@
     </p:spTree>
     <p:extLst>
       <p:ext uri="{BB962C8B-B14F-4D97-AF65-F5344CB8AC3E}">
-        <p14:creationId xmlns:p14="http://schemas.microsoft.com/office/powerpoint/2010/main" val="2118525289"/>
+        <p14:creationId xmlns:p14="http://schemas.microsoft.com/office/powerpoint/2010/main" val="4016755990"/>
       </p:ext>
     </p:extLst>
   </p:cSld>
@@ -37221,12 +39577,75 @@
             <p:ph idx="1"/>
           </p:nvPr>
         </p:nvSpPr>
-        <p:spPr/>
+        <p:spPr>
+          <a:xfrm>
+            <a:off x="1007436" y="1556792"/>
+            <a:ext cx="10574965" cy="4569373"/>
+          </a:xfrm>
+        </p:spPr>
         <p:txBody>
-          <a:bodyPr/>
+          <a:bodyPr>
+            <a:normAutofit/>
+          </a:bodyPr>
           <a:lstStyle/>
           <a:p>
-            <a:endParaRPr lang="en-US" dirty="0"/>
+            <a:r>
+              <a:rPr lang="en-US" dirty="0" smtClean="0"/>
+              <a:t>Example libraries</a:t>
+            </a:r>
+          </a:p>
+          <a:p>
+            <a:pPr lvl="1"/>
+            <a:r>
+              <a:rPr lang="en-US" dirty="0" err="1" smtClean="0"/>
+              <a:t>pyOpenSSL</a:t>
+            </a:r>
+            <a:endParaRPr lang="en-US" dirty="0" smtClean="0"/>
+          </a:p>
+          <a:p>
+            <a:pPr lvl="1"/>
+            <a:r>
+              <a:rPr lang="en-US" dirty="0" err="1" smtClean="0"/>
+              <a:t>Django</a:t>
+            </a:r>
+            <a:endParaRPr lang="en-US" dirty="0" smtClean="0"/>
+          </a:p>
+          <a:p>
+            <a:pPr lvl="1"/>
+            <a:r>
+              <a:rPr lang="en-US" dirty="0" smtClean="0"/>
+              <a:t>MySQL-python</a:t>
+            </a:r>
+          </a:p>
+          <a:p>
+            <a:pPr lvl="1"/>
+            <a:r>
+              <a:rPr lang="en-US" dirty="0" err="1" smtClean="0"/>
+              <a:t>Plotly</a:t>
+            </a:r>
+            <a:endParaRPr lang="en-US" dirty="0" smtClean="0"/>
+          </a:p>
+          <a:p>
+            <a:pPr lvl="1"/>
+            <a:r>
+              <a:rPr lang="en-US" dirty="0" smtClean="0"/>
+              <a:t>Requests</a:t>
+            </a:r>
+          </a:p>
+          <a:p>
+            <a:pPr lvl="1"/>
+            <a:r>
+              <a:rPr lang="en-US" dirty="0" smtClean="0"/>
+              <a:t>Beautiful Soup</a:t>
+            </a:r>
+          </a:p>
+          <a:p>
+            <a:pPr lvl="1"/>
+            <a:endParaRPr lang="en-US" dirty="0" smtClean="0"/>
+          </a:p>
+          <a:p>
+            <a:pPr lvl="1"/>
+            <a:endParaRPr lang="en-US" dirty="0" smtClean="0"/>
           </a:p>
         </p:txBody>
       </p:sp>
@@ -37247,7 +39666,15 @@
           <a:p>
             <a:r>
               <a:rPr lang="en-US" dirty="0" smtClean="0"/>
-              <a:t>Libraries: Examples</a:t>
+              <a:t>Libraries, </a:t>
+            </a:r>
+            <a:r>
+              <a:rPr lang="en-US" dirty="0" err="1" smtClean="0"/>
+              <a:t>a.k.a</a:t>
+            </a:r>
+            <a:r>
+              <a:rPr lang="en-US" dirty="0" smtClean="0"/>
+              <a:t> Modules</a:t>
             </a:r>
             <a:endParaRPr lang="en-US" dirty="0"/>
           </a:p>
@@ -37256,7 +39683,7 @@
     </p:spTree>
     <p:extLst>
       <p:ext uri="{BB962C8B-B14F-4D97-AF65-F5344CB8AC3E}">
-        <p14:creationId xmlns:p14="http://schemas.microsoft.com/office/powerpoint/2010/main" val="1427963118"/>
+        <p14:creationId xmlns:p14="http://schemas.microsoft.com/office/powerpoint/2010/main" val="2118525289"/>
       </p:ext>
     </p:extLst>
   </p:cSld>
@@ -37310,94 +39737,10 @@
         </p:nvSpPr>
         <p:spPr/>
         <p:txBody>
-          <a:bodyPr>
-            <a:normAutofit lnSpcReduction="10000"/>
-          </a:bodyPr>
+          <a:bodyPr/>
           <a:lstStyle/>
           <a:p>
-            <a:r>
-              <a:rPr lang="en-US" dirty="0" smtClean="0"/>
-              <a:t>What do we mean by ‘debugging’?</a:t>
-            </a:r>
-          </a:p>
-          <a:p>
-            <a:pPr lvl="1"/>
-            <a:r>
-              <a:rPr lang="en-GB" dirty="0"/>
-              <a:t>Identifying and correcting errors in </a:t>
-            </a:r>
-            <a:r>
-              <a:rPr lang="en-GB" dirty="0" smtClean="0"/>
-              <a:t>a program</a:t>
-            </a:r>
-          </a:p>
-          <a:p>
-            <a:pPr lvl="1"/>
-            <a:endParaRPr lang="en-GB" dirty="0"/>
-          </a:p>
-          <a:p>
-            <a:r>
-              <a:rPr lang="en-GB" dirty="0" smtClean="0"/>
-              <a:t>Types of bug</a:t>
-            </a:r>
-          </a:p>
-          <a:p>
-            <a:pPr lvl="1"/>
-            <a:r>
-              <a:rPr lang="en-GB" dirty="0" smtClean="0"/>
-              <a:t>Cosmetic – a problem with the appearance of the software</a:t>
-            </a:r>
-          </a:p>
-          <a:p>
-            <a:pPr lvl="1"/>
-            <a:r>
-              <a:rPr lang="en-GB" dirty="0"/>
-              <a:t>Logical </a:t>
-            </a:r>
-            <a:r>
-              <a:rPr lang="en-GB" dirty="0" smtClean="0"/>
-              <a:t>or </a:t>
-            </a:r>
-            <a:r>
-              <a:rPr lang="en-GB" dirty="0"/>
-              <a:t>semantic </a:t>
-            </a:r>
-            <a:r>
-              <a:rPr lang="en-GB" dirty="0" smtClean="0"/>
-              <a:t>– the software </a:t>
-            </a:r>
-            <a:r>
-              <a:rPr lang="en-GB" dirty="0"/>
-              <a:t>works but produces unexpected </a:t>
-            </a:r>
-            <a:r>
-              <a:rPr lang="en-GB" dirty="0" smtClean="0"/>
-              <a:t>results</a:t>
-            </a:r>
-          </a:p>
-          <a:p>
-            <a:pPr lvl="1"/>
-            <a:r>
-              <a:rPr lang="en-GB" dirty="0"/>
-              <a:t>Runtime - errors that cause </a:t>
-            </a:r>
-            <a:r>
-              <a:rPr lang="en-GB" dirty="0" smtClean="0"/>
-              <a:t>the software to </a:t>
-            </a:r>
-            <a:r>
-              <a:rPr lang="en-GB" dirty="0"/>
-              <a:t>crash even though it compiles </a:t>
-            </a:r>
-            <a:r>
-              <a:rPr lang="en-GB" dirty="0" smtClean="0"/>
-              <a:t>correctly or otherwise </a:t>
-            </a:r>
-            <a:r>
-              <a:rPr lang="en-GB" dirty="0"/>
-              <a:t>appears ok</a:t>
-            </a:r>
-            <a:endParaRPr lang="en-GB" dirty="0" smtClean="0"/>
+            <a:endParaRPr lang="en-US" dirty="0"/>
           </a:p>
         </p:txBody>
       </p:sp>
@@ -37418,7 +39761,7 @@
           <a:p>
             <a:r>
               <a:rPr lang="en-US" dirty="0" smtClean="0"/>
-              <a:t>Debugging</a:t>
+              <a:t>Libraries: Examples</a:t>
             </a:r>
             <a:endParaRPr lang="en-US" dirty="0"/>
           </a:p>
@@ -37427,7 +39770,7 @@
     </p:spTree>
     <p:extLst>
       <p:ext uri="{BB962C8B-B14F-4D97-AF65-F5344CB8AC3E}">
-        <p14:creationId xmlns:p14="http://schemas.microsoft.com/office/powerpoint/2010/main" val="1143777063"/>
+        <p14:creationId xmlns:p14="http://schemas.microsoft.com/office/powerpoint/2010/main" val="1427963118"/>
       </p:ext>
     </p:extLst>
   </p:cSld>
@@ -37447,14 +39790,6 @@
 <file path=ppt/slides/slide93.xml><?xml version="1.0" encoding="utf-8"?>
 <p:sld xmlns:a="http://schemas.openxmlformats.org/drawingml/2006/main" xmlns:r="http://schemas.openxmlformats.org/officeDocument/2006/relationships" xmlns:p="http://schemas.openxmlformats.org/presentationml/2006/main">
   <p:cSld>
-    <p:bg>
-      <p:bgPr>
-        <a:solidFill>
-          <a:schemeClr val="bg1"/>
-        </a:solidFill>
-        <a:effectLst/>
-      </p:bgPr>
-    </p:bg>
     <p:spTree>
       <p:nvGrpSpPr>
         <p:cNvPr id="1" name=""/>
@@ -37471,142 +39806,7 @@
       </p:grpSpPr>
       <p:sp>
         <p:nvSpPr>
-          <p:cNvPr id="4" name="Content Placeholder 3"/>
-          <p:cNvSpPr>
-            <a:spLocks noGrp="1"/>
-          </p:cNvSpPr>
-          <p:nvPr>
-            <p:ph idx="1"/>
-          </p:nvPr>
-        </p:nvSpPr>
-        <p:spPr/>
-        <p:txBody>
-          <a:bodyPr>
-            <a:normAutofit fontScale="92500" lnSpcReduction="20000"/>
-          </a:bodyPr>
-          <a:lstStyle/>
-          <a:p>
-            <a:r>
-              <a:rPr lang="en-US" dirty="0" smtClean="0"/>
-              <a:t>Strategies</a:t>
-            </a:r>
-          </a:p>
-          <a:p>
-            <a:pPr lvl="1"/>
-            <a:r>
-              <a:rPr lang="en-US" dirty="0" smtClean="0"/>
-              <a:t>Replication, replication, replication</a:t>
-            </a:r>
-          </a:p>
-          <a:p>
-            <a:pPr lvl="2"/>
-            <a:r>
-              <a:rPr lang="en-GB" dirty="0" smtClean="0"/>
-              <a:t>The </a:t>
-            </a:r>
-            <a:r>
-              <a:rPr lang="en-GB" dirty="0"/>
-              <a:t>m</a:t>
-            </a:r>
-            <a:r>
-              <a:rPr lang="en-GB" dirty="0" smtClean="0"/>
-              <a:t>ost </a:t>
-            </a:r>
-            <a:r>
-              <a:rPr lang="en-GB" dirty="0"/>
-              <a:t>important factor in fixing a bug is being able to replicate </a:t>
-            </a:r>
-            <a:r>
-              <a:rPr lang="en-GB" dirty="0" smtClean="0"/>
-              <a:t>it</a:t>
-            </a:r>
-          </a:p>
-          <a:p>
-            <a:pPr lvl="1"/>
-            <a:r>
-              <a:rPr lang="en-US" dirty="0" smtClean="0"/>
-              <a:t>Console logging</a:t>
-            </a:r>
-          </a:p>
-          <a:p>
-            <a:pPr lvl="2"/>
-            <a:r>
-              <a:rPr lang="en-GB" dirty="0"/>
-              <a:t>Output variables to console </a:t>
-            </a:r>
-            <a:r>
-              <a:rPr lang="en-GB" dirty="0" smtClean="0"/>
-              <a:t>for inspection </a:t>
-            </a:r>
-            <a:r>
-              <a:rPr lang="en-GB" dirty="0"/>
-              <a:t>during </a:t>
-            </a:r>
-            <a:r>
-              <a:rPr lang="en-GB" dirty="0" smtClean="0"/>
-              <a:t>execution</a:t>
-            </a:r>
-          </a:p>
-          <a:p>
-            <a:pPr lvl="1"/>
-            <a:r>
-              <a:rPr lang="en-US" dirty="0"/>
-              <a:t>Stack </a:t>
-            </a:r>
-            <a:r>
-              <a:rPr lang="en-US" dirty="0" smtClean="0"/>
-              <a:t>trace</a:t>
-            </a:r>
-          </a:p>
-          <a:p>
-            <a:pPr lvl="2"/>
-            <a:r>
-              <a:rPr lang="en-GB" dirty="0"/>
-              <a:t>When provided by an exception can point to the precise line of code that is causing the </a:t>
-            </a:r>
-            <a:r>
-              <a:rPr lang="en-GB" dirty="0" smtClean="0"/>
-              <a:t>problem</a:t>
-            </a:r>
-          </a:p>
-          <a:p>
-            <a:pPr lvl="1"/>
-            <a:r>
-              <a:rPr lang="en-US" dirty="0"/>
-              <a:t>Debugger </a:t>
-            </a:r>
-            <a:r>
-              <a:rPr lang="en-US" dirty="0" smtClean="0"/>
-              <a:t>instrumentation</a:t>
-            </a:r>
-          </a:p>
-          <a:p>
-            <a:pPr lvl="2"/>
-            <a:r>
-              <a:rPr lang="en-US" dirty="0" smtClean="0"/>
-              <a:t>Breakpoints</a:t>
-            </a:r>
-          </a:p>
-          <a:p>
-            <a:pPr lvl="2"/>
-            <a:r>
-              <a:rPr lang="en-US" dirty="0" smtClean="0"/>
-              <a:t>Stepping through or into</a:t>
-            </a:r>
-          </a:p>
-          <a:p>
-            <a:pPr lvl="2"/>
-            <a:r>
-              <a:rPr lang="en-US" dirty="0" smtClean="0"/>
-              <a:t>Variable inspection</a:t>
-            </a:r>
-            <a:endParaRPr lang="en-US" dirty="0"/>
-          </a:p>
-        </p:txBody>
-      </p:sp>
-      <p:sp>
-        <p:nvSpPr>
-          <p:cNvPr id="3" name="Title 2"/>
+          <p:cNvPr id="4" name="Title 3"/>
           <p:cNvSpPr>
             <a:spLocks noGrp="1"/>
           </p:cNvSpPr>
@@ -37616,12 +39816,26 @@
         </p:nvSpPr>
         <p:spPr/>
         <p:txBody>
-          <a:bodyPr/>
+          <a:bodyPr>
+            <a:normAutofit/>
+          </a:bodyPr>
           <a:lstStyle/>
           <a:p>
             <a:r>
+              <a:rPr lang="en-US" dirty="0" smtClean="0">
+                <a:solidFill>
+                  <a:srgbClr val="C4A174"/>
+                </a:solidFill>
+              </a:rPr>
+              <a:t>Exercise:</a:t>
+            </a:r>
+            <a:r>
               <a:rPr lang="en-US" dirty="0" smtClean="0"/>
-              <a:t>Debugging</a:t>
+              <a:t> </a:t>
+            </a:r>
+            <a:r>
+              <a:rPr lang="en-US" dirty="0" smtClean="0"/>
+              <a:t>Libraries</a:t>
             </a:r>
             <a:endParaRPr lang="en-US" dirty="0"/>
           </a:p>
@@ -37630,7 +39844,7 @@
     </p:spTree>
     <p:extLst>
       <p:ext uri="{BB962C8B-B14F-4D97-AF65-F5344CB8AC3E}">
-        <p14:creationId xmlns:p14="http://schemas.microsoft.com/office/powerpoint/2010/main" val="2883934611"/>
+        <p14:creationId xmlns:p14="http://schemas.microsoft.com/office/powerpoint/2010/main" val="2782091560"/>
       </p:ext>
     </p:extLst>
   </p:cSld>
@@ -37684,10 +39898,94 @@
         </p:nvSpPr>
         <p:spPr/>
         <p:txBody>
-          <a:bodyPr/>
+          <a:bodyPr>
+            <a:normAutofit lnSpcReduction="10000"/>
+          </a:bodyPr>
           <a:lstStyle/>
           <a:p>
-            <a:endParaRPr lang="en-US" dirty="0"/>
+            <a:r>
+              <a:rPr lang="en-US" dirty="0" smtClean="0"/>
+              <a:t>What do we mean by ‘debugging’?</a:t>
+            </a:r>
+          </a:p>
+          <a:p>
+            <a:pPr lvl="1"/>
+            <a:r>
+              <a:rPr lang="en-GB" dirty="0"/>
+              <a:t>Identifying and correcting errors in </a:t>
+            </a:r>
+            <a:r>
+              <a:rPr lang="en-GB" dirty="0" smtClean="0"/>
+              <a:t>a program</a:t>
+            </a:r>
+          </a:p>
+          <a:p>
+            <a:pPr lvl="1"/>
+            <a:endParaRPr lang="en-GB" dirty="0"/>
+          </a:p>
+          <a:p>
+            <a:r>
+              <a:rPr lang="en-GB" dirty="0" smtClean="0"/>
+              <a:t>Types of bug</a:t>
+            </a:r>
+          </a:p>
+          <a:p>
+            <a:pPr lvl="1"/>
+            <a:r>
+              <a:rPr lang="en-GB" dirty="0" smtClean="0"/>
+              <a:t>Cosmetic – a problem with the appearance of the software</a:t>
+            </a:r>
+          </a:p>
+          <a:p>
+            <a:pPr lvl="1"/>
+            <a:r>
+              <a:rPr lang="en-GB" dirty="0"/>
+              <a:t>Logical </a:t>
+            </a:r>
+            <a:r>
+              <a:rPr lang="en-GB" dirty="0" smtClean="0"/>
+              <a:t>or </a:t>
+            </a:r>
+            <a:r>
+              <a:rPr lang="en-GB" dirty="0"/>
+              <a:t>semantic </a:t>
+            </a:r>
+            <a:r>
+              <a:rPr lang="en-GB" dirty="0" smtClean="0"/>
+              <a:t>– the software </a:t>
+            </a:r>
+            <a:r>
+              <a:rPr lang="en-GB" dirty="0"/>
+              <a:t>works but produces unexpected </a:t>
+            </a:r>
+            <a:r>
+              <a:rPr lang="en-GB" dirty="0" smtClean="0"/>
+              <a:t>results</a:t>
+            </a:r>
+          </a:p>
+          <a:p>
+            <a:pPr lvl="1"/>
+            <a:r>
+              <a:rPr lang="en-GB" dirty="0"/>
+              <a:t>Runtime - errors that cause </a:t>
+            </a:r>
+            <a:r>
+              <a:rPr lang="en-GB" dirty="0" smtClean="0"/>
+              <a:t>the software to </a:t>
+            </a:r>
+            <a:r>
+              <a:rPr lang="en-GB" dirty="0"/>
+              <a:t>crash even though it compiles </a:t>
+            </a:r>
+            <a:r>
+              <a:rPr lang="en-GB" dirty="0" smtClean="0"/>
+              <a:t>correctly or otherwise </a:t>
+            </a:r>
+            <a:r>
+              <a:rPr lang="en-GB" dirty="0"/>
+              <a:t>appears ok</a:t>
+            </a:r>
+            <a:endParaRPr lang="en-GB" dirty="0" smtClean="0"/>
           </a:p>
         </p:txBody>
       </p:sp>
@@ -37708,7 +40006,7 @@
           <a:p>
             <a:r>
               <a:rPr lang="en-US" dirty="0" smtClean="0"/>
-              <a:t>Debugging: Examples</a:t>
+              <a:t>Debugging</a:t>
             </a:r>
             <a:endParaRPr lang="en-US" dirty="0"/>
           </a:p>
@@ -37717,7 +40015,7 @@
     </p:spTree>
     <p:extLst>
       <p:ext uri="{BB962C8B-B14F-4D97-AF65-F5344CB8AC3E}">
-        <p14:creationId xmlns:p14="http://schemas.microsoft.com/office/powerpoint/2010/main" val="1956684700"/>
+        <p14:creationId xmlns:p14="http://schemas.microsoft.com/office/powerpoint/2010/main" val="1143777063"/>
       </p:ext>
     </p:extLst>
   </p:cSld>
@@ -37737,6 +40035,14 @@
 <file path=ppt/slides/slide95.xml><?xml version="1.0" encoding="utf-8"?>
 <p:sld xmlns:a="http://schemas.openxmlformats.org/drawingml/2006/main" xmlns:r="http://schemas.openxmlformats.org/officeDocument/2006/relationships" xmlns:p="http://schemas.openxmlformats.org/presentationml/2006/main">
   <p:cSld>
+    <p:bg>
+      <p:bgPr>
+        <a:solidFill>
+          <a:schemeClr val="bg1"/>
+        </a:solidFill>
+        <a:effectLst/>
+      </p:bgPr>
+    </p:bg>
     <p:spTree>
       <p:nvGrpSpPr>
         <p:cNvPr id="1" name=""/>
@@ -37753,7 +40059,142 @@
       </p:grpSpPr>
       <p:sp>
         <p:nvSpPr>
-          <p:cNvPr id="4" name="Title 3"/>
+          <p:cNvPr id="4" name="Content Placeholder 3"/>
+          <p:cNvSpPr>
+            <a:spLocks noGrp="1"/>
+          </p:cNvSpPr>
+          <p:nvPr>
+            <p:ph idx="1"/>
+          </p:nvPr>
+        </p:nvSpPr>
+        <p:spPr/>
+        <p:txBody>
+          <a:bodyPr>
+            <a:normAutofit fontScale="92500" lnSpcReduction="20000"/>
+          </a:bodyPr>
+          <a:lstStyle/>
+          <a:p>
+            <a:r>
+              <a:rPr lang="en-US" dirty="0" smtClean="0"/>
+              <a:t>Strategies</a:t>
+            </a:r>
+          </a:p>
+          <a:p>
+            <a:pPr lvl="1"/>
+            <a:r>
+              <a:rPr lang="en-US" dirty="0" smtClean="0"/>
+              <a:t>Replication, replication, replication</a:t>
+            </a:r>
+          </a:p>
+          <a:p>
+            <a:pPr lvl="2"/>
+            <a:r>
+              <a:rPr lang="en-GB" dirty="0" smtClean="0"/>
+              <a:t>The </a:t>
+            </a:r>
+            <a:r>
+              <a:rPr lang="en-GB" dirty="0"/>
+              <a:t>m</a:t>
+            </a:r>
+            <a:r>
+              <a:rPr lang="en-GB" dirty="0" smtClean="0"/>
+              <a:t>ost </a:t>
+            </a:r>
+            <a:r>
+              <a:rPr lang="en-GB" dirty="0"/>
+              <a:t>important factor in fixing a bug is being able to replicate </a:t>
+            </a:r>
+            <a:r>
+              <a:rPr lang="en-GB" dirty="0" smtClean="0"/>
+              <a:t>it</a:t>
+            </a:r>
+          </a:p>
+          <a:p>
+            <a:pPr lvl="1"/>
+            <a:r>
+              <a:rPr lang="en-US" dirty="0" smtClean="0"/>
+              <a:t>Console logging</a:t>
+            </a:r>
+          </a:p>
+          <a:p>
+            <a:pPr lvl="2"/>
+            <a:r>
+              <a:rPr lang="en-GB" dirty="0"/>
+              <a:t>Output variables to console </a:t>
+            </a:r>
+            <a:r>
+              <a:rPr lang="en-GB" dirty="0" smtClean="0"/>
+              <a:t>for inspection </a:t>
+            </a:r>
+            <a:r>
+              <a:rPr lang="en-GB" dirty="0"/>
+              <a:t>during </a:t>
+            </a:r>
+            <a:r>
+              <a:rPr lang="en-GB" dirty="0" smtClean="0"/>
+              <a:t>execution</a:t>
+            </a:r>
+          </a:p>
+          <a:p>
+            <a:pPr lvl="1"/>
+            <a:r>
+              <a:rPr lang="en-US" dirty="0"/>
+              <a:t>Stack </a:t>
+            </a:r>
+            <a:r>
+              <a:rPr lang="en-US" dirty="0" smtClean="0"/>
+              <a:t>trace</a:t>
+            </a:r>
+          </a:p>
+          <a:p>
+            <a:pPr lvl="2"/>
+            <a:r>
+              <a:rPr lang="en-GB" dirty="0"/>
+              <a:t>When provided by an exception can point to the precise line of code that is causing the </a:t>
+            </a:r>
+            <a:r>
+              <a:rPr lang="en-GB" dirty="0" smtClean="0"/>
+              <a:t>problem</a:t>
+            </a:r>
+          </a:p>
+          <a:p>
+            <a:pPr lvl="1"/>
+            <a:r>
+              <a:rPr lang="en-US" dirty="0"/>
+              <a:t>Debugger </a:t>
+            </a:r>
+            <a:r>
+              <a:rPr lang="en-US" dirty="0" smtClean="0"/>
+              <a:t>instrumentation</a:t>
+            </a:r>
+          </a:p>
+          <a:p>
+            <a:pPr lvl="2"/>
+            <a:r>
+              <a:rPr lang="en-US" dirty="0" smtClean="0"/>
+              <a:t>Breakpoints</a:t>
+            </a:r>
+          </a:p>
+          <a:p>
+            <a:pPr lvl="2"/>
+            <a:r>
+              <a:rPr lang="en-US" dirty="0" smtClean="0"/>
+              <a:t>Stepping through or into</a:t>
+            </a:r>
+          </a:p>
+          <a:p>
+            <a:pPr lvl="2"/>
+            <a:r>
+              <a:rPr lang="en-US" dirty="0" smtClean="0"/>
+              <a:t>Variable inspection</a:t>
+            </a:r>
+            <a:endParaRPr lang="en-US" dirty="0"/>
+          </a:p>
+        </p:txBody>
+      </p:sp>
+      <p:sp>
+        <p:nvSpPr>
+          <p:cNvPr id="3" name="Title 2"/>
           <p:cNvSpPr>
             <a:spLocks noGrp="1"/>
           </p:cNvSpPr>
@@ -37763,22 +40204,12 @@
         </p:nvSpPr>
         <p:spPr/>
         <p:txBody>
-          <a:bodyPr>
-            <a:normAutofit/>
-          </a:bodyPr>
+          <a:bodyPr/>
           <a:lstStyle/>
           <a:p>
             <a:r>
-              <a:rPr lang="en-US" dirty="0" smtClean="0">
-                <a:solidFill>
-                  <a:srgbClr val="C4A174"/>
-                </a:solidFill>
-              </a:rPr>
-              <a:t>Exercise:</a:t>
-            </a:r>
-            <a:r>
               <a:rPr lang="en-US" dirty="0" smtClean="0"/>
-              <a:t> Debugging</a:t>
+              <a:t>Debugging</a:t>
             </a:r>
             <a:endParaRPr lang="en-US" dirty="0"/>
           </a:p>
@@ -37787,7 +40218,7 @@
     </p:spTree>
     <p:extLst>
       <p:ext uri="{BB962C8B-B14F-4D97-AF65-F5344CB8AC3E}">
-        <p14:creationId xmlns:p14="http://schemas.microsoft.com/office/powerpoint/2010/main" val="1260493395"/>
+        <p14:creationId xmlns:p14="http://schemas.microsoft.com/office/powerpoint/2010/main" val="2883934611"/>
       </p:ext>
     </p:extLst>
   </p:cSld>
@@ -37844,36 +40275,6 @@
           <a:bodyPr/>
           <a:lstStyle/>
           <a:p>
-            <a:r>
-              <a:rPr lang="en-US" dirty="0" smtClean="0"/>
-              <a:t>What are file types?</a:t>
-            </a:r>
-          </a:p>
-          <a:p>
-            <a:pPr lvl="1"/>
-            <a:r>
-              <a:rPr lang="en-US" dirty="0" smtClean="0"/>
-              <a:t>Data can be expressed in numerous ways – JSON, XML, CSV, TXT, BIN, DOC, XLS, PPT</a:t>
-            </a:r>
-          </a:p>
-          <a:p>
-            <a:pPr lvl="1"/>
-            <a:r>
-              <a:rPr lang="en-US" dirty="0" smtClean="0"/>
-              <a:t>File extension indicates data structure</a:t>
-            </a:r>
-          </a:p>
-          <a:p>
-            <a:pPr lvl="1"/>
-            <a:r>
-              <a:rPr lang="en-US" dirty="0" smtClean="0"/>
-              <a:t>Allows efficient and convenient data exchange</a:t>
-            </a:r>
-          </a:p>
-          <a:p>
-            <a:pPr marL="457200" lvl="1" indent="0">
-              <a:buNone/>
-            </a:pPr>
             <a:endParaRPr lang="en-US" dirty="0"/>
           </a:p>
         </p:txBody>
@@ -37895,7 +40296,7 @@
           <a:p>
             <a:r>
               <a:rPr lang="en-US" dirty="0" smtClean="0"/>
-              <a:t>File types</a:t>
+              <a:t>Debugging: Examples</a:t>
             </a:r>
             <a:endParaRPr lang="en-US" dirty="0"/>
           </a:p>
@@ -37904,7 +40305,7 @@
     </p:spTree>
     <p:extLst>
       <p:ext uri="{BB962C8B-B14F-4D97-AF65-F5344CB8AC3E}">
-        <p14:creationId xmlns:p14="http://schemas.microsoft.com/office/powerpoint/2010/main" val="1081349820"/>
+        <p14:creationId xmlns:p14="http://schemas.microsoft.com/office/powerpoint/2010/main" val="1956684700"/>
       </p:ext>
     </p:extLst>
   </p:cSld>
@@ -37924,14 +40325,6 @@
 <file path=ppt/slides/slide97.xml><?xml version="1.0" encoding="utf-8"?>
 <p:sld xmlns:a="http://schemas.openxmlformats.org/drawingml/2006/main" xmlns:r="http://schemas.openxmlformats.org/officeDocument/2006/relationships" xmlns:p="http://schemas.openxmlformats.org/presentationml/2006/main">
   <p:cSld>
-    <p:bg>
-      <p:bgPr>
-        <a:solidFill>
-          <a:schemeClr val="bg1"/>
-        </a:solidFill>
-        <a:effectLst/>
-      </p:bgPr>
-    </p:bg>
     <p:spTree>
       <p:nvGrpSpPr>
         <p:cNvPr id="1" name=""/>
@@ -37948,90 +40341,7 @@
       </p:grpSpPr>
       <p:sp>
         <p:nvSpPr>
-          <p:cNvPr id="4" name="Content Placeholder 3"/>
-          <p:cNvSpPr>
-            <a:spLocks noGrp="1"/>
-          </p:cNvSpPr>
-          <p:nvPr>
-            <p:ph idx="1"/>
-          </p:nvPr>
-        </p:nvSpPr>
-        <p:spPr/>
-        <p:txBody>
-          <a:bodyPr/>
-          <a:lstStyle/>
-          <a:p>
-            <a:r>
-              <a:rPr lang="en-US" dirty="0" smtClean="0"/>
-              <a:t>What does ‘IO’ mean?</a:t>
-            </a:r>
-          </a:p>
-          <a:p>
-            <a:r>
-              <a:rPr lang="en-US" dirty="0" smtClean="0"/>
-              <a:t>How do we interact with files?</a:t>
-            </a:r>
-          </a:p>
-          <a:p>
-            <a:pPr lvl="1"/>
-            <a:r>
-              <a:rPr lang="en-US" dirty="0" smtClean="0"/>
-              <a:t>What’s the ‘path’ to the file?</a:t>
-            </a:r>
-          </a:p>
-          <a:p>
-            <a:pPr lvl="2"/>
-            <a:r>
-              <a:rPr lang="en-US" dirty="0" smtClean="0"/>
-              <a:t>The route from the root of the drive to the file</a:t>
-            </a:r>
-          </a:p>
-          <a:p>
-            <a:pPr lvl="2"/>
-            <a:r>
-              <a:rPr lang="en-US" dirty="0" smtClean="0"/>
-              <a:t>Operating systems express paths differently</a:t>
-            </a:r>
-          </a:p>
-          <a:p>
-            <a:pPr lvl="3"/>
-            <a:r>
-              <a:rPr lang="en-US" dirty="0"/>
-              <a:t>C:\</a:t>
-            </a:r>
-            <a:r>
-              <a:rPr lang="en-US" dirty="0" smtClean="0"/>
-              <a:t>Windows\System32</a:t>
-            </a:r>
-          </a:p>
-          <a:p>
-            <a:pPr lvl="3"/>
-            <a:r>
-              <a:rPr lang="en-US" dirty="0" smtClean="0"/>
-              <a:t>/</a:t>
-            </a:r>
-            <a:r>
-              <a:rPr lang="en-US" dirty="0" err="1" smtClean="0"/>
-              <a:t>usr</a:t>
-            </a:r>
-            <a:r>
-              <a:rPr lang="en-US" dirty="0" smtClean="0"/>
-              <a:t>/bin</a:t>
-            </a:r>
-          </a:p>
-          <a:p>
-            <a:pPr lvl="3"/>
-            <a:endParaRPr lang="en-US" dirty="0" smtClean="0"/>
-          </a:p>
-          <a:p>
-            <a:pPr lvl="3"/>
-            <a:endParaRPr lang="en-US" dirty="0"/>
-          </a:p>
-        </p:txBody>
-      </p:sp>
-      <p:sp>
-        <p:nvSpPr>
-          <p:cNvPr id="3" name="Title 2"/>
+          <p:cNvPr id="4" name="Title 3"/>
           <p:cNvSpPr>
             <a:spLocks noGrp="1"/>
           </p:cNvSpPr>
@@ -38041,130 +40351,31 @@
         </p:nvSpPr>
         <p:spPr/>
         <p:txBody>
-          <a:bodyPr/>
-          <a:lstStyle/>
-          <a:p>
-            <a:r>
-              <a:rPr lang="en-US" dirty="0" smtClean="0"/>
-              <a:t>File IO</a:t>
-            </a:r>
-            <a:endParaRPr lang="en-US" dirty="0"/>
-          </a:p>
-        </p:txBody>
-      </p:sp>
-      <p:sp>
-        <p:nvSpPr>
-          <p:cNvPr id="5" name="Rectangle 2"/>
-          <p:cNvSpPr>
-            <a:spLocks noChangeArrowheads="1"/>
-          </p:cNvSpPr>
-          <p:nvPr/>
-        </p:nvSpPr>
-        <p:spPr bwMode="auto">
-          <a:xfrm>
-            <a:off x="0" y="0"/>
-            <a:ext cx="12192000" cy="457200"/>
-          </a:xfrm>
-          <a:prstGeom prst="rect">
-            <a:avLst/>
-          </a:prstGeom>
-          <a:solidFill>
-            <a:srgbClr val="FFFFFF"/>
-          </a:solidFill>
-          <a:ln>
-            <a:noFill/>
-          </a:ln>
-          <a:effectLst/>
-          <a:extLst>
-            <a:ext uri="{91240B29-F687-4F45-9708-019B960494DF}">
-              <a14:hiddenLine xmlns:a14="http://schemas.microsoft.com/office/drawing/2010/main" w="9525">
-                <a:solidFill>
-                  <a:schemeClr val="tx1"/>
-                </a:solidFill>
-                <a:miter lim="800000"/>
-                <a:headEnd/>
-                <a:tailEnd/>
-              </a14:hiddenLine>
-            </a:ext>
-            <a:ext uri="{AF507438-7753-43E0-B8FC-AC1667EBCBE1}">
-              <a14:hiddenEffects xmlns:a14="http://schemas.microsoft.com/office/drawing/2010/main">
-                <a:effectLst>
-                  <a:outerShdw dist="35921" dir="2700000" algn="ctr" rotWithShape="0">
-                    <a:schemeClr val="bg2"/>
-                  </a:outerShdw>
-                </a:effectLst>
-              </a14:hiddenEffects>
-            </a:ext>
-          </a:extLst>
-        </p:spPr>
-        <p:txBody>
-          <a:bodyPr vert="horz" wrap="none" lIns="91440" tIns="45720" rIns="91440" bIns="45720" numCol="1" anchor="ctr" anchorCtr="0" compatLnSpc="1">
-            <a:prstTxWarp prst="textNoShape">
-              <a:avLst/>
-            </a:prstTxWarp>
-            <a:spAutoFit/>
+          <a:bodyPr>
+            <a:normAutofit/>
           </a:bodyPr>
           <a:lstStyle/>
           <a:p>
-            <a:pPr marL="0" marR="0" lvl="0" indent="0" algn="l" defTabSz="914400" rtl="0" eaLnBrk="0" fontAlgn="base" latinLnBrk="0" hangingPunct="0">
-              <a:lnSpc>
-                <a:spcPct val="100000"/>
-              </a:lnSpc>
-              <a:spcBef>
-                <a:spcPct val="0"/>
-              </a:spcBef>
-              <a:spcAft>
-                <a:spcPct val="0"/>
-              </a:spcAft>
-              <a:buClrTx/>
-              <a:buSzTx/>
-              <a:buFontTx/>
-              <a:buNone/>
-              <a:tabLst/>
-            </a:pPr>
-            <a:r>
-              <a:rPr kumimoji="0" lang="en-US" sz="1000" b="1" i="0" u="none" strike="noStrike" cap="none" normalizeH="0" baseline="0" smtClean="0">
-                <a:ln>
-                  <a:noFill/>
-                </a:ln>
-                <a:solidFill>
-                  <a:srgbClr val="000000"/>
-                </a:solidFill>
-                <a:effectLst/>
-                <a:latin typeface="Arial Unicode MS" panose="020B0604020202020204" pitchFamily="34" charset="-128"/>
-                <a:cs typeface="Times New Roman" panose="02020603050405020304" pitchFamily="18" charset="0"/>
-              </a:rPr>
-              <a:t>/dev/hda</a:t>
-            </a:r>
-            <a:r>
-              <a:rPr kumimoji="0" lang="en-US" sz="800" b="0" i="0" u="none" strike="noStrike" cap="none" normalizeH="0" baseline="0" smtClean="0">
-                <a:ln>
-                  <a:noFill/>
-                </a:ln>
-                <a:solidFill>
-                  <a:schemeClr val="tx1"/>
-                </a:solidFill>
-                <a:effectLst/>
-              </a:rPr>
-              <a:t> </a:t>
-            </a:r>
-            <a:endParaRPr kumimoji="0" lang="en-US" sz="1800" b="0" i="0" u="none" strike="noStrike" cap="none" normalizeH="0" baseline="0" smtClean="0">
-              <a:ln>
-                <a:noFill/>
-              </a:ln>
-              <a:solidFill>
-                <a:schemeClr val="tx1"/>
-              </a:solidFill>
-              <a:effectLst/>
-              <a:latin typeface="Arial" panose="020B0604020202020204" pitchFamily="34" charset="0"/>
-            </a:endParaRPr>
+            <a:r>
+              <a:rPr lang="en-US" dirty="0" smtClean="0">
+                <a:solidFill>
+                  <a:srgbClr val="C4A174"/>
+                </a:solidFill>
+              </a:rPr>
+              <a:t>Exercise:</a:t>
+            </a:r>
+            <a:r>
+              <a:rPr lang="en-US" dirty="0" smtClean="0"/>
+              <a:t> Debugging</a:t>
+            </a:r>
+            <a:endParaRPr lang="en-US" dirty="0"/>
           </a:p>
         </p:txBody>
       </p:sp>
     </p:spTree>
     <p:extLst>
       <p:ext uri="{BB962C8B-B14F-4D97-AF65-F5344CB8AC3E}">
-        <p14:creationId xmlns:p14="http://schemas.microsoft.com/office/powerpoint/2010/main" val="2677945179"/>
+        <p14:creationId xmlns:p14="http://schemas.microsoft.com/office/powerpoint/2010/main" val="1260493395"/>
       </p:ext>
     </p:extLst>
   </p:cSld>
@@ -38218,90 +40429,39 @@
         </p:nvSpPr>
         <p:spPr/>
         <p:txBody>
-          <a:bodyPr>
-            <a:normAutofit lnSpcReduction="10000"/>
-          </a:bodyPr>
+          <a:bodyPr/>
           <a:lstStyle/>
           <a:p>
-            <a:pPr marL="457200" lvl="2" indent="-457200"/>
-            <a:r>
-              <a:rPr lang="en-US" dirty="0"/>
-              <a:t>How do we account for the differences in path syntax between operating systems?</a:t>
+            <a:r>
+              <a:rPr lang="en-US" dirty="0" smtClean="0"/>
+              <a:t>What are file types?</a:t>
             </a:r>
           </a:p>
           <a:p>
             <a:pPr lvl="1"/>
             <a:r>
               <a:rPr lang="en-US" dirty="0" smtClean="0"/>
-              <a:t>In Python, use the </a:t>
-            </a:r>
-            <a:r>
-              <a:rPr lang="en-US" dirty="0" err="1" smtClean="0"/>
-              <a:t>os.path</a:t>
-            </a:r>
+              <a:t>Data can be expressed in numerous ways – JSON, XML, CSV, TXT, BIN, DOC, XLS, PPT</a:t>
+            </a:r>
+          </a:p>
+          <a:p>
+            <a:pPr lvl="1"/>
             <a:r>
               <a:rPr lang="en-US" dirty="0" smtClean="0"/>
-              <a:t> module</a:t>
+              <a:t>File extension indicates data structure</a:t>
             </a:r>
           </a:p>
           <a:p>
             <a:pPr lvl="1"/>
             <a:r>
               <a:rPr lang="en-US" dirty="0" smtClean="0"/>
-              <a:t>Python always loads the path module suitable for the operating system it is running on</a:t>
-            </a:r>
-          </a:p>
-          <a:p>
-            <a:pPr lvl="1"/>
-            <a:r>
-              <a:rPr lang="en-US" dirty="0" smtClean="0"/>
-              <a:t>Specific modules can be loaded to manipulate paths that are always in one of the different formats, such as</a:t>
-            </a:r>
-          </a:p>
-          <a:p>
-            <a:pPr lvl="2"/>
-            <a:r>
-              <a:rPr lang="en-US" dirty="0" err="1" smtClean="0"/>
-              <a:t>posixpath</a:t>
-            </a:r>
-            <a:r>
-              <a:rPr lang="en-US" dirty="0" smtClean="0"/>
-              <a:t> for Unix-style paths</a:t>
-            </a:r>
-          </a:p>
-          <a:p>
-            <a:pPr lvl="2"/>
-            <a:r>
-              <a:rPr lang="en-US" dirty="0" err="1"/>
-              <a:t>n</a:t>
-            </a:r>
-            <a:r>
-              <a:rPr lang="en-US" dirty="0" err="1" smtClean="0"/>
-              <a:t>tpath</a:t>
-            </a:r>
-            <a:r>
-              <a:rPr lang="en-US" dirty="0" smtClean="0"/>
-              <a:t> for Windows-style paths</a:t>
-            </a:r>
-          </a:p>
-          <a:p>
-            <a:pPr lvl="2"/>
-            <a:r>
-              <a:rPr lang="en-US" dirty="0" err="1" smtClean="0"/>
-              <a:t>macpath</a:t>
-            </a:r>
-            <a:r>
-              <a:rPr lang="en-US" dirty="0" smtClean="0"/>
-              <a:t> for old-style </a:t>
-            </a:r>
-            <a:r>
-              <a:rPr lang="en-US" dirty="0" err="1" smtClean="0"/>
-              <a:t>MacOS</a:t>
-            </a:r>
-            <a:r>
-              <a:rPr lang="en-US" dirty="0" smtClean="0"/>
-              <a:t> paths</a:t>
-            </a:r>
+              <a:t>Allows efficient and convenient data exchange</a:t>
+            </a:r>
+          </a:p>
+          <a:p>
+            <a:pPr marL="457200" lvl="1" indent="0">
+              <a:buNone/>
+            </a:pPr>
             <a:endParaRPr lang="en-US" dirty="0"/>
           </a:p>
         </p:txBody>
@@ -38323,7 +40483,7 @@
           <a:p>
             <a:r>
               <a:rPr lang="en-US" dirty="0" smtClean="0"/>
-              <a:t>File IO</a:t>
+              <a:t>File types</a:t>
             </a:r>
             <a:endParaRPr lang="en-US" dirty="0"/>
           </a:p>
@@ -38332,7 +40492,7 @@
     </p:spTree>
     <p:extLst>
       <p:ext uri="{BB962C8B-B14F-4D97-AF65-F5344CB8AC3E}">
-        <p14:creationId xmlns:p14="http://schemas.microsoft.com/office/powerpoint/2010/main" val="1106993298"/>
+        <p14:creationId xmlns:p14="http://schemas.microsoft.com/office/powerpoint/2010/main" val="1081349820"/>
       </p:ext>
     </p:extLst>
   </p:cSld>
@@ -38389,6 +40549,70 @@
           <a:bodyPr/>
           <a:lstStyle/>
           <a:p>
+            <a:r>
+              <a:rPr lang="en-US" dirty="0" smtClean="0"/>
+              <a:t>What does ‘IO’ mean?</a:t>
+            </a:r>
+          </a:p>
+          <a:p>
+            <a:r>
+              <a:rPr lang="en-US" dirty="0" smtClean="0"/>
+              <a:t>How do we interact with files?</a:t>
+            </a:r>
+          </a:p>
+          <a:p>
+            <a:pPr lvl="1"/>
+            <a:r>
+              <a:rPr lang="en-US" dirty="0" smtClean="0"/>
+              <a:t>What’s the ‘path’ to the file?</a:t>
+            </a:r>
+          </a:p>
+          <a:p>
+            <a:pPr lvl="2"/>
+            <a:r>
+              <a:rPr lang="en-US" dirty="0" smtClean="0"/>
+              <a:t>The route from the root of the drive to the file</a:t>
+            </a:r>
+          </a:p>
+          <a:p>
+            <a:pPr lvl="2"/>
+            <a:r>
+              <a:rPr lang="en-US" dirty="0" smtClean="0"/>
+              <a:t>Operating systems express paths differently</a:t>
+            </a:r>
+          </a:p>
+          <a:p>
+            <a:pPr lvl="3"/>
+            <a:r>
+              <a:rPr lang="en-US" dirty="0"/>
+              <a:t>C:\</a:t>
+            </a:r>
+            <a:r>
+              <a:rPr lang="en-US" dirty="0" smtClean="0"/>
+              <a:t>Windows\System32</a:t>
+            </a:r>
+          </a:p>
+          <a:p>
+            <a:pPr lvl="3"/>
+            <a:r>
+              <a:rPr lang="en-US" dirty="0" smtClean="0"/>
+              <a:t>/</a:t>
+            </a:r>
+            <a:r>
+              <a:rPr lang="en-US" dirty="0" err="1" smtClean="0"/>
+              <a:t>usr</a:t>
+            </a:r>
+            <a:r>
+              <a:rPr lang="en-US" dirty="0" smtClean="0"/>
+              <a:t>/bin</a:t>
+            </a:r>
+          </a:p>
+          <a:p>
+            <a:pPr lvl="3"/>
+            <a:endParaRPr lang="en-US" dirty="0" smtClean="0"/>
+          </a:p>
+          <a:p>
+            <a:pPr lvl="3"/>
             <a:endParaRPr lang="en-US" dirty="0"/>
           </a:p>
         </p:txBody>
@@ -38410,16 +40634,125 @@
           <a:p>
             <a:r>
               <a:rPr lang="en-US" dirty="0" smtClean="0"/>
-              <a:t>File IO: Path Examples</a:t>
+              <a:t>File IO</a:t>
             </a:r>
             <a:endParaRPr lang="en-US" dirty="0"/>
+          </a:p>
+        </p:txBody>
+      </p:sp>
+      <p:sp>
+        <p:nvSpPr>
+          <p:cNvPr id="5" name="Rectangle 2"/>
+          <p:cNvSpPr>
+            <a:spLocks noChangeArrowheads="1"/>
+          </p:cNvSpPr>
+          <p:nvPr/>
+        </p:nvSpPr>
+        <p:spPr bwMode="auto">
+          <a:xfrm>
+            <a:off x="0" y="0"/>
+            <a:ext cx="12192000" cy="457200"/>
+          </a:xfrm>
+          <a:prstGeom prst="rect">
+            <a:avLst/>
+          </a:prstGeom>
+          <a:solidFill>
+            <a:srgbClr val="FFFFFF"/>
+          </a:solidFill>
+          <a:ln>
+            <a:noFill/>
+          </a:ln>
+          <a:effectLst/>
+          <a:extLst>
+            <a:ext uri="{91240B29-F687-4F45-9708-019B960494DF}">
+              <a14:hiddenLine xmlns:a14="http://schemas.microsoft.com/office/drawing/2010/main" w="9525">
+                <a:solidFill>
+                  <a:schemeClr val="tx1"/>
+                </a:solidFill>
+                <a:miter lim="800000"/>
+                <a:headEnd/>
+                <a:tailEnd/>
+              </a14:hiddenLine>
+            </a:ext>
+            <a:ext uri="{AF507438-7753-43E0-B8FC-AC1667EBCBE1}">
+              <a14:hiddenEffects xmlns:a14="http://schemas.microsoft.com/office/drawing/2010/main">
+                <a:effectLst>
+                  <a:outerShdw dist="35921" dir="2700000" algn="ctr" rotWithShape="0">
+                    <a:schemeClr val="bg2"/>
+                  </a:outerShdw>
+                </a:effectLst>
+              </a14:hiddenEffects>
+            </a:ext>
+          </a:extLst>
+        </p:spPr>
+        <p:txBody>
+          <a:bodyPr vert="horz" wrap="none" lIns="91440" tIns="45720" rIns="91440" bIns="45720" numCol="1" anchor="ctr" anchorCtr="0" compatLnSpc="1">
+            <a:prstTxWarp prst="textNoShape">
+              <a:avLst/>
+            </a:prstTxWarp>
+            <a:spAutoFit/>
+          </a:bodyPr>
+          <a:lstStyle/>
+          <a:p>
+            <a:pPr marL="0" marR="0" lvl="0" indent="0" algn="l" defTabSz="914400" rtl="0" eaLnBrk="0" fontAlgn="base" latinLnBrk="0" hangingPunct="0">
+              <a:lnSpc>
+                <a:spcPct val="100000"/>
+              </a:lnSpc>
+              <a:spcBef>
+                <a:spcPct val="0"/>
+              </a:spcBef>
+              <a:spcAft>
+                <a:spcPct val="0"/>
+              </a:spcAft>
+              <a:buClrTx/>
+              <a:buSzTx/>
+              <a:buFontTx/>
+              <a:buNone/>
+              <a:tabLst/>
+            </a:pPr>
+            <a:r>
+              <a:rPr kumimoji="0" lang="en-US" sz="1000" b="1" i="0" u="none" strike="noStrike" cap="none" normalizeH="0" baseline="0" smtClean="0">
+                <a:ln>
+                  <a:noFill/>
+                </a:ln>
+                <a:solidFill>
+                  <a:srgbClr val="000000"/>
+                </a:solidFill>
+                <a:effectLst/>
+                <a:latin typeface="Arial Unicode MS" panose="020B0604020202020204" pitchFamily="34" charset="-128"/>
+                <a:cs typeface="Times New Roman" panose="02020603050405020304" pitchFamily="18" charset="0"/>
+              </a:rPr>
+              <a:t>/dev/hda</a:t>
+            </a:r>
+            <a:r>
+              <a:rPr kumimoji="0" lang="en-US" sz="800" b="0" i="0" u="none" strike="noStrike" cap="none" normalizeH="0" baseline="0" smtClean="0">
+                <a:ln>
+                  <a:noFill/>
+                </a:ln>
+                <a:solidFill>
+                  <a:schemeClr val="tx1"/>
+                </a:solidFill>
+                <a:effectLst/>
+              </a:rPr>
+              <a:t> </a:t>
+            </a:r>
+            <a:endParaRPr kumimoji="0" lang="en-US" sz="1800" b="0" i="0" u="none" strike="noStrike" cap="none" normalizeH="0" baseline="0" smtClean="0">
+              <a:ln>
+                <a:noFill/>
+              </a:ln>
+              <a:solidFill>
+                <a:schemeClr val="tx1"/>
+              </a:solidFill>
+              <a:effectLst/>
+              <a:latin typeface="Arial" panose="020B0604020202020204" pitchFamily="34" charset="0"/>
+            </a:endParaRPr>
           </a:p>
         </p:txBody>
       </p:sp>
     </p:spTree>
     <p:extLst>
       <p:ext uri="{BB962C8B-B14F-4D97-AF65-F5344CB8AC3E}">
-        <p14:creationId xmlns:p14="http://schemas.microsoft.com/office/powerpoint/2010/main" val="3224124106"/>
+        <p14:creationId xmlns:p14="http://schemas.microsoft.com/office/powerpoint/2010/main" val="2677945179"/>
       </p:ext>
     </p:extLst>
   </p:cSld>

--- a/Programming Foundations.pptx
+++ b/Programming Foundations.pptx
@@ -5,7 +5,7 @@
     <p:sldMasterId id="2147483648" r:id="rId1"/>
   </p:sldMasterIdLst>
   <p:notesMasterIdLst>
-    <p:notesMasterId r:id="rId121"/>
+    <p:notesMasterId r:id="rId120"/>
   </p:notesMasterIdLst>
   <p:sldIdLst>
     <p:sldId id="351" r:id="rId2"/>
@@ -78,55 +78,54 @@
     <p:sldId id="424" r:id="rId69"/>
     <p:sldId id="425" r:id="rId70"/>
     <p:sldId id="309" r:id="rId71"/>
-    <p:sldId id="311" r:id="rId72"/>
-    <p:sldId id="312" r:id="rId73"/>
-    <p:sldId id="321" r:id="rId74"/>
-    <p:sldId id="313" r:id="rId75"/>
-    <p:sldId id="314" r:id="rId76"/>
-    <p:sldId id="315" r:id="rId77"/>
-    <p:sldId id="316" r:id="rId78"/>
-    <p:sldId id="324" r:id="rId79"/>
-    <p:sldId id="317" r:id="rId80"/>
-    <p:sldId id="322" r:id="rId81"/>
-    <p:sldId id="323" r:id="rId82"/>
-    <p:sldId id="325" r:id="rId83"/>
-    <p:sldId id="326" r:id="rId84"/>
-    <p:sldId id="331" r:id="rId85"/>
-    <p:sldId id="332" r:id="rId86"/>
-    <p:sldId id="334" r:id="rId87"/>
-    <p:sldId id="327" r:id="rId88"/>
-    <p:sldId id="329" r:id="rId89"/>
-    <p:sldId id="330" r:id="rId90"/>
-    <p:sldId id="328" r:id="rId91"/>
-    <p:sldId id="420" r:id="rId92"/>
-    <p:sldId id="333" r:id="rId93"/>
-    <p:sldId id="335" r:id="rId94"/>
-    <p:sldId id="339" r:id="rId95"/>
-    <p:sldId id="337" r:id="rId96"/>
-    <p:sldId id="336" r:id="rId97"/>
-    <p:sldId id="338" r:id="rId98"/>
-    <p:sldId id="341" r:id="rId99"/>
-    <p:sldId id="342" r:id="rId100"/>
-    <p:sldId id="344" r:id="rId101"/>
-    <p:sldId id="347" r:id="rId102"/>
-    <p:sldId id="345" r:id="rId103"/>
-    <p:sldId id="346" r:id="rId104"/>
-    <p:sldId id="343" r:id="rId105"/>
-    <p:sldId id="350" r:id="rId106"/>
-    <p:sldId id="348" r:id="rId107"/>
-    <p:sldId id="349" r:id="rId108"/>
-    <p:sldId id="421" r:id="rId109"/>
-    <p:sldId id="409" r:id="rId110"/>
-    <p:sldId id="412" r:id="rId111"/>
-    <p:sldId id="410" r:id="rId112"/>
-    <p:sldId id="413" r:id="rId113"/>
-    <p:sldId id="414" r:id="rId114"/>
-    <p:sldId id="415" r:id="rId115"/>
-    <p:sldId id="417" r:id="rId116"/>
-    <p:sldId id="416" r:id="rId117"/>
-    <p:sldId id="419" r:id="rId118"/>
-    <p:sldId id="411" r:id="rId119"/>
-    <p:sldId id="418" r:id="rId120"/>
+    <p:sldId id="426" r:id="rId72"/>
+    <p:sldId id="321" r:id="rId73"/>
+    <p:sldId id="313" r:id="rId74"/>
+    <p:sldId id="314" r:id="rId75"/>
+    <p:sldId id="315" r:id="rId76"/>
+    <p:sldId id="316" r:id="rId77"/>
+    <p:sldId id="324" r:id="rId78"/>
+    <p:sldId id="317" r:id="rId79"/>
+    <p:sldId id="322" r:id="rId80"/>
+    <p:sldId id="323" r:id="rId81"/>
+    <p:sldId id="325" r:id="rId82"/>
+    <p:sldId id="326" r:id="rId83"/>
+    <p:sldId id="331" r:id="rId84"/>
+    <p:sldId id="332" r:id="rId85"/>
+    <p:sldId id="334" r:id="rId86"/>
+    <p:sldId id="327" r:id="rId87"/>
+    <p:sldId id="329" r:id="rId88"/>
+    <p:sldId id="330" r:id="rId89"/>
+    <p:sldId id="328" r:id="rId90"/>
+    <p:sldId id="420" r:id="rId91"/>
+    <p:sldId id="333" r:id="rId92"/>
+    <p:sldId id="335" r:id="rId93"/>
+    <p:sldId id="339" r:id="rId94"/>
+    <p:sldId id="337" r:id="rId95"/>
+    <p:sldId id="336" r:id="rId96"/>
+    <p:sldId id="338" r:id="rId97"/>
+    <p:sldId id="341" r:id="rId98"/>
+    <p:sldId id="342" r:id="rId99"/>
+    <p:sldId id="344" r:id="rId100"/>
+    <p:sldId id="347" r:id="rId101"/>
+    <p:sldId id="345" r:id="rId102"/>
+    <p:sldId id="346" r:id="rId103"/>
+    <p:sldId id="343" r:id="rId104"/>
+    <p:sldId id="350" r:id="rId105"/>
+    <p:sldId id="348" r:id="rId106"/>
+    <p:sldId id="349" r:id="rId107"/>
+    <p:sldId id="421" r:id="rId108"/>
+    <p:sldId id="409" r:id="rId109"/>
+    <p:sldId id="412" r:id="rId110"/>
+    <p:sldId id="410" r:id="rId111"/>
+    <p:sldId id="413" r:id="rId112"/>
+    <p:sldId id="414" r:id="rId113"/>
+    <p:sldId id="415" r:id="rId114"/>
+    <p:sldId id="417" r:id="rId115"/>
+    <p:sldId id="416" r:id="rId116"/>
+    <p:sldId id="419" r:id="rId117"/>
+    <p:sldId id="411" r:id="rId118"/>
+    <p:sldId id="418" r:id="rId119"/>
   </p:sldIdLst>
   <p:sldSz cx="12192000" cy="6858000"/>
   <p:notesSz cx="6858000" cy="9144000"/>
@@ -304,8 +303,7 @@
             <p14:sldId id="424"/>
             <p14:sldId id="425"/>
             <p14:sldId id="309"/>
-            <p14:sldId id="311"/>
-            <p14:sldId id="312"/>
+            <p14:sldId id="426"/>
             <p14:sldId id="321"/>
             <p14:sldId id="313"/>
             <p14:sldId id="314"/>
@@ -4798,7 +4796,7 @@
                 </a:solidFill>
               </a:rPr>
               <a:pPr/>
-              <a:t>78</a:t>
+              <a:t>77</a:t>
             </a:fld>
             <a:endParaRPr lang="en-GB" dirty="0">
               <a:solidFill>
@@ -4933,7 +4931,7 @@
                 </a:solidFill>
               </a:rPr>
               <a:pPr/>
-              <a:t>86</a:t>
+              <a:t>85</a:t>
             </a:fld>
             <a:endParaRPr lang="en-GB" dirty="0">
               <a:solidFill>
@@ -5068,7 +5066,7 @@
                 </a:solidFill>
               </a:rPr>
               <a:pPr/>
-              <a:t>91</a:t>
+              <a:t>90</a:t>
             </a:fld>
             <a:endParaRPr lang="en-GB" dirty="0">
               <a:solidFill>
@@ -5203,7 +5201,7 @@
                 </a:solidFill>
               </a:rPr>
               <a:pPr/>
-              <a:t>95</a:t>
+              <a:t>94</a:t>
             </a:fld>
             <a:endParaRPr lang="en-GB" dirty="0">
               <a:solidFill>
@@ -5338,7 +5336,7 @@
                 </a:solidFill>
               </a:rPr>
               <a:pPr/>
-              <a:t>105</a:t>
+              <a:t>104</a:t>
             </a:fld>
             <a:endParaRPr lang="en-GB" dirty="0">
               <a:solidFill>
@@ -5473,7 +5471,7 @@
                 </a:solidFill>
               </a:rPr>
               <a:pPr/>
-              <a:t>108</a:t>
+              <a:t>107</a:t>
             </a:fld>
             <a:endParaRPr lang="en-GB" dirty="0">
               <a:solidFill>
@@ -5608,7 +5606,7 @@
                 </a:solidFill>
               </a:rPr>
               <a:pPr/>
-              <a:t>117</a:t>
+              <a:t>116</a:t>
             </a:fld>
             <a:endParaRPr lang="en-GB" dirty="0">
               <a:solidFill>
@@ -8525,110 +8523,48 @@
         <p:spPr/>
         <p:txBody>
           <a:bodyPr>
-            <a:normAutofit fontScale="92500" lnSpcReduction="10000"/>
+            <a:normAutofit/>
           </a:bodyPr>
           <a:lstStyle/>
           <a:p>
             <a:r>
               <a:rPr lang="en-US" dirty="0" smtClean="0"/>
-              <a:t>How do we open a file?</a:t>
+              <a:t>But I want to read </a:t>
+            </a:r>
+            <a:r>
+              <a:rPr lang="en-US" i="1" dirty="0" smtClean="0"/>
+              <a:t>and</a:t>
+            </a:r>
+            <a:r>
+              <a:rPr lang="en-US" dirty="0" smtClean="0"/>
+              <a:t> write!</a:t>
             </a:r>
           </a:p>
           <a:p>
             <a:pPr lvl="1"/>
             <a:r>
               <a:rPr lang="en-US" dirty="0" smtClean="0"/>
-              <a:t>open(</a:t>
-            </a:r>
-            <a:r>
-              <a:rPr lang="en-US" i="1" dirty="0" smtClean="0"/>
-              <a:t>name[,mode[,buffering]]</a:t>
-            </a:r>
+              <a:t>append a ‘+’ to the mode to open the file for updating (reading and writing)</a:t>
+            </a:r>
+          </a:p>
+          <a:p>
+            <a:pPr lvl="2"/>
             <a:r>
               <a:rPr lang="en-US" dirty="0" smtClean="0"/>
-              <a:t>)</a:t>
-            </a:r>
-          </a:p>
-          <a:p>
-            <a:pPr lvl="2"/>
+              <a:t>r+, w+, a+</a:t>
+            </a:r>
+            <a:endParaRPr lang="en-US" dirty="0"/>
+          </a:p>
+          <a:p>
+            <a:pPr lvl="1"/>
             <a:r>
               <a:rPr lang="en-US" dirty="0" smtClean="0"/>
-              <a:t>name – file name to be opened</a:t>
-            </a:r>
-          </a:p>
-          <a:p>
-            <a:pPr lvl="2"/>
-            <a:r>
-              <a:rPr lang="en-US" dirty="0" smtClean="0"/>
-              <a:t>mode – string indicating how the file is to be opened</a:t>
-            </a:r>
-          </a:p>
-          <a:p>
-            <a:pPr lvl="3"/>
-            <a:r>
-              <a:rPr lang="en-US" dirty="0" smtClean="0"/>
-              <a:t>r – for reading</a:t>
-            </a:r>
-          </a:p>
-          <a:p>
-            <a:pPr lvl="3"/>
-            <a:r>
-              <a:rPr lang="en-US" dirty="0" smtClean="0"/>
-              <a:t>w – for writing</a:t>
-            </a:r>
-          </a:p>
-          <a:p>
-            <a:pPr lvl="3"/>
-            <a:r>
-              <a:rPr lang="en-US" dirty="0" smtClean="0"/>
-              <a:t>a – for appending</a:t>
-            </a:r>
-          </a:p>
-          <a:p>
-            <a:pPr lvl="3"/>
-            <a:r>
-              <a:rPr lang="en-US" dirty="0" smtClean="0"/>
-              <a:t>defaults to ‘r’</a:t>
-            </a:r>
-          </a:p>
-          <a:p>
-            <a:pPr lvl="2"/>
-            <a:r>
-              <a:rPr lang="en-US" dirty="0" smtClean="0"/>
-              <a:t>buffering – optional argument indicating desired buffer size</a:t>
-            </a:r>
-          </a:p>
-          <a:p>
-            <a:pPr lvl="3"/>
-            <a:r>
-              <a:rPr lang="en-US" dirty="0" smtClean="0"/>
-              <a:t>0 – </a:t>
-            </a:r>
-            <a:r>
-              <a:rPr lang="en-US" dirty="0" err="1" smtClean="0"/>
-              <a:t>unbuffered</a:t>
-            </a:r>
+              <a:t>note that ‘w+’ truncates the file</a:t>
+            </a:r>
+          </a:p>
+          <a:p>
+            <a:pPr lvl="1"/>
             <a:endParaRPr lang="en-US" dirty="0" smtClean="0"/>
-          </a:p>
-          <a:p>
-            <a:pPr lvl="3"/>
-            <a:r>
-              <a:rPr lang="en-US" dirty="0" smtClean="0"/>
-              <a:t>1 – line buffered</a:t>
-            </a:r>
-          </a:p>
-          <a:p>
-            <a:pPr lvl="3"/>
-            <a:r>
-              <a:rPr lang="en-US" dirty="0" smtClean="0"/>
-              <a:t>any other positive value in bytes</a:t>
-            </a:r>
-          </a:p>
-          <a:p>
-            <a:pPr marL="914400" lvl="2" indent="0">
-              <a:buNone/>
-            </a:pPr>
-            <a:endParaRPr lang="en-US" dirty="0"/>
           </a:p>
         </p:txBody>
       </p:sp>
@@ -8658,7 +8594,7 @@
     </p:spTree>
     <p:extLst>
       <p:ext uri="{BB962C8B-B14F-4D97-AF65-F5344CB8AC3E}">
-        <p14:creationId xmlns:p14="http://schemas.microsoft.com/office/powerpoint/2010/main" val="2870467808"/>
+        <p14:creationId xmlns:p14="http://schemas.microsoft.com/office/powerpoint/2010/main" val="2622588657"/>
       </p:ext>
     </p:extLst>
   </p:cSld>
@@ -8712,48 +8648,68 @@
         </p:nvSpPr>
         <p:spPr/>
         <p:txBody>
-          <a:bodyPr>
-            <a:normAutofit/>
-          </a:bodyPr>
+          <a:bodyPr/>
           <a:lstStyle/>
           <a:p>
             <a:r>
               <a:rPr lang="en-US" dirty="0" smtClean="0"/>
-              <a:t>But I want to read </a:t>
-            </a:r>
-            <a:r>
-              <a:rPr lang="en-US" i="1" dirty="0" smtClean="0"/>
-              <a:t>and</a:t>
-            </a:r>
+              <a:t>But what about binary data?</a:t>
+            </a:r>
+          </a:p>
+          <a:p>
+            <a:pPr lvl="1"/>
             <a:r>
               <a:rPr lang="en-US" dirty="0" smtClean="0"/>
-              <a:t> write!</a:t>
+              <a:t>open() defaults to text mode</a:t>
             </a:r>
           </a:p>
           <a:p>
             <a:pPr lvl="1"/>
             <a:r>
               <a:rPr lang="en-US" dirty="0" smtClean="0"/>
-              <a:t>append a ‘+’ to the mode to open the file for updating (reading and writing)</a:t>
-            </a:r>
+              <a:t>append ‘b’ to the mode for binary on systems that differentiate between text and binary data</a:t>
+            </a:r>
+            <a:endParaRPr lang="en-US" dirty="0"/>
           </a:p>
           <a:p>
             <a:pPr lvl="2"/>
             <a:r>
+              <a:rPr lang="en-US" dirty="0" err="1" smtClean="0"/>
+              <a:t>rb</a:t>
+            </a:r>
+            <a:r>
               <a:rPr lang="en-US" dirty="0" smtClean="0"/>
-              <a:t>r+, w+, a+</a:t>
-            </a:r>
-            <a:endParaRPr lang="en-US" dirty="0"/>
+              <a:t>, </a:t>
+            </a:r>
+            <a:r>
+              <a:rPr lang="en-US" dirty="0" err="1" smtClean="0"/>
+              <a:t>wb</a:t>
+            </a:r>
+            <a:r>
+              <a:rPr lang="en-US" dirty="0" smtClean="0"/>
+              <a:t>, </a:t>
+            </a:r>
+            <a:r>
+              <a:rPr lang="en-US" dirty="0" err="1" smtClean="0"/>
+              <a:t>ab</a:t>
+            </a:r>
+            <a:endParaRPr lang="en-US" dirty="0" smtClean="0"/>
           </a:p>
           <a:p>
             <a:pPr lvl="1"/>
             <a:r>
               <a:rPr lang="en-US" dirty="0" smtClean="0"/>
-              <a:t>note that ‘w+’ truncates the file</a:t>
+              <a:t>Has no effect on systems that don’t differentiate</a:t>
             </a:r>
           </a:p>
           <a:p>
             <a:pPr lvl="1"/>
+            <a:endParaRPr lang="en-US" dirty="0" smtClean="0"/>
+          </a:p>
+          <a:p>
+            <a:pPr marL="914400" lvl="2" indent="0">
+              <a:buNone/>
+            </a:pPr>
             <a:endParaRPr lang="en-US" dirty="0" smtClean="0"/>
           </a:p>
         </p:txBody>
@@ -8784,7 +8740,7 @@
     </p:spTree>
     <p:extLst>
       <p:ext uri="{BB962C8B-B14F-4D97-AF65-F5344CB8AC3E}">
-        <p14:creationId xmlns:p14="http://schemas.microsoft.com/office/powerpoint/2010/main" val="2622588657"/>
+        <p14:creationId xmlns:p14="http://schemas.microsoft.com/office/powerpoint/2010/main" val="1760797253"/>
       </p:ext>
     </p:extLst>
   </p:cSld>
@@ -8838,69 +8794,143 @@
         </p:nvSpPr>
         <p:spPr/>
         <p:txBody>
-          <a:bodyPr/>
+          <a:bodyPr>
+            <a:normAutofit lnSpcReduction="10000"/>
+          </a:bodyPr>
           <a:lstStyle/>
           <a:p>
             <a:r>
               <a:rPr lang="en-US" dirty="0" smtClean="0"/>
-              <a:t>But what about binary data?</a:t>
+              <a:t>Can I delete files?</a:t>
             </a:r>
           </a:p>
           <a:p>
             <a:pPr lvl="1"/>
             <a:r>
+              <a:rPr lang="en-US" dirty="0" err="1" smtClean="0"/>
+              <a:t>os.remove</a:t>
+            </a:r>
+            <a:r>
               <a:rPr lang="en-US" dirty="0" smtClean="0"/>
-              <a:t>open() defaults to text mode</a:t>
+              <a:t>(</a:t>
+            </a:r>
+            <a:r>
+              <a:rPr lang="en-US" i="1" dirty="0" smtClean="0"/>
+              <a:t>path</a:t>
+            </a:r>
+            <a:r>
+              <a:rPr lang="en-US" dirty="0" smtClean="0"/>
+              <a:t>)</a:t>
+            </a:r>
+          </a:p>
+          <a:p>
+            <a:r>
+              <a:rPr lang="en-US" dirty="0" smtClean="0"/>
+              <a:t>What about directories?</a:t>
             </a:r>
           </a:p>
           <a:p>
             <a:pPr lvl="1"/>
             <a:r>
+              <a:rPr lang="en-US" dirty="0" err="1" smtClean="0"/>
+              <a:t>os.rmdir</a:t>
+            </a:r>
+            <a:r>
               <a:rPr lang="en-US" dirty="0" smtClean="0"/>
-              <a:t>append ‘b’ to the mode for binary on systems that differentiate between text and binary data</a:t>
+              <a:t>(</a:t>
+            </a:r>
+            <a:r>
+              <a:rPr lang="en-US" i="1" dirty="0" smtClean="0"/>
+              <a:t>path</a:t>
+            </a:r>
+            <a:r>
+              <a:rPr lang="en-US" dirty="0" smtClean="0"/>
+              <a:t>)</a:t>
             </a:r>
             <a:endParaRPr lang="en-US" dirty="0"/>
           </a:p>
           <a:p>
-            <a:pPr lvl="2"/>
+            <a:pPr lvl="1"/>
             <a:r>
               <a:rPr lang="en-US" dirty="0" err="1" smtClean="0"/>
-              <a:t>rb</a:t>
+              <a:t>os.removedirs</a:t>
             </a:r>
             <a:r>
               <a:rPr lang="en-US" dirty="0" smtClean="0"/>
-              <a:t>, </a:t>
-            </a:r>
+              <a:t>(</a:t>
+            </a:r>
+            <a:r>
+              <a:rPr lang="en-US" i="1" dirty="0" smtClean="0"/>
+              <a:t>path</a:t>
+            </a:r>
+            <a:r>
+              <a:rPr lang="en-US" dirty="0" smtClean="0"/>
+              <a:t>)</a:t>
+            </a:r>
+            <a:endParaRPr lang="en-US" dirty="0"/>
+          </a:p>
+          <a:p>
+            <a:r>
+              <a:rPr lang="en-US" dirty="0" smtClean="0"/>
+              <a:t>Can I do anything else?</a:t>
+            </a:r>
+          </a:p>
+          <a:p>
+            <a:pPr lvl="1"/>
             <a:r>
               <a:rPr lang="en-US" dirty="0" err="1" smtClean="0"/>
-              <a:t>wb</a:t>
+              <a:t>os.listdir</a:t>
             </a:r>
             <a:r>
               <a:rPr lang="en-US" dirty="0" smtClean="0"/>
-              <a:t>, </a:t>
-            </a:r>
+              <a:t>(</a:t>
+            </a:r>
+            <a:r>
+              <a:rPr lang="en-US" i="1" dirty="0"/>
+              <a:t>path</a:t>
+            </a:r>
+            <a:r>
+              <a:rPr lang="en-US" dirty="0" smtClean="0"/>
+              <a:t>)</a:t>
+            </a:r>
+          </a:p>
+          <a:p>
+            <a:pPr lvl="1"/>
             <a:r>
               <a:rPr lang="en-US" dirty="0" err="1" smtClean="0"/>
-              <a:t>ab</a:t>
-            </a:r>
-            <a:endParaRPr lang="en-US" dirty="0" smtClean="0"/>
+              <a:t>os.rename</a:t>
+            </a:r>
+            <a:r>
+              <a:rPr lang="en-US" dirty="0" smtClean="0"/>
+              <a:t>(</a:t>
+            </a:r>
+            <a:r>
+              <a:rPr lang="en-US" i="1" dirty="0" err="1" smtClean="0"/>
+              <a:t>src,dest</a:t>
+            </a:r>
+            <a:r>
+              <a:rPr lang="en-US" dirty="0" smtClean="0"/>
+              <a:t>)</a:t>
+            </a:r>
           </a:p>
           <a:p>
             <a:pPr lvl="1"/>
             <a:r>
+              <a:rPr lang="en-US" dirty="0" err="1" smtClean="0"/>
+              <a:t>os.mkdir</a:t>
+            </a:r>
+            <a:r>
               <a:rPr lang="en-US" dirty="0" smtClean="0"/>
-              <a:t>Has no effect on systems that don’t differentiate</a:t>
-            </a:r>
-          </a:p>
-          <a:p>
-            <a:pPr lvl="1"/>
-            <a:endParaRPr lang="en-US" dirty="0" smtClean="0"/>
-          </a:p>
-          <a:p>
-            <a:pPr marL="914400" lvl="2" indent="0">
-              <a:buNone/>
-            </a:pPr>
-            <a:endParaRPr lang="en-US" dirty="0" smtClean="0"/>
+              <a:t>(</a:t>
+            </a:r>
+            <a:r>
+              <a:rPr lang="en-US" i="1" dirty="0" smtClean="0"/>
+              <a:t>path[,mode]</a:t>
+            </a:r>
+            <a:r>
+              <a:rPr lang="en-US" dirty="0" smtClean="0"/>
+              <a:t>)</a:t>
+            </a:r>
           </a:p>
         </p:txBody>
       </p:sp>
@@ -8921,7 +8951,7 @@
           <a:p>
             <a:r>
               <a:rPr lang="en-US" dirty="0" smtClean="0"/>
-              <a:t>File IO: File Operations</a:t>
+              <a:t>File IO</a:t>
             </a:r>
             <a:endParaRPr lang="en-US" dirty="0"/>
           </a:p>
@@ -8930,7 +8960,7 @@
     </p:spTree>
     <p:extLst>
       <p:ext uri="{BB962C8B-B14F-4D97-AF65-F5344CB8AC3E}">
-        <p14:creationId xmlns:p14="http://schemas.microsoft.com/office/powerpoint/2010/main" val="1760797253"/>
+        <p14:creationId xmlns:p14="http://schemas.microsoft.com/office/powerpoint/2010/main" val="3485451260"/>
       </p:ext>
     </p:extLst>
   </p:cSld>
@@ -8984,143 +9014,10 @@
         </p:nvSpPr>
         <p:spPr/>
         <p:txBody>
-          <a:bodyPr>
-            <a:normAutofit lnSpcReduction="10000"/>
-          </a:bodyPr>
+          <a:bodyPr/>
           <a:lstStyle/>
           <a:p>
-            <a:r>
-              <a:rPr lang="en-US" dirty="0" smtClean="0"/>
-              <a:t>Can I delete files?</a:t>
-            </a:r>
-          </a:p>
-          <a:p>
-            <a:pPr lvl="1"/>
-            <a:r>
-              <a:rPr lang="en-US" dirty="0" err="1" smtClean="0"/>
-              <a:t>os.remove</a:t>
-            </a:r>
-            <a:r>
-              <a:rPr lang="en-US" dirty="0" smtClean="0"/>
-              <a:t>(</a:t>
-            </a:r>
-            <a:r>
-              <a:rPr lang="en-US" i="1" dirty="0" smtClean="0"/>
-              <a:t>path</a:t>
-            </a:r>
-            <a:r>
-              <a:rPr lang="en-US" dirty="0" smtClean="0"/>
-              <a:t>)</a:t>
-            </a:r>
-          </a:p>
-          <a:p>
-            <a:r>
-              <a:rPr lang="en-US" dirty="0" smtClean="0"/>
-              <a:t>What about directories?</a:t>
-            </a:r>
-          </a:p>
-          <a:p>
-            <a:pPr lvl="1"/>
-            <a:r>
-              <a:rPr lang="en-US" dirty="0" err="1" smtClean="0"/>
-              <a:t>os.rmdir</a:t>
-            </a:r>
-            <a:r>
-              <a:rPr lang="en-US" dirty="0" smtClean="0"/>
-              <a:t>(</a:t>
-            </a:r>
-            <a:r>
-              <a:rPr lang="en-US" i="1" dirty="0" smtClean="0"/>
-              <a:t>path</a:t>
-            </a:r>
-            <a:r>
-              <a:rPr lang="en-US" dirty="0" smtClean="0"/>
-              <a:t>)</a:t>
-            </a:r>
             <a:endParaRPr lang="en-US" dirty="0"/>
-          </a:p>
-          <a:p>
-            <a:pPr lvl="1"/>
-            <a:r>
-              <a:rPr lang="en-US" dirty="0" err="1" smtClean="0"/>
-              <a:t>os.removedirs</a:t>
-            </a:r>
-            <a:r>
-              <a:rPr lang="en-US" dirty="0" smtClean="0"/>
-              <a:t>(</a:t>
-            </a:r>
-            <a:r>
-              <a:rPr lang="en-US" i="1" dirty="0" smtClean="0"/>
-              <a:t>path</a:t>
-            </a:r>
-            <a:r>
-              <a:rPr lang="en-US" dirty="0" smtClean="0"/>
-              <a:t>)</a:t>
-            </a:r>
-            <a:endParaRPr lang="en-US" dirty="0"/>
-          </a:p>
-          <a:p>
-            <a:r>
-              <a:rPr lang="en-US" dirty="0" smtClean="0"/>
-              <a:t>Can I do anything else?</a:t>
-            </a:r>
-          </a:p>
-          <a:p>
-            <a:pPr lvl="1"/>
-            <a:r>
-              <a:rPr lang="en-US" dirty="0" err="1" smtClean="0"/>
-              <a:t>os.listdir</a:t>
-            </a:r>
-            <a:r>
-              <a:rPr lang="en-US" dirty="0" smtClean="0"/>
-              <a:t>(</a:t>
-            </a:r>
-            <a:r>
-              <a:rPr lang="en-US" i="1" dirty="0"/>
-              <a:t>path</a:t>
-            </a:r>
-            <a:r>
-              <a:rPr lang="en-US" dirty="0" smtClean="0"/>
-              <a:t>)</a:t>
-            </a:r>
-          </a:p>
-          <a:p>
-            <a:pPr lvl="1"/>
-            <a:r>
-              <a:rPr lang="en-US" dirty="0" err="1" smtClean="0"/>
-              <a:t>os.rename</a:t>
-            </a:r>
-            <a:r>
-              <a:rPr lang="en-US" dirty="0" smtClean="0"/>
-              <a:t>(</a:t>
-            </a:r>
-            <a:r>
-              <a:rPr lang="en-US" i="1" dirty="0" err="1" smtClean="0"/>
-              <a:t>src,dest</a:t>
-            </a:r>
-            <a:r>
-              <a:rPr lang="en-US" dirty="0" smtClean="0"/>
-              <a:t>)</a:t>
-            </a:r>
-          </a:p>
-          <a:p>
-            <a:pPr lvl="1"/>
-            <a:r>
-              <a:rPr lang="en-US" dirty="0" err="1" smtClean="0"/>
-              <a:t>os.mkdir</a:t>
-            </a:r>
-            <a:r>
-              <a:rPr lang="en-US" dirty="0" smtClean="0"/>
-              <a:t>(</a:t>
-            </a:r>
-            <a:r>
-              <a:rPr lang="en-US" i="1" dirty="0" smtClean="0"/>
-              <a:t>path[,mode]</a:t>
-            </a:r>
-            <a:r>
-              <a:rPr lang="en-US" dirty="0" smtClean="0"/>
-              <a:t>)</a:t>
-            </a:r>
           </a:p>
         </p:txBody>
       </p:sp>
@@ -9141,7 +9038,7 @@
           <a:p>
             <a:r>
               <a:rPr lang="en-US" dirty="0" smtClean="0"/>
-              <a:t>File IO</a:t>
+              <a:t>File IO: File Operations Examples</a:t>
             </a:r>
             <a:endParaRPr lang="en-US" dirty="0"/>
           </a:p>
@@ -9150,7 +9047,7 @@
     </p:spTree>
     <p:extLst>
       <p:ext uri="{BB962C8B-B14F-4D97-AF65-F5344CB8AC3E}">
-        <p14:creationId xmlns:p14="http://schemas.microsoft.com/office/powerpoint/2010/main" val="3485451260"/>
+        <p14:creationId xmlns:p14="http://schemas.microsoft.com/office/powerpoint/2010/main" val="347953696"/>
       </p:ext>
     </p:extLst>
   </p:cSld>
@@ -9168,6 +9065,76 @@
 </file>
 
 <file path=ppt/slides/slide104.xml><?xml version="1.0" encoding="utf-8"?>
+<p:sld xmlns:a="http://schemas.openxmlformats.org/drawingml/2006/main" xmlns:r="http://schemas.openxmlformats.org/officeDocument/2006/relationships" xmlns:p="http://schemas.openxmlformats.org/presentationml/2006/main">
+  <p:cSld>
+    <p:spTree>
+      <p:nvGrpSpPr>
+        <p:cNvPr id="1" name=""/>
+        <p:cNvGrpSpPr/>
+        <p:nvPr/>
+      </p:nvGrpSpPr>
+      <p:grpSpPr>
+        <a:xfrm>
+          <a:off x="0" y="0"/>
+          <a:ext cx="0" cy="0"/>
+          <a:chOff x="0" y="0"/>
+          <a:chExt cx="0" cy="0"/>
+        </a:xfrm>
+      </p:grpSpPr>
+      <p:sp>
+        <p:nvSpPr>
+          <p:cNvPr id="4" name="Title 3"/>
+          <p:cNvSpPr>
+            <a:spLocks noGrp="1"/>
+          </p:cNvSpPr>
+          <p:nvPr>
+            <p:ph type="title"/>
+          </p:nvPr>
+        </p:nvSpPr>
+        <p:spPr/>
+        <p:txBody>
+          <a:bodyPr>
+            <a:normAutofit/>
+          </a:bodyPr>
+          <a:lstStyle/>
+          <a:p>
+            <a:r>
+              <a:rPr lang="en-US" dirty="0" smtClean="0">
+                <a:solidFill>
+                  <a:srgbClr val="C4A174"/>
+                </a:solidFill>
+              </a:rPr>
+              <a:t>Exercise:</a:t>
+            </a:r>
+            <a:r>
+              <a:rPr lang="en-US" dirty="0" smtClean="0"/>
+              <a:t> File Operations</a:t>
+            </a:r>
+            <a:endParaRPr lang="en-US" dirty="0"/>
+          </a:p>
+        </p:txBody>
+      </p:sp>
+    </p:spTree>
+    <p:extLst>
+      <p:ext uri="{BB962C8B-B14F-4D97-AF65-F5344CB8AC3E}">
+        <p14:creationId xmlns:p14="http://schemas.microsoft.com/office/powerpoint/2010/main" val="1034857759"/>
+      </p:ext>
+    </p:extLst>
+  </p:cSld>
+  <p:clrMapOvr>
+    <a:masterClrMapping/>
+  </p:clrMapOvr>
+  <p:timing>
+    <p:tnLst>
+      <p:par>
+        <p:cTn id="1" dur="indefinite" restart="never" nodeType="tmRoot"/>
+      </p:par>
+    </p:tnLst>
+  </p:timing>
+</p:sld>
+</file>
+
+<file path=ppt/slides/slide105.xml><?xml version="1.0" encoding="utf-8"?>
 <p:sld xmlns:a="http://schemas.openxmlformats.org/drawingml/2006/main" xmlns:r="http://schemas.openxmlformats.org/officeDocument/2006/relationships" xmlns:p="http://schemas.openxmlformats.org/presentationml/2006/main">
   <p:cSld>
     <p:bg>
@@ -9204,9 +9171,56 @@
         </p:nvSpPr>
         <p:spPr/>
         <p:txBody>
-          <a:bodyPr/>
+          <a:bodyPr>
+            <a:normAutofit fontScale="92500" lnSpcReduction="10000"/>
+          </a:bodyPr>
           <a:lstStyle/>
           <a:p>
+            <a:r>
+              <a:rPr lang="en-US" dirty="0" smtClean="0"/>
+              <a:t>What happens when our application encounters an error?</a:t>
+            </a:r>
+          </a:p>
+          <a:p>
+            <a:r>
+              <a:rPr lang="en-US" dirty="0" smtClean="0"/>
+              <a:t>What can we do to prevent our application crashing?</a:t>
+            </a:r>
+          </a:p>
+          <a:p>
+            <a:r>
+              <a:rPr lang="en-US" dirty="0" smtClean="0"/>
+              <a:t>try…except…finally</a:t>
+            </a:r>
+          </a:p>
+          <a:p>
+            <a:pPr lvl="1"/>
+            <a:r>
+              <a:rPr lang="en-US" dirty="0" smtClean="0"/>
+              <a:t>try block tells the interpreter that the following code may cause an error</a:t>
+            </a:r>
+          </a:p>
+          <a:p>
+            <a:pPr lvl="1"/>
+            <a:r>
+              <a:rPr lang="en-US" dirty="0" smtClean="0"/>
+              <a:t>except blocks tell the interpreter what kind of errors should be expected and what to do when they occur. This is called ‘catching’ the exception.</a:t>
+            </a:r>
+          </a:p>
+          <a:p>
+            <a:pPr lvl="1"/>
+            <a:r>
+              <a:rPr lang="en-US" dirty="0" smtClean="0"/>
+              <a:t>finally block tells the interpreter what to do next, </a:t>
+            </a:r>
+            <a:r>
+              <a:rPr lang="en-US" i="1" dirty="0" smtClean="0"/>
+              <a:t>whether or not an error occurred</a:t>
+            </a:r>
+            <a:r>
+              <a:rPr lang="en-US" dirty="0" smtClean="0"/>
+              <a:t>.</a:t>
+            </a:r>
             <a:endParaRPr lang="en-US" dirty="0"/>
           </a:p>
         </p:txBody>
@@ -9228,7 +9242,7 @@
           <a:p>
             <a:r>
               <a:rPr lang="en-US" dirty="0" smtClean="0"/>
-              <a:t>File IO: File Operations Examples</a:t>
+              <a:t>Error Handling</a:t>
             </a:r>
             <a:endParaRPr lang="en-US" dirty="0"/>
           </a:p>
@@ -9237,77 +9251,7 @@
     </p:spTree>
     <p:extLst>
       <p:ext uri="{BB962C8B-B14F-4D97-AF65-F5344CB8AC3E}">
-        <p14:creationId xmlns:p14="http://schemas.microsoft.com/office/powerpoint/2010/main" val="347953696"/>
-      </p:ext>
-    </p:extLst>
-  </p:cSld>
-  <p:clrMapOvr>
-    <a:masterClrMapping/>
-  </p:clrMapOvr>
-  <p:timing>
-    <p:tnLst>
-      <p:par>
-        <p:cTn id="1" dur="indefinite" restart="never" nodeType="tmRoot"/>
-      </p:par>
-    </p:tnLst>
-  </p:timing>
-</p:sld>
-</file>
-
-<file path=ppt/slides/slide105.xml><?xml version="1.0" encoding="utf-8"?>
-<p:sld xmlns:a="http://schemas.openxmlformats.org/drawingml/2006/main" xmlns:r="http://schemas.openxmlformats.org/officeDocument/2006/relationships" xmlns:p="http://schemas.openxmlformats.org/presentationml/2006/main">
-  <p:cSld>
-    <p:spTree>
-      <p:nvGrpSpPr>
-        <p:cNvPr id="1" name=""/>
-        <p:cNvGrpSpPr/>
-        <p:nvPr/>
-      </p:nvGrpSpPr>
-      <p:grpSpPr>
-        <a:xfrm>
-          <a:off x="0" y="0"/>
-          <a:ext cx="0" cy="0"/>
-          <a:chOff x="0" y="0"/>
-          <a:chExt cx="0" cy="0"/>
-        </a:xfrm>
-      </p:grpSpPr>
-      <p:sp>
-        <p:nvSpPr>
-          <p:cNvPr id="4" name="Title 3"/>
-          <p:cNvSpPr>
-            <a:spLocks noGrp="1"/>
-          </p:cNvSpPr>
-          <p:nvPr>
-            <p:ph type="title"/>
-          </p:nvPr>
-        </p:nvSpPr>
-        <p:spPr/>
-        <p:txBody>
-          <a:bodyPr>
-            <a:normAutofit/>
-          </a:bodyPr>
-          <a:lstStyle/>
-          <a:p>
-            <a:r>
-              <a:rPr lang="en-US" dirty="0" smtClean="0">
-                <a:solidFill>
-                  <a:srgbClr val="C4A174"/>
-                </a:solidFill>
-              </a:rPr>
-              <a:t>Exercise:</a:t>
-            </a:r>
-            <a:r>
-              <a:rPr lang="en-US" dirty="0" smtClean="0"/>
-              <a:t> File Operations</a:t>
-            </a:r>
-            <a:endParaRPr lang="en-US" dirty="0"/>
-          </a:p>
-        </p:txBody>
-      </p:sp>
-    </p:spTree>
-    <p:extLst>
-      <p:ext uri="{BB962C8B-B14F-4D97-AF65-F5344CB8AC3E}">
-        <p14:creationId xmlns:p14="http://schemas.microsoft.com/office/powerpoint/2010/main" val="1034857759"/>
+        <p14:creationId xmlns:p14="http://schemas.microsoft.com/office/powerpoint/2010/main" val="906518440"/>
       </p:ext>
     </p:extLst>
   </p:cSld>
@@ -9351,140 +9295,6 @@
       </p:grpSpPr>
       <p:sp>
         <p:nvSpPr>
-          <p:cNvPr id="4" name="Content Placeholder 3"/>
-          <p:cNvSpPr>
-            <a:spLocks noGrp="1"/>
-          </p:cNvSpPr>
-          <p:nvPr>
-            <p:ph idx="1"/>
-          </p:nvPr>
-        </p:nvSpPr>
-        <p:spPr/>
-        <p:txBody>
-          <a:bodyPr>
-            <a:normAutofit fontScale="92500" lnSpcReduction="10000"/>
-          </a:bodyPr>
-          <a:lstStyle/>
-          <a:p>
-            <a:r>
-              <a:rPr lang="en-US" dirty="0" smtClean="0"/>
-              <a:t>What happens when our application encounters an error?</a:t>
-            </a:r>
-          </a:p>
-          <a:p>
-            <a:r>
-              <a:rPr lang="en-US" dirty="0" smtClean="0"/>
-              <a:t>What can we do to prevent our application crashing?</a:t>
-            </a:r>
-          </a:p>
-          <a:p>
-            <a:r>
-              <a:rPr lang="en-US" dirty="0" smtClean="0"/>
-              <a:t>try…except…finally</a:t>
-            </a:r>
-          </a:p>
-          <a:p>
-            <a:pPr lvl="1"/>
-            <a:r>
-              <a:rPr lang="en-US" dirty="0" smtClean="0"/>
-              <a:t>try block tells the interpreter that the following code may cause an error</a:t>
-            </a:r>
-          </a:p>
-          <a:p>
-            <a:pPr lvl="1"/>
-            <a:r>
-              <a:rPr lang="en-US" dirty="0" smtClean="0"/>
-              <a:t>except blocks tell the interpreter what kind of errors should be expected and what to do when they occur. This is called ‘catching’ the exception.</a:t>
-            </a:r>
-          </a:p>
-          <a:p>
-            <a:pPr lvl="1"/>
-            <a:r>
-              <a:rPr lang="en-US" dirty="0" smtClean="0"/>
-              <a:t>finally block tells the interpreter what to do next, </a:t>
-            </a:r>
-            <a:r>
-              <a:rPr lang="en-US" i="1" dirty="0" smtClean="0"/>
-              <a:t>whether or not an error occurred</a:t>
-            </a:r>
-            <a:r>
-              <a:rPr lang="en-US" dirty="0" smtClean="0"/>
-              <a:t>.</a:t>
-            </a:r>
-            <a:endParaRPr lang="en-US" dirty="0"/>
-          </a:p>
-        </p:txBody>
-      </p:sp>
-      <p:sp>
-        <p:nvSpPr>
-          <p:cNvPr id="3" name="Title 2"/>
-          <p:cNvSpPr>
-            <a:spLocks noGrp="1"/>
-          </p:cNvSpPr>
-          <p:nvPr>
-            <p:ph type="title"/>
-          </p:nvPr>
-        </p:nvSpPr>
-        <p:spPr/>
-        <p:txBody>
-          <a:bodyPr/>
-          <a:lstStyle/>
-          <a:p>
-            <a:r>
-              <a:rPr lang="en-US" dirty="0" smtClean="0"/>
-              <a:t>Error Handling</a:t>
-            </a:r>
-            <a:endParaRPr lang="en-US" dirty="0"/>
-          </a:p>
-        </p:txBody>
-      </p:sp>
-    </p:spTree>
-    <p:extLst>
-      <p:ext uri="{BB962C8B-B14F-4D97-AF65-F5344CB8AC3E}">
-        <p14:creationId xmlns:p14="http://schemas.microsoft.com/office/powerpoint/2010/main" val="906518440"/>
-      </p:ext>
-    </p:extLst>
-  </p:cSld>
-  <p:clrMapOvr>
-    <a:masterClrMapping/>
-  </p:clrMapOvr>
-  <p:timing>
-    <p:tnLst>
-      <p:par>
-        <p:cTn id="1" dur="indefinite" restart="never" nodeType="tmRoot"/>
-      </p:par>
-    </p:tnLst>
-  </p:timing>
-</p:sld>
-</file>
-
-<file path=ppt/slides/slide107.xml><?xml version="1.0" encoding="utf-8"?>
-<p:sld xmlns:a="http://schemas.openxmlformats.org/drawingml/2006/main" xmlns:r="http://schemas.openxmlformats.org/officeDocument/2006/relationships" xmlns:p="http://schemas.openxmlformats.org/presentationml/2006/main">
-  <p:cSld>
-    <p:bg>
-      <p:bgPr>
-        <a:solidFill>
-          <a:schemeClr val="bg1"/>
-        </a:solidFill>
-        <a:effectLst/>
-      </p:bgPr>
-    </p:bg>
-    <p:spTree>
-      <p:nvGrpSpPr>
-        <p:cNvPr id="1" name=""/>
-        <p:cNvGrpSpPr/>
-        <p:nvPr/>
-      </p:nvGrpSpPr>
-      <p:grpSpPr>
-        <a:xfrm>
-          <a:off x="0" y="0"/>
-          <a:ext cx="0" cy="0"/>
-          <a:chOff x="0" y="0"/>
-          <a:chExt cx="0" cy="0"/>
-        </a:xfrm>
-      </p:grpSpPr>
-      <p:sp>
-        <p:nvSpPr>
           <p:cNvPr id="3" name="Title 2"/>
           <p:cNvSpPr>
             <a:spLocks noGrp="1"/>
@@ -9621,7 +9431,7 @@
 </p:sld>
 </file>
 
-<file path=ppt/slides/slide108.xml><?xml version="1.0" encoding="utf-8"?>
+<file path=ppt/slides/slide107.xml><?xml version="1.0" encoding="utf-8"?>
 <p:sld xmlns:a="http://schemas.openxmlformats.org/drawingml/2006/main" xmlns:r="http://schemas.openxmlformats.org/officeDocument/2006/relationships" xmlns:p="http://schemas.openxmlformats.org/presentationml/2006/main">
   <p:cSld>
     <p:spTree>
@@ -9675,6 +9485,148 @@
     <p:extLst>
       <p:ext uri="{BB962C8B-B14F-4D97-AF65-F5344CB8AC3E}">
         <p14:creationId xmlns:p14="http://schemas.microsoft.com/office/powerpoint/2010/main" val="1892705950"/>
+      </p:ext>
+    </p:extLst>
+  </p:cSld>
+  <p:clrMapOvr>
+    <a:masterClrMapping/>
+  </p:clrMapOvr>
+  <p:timing>
+    <p:tnLst>
+      <p:par>
+        <p:cTn id="1" dur="indefinite" restart="never" nodeType="tmRoot"/>
+      </p:par>
+    </p:tnLst>
+  </p:timing>
+</p:sld>
+</file>
+
+<file path=ppt/slides/slide108.xml><?xml version="1.0" encoding="utf-8"?>
+<p:sld xmlns:a="http://schemas.openxmlformats.org/drawingml/2006/main" xmlns:r="http://schemas.openxmlformats.org/officeDocument/2006/relationships" xmlns:p="http://schemas.openxmlformats.org/presentationml/2006/main">
+  <p:cSld>
+    <p:bg>
+      <p:bgPr>
+        <a:solidFill>
+          <a:schemeClr val="bg1"/>
+        </a:solidFill>
+        <a:effectLst/>
+      </p:bgPr>
+    </p:bg>
+    <p:spTree>
+      <p:nvGrpSpPr>
+        <p:cNvPr id="1" name=""/>
+        <p:cNvGrpSpPr/>
+        <p:nvPr/>
+      </p:nvGrpSpPr>
+      <p:grpSpPr>
+        <a:xfrm>
+          <a:off x="0" y="0"/>
+          <a:ext cx="0" cy="0"/>
+          <a:chOff x="0" y="0"/>
+          <a:chExt cx="0" cy="0"/>
+        </a:xfrm>
+      </p:grpSpPr>
+      <p:sp>
+        <p:nvSpPr>
+          <p:cNvPr id="4" name="Content Placeholder 3"/>
+          <p:cNvSpPr>
+            <a:spLocks noGrp="1"/>
+          </p:cNvSpPr>
+          <p:nvPr>
+            <p:ph idx="1"/>
+          </p:nvPr>
+        </p:nvSpPr>
+        <p:spPr/>
+        <p:txBody>
+          <a:bodyPr>
+            <a:normAutofit lnSpcReduction="10000"/>
+          </a:bodyPr>
+          <a:lstStyle/>
+          <a:p>
+            <a:r>
+              <a:rPr lang="en-US" dirty="0" smtClean="0"/>
+              <a:t>What is a thread?</a:t>
+            </a:r>
+          </a:p>
+          <a:p>
+            <a:pPr lvl="1"/>
+            <a:r>
+              <a:rPr lang="en-US" dirty="0" smtClean="0"/>
+              <a:t>“…an activity that is run in a separate thread of control.”</a:t>
+            </a:r>
+          </a:p>
+          <a:p>
+            <a:pPr lvl="1"/>
+            <a:r>
+              <a:rPr lang="en-US" dirty="0" smtClean="0"/>
+              <a:t>Every Python program has a “main thread” or initial thread of control</a:t>
+            </a:r>
+          </a:p>
+          <a:p>
+            <a:pPr lvl="1"/>
+            <a:r>
+              <a:rPr lang="en-US" dirty="0" smtClean="0"/>
+              <a:t>Once started, a thread continues until its run() method terminates</a:t>
+            </a:r>
+          </a:p>
+          <a:p>
+            <a:pPr lvl="2"/>
+            <a:r>
+              <a:rPr lang="en-US" dirty="0" smtClean="0"/>
+              <a:t>Either normally or via unhandled exception</a:t>
+            </a:r>
+          </a:p>
+          <a:p>
+            <a:pPr lvl="1"/>
+            <a:r>
+              <a:rPr lang="en-US" dirty="0" smtClean="0"/>
+              <a:t>Threads can block other threads</a:t>
+            </a:r>
+          </a:p>
+          <a:p>
+            <a:pPr lvl="1"/>
+            <a:r>
+              <a:rPr lang="en-US" dirty="0" smtClean="0"/>
+              <a:t>Threads can signal other threads</a:t>
+            </a:r>
+          </a:p>
+          <a:p>
+            <a:pPr lvl="1"/>
+            <a:r>
+              <a:rPr lang="en-US" dirty="0" smtClean="0"/>
+              <a:t>Threads can be interrogated to see if they’re running</a:t>
+            </a:r>
+            <a:endParaRPr lang="en-US" dirty="0"/>
+          </a:p>
+        </p:txBody>
+      </p:sp>
+      <p:sp>
+        <p:nvSpPr>
+          <p:cNvPr id="3" name="Title 2"/>
+          <p:cNvSpPr>
+            <a:spLocks noGrp="1"/>
+          </p:cNvSpPr>
+          <p:nvPr>
+            <p:ph type="title"/>
+          </p:nvPr>
+        </p:nvSpPr>
+        <p:spPr/>
+        <p:txBody>
+          <a:bodyPr/>
+          <a:lstStyle/>
+          <a:p>
+            <a:r>
+              <a:rPr lang="en-US" dirty="0" smtClean="0"/>
+              <a:t>Threading</a:t>
+            </a:r>
+            <a:endParaRPr lang="en-US" dirty="0"/>
+          </a:p>
+        </p:txBody>
+      </p:sp>
+    </p:spTree>
+    <p:extLst>
+      <p:ext uri="{BB962C8B-B14F-4D97-AF65-F5344CB8AC3E}">
+        <p14:creationId xmlns:p14="http://schemas.microsoft.com/office/powerpoint/2010/main" val="4107860098"/>
       </p:ext>
     </p:extLst>
   </p:cSld>
@@ -9735,56 +9687,117 @@
           <a:p>
             <a:r>
               <a:rPr lang="en-US" dirty="0" smtClean="0"/>
-              <a:t>What is a thread?</a:t>
+              <a:t>Creating a thread</a:t>
             </a:r>
           </a:p>
           <a:p>
             <a:pPr lvl="1"/>
             <a:r>
+              <a:rPr lang="en-US" dirty="0" err="1" smtClean="0"/>
+              <a:t>thread.start_new_thread</a:t>
+            </a:r>
+            <a:r>
               <a:rPr lang="en-US" dirty="0" smtClean="0"/>
-              <a:t>“…an activity that is run in a separate thread of control.”</a:t>
+              <a:t>(</a:t>
+            </a:r>
+            <a:r>
+              <a:rPr lang="en-US" i="1" dirty="0" smtClean="0"/>
+              <a:t>function, </a:t>
+            </a:r>
+            <a:r>
+              <a:rPr lang="en-US" i="1" dirty="0" err="1" smtClean="0"/>
+              <a:t>args</a:t>
+            </a:r>
+            <a:r>
+              <a:rPr lang="en-US" i="1" dirty="0" smtClean="0"/>
+              <a:t>[, </a:t>
+            </a:r>
+            <a:r>
+              <a:rPr lang="en-US" i="1" dirty="0" err="1" smtClean="0"/>
+              <a:t>kwargs</a:t>
+            </a:r>
+            <a:r>
+              <a:rPr lang="en-US" i="1" dirty="0" smtClean="0"/>
+              <a:t>]</a:t>
+            </a:r>
+            <a:r>
+              <a:rPr lang="en-US" dirty="0" smtClean="0"/>
+              <a:t>)</a:t>
+            </a:r>
+          </a:p>
+          <a:p>
+            <a:pPr lvl="2"/>
+            <a:r>
+              <a:rPr lang="en-US" dirty="0" smtClean="0"/>
+              <a:t>Runs until the function returns or terminates due to an unhandled exception</a:t>
+            </a:r>
+          </a:p>
+          <a:p>
+            <a:pPr lvl="2"/>
+            <a:r>
+              <a:rPr lang="en-US" i="1" dirty="0" err="1" smtClean="0"/>
+              <a:t>args</a:t>
+            </a:r>
+            <a:r>
+              <a:rPr lang="en-US" i="1" dirty="0" smtClean="0"/>
+              <a:t> </a:t>
+            </a:r>
+            <a:r>
+              <a:rPr lang="en-US" dirty="0" smtClean="0"/>
+              <a:t>is a tuple of arguments – use an empty tuple for functions with no arguments</a:t>
+            </a:r>
+          </a:p>
+          <a:p>
+            <a:pPr lvl="2"/>
+            <a:r>
+              <a:rPr lang="en-US" dirty="0" smtClean="0"/>
+              <a:t>Returns the thread identifier</a:t>
             </a:r>
           </a:p>
           <a:p>
             <a:pPr lvl="1"/>
             <a:r>
+              <a:rPr lang="en-US" dirty="0" err="1" smtClean="0"/>
+              <a:t>threading.Thread</a:t>
+            </a:r>
+            <a:endParaRPr lang="en-US" dirty="0" smtClean="0"/>
+          </a:p>
+          <a:p>
+            <a:pPr lvl="2"/>
+            <a:r>
               <a:rPr lang="en-US" dirty="0" smtClean="0"/>
-              <a:t>Every Python program has a “main thread” or initial thread of control</a:t>
-            </a:r>
-          </a:p>
-          <a:p>
-            <a:pPr lvl="1"/>
+              <a:t>Provide a callable object to the constructor</a:t>
+            </a:r>
+          </a:p>
+          <a:p>
+            <a:pPr lvl="2"/>
             <a:r>
               <a:rPr lang="en-US" dirty="0" smtClean="0"/>
-              <a:t>Once started, a thread continues until its run() method terminates</a:t>
-            </a:r>
-          </a:p>
-          <a:p>
-            <a:pPr lvl="2"/>
+              <a:t>Subclass and override </a:t>
+            </a:r>
+            <a:r>
+              <a:rPr lang="en-US" i="1" dirty="0" smtClean="0"/>
+              <a:t>run() </a:t>
+            </a:r>
             <a:r>
               <a:rPr lang="en-US" dirty="0" smtClean="0"/>
-              <a:t>Either normally or via unhandled exception</a:t>
-            </a:r>
-          </a:p>
-          <a:p>
-            <a:pPr lvl="1"/>
+              <a:t>and </a:t>
+            </a:r>
+            <a:r>
+              <a:rPr lang="en-US" i="1" dirty="0" smtClean="0"/>
+              <a:t>__</a:t>
+            </a:r>
+            <a:r>
+              <a:rPr lang="en-US" i="1" dirty="0" err="1" smtClean="0"/>
+              <a:t>init</a:t>
+            </a:r>
+            <a:r>
+              <a:rPr lang="en-US" i="1" dirty="0" smtClean="0"/>
+              <a:t>__</a:t>
+            </a:r>
             <a:r>
               <a:rPr lang="en-US" dirty="0" smtClean="0"/>
-              <a:t>Threads can block other threads</a:t>
-            </a:r>
-          </a:p>
-          <a:p>
-            <a:pPr lvl="1"/>
-            <a:r>
-              <a:rPr lang="en-US" dirty="0" smtClean="0"/>
-              <a:t>Threads can signal other threads</a:t>
-            </a:r>
-          </a:p>
-          <a:p>
-            <a:pPr lvl="1"/>
-            <a:r>
-              <a:rPr lang="en-US" dirty="0" smtClean="0"/>
-              <a:t>Threads can be interrogated to see if they’re running</a:t>
+              <a:t>() methods</a:t>
             </a:r>
             <a:endParaRPr lang="en-US" dirty="0"/>
           </a:p>
@@ -9807,7 +9820,7 @@
           <a:p>
             <a:r>
               <a:rPr lang="en-US" dirty="0" smtClean="0"/>
-              <a:t>Threading</a:t>
+              <a:t>Threading: Creation</a:t>
             </a:r>
             <a:endParaRPr lang="en-US" dirty="0"/>
           </a:p>
@@ -9816,7 +9829,7 @@
     </p:spTree>
     <p:extLst>
       <p:ext uri="{BB962C8B-B14F-4D97-AF65-F5344CB8AC3E}">
-        <p14:creationId xmlns:p14="http://schemas.microsoft.com/office/powerpoint/2010/main" val="4107860098"/>
+        <p14:creationId xmlns:p14="http://schemas.microsoft.com/office/powerpoint/2010/main" val="1216512238"/>
       </p:ext>
     </p:extLst>
   </p:cSld>
@@ -10633,123 +10646,105 @@
         <p:spPr/>
         <p:txBody>
           <a:bodyPr>
-            <a:normAutofit lnSpcReduction="10000"/>
+            <a:normAutofit fontScale="92500" lnSpcReduction="20000"/>
           </a:bodyPr>
           <a:lstStyle/>
           <a:p>
             <a:r>
               <a:rPr lang="en-US" dirty="0" smtClean="0"/>
-              <a:t>Creating a thread</a:t>
+              <a:t>Waiting for another thread to finish</a:t>
             </a:r>
           </a:p>
           <a:p>
             <a:pPr lvl="1"/>
             <a:r>
+              <a:rPr lang="en-US" dirty="0" smtClean="0"/>
+              <a:t>Often we require another thread to complete before we can continue</a:t>
+            </a:r>
+          </a:p>
+          <a:p>
+            <a:pPr lvl="1"/>
+            <a:r>
+              <a:rPr lang="en-US" dirty="0" smtClean="0"/>
+              <a:t>Usually we want to restrict the amount of time we wait before making a decision</a:t>
+            </a:r>
+          </a:p>
+          <a:p>
+            <a:pPr lvl="1"/>
+            <a:r>
               <a:rPr lang="en-US" dirty="0" err="1" smtClean="0"/>
-              <a:t>thread.start_new_thread</a:t>
+              <a:t>Thread.join</a:t>
             </a:r>
             <a:r>
               <a:rPr lang="en-US" dirty="0" smtClean="0"/>
-              <a:t>(</a:t>
+              <a:t>([</a:t>
             </a:r>
             <a:r>
               <a:rPr lang="en-US" i="1" dirty="0" smtClean="0"/>
-              <a:t>function, </a:t>
+              <a:t>timeout</a:t>
+            </a:r>
+            <a:r>
+              <a:rPr lang="en-US" dirty="0" smtClean="0"/>
+              <a:t>])</a:t>
+            </a:r>
+          </a:p>
+          <a:p>
+            <a:pPr lvl="2"/>
+            <a:r>
+              <a:rPr lang="en-US" dirty="0" smtClean="0"/>
+              <a:t>Makes the current thread wait until the referenced thread object terminates</a:t>
+            </a:r>
+          </a:p>
+          <a:p>
+            <a:pPr lvl="2"/>
+            <a:r>
+              <a:rPr lang="en-US" i="1" dirty="0" smtClean="0"/>
+              <a:t>timeout</a:t>
+            </a:r>
+            <a:r>
+              <a:rPr lang="en-US" dirty="0" smtClean="0"/>
+              <a:t> is a floating point number representing the number of seconds the current thread should be blocked for</a:t>
+            </a:r>
+          </a:p>
+          <a:p>
+            <a:pPr lvl="2"/>
+            <a:r>
+              <a:rPr lang="en-US" dirty="0" smtClean="0"/>
+              <a:t>Does not return so you must call </a:t>
             </a:r>
             <a:r>
               <a:rPr lang="en-US" i="1" dirty="0" err="1" smtClean="0"/>
-              <a:t>args</a:t>
+              <a:t>isAlive</a:t>
             </a:r>
             <a:r>
               <a:rPr lang="en-US" i="1" dirty="0" smtClean="0"/>
-              <a:t>[, </a:t>
-            </a:r>
-            <a:r>
-              <a:rPr lang="en-US" i="1" dirty="0" err="1" smtClean="0"/>
-              <a:t>kwargs</a:t>
-            </a:r>
-            <a:r>
-              <a:rPr lang="en-US" i="1" dirty="0" smtClean="0"/>
-              <a:t>]</a:t>
+              <a:t>()</a:t>
             </a:r>
             <a:r>
               <a:rPr lang="en-US" dirty="0" smtClean="0"/>
-              <a:t>)</a:t>
+              <a:t> when the calling thread resumes to determine if a timeout occurred</a:t>
             </a:r>
           </a:p>
           <a:p>
             <a:pPr lvl="2"/>
             <a:r>
               <a:rPr lang="en-US" dirty="0" smtClean="0"/>
-              <a:t>Runs until the function returns or terminates due to an unhandled exception</a:t>
+              <a:t>A thread can be joined many times</a:t>
             </a:r>
           </a:p>
           <a:p>
             <a:pPr lvl="2"/>
             <a:r>
-              <a:rPr lang="en-US" i="1" dirty="0" err="1" smtClean="0"/>
-              <a:t>args</a:t>
-            </a:r>
-            <a:r>
-              <a:rPr lang="en-US" i="1" dirty="0" smtClean="0"/>
+              <a:rPr lang="en-US" dirty="0" smtClean="0"/>
+              <a:t>Raises </a:t>
+            </a:r>
+            <a:r>
+              <a:rPr lang="en-US" dirty="0" err="1" smtClean="0"/>
+              <a:t>RuntimeError</a:t>
+            </a:r>
+            <a:r>
+              <a:rPr lang="en-US" dirty="0" smtClean="0"/>
               <a:t> </a:t>
-            </a:r>
-            <a:r>
-              <a:rPr lang="en-US" dirty="0" smtClean="0"/>
-              <a:t>is a tuple of arguments – use an empty tuple for functions with no arguments</a:t>
-            </a:r>
-          </a:p>
-          <a:p>
-            <a:pPr lvl="2"/>
-            <a:r>
-              <a:rPr lang="en-US" dirty="0" smtClean="0"/>
-              <a:t>Returns the thread identifier</a:t>
-            </a:r>
-          </a:p>
-          <a:p>
-            <a:pPr lvl="1"/>
-            <a:r>
-              <a:rPr lang="en-US" dirty="0" err="1" smtClean="0"/>
-              <a:t>threading.Thread</a:t>
-            </a:r>
-            <a:endParaRPr lang="en-US" dirty="0" smtClean="0"/>
-          </a:p>
-          <a:p>
-            <a:pPr lvl="2"/>
-            <a:r>
-              <a:rPr lang="en-US" dirty="0" smtClean="0"/>
-              <a:t>Provide a callable object to the constructor</a:t>
-            </a:r>
-          </a:p>
-          <a:p>
-            <a:pPr lvl="2"/>
-            <a:r>
-              <a:rPr lang="en-US" dirty="0" smtClean="0"/>
-              <a:t>Subclass and override </a:t>
-            </a:r>
-            <a:r>
-              <a:rPr lang="en-US" i="1" dirty="0" smtClean="0"/>
-              <a:t>run() </a:t>
-            </a:r>
-            <a:r>
-              <a:rPr lang="en-US" dirty="0" smtClean="0"/>
-              <a:t>and </a:t>
-            </a:r>
-            <a:r>
-              <a:rPr lang="en-US" i="1" dirty="0" smtClean="0"/>
-              <a:t>__</a:t>
-            </a:r>
-            <a:r>
-              <a:rPr lang="en-US" i="1" dirty="0" err="1" smtClean="0"/>
-              <a:t>init</a:t>
-            </a:r>
-            <a:r>
-              <a:rPr lang="en-US" i="1" dirty="0" smtClean="0"/>
-              <a:t>__</a:t>
-            </a:r>
-            <a:r>
-              <a:rPr lang="en-US" dirty="0" smtClean="0"/>
-              <a:t>() methods</a:t>
             </a:r>
             <a:endParaRPr lang="en-US" dirty="0"/>
           </a:p>
@@ -10772,7 +10767,7 @@
           <a:p>
             <a:r>
               <a:rPr lang="en-US" dirty="0" smtClean="0"/>
-              <a:t>Threading: Creation</a:t>
+              <a:t>Threading: Blocking</a:t>
             </a:r>
             <a:endParaRPr lang="en-US" dirty="0"/>
           </a:p>
@@ -10781,7 +10776,7 @@
     </p:spTree>
     <p:extLst>
       <p:ext uri="{BB962C8B-B14F-4D97-AF65-F5344CB8AC3E}">
-        <p14:creationId xmlns:p14="http://schemas.microsoft.com/office/powerpoint/2010/main" val="1216512238"/>
+        <p14:creationId xmlns:p14="http://schemas.microsoft.com/office/powerpoint/2010/main" val="1171126260"/>
       </p:ext>
     </p:extLst>
   </p:cSld>
@@ -10836,106 +10831,59 @@
         <p:spPr/>
         <p:txBody>
           <a:bodyPr>
-            <a:normAutofit fontScale="92500" lnSpcReduction="20000"/>
+            <a:normAutofit lnSpcReduction="10000"/>
           </a:bodyPr>
           <a:lstStyle/>
           <a:p>
             <a:r>
               <a:rPr lang="en-US" dirty="0" smtClean="0"/>
-              <a:t>Waiting for another thread to finish</a:t>
+              <a:t>What happens when more than one thread may wish to interact with another?</a:t>
+            </a:r>
+          </a:p>
+          <a:p>
+            <a:r>
+              <a:rPr lang="en-US" dirty="0" smtClean="0"/>
+              <a:t>Lock objects</a:t>
             </a:r>
           </a:p>
           <a:p>
             <a:pPr lvl="1"/>
             <a:r>
               <a:rPr lang="en-US" dirty="0" smtClean="0"/>
-              <a:t>Often we require another thread to complete before we can continue</a:t>
+              <a:t>A lock can be either ‘locked’ or ‘unlocked’</a:t>
             </a:r>
           </a:p>
           <a:p>
             <a:pPr lvl="1"/>
             <a:r>
               <a:rPr lang="en-US" dirty="0" smtClean="0"/>
-              <a:t>Usually we want to restrict the amount of time we wait before making a decision</a:t>
+              <a:t>When locked, blocks until a call to release in another thread unlocks it</a:t>
+            </a:r>
+          </a:p>
+          <a:p>
+            <a:r>
+              <a:rPr lang="en-US" dirty="0" smtClean="0"/>
+              <a:t>Semaphore objects</a:t>
             </a:r>
           </a:p>
           <a:p>
             <a:pPr lvl="1"/>
             <a:r>
-              <a:rPr lang="en-US" dirty="0" err="1" smtClean="0"/>
-              <a:t>Thread.join</a:t>
-            </a:r>
-            <a:r>
               <a:rPr lang="en-US" dirty="0" smtClean="0"/>
-              <a:t>([</a:t>
-            </a:r>
-            <a:r>
-              <a:rPr lang="en-US" i="1" dirty="0" smtClean="0"/>
-              <a:t>timeout</a:t>
-            </a:r>
+              <a:t>Uses a counter to blocking state</a:t>
+            </a:r>
+          </a:p>
+          <a:p>
+            <a:pPr lvl="1"/>
             <a:r>
               <a:rPr lang="en-US" dirty="0" smtClean="0"/>
-              <a:t>])</a:t>
-            </a:r>
-          </a:p>
-          <a:p>
-            <a:pPr lvl="2"/>
-            <a:r>
-              <a:rPr lang="en-US" dirty="0" smtClean="0"/>
-              <a:t>Makes the current thread wait until the referenced thread object terminates</a:t>
-            </a:r>
-          </a:p>
-          <a:p>
-            <a:pPr lvl="2"/>
-            <a:r>
-              <a:rPr lang="en-US" i="1" dirty="0" smtClean="0"/>
-              <a:t>timeout</a:t>
-            </a:r>
-            <a:r>
-              <a:rPr lang="en-US" dirty="0" smtClean="0"/>
-              <a:t> is a floating point number representing the number of seconds the current thread should be blocked for</a:t>
-            </a:r>
-          </a:p>
-          <a:p>
-            <a:pPr lvl="2"/>
-            <a:r>
-              <a:rPr lang="en-US" dirty="0" smtClean="0"/>
-              <a:t>Does not return so you must call </a:t>
-            </a:r>
-            <a:r>
-              <a:rPr lang="en-US" i="1" dirty="0" err="1" smtClean="0"/>
-              <a:t>isAlive</a:t>
-            </a:r>
-            <a:r>
-              <a:rPr lang="en-US" i="1" dirty="0" smtClean="0"/>
-              <a:t>()</a:t>
-            </a:r>
-            <a:r>
-              <a:rPr lang="en-US" dirty="0" smtClean="0"/>
-              <a:t> when the calling thread resumes to determine if a timeout occurred</a:t>
-            </a:r>
-          </a:p>
-          <a:p>
-            <a:pPr lvl="2"/>
-            <a:r>
-              <a:rPr lang="en-US" dirty="0" smtClean="0"/>
-              <a:t>A thread can be joined many times</a:t>
-            </a:r>
-          </a:p>
-          <a:p>
-            <a:pPr lvl="2"/>
-            <a:r>
-              <a:rPr lang="en-US" dirty="0" smtClean="0"/>
-              <a:t>Raises </a:t>
-            </a:r>
-            <a:r>
-              <a:rPr lang="en-US" dirty="0" err="1" smtClean="0"/>
-              <a:t>RuntimeError</a:t>
-            </a:r>
-            <a:r>
-              <a:rPr lang="en-US" dirty="0" smtClean="0"/>
-              <a:t> </a:t>
-            </a:r>
+              <a:t>Used to guard limited resources, e.g. databases</a:t>
+            </a:r>
+          </a:p>
+          <a:p>
+            <a:endParaRPr lang="en-US" dirty="0" smtClean="0"/>
+          </a:p>
+          <a:p>
             <a:endParaRPr lang="en-US" dirty="0"/>
           </a:p>
         </p:txBody>
@@ -10957,7 +10905,7 @@
           <a:p>
             <a:r>
               <a:rPr lang="en-US" dirty="0" smtClean="0"/>
-              <a:t>Threading: Blocking</a:t>
+              <a:t>Threading: Locking</a:t>
             </a:r>
             <a:endParaRPr lang="en-US" dirty="0"/>
           </a:p>
@@ -10966,7 +10914,7 @@
     </p:spTree>
     <p:extLst>
       <p:ext uri="{BB962C8B-B14F-4D97-AF65-F5344CB8AC3E}">
-        <p14:creationId xmlns:p14="http://schemas.microsoft.com/office/powerpoint/2010/main" val="1171126260"/>
+        <p14:creationId xmlns:p14="http://schemas.microsoft.com/office/powerpoint/2010/main" val="1035738185"/>
       </p:ext>
     </p:extLst>
   </p:cSld>
@@ -11020,60 +10968,64 @@
         </p:nvSpPr>
         <p:spPr/>
         <p:txBody>
-          <a:bodyPr>
-            <a:normAutofit lnSpcReduction="10000"/>
-          </a:bodyPr>
+          <a:bodyPr/>
           <a:lstStyle/>
           <a:p>
             <a:r>
               <a:rPr lang="en-US" dirty="0" smtClean="0"/>
-              <a:t>What happens when more than one thread may wish to interact with another?</a:t>
+              <a:t>What do we do if we want one thread to communicate with another?</a:t>
             </a:r>
           </a:p>
           <a:p>
             <a:r>
               <a:rPr lang="en-US" dirty="0" smtClean="0"/>
-              <a:t>Lock objects</a:t>
+              <a:t>Event objects</a:t>
             </a:r>
           </a:p>
           <a:p>
             <a:pPr lvl="1"/>
             <a:r>
               <a:rPr lang="en-US" dirty="0" smtClean="0"/>
-              <a:t>A lock can be either ‘locked’ or ‘unlocked’</a:t>
-            </a:r>
+              <a:t>Uses an internal flag that can be </a:t>
+            </a:r>
+            <a:r>
+              <a:rPr lang="en-US" i="1" dirty="0" smtClean="0"/>
+              <a:t>set()</a:t>
+            </a:r>
+            <a:r>
+              <a:rPr lang="en-US" dirty="0" smtClean="0"/>
+              <a:t> or </a:t>
+            </a:r>
+            <a:r>
+              <a:rPr lang="en-US" i="1" dirty="0" smtClean="0"/>
+              <a:t>clear()</a:t>
+            </a:r>
+            <a:r>
+              <a:rPr lang="en-US" dirty="0" err="1" smtClean="0"/>
+              <a:t>ed</a:t>
+            </a:r>
+            <a:endParaRPr lang="en-US" dirty="0" smtClean="0"/>
           </a:p>
           <a:p>
             <a:pPr lvl="1"/>
             <a:r>
+              <a:rPr lang="en-US" i="1" dirty="0" smtClean="0"/>
+              <a:t>wait([timeout])</a:t>
+            </a:r>
+            <a:r>
               <a:rPr lang="en-US" dirty="0" smtClean="0"/>
-              <a:t>When locked, blocks until a call to release in another thread unlocks it</a:t>
-            </a:r>
-          </a:p>
-          <a:p>
+              <a:t> method blocks until flag is true or until the provided timeout</a:t>
+            </a:r>
+          </a:p>
+          <a:p>
+            <a:pPr lvl="1"/>
             <a:r>
               <a:rPr lang="en-US" dirty="0" smtClean="0"/>
-              <a:t>Semaphore objects</a:t>
+              <a:t>Allows one thread to signal an event for other threads to wait for</a:t>
             </a:r>
           </a:p>
           <a:p>
             <a:pPr lvl="1"/>
-            <a:r>
-              <a:rPr lang="en-US" dirty="0" smtClean="0"/>
-              <a:t>Uses a counter to blocking state</a:t>
-            </a:r>
-          </a:p>
-          <a:p>
-            <a:pPr lvl="1"/>
-            <a:r>
-              <a:rPr lang="en-US" dirty="0" smtClean="0"/>
-              <a:t>Used to guard limited resources, e.g. databases</a:t>
-            </a:r>
-          </a:p>
-          <a:p>
-            <a:endParaRPr lang="en-US" dirty="0" smtClean="0"/>
-          </a:p>
-          <a:p>
             <a:endParaRPr lang="en-US" dirty="0"/>
           </a:p>
         </p:txBody>
@@ -11095,7 +11047,11 @@
           <a:p>
             <a:r>
               <a:rPr lang="en-US" dirty="0" smtClean="0"/>
-              <a:t>Threading: Locking</a:t>
+              <a:t>Threading: </a:t>
+            </a:r>
+            <a:r>
+              <a:rPr lang="en-US" dirty="0" err="1" smtClean="0"/>
+              <a:t>Signalling</a:t>
             </a:r>
             <a:endParaRPr lang="en-US" dirty="0"/>
           </a:p>
@@ -11104,7 +11060,7 @@
     </p:spTree>
     <p:extLst>
       <p:ext uri="{BB962C8B-B14F-4D97-AF65-F5344CB8AC3E}">
-        <p14:creationId xmlns:p14="http://schemas.microsoft.com/office/powerpoint/2010/main" val="1035738185"/>
+        <p14:creationId xmlns:p14="http://schemas.microsoft.com/office/powerpoint/2010/main" val="3543490637"/>
       </p:ext>
     </p:extLst>
   </p:cSld>
@@ -11158,64 +11114,106 @@
         </p:nvSpPr>
         <p:spPr/>
         <p:txBody>
-          <a:bodyPr/>
+          <a:bodyPr>
+            <a:normAutofit lnSpcReduction="10000"/>
+          </a:bodyPr>
           <a:lstStyle/>
           <a:p>
             <a:r>
               <a:rPr lang="en-US" dirty="0" smtClean="0"/>
-              <a:t>What do we do if we want one thread to communicate with another?</a:t>
-            </a:r>
-          </a:p>
-          <a:p>
+              <a:t>Often we will want to create deferred or recurring processes</a:t>
+            </a:r>
+          </a:p>
+          <a:p>
+            <a:r>
+              <a:rPr lang="en-US" dirty="0" err="1" smtClean="0"/>
+              <a:t>threading.Timer</a:t>
+            </a:r>
             <a:r>
               <a:rPr lang="en-US" dirty="0" smtClean="0"/>
-              <a:t>Event objects</a:t>
+              <a:t>(</a:t>
+            </a:r>
+            <a:r>
+              <a:rPr lang="en-US" i="1" dirty="0" smtClean="0"/>
+              <a:t>interval, function, </a:t>
+            </a:r>
+            <a:r>
+              <a:rPr lang="en-US" i="1" dirty="0" err="1" smtClean="0"/>
+              <a:t>args</a:t>
+            </a:r>
+            <a:r>
+              <a:rPr lang="en-US" i="1" dirty="0" smtClean="0"/>
+              <a:t>=[], </a:t>
+            </a:r>
+            <a:r>
+              <a:rPr lang="en-US" i="1" dirty="0" err="1" smtClean="0"/>
+              <a:t>kwargs</a:t>
+            </a:r>
+            <a:r>
+              <a:rPr lang="en-US" i="1" dirty="0" smtClean="0"/>
+              <a:t>={}</a:t>
+            </a:r>
+            <a:r>
+              <a:rPr lang="en-US" dirty="0" smtClean="0"/>
+              <a:t>)</a:t>
             </a:r>
           </a:p>
           <a:p>
             <a:pPr lvl="1"/>
             <a:r>
               <a:rPr lang="en-US" dirty="0" smtClean="0"/>
-              <a:t>Uses an internal flag that can be </a:t>
+              <a:t>Runs </a:t>
             </a:r>
             <a:r>
               <a:rPr lang="en-US" i="1" dirty="0" smtClean="0"/>
-              <a:t>set()</a:t>
+              <a:t>function</a:t>
             </a:r>
             <a:r>
               <a:rPr lang="en-US" dirty="0" smtClean="0"/>
-              <a:t> or </a:t>
+              <a:t> with arguments </a:t>
+            </a:r>
+            <a:r>
+              <a:rPr lang="en-US" i="1" dirty="0" err="1" smtClean="0"/>
+              <a:t>args</a:t>
+            </a:r>
+            <a:r>
+              <a:rPr lang="en-US" dirty="0" smtClean="0"/>
+              <a:t> after </a:t>
             </a:r>
             <a:r>
               <a:rPr lang="en-US" i="1" dirty="0" smtClean="0"/>
-              <a:t>clear()</a:t>
+              <a:t>interval</a:t>
+            </a:r>
+            <a:r>
+              <a:rPr lang="en-US" dirty="0" smtClean="0"/>
+              <a:t> seconds have passed</a:t>
+            </a:r>
+          </a:p>
+          <a:p>
+            <a:pPr lvl="1"/>
+            <a:r>
+              <a:rPr lang="en-US" dirty="0" smtClean="0"/>
+              <a:t>Since it’s a subclass of Thread, the function will either return or raise a </a:t>
             </a:r>
             <a:r>
               <a:rPr lang="en-US" dirty="0" err="1" smtClean="0"/>
-              <a:t>ed</a:t>
+              <a:t>ThreadError</a:t>
             </a:r>
             <a:endParaRPr lang="en-US" dirty="0" smtClean="0"/>
           </a:p>
           <a:p>
             <a:pPr lvl="1"/>
             <a:r>
-              <a:rPr lang="en-US" i="1" dirty="0" smtClean="0"/>
-              <a:t>wait([timeout])</a:t>
-            </a:r>
-            <a:r>
               <a:rPr lang="en-US" dirty="0" smtClean="0"/>
-              <a:t> method blocks until flag is true or until the provided timeout</a:t>
+              <a:t>A simple recurring task can be created by calling the timer again once it’s completed</a:t>
             </a:r>
           </a:p>
           <a:p>
             <a:pPr lvl="1"/>
             <a:r>
               <a:rPr lang="en-US" dirty="0" smtClean="0"/>
-              <a:t>Allows one thread to signal an event for other threads to wait for</a:t>
-            </a:r>
-          </a:p>
-          <a:p>
-            <a:pPr lvl="1"/>
+              <a:t>Don’t reinvent the wheel!</a:t>
+            </a:r>
             <a:endParaRPr lang="en-US" dirty="0"/>
           </a:p>
         </p:txBody>
@@ -11237,11 +11235,7 @@
           <a:p>
             <a:r>
               <a:rPr lang="en-US" dirty="0" smtClean="0"/>
-              <a:t>Threading: </a:t>
-            </a:r>
-            <a:r>
-              <a:rPr lang="en-US" dirty="0" err="1" smtClean="0"/>
-              <a:t>Signalling</a:t>
+              <a:t>Threading: Timers</a:t>
             </a:r>
             <a:endParaRPr lang="en-US" dirty="0"/>
           </a:p>
@@ -11250,7 +11244,7 @@
     </p:spTree>
     <p:extLst>
       <p:ext uri="{BB962C8B-B14F-4D97-AF65-F5344CB8AC3E}">
-        <p14:creationId xmlns:p14="http://schemas.microsoft.com/office/powerpoint/2010/main" val="3543490637"/>
+        <p14:creationId xmlns:p14="http://schemas.microsoft.com/office/powerpoint/2010/main" val="924080095"/>
       </p:ext>
     </p:extLst>
   </p:cSld>
@@ -11304,106 +11298,30 @@
         </p:nvSpPr>
         <p:spPr/>
         <p:txBody>
-          <a:bodyPr>
-            <a:normAutofit lnSpcReduction="10000"/>
-          </a:bodyPr>
+          <a:bodyPr/>
           <a:lstStyle/>
           <a:p>
             <a:r>
               <a:rPr lang="en-US" dirty="0" smtClean="0"/>
-              <a:t>Often we will want to create deferred or recurring processes</a:t>
-            </a:r>
-          </a:p>
-          <a:p>
-            <a:r>
-              <a:rPr lang="en-US" dirty="0" err="1" smtClean="0"/>
-              <a:t>threading.Timer</a:t>
-            </a:r>
+              <a:t>Thread safety</a:t>
+            </a:r>
+          </a:p>
+          <a:p>
+            <a:pPr lvl="1"/>
             <a:r>
               <a:rPr lang="en-US" dirty="0" smtClean="0"/>
-              <a:t>(</a:t>
-            </a:r>
-            <a:r>
-              <a:rPr lang="en-US" i="1" dirty="0" smtClean="0"/>
-              <a:t>interval, function, </a:t>
-            </a:r>
-            <a:r>
-              <a:rPr lang="en-US" i="1" dirty="0" err="1" smtClean="0"/>
-              <a:t>args</a:t>
-            </a:r>
-            <a:r>
-              <a:rPr lang="en-US" i="1" dirty="0" smtClean="0"/>
-              <a:t>=[], </a:t>
-            </a:r>
-            <a:r>
-              <a:rPr lang="en-US" i="1" dirty="0" err="1" smtClean="0"/>
-              <a:t>kwargs</a:t>
-            </a:r>
-            <a:r>
-              <a:rPr lang="en-US" i="1" dirty="0" smtClean="0"/>
-              <a:t>={}</a:t>
-            </a:r>
+              <a:t>Imports are generally safe unless they spawn a new thread and wait for it in any way</a:t>
+            </a:r>
+          </a:p>
+          <a:p>
+            <a:pPr lvl="1"/>
             <a:r>
               <a:rPr lang="en-US" dirty="0" smtClean="0"/>
-              <a:t>)</a:t>
+              <a:t>Debugging synchronization issues is hard</a:t>
             </a:r>
           </a:p>
           <a:p>
             <a:pPr lvl="1"/>
-            <a:r>
-              <a:rPr lang="en-US" dirty="0" smtClean="0"/>
-              <a:t>Runs </a:t>
-            </a:r>
-            <a:r>
-              <a:rPr lang="en-US" i="1" dirty="0" smtClean="0"/>
-              <a:t>function</a:t>
-            </a:r>
-            <a:r>
-              <a:rPr lang="en-US" dirty="0" smtClean="0"/>
-              <a:t> with arguments </a:t>
-            </a:r>
-            <a:r>
-              <a:rPr lang="en-US" i="1" dirty="0" err="1" smtClean="0"/>
-              <a:t>args</a:t>
-            </a:r>
-            <a:r>
-              <a:rPr lang="en-US" dirty="0" smtClean="0"/>
-              <a:t> after </a:t>
-            </a:r>
-            <a:r>
-              <a:rPr lang="en-US" i="1" dirty="0" smtClean="0"/>
-              <a:t>interval</a:t>
-            </a:r>
-            <a:r>
-              <a:rPr lang="en-US" dirty="0" smtClean="0"/>
-              <a:t> seconds have passed</a:t>
-            </a:r>
-          </a:p>
-          <a:p>
-            <a:pPr lvl="1"/>
-            <a:r>
-              <a:rPr lang="en-US" dirty="0" smtClean="0"/>
-              <a:t>Since it’s a subclass of Thread, the function will either return or raise a </a:t>
-            </a:r>
-            <a:r>
-              <a:rPr lang="en-US" dirty="0" err="1" smtClean="0"/>
-              <a:t>ThreadError</a:t>
-            </a:r>
-            <a:endParaRPr lang="en-US" dirty="0" smtClean="0"/>
-          </a:p>
-          <a:p>
-            <a:pPr lvl="1"/>
-            <a:r>
-              <a:rPr lang="en-US" dirty="0" smtClean="0"/>
-              <a:t>A simple recurring task can be created by calling the timer again once it’s completed</a:t>
-            </a:r>
-          </a:p>
-          <a:p>
-            <a:pPr lvl="1"/>
-            <a:r>
-              <a:rPr lang="en-US" dirty="0" smtClean="0"/>
-              <a:t>Don’t reinvent the wheel!</a:t>
-            </a:r>
             <a:endParaRPr lang="en-US" dirty="0"/>
           </a:p>
         </p:txBody>
@@ -11425,7 +11343,7 @@
           <a:p>
             <a:r>
               <a:rPr lang="en-US" dirty="0" smtClean="0"/>
-              <a:t>Threading: Timers</a:t>
+              <a:t>Threading: Gotchas</a:t>
             </a:r>
             <a:endParaRPr lang="en-US" dirty="0"/>
           </a:p>
@@ -11434,7 +11352,7 @@
     </p:spTree>
     <p:extLst>
       <p:ext uri="{BB962C8B-B14F-4D97-AF65-F5344CB8AC3E}">
-        <p14:creationId xmlns:p14="http://schemas.microsoft.com/office/powerpoint/2010/main" val="924080095"/>
+        <p14:creationId xmlns:p14="http://schemas.microsoft.com/office/powerpoint/2010/main" val="3744078267"/>
       </p:ext>
     </p:extLst>
   </p:cSld>
@@ -11491,27 +11409,6 @@
           <a:bodyPr/>
           <a:lstStyle/>
           <a:p>
-            <a:r>
-              <a:rPr lang="en-US" dirty="0" smtClean="0"/>
-              <a:t>Thread safety</a:t>
-            </a:r>
-          </a:p>
-          <a:p>
-            <a:pPr lvl="1"/>
-            <a:r>
-              <a:rPr lang="en-US" dirty="0" smtClean="0"/>
-              <a:t>Imports are generally safe unless they spawn a new thread and wait for it in any way</a:t>
-            </a:r>
-          </a:p>
-          <a:p>
-            <a:pPr lvl="1"/>
-            <a:r>
-              <a:rPr lang="en-US" dirty="0" smtClean="0"/>
-              <a:t>Debugging synchronization issues is hard</a:t>
-            </a:r>
-          </a:p>
-          <a:p>
-            <a:pPr lvl="1"/>
             <a:endParaRPr lang="en-US" dirty="0"/>
           </a:p>
         </p:txBody>
@@ -11533,7 +11430,7 @@
           <a:p>
             <a:r>
               <a:rPr lang="en-US" dirty="0" smtClean="0"/>
-              <a:t>Threading: Gotchas</a:t>
+              <a:t>Threading: Examples</a:t>
             </a:r>
             <a:endParaRPr lang="en-US" dirty="0"/>
           </a:p>
@@ -11542,7 +11439,7 @@
     </p:spTree>
     <p:extLst>
       <p:ext uri="{BB962C8B-B14F-4D97-AF65-F5344CB8AC3E}">
-        <p14:creationId xmlns:p14="http://schemas.microsoft.com/office/powerpoint/2010/main" val="3744078267"/>
+        <p14:creationId xmlns:p14="http://schemas.microsoft.com/office/powerpoint/2010/main" val="136758698"/>
       </p:ext>
     </p:extLst>
   </p:cSld>
@@ -11560,6 +11457,76 @@
 </file>
 
 <file path=ppt/slides/slide116.xml><?xml version="1.0" encoding="utf-8"?>
+<p:sld xmlns:a="http://schemas.openxmlformats.org/drawingml/2006/main" xmlns:r="http://schemas.openxmlformats.org/officeDocument/2006/relationships" xmlns:p="http://schemas.openxmlformats.org/presentationml/2006/main">
+  <p:cSld>
+    <p:spTree>
+      <p:nvGrpSpPr>
+        <p:cNvPr id="1" name=""/>
+        <p:cNvGrpSpPr/>
+        <p:nvPr/>
+      </p:nvGrpSpPr>
+      <p:grpSpPr>
+        <a:xfrm>
+          <a:off x="0" y="0"/>
+          <a:ext cx="0" cy="0"/>
+          <a:chOff x="0" y="0"/>
+          <a:chExt cx="0" cy="0"/>
+        </a:xfrm>
+      </p:grpSpPr>
+      <p:sp>
+        <p:nvSpPr>
+          <p:cNvPr id="4" name="Title 3"/>
+          <p:cNvSpPr>
+            <a:spLocks noGrp="1"/>
+          </p:cNvSpPr>
+          <p:nvPr>
+            <p:ph type="title"/>
+          </p:nvPr>
+        </p:nvSpPr>
+        <p:spPr/>
+        <p:txBody>
+          <a:bodyPr>
+            <a:normAutofit/>
+          </a:bodyPr>
+          <a:lstStyle/>
+          <a:p>
+            <a:r>
+              <a:rPr lang="en-US" dirty="0" smtClean="0">
+                <a:solidFill>
+                  <a:srgbClr val="C4A174"/>
+                </a:solidFill>
+              </a:rPr>
+              <a:t>Exercise:</a:t>
+            </a:r>
+            <a:r>
+              <a:rPr lang="en-US" dirty="0" smtClean="0"/>
+              <a:t> Threading</a:t>
+            </a:r>
+            <a:endParaRPr lang="en-US" dirty="0"/>
+          </a:p>
+        </p:txBody>
+      </p:sp>
+    </p:spTree>
+    <p:extLst>
+      <p:ext uri="{BB962C8B-B14F-4D97-AF65-F5344CB8AC3E}">
+        <p14:creationId xmlns:p14="http://schemas.microsoft.com/office/powerpoint/2010/main" val="2171789236"/>
+      </p:ext>
+    </p:extLst>
+  </p:cSld>
+  <p:clrMapOvr>
+    <a:masterClrMapping/>
+  </p:clrMapOvr>
+  <p:timing>
+    <p:tnLst>
+      <p:par>
+        <p:cTn id="1" dur="indefinite" restart="never" nodeType="tmRoot"/>
+      </p:par>
+    </p:tnLst>
+  </p:timing>
+</p:sld>
+</file>
+
+<file path=ppt/slides/slide117.xml><?xml version="1.0" encoding="utf-8"?>
 <p:sld xmlns:a="http://schemas.openxmlformats.org/drawingml/2006/main" xmlns:r="http://schemas.openxmlformats.org/officeDocument/2006/relationships" xmlns:p="http://schemas.openxmlformats.org/presentationml/2006/main">
   <p:cSld>
     <p:bg>
@@ -11618,163 +11585,6 @@
           <a:bodyPr/>
           <a:lstStyle/>
           <a:p>
-            <a:r>
-              <a:rPr lang="en-US" dirty="0" smtClean="0"/>
-              <a:t>Threading: Examples</a:t>
-            </a:r>
-            <a:endParaRPr lang="en-US" dirty="0"/>
-          </a:p>
-        </p:txBody>
-      </p:sp>
-    </p:spTree>
-    <p:extLst>
-      <p:ext uri="{BB962C8B-B14F-4D97-AF65-F5344CB8AC3E}">
-        <p14:creationId xmlns:p14="http://schemas.microsoft.com/office/powerpoint/2010/main" val="136758698"/>
-      </p:ext>
-    </p:extLst>
-  </p:cSld>
-  <p:clrMapOvr>
-    <a:masterClrMapping/>
-  </p:clrMapOvr>
-  <p:timing>
-    <p:tnLst>
-      <p:par>
-        <p:cTn id="1" dur="indefinite" restart="never" nodeType="tmRoot"/>
-      </p:par>
-    </p:tnLst>
-  </p:timing>
-</p:sld>
-</file>
-
-<file path=ppt/slides/slide117.xml><?xml version="1.0" encoding="utf-8"?>
-<p:sld xmlns:a="http://schemas.openxmlformats.org/drawingml/2006/main" xmlns:r="http://schemas.openxmlformats.org/officeDocument/2006/relationships" xmlns:p="http://schemas.openxmlformats.org/presentationml/2006/main">
-  <p:cSld>
-    <p:spTree>
-      <p:nvGrpSpPr>
-        <p:cNvPr id="1" name=""/>
-        <p:cNvGrpSpPr/>
-        <p:nvPr/>
-      </p:nvGrpSpPr>
-      <p:grpSpPr>
-        <a:xfrm>
-          <a:off x="0" y="0"/>
-          <a:ext cx="0" cy="0"/>
-          <a:chOff x="0" y="0"/>
-          <a:chExt cx="0" cy="0"/>
-        </a:xfrm>
-      </p:grpSpPr>
-      <p:sp>
-        <p:nvSpPr>
-          <p:cNvPr id="4" name="Title 3"/>
-          <p:cNvSpPr>
-            <a:spLocks noGrp="1"/>
-          </p:cNvSpPr>
-          <p:nvPr>
-            <p:ph type="title"/>
-          </p:nvPr>
-        </p:nvSpPr>
-        <p:spPr/>
-        <p:txBody>
-          <a:bodyPr>
-            <a:normAutofit/>
-          </a:bodyPr>
-          <a:lstStyle/>
-          <a:p>
-            <a:r>
-              <a:rPr lang="en-US" dirty="0" smtClean="0">
-                <a:solidFill>
-                  <a:srgbClr val="C4A174"/>
-                </a:solidFill>
-              </a:rPr>
-              <a:t>Exercise:</a:t>
-            </a:r>
-            <a:r>
-              <a:rPr lang="en-US" dirty="0" smtClean="0"/>
-              <a:t> Threading</a:t>
-            </a:r>
-            <a:endParaRPr lang="en-US" dirty="0"/>
-          </a:p>
-        </p:txBody>
-      </p:sp>
-    </p:spTree>
-    <p:extLst>
-      <p:ext uri="{BB962C8B-B14F-4D97-AF65-F5344CB8AC3E}">
-        <p14:creationId xmlns:p14="http://schemas.microsoft.com/office/powerpoint/2010/main" val="2171789236"/>
-      </p:ext>
-    </p:extLst>
-  </p:cSld>
-  <p:clrMapOvr>
-    <a:masterClrMapping/>
-  </p:clrMapOvr>
-  <p:timing>
-    <p:tnLst>
-      <p:par>
-        <p:cTn id="1" dur="indefinite" restart="never" nodeType="tmRoot"/>
-      </p:par>
-    </p:tnLst>
-  </p:timing>
-</p:sld>
-</file>
-
-<file path=ppt/slides/slide118.xml><?xml version="1.0" encoding="utf-8"?>
-<p:sld xmlns:a="http://schemas.openxmlformats.org/drawingml/2006/main" xmlns:r="http://schemas.openxmlformats.org/officeDocument/2006/relationships" xmlns:p="http://schemas.openxmlformats.org/presentationml/2006/main">
-  <p:cSld>
-    <p:bg>
-      <p:bgPr>
-        <a:solidFill>
-          <a:schemeClr val="bg1"/>
-        </a:solidFill>
-        <a:effectLst/>
-      </p:bgPr>
-    </p:bg>
-    <p:spTree>
-      <p:nvGrpSpPr>
-        <p:cNvPr id="1" name=""/>
-        <p:cNvGrpSpPr/>
-        <p:nvPr/>
-      </p:nvGrpSpPr>
-      <p:grpSpPr>
-        <a:xfrm>
-          <a:off x="0" y="0"/>
-          <a:ext cx="0" cy="0"/>
-          <a:chOff x="0" y="0"/>
-          <a:chExt cx="0" cy="0"/>
-        </a:xfrm>
-      </p:grpSpPr>
-      <p:sp>
-        <p:nvSpPr>
-          <p:cNvPr id="4" name="Content Placeholder 3"/>
-          <p:cNvSpPr>
-            <a:spLocks noGrp="1"/>
-          </p:cNvSpPr>
-          <p:nvPr>
-            <p:ph idx="1"/>
-          </p:nvPr>
-        </p:nvSpPr>
-        <p:spPr/>
-        <p:txBody>
-          <a:bodyPr/>
-          <a:lstStyle/>
-          <a:p>
-            <a:endParaRPr lang="en-US" dirty="0"/>
-          </a:p>
-        </p:txBody>
-      </p:sp>
-      <p:sp>
-        <p:nvSpPr>
-          <p:cNvPr id="3" name="Title 2"/>
-          <p:cNvSpPr>
-            <a:spLocks noGrp="1"/>
-          </p:cNvSpPr>
-          <p:nvPr>
-            <p:ph type="title"/>
-          </p:nvPr>
-        </p:nvSpPr>
-        <p:spPr/>
-        <p:txBody>
-          <a:bodyPr/>
-          <a:lstStyle/>
-          <a:p>
             <a:endParaRPr lang="en-US"/>
           </a:p>
         </p:txBody>
@@ -11799,7 +11609,7 @@
 </p:sld>
 </file>
 
-<file path=ppt/slides/slide119.xml><?xml version="1.0" encoding="utf-8"?>
+<file path=ppt/slides/slide118.xml><?xml version="1.0" encoding="utf-8"?>
 <p:sld xmlns:a="http://schemas.openxmlformats.org/drawingml/2006/main" xmlns:r="http://schemas.openxmlformats.org/officeDocument/2006/relationships" xmlns:p="http://schemas.openxmlformats.org/presentationml/2006/main">
   <p:cSld>
     <p:bg>
@@ -36449,7 +36259,7 @@
               <a:t>blist.pop</a:t>
             </a:r>
             <a:r>
-              <a:rPr lang="en-US" sz="1200" smtClean="0">
+              <a:rPr lang="en-US" sz="1200" dirty="0" smtClean="0">
                 <a:solidFill>
                   <a:srgbClr val="000000"/>
                 </a:solidFill>
@@ -37097,109 +36907,6 @@
       </p:grpSpPr>
       <p:sp>
         <p:nvSpPr>
-          <p:cNvPr id="4" name="Content Placeholder 3"/>
-          <p:cNvSpPr>
-            <a:spLocks noGrp="1"/>
-          </p:cNvSpPr>
-          <p:nvPr>
-            <p:ph idx="1"/>
-          </p:nvPr>
-        </p:nvSpPr>
-        <p:spPr/>
-        <p:txBody>
-          <a:bodyPr/>
-          <a:lstStyle/>
-          <a:p>
-            <a:r>
-              <a:rPr lang="en-US" dirty="0" smtClean="0"/>
-              <a:t>Tuple examples</a:t>
-            </a:r>
-          </a:p>
-          <a:p>
-            <a:pPr lvl="1"/>
-            <a:r>
-              <a:rPr lang="en-US" dirty="0" err="1" smtClean="0"/>
-              <a:t>aTuple</a:t>
-            </a:r>
-            <a:r>
-              <a:rPr lang="en-US" dirty="0" smtClean="0"/>
-              <a:t> = ( 1, 2, 3, 4, 5, 6 )</a:t>
-            </a:r>
-          </a:p>
-          <a:p>
-            <a:pPr lvl="1"/>
-            <a:r>
-              <a:rPr lang="en-US" dirty="0" err="1" smtClean="0"/>
-              <a:t>bTuple</a:t>
-            </a:r>
-            <a:r>
-              <a:rPr lang="en-US" dirty="0" smtClean="0"/>
-              <a:t> = ‘Peter’, ’Lois’, ’Chris’, ‘</a:t>
-            </a:r>
-            <a:r>
-              <a:rPr lang="en-US" dirty="0" err="1" smtClean="0"/>
-              <a:t>Stewie</a:t>
-            </a:r>
-            <a:r>
-              <a:rPr lang="en-US" dirty="0" smtClean="0"/>
-              <a:t>’</a:t>
-            </a:r>
-          </a:p>
-          <a:p>
-            <a:pPr lvl="1"/>
-            <a:r>
-              <a:rPr lang="en-US" dirty="0" err="1" smtClean="0"/>
-              <a:t>cTuple</a:t>
-            </a:r>
-            <a:r>
-              <a:rPr lang="en-US" dirty="0" smtClean="0"/>
-              <a:t> = ( ‘Meg’, )</a:t>
-            </a:r>
-          </a:p>
-          <a:p>
-            <a:pPr lvl="1"/>
-            <a:r>
-              <a:rPr lang="en-US" dirty="0" err="1" smtClean="0"/>
-              <a:t>dTuple</a:t>
-            </a:r>
-            <a:r>
-              <a:rPr lang="en-US" dirty="0" smtClean="0"/>
-              <a:t> = ()</a:t>
-            </a:r>
-          </a:p>
-          <a:p>
-            <a:r>
-              <a:rPr lang="en-US" dirty="0" smtClean="0"/>
-              <a:t>Accessing</a:t>
-            </a:r>
-          </a:p>
-          <a:p>
-            <a:pPr lvl="1"/>
-            <a:r>
-              <a:rPr lang="en-US" dirty="0" err="1" smtClean="0"/>
-              <a:t>aTuple</a:t>
-            </a:r>
-            <a:r>
-              <a:rPr lang="en-US" dirty="0" smtClean="0"/>
-              <a:t>[1]</a:t>
-            </a:r>
-          </a:p>
-          <a:p>
-            <a:pPr lvl="1"/>
-            <a:r>
-              <a:rPr lang="en-US" dirty="0" err="1" smtClean="0"/>
-              <a:t>bTuple</a:t>
-            </a:r>
-            <a:r>
-              <a:rPr lang="en-US" dirty="0" smtClean="0"/>
-              <a:t>[1:2]</a:t>
-            </a:r>
-            <a:endParaRPr lang="en-US" dirty="0"/>
-          </a:p>
-        </p:txBody>
-      </p:sp>
-      <p:sp>
-        <p:nvSpPr>
           <p:cNvPr id="3" name="Title 2"/>
           <p:cNvSpPr>
             <a:spLocks noGrp="1"/>
@@ -37221,10 +36928,884 @@
           </a:p>
         </p:txBody>
       </p:sp>
+      <p:sp>
+        <p:nvSpPr>
+          <p:cNvPr id="9" name="Rectangle 8"/>
+          <p:cNvSpPr/>
+          <p:nvPr/>
+        </p:nvSpPr>
+        <p:spPr>
+          <a:xfrm>
+            <a:off x="3143672" y="1415673"/>
+            <a:ext cx="5472608" cy="4524315"/>
+          </a:xfrm>
+          <a:prstGeom prst="rect">
+            <a:avLst/>
+          </a:prstGeom>
+          <a:solidFill>
+            <a:schemeClr val="bg1"/>
+          </a:solidFill>
+          <a:ln w="28575">
+            <a:solidFill>
+              <a:srgbClr val="008000"/>
+            </a:solidFill>
+          </a:ln>
+          <a:effectLst>
+            <a:outerShdw blurRad="50800" dist="38100" dir="2700000" algn="tl" rotWithShape="0">
+              <a:prstClr val="black">
+                <a:alpha val="40000"/>
+              </a:prstClr>
+            </a:outerShdw>
+          </a:effectLst>
+        </p:spPr>
+        <p:txBody>
+          <a:bodyPr wrap="square">
+            <a:spAutoFit/>
+          </a:bodyPr>
+          <a:lstStyle/>
+          <a:p>
+            <a:r>
+              <a:rPr lang="en-US" sz="1200" dirty="0">
+                <a:solidFill>
+                  <a:srgbClr val="008000"/>
+                </a:solidFill>
+                <a:highlight>
+                  <a:srgbClr val="FFFFFF"/>
+                </a:highlight>
+                <a:latin typeface="Courier New" panose="02070309020205020404" pitchFamily="49" charset="0"/>
+              </a:rPr>
+              <a:t>#!/</a:t>
+            </a:r>
+            <a:r>
+              <a:rPr lang="en-US" sz="1200" dirty="0" err="1">
+                <a:solidFill>
+                  <a:srgbClr val="008000"/>
+                </a:solidFill>
+                <a:highlight>
+                  <a:srgbClr val="FFFFFF"/>
+                </a:highlight>
+                <a:latin typeface="Courier New" panose="02070309020205020404" pitchFamily="49" charset="0"/>
+              </a:rPr>
+              <a:t>usr</a:t>
+            </a:r>
+            <a:r>
+              <a:rPr lang="en-US" sz="1200" dirty="0">
+                <a:solidFill>
+                  <a:srgbClr val="008000"/>
+                </a:solidFill>
+                <a:highlight>
+                  <a:srgbClr val="FFFFFF"/>
+                </a:highlight>
+                <a:latin typeface="Courier New" panose="02070309020205020404" pitchFamily="49" charset="0"/>
+              </a:rPr>
+              <a:t>/bin/python</a:t>
+            </a:r>
+            <a:endParaRPr lang="en-US" sz="1200" dirty="0">
+              <a:solidFill>
+                <a:srgbClr val="000000"/>
+              </a:solidFill>
+              <a:highlight>
+                <a:srgbClr val="FFFFFF"/>
+              </a:highlight>
+              <a:latin typeface="Courier New" panose="02070309020205020404" pitchFamily="49" charset="0"/>
+            </a:endParaRPr>
+          </a:p>
+          <a:p>
+            <a:endParaRPr lang="en-US" sz="1200" dirty="0" smtClean="0">
+              <a:solidFill>
+                <a:srgbClr val="000000"/>
+              </a:solidFill>
+              <a:highlight>
+                <a:srgbClr val="FFFFFF"/>
+              </a:highlight>
+              <a:latin typeface="Courier New" panose="02070309020205020404" pitchFamily="49" charset="0"/>
+            </a:endParaRPr>
+          </a:p>
+          <a:p>
+            <a:r>
+              <a:rPr lang="en-US" sz="1200" dirty="0">
+                <a:solidFill>
+                  <a:srgbClr val="008000"/>
+                </a:solidFill>
+                <a:highlight>
+                  <a:srgbClr val="FFFFFF"/>
+                </a:highlight>
+                <a:latin typeface="Courier New" panose="02070309020205020404" pitchFamily="49" charset="0"/>
+              </a:rPr>
+              <a:t># </a:t>
+            </a:r>
+            <a:r>
+              <a:rPr lang="en-US" sz="1200" dirty="0" smtClean="0">
+                <a:solidFill>
+                  <a:srgbClr val="008000"/>
+                </a:solidFill>
+                <a:highlight>
+                  <a:srgbClr val="FFFFFF"/>
+                </a:highlight>
+                <a:latin typeface="Courier New" panose="02070309020205020404" pitchFamily="49" charset="0"/>
+              </a:rPr>
+              <a:t>Creating tuples</a:t>
+            </a:r>
+            <a:endParaRPr lang="en-US" sz="1200" dirty="0">
+              <a:solidFill>
+                <a:srgbClr val="008000"/>
+              </a:solidFill>
+              <a:highlight>
+                <a:srgbClr val="FFFFFF"/>
+              </a:highlight>
+              <a:latin typeface="Courier New" panose="02070309020205020404" pitchFamily="49" charset="0"/>
+            </a:endParaRPr>
+          </a:p>
+          <a:p>
+            <a:r>
+              <a:rPr lang="en-US" sz="1200" dirty="0" err="1" smtClean="0">
+                <a:solidFill>
+                  <a:srgbClr val="000000"/>
+                </a:solidFill>
+                <a:highlight>
+                  <a:srgbClr val="FFFFFF"/>
+                </a:highlight>
+                <a:latin typeface="Courier New" panose="02070309020205020404" pitchFamily="49" charset="0"/>
+              </a:rPr>
+              <a:t>atuple</a:t>
+            </a:r>
+            <a:r>
+              <a:rPr lang="en-US" sz="1200" dirty="0" smtClean="0">
+                <a:solidFill>
+                  <a:srgbClr val="000000"/>
+                </a:solidFill>
+                <a:highlight>
+                  <a:srgbClr val="FFFFFF"/>
+                </a:highlight>
+                <a:latin typeface="Courier New" panose="02070309020205020404" pitchFamily="49" charset="0"/>
+              </a:rPr>
+              <a:t> = (1, 2, 3, 4, 5, 6)</a:t>
+            </a:r>
+          </a:p>
+          <a:p>
+            <a:r>
+              <a:rPr lang="en-US" sz="1200" dirty="0" err="1" smtClean="0">
+                <a:solidFill>
+                  <a:srgbClr val="000000"/>
+                </a:solidFill>
+                <a:highlight>
+                  <a:srgbClr val="FFFFFF"/>
+                </a:highlight>
+                <a:latin typeface="Courier New" panose="02070309020205020404" pitchFamily="49" charset="0"/>
+              </a:rPr>
+              <a:t>btuple</a:t>
+            </a:r>
+            <a:r>
+              <a:rPr lang="en-US" sz="1200" dirty="0" smtClean="0">
+                <a:solidFill>
+                  <a:srgbClr val="000000"/>
+                </a:solidFill>
+                <a:highlight>
+                  <a:srgbClr val="FFFFFF"/>
+                </a:highlight>
+                <a:latin typeface="Courier New" panose="02070309020205020404" pitchFamily="49" charset="0"/>
+              </a:rPr>
+              <a:t> = (‘Peter’, ‘Lois’, ‘Chris’, ‘</a:t>
+            </a:r>
+            <a:r>
+              <a:rPr lang="en-US" sz="1200" dirty="0" err="1" smtClean="0">
+                <a:solidFill>
+                  <a:srgbClr val="000000"/>
+                </a:solidFill>
+                <a:highlight>
+                  <a:srgbClr val="FFFFFF"/>
+                </a:highlight>
+                <a:latin typeface="Courier New" panose="02070309020205020404" pitchFamily="49" charset="0"/>
+              </a:rPr>
+              <a:t>Stewie</a:t>
+            </a:r>
+            <a:r>
+              <a:rPr lang="en-US" sz="1200" dirty="0" smtClean="0">
+                <a:solidFill>
+                  <a:srgbClr val="000000"/>
+                </a:solidFill>
+                <a:highlight>
+                  <a:srgbClr val="FFFFFF"/>
+                </a:highlight>
+                <a:latin typeface="Courier New" panose="02070309020205020404" pitchFamily="49" charset="0"/>
+              </a:rPr>
+              <a:t>’, ‘Brian’)</a:t>
+            </a:r>
+          </a:p>
+          <a:p>
+            <a:r>
+              <a:rPr lang="en-US" sz="1200" dirty="0" err="1" smtClean="0">
+                <a:solidFill>
+                  <a:srgbClr val="000000"/>
+                </a:solidFill>
+                <a:highlight>
+                  <a:srgbClr val="FFFFFF"/>
+                </a:highlight>
+                <a:latin typeface="Courier New" panose="02070309020205020404" pitchFamily="49" charset="0"/>
+              </a:rPr>
+              <a:t>ctuple</a:t>
+            </a:r>
+            <a:r>
+              <a:rPr lang="en-US" sz="1200" dirty="0" smtClean="0">
+                <a:solidFill>
+                  <a:srgbClr val="000000"/>
+                </a:solidFill>
+                <a:highlight>
+                  <a:srgbClr val="FFFFFF"/>
+                </a:highlight>
+                <a:latin typeface="Courier New" panose="02070309020205020404" pitchFamily="49" charset="0"/>
+              </a:rPr>
+              <a:t> = (‘Meg’)</a:t>
+            </a:r>
+          </a:p>
+          <a:p>
+            <a:r>
+              <a:rPr lang="en-US" sz="1200" dirty="0" err="1" smtClean="0">
+                <a:solidFill>
+                  <a:srgbClr val="000000"/>
+                </a:solidFill>
+                <a:highlight>
+                  <a:srgbClr val="FFFFFF"/>
+                </a:highlight>
+                <a:latin typeface="Courier New" panose="02070309020205020404" pitchFamily="49" charset="0"/>
+              </a:rPr>
+              <a:t>dtuple</a:t>
+            </a:r>
+            <a:r>
+              <a:rPr lang="en-US" sz="1200" dirty="0" smtClean="0">
+                <a:solidFill>
+                  <a:srgbClr val="000000"/>
+                </a:solidFill>
+                <a:highlight>
+                  <a:srgbClr val="FFFFFF"/>
+                </a:highlight>
+                <a:latin typeface="Courier New" panose="02070309020205020404" pitchFamily="49" charset="0"/>
+              </a:rPr>
+              <a:t> = ()</a:t>
+            </a:r>
+          </a:p>
+          <a:p>
+            <a:r>
+              <a:rPr lang="en-US" sz="1200" dirty="0" err="1" smtClean="0">
+                <a:solidFill>
+                  <a:srgbClr val="000000"/>
+                </a:solidFill>
+                <a:highlight>
+                  <a:srgbClr val="FFFFFF"/>
+                </a:highlight>
+                <a:latin typeface="Courier New" panose="02070309020205020404" pitchFamily="49" charset="0"/>
+              </a:rPr>
+              <a:t>alist.append</a:t>
+            </a:r>
+            <a:r>
+              <a:rPr lang="en-US" sz="1200" dirty="0" smtClean="0">
+                <a:solidFill>
+                  <a:srgbClr val="000000"/>
+                </a:solidFill>
+                <a:highlight>
+                  <a:srgbClr val="FFFFFF"/>
+                </a:highlight>
+                <a:latin typeface="Courier New" panose="02070309020205020404" pitchFamily="49" charset="0"/>
+              </a:rPr>
+              <a:t>(15)</a:t>
+            </a:r>
+          </a:p>
+          <a:p>
+            <a:endParaRPr lang="en-US" sz="1200" dirty="0">
+              <a:solidFill>
+                <a:srgbClr val="000000"/>
+              </a:solidFill>
+              <a:highlight>
+                <a:srgbClr val="FFFFFF"/>
+              </a:highlight>
+              <a:latin typeface="Courier New" panose="02070309020205020404" pitchFamily="49" charset="0"/>
+            </a:endParaRPr>
+          </a:p>
+          <a:p>
+            <a:r>
+              <a:rPr lang="en-US" sz="1200" dirty="0" smtClean="0">
+                <a:solidFill>
+                  <a:srgbClr val="008000"/>
+                </a:solidFill>
+                <a:highlight>
+                  <a:srgbClr val="FFFFFF"/>
+                </a:highlight>
+                <a:latin typeface="Courier New" panose="02070309020205020404" pitchFamily="49" charset="0"/>
+              </a:rPr>
+              <a:t># Accessing</a:t>
+            </a:r>
+            <a:endParaRPr lang="en-US" sz="1200" dirty="0">
+              <a:solidFill>
+                <a:srgbClr val="000000"/>
+              </a:solidFill>
+              <a:highlight>
+                <a:srgbClr val="FFFFFF"/>
+              </a:highlight>
+              <a:latin typeface="Courier New" panose="02070309020205020404" pitchFamily="49" charset="0"/>
+            </a:endParaRPr>
+          </a:p>
+          <a:p>
+            <a:r>
+              <a:rPr lang="en-US" sz="1200" b="1" dirty="0">
+                <a:solidFill>
+                  <a:srgbClr val="0000FF"/>
+                </a:solidFill>
+                <a:highlight>
+                  <a:srgbClr val="FFFFFF"/>
+                </a:highlight>
+                <a:latin typeface="Courier New" panose="02070309020205020404" pitchFamily="49" charset="0"/>
+              </a:rPr>
+              <a:t>print</a:t>
+            </a:r>
+            <a:r>
+              <a:rPr lang="en-US" sz="1200" dirty="0">
+                <a:solidFill>
+                  <a:srgbClr val="000000"/>
+                </a:solidFill>
+                <a:highlight>
+                  <a:srgbClr val="FFFFFF"/>
+                </a:highlight>
+                <a:latin typeface="Courier New" panose="02070309020205020404" pitchFamily="49" charset="0"/>
+              </a:rPr>
+              <a:t> </a:t>
+            </a:r>
+            <a:r>
+              <a:rPr lang="en-US" sz="1200" dirty="0" err="1" smtClean="0">
+                <a:solidFill>
+                  <a:srgbClr val="000000"/>
+                </a:solidFill>
+                <a:highlight>
+                  <a:srgbClr val="FFFFFF"/>
+                </a:highlight>
+                <a:latin typeface="Courier New" panose="02070309020205020404" pitchFamily="49" charset="0"/>
+              </a:rPr>
+              <a:t>atuple</a:t>
+            </a:r>
+            <a:r>
+              <a:rPr lang="en-US" sz="1200" dirty="0" smtClean="0">
+                <a:solidFill>
+                  <a:srgbClr val="000000"/>
+                </a:solidFill>
+                <a:highlight>
+                  <a:srgbClr val="FFFFFF"/>
+                </a:highlight>
+                <a:latin typeface="Courier New" panose="02070309020205020404" pitchFamily="49" charset="0"/>
+              </a:rPr>
+              <a:t>[1]</a:t>
+            </a:r>
+            <a:endParaRPr lang="en-US" sz="1200" dirty="0">
+              <a:solidFill>
+                <a:srgbClr val="000000"/>
+              </a:solidFill>
+              <a:highlight>
+                <a:srgbClr val="FFFFFF"/>
+              </a:highlight>
+              <a:latin typeface="Courier New" panose="02070309020205020404" pitchFamily="49" charset="0"/>
+            </a:endParaRPr>
+          </a:p>
+          <a:p>
+            <a:r>
+              <a:rPr lang="en-US" sz="1200" b="1" dirty="0" smtClean="0">
+                <a:solidFill>
+                  <a:srgbClr val="0000FF"/>
+                </a:solidFill>
+                <a:highlight>
+                  <a:srgbClr val="FFFFFF"/>
+                </a:highlight>
+                <a:latin typeface="Courier New" panose="02070309020205020404" pitchFamily="49" charset="0"/>
+              </a:rPr>
+              <a:t>print</a:t>
+            </a:r>
+            <a:r>
+              <a:rPr lang="en-US" sz="1200" dirty="0" smtClean="0">
+                <a:solidFill>
+                  <a:srgbClr val="000000"/>
+                </a:solidFill>
+                <a:highlight>
+                  <a:srgbClr val="FFFFFF"/>
+                </a:highlight>
+                <a:latin typeface="Courier New" panose="02070309020205020404" pitchFamily="49" charset="0"/>
+              </a:rPr>
+              <a:t> </a:t>
+            </a:r>
+            <a:r>
+              <a:rPr lang="en-US" sz="1200" dirty="0" err="1" smtClean="0">
+                <a:solidFill>
+                  <a:srgbClr val="000000"/>
+                </a:solidFill>
+                <a:highlight>
+                  <a:srgbClr val="FFFFFF"/>
+                </a:highlight>
+                <a:latin typeface="Courier New" panose="02070309020205020404" pitchFamily="49" charset="0"/>
+              </a:rPr>
+              <a:t>btuple</a:t>
+            </a:r>
+            <a:r>
+              <a:rPr lang="en-US" sz="1200" dirty="0" smtClean="0">
+                <a:solidFill>
+                  <a:srgbClr val="000000"/>
+                </a:solidFill>
+                <a:highlight>
+                  <a:srgbClr val="FFFFFF"/>
+                </a:highlight>
+                <a:latin typeface="Courier New" panose="02070309020205020404" pitchFamily="49" charset="0"/>
+              </a:rPr>
+              <a:t>[1:2]</a:t>
+            </a:r>
+          </a:p>
+          <a:p>
+            <a:endParaRPr lang="en-US" sz="1200" dirty="0" smtClean="0">
+              <a:solidFill>
+                <a:srgbClr val="000000"/>
+              </a:solidFill>
+              <a:highlight>
+                <a:srgbClr val="FFFFFF"/>
+              </a:highlight>
+              <a:latin typeface="Courier New" panose="02070309020205020404" pitchFamily="49" charset="0"/>
+            </a:endParaRPr>
+          </a:p>
+          <a:p>
+            <a:r>
+              <a:rPr lang="en-US" sz="1200" dirty="0">
+                <a:solidFill>
+                  <a:srgbClr val="008000"/>
+                </a:solidFill>
+                <a:highlight>
+                  <a:srgbClr val="FFFFFF"/>
+                </a:highlight>
+                <a:latin typeface="Courier New" panose="02070309020205020404" pitchFamily="49" charset="0"/>
+              </a:rPr>
+              <a:t># </a:t>
+            </a:r>
+            <a:r>
+              <a:rPr lang="en-US" sz="1200" dirty="0" smtClean="0">
+                <a:solidFill>
+                  <a:srgbClr val="008000"/>
+                </a:solidFill>
+                <a:highlight>
+                  <a:srgbClr val="FFFFFF"/>
+                </a:highlight>
+                <a:latin typeface="Courier New" panose="02070309020205020404" pitchFamily="49" charset="0"/>
+              </a:rPr>
+              <a:t>Updating fails because tuples are immutable</a:t>
+            </a:r>
+          </a:p>
+          <a:p>
+            <a:r>
+              <a:rPr lang="en-US" sz="1200" b="1" dirty="0" smtClean="0">
+                <a:solidFill>
+                  <a:srgbClr val="0000FF"/>
+                </a:solidFill>
+                <a:highlight>
+                  <a:srgbClr val="FFFFFF"/>
+                </a:highlight>
+                <a:latin typeface="Courier New" panose="02070309020205020404" pitchFamily="49" charset="0"/>
+              </a:rPr>
+              <a:t>try</a:t>
+            </a:r>
+            <a:r>
+              <a:rPr lang="en-US" sz="1200" dirty="0">
+                <a:solidFill>
+                  <a:srgbClr val="000000"/>
+                </a:solidFill>
+                <a:highlight>
+                  <a:srgbClr val="FFFFFF"/>
+                </a:highlight>
+                <a:latin typeface="Courier New" panose="02070309020205020404" pitchFamily="49" charset="0"/>
+              </a:rPr>
+              <a:t>:</a:t>
+            </a:r>
+          </a:p>
+          <a:p>
+            <a:r>
+              <a:rPr lang="en-US" sz="1200" dirty="0">
+                <a:solidFill>
+                  <a:srgbClr val="000000"/>
+                </a:solidFill>
+                <a:highlight>
+                  <a:srgbClr val="FFFFFF"/>
+                </a:highlight>
+                <a:latin typeface="Courier New" panose="02070309020205020404" pitchFamily="49" charset="0"/>
+              </a:rPr>
+              <a:t>	</a:t>
+            </a:r>
+            <a:r>
+              <a:rPr lang="en-US" sz="1200" dirty="0" err="1" smtClean="0">
+                <a:solidFill>
+                  <a:srgbClr val="000000"/>
+                </a:solidFill>
+                <a:highlight>
+                  <a:srgbClr val="FFFFFF"/>
+                </a:highlight>
+                <a:latin typeface="Courier New" panose="02070309020205020404" pitchFamily="49" charset="0"/>
+              </a:rPr>
+              <a:t>atuple</a:t>
+            </a:r>
+            <a:r>
+              <a:rPr lang="en-US" sz="1200" dirty="0" smtClean="0">
+                <a:solidFill>
+                  <a:srgbClr val="000000"/>
+                </a:solidFill>
+                <a:highlight>
+                  <a:srgbClr val="FFFFFF"/>
+                </a:highlight>
+                <a:latin typeface="Courier New" panose="02070309020205020404" pitchFamily="49" charset="0"/>
+              </a:rPr>
+              <a:t>[2] = 42</a:t>
+            </a:r>
+          </a:p>
+          <a:p>
+            <a:r>
+              <a:rPr lang="en-US" sz="1200" b="1" dirty="0" smtClean="0">
+                <a:solidFill>
+                  <a:srgbClr val="0000FF"/>
+                </a:solidFill>
+                <a:highlight>
+                  <a:srgbClr val="FFFFFF"/>
+                </a:highlight>
+                <a:latin typeface="Courier New" panose="02070309020205020404" pitchFamily="49" charset="0"/>
+              </a:rPr>
+              <a:t>except</a:t>
+            </a:r>
+            <a:r>
+              <a:rPr lang="en-US" sz="1200" dirty="0" smtClean="0">
+                <a:solidFill>
+                  <a:srgbClr val="000000"/>
+                </a:solidFill>
+                <a:highlight>
+                  <a:srgbClr val="FFFFFF"/>
+                </a:highlight>
+                <a:latin typeface="Courier New" panose="02070309020205020404" pitchFamily="49" charset="0"/>
+              </a:rPr>
+              <a:t>:</a:t>
+            </a:r>
+            <a:endParaRPr lang="en-US" sz="1200" dirty="0">
+              <a:solidFill>
+                <a:srgbClr val="000000"/>
+              </a:solidFill>
+              <a:highlight>
+                <a:srgbClr val="FFFFFF"/>
+              </a:highlight>
+              <a:latin typeface="Courier New" panose="02070309020205020404" pitchFamily="49" charset="0"/>
+            </a:endParaRPr>
+          </a:p>
+          <a:p>
+            <a:r>
+              <a:rPr lang="en-US" sz="1200" dirty="0" smtClean="0">
+                <a:solidFill>
+                  <a:srgbClr val="000000"/>
+                </a:solidFill>
+                <a:highlight>
+                  <a:srgbClr val="FFFFFF"/>
+                </a:highlight>
+                <a:latin typeface="Courier New" panose="02070309020205020404" pitchFamily="49" charset="0"/>
+              </a:rPr>
+              <a:t>	</a:t>
+            </a:r>
+            <a:r>
+              <a:rPr lang="en-US" sz="1200" b="1" dirty="0" smtClean="0">
+                <a:solidFill>
+                  <a:srgbClr val="0000FF"/>
+                </a:solidFill>
+                <a:highlight>
+                  <a:srgbClr val="FFFFFF"/>
+                </a:highlight>
+                <a:latin typeface="Courier New" panose="02070309020205020404" pitchFamily="49" charset="0"/>
+              </a:rPr>
+              <a:t>print</a:t>
+            </a:r>
+            <a:r>
+              <a:rPr lang="en-US" sz="1200" dirty="0" smtClean="0">
+                <a:solidFill>
+                  <a:srgbClr val="000000"/>
+                </a:solidFill>
+                <a:highlight>
+                  <a:srgbClr val="FFFFFF"/>
+                </a:highlight>
+                <a:latin typeface="Courier New" panose="02070309020205020404" pitchFamily="49" charset="0"/>
+              </a:rPr>
+              <a:t>(‘An error was caught’)</a:t>
+            </a:r>
+            <a:endParaRPr lang="en-US" sz="1200" dirty="0" smtClean="0">
+              <a:solidFill>
+                <a:srgbClr val="000000"/>
+              </a:solidFill>
+              <a:highlight>
+                <a:srgbClr val="FFFFFF"/>
+              </a:highlight>
+              <a:latin typeface="Courier New" panose="02070309020205020404" pitchFamily="49" charset="0"/>
+            </a:endParaRPr>
+          </a:p>
+          <a:p>
+            <a:endParaRPr lang="en-US" sz="1200" b="1" dirty="0" smtClean="0">
+              <a:solidFill>
+                <a:srgbClr val="0000FF"/>
+              </a:solidFill>
+              <a:highlight>
+                <a:srgbClr val="FFFFFF"/>
+              </a:highlight>
+              <a:latin typeface="Courier New" panose="02070309020205020404" pitchFamily="49" charset="0"/>
+            </a:endParaRPr>
+          </a:p>
+          <a:p>
+            <a:r>
+              <a:rPr lang="en-US" sz="1200" dirty="0">
+                <a:solidFill>
+                  <a:srgbClr val="008000"/>
+                </a:solidFill>
+                <a:highlight>
+                  <a:srgbClr val="FFFFFF"/>
+                </a:highlight>
+                <a:latin typeface="Courier New" panose="02070309020205020404" pitchFamily="49" charset="0"/>
+              </a:rPr>
+              <a:t># </a:t>
+            </a:r>
+            <a:r>
+              <a:rPr lang="en-US" sz="1200" dirty="0" smtClean="0">
+                <a:solidFill>
+                  <a:srgbClr val="008000"/>
+                </a:solidFill>
+                <a:highlight>
+                  <a:srgbClr val="FFFFFF"/>
+                </a:highlight>
+                <a:latin typeface="Courier New" panose="02070309020205020404" pitchFamily="49" charset="0"/>
+              </a:rPr>
+              <a:t>However we can construct a new tuple from two others</a:t>
+            </a:r>
+          </a:p>
+          <a:p>
+            <a:r>
+              <a:rPr lang="en-US" sz="1200" dirty="0" err="1" smtClean="0">
+                <a:solidFill>
+                  <a:srgbClr val="000000"/>
+                </a:solidFill>
+                <a:highlight>
+                  <a:srgbClr val="FFFFFF"/>
+                </a:highlight>
+                <a:latin typeface="Courier New" panose="02070309020205020404" pitchFamily="49" charset="0"/>
+              </a:rPr>
+              <a:t>etuple</a:t>
+            </a:r>
+            <a:r>
+              <a:rPr lang="en-US" sz="1200" dirty="0" smtClean="0">
+                <a:solidFill>
+                  <a:srgbClr val="000000"/>
+                </a:solidFill>
+                <a:highlight>
+                  <a:srgbClr val="FFFFFF"/>
+                </a:highlight>
+                <a:latin typeface="Courier New" panose="02070309020205020404" pitchFamily="49" charset="0"/>
+              </a:rPr>
+              <a:t> </a:t>
+            </a:r>
+            <a:r>
+              <a:rPr lang="en-US" sz="1200" dirty="0">
+                <a:solidFill>
+                  <a:srgbClr val="000000"/>
+                </a:solidFill>
+                <a:highlight>
+                  <a:srgbClr val="FFFFFF"/>
+                </a:highlight>
+                <a:latin typeface="Courier New" panose="02070309020205020404" pitchFamily="49" charset="0"/>
+              </a:rPr>
+              <a:t>= </a:t>
+            </a:r>
+            <a:r>
+              <a:rPr lang="en-US" sz="1200" dirty="0" err="1" smtClean="0">
+                <a:solidFill>
+                  <a:srgbClr val="000000"/>
+                </a:solidFill>
+                <a:highlight>
+                  <a:srgbClr val="FFFFFF"/>
+                </a:highlight>
+                <a:latin typeface="Courier New" panose="02070309020205020404" pitchFamily="49" charset="0"/>
+              </a:rPr>
+              <a:t>btuple</a:t>
+            </a:r>
+            <a:r>
+              <a:rPr lang="en-US" sz="1200" dirty="0" smtClean="0">
+                <a:solidFill>
+                  <a:srgbClr val="000000"/>
+                </a:solidFill>
+                <a:highlight>
+                  <a:srgbClr val="FFFFFF"/>
+                </a:highlight>
+                <a:latin typeface="Courier New" panose="02070309020205020404" pitchFamily="49" charset="0"/>
+              </a:rPr>
+              <a:t> + </a:t>
+            </a:r>
+            <a:r>
+              <a:rPr lang="en-US" sz="1200" dirty="0" err="1" smtClean="0">
+                <a:solidFill>
+                  <a:srgbClr val="000000"/>
+                </a:solidFill>
+                <a:highlight>
+                  <a:srgbClr val="FFFFFF"/>
+                </a:highlight>
+                <a:latin typeface="Courier New" panose="02070309020205020404" pitchFamily="49" charset="0"/>
+              </a:rPr>
+              <a:t>ctuple</a:t>
+            </a:r>
+            <a:endParaRPr lang="en-US" sz="1200" dirty="0" smtClean="0">
+              <a:solidFill>
+                <a:srgbClr val="000000"/>
+              </a:solidFill>
+              <a:highlight>
+                <a:srgbClr val="FFFFFF"/>
+              </a:highlight>
+              <a:latin typeface="Courier New" panose="02070309020205020404" pitchFamily="49" charset="0"/>
+            </a:endParaRPr>
+          </a:p>
+          <a:p>
+            <a:endParaRPr lang="en-US" sz="1200" dirty="0" smtClean="0">
+              <a:solidFill>
+                <a:srgbClr val="000000"/>
+              </a:solidFill>
+              <a:highlight>
+                <a:srgbClr val="FFFFFF"/>
+              </a:highlight>
+              <a:latin typeface="Courier New" panose="02070309020205020404" pitchFamily="49" charset="0"/>
+            </a:endParaRPr>
+          </a:p>
+          <a:p>
+            <a:r>
+              <a:rPr lang="en-US" sz="1200" dirty="0">
+                <a:solidFill>
+                  <a:srgbClr val="008000"/>
+                </a:solidFill>
+                <a:highlight>
+                  <a:srgbClr val="FFFFFF"/>
+                </a:highlight>
+                <a:latin typeface="Courier New" panose="02070309020205020404" pitchFamily="49" charset="0"/>
+              </a:rPr>
+              <a:t># </a:t>
+            </a:r>
+            <a:r>
+              <a:rPr lang="en-US" sz="1200" dirty="0" smtClean="0">
+                <a:solidFill>
+                  <a:srgbClr val="008000"/>
+                </a:solidFill>
+                <a:highlight>
+                  <a:srgbClr val="FFFFFF"/>
+                </a:highlight>
+                <a:latin typeface="Courier New" panose="02070309020205020404" pitchFamily="49" charset="0"/>
+              </a:rPr>
+              <a:t>Or the contents of other objects</a:t>
+            </a:r>
+          </a:p>
+          <a:p>
+            <a:r>
+              <a:rPr lang="en-US" sz="1200" dirty="0" err="1" smtClean="0">
+                <a:solidFill>
+                  <a:srgbClr val="000000"/>
+                </a:solidFill>
+                <a:highlight>
+                  <a:srgbClr val="FFFFFF"/>
+                </a:highlight>
+                <a:latin typeface="Courier New" panose="02070309020205020404" pitchFamily="49" charset="0"/>
+              </a:rPr>
+              <a:t>ftuple</a:t>
+            </a:r>
+            <a:r>
+              <a:rPr lang="en-US" sz="1200" dirty="0" smtClean="0">
+                <a:solidFill>
+                  <a:srgbClr val="000000"/>
+                </a:solidFill>
+                <a:highlight>
+                  <a:srgbClr val="FFFFFF"/>
+                </a:highlight>
+                <a:latin typeface="Courier New" panose="02070309020205020404" pitchFamily="49" charset="0"/>
+              </a:rPr>
+              <a:t> </a:t>
+            </a:r>
+            <a:r>
+              <a:rPr lang="en-US" sz="1200" dirty="0">
+                <a:solidFill>
+                  <a:srgbClr val="000000"/>
+                </a:solidFill>
+                <a:highlight>
+                  <a:srgbClr val="FFFFFF"/>
+                </a:highlight>
+                <a:latin typeface="Courier New" panose="02070309020205020404" pitchFamily="49" charset="0"/>
+              </a:rPr>
+              <a:t>= </a:t>
+            </a:r>
+            <a:r>
+              <a:rPr lang="en-US" sz="1200" dirty="0" smtClean="0">
+                <a:solidFill>
+                  <a:srgbClr val="000000"/>
+                </a:solidFill>
+                <a:highlight>
+                  <a:srgbClr val="FFFFFF"/>
+                </a:highlight>
+                <a:latin typeface="Courier New" panose="02070309020205020404" pitchFamily="49" charset="0"/>
+              </a:rPr>
+              <a:t>(</a:t>
+            </a:r>
+            <a:r>
+              <a:rPr lang="en-US" sz="1200" dirty="0" err="1" smtClean="0">
+                <a:solidFill>
+                  <a:srgbClr val="000000"/>
+                </a:solidFill>
+                <a:highlight>
+                  <a:srgbClr val="FFFFFF"/>
+                </a:highlight>
+                <a:latin typeface="Courier New" panose="02070309020205020404" pitchFamily="49" charset="0"/>
+              </a:rPr>
+              <a:t>btuple</a:t>
+            </a:r>
+            <a:r>
+              <a:rPr lang="en-US" sz="1200" dirty="0" smtClean="0">
+                <a:solidFill>
+                  <a:srgbClr val="000000"/>
+                </a:solidFill>
+                <a:highlight>
+                  <a:srgbClr val="FFFFFF"/>
+                </a:highlight>
+                <a:latin typeface="Courier New" panose="02070309020205020404" pitchFamily="49" charset="0"/>
+              </a:rPr>
+              <a:t>[3], </a:t>
+            </a:r>
+            <a:r>
+              <a:rPr lang="en-US" sz="1200" dirty="0" err="1" smtClean="0">
+                <a:solidFill>
+                  <a:srgbClr val="000000"/>
+                </a:solidFill>
+                <a:highlight>
+                  <a:srgbClr val="FFFFFF"/>
+                </a:highlight>
+                <a:latin typeface="Courier New" panose="02070309020205020404" pitchFamily="49" charset="0"/>
+              </a:rPr>
+              <a:t>btuple</a:t>
+            </a:r>
+            <a:r>
+              <a:rPr lang="en-US" sz="1200" dirty="0" smtClean="0">
+                <a:solidFill>
+                  <a:srgbClr val="000000"/>
+                </a:solidFill>
+                <a:highlight>
+                  <a:srgbClr val="FFFFFF"/>
+                </a:highlight>
+                <a:latin typeface="Courier New" panose="02070309020205020404" pitchFamily="49" charset="0"/>
+              </a:rPr>
+              <a:t>[4])</a:t>
+            </a:r>
+            <a:endParaRPr lang="en-US" sz="1200" dirty="0">
+              <a:solidFill>
+                <a:srgbClr val="000000"/>
+              </a:solidFill>
+              <a:highlight>
+                <a:srgbClr val="FFFFFF"/>
+              </a:highlight>
+              <a:latin typeface="Courier New" panose="02070309020205020404" pitchFamily="49" charset="0"/>
+            </a:endParaRPr>
+          </a:p>
+        </p:txBody>
+      </p:sp>
     </p:spTree>
     <p:extLst>
       <p:ext uri="{BB962C8B-B14F-4D97-AF65-F5344CB8AC3E}">
-        <p14:creationId xmlns:p14="http://schemas.microsoft.com/office/powerpoint/2010/main" val="4108387058"/>
+        <p14:creationId xmlns:p14="http://schemas.microsoft.com/office/powerpoint/2010/main" val="2387309744"/>
       </p:ext>
     </p:extLst>
   </p:cSld>
@@ -37281,47 +37862,6 @@
           <a:bodyPr/>
           <a:lstStyle/>
           <a:p>
-            <a:r>
-              <a:rPr lang="en-US" dirty="0" smtClean="0"/>
-              <a:t>Updating</a:t>
-            </a:r>
-          </a:p>
-          <a:p>
-            <a:pPr lvl="1"/>
-            <a:r>
-              <a:rPr lang="en-US" dirty="0" smtClean="0"/>
-              <a:t>Cannot be updated</a:t>
-            </a:r>
-          </a:p>
-          <a:p>
-            <a:pPr lvl="1"/>
-            <a:r>
-              <a:rPr lang="en-US" dirty="0" smtClean="0"/>
-              <a:t>BUT a new tuple can be constructed by concatenating other tuples</a:t>
-            </a:r>
-          </a:p>
-          <a:p>
-            <a:pPr lvl="2"/>
-            <a:r>
-              <a:rPr lang="en-US" dirty="0" err="1" smtClean="0"/>
-              <a:t>eTuple</a:t>
-            </a:r>
-            <a:r>
-              <a:rPr lang="en-US" dirty="0" smtClean="0"/>
-              <a:t> = </a:t>
-            </a:r>
-            <a:r>
-              <a:rPr lang="en-US" dirty="0" err="1" smtClean="0"/>
-              <a:t>bTuple</a:t>
-            </a:r>
-            <a:r>
-              <a:rPr lang="en-US" dirty="0" smtClean="0"/>
-              <a:t> + </a:t>
-            </a:r>
-            <a:r>
-              <a:rPr lang="en-US" dirty="0" err="1" smtClean="0"/>
-              <a:t>cTuple</a:t>
-            </a:r>
             <a:endParaRPr lang="en-US" dirty="0"/>
           </a:p>
         </p:txBody>
@@ -37343,7 +37883,7 @@
           <a:p>
             <a:r>
               <a:rPr lang="en-US" dirty="0" smtClean="0"/>
-              <a:t>Tuples</a:t>
+              <a:t>Lists and Tuples: Examples</a:t>
             </a:r>
             <a:endParaRPr lang="en-US" dirty="0"/>
           </a:p>
@@ -37352,7 +37892,7 @@
     </p:spTree>
     <p:extLst>
       <p:ext uri="{BB962C8B-B14F-4D97-AF65-F5344CB8AC3E}">
-        <p14:creationId xmlns:p14="http://schemas.microsoft.com/office/powerpoint/2010/main" val="325047374"/>
+        <p14:creationId xmlns:p14="http://schemas.microsoft.com/office/powerpoint/2010/main" val="2076899143"/>
       </p:ext>
     </p:extLst>
   </p:cSld>
@@ -37409,6 +37949,40 @@
           <a:bodyPr/>
           <a:lstStyle/>
           <a:p>
+            <a:r>
+              <a:rPr lang="en-US" dirty="0" smtClean="0"/>
+              <a:t>Also known as “associative arrays”</a:t>
+            </a:r>
+          </a:p>
+          <a:p>
+            <a:r>
+              <a:rPr lang="en-US" dirty="0" smtClean="0"/>
+              <a:t>Indexed by keys</a:t>
+            </a:r>
+          </a:p>
+          <a:p>
+            <a:r>
+              <a:rPr lang="en-US" dirty="0" smtClean="0"/>
+              <a:t>An unordered set of </a:t>
+            </a:r>
+            <a:r>
+              <a:rPr lang="en-US" i="1" dirty="0" err="1" smtClean="0"/>
+              <a:t>key:value</a:t>
+            </a:r>
+            <a:r>
+              <a:rPr lang="en-US" dirty="0"/>
+              <a:t> </a:t>
+            </a:r>
+            <a:r>
+              <a:rPr lang="en-US" dirty="0" smtClean="0"/>
+              <a:t>pairs</a:t>
+            </a:r>
+          </a:p>
+          <a:p>
+            <a:r>
+              <a:rPr lang="en-US" dirty="0" smtClean="0"/>
+              <a:t>Keys must be unique to the dictionary</a:t>
+            </a:r>
             <a:endParaRPr lang="en-US" dirty="0"/>
           </a:p>
         </p:txBody>
@@ -37430,7 +38004,7 @@
           <a:p>
             <a:r>
               <a:rPr lang="en-US" dirty="0" smtClean="0"/>
-              <a:t>Lists and Tuples: Examples</a:t>
+              <a:t>Dictionaries</a:t>
             </a:r>
             <a:endParaRPr lang="en-US" dirty="0"/>
           </a:p>
@@ -37439,7 +38013,7 @@
     </p:spTree>
     <p:extLst>
       <p:ext uri="{BB962C8B-B14F-4D97-AF65-F5344CB8AC3E}">
-        <p14:creationId xmlns:p14="http://schemas.microsoft.com/office/powerpoint/2010/main" val="2076899143"/>
+        <p14:creationId xmlns:p14="http://schemas.microsoft.com/office/powerpoint/2010/main" val="695546065"/>
       </p:ext>
     </p:extLst>
   </p:cSld>
@@ -37498,37 +38072,67 @@
           <a:p>
             <a:r>
               <a:rPr lang="en-US" dirty="0" smtClean="0"/>
-              <a:t>Also known as “associative arrays”</a:t>
-            </a:r>
-          </a:p>
-          <a:p>
+              <a:t>Construction</a:t>
+            </a:r>
+          </a:p>
+          <a:p>
+            <a:pPr lvl="1"/>
+            <a:r>
+              <a:rPr lang="en-US" dirty="0" err="1" smtClean="0"/>
+              <a:t>dictVar</a:t>
+            </a:r>
             <a:r>
               <a:rPr lang="en-US" dirty="0" smtClean="0"/>
-              <a:t>Indexed by keys</a:t>
-            </a:r>
-          </a:p>
-          <a:p>
+              <a:t> = { ‘Alex’ : 10, ‘Bob’: 20, ‘Chris’: 30 }</a:t>
+            </a:r>
+          </a:p>
+          <a:p>
+            <a:pPr lvl="1"/>
+            <a:r>
+              <a:rPr lang="en-US" dirty="0" err="1" smtClean="0"/>
+              <a:t>dictVar</a:t>
+            </a:r>
             <a:r>
               <a:rPr lang="en-US" dirty="0" smtClean="0"/>
-              <a:t>An unordered set of </a:t>
-            </a:r>
-            <a:r>
-              <a:rPr lang="en-US" i="1" dirty="0" err="1" smtClean="0"/>
-              <a:t>key:value</a:t>
-            </a:r>
-            <a:r>
-              <a:rPr lang="en-US" dirty="0"/>
-              <a:t> </a:t>
+              <a:t> = {}</a:t>
+            </a:r>
+          </a:p>
+          <a:p>
+            <a:pPr lvl="1"/>
+            <a:r>
+              <a:rPr lang="en-US" dirty="0" err="1" smtClean="0"/>
+              <a:t>dictVar</a:t>
             </a:r>
             <a:r>
               <a:rPr lang="en-US" dirty="0" smtClean="0"/>
-              <a:t>pairs</a:t>
-            </a:r>
-          </a:p>
-          <a:p>
+              <a:t> = </a:t>
+            </a:r>
+            <a:r>
+              <a:rPr lang="en-US" dirty="0" err="1" smtClean="0"/>
+              <a:t>dict</a:t>
+            </a:r>
             <a:r>
               <a:rPr lang="en-US" dirty="0" smtClean="0"/>
-              <a:t>Keys must be unique to the dictionary</a:t>
+              <a:t>([(‘Alex’, 10), (‘Bob’, 20), (‘Chris’, 30)])</a:t>
+            </a:r>
+          </a:p>
+          <a:p>
+            <a:pPr lvl="1"/>
+            <a:r>
+              <a:rPr lang="en-US" dirty="0" err="1" smtClean="0"/>
+              <a:t>dictVar</a:t>
+            </a:r>
+            <a:r>
+              <a:rPr lang="en-US" dirty="0" smtClean="0"/>
+              <a:t> = </a:t>
+            </a:r>
+            <a:r>
+              <a:rPr lang="en-US" dirty="0" err="1" smtClean="0"/>
+              <a:t>dict</a:t>
+            </a:r>
+            <a:r>
+              <a:rPr lang="en-US" dirty="0" smtClean="0"/>
+              <a:t>(Alex=10, Bob=20, Chris=30)</a:t>
             </a:r>
             <a:endParaRPr lang="en-US" dirty="0"/>
           </a:p>
@@ -37560,7 +38164,7 @@
     </p:spTree>
     <p:extLst>
       <p:ext uri="{BB962C8B-B14F-4D97-AF65-F5344CB8AC3E}">
-        <p14:creationId xmlns:p14="http://schemas.microsoft.com/office/powerpoint/2010/main" val="695546065"/>
+        <p14:creationId xmlns:p14="http://schemas.microsoft.com/office/powerpoint/2010/main" val="2707938189"/>
       </p:ext>
     </p:extLst>
   </p:cSld>
@@ -37612,76 +38216,125 @@
             <p:ph idx="1"/>
           </p:nvPr>
         </p:nvSpPr>
-        <p:spPr/>
+        <p:spPr>
+          <a:xfrm>
+            <a:off x="876836" y="1792482"/>
+            <a:ext cx="10574965" cy="4516837"/>
+          </a:xfrm>
+        </p:spPr>
         <p:txBody>
           <a:bodyPr/>
           <a:lstStyle/>
           <a:p>
             <a:r>
               <a:rPr lang="en-US" dirty="0" smtClean="0"/>
-              <a:t>Construction</a:t>
+              <a:t>Accessing</a:t>
             </a:r>
           </a:p>
           <a:p>
             <a:pPr lvl="1"/>
+            <a:r>
+              <a:rPr lang="en-US" dirty="0" smtClean="0"/>
+              <a:t>By key – </a:t>
+            </a:r>
             <a:r>
               <a:rPr lang="en-US" dirty="0" err="1" smtClean="0"/>
               <a:t>dictVar</a:t>
             </a:r>
             <a:r>
               <a:rPr lang="en-US" dirty="0" smtClean="0"/>
-              <a:t> = { ‘Alex’ : 10, ‘Bob’: 20, ‘Chris’: 30 }</a:t>
+              <a:t>[‘Alex’]</a:t>
             </a:r>
           </a:p>
           <a:p>
             <a:pPr lvl="1"/>
+            <a:r>
+              <a:rPr lang="en-US" dirty="0" smtClean="0"/>
+              <a:t>Iteration – for key in </a:t>
+            </a:r>
             <a:r>
               <a:rPr lang="en-US" dirty="0" err="1" smtClean="0"/>
               <a:t>dictVar</a:t>
             </a:r>
+            <a:endParaRPr lang="en-US" dirty="0" smtClean="0"/>
+          </a:p>
+          <a:p>
             <a:r>
               <a:rPr lang="en-US" dirty="0" smtClean="0"/>
-              <a:t> = {}</a:t>
+              <a:t>Updating</a:t>
             </a:r>
           </a:p>
           <a:p>
             <a:pPr lvl="1"/>
+            <a:r>
+              <a:rPr lang="en-US" dirty="0" smtClean="0"/>
+              <a:t>By key</a:t>
+            </a:r>
+          </a:p>
+          <a:p>
+            <a:pPr lvl="2"/>
             <a:r>
               <a:rPr lang="en-US" dirty="0" err="1" smtClean="0"/>
               <a:t>dictVar</a:t>
             </a:r>
             <a:r>
               <a:rPr lang="en-US" dirty="0" smtClean="0"/>
-              <a:t> = </a:t>
-            </a:r>
-            <a:r>
-              <a:rPr lang="en-US" dirty="0" err="1" smtClean="0"/>
-              <a:t>dict</a:t>
-            </a:r>
-            <a:r>
-              <a:rPr lang="en-US" dirty="0" smtClean="0"/>
-              <a:t>([(‘Alex’, 10), (‘Bob’, 20), (‘Chris’, 30)])</a:t>
-            </a:r>
-          </a:p>
-          <a:p>
-            <a:pPr lvl="1"/>
+              <a:t>[‘Alex’] = 40</a:t>
+            </a:r>
+          </a:p>
+          <a:p>
+            <a:pPr lvl="2"/>
             <a:r>
               <a:rPr lang="en-US" dirty="0" err="1" smtClean="0"/>
               <a:t>dictVar</a:t>
             </a:r>
             <a:r>
               <a:rPr lang="en-US" dirty="0" smtClean="0"/>
-              <a:t> = </a:t>
-            </a:r>
+              <a:t>[‘Dave’] = 50</a:t>
+            </a:r>
+          </a:p>
+          <a:p>
+            <a:pPr lvl="2"/>
             <a:r>
               <a:rPr lang="en-US" dirty="0" err="1" smtClean="0"/>
-              <a:t>dict</a:t>
+              <a:t>someVar</a:t>
             </a:r>
             <a:r>
               <a:rPr lang="en-US" dirty="0" smtClean="0"/>
-              <a:t>(Alex=10, Bob=20, Chris=30)</a:t>
+              <a:t> = ‘Bob’; </a:t>
+            </a:r>
+            <a:r>
+              <a:rPr lang="en-US" dirty="0" err="1" smtClean="0"/>
+              <a:t>dictVar</a:t>
+            </a:r>
+            <a:r>
+              <a:rPr lang="en-US" dirty="0" smtClean="0"/>
+              <a:t>[</a:t>
+            </a:r>
+            <a:r>
+              <a:rPr lang="en-US" dirty="0" err="1" smtClean="0"/>
+              <a:t>someVar</a:t>
+            </a:r>
+            <a:r>
+              <a:rPr lang="en-US" dirty="0" smtClean="0"/>
+              <a:t>] = 60</a:t>
             </a:r>
             <a:endParaRPr lang="en-US" dirty="0"/>
+          </a:p>
+          <a:p>
+            <a:pPr lvl="2"/>
+            <a:r>
+              <a:rPr lang="en-US" dirty="0" smtClean="0"/>
+              <a:t>del </a:t>
+            </a:r>
+            <a:r>
+              <a:rPr lang="en-US" dirty="0" err="1" smtClean="0"/>
+              <a:t>dictVar</a:t>
+            </a:r>
+            <a:r>
+              <a:rPr lang="en-US" dirty="0" smtClean="0"/>
+              <a:t>[‘Dave’]</a:t>
+            </a:r>
           </a:p>
         </p:txBody>
       </p:sp>
@@ -37708,10 +38361,50 @@
           </a:p>
         </p:txBody>
       </p:sp>
+      <p:sp>
+        <p:nvSpPr>
+          <p:cNvPr id="6" name="TextBox 5"/>
+          <p:cNvSpPr txBox="1"/>
+          <p:nvPr/>
+        </p:nvSpPr>
+        <p:spPr>
+          <a:xfrm>
+            <a:off x="756823" y="1412776"/>
+            <a:ext cx="10814993" cy="369332"/>
+          </a:xfrm>
+          <a:prstGeom prst="rect">
+            <a:avLst/>
+          </a:prstGeom>
+          <a:noFill/>
+        </p:spPr>
+        <p:txBody>
+          <a:bodyPr wrap="square" rtlCol="0">
+            <a:spAutoFit/>
+          </a:bodyPr>
+          <a:lstStyle/>
+          <a:p>
+            <a:pPr lvl="1"/>
+            <a:r>
+              <a:rPr lang="en-US" dirty="0" err="1">
+                <a:latin typeface="Courier New" panose="02070309020205020404" pitchFamily="49" charset="0"/>
+                <a:cs typeface="Courier New" panose="02070309020205020404" pitchFamily="49" charset="0"/>
+              </a:rPr>
+              <a:t>dictVar</a:t>
+            </a:r>
+            <a:r>
+              <a:rPr lang="en-US" dirty="0">
+                <a:latin typeface="Courier New" panose="02070309020205020404" pitchFamily="49" charset="0"/>
+                <a:cs typeface="Courier New" panose="02070309020205020404" pitchFamily="49" charset="0"/>
+              </a:rPr>
+              <a:t> = { ‘Alex’ : 10, ‘Bob’: 20, ‘Chris’: 30 }</a:t>
+            </a:r>
+          </a:p>
+        </p:txBody>
+      </p:sp>
     </p:spTree>
     <p:extLst>
       <p:ext uri="{BB962C8B-B14F-4D97-AF65-F5344CB8AC3E}">
-        <p14:creationId xmlns:p14="http://schemas.microsoft.com/office/powerpoint/2010/main" val="2707938189"/>
+        <p14:creationId xmlns:p14="http://schemas.microsoft.com/office/powerpoint/2010/main" val="1810107685"/>
       </p:ext>
     </p:extLst>
   </p:cSld>
@@ -37763,125 +38456,12 @@
             <p:ph idx="1"/>
           </p:nvPr>
         </p:nvSpPr>
-        <p:spPr>
-          <a:xfrm>
-            <a:off x="876836" y="1792482"/>
-            <a:ext cx="10574965" cy="4516837"/>
-          </a:xfrm>
-        </p:spPr>
+        <p:spPr/>
         <p:txBody>
           <a:bodyPr/>
           <a:lstStyle/>
           <a:p>
-            <a:r>
-              <a:rPr lang="en-US" dirty="0" smtClean="0"/>
-              <a:t>Accessing</a:t>
-            </a:r>
-          </a:p>
-          <a:p>
-            <a:pPr lvl="1"/>
-            <a:r>
-              <a:rPr lang="en-US" dirty="0" smtClean="0"/>
-              <a:t>By key – </a:t>
-            </a:r>
-            <a:r>
-              <a:rPr lang="en-US" dirty="0" err="1" smtClean="0"/>
-              <a:t>dictVar</a:t>
-            </a:r>
-            <a:r>
-              <a:rPr lang="en-US" dirty="0" smtClean="0"/>
-              <a:t>[‘Alex’]</a:t>
-            </a:r>
-          </a:p>
-          <a:p>
-            <a:pPr lvl="1"/>
-            <a:r>
-              <a:rPr lang="en-US" dirty="0" smtClean="0"/>
-              <a:t>Iteration – for key in </a:t>
-            </a:r>
-            <a:r>
-              <a:rPr lang="en-US" dirty="0" err="1" smtClean="0"/>
-              <a:t>dictVar</a:t>
-            </a:r>
-            <a:endParaRPr lang="en-US" dirty="0" smtClean="0"/>
-          </a:p>
-          <a:p>
-            <a:r>
-              <a:rPr lang="en-US" dirty="0" smtClean="0"/>
-              <a:t>Updating</a:t>
-            </a:r>
-          </a:p>
-          <a:p>
-            <a:pPr lvl="1"/>
-            <a:r>
-              <a:rPr lang="en-US" dirty="0" smtClean="0"/>
-              <a:t>By key</a:t>
-            </a:r>
-          </a:p>
-          <a:p>
-            <a:pPr lvl="2"/>
-            <a:r>
-              <a:rPr lang="en-US" dirty="0" err="1" smtClean="0"/>
-              <a:t>dictVar</a:t>
-            </a:r>
-            <a:r>
-              <a:rPr lang="en-US" dirty="0" smtClean="0"/>
-              <a:t>[‘Alex’] = 40</a:t>
-            </a:r>
-          </a:p>
-          <a:p>
-            <a:pPr lvl="2"/>
-            <a:r>
-              <a:rPr lang="en-US" dirty="0" err="1" smtClean="0"/>
-              <a:t>dictVar</a:t>
-            </a:r>
-            <a:r>
-              <a:rPr lang="en-US" dirty="0" smtClean="0"/>
-              <a:t>[‘Dave’] = 50</a:t>
-            </a:r>
-          </a:p>
-          <a:p>
-            <a:pPr lvl="2"/>
-            <a:r>
-              <a:rPr lang="en-US" dirty="0" err="1" smtClean="0"/>
-              <a:t>someVar</a:t>
-            </a:r>
-            <a:r>
-              <a:rPr lang="en-US" dirty="0" smtClean="0"/>
-              <a:t> = ‘Bob’; </a:t>
-            </a:r>
-            <a:r>
-              <a:rPr lang="en-US" dirty="0" err="1" smtClean="0"/>
-              <a:t>dictVar</a:t>
-            </a:r>
-            <a:r>
-              <a:rPr lang="en-US" dirty="0" smtClean="0"/>
-              <a:t>[</a:t>
-            </a:r>
-            <a:r>
-              <a:rPr lang="en-US" dirty="0" err="1" smtClean="0"/>
-              <a:t>someVar</a:t>
-            </a:r>
-            <a:r>
-              <a:rPr lang="en-US" dirty="0" smtClean="0"/>
-              <a:t>] = 60</a:t>
-            </a:r>
             <a:endParaRPr lang="en-US" dirty="0"/>
-          </a:p>
-          <a:p>
-            <a:pPr lvl="2"/>
-            <a:r>
-              <a:rPr lang="en-US" dirty="0" smtClean="0"/>
-              <a:t>del </a:t>
-            </a:r>
-            <a:r>
-              <a:rPr lang="en-US" dirty="0" err="1" smtClean="0"/>
-              <a:t>dictVar</a:t>
-            </a:r>
-            <a:r>
-              <a:rPr lang="en-US" dirty="0" smtClean="0"/>
-              <a:t>[‘Dave’]</a:t>
-            </a:r>
           </a:p>
         </p:txBody>
       </p:sp>
@@ -37902,56 +38482,16 @@
           <a:p>
             <a:r>
               <a:rPr lang="en-US" dirty="0" smtClean="0"/>
-              <a:t>Dictionaries</a:t>
+              <a:t>Dictionaries: Examples</a:t>
             </a:r>
             <a:endParaRPr lang="en-US" dirty="0"/>
-          </a:p>
-        </p:txBody>
-      </p:sp>
-      <p:sp>
-        <p:nvSpPr>
-          <p:cNvPr id="6" name="TextBox 5"/>
-          <p:cNvSpPr txBox="1"/>
-          <p:nvPr/>
-        </p:nvSpPr>
-        <p:spPr>
-          <a:xfrm>
-            <a:off x="756823" y="1412776"/>
-            <a:ext cx="10814993" cy="369332"/>
-          </a:xfrm>
-          <a:prstGeom prst="rect">
-            <a:avLst/>
-          </a:prstGeom>
-          <a:noFill/>
-        </p:spPr>
-        <p:txBody>
-          <a:bodyPr wrap="square" rtlCol="0">
-            <a:spAutoFit/>
-          </a:bodyPr>
-          <a:lstStyle/>
-          <a:p>
-            <a:pPr lvl="1"/>
-            <a:r>
-              <a:rPr lang="en-US" dirty="0" err="1">
-                <a:latin typeface="Courier New" panose="02070309020205020404" pitchFamily="49" charset="0"/>
-                <a:cs typeface="Courier New" panose="02070309020205020404" pitchFamily="49" charset="0"/>
-              </a:rPr>
-              <a:t>dictVar</a:t>
-            </a:r>
-            <a:r>
-              <a:rPr lang="en-US" dirty="0">
-                <a:latin typeface="Courier New" panose="02070309020205020404" pitchFamily="49" charset="0"/>
-                <a:cs typeface="Courier New" panose="02070309020205020404" pitchFamily="49" charset="0"/>
-              </a:rPr>
-              <a:t> = { ‘Alex’ : 10, ‘Bob’: 20, ‘Chris’: 30 }</a:t>
-            </a:r>
           </a:p>
         </p:txBody>
       </p:sp>
     </p:spTree>
     <p:extLst>
       <p:ext uri="{BB962C8B-B14F-4D97-AF65-F5344CB8AC3E}">
-        <p14:creationId xmlns:p14="http://schemas.microsoft.com/office/powerpoint/2010/main" val="1810107685"/>
+        <p14:creationId xmlns:p14="http://schemas.microsoft.com/office/powerpoint/2010/main" val="3189642607"/>
       </p:ext>
     </p:extLst>
   </p:cSld>
@@ -37969,6 +38509,76 @@
 </file>
 
 <file path=ppt/slides/slide77.xml><?xml version="1.0" encoding="utf-8"?>
+<p:sld xmlns:a="http://schemas.openxmlformats.org/drawingml/2006/main" xmlns:r="http://schemas.openxmlformats.org/officeDocument/2006/relationships" xmlns:p="http://schemas.openxmlformats.org/presentationml/2006/main">
+  <p:cSld>
+    <p:spTree>
+      <p:nvGrpSpPr>
+        <p:cNvPr id="1" name=""/>
+        <p:cNvGrpSpPr/>
+        <p:nvPr/>
+      </p:nvGrpSpPr>
+      <p:grpSpPr>
+        <a:xfrm>
+          <a:off x="0" y="0"/>
+          <a:ext cx="0" cy="0"/>
+          <a:chOff x="0" y="0"/>
+          <a:chExt cx="0" cy="0"/>
+        </a:xfrm>
+      </p:grpSpPr>
+      <p:sp>
+        <p:nvSpPr>
+          <p:cNvPr id="4" name="Title 3"/>
+          <p:cNvSpPr>
+            <a:spLocks noGrp="1"/>
+          </p:cNvSpPr>
+          <p:nvPr>
+            <p:ph type="title"/>
+          </p:nvPr>
+        </p:nvSpPr>
+        <p:spPr/>
+        <p:txBody>
+          <a:bodyPr>
+            <a:normAutofit/>
+          </a:bodyPr>
+          <a:lstStyle/>
+          <a:p>
+            <a:r>
+              <a:rPr lang="en-US" dirty="0" smtClean="0">
+                <a:solidFill>
+                  <a:srgbClr val="C4A174"/>
+                </a:solidFill>
+              </a:rPr>
+              <a:t>Exercise:</a:t>
+            </a:r>
+            <a:r>
+              <a:rPr lang="en-US" dirty="0" smtClean="0"/>
+              <a:t> Data Types</a:t>
+            </a:r>
+            <a:endParaRPr lang="en-US" dirty="0"/>
+          </a:p>
+        </p:txBody>
+      </p:sp>
+    </p:spTree>
+    <p:extLst>
+      <p:ext uri="{BB962C8B-B14F-4D97-AF65-F5344CB8AC3E}">
+        <p14:creationId xmlns:p14="http://schemas.microsoft.com/office/powerpoint/2010/main" val="3767105570"/>
+      </p:ext>
+    </p:extLst>
+  </p:cSld>
+  <p:clrMapOvr>
+    <a:masterClrMapping/>
+  </p:clrMapOvr>
+  <p:timing>
+    <p:tnLst>
+      <p:par>
+        <p:cTn id="1" dur="indefinite" restart="never" nodeType="tmRoot"/>
+      </p:par>
+    </p:tnLst>
+  </p:timing>
+</p:sld>
+</file>
+
+<file path=ppt/slides/slide78.xml><?xml version="1.0" encoding="utf-8"?>
 <p:sld xmlns:a="http://schemas.openxmlformats.org/drawingml/2006/main" xmlns:r="http://schemas.openxmlformats.org/officeDocument/2006/relationships" xmlns:p="http://schemas.openxmlformats.org/presentationml/2006/main">
   <p:cSld>
     <p:bg>
@@ -38008,6 +38618,30 @@
           <a:bodyPr/>
           <a:lstStyle/>
           <a:p>
+            <a:r>
+              <a:rPr lang="en-US" dirty="0" smtClean="0"/>
+              <a:t>Membership</a:t>
+            </a:r>
+          </a:p>
+          <a:p>
+            <a:pPr lvl="1"/>
+            <a:r>
+              <a:rPr lang="en-US" dirty="0" smtClean="0"/>
+              <a:t>in, not in</a:t>
+            </a:r>
+          </a:p>
+          <a:p>
+            <a:r>
+              <a:rPr lang="en-US" dirty="0" smtClean="0"/>
+              <a:t>Identity</a:t>
+            </a:r>
+          </a:p>
+          <a:p>
+            <a:pPr lvl="1"/>
+            <a:r>
+              <a:rPr lang="en-US" dirty="0" smtClean="0"/>
+              <a:t>is, is not</a:t>
+            </a:r>
             <a:endParaRPr lang="en-US" dirty="0"/>
           </a:p>
         </p:txBody>
@@ -38029,7 +38663,7 @@
           <a:p>
             <a:r>
               <a:rPr lang="en-US" dirty="0" smtClean="0"/>
-              <a:t>Dictionaries: Examples</a:t>
+              <a:t>Operators Part 2</a:t>
             </a:r>
             <a:endParaRPr lang="en-US" dirty="0"/>
           </a:p>
@@ -38038,77 +38672,7 @@
     </p:spTree>
     <p:extLst>
       <p:ext uri="{BB962C8B-B14F-4D97-AF65-F5344CB8AC3E}">
-        <p14:creationId xmlns:p14="http://schemas.microsoft.com/office/powerpoint/2010/main" val="3189642607"/>
-      </p:ext>
-    </p:extLst>
-  </p:cSld>
-  <p:clrMapOvr>
-    <a:masterClrMapping/>
-  </p:clrMapOvr>
-  <p:timing>
-    <p:tnLst>
-      <p:par>
-        <p:cTn id="1" dur="indefinite" restart="never" nodeType="tmRoot"/>
-      </p:par>
-    </p:tnLst>
-  </p:timing>
-</p:sld>
-</file>
-
-<file path=ppt/slides/slide78.xml><?xml version="1.0" encoding="utf-8"?>
-<p:sld xmlns:a="http://schemas.openxmlformats.org/drawingml/2006/main" xmlns:r="http://schemas.openxmlformats.org/officeDocument/2006/relationships" xmlns:p="http://schemas.openxmlformats.org/presentationml/2006/main">
-  <p:cSld>
-    <p:spTree>
-      <p:nvGrpSpPr>
-        <p:cNvPr id="1" name=""/>
-        <p:cNvGrpSpPr/>
-        <p:nvPr/>
-      </p:nvGrpSpPr>
-      <p:grpSpPr>
-        <a:xfrm>
-          <a:off x="0" y="0"/>
-          <a:ext cx="0" cy="0"/>
-          <a:chOff x="0" y="0"/>
-          <a:chExt cx="0" cy="0"/>
-        </a:xfrm>
-      </p:grpSpPr>
-      <p:sp>
-        <p:nvSpPr>
-          <p:cNvPr id="4" name="Title 3"/>
-          <p:cNvSpPr>
-            <a:spLocks noGrp="1"/>
-          </p:cNvSpPr>
-          <p:nvPr>
-            <p:ph type="title"/>
-          </p:nvPr>
-        </p:nvSpPr>
-        <p:spPr/>
-        <p:txBody>
-          <a:bodyPr>
-            <a:normAutofit/>
-          </a:bodyPr>
-          <a:lstStyle/>
-          <a:p>
-            <a:r>
-              <a:rPr lang="en-US" dirty="0" smtClean="0">
-                <a:solidFill>
-                  <a:srgbClr val="C4A174"/>
-                </a:solidFill>
-              </a:rPr>
-              <a:t>Exercise:</a:t>
-            </a:r>
-            <a:r>
-              <a:rPr lang="en-US" dirty="0" smtClean="0"/>
-              <a:t> Data Types</a:t>
-            </a:r>
-            <a:endParaRPr lang="en-US" dirty="0"/>
-          </a:p>
-        </p:txBody>
-      </p:sp>
-    </p:spTree>
-    <p:extLst>
-      <p:ext uri="{BB962C8B-B14F-4D97-AF65-F5344CB8AC3E}">
-        <p14:creationId xmlns:p14="http://schemas.microsoft.com/office/powerpoint/2010/main" val="3767105570"/>
+        <p14:creationId xmlns:p14="http://schemas.microsoft.com/office/powerpoint/2010/main" val="3933252123"/>
       </p:ext>
     </p:extLst>
   </p:cSld>
@@ -38167,27 +38731,37 @@
           <a:p>
             <a:r>
               <a:rPr lang="en-US" dirty="0" smtClean="0"/>
-              <a:t>Membership</a:t>
+              <a:t>Test for membership in strings, lists or tuples</a:t>
+            </a:r>
+          </a:p>
+          <a:p>
+            <a:r>
+              <a:rPr lang="en-US" dirty="0"/>
+              <a:t>i</a:t>
+            </a:r>
+            <a:r>
+              <a:rPr lang="en-US" dirty="0" smtClean="0"/>
+              <a:t>n</a:t>
             </a:r>
           </a:p>
           <a:p>
             <a:pPr lvl="1"/>
             <a:r>
               <a:rPr lang="en-US" dirty="0" smtClean="0"/>
-              <a:t>in, not in</a:t>
+              <a:t>True if it finds a variable in the specified sequence, otherwise False</a:t>
             </a:r>
           </a:p>
           <a:p>
             <a:r>
               <a:rPr lang="en-US" dirty="0" smtClean="0"/>
-              <a:t>Identity</a:t>
+              <a:t>not in</a:t>
             </a:r>
           </a:p>
           <a:p>
             <a:pPr lvl="1"/>
             <a:r>
               <a:rPr lang="en-US" dirty="0" smtClean="0"/>
-              <a:t>is, is not</a:t>
+              <a:t>True if it does not find a variable in the specified sequence, otherwise False</a:t>
             </a:r>
             <a:endParaRPr lang="en-US" dirty="0"/>
           </a:p>
@@ -38210,7 +38784,7 @@
           <a:p>
             <a:r>
               <a:rPr lang="en-US" dirty="0" smtClean="0"/>
-              <a:t>Operators Part 2</a:t>
+              <a:t>Membership Operators</a:t>
             </a:r>
             <a:endParaRPr lang="en-US" dirty="0"/>
           </a:p>
@@ -38219,7 +38793,7 @@
     </p:spTree>
     <p:extLst>
       <p:ext uri="{BB962C8B-B14F-4D97-AF65-F5344CB8AC3E}">
-        <p14:creationId xmlns:p14="http://schemas.microsoft.com/office/powerpoint/2010/main" val="3933252123"/>
+        <p14:creationId xmlns:p14="http://schemas.microsoft.com/office/powerpoint/2010/main" val="663500974"/>
       </p:ext>
     </p:extLst>
   </p:cSld>
@@ -38336,40 +38910,6 @@
           <a:bodyPr/>
           <a:lstStyle/>
           <a:p>
-            <a:r>
-              <a:rPr lang="en-US" dirty="0" smtClean="0"/>
-              <a:t>Test for membership in strings, lists or tuples</a:t>
-            </a:r>
-          </a:p>
-          <a:p>
-            <a:r>
-              <a:rPr lang="en-US" dirty="0"/>
-              <a:t>i</a:t>
-            </a:r>
-            <a:r>
-              <a:rPr lang="en-US" dirty="0" smtClean="0"/>
-              <a:t>n</a:t>
-            </a:r>
-          </a:p>
-          <a:p>
-            <a:pPr lvl="1"/>
-            <a:r>
-              <a:rPr lang="en-US" dirty="0" smtClean="0"/>
-              <a:t>True if it finds a variable in the specified sequence, otherwise False</a:t>
-            </a:r>
-          </a:p>
-          <a:p>
-            <a:r>
-              <a:rPr lang="en-US" dirty="0" smtClean="0"/>
-              <a:t>not in</a:t>
-            </a:r>
-          </a:p>
-          <a:p>
-            <a:pPr lvl="1"/>
-            <a:r>
-              <a:rPr lang="en-US" dirty="0" smtClean="0"/>
-              <a:t>True if it does not find a variable in the specified sequence, otherwise False</a:t>
-            </a:r>
             <a:endParaRPr lang="en-US" dirty="0"/>
           </a:p>
         </p:txBody>
@@ -38391,7 +38931,7 @@
           <a:p>
             <a:r>
               <a:rPr lang="en-US" dirty="0" smtClean="0"/>
-              <a:t>Membership Operators</a:t>
+              <a:t>Membership: Examples</a:t>
             </a:r>
             <a:endParaRPr lang="en-US" dirty="0"/>
           </a:p>
@@ -38400,7 +38940,7 @@
     </p:spTree>
     <p:extLst>
       <p:ext uri="{BB962C8B-B14F-4D97-AF65-F5344CB8AC3E}">
-        <p14:creationId xmlns:p14="http://schemas.microsoft.com/office/powerpoint/2010/main" val="663500974"/>
+        <p14:creationId xmlns:p14="http://schemas.microsoft.com/office/powerpoint/2010/main" val="2909336299"/>
       </p:ext>
     </p:extLst>
   </p:cSld>
@@ -38457,6 +38997,41 @@
           <a:bodyPr/>
           <a:lstStyle/>
           <a:p>
+            <a:r>
+              <a:rPr lang="en-US" dirty="0" smtClean="0"/>
+              <a:t>Compare the memory locations of two objects</a:t>
+            </a:r>
+          </a:p>
+          <a:p>
+            <a:pPr lvl="1"/>
+            <a:r>
+              <a:rPr lang="en-US" dirty="0" smtClean="0"/>
+              <a:t>is</a:t>
+            </a:r>
+          </a:p>
+          <a:p>
+            <a:pPr lvl="2"/>
+            <a:r>
+              <a:rPr lang="en-US" dirty="0" smtClean="0"/>
+              <a:t>True if variables on both sides of the operator point to the same object, otherwise False</a:t>
+            </a:r>
+          </a:p>
+          <a:p>
+            <a:pPr lvl="1"/>
+            <a:r>
+              <a:rPr lang="en-US" dirty="0" smtClean="0"/>
+              <a:t>is not </a:t>
+            </a:r>
+          </a:p>
+          <a:p>
+            <a:pPr lvl="2"/>
+            <a:r>
+              <a:rPr lang="en-US" dirty="0" smtClean="0"/>
+              <a:t>False if variables on both sides of the operator point to the same object, otherwise True</a:t>
+            </a:r>
+          </a:p>
+          <a:p>
+            <a:pPr lvl="1"/>
             <a:endParaRPr lang="en-US" dirty="0"/>
           </a:p>
         </p:txBody>
@@ -38478,7 +39053,7 @@
           <a:p>
             <a:r>
               <a:rPr lang="en-US" dirty="0" smtClean="0"/>
-              <a:t>Membership: Examples</a:t>
+              <a:t>Identity Operators</a:t>
             </a:r>
             <a:endParaRPr lang="en-US" dirty="0"/>
           </a:p>
@@ -38487,7 +39062,7 @@
     </p:spTree>
     <p:extLst>
       <p:ext uri="{BB962C8B-B14F-4D97-AF65-F5344CB8AC3E}">
-        <p14:creationId xmlns:p14="http://schemas.microsoft.com/office/powerpoint/2010/main" val="2909336299"/>
+        <p14:creationId xmlns:p14="http://schemas.microsoft.com/office/powerpoint/2010/main" val="4152278287"/>
       </p:ext>
     </p:extLst>
   </p:cSld>
@@ -38544,41 +39119,6 @@
           <a:bodyPr/>
           <a:lstStyle/>
           <a:p>
-            <a:r>
-              <a:rPr lang="en-US" dirty="0" smtClean="0"/>
-              <a:t>Compare the memory locations of two objects</a:t>
-            </a:r>
-          </a:p>
-          <a:p>
-            <a:pPr lvl="1"/>
-            <a:r>
-              <a:rPr lang="en-US" dirty="0" smtClean="0"/>
-              <a:t>is</a:t>
-            </a:r>
-          </a:p>
-          <a:p>
-            <a:pPr lvl="2"/>
-            <a:r>
-              <a:rPr lang="en-US" dirty="0" smtClean="0"/>
-              <a:t>True if variables on both sides of the operator point to the same object, otherwise False</a:t>
-            </a:r>
-          </a:p>
-          <a:p>
-            <a:pPr lvl="1"/>
-            <a:r>
-              <a:rPr lang="en-US" dirty="0" smtClean="0"/>
-              <a:t>is not </a:t>
-            </a:r>
-          </a:p>
-          <a:p>
-            <a:pPr lvl="2"/>
-            <a:r>
-              <a:rPr lang="en-US" dirty="0" smtClean="0"/>
-              <a:t>False if variables on both sides of the operator point to the same object, otherwise True</a:t>
-            </a:r>
-          </a:p>
-          <a:p>
-            <a:pPr lvl="1"/>
             <a:endParaRPr lang="en-US" dirty="0"/>
           </a:p>
         </p:txBody>
@@ -38600,7 +39140,7 @@
           <a:p>
             <a:r>
               <a:rPr lang="en-US" dirty="0" smtClean="0"/>
-              <a:t>Identity Operators</a:t>
+              <a:t>Identity: Examples</a:t>
             </a:r>
             <a:endParaRPr lang="en-US" dirty="0"/>
           </a:p>
@@ -38609,7 +39149,7 @@
     </p:spTree>
     <p:extLst>
       <p:ext uri="{BB962C8B-B14F-4D97-AF65-F5344CB8AC3E}">
-        <p14:creationId xmlns:p14="http://schemas.microsoft.com/office/powerpoint/2010/main" val="4152278287"/>
+        <p14:creationId xmlns:p14="http://schemas.microsoft.com/office/powerpoint/2010/main" val="1530654124"/>
       </p:ext>
     </p:extLst>
   </p:cSld>
@@ -38663,9 +39203,45 @@
         </p:nvSpPr>
         <p:spPr/>
         <p:txBody>
-          <a:bodyPr/>
+          <a:bodyPr>
+            <a:normAutofit lnSpcReduction="10000"/>
+          </a:bodyPr>
           <a:lstStyle/>
           <a:p>
+            <a:r>
+              <a:rPr lang="en-US" dirty="0" smtClean="0"/>
+              <a:t>A function definition is an executable statement wrapping any number of statements or expressions</a:t>
+            </a:r>
+          </a:p>
+          <a:p>
+            <a:r>
+              <a:rPr lang="en-US" dirty="0" smtClean="0"/>
+              <a:t>The function definition does not execute the function body; this get executed when the function is invoked</a:t>
+            </a:r>
+          </a:p>
+          <a:p>
+            <a:r>
+              <a:rPr lang="en-US" dirty="0" smtClean="0"/>
+              <a:t>Can specify zero or more parameters</a:t>
+            </a:r>
+          </a:p>
+          <a:p>
+            <a:r>
+              <a:rPr lang="en-US" dirty="0" smtClean="0"/>
+              <a:t>Can return objects</a:t>
+            </a:r>
+          </a:p>
+          <a:p>
+            <a:r>
+              <a:rPr lang="en-US" dirty="0" smtClean="0"/>
+              <a:t>Parameters can be supplied with default values</a:t>
+            </a:r>
+          </a:p>
+          <a:p>
+            <a:r>
+              <a:rPr lang="en-US" dirty="0" smtClean="0"/>
+              <a:t>Helps compartmentalize application logic</a:t>
+            </a:r>
             <a:endParaRPr lang="en-US" dirty="0"/>
           </a:p>
         </p:txBody>
@@ -38687,7 +39263,7 @@
           <a:p>
             <a:r>
               <a:rPr lang="en-US" dirty="0" smtClean="0"/>
-              <a:t>Identity: Examples</a:t>
+              <a:t>Functions</a:t>
             </a:r>
             <a:endParaRPr lang="en-US" dirty="0"/>
           </a:p>
@@ -38696,7 +39272,7 @@
     </p:spTree>
     <p:extLst>
       <p:ext uri="{BB962C8B-B14F-4D97-AF65-F5344CB8AC3E}">
-        <p14:creationId xmlns:p14="http://schemas.microsoft.com/office/powerpoint/2010/main" val="1530654124"/>
+        <p14:creationId xmlns:p14="http://schemas.microsoft.com/office/powerpoint/2010/main" val="3799788725"/>
       </p:ext>
     </p:extLst>
   </p:cSld>
@@ -38750,45 +39326,9 @@
         </p:nvSpPr>
         <p:spPr/>
         <p:txBody>
-          <a:bodyPr>
-            <a:normAutofit lnSpcReduction="10000"/>
-          </a:bodyPr>
+          <a:bodyPr/>
           <a:lstStyle/>
           <a:p>
-            <a:r>
-              <a:rPr lang="en-US" dirty="0" smtClean="0"/>
-              <a:t>A function definition is an executable statement wrapping any number of statements or expressions</a:t>
-            </a:r>
-          </a:p>
-          <a:p>
-            <a:r>
-              <a:rPr lang="en-US" dirty="0" smtClean="0"/>
-              <a:t>The function definition does not execute the function body; this get executed when the function is invoked</a:t>
-            </a:r>
-          </a:p>
-          <a:p>
-            <a:r>
-              <a:rPr lang="en-US" dirty="0" smtClean="0"/>
-              <a:t>Can specify zero or more parameters</a:t>
-            </a:r>
-          </a:p>
-          <a:p>
-            <a:r>
-              <a:rPr lang="en-US" dirty="0" smtClean="0"/>
-              <a:t>Can return objects</a:t>
-            </a:r>
-          </a:p>
-          <a:p>
-            <a:r>
-              <a:rPr lang="en-US" dirty="0" smtClean="0"/>
-              <a:t>Parameters can be supplied with default values</a:t>
-            </a:r>
-          </a:p>
-          <a:p>
-            <a:r>
-              <a:rPr lang="en-US" dirty="0" smtClean="0"/>
-              <a:t>Helps compartmentalize application logic</a:t>
-            </a:r>
             <a:endParaRPr lang="en-US" dirty="0"/>
           </a:p>
         </p:txBody>
@@ -38810,7 +39350,7 @@
           <a:p>
             <a:r>
               <a:rPr lang="en-US" dirty="0" smtClean="0"/>
-              <a:t>Functions</a:t>
+              <a:t>Functions: Examples</a:t>
             </a:r>
             <a:endParaRPr lang="en-US" dirty="0"/>
           </a:p>
@@ -38819,7 +39359,7 @@
     </p:spTree>
     <p:extLst>
       <p:ext uri="{BB962C8B-B14F-4D97-AF65-F5344CB8AC3E}">
-        <p14:creationId xmlns:p14="http://schemas.microsoft.com/office/powerpoint/2010/main" val="3799788725"/>
+        <p14:creationId xmlns:p14="http://schemas.microsoft.com/office/powerpoint/2010/main" val="569879142"/>
       </p:ext>
     </p:extLst>
   </p:cSld>
@@ -38837,6 +39377,76 @@
 </file>
 
 <file path=ppt/slides/slide85.xml><?xml version="1.0" encoding="utf-8"?>
+<p:sld xmlns:a="http://schemas.openxmlformats.org/drawingml/2006/main" xmlns:r="http://schemas.openxmlformats.org/officeDocument/2006/relationships" xmlns:p="http://schemas.openxmlformats.org/presentationml/2006/main">
+  <p:cSld>
+    <p:spTree>
+      <p:nvGrpSpPr>
+        <p:cNvPr id="1" name=""/>
+        <p:cNvGrpSpPr/>
+        <p:nvPr/>
+      </p:nvGrpSpPr>
+      <p:grpSpPr>
+        <a:xfrm>
+          <a:off x="0" y="0"/>
+          <a:ext cx="0" cy="0"/>
+          <a:chOff x="0" y="0"/>
+          <a:chExt cx="0" cy="0"/>
+        </a:xfrm>
+      </p:grpSpPr>
+      <p:sp>
+        <p:nvSpPr>
+          <p:cNvPr id="4" name="Title 3"/>
+          <p:cNvSpPr>
+            <a:spLocks noGrp="1"/>
+          </p:cNvSpPr>
+          <p:nvPr>
+            <p:ph type="title"/>
+          </p:nvPr>
+        </p:nvSpPr>
+        <p:spPr/>
+        <p:txBody>
+          <a:bodyPr>
+            <a:normAutofit/>
+          </a:bodyPr>
+          <a:lstStyle/>
+          <a:p>
+            <a:r>
+              <a:rPr lang="en-US" dirty="0" smtClean="0">
+                <a:solidFill>
+                  <a:srgbClr val="C4A174"/>
+                </a:solidFill>
+              </a:rPr>
+              <a:t>Exercise:</a:t>
+            </a:r>
+            <a:r>
+              <a:rPr lang="en-US" dirty="0" smtClean="0"/>
+              <a:t> Functions</a:t>
+            </a:r>
+            <a:endParaRPr lang="en-US" dirty="0"/>
+          </a:p>
+        </p:txBody>
+      </p:sp>
+    </p:spTree>
+    <p:extLst>
+      <p:ext uri="{BB962C8B-B14F-4D97-AF65-F5344CB8AC3E}">
+        <p14:creationId xmlns:p14="http://schemas.microsoft.com/office/powerpoint/2010/main" val="1638318231"/>
+      </p:ext>
+    </p:extLst>
+  </p:cSld>
+  <p:clrMapOvr>
+    <a:masterClrMapping/>
+  </p:clrMapOvr>
+  <p:timing>
+    <p:tnLst>
+      <p:par>
+        <p:cTn id="1" dur="indefinite" restart="never" nodeType="tmRoot"/>
+      </p:par>
+    </p:tnLst>
+  </p:timing>
+</p:sld>
+</file>
+
+<file path=ppt/slides/slide86.xml><?xml version="1.0" encoding="utf-8"?>
 <p:sld xmlns:a="http://schemas.openxmlformats.org/drawingml/2006/main" xmlns:r="http://schemas.openxmlformats.org/officeDocument/2006/relationships" xmlns:p="http://schemas.openxmlformats.org/presentationml/2006/main">
   <p:cSld>
     <p:bg>
@@ -38873,10 +39483,64 @@
         </p:nvSpPr>
         <p:spPr/>
         <p:txBody>
-          <a:bodyPr/>
+          <a:bodyPr>
+            <a:normAutofit/>
+          </a:bodyPr>
           <a:lstStyle/>
           <a:p>
-            <a:endParaRPr lang="en-US" dirty="0"/>
+            <a:r>
+              <a:rPr lang="en-US" dirty="0" smtClean="0"/>
+              <a:t>What is a module?</a:t>
+            </a:r>
+          </a:p>
+          <a:p>
+            <a:pPr lvl="1"/>
+            <a:r>
+              <a:rPr lang="en-US" dirty="0" smtClean="0"/>
+              <a:t>A file containing Python definitions and statements</a:t>
+            </a:r>
+          </a:p>
+          <a:p>
+            <a:pPr lvl="1"/>
+            <a:r>
+              <a:rPr lang="en-US" dirty="0" smtClean="0"/>
+              <a:t>Module files have the .</a:t>
+            </a:r>
+            <a:r>
+              <a:rPr lang="en-US" dirty="0" err="1" smtClean="0"/>
+              <a:t>py</a:t>
+            </a:r>
+            <a:r>
+              <a:rPr lang="en-US" dirty="0" smtClean="0"/>
+              <a:t> extension, e.g. mymodule.py</a:t>
+            </a:r>
+          </a:p>
+          <a:p>
+            <a:r>
+              <a:rPr lang="en-US" dirty="0" smtClean="0"/>
+              <a:t>Why do we use them?</a:t>
+            </a:r>
+          </a:p>
+          <a:p>
+            <a:pPr lvl="1"/>
+            <a:r>
+              <a:rPr lang="en-US" dirty="0" smtClean="0"/>
+              <a:t>Provide reusable code</a:t>
+            </a:r>
+          </a:p>
+          <a:p>
+            <a:pPr lvl="1"/>
+            <a:r>
+              <a:rPr lang="en-US" dirty="0" smtClean="0"/>
+              <a:t>Prevent code duplication</a:t>
+            </a:r>
+          </a:p>
+          <a:p>
+            <a:pPr lvl="1"/>
+            <a:r>
+              <a:rPr lang="en-US" dirty="0" smtClean="0"/>
+              <a:t>Split application code into functional groups</a:t>
+            </a:r>
           </a:p>
         </p:txBody>
       </p:sp>
@@ -38897,7 +39561,15 @@
           <a:p>
             <a:r>
               <a:rPr lang="en-US" dirty="0" smtClean="0"/>
-              <a:t>Functions: Examples</a:t>
+              <a:t>Libraries, </a:t>
+            </a:r>
+            <a:r>
+              <a:rPr lang="en-US" dirty="0" err="1" smtClean="0"/>
+              <a:t>a.k.a</a:t>
+            </a:r>
+            <a:r>
+              <a:rPr lang="en-US" dirty="0" smtClean="0"/>
+              <a:t> Modules</a:t>
             </a:r>
             <a:endParaRPr lang="en-US" dirty="0"/>
           </a:p>
@@ -38906,77 +39578,7 @@
     </p:spTree>
     <p:extLst>
       <p:ext uri="{BB962C8B-B14F-4D97-AF65-F5344CB8AC3E}">
-        <p14:creationId xmlns:p14="http://schemas.microsoft.com/office/powerpoint/2010/main" val="569879142"/>
-      </p:ext>
-    </p:extLst>
-  </p:cSld>
-  <p:clrMapOvr>
-    <a:masterClrMapping/>
-  </p:clrMapOvr>
-  <p:timing>
-    <p:tnLst>
-      <p:par>
-        <p:cTn id="1" dur="indefinite" restart="never" nodeType="tmRoot"/>
-      </p:par>
-    </p:tnLst>
-  </p:timing>
-</p:sld>
-</file>
-
-<file path=ppt/slides/slide86.xml><?xml version="1.0" encoding="utf-8"?>
-<p:sld xmlns:a="http://schemas.openxmlformats.org/drawingml/2006/main" xmlns:r="http://schemas.openxmlformats.org/officeDocument/2006/relationships" xmlns:p="http://schemas.openxmlformats.org/presentationml/2006/main">
-  <p:cSld>
-    <p:spTree>
-      <p:nvGrpSpPr>
-        <p:cNvPr id="1" name=""/>
-        <p:cNvGrpSpPr/>
-        <p:nvPr/>
-      </p:nvGrpSpPr>
-      <p:grpSpPr>
-        <a:xfrm>
-          <a:off x="0" y="0"/>
-          <a:ext cx="0" cy="0"/>
-          <a:chOff x="0" y="0"/>
-          <a:chExt cx="0" cy="0"/>
-        </a:xfrm>
-      </p:grpSpPr>
-      <p:sp>
-        <p:nvSpPr>
-          <p:cNvPr id="4" name="Title 3"/>
-          <p:cNvSpPr>
-            <a:spLocks noGrp="1"/>
-          </p:cNvSpPr>
-          <p:nvPr>
-            <p:ph type="title"/>
-          </p:nvPr>
-        </p:nvSpPr>
-        <p:spPr/>
-        <p:txBody>
-          <a:bodyPr>
-            <a:normAutofit/>
-          </a:bodyPr>
-          <a:lstStyle/>
-          <a:p>
-            <a:r>
-              <a:rPr lang="en-US" dirty="0" smtClean="0">
-                <a:solidFill>
-                  <a:srgbClr val="C4A174"/>
-                </a:solidFill>
-              </a:rPr>
-              <a:t>Exercise:</a:t>
-            </a:r>
-            <a:r>
-              <a:rPr lang="en-US" dirty="0" smtClean="0"/>
-              <a:t> Functions</a:t>
-            </a:r>
-            <a:endParaRPr lang="en-US" dirty="0"/>
-          </a:p>
-        </p:txBody>
-      </p:sp>
-    </p:spTree>
-    <p:extLst>
-      <p:ext uri="{BB962C8B-B14F-4D97-AF65-F5344CB8AC3E}">
-        <p14:creationId xmlns:p14="http://schemas.microsoft.com/office/powerpoint/2010/main" val="1638318231"/>
+        <p14:creationId xmlns:p14="http://schemas.microsoft.com/office/powerpoint/2010/main" val="1762627127"/>
       </p:ext>
     </p:extLst>
   </p:cSld>
@@ -39028,65 +39630,80 @@
             <p:ph idx="1"/>
           </p:nvPr>
         </p:nvSpPr>
-        <p:spPr/>
+        <p:spPr>
+          <a:xfrm>
+            <a:off x="1007436" y="1556792"/>
+            <a:ext cx="10574965" cy="4569373"/>
+          </a:xfrm>
+        </p:spPr>
         <p:txBody>
           <a:bodyPr>
-            <a:normAutofit/>
+            <a:normAutofit lnSpcReduction="10000"/>
           </a:bodyPr>
           <a:lstStyle/>
           <a:p>
             <a:r>
               <a:rPr lang="en-US" dirty="0" smtClean="0"/>
-              <a:t>What is a module?</a:t>
+              <a:t>Where to get them</a:t>
             </a:r>
           </a:p>
           <a:p>
             <a:pPr lvl="1"/>
             <a:r>
+              <a:rPr lang="en-US" dirty="0" err="1" smtClean="0"/>
+              <a:t>Github</a:t>
+            </a:r>
+            <a:endParaRPr lang="en-US" dirty="0" smtClean="0"/>
+          </a:p>
+          <a:p>
+            <a:pPr lvl="1"/>
+            <a:r>
               <a:rPr lang="en-US" dirty="0" smtClean="0"/>
-              <a:t>A file containing Python definitions and statements</a:t>
+              <a:t>Pip</a:t>
             </a:r>
           </a:p>
           <a:p>
             <a:pPr lvl="1"/>
             <a:r>
+              <a:rPr lang="en-US" dirty="0" err="1" smtClean="0"/>
+              <a:t>Bitbucket</a:t>
+            </a:r>
+            <a:endParaRPr lang="en-US" dirty="0" smtClean="0"/>
+          </a:p>
+          <a:p>
+            <a:pPr lvl="1"/>
+            <a:r>
+              <a:rPr lang="en-US" dirty="0" err="1" smtClean="0"/>
+              <a:t>PyPi</a:t>
+            </a:r>
+            <a:endParaRPr lang="en-US" dirty="0" smtClean="0"/>
+          </a:p>
+          <a:p>
+            <a:r>
               <a:rPr lang="en-US" dirty="0" smtClean="0"/>
-              <a:t>Module files have the .</a:t>
-            </a:r>
-            <a:r>
-              <a:rPr lang="en-US" dirty="0" err="1" smtClean="0"/>
-              <a:t>py</a:t>
-            </a:r>
+              <a:t>Concerns</a:t>
+            </a:r>
+          </a:p>
+          <a:p>
+            <a:pPr lvl="1"/>
             <a:r>
               <a:rPr lang="en-US" dirty="0" smtClean="0"/>
-              <a:t> extension, e.g. mymodule.py</a:t>
-            </a:r>
-          </a:p>
-          <a:p>
+              <a:t>Black boxing</a:t>
+            </a:r>
+          </a:p>
+          <a:p>
+            <a:pPr lvl="1"/>
             <a:r>
               <a:rPr lang="en-US" dirty="0" smtClean="0"/>
-              <a:t>Why do we use them?</a:t>
-            </a:r>
+              <a:t>Security</a:t>
+            </a:r>
+            <a:endParaRPr lang="en-US" dirty="0"/>
           </a:p>
           <a:p>
             <a:pPr lvl="1"/>
             <a:r>
               <a:rPr lang="en-US" dirty="0" smtClean="0"/>
-              <a:t>Provide reusable code</a:t>
-            </a:r>
-          </a:p>
-          <a:p>
-            <a:pPr lvl="1"/>
-            <a:r>
-              <a:rPr lang="en-US" dirty="0" smtClean="0"/>
-              <a:t>Prevent code duplication</a:t>
-            </a:r>
-          </a:p>
-          <a:p>
-            <a:pPr lvl="1"/>
-            <a:r>
-              <a:rPr lang="en-US" dirty="0" smtClean="0"/>
-              <a:t>Split application code into functional groups</a:t>
+              <a:t>Support</a:t>
             </a:r>
           </a:p>
         </p:txBody>
@@ -39125,7 +39742,7 @@
     </p:spTree>
     <p:extLst>
       <p:ext uri="{BB962C8B-B14F-4D97-AF65-F5344CB8AC3E}">
-        <p14:creationId xmlns:p14="http://schemas.microsoft.com/office/powerpoint/2010/main" val="1762627127"/>
+        <p14:creationId xmlns:p14="http://schemas.microsoft.com/office/powerpoint/2010/main" val="4016755990"/>
       </p:ext>
     </p:extLst>
   </p:cSld>
@@ -39185,73 +39802,67 @@
         </p:spPr>
         <p:txBody>
           <a:bodyPr>
-            <a:normAutofit lnSpcReduction="10000"/>
+            <a:normAutofit/>
           </a:bodyPr>
           <a:lstStyle/>
           <a:p>
             <a:r>
               <a:rPr lang="en-US" dirty="0" smtClean="0"/>
-              <a:t>Where to get them</a:t>
+              <a:t>Example libraries</a:t>
             </a:r>
           </a:p>
           <a:p>
             <a:pPr lvl="1"/>
             <a:r>
               <a:rPr lang="en-US" dirty="0" err="1" smtClean="0"/>
-              <a:t>Github</a:t>
+              <a:t>pyOpenSSL</a:t>
             </a:r>
             <a:endParaRPr lang="en-US" dirty="0" smtClean="0"/>
           </a:p>
           <a:p>
             <a:pPr lvl="1"/>
             <a:r>
+              <a:rPr lang="en-US" dirty="0" err="1" smtClean="0"/>
+              <a:t>Django</a:t>
+            </a:r>
+            <a:endParaRPr lang="en-US" dirty="0" smtClean="0"/>
+          </a:p>
+          <a:p>
+            <a:pPr lvl="1"/>
+            <a:r>
               <a:rPr lang="en-US" dirty="0" smtClean="0"/>
-              <a:t>Pip</a:t>
+              <a:t>MySQL-python</a:t>
             </a:r>
           </a:p>
           <a:p>
             <a:pPr lvl="1"/>
             <a:r>
               <a:rPr lang="en-US" dirty="0" err="1" smtClean="0"/>
-              <a:t>Bitbucket</a:t>
+              <a:t>Plotly</a:t>
             </a:r>
             <a:endParaRPr lang="en-US" dirty="0" smtClean="0"/>
           </a:p>
           <a:p>
             <a:pPr lvl="1"/>
             <a:r>
-              <a:rPr lang="en-US" dirty="0" err="1" smtClean="0"/>
-              <a:t>PyPi</a:t>
-            </a:r>
+              <a:rPr lang="en-US" dirty="0" smtClean="0"/>
+              <a:t>Requests</a:t>
+            </a:r>
+          </a:p>
+          <a:p>
+            <a:pPr lvl="1"/>
+            <a:r>
+              <a:rPr lang="en-US" dirty="0" smtClean="0"/>
+              <a:t>Beautiful Soup</a:t>
+            </a:r>
+          </a:p>
+          <a:p>
+            <a:pPr lvl="1"/>
             <a:endParaRPr lang="en-US" dirty="0" smtClean="0"/>
           </a:p>
           <a:p>
-            <a:r>
-              <a:rPr lang="en-US" dirty="0" smtClean="0"/>
-              <a:t>Concerns</a:t>
-            </a:r>
-          </a:p>
-          <a:p>
             <a:pPr lvl="1"/>
-            <a:r>
-              <a:rPr lang="en-US" dirty="0" smtClean="0"/>
-              <a:t>Black boxing</a:t>
-            </a:r>
-          </a:p>
-          <a:p>
-            <a:pPr lvl="1"/>
-            <a:r>
-              <a:rPr lang="en-US" dirty="0" smtClean="0"/>
-              <a:t>Security</a:t>
-            </a:r>
-            <a:endParaRPr lang="en-US" dirty="0"/>
-          </a:p>
-          <a:p>
-            <a:pPr lvl="1"/>
-            <a:r>
-              <a:rPr lang="en-US" dirty="0" smtClean="0"/>
-              <a:t>Support</a:t>
-            </a:r>
+            <a:endParaRPr lang="en-US" dirty="0" smtClean="0"/>
           </a:p>
         </p:txBody>
       </p:sp>
@@ -39289,7 +39900,7 @@
     </p:spTree>
     <p:extLst>
       <p:ext uri="{BB962C8B-B14F-4D97-AF65-F5344CB8AC3E}">
-        <p14:creationId xmlns:p14="http://schemas.microsoft.com/office/powerpoint/2010/main" val="4016755990"/>
+        <p14:creationId xmlns:p14="http://schemas.microsoft.com/office/powerpoint/2010/main" val="2118525289"/>
       </p:ext>
     </p:extLst>
   </p:cSld>
@@ -39341,75 +39952,12 @@
             <p:ph idx="1"/>
           </p:nvPr>
         </p:nvSpPr>
-        <p:spPr>
-          <a:xfrm>
-            <a:off x="1007436" y="1556792"/>
-            <a:ext cx="10574965" cy="4569373"/>
-          </a:xfrm>
-        </p:spPr>
+        <p:spPr/>
         <p:txBody>
-          <a:bodyPr>
-            <a:normAutofit/>
-          </a:bodyPr>
+          <a:bodyPr/>
           <a:lstStyle/>
           <a:p>
-            <a:r>
-              <a:rPr lang="en-US" dirty="0" smtClean="0"/>
-              <a:t>Example libraries</a:t>
-            </a:r>
-          </a:p>
-          <a:p>
-            <a:pPr lvl="1"/>
-            <a:r>
-              <a:rPr lang="en-US" dirty="0" err="1" smtClean="0"/>
-              <a:t>pyOpenSSL</a:t>
-            </a:r>
-            <a:endParaRPr lang="en-US" dirty="0" smtClean="0"/>
-          </a:p>
-          <a:p>
-            <a:pPr lvl="1"/>
-            <a:r>
-              <a:rPr lang="en-US" dirty="0" err="1" smtClean="0"/>
-              <a:t>Django</a:t>
-            </a:r>
-            <a:endParaRPr lang="en-US" dirty="0" smtClean="0"/>
-          </a:p>
-          <a:p>
-            <a:pPr lvl="1"/>
-            <a:r>
-              <a:rPr lang="en-US" dirty="0" smtClean="0"/>
-              <a:t>MySQL-python</a:t>
-            </a:r>
-          </a:p>
-          <a:p>
-            <a:pPr lvl="1"/>
-            <a:r>
-              <a:rPr lang="en-US" dirty="0" err="1" smtClean="0"/>
-              <a:t>Plotly</a:t>
-            </a:r>
-            <a:endParaRPr lang="en-US" dirty="0" smtClean="0"/>
-          </a:p>
-          <a:p>
-            <a:pPr lvl="1"/>
-            <a:r>
-              <a:rPr lang="en-US" dirty="0" smtClean="0"/>
-              <a:t>Requests</a:t>
-            </a:r>
-          </a:p>
-          <a:p>
-            <a:pPr lvl="1"/>
-            <a:r>
-              <a:rPr lang="en-US" dirty="0" smtClean="0"/>
-              <a:t>Beautiful Soup</a:t>
-            </a:r>
-          </a:p>
-          <a:p>
-            <a:pPr lvl="1"/>
-            <a:endParaRPr lang="en-US" dirty="0" smtClean="0"/>
-          </a:p>
-          <a:p>
-            <a:pPr lvl="1"/>
-            <a:endParaRPr lang="en-US" dirty="0" smtClean="0"/>
+            <a:endParaRPr lang="en-US" dirty="0"/>
           </a:p>
         </p:txBody>
       </p:sp>
@@ -39430,15 +39978,7 @@
           <a:p>
             <a:r>
               <a:rPr lang="en-US" dirty="0" smtClean="0"/>
-              <a:t>Libraries, </a:t>
-            </a:r>
-            <a:r>
-              <a:rPr lang="en-US" dirty="0" err="1" smtClean="0"/>
-              <a:t>a.k.a</a:t>
-            </a:r>
-            <a:r>
-              <a:rPr lang="en-US" dirty="0" smtClean="0"/>
-              <a:t> Modules</a:t>
+              <a:t>Libraries: Examples</a:t>
             </a:r>
             <a:endParaRPr lang="en-US" dirty="0"/>
           </a:p>
@@ -39447,7 +39987,7 @@
     </p:spTree>
     <p:extLst>
       <p:ext uri="{BB962C8B-B14F-4D97-AF65-F5344CB8AC3E}">
-        <p14:creationId xmlns:p14="http://schemas.microsoft.com/office/powerpoint/2010/main" val="2118525289"/>
+        <p14:creationId xmlns:p14="http://schemas.microsoft.com/office/powerpoint/2010/main" val="1427963118"/>
       </p:ext>
     </p:extLst>
   </p:cSld>
@@ -39579,6 +40119,76 @@
 <file path=ppt/slides/slide90.xml><?xml version="1.0" encoding="utf-8"?>
 <p:sld xmlns:a="http://schemas.openxmlformats.org/drawingml/2006/main" xmlns:r="http://schemas.openxmlformats.org/officeDocument/2006/relationships" xmlns:p="http://schemas.openxmlformats.org/presentationml/2006/main">
   <p:cSld>
+    <p:spTree>
+      <p:nvGrpSpPr>
+        <p:cNvPr id="1" name=""/>
+        <p:cNvGrpSpPr/>
+        <p:nvPr/>
+      </p:nvGrpSpPr>
+      <p:grpSpPr>
+        <a:xfrm>
+          <a:off x="0" y="0"/>
+          <a:ext cx="0" cy="0"/>
+          <a:chOff x="0" y="0"/>
+          <a:chExt cx="0" cy="0"/>
+        </a:xfrm>
+      </p:grpSpPr>
+      <p:sp>
+        <p:nvSpPr>
+          <p:cNvPr id="4" name="Title 3"/>
+          <p:cNvSpPr>
+            <a:spLocks noGrp="1"/>
+          </p:cNvSpPr>
+          <p:nvPr>
+            <p:ph type="title"/>
+          </p:nvPr>
+        </p:nvSpPr>
+        <p:spPr/>
+        <p:txBody>
+          <a:bodyPr>
+            <a:normAutofit/>
+          </a:bodyPr>
+          <a:lstStyle/>
+          <a:p>
+            <a:r>
+              <a:rPr lang="en-US" dirty="0" smtClean="0">
+                <a:solidFill>
+                  <a:srgbClr val="C4A174"/>
+                </a:solidFill>
+              </a:rPr>
+              <a:t>Exercise:</a:t>
+            </a:r>
+            <a:r>
+              <a:rPr lang="en-US" dirty="0" smtClean="0"/>
+              <a:t> Libraries</a:t>
+            </a:r>
+            <a:endParaRPr lang="en-US" dirty="0"/>
+          </a:p>
+        </p:txBody>
+      </p:sp>
+    </p:spTree>
+    <p:extLst>
+      <p:ext uri="{BB962C8B-B14F-4D97-AF65-F5344CB8AC3E}">
+        <p14:creationId xmlns:p14="http://schemas.microsoft.com/office/powerpoint/2010/main" val="2782091560"/>
+      </p:ext>
+    </p:extLst>
+  </p:cSld>
+  <p:clrMapOvr>
+    <a:masterClrMapping/>
+  </p:clrMapOvr>
+  <p:timing>
+    <p:tnLst>
+      <p:par>
+        <p:cTn id="1" dur="indefinite" restart="never" nodeType="tmRoot"/>
+      </p:par>
+    </p:tnLst>
+  </p:timing>
+</p:sld>
+</file>
+
+<file path=ppt/slides/slide91.xml><?xml version="1.0" encoding="utf-8"?>
+<p:sld xmlns:a="http://schemas.openxmlformats.org/drawingml/2006/main" xmlns:r="http://schemas.openxmlformats.org/officeDocument/2006/relationships" xmlns:p="http://schemas.openxmlformats.org/presentationml/2006/main">
+  <p:cSld>
     <p:bg>
       <p:bgPr>
         <a:solidFill>
@@ -39613,10 +40223,94 @@
         </p:nvSpPr>
         <p:spPr/>
         <p:txBody>
-          <a:bodyPr/>
+          <a:bodyPr>
+            <a:normAutofit lnSpcReduction="10000"/>
+          </a:bodyPr>
           <a:lstStyle/>
           <a:p>
-            <a:endParaRPr lang="en-US" dirty="0"/>
+            <a:r>
+              <a:rPr lang="en-US" dirty="0" smtClean="0"/>
+              <a:t>What do we mean by ‘debugging’?</a:t>
+            </a:r>
+          </a:p>
+          <a:p>
+            <a:pPr lvl="1"/>
+            <a:r>
+              <a:rPr lang="en-GB" dirty="0"/>
+              <a:t>Identifying and correcting errors in </a:t>
+            </a:r>
+            <a:r>
+              <a:rPr lang="en-GB" dirty="0" smtClean="0"/>
+              <a:t>a program</a:t>
+            </a:r>
+          </a:p>
+          <a:p>
+            <a:pPr lvl="1"/>
+            <a:endParaRPr lang="en-GB" dirty="0"/>
+          </a:p>
+          <a:p>
+            <a:r>
+              <a:rPr lang="en-GB" dirty="0" smtClean="0"/>
+              <a:t>Types of bug</a:t>
+            </a:r>
+          </a:p>
+          <a:p>
+            <a:pPr lvl="1"/>
+            <a:r>
+              <a:rPr lang="en-GB" dirty="0" smtClean="0"/>
+              <a:t>Cosmetic – a problem with the appearance of the software</a:t>
+            </a:r>
+          </a:p>
+          <a:p>
+            <a:pPr lvl="1"/>
+            <a:r>
+              <a:rPr lang="en-GB" dirty="0"/>
+              <a:t>Logical </a:t>
+            </a:r>
+            <a:r>
+              <a:rPr lang="en-GB" dirty="0" smtClean="0"/>
+              <a:t>or </a:t>
+            </a:r>
+            <a:r>
+              <a:rPr lang="en-GB" dirty="0"/>
+              <a:t>semantic </a:t>
+            </a:r>
+            <a:r>
+              <a:rPr lang="en-GB" dirty="0" smtClean="0"/>
+              <a:t>– the software </a:t>
+            </a:r>
+            <a:r>
+              <a:rPr lang="en-GB" dirty="0"/>
+              <a:t>works but produces unexpected </a:t>
+            </a:r>
+            <a:r>
+              <a:rPr lang="en-GB" dirty="0" smtClean="0"/>
+              <a:t>results</a:t>
+            </a:r>
+          </a:p>
+          <a:p>
+            <a:pPr lvl="1"/>
+            <a:r>
+              <a:rPr lang="en-GB" dirty="0"/>
+              <a:t>Runtime - errors that cause </a:t>
+            </a:r>
+            <a:r>
+              <a:rPr lang="en-GB" dirty="0" smtClean="0"/>
+              <a:t>the software to </a:t>
+            </a:r>
+            <a:r>
+              <a:rPr lang="en-GB" dirty="0"/>
+              <a:t>crash even though it compiles </a:t>
+            </a:r>
+            <a:r>
+              <a:rPr lang="en-GB" dirty="0" smtClean="0"/>
+              <a:t>correctly or otherwise </a:t>
+            </a:r>
+            <a:r>
+              <a:rPr lang="en-GB" dirty="0"/>
+              <a:t>appears ok</a:t>
+            </a:r>
+            <a:endParaRPr lang="en-GB" dirty="0" smtClean="0"/>
           </a:p>
         </p:txBody>
       </p:sp>
@@ -39637,7 +40331,7 @@
           <a:p>
             <a:r>
               <a:rPr lang="en-US" dirty="0" smtClean="0"/>
-              <a:t>Libraries: Examples</a:t>
+              <a:t>Debugging</a:t>
             </a:r>
             <a:endParaRPr lang="en-US" dirty="0"/>
           </a:p>
@@ -39646,77 +40340,7 @@
     </p:spTree>
     <p:extLst>
       <p:ext uri="{BB962C8B-B14F-4D97-AF65-F5344CB8AC3E}">
-        <p14:creationId xmlns:p14="http://schemas.microsoft.com/office/powerpoint/2010/main" val="1427963118"/>
-      </p:ext>
-    </p:extLst>
-  </p:cSld>
-  <p:clrMapOvr>
-    <a:masterClrMapping/>
-  </p:clrMapOvr>
-  <p:timing>
-    <p:tnLst>
-      <p:par>
-        <p:cTn id="1" dur="indefinite" restart="never" nodeType="tmRoot"/>
-      </p:par>
-    </p:tnLst>
-  </p:timing>
-</p:sld>
-</file>
-
-<file path=ppt/slides/slide91.xml><?xml version="1.0" encoding="utf-8"?>
-<p:sld xmlns:a="http://schemas.openxmlformats.org/drawingml/2006/main" xmlns:r="http://schemas.openxmlformats.org/officeDocument/2006/relationships" xmlns:p="http://schemas.openxmlformats.org/presentationml/2006/main">
-  <p:cSld>
-    <p:spTree>
-      <p:nvGrpSpPr>
-        <p:cNvPr id="1" name=""/>
-        <p:cNvGrpSpPr/>
-        <p:nvPr/>
-      </p:nvGrpSpPr>
-      <p:grpSpPr>
-        <a:xfrm>
-          <a:off x="0" y="0"/>
-          <a:ext cx="0" cy="0"/>
-          <a:chOff x="0" y="0"/>
-          <a:chExt cx="0" cy="0"/>
-        </a:xfrm>
-      </p:grpSpPr>
-      <p:sp>
-        <p:nvSpPr>
-          <p:cNvPr id="4" name="Title 3"/>
-          <p:cNvSpPr>
-            <a:spLocks noGrp="1"/>
-          </p:cNvSpPr>
-          <p:nvPr>
-            <p:ph type="title"/>
-          </p:nvPr>
-        </p:nvSpPr>
-        <p:spPr/>
-        <p:txBody>
-          <a:bodyPr>
-            <a:normAutofit/>
-          </a:bodyPr>
-          <a:lstStyle/>
-          <a:p>
-            <a:r>
-              <a:rPr lang="en-US" dirty="0" smtClean="0">
-                <a:solidFill>
-                  <a:srgbClr val="C4A174"/>
-                </a:solidFill>
-              </a:rPr>
-              <a:t>Exercise:</a:t>
-            </a:r>
-            <a:r>
-              <a:rPr lang="en-US" dirty="0" smtClean="0"/>
-              <a:t> Libraries</a:t>
-            </a:r>
-            <a:endParaRPr lang="en-US" dirty="0"/>
-          </a:p>
-        </p:txBody>
-      </p:sp>
-    </p:spTree>
-    <p:extLst>
-      <p:ext uri="{BB962C8B-B14F-4D97-AF65-F5344CB8AC3E}">
-        <p14:creationId xmlns:p14="http://schemas.microsoft.com/office/powerpoint/2010/main" val="2782091560"/>
+        <p14:creationId xmlns:p14="http://schemas.microsoft.com/office/powerpoint/2010/main" val="1143777063"/>
       </p:ext>
     </p:extLst>
   </p:cSld>
@@ -39771,93 +40395,125 @@
         <p:spPr/>
         <p:txBody>
           <a:bodyPr>
-            <a:normAutofit lnSpcReduction="10000"/>
+            <a:normAutofit fontScale="92500" lnSpcReduction="20000"/>
           </a:bodyPr>
           <a:lstStyle/>
           <a:p>
             <a:r>
               <a:rPr lang="en-US" dirty="0" smtClean="0"/>
-              <a:t>What do we mean by ‘debugging’?</a:t>
+              <a:t>Strategies</a:t>
             </a:r>
           </a:p>
           <a:p>
             <a:pPr lvl="1"/>
             <a:r>
+              <a:rPr lang="en-US" dirty="0" smtClean="0"/>
+              <a:t>Replication, replication, replication</a:t>
+            </a:r>
+          </a:p>
+          <a:p>
+            <a:pPr lvl="2"/>
+            <a:r>
+              <a:rPr lang="en-GB" dirty="0" smtClean="0"/>
+              <a:t>The </a:t>
+            </a:r>
+            <a:r>
               <a:rPr lang="en-GB" dirty="0"/>
-              <a:t>Identifying and correcting errors in </a:t>
+              <a:t>m</a:t>
             </a:r>
             <a:r>
               <a:rPr lang="en-GB" dirty="0" smtClean="0"/>
-              <a:t>a program</a:t>
+              <a:t>ost </a:t>
+            </a:r>
+            <a:r>
+              <a:rPr lang="en-GB" dirty="0"/>
+              <a:t>important factor in fixing a bug is being able to replicate </a:t>
+            </a:r>
+            <a:r>
+              <a:rPr lang="en-GB" dirty="0" smtClean="0"/>
+              <a:t>it</a:t>
             </a:r>
           </a:p>
           <a:p>
             <a:pPr lvl="1"/>
-            <a:endParaRPr lang="en-GB" dirty="0"/>
-          </a:p>
-          <a:p>
+            <a:r>
+              <a:rPr lang="en-US" dirty="0" smtClean="0"/>
+              <a:t>Console logging</a:t>
+            </a:r>
+          </a:p>
+          <a:p>
+            <a:pPr lvl="2"/>
+            <a:r>
+              <a:rPr lang="en-GB" dirty="0"/>
+              <a:t>Output variables to console </a:t>
+            </a:r>
             <a:r>
               <a:rPr lang="en-GB" dirty="0" smtClean="0"/>
-              <a:t>Types of bug</a:t>
+              <a:t>for inspection </a:t>
+            </a:r>
+            <a:r>
+              <a:rPr lang="en-GB" dirty="0"/>
+              <a:t>during </a:t>
+            </a:r>
+            <a:r>
+              <a:rPr lang="en-GB" dirty="0" smtClean="0"/>
+              <a:t>execution</a:t>
             </a:r>
           </a:p>
           <a:p>
             <a:pPr lvl="1"/>
             <a:r>
+              <a:rPr lang="en-US" dirty="0"/>
+              <a:t>Stack </a:t>
+            </a:r>
+            <a:r>
+              <a:rPr lang="en-US" dirty="0" smtClean="0"/>
+              <a:t>trace</a:t>
+            </a:r>
+          </a:p>
+          <a:p>
+            <a:pPr lvl="2"/>
+            <a:r>
+              <a:rPr lang="en-GB" dirty="0"/>
+              <a:t>When provided by an exception can point to the precise line of code that is causing the </a:t>
+            </a:r>
+            <a:r>
               <a:rPr lang="en-GB" dirty="0" smtClean="0"/>
-              <a:t>Cosmetic – a problem with the appearance of the software</a:t>
+              <a:t>problem</a:t>
             </a:r>
           </a:p>
           <a:p>
             <a:pPr lvl="1"/>
             <a:r>
-              <a:rPr lang="en-GB" dirty="0"/>
-              <a:t>Logical </a:t>
-            </a:r>
-            <a:r>
-              <a:rPr lang="en-GB" dirty="0" smtClean="0"/>
-              <a:t>or </a:t>
-            </a:r>
-            <a:r>
-              <a:rPr lang="en-GB" dirty="0"/>
-              <a:t>semantic </a:t>
-            </a:r>
-            <a:r>
-              <a:rPr lang="en-GB" dirty="0" smtClean="0"/>
-              <a:t>– the software </a:t>
-            </a:r>
-            <a:r>
-              <a:rPr lang="en-GB" dirty="0"/>
-              <a:t>works but produces unexpected </a:t>
-            </a:r>
-            <a:r>
-              <a:rPr lang="en-GB" dirty="0" smtClean="0"/>
-              <a:t>results</a:t>
-            </a:r>
-          </a:p>
-          <a:p>
-            <a:pPr lvl="1"/>
-            <a:r>
-              <a:rPr lang="en-GB" dirty="0"/>
-              <a:t>Runtime - errors that cause </a:t>
-            </a:r>
-            <a:r>
-              <a:rPr lang="en-GB" dirty="0" smtClean="0"/>
-              <a:t>the software to </a:t>
-            </a:r>
-            <a:r>
-              <a:rPr lang="en-GB" dirty="0"/>
-              <a:t>crash even though it compiles </a:t>
-            </a:r>
-            <a:r>
-              <a:rPr lang="en-GB" dirty="0" smtClean="0"/>
-              <a:t>correctly or otherwise </a:t>
-            </a:r>
-            <a:r>
-              <a:rPr lang="en-GB" dirty="0"/>
-              <a:t>appears ok</a:t>
-            </a:r>
-            <a:endParaRPr lang="en-GB" dirty="0" smtClean="0"/>
+              <a:rPr lang="en-US" dirty="0"/>
+              <a:t>Debugger </a:t>
+            </a:r>
+            <a:r>
+              <a:rPr lang="en-US" dirty="0" smtClean="0"/>
+              <a:t>instrumentation</a:t>
+            </a:r>
+          </a:p>
+          <a:p>
+            <a:pPr lvl="2"/>
+            <a:r>
+              <a:rPr lang="en-US" dirty="0" smtClean="0"/>
+              <a:t>Breakpoints</a:t>
+            </a:r>
+          </a:p>
+          <a:p>
+            <a:pPr lvl="2"/>
+            <a:r>
+              <a:rPr lang="en-US" dirty="0" smtClean="0"/>
+              <a:t>Stepping through or into</a:t>
+            </a:r>
+          </a:p>
+          <a:p>
+            <a:pPr lvl="2"/>
+            <a:r>
+              <a:rPr lang="en-US" dirty="0" smtClean="0"/>
+              <a:t>Variable inspection</a:t>
+            </a:r>
+            <a:endParaRPr lang="en-US" dirty="0"/>
           </a:p>
         </p:txBody>
       </p:sp>
@@ -39887,7 +40543,7 @@
     </p:spTree>
     <p:extLst>
       <p:ext uri="{BB962C8B-B14F-4D97-AF65-F5344CB8AC3E}">
-        <p14:creationId xmlns:p14="http://schemas.microsoft.com/office/powerpoint/2010/main" val="1143777063"/>
+        <p14:creationId xmlns:p14="http://schemas.microsoft.com/office/powerpoint/2010/main" val="2883934611"/>
       </p:ext>
     </p:extLst>
   </p:cSld>
@@ -39941,125 +40597,9 @@
         </p:nvSpPr>
         <p:spPr/>
         <p:txBody>
-          <a:bodyPr>
-            <a:normAutofit fontScale="92500" lnSpcReduction="20000"/>
-          </a:bodyPr>
+          <a:bodyPr/>
           <a:lstStyle/>
           <a:p>
-            <a:r>
-              <a:rPr lang="en-US" dirty="0" smtClean="0"/>
-              <a:t>Strategies</a:t>
-            </a:r>
-          </a:p>
-          <a:p>
-            <a:pPr lvl="1"/>
-            <a:r>
-              <a:rPr lang="en-US" dirty="0" smtClean="0"/>
-              <a:t>Replication, replication, replication</a:t>
-            </a:r>
-          </a:p>
-          <a:p>
-            <a:pPr lvl="2"/>
-            <a:r>
-              <a:rPr lang="en-GB" dirty="0" smtClean="0"/>
-              <a:t>The </a:t>
-            </a:r>
-            <a:r>
-              <a:rPr lang="en-GB" dirty="0"/>
-              <a:t>m</a:t>
-            </a:r>
-            <a:r>
-              <a:rPr lang="en-GB" dirty="0" smtClean="0"/>
-              <a:t>ost </a:t>
-            </a:r>
-            <a:r>
-              <a:rPr lang="en-GB" dirty="0"/>
-              <a:t>important factor in fixing a bug is being able to replicate </a:t>
-            </a:r>
-            <a:r>
-              <a:rPr lang="en-GB" dirty="0" smtClean="0"/>
-              <a:t>it</a:t>
-            </a:r>
-          </a:p>
-          <a:p>
-            <a:pPr lvl="1"/>
-            <a:r>
-              <a:rPr lang="en-US" dirty="0" smtClean="0"/>
-              <a:t>Console logging</a:t>
-            </a:r>
-          </a:p>
-          <a:p>
-            <a:pPr lvl="2"/>
-            <a:r>
-              <a:rPr lang="en-GB" dirty="0"/>
-              <a:t>Output variables to console </a:t>
-            </a:r>
-            <a:r>
-              <a:rPr lang="en-GB" dirty="0" smtClean="0"/>
-              <a:t>for inspection </a:t>
-            </a:r>
-            <a:r>
-              <a:rPr lang="en-GB" dirty="0"/>
-              <a:t>during </a:t>
-            </a:r>
-            <a:r>
-              <a:rPr lang="en-GB" dirty="0" smtClean="0"/>
-              <a:t>execution</a:t>
-            </a:r>
-          </a:p>
-          <a:p>
-            <a:pPr lvl="1"/>
-            <a:r>
-              <a:rPr lang="en-US" dirty="0"/>
-              <a:t>Stack </a:t>
-            </a:r>
-            <a:r>
-              <a:rPr lang="en-US" dirty="0" smtClean="0"/>
-              <a:t>trace</a:t>
-            </a:r>
-          </a:p>
-          <a:p>
-            <a:pPr lvl="2"/>
-            <a:r>
-              <a:rPr lang="en-GB" dirty="0"/>
-              <a:t>When provided by an exception can point to the precise line of code that is causing the </a:t>
-            </a:r>
-            <a:r>
-              <a:rPr lang="en-GB" dirty="0" smtClean="0"/>
-              <a:t>problem</a:t>
-            </a:r>
-          </a:p>
-          <a:p>
-            <a:pPr lvl="1"/>
-            <a:r>
-              <a:rPr lang="en-US" dirty="0"/>
-              <a:t>Debugger </a:t>
-            </a:r>
-            <a:r>
-              <a:rPr lang="en-US" dirty="0" smtClean="0"/>
-              <a:t>instrumentation</a:t>
-            </a:r>
-          </a:p>
-          <a:p>
-            <a:pPr lvl="2"/>
-            <a:r>
-              <a:rPr lang="en-US" dirty="0" smtClean="0"/>
-              <a:t>Breakpoints</a:t>
-            </a:r>
-          </a:p>
-          <a:p>
-            <a:pPr lvl="2"/>
-            <a:r>
-              <a:rPr lang="en-US" dirty="0" smtClean="0"/>
-              <a:t>Stepping through or into</a:t>
-            </a:r>
-          </a:p>
-          <a:p>
-            <a:pPr lvl="2"/>
-            <a:r>
-              <a:rPr lang="en-US" dirty="0" smtClean="0"/>
-              <a:t>Variable inspection</a:t>
-            </a:r>
             <a:endParaRPr lang="en-US" dirty="0"/>
           </a:p>
         </p:txBody>
@@ -40081,7 +40621,7 @@
           <a:p>
             <a:r>
               <a:rPr lang="en-US" dirty="0" smtClean="0"/>
-              <a:t>Debugging</a:t>
+              <a:t>Debugging: Examples</a:t>
             </a:r>
             <a:endParaRPr lang="en-US" dirty="0"/>
           </a:p>
@@ -40090,7 +40630,7 @@
     </p:spTree>
     <p:extLst>
       <p:ext uri="{BB962C8B-B14F-4D97-AF65-F5344CB8AC3E}">
-        <p14:creationId xmlns:p14="http://schemas.microsoft.com/office/powerpoint/2010/main" val="2883934611"/>
+        <p14:creationId xmlns:p14="http://schemas.microsoft.com/office/powerpoint/2010/main" val="1956684700"/>
       </p:ext>
     </p:extLst>
   </p:cSld>
@@ -40108,6 +40648,76 @@
 </file>
 
 <file path=ppt/slides/slide94.xml><?xml version="1.0" encoding="utf-8"?>
+<p:sld xmlns:a="http://schemas.openxmlformats.org/drawingml/2006/main" xmlns:r="http://schemas.openxmlformats.org/officeDocument/2006/relationships" xmlns:p="http://schemas.openxmlformats.org/presentationml/2006/main">
+  <p:cSld>
+    <p:spTree>
+      <p:nvGrpSpPr>
+        <p:cNvPr id="1" name=""/>
+        <p:cNvGrpSpPr/>
+        <p:nvPr/>
+      </p:nvGrpSpPr>
+      <p:grpSpPr>
+        <a:xfrm>
+          <a:off x="0" y="0"/>
+          <a:ext cx="0" cy="0"/>
+          <a:chOff x="0" y="0"/>
+          <a:chExt cx="0" cy="0"/>
+        </a:xfrm>
+      </p:grpSpPr>
+      <p:sp>
+        <p:nvSpPr>
+          <p:cNvPr id="4" name="Title 3"/>
+          <p:cNvSpPr>
+            <a:spLocks noGrp="1"/>
+          </p:cNvSpPr>
+          <p:nvPr>
+            <p:ph type="title"/>
+          </p:nvPr>
+        </p:nvSpPr>
+        <p:spPr/>
+        <p:txBody>
+          <a:bodyPr>
+            <a:normAutofit/>
+          </a:bodyPr>
+          <a:lstStyle/>
+          <a:p>
+            <a:r>
+              <a:rPr lang="en-US" dirty="0" smtClean="0">
+                <a:solidFill>
+                  <a:srgbClr val="C4A174"/>
+                </a:solidFill>
+              </a:rPr>
+              <a:t>Exercise:</a:t>
+            </a:r>
+            <a:r>
+              <a:rPr lang="en-US" dirty="0" smtClean="0"/>
+              <a:t> Debugging</a:t>
+            </a:r>
+            <a:endParaRPr lang="en-US" dirty="0"/>
+          </a:p>
+        </p:txBody>
+      </p:sp>
+    </p:spTree>
+    <p:extLst>
+      <p:ext uri="{BB962C8B-B14F-4D97-AF65-F5344CB8AC3E}">
+        <p14:creationId xmlns:p14="http://schemas.microsoft.com/office/powerpoint/2010/main" val="1260493395"/>
+      </p:ext>
+    </p:extLst>
+  </p:cSld>
+  <p:clrMapOvr>
+    <a:masterClrMapping/>
+  </p:clrMapOvr>
+  <p:timing>
+    <p:tnLst>
+      <p:par>
+        <p:cTn id="1" dur="indefinite" restart="never" nodeType="tmRoot"/>
+      </p:par>
+    </p:tnLst>
+  </p:timing>
+</p:sld>
+</file>
+
+<file path=ppt/slides/slide95.xml><?xml version="1.0" encoding="utf-8"?>
 <p:sld xmlns:a="http://schemas.openxmlformats.org/drawingml/2006/main" xmlns:r="http://schemas.openxmlformats.org/officeDocument/2006/relationships" xmlns:p="http://schemas.openxmlformats.org/presentationml/2006/main">
   <p:cSld>
     <p:bg>
@@ -40147,6 +40757,36 @@
           <a:bodyPr/>
           <a:lstStyle/>
           <a:p>
+            <a:r>
+              <a:rPr lang="en-US" dirty="0" smtClean="0"/>
+              <a:t>What are file types?</a:t>
+            </a:r>
+          </a:p>
+          <a:p>
+            <a:pPr lvl="1"/>
+            <a:r>
+              <a:rPr lang="en-US" dirty="0" smtClean="0"/>
+              <a:t>Data can be expressed in numerous ways – JSON, XML, CSV, TXT, BIN, DOC, XLS, PPT</a:t>
+            </a:r>
+          </a:p>
+          <a:p>
+            <a:pPr lvl="1"/>
+            <a:r>
+              <a:rPr lang="en-US" dirty="0" smtClean="0"/>
+              <a:t>File extension indicates data structure</a:t>
+            </a:r>
+          </a:p>
+          <a:p>
+            <a:pPr lvl="1"/>
+            <a:r>
+              <a:rPr lang="en-US" dirty="0" smtClean="0"/>
+              <a:t>Allows efficient and convenient data exchange</a:t>
+            </a:r>
+          </a:p>
+          <a:p>
+            <a:pPr marL="457200" lvl="1" indent="0">
+              <a:buNone/>
+            </a:pPr>
             <a:endParaRPr lang="en-US" dirty="0"/>
           </a:p>
         </p:txBody>
@@ -40168,7 +40808,7 @@
           <a:p>
             <a:r>
               <a:rPr lang="en-US" dirty="0" smtClean="0"/>
-              <a:t>Debugging: Examples</a:t>
+              <a:t>File types</a:t>
             </a:r>
             <a:endParaRPr lang="en-US" dirty="0"/>
           </a:p>
@@ -40177,77 +40817,7 @@
     </p:spTree>
     <p:extLst>
       <p:ext uri="{BB962C8B-B14F-4D97-AF65-F5344CB8AC3E}">
-        <p14:creationId xmlns:p14="http://schemas.microsoft.com/office/powerpoint/2010/main" val="1956684700"/>
-      </p:ext>
-    </p:extLst>
-  </p:cSld>
-  <p:clrMapOvr>
-    <a:masterClrMapping/>
-  </p:clrMapOvr>
-  <p:timing>
-    <p:tnLst>
-      <p:par>
-        <p:cTn id="1" dur="indefinite" restart="never" nodeType="tmRoot"/>
-      </p:par>
-    </p:tnLst>
-  </p:timing>
-</p:sld>
-</file>
-
-<file path=ppt/slides/slide95.xml><?xml version="1.0" encoding="utf-8"?>
-<p:sld xmlns:a="http://schemas.openxmlformats.org/drawingml/2006/main" xmlns:r="http://schemas.openxmlformats.org/officeDocument/2006/relationships" xmlns:p="http://schemas.openxmlformats.org/presentationml/2006/main">
-  <p:cSld>
-    <p:spTree>
-      <p:nvGrpSpPr>
-        <p:cNvPr id="1" name=""/>
-        <p:cNvGrpSpPr/>
-        <p:nvPr/>
-      </p:nvGrpSpPr>
-      <p:grpSpPr>
-        <a:xfrm>
-          <a:off x="0" y="0"/>
-          <a:ext cx="0" cy="0"/>
-          <a:chOff x="0" y="0"/>
-          <a:chExt cx="0" cy="0"/>
-        </a:xfrm>
-      </p:grpSpPr>
-      <p:sp>
-        <p:nvSpPr>
-          <p:cNvPr id="4" name="Title 3"/>
-          <p:cNvSpPr>
-            <a:spLocks noGrp="1"/>
-          </p:cNvSpPr>
-          <p:nvPr>
-            <p:ph type="title"/>
-          </p:nvPr>
-        </p:nvSpPr>
-        <p:spPr/>
-        <p:txBody>
-          <a:bodyPr>
-            <a:normAutofit/>
-          </a:bodyPr>
-          <a:lstStyle/>
-          <a:p>
-            <a:r>
-              <a:rPr lang="en-US" dirty="0" smtClean="0">
-                <a:solidFill>
-                  <a:srgbClr val="C4A174"/>
-                </a:solidFill>
-              </a:rPr>
-              <a:t>Exercise:</a:t>
-            </a:r>
-            <a:r>
-              <a:rPr lang="en-US" dirty="0" smtClean="0"/>
-              <a:t> Debugging</a:t>
-            </a:r>
-            <a:endParaRPr lang="en-US" dirty="0"/>
-          </a:p>
-        </p:txBody>
-      </p:sp>
-    </p:spTree>
-    <p:extLst>
-      <p:ext uri="{BB962C8B-B14F-4D97-AF65-F5344CB8AC3E}">
-        <p14:creationId xmlns:p14="http://schemas.microsoft.com/office/powerpoint/2010/main" val="1260493395"/>
+        <p14:creationId xmlns:p14="http://schemas.microsoft.com/office/powerpoint/2010/main" val="1081349820"/>
       </p:ext>
     </p:extLst>
   </p:cSld>
@@ -40306,34 +40876,68 @@
           <a:p>
             <a:r>
               <a:rPr lang="en-US" dirty="0" smtClean="0"/>
-              <a:t>What are file types?</a:t>
+              <a:t>What does ‘IO’ mean?</a:t>
+            </a:r>
+          </a:p>
+          <a:p>
+            <a:r>
+              <a:rPr lang="en-US" dirty="0" smtClean="0"/>
+              <a:t>How do we interact with files?</a:t>
             </a:r>
           </a:p>
           <a:p>
             <a:pPr lvl="1"/>
             <a:r>
               <a:rPr lang="en-US" dirty="0" smtClean="0"/>
-              <a:t>Data can be expressed in numerous ways – JSON, XML, CSV, TXT, BIN, DOC, XLS, PPT</a:t>
-            </a:r>
-          </a:p>
-          <a:p>
-            <a:pPr lvl="1"/>
+              <a:t>What’s the ‘path’ to the file?</a:t>
+            </a:r>
+          </a:p>
+          <a:p>
+            <a:pPr lvl="2"/>
             <a:r>
               <a:rPr lang="en-US" dirty="0" smtClean="0"/>
-              <a:t>File extension indicates data structure</a:t>
-            </a:r>
-          </a:p>
-          <a:p>
-            <a:pPr lvl="1"/>
+              <a:t>The route from the root of the drive to the file</a:t>
+            </a:r>
+          </a:p>
+          <a:p>
+            <a:pPr lvl="2"/>
             <a:r>
               <a:rPr lang="en-US" dirty="0" smtClean="0"/>
-              <a:t>Allows efficient and convenient data exchange</a:t>
-            </a:r>
-          </a:p>
-          <a:p>
-            <a:pPr marL="457200" lvl="1" indent="0">
-              <a:buNone/>
-            </a:pPr>
+              <a:t>Operating systems express paths differently</a:t>
+            </a:r>
+          </a:p>
+          <a:p>
+            <a:pPr lvl="3"/>
+            <a:r>
+              <a:rPr lang="en-US" dirty="0"/>
+              <a:t>C:\</a:t>
+            </a:r>
+            <a:r>
+              <a:rPr lang="en-US" dirty="0" smtClean="0"/>
+              <a:t>Windows\System32</a:t>
+            </a:r>
+          </a:p>
+          <a:p>
+            <a:pPr lvl="3"/>
+            <a:r>
+              <a:rPr lang="en-US" dirty="0" smtClean="0"/>
+              <a:t>/</a:t>
+            </a:r>
+            <a:r>
+              <a:rPr lang="en-US" dirty="0" err="1" smtClean="0"/>
+              <a:t>usr</a:t>
+            </a:r>
+            <a:r>
+              <a:rPr lang="en-US" dirty="0" smtClean="0"/>
+              <a:t>/bin</a:t>
+            </a:r>
+          </a:p>
+          <a:p>
+            <a:pPr lvl="3"/>
+            <a:endParaRPr lang="en-US" dirty="0" smtClean="0"/>
+          </a:p>
+          <a:p>
+            <a:pPr lvl="3"/>
             <a:endParaRPr lang="en-US" dirty="0"/>
           </a:p>
         </p:txBody>
@@ -40355,16 +40959,125 @@
           <a:p>
             <a:r>
               <a:rPr lang="en-US" dirty="0" smtClean="0"/>
-              <a:t>File types</a:t>
+              <a:t>File IO</a:t>
             </a:r>
             <a:endParaRPr lang="en-US" dirty="0"/>
+          </a:p>
+        </p:txBody>
+      </p:sp>
+      <p:sp>
+        <p:nvSpPr>
+          <p:cNvPr id="5" name="Rectangle 2"/>
+          <p:cNvSpPr>
+            <a:spLocks noChangeArrowheads="1"/>
+          </p:cNvSpPr>
+          <p:nvPr/>
+        </p:nvSpPr>
+        <p:spPr bwMode="auto">
+          <a:xfrm>
+            <a:off x="0" y="0"/>
+            <a:ext cx="12192000" cy="457200"/>
+          </a:xfrm>
+          <a:prstGeom prst="rect">
+            <a:avLst/>
+          </a:prstGeom>
+          <a:solidFill>
+            <a:srgbClr val="FFFFFF"/>
+          </a:solidFill>
+          <a:ln>
+            <a:noFill/>
+          </a:ln>
+          <a:effectLst/>
+          <a:extLst>
+            <a:ext uri="{91240B29-F687-4F45-9708-019B960494DF}">
+              <a14:hiddenLine xmlns:a14="http://schemas.microsoft.com/office/drawing/2010/main" w="9525">
+                <a:solidFill>
+                  <a:schemeClr val="tx1"/>
+                </a:solidFill>
+                <a:miter lim="800000"/>
+                <a:headEnd/>
+                <a:tailEnd/>
+              </a14:hiddenLine>
+            </a:ext>
+            <a:ext uri="{AF507438-7753-43E0-B8FC-AC1667EBCBE1}">
+              <a14:hiddenEffects xmlns:a14="http://schemas.microsoft.com/office/drawing/2010/main">
+                <a:effectLst>
+                  <a:outerShdw dist="35921" dir="2700000" algn="ctr" rotWithShape="0">
+                    <a:schemeClr val="bg2"/>
+                  </a:outerShdw>
+                </a:effectLst>
+              </a14:hiddenEffects>
+            </a:ext>
+          </a:extLst>
+        </p:spPr>
+        <p:txBody>
+          <a:bodyPr vert="horz" wrap="none" lIns="91440" tIns="45720" rIns="91440" bIns="45720" numCol="1" anchor="ctr" anchorCtr="0" compatLnSpc="1">
+            <a:prstTxWarp prst="textNoShape">
+              <a:avLst/>
+            </a:prstTxWarp>
+            <a:spAutoFit/>
+          </a:bodyPr>
+          <a:lstStyle/>
+          <a:p>
+            <a:pPr marL="0" marR="0" lvl="0" indent="0" algn="l" defTabSz="914400" rtl="0" eaLnBrk="0" fontAlgn="base" latinLnBrk="0" hangingPunct="0">
+              <a:lnSpc>
+                <a:spcPct val="100000"/>
+              </a:lnSpc>
+              <a:spcBef>
+                <a:spcPct val="0"/>
+              </a:spcBef>
+              <a:spcAft>
+                <a:spcPct val="0"/>
+              </a:spcAft>
+              <a:buClrTx/>
+              <a:buSzTx/>
+              <a:buFontTx/>
+              <a:buNone/>
+              <a:tabLst/>
+            </a:pPr>
+            <a:r>
+              <a:rPr kumimoji="0" lang="en-US" sz="1000" b="1" i="0" u="none" strike="noStrike" cap="none" normalizeH="0" baseline="0" smtClean="0">
+                <a:ln>
+                  <a:noFill/>
+                </a:ln>
+                <a:solidFill>
+                  <a:srgbClr val="000000"/>
+                </a:solidFill>
+                <a:effectLst/>
+                <a:latin typeface="Arial Unicode MS" panose="020B0604020202020204" pitchFamily="34" charset="-128"/>
+                <a:cs typeface="Times New Roman" panose="02020603050405020304" pitchFamily="18" charset="0"/>
+              </a:rPr>
+              <a:t>/dev/hda</a:t>
+            </a:r>
+            <a:r>
+              <a:rPr kumimoji="0" lang="en-US" sz="800" b="0" i="0" u="none" strike="noStrike" cap="none" normalizeH="0" baseline="0" smtClean="0">
+                <a:ln>
+                  <a:noFill/>
+                </a:ln>
+                <a:solidFill>
+                  <a:schemeClr val="tx1"/>
+                </a:solidFill>
+                <a:effectLst/>
+              </a:rPr>
+              <a:t> </a:t>
+            </a:r>
+            <a:endParaRPr kumimoji="0" lang="en-US" sz="1800" b="0" i="0" u="none" strike="noStrike" cap="none" normalizeH="0" baseline="0" smtClean="0">
+              <a:ln>
+                <a:noFill/>
+              </a:ln>
+              <a:solidFill>
+                <a:schemeClr val="tx1"/>
+              </a:solidFill>
+              <a:effectLst/>
+              <a:latin typeface="Arial" panose="020B0604020202020204" pitchFamily="34" charset="0"/>
+            </a:endParaRPr>
           </a:p>
         </p:txBody>
       </p:sp>
     </p:spTree>
     <p:extLst>
       <p:ext uri="{BB962C8B-B14F-4D97-AF65-F5344CB8AC3E}">
-        <p14:creationId xmlns:p14="http://schemas.microsoft.com/office/powerpoint/2010/main" val="1081349820"/>
+        <p14:creationId xmlns:p14="http://schemas.microsoft.com/office/powerpoint/2010/main" val="2677945179"/>
       </p:ext>
     </p:extLst>
   </p:cSld>
@@ -40418,73 +41131,90 @@
         </p:nvSpPr>
         <p:spPr/>
         <p:txBody>
-          <a:bodyPr/>
+          <a:bodyPr>
+            <a:normAutofit lnSpcReduction="10000"/>
+          </a:bodyPr>
           <a:lstStyle/>
           <a:p>
+            <a:pPr marL="457200" lvl="2" indent="-457200"/>
+            <a:r>
+              <a:rPr lang="en-US" dirty="0"/>
+              <a:t>How do we account for the differences in path syntax between operating systems?</a:t>
+            </a:r>
+          </a:p>
+          <a:p>
+            <a:pPr lvl="1"/>
             <a:r>
               <a:rPr lang="en-US" dirty="0" smtClean="0"/>
-              <a:t>What does ‘IO’ mean?</a:t>
-            </a:r>
-          </a:p>
-          <a:p>
+              <a:t>In Python, use the </a:t>
+            </a:r>
+            <a:r>
+              <a:rPr lang="en-US" dirty="0" err="1" smtClean="0"/>
+              <a:t>os.path</a:t>
+            </a:r>
             <a:r>
               <a:rPr lang="en-US" dirty="0" smtClean="0"/>
-              <a:t>How do we interact with files?</a:t>
+              <a:t> module</a:t>
             </a:r>
           </a:p>
           <a:p>
             <a:pPr lvl="1"/>
             <a:r>
               <a:rPr lang="en-US" dirty="0" smtClean="0"/>
-              <a:t>What’s the ‘path’ to the file?</a:t>
+              <a:t>Python always loads the path module suitable for the operating system it is running on</a:t>
+            </a:r>
+          </a:p>
+          <a:p>
+            <a:pPr lvl="1"/>
+            <a:r>
+              <a:rPr lang="en-US" dirty="0" smtClean="0"/>
+              <a:t>Specific modules can be loaded to manipulate paths that are always in one of the different formats, such as</a:t>
             </a:r>
           </a:p>
           <a:p>
             <a:pPr lvl="2"/>
             <a:r>
+              <a:rPr lang="en-US" dirty="0" err="1" smtClean="0"/>
+              <a:t>posixpath</a:t>
+            </a:r>
+            <a:r>
               <a:rPr lang="en-US" dirty="0" smtClean="0"/>
-              <a:t>The route from the root of the drive to the file</a:t>
+              <a:t> for Unix-style paths</a:t>
             </a:r>
           </a:p>
           <a:p>
             <a:pPr lvl="2"/>
             <a:r>
+              <a:rPr lang="en-US" dirty="0" err="1"/>
+              <a:t>n</a:t>
+            </a:r>
+            <a:r>
+              <a:rPr lang="en-US" dirty="0" err="1" smtClean="0"/>
+              <a:t>tpath</a:t>
+            </a:r>
+            <a:r>
               <a:rPr lang="en-US" dirty="0" smtClean="0"/>
-              <a:t>Operating systems express paths differently</a:t>
-            </a:r>
-          </a:p>
-          <a:p>
-            <a:pPr lvl="3"/>
-            <a:r>
-              <a:rPr lang="en-US" dirty="0"/>
-              <a:t>C:\</a:t>
+              <a:t> for Windows-style paths</a:t>
+            </a:r>
+          </a:p>
+          <a:p>
+            <a:pPr lvl="2"/>
+            <a:r>
+              <a:rPr lang="en-US" dirty="0" err="1" smtClean="0"/>
+              <a:t>macpath</a:t>
             </a:r>
             <a:r>
               <a:rPr lang="en-US" dirty="0" smtClean="0"/>
-              <a:t>Windows\System32</a:t>
-            </a:r>
-          </a:p>
-          <a:p>
-            <a:pPr lvl="3"/>
+              <a:t> for old-style </a:t>
+            </a:r>
+            <a:r>
+              <a:rPr lang="en-US" dirty="0" err="1" smtClean="0"/>
+              <a:t>MacOS</a:t>
+            </a:r>
             <a:r>
               <a:rPr lang="en-US" dirty="0" smtClean="0"/>
-              <a:t>/</a:t>
-            </a:r>
-            <a:r>
-              <a:rPr lang="en-US" dirty="0" err="1" smtClean="0"/>
-              <a:t>usr</a:t>
-            </a:r>
-            <a:r>
-              <a:rPr lang="en-US" dirty="0" smtClean="0"/>
-              <a:t>/bin</a:t>
-            </a:r>
-          </a:p>
-          <a:p>
-            <a:pPr lvl="3"/>
-            <a:endParaRPr lang="en-US" dirty="0" smtClean="0"/>
-          </a:p>
-          <a:p>
-            <a:pPr lvl="3"/>
+              <a:t> paths</a:t>
+            </a:r>
             <a:endParaRPr lang="en-US" dirty="0"/>
           </a:p>
         </p:txBody>
@@ -40512,119 +41242,10 @@
           </a:p>
         </p:txBody>
       </p:sp>
-      <p:sp>
-        <p:nvSpPr>
-          <p:cNvPr id="5" name="Rectangle 2"/>
-          <p:cNvSpPr>
-            <a:spLocks noChangeArrowheads="1"/>
-          </p:cNvSpPr>
-          <p:nvPr/>
-        </p:nvSpPr>
-        <p:spPr bwMode="auto">
-          <a:xfrm>
-            <a:off x="0" y="0"/>
-            <a:ext cx="12192000" cy="457200"/>
-          </a:xfrm>
-          <a:prstGeom prst="rect">
-            <a:avLst/>
-          </a:prstGeom>
-          <a:solidFill>
-            <a:srgbClr val="FFFFFF"/>
-          </a:solidFill>
-          <a:ln>
-            <a:noFill/>
-          </a:ln>
-          <a:effectLst/>
-          <a:extLst>
-            <a:ext uri="{91240B29-F687-4F45-9708-019B960494DF}">
-              <a14:hiddenLine xmlns:a14="http://schemas.microsoft.com/office/drawing/2010/main" w="9525">
-                <a:solidFill>
-                  <a:schemeClr val="tx1"/>
-                </a:solidFill>
-                <a:miter lim="800000"/>
-                <a:headEnd/>
-                <a:tailEnd/>
-              </a14:hiddenLine>
-            </a:ext>
-            <a:ext uri="{AF507438-7753-43E0-B8FC-AC1667EBCBE1}">
-              <a14:hiddenEffects xmlns:a14="http://schemas.microsoft.com/office/drawing/2010/main">
-                <a:effectLst>
-                  <a:outerShdw dist="35921" dir="2700000" algn="ctr" rotWithShape="0">
-                    <a:schemeClr val="bg2"/>
-                  </a:outerShdw>
-                </a:effectLst>
-              </a14:hiddenEffects>
-            </a:ext>
-          </a:extLst>
-        </p:spPr>
-        <p:txBody>
-          <a:bodyPr vert="horz" wrap="none" lIns="91440" tIns="45720" rIns="91440" bIns="45720" numCol="1" anchor="ctr" anchorCtr="0" compatLnSpc="1">
-            <a:prstTxWarp prst="textNoShape">
-              <a:avLst/>
-            </a:prstTxWarp>
-            <a:spAutoFit/>
-          </a:bodyPr>
-          <a:lstStyle/>
-          <a:p>
-            <a:pPr marL="0" marR="0" lvl="0" indent="0" algn="l" defTabSz="914400" rtl="0" eaLnBrk="0" fontAlgn="base" latinLnBrk="0" hangingPunct="0">
-              <a:lnSpc>
-                <a:spcPct val="100000"/>
-              </a:lnSpc>
-              <a:spcBef>
-                <a:spcPct val="0"/>
-              </a:spcBef>
-              <a:spcAft>
-                <a:spcPct val="0"/>
-              </a:spcAft>
-              <a:buClrTx/>
-              <a:buSzTx/>
-              <a:buFontTx/>
-              <a:buNone/>
-              <a:tabLst/>
-            </a:pPr>
-            <a:r>
-              <a:rPr kumimoji="0" lang="en-US" sz="1000" b="1" i="0" u="none" strike="noStrike" cap="none" normalizeH="0" baseline="0" smtClean="0">
-                <a:ln>
-                  <a:noFill/>
-                </a:ln>
-                <a:solidFill>
-                  <a:srgbClr val="000000"/>
-                </a:solidFill>
-                <a:effectLst/>
-                <a:latin typeface="Arial Unicode MS" panose="020B0604020202020204" pitchFamily="34" charset="-128"/>
-                <a:cs typeface="Times New Roman" panose="02020603050405020304" pitchFamily="18" charset="0"/>
-              </a:rPr>
-              <a:t>/dev/hda</a:t>
-            </a:r>
-            <a:r>
-              <a:rPr kumimoji="0" lang="en-US" sz="800" b="0" i="0" u="none" strike="noStrike" cap="none" normalizeH="0" baseline="0" smtClean="0">
-                <a:ln>
-                  <a:noFill/>
-                </a:ln>
-                <a:solidFill>
-                  <a:schemeClr val="tx1"/>
-                </a:solidFill>
-                <a:effectLst/>
-              </a:rPr>
-              <a:t> </a:t>
-            </a:r>
-            <a:endParaRPr kumimoji="0" lang="en-US" sz="1800" b="0" i="0" u="none" strike="noStrike" cap="none" normalizeH="0" baseline="0" smtClean="0">
-              <a:ln>
-                <a:noFill/>
-              </a:ln>
-              <a:solidFill>
-                <a:schemeClr val="tx1"/>
-              </a:solidFill>
-              <a:effectLst/>
-              <a:latin typeface="Arial" panose="020B0604020202020204" pitchFamily="34" charset="0"/>
-            </a:endParaRPr>
-          </a:p>
-        </p:txBody>
-      </p:sp>
     </p:spTree>
     <p:extLst>
       <p:ext uri="{BB962C8B-B14F-4D97-AF65-F5344CB8AC3E}">
-        <p14:creationId xmlns:p14="http://schemas.microsoft.com/office/powerpoint/2010/main" val="2677945179"/>
+        <p14:creationId xmlns:p14="http://schemas.microsoft.com/office/powerpoint/2010/main" val="1106993298"/>
       </p:ext>
     </p:extLst>
   </p:cSld>
@@ -40678,90 +41299,9 @@
         </p:nvSpPr>
         <p:spPr/>
         <p:txBody>
-          <a:bodyPr>
-            <a:normAutofit lnSpcReduction="10000"/>
-          </a:bodyPr>
+          <a:bodyPr/>
           <a:lstStyle/>
           <a:p>
-            <a:pPr marL="457200" lvl="2" indent="-457200"/>
-            <a:r>
-              <a:rPr lang="en-US" dirty="0"/>
-              <a:t>How do we account for the differences in path syntax between operating systems?</a:t>
-            </a:r>
-          </a:p>
-          <a:p>
-            <a:pPr lvl="1"/>
-            <a:r>
-              <a:rPr lang="en-US" dirty="0" smtClean="0"/>
-              <a:t>In Python, use the </a:t>
-            </a:r>
-            <a:r>
-              <a:rPr lang="en-US" dirty="0" err="1" smtClean="0"/>
-              <a:t>os.path</a:t>
-            </a:r>
-            <a:r>
-              <a:rPr lang="en-US" dirty="0" smtClean="0"/>
-              <a:t> module</a:t>
-            </a:r>
-          </a:p>
-          <a:p>
-            <a:pPr lvl="1"/>
-            <a:r>
-              <a:rPr lang="en-US" dirty="0" smtClean="0"/>
-              <a:t>Python always loads the path module suitable for the operating system it is running on</a:t>
-            </a:r>
-          </a:p>
-          <a:p>
-            <a:pPr lvl="1"/>
-            <a:r>
-              <a:rPr lang="en-US" dirty="0" smtClean="0"/>
-              <a:t>Specific modules can be loaded to manipulate paths that are always in one of the different formats, such as</a:t>
-            </a:r>
-          </a:p>
-          <a:p>
-            <a:pPr lvl="2"/>
-            <a:r>
-              <a:rPr lang="en-US" dirty="0" err="1" smtClean="0"/>
-              <a:t>posixpath</a:t>
-            </a:r>
-            <a:r>
-              <a:rPr lang="en-US" dirty="0" smtClean="0"/>
-              <a:t> for Unix-style paths</a:t>
-            </a:r>
-          </a:p>
-          <a:p>
-            <a:pPr lvl="2"/>
-            <a:r>
-              <a:rPr lang="en-US" dirty="0" err="1"/>
-              <a:t>n</a:t>
-            </a:r>
-            <a:r>
-              <a:rPr lang="en-US" dirty="0" err="1" smtClean="0"/>
-              <a:t>tpath</a:t>
-            </a:r>
-            <a:r>
-              <a:rPr lang="en-US" dirty="0" smtClean="0"/>
-              <a:t> for Windows-style paths</a:t>
-            </a:r>
-          </a:p>
-          <a:p>
-            <a:pPr lvl="2"/>
-            <a:r>
-              <a:rPr lang="en-US" dirty="0" err="1" smtClean="0"/>
-              <a:t>macpath</a:t>
-            </a:r>
-            <a:r>
-              <a:rPr lang="en-US" dirty="0" smtClean="0"/>
-              <a:t> for old-style </a:t>
-            </a:r>
-            <a:r>
-              <a:rPr lang="en-US" dirty="0" err="1" smtClean="0"/>
-              <a:t>MacOS</a:t>
-            </a:r>
-            <a:r>
-              <a:rPr lang="en-US" dirty="0" smtClean="0"/>
-              <a:t> paths</a:t>
-            </a:r>
             <a:endParaRPr lang="en-US" dirty="0"/>
           </a:p>
         </p:txBody>
@@ -40783,7 +41323,7 @@
           <a:p>
             <a:r>
               <a:rPr lang="en-US" dirty="0" smtClean="0"/>
-              <a:t>File IO</a:t>
+              <a:t>File IO: Path Examples</a:t>
             </a:r>
             <a:endParaRPr lang="en-US" dirty="0"/>
           </a:p>
@@ -40792,7 +41332,7 @@
     </p:spTree>
     <p:extLst>
       <p:ext uri="{BB962C8B-B14F-4D97-AF65-F5344CB8AC3E}">
-        <p14:creationId xmlns:p14="http://schemas.microsoft.com/office/powerpoint/2010/main" val="1106993298"/>
+        <p14:creationId xmlns:p14="http://schemas.microsoft.com/office/powerpoint/2010/main" val="3224124106"/>
       </p:ext>
     </p:extLst>
   </p:cSld>
@@ -40846,9 +41386,110 @@
         </p:nvSpPr>
         <p:spPr/>
         <p:txBody>
-          <a:bodyPr/>
+          <a:bodyPr>
+            <a:normAutofit fontScale="92500" lnSpcReduction="10000"/>
+          </a:bodyPr>
           <a:lstStyle/>
           <a:p>
+            <a:r>
+              <a:rPr lang="en-US" dirty="0" smtClean="0"/>
+              <a:t>How do we open a file?</a:t>
+            </a:r>
+          </a:p>
+          <a:p>
+            <a:pPr lvl="1"/>
+            <a:r>
+              <a:rPr lang="en-US" dirty="0" smtClean="0"/>
+              <a:t>open(</a:t>
+            </a:r>
+            <a:r>
+              <a:rPr lang="en-US" i="1" dirty="0" smtClean="0"/>
+              <a:t>name[,mode[,buffering]]</a:t>
+            </a:r>
+            <a:r>
+              <a:rPr lang="en-US" dirty="0" smtClean="0"/>
+              <a:t>)</a:t>
+            </a:r>
+          </a:p>
+          <a:p>
+            <a:pPr lvl="2"/>
+            <a:r>
+              <a:rPr lang="en-US" dirty="0" smtClean="0"/>
+              <a:t>name – file name to be opened</a:t>
+            </a:r>
+          </a:p>
+          <a:p>
+            <a:pPr lvl="2"/>
+            <a:r>
+              <a:rPr lang="en-US" dirty="0" smtClean="0"/>
+              <a:t>mode – string indicating how the file is to be opened</a:t>
+            </a:r>
+          </a:p>
+          <a:p>
+            <a:pPr lvl="3"/>
+            <a:r>
+              <a:rPr lang="en-US" dirty="0" smtClean="0"/>
+              <a:t>r – for reading</a:t>
+            </a:r>
+          </a:p>
+          <a:p>
+            <a:pPr lvl="3"/>
+            <a:r>
+              <a:rPr lang="en-US" dirty="0" smtClean="0"/>
+              <a:t>w – for writing</a:t>
+            </a:r>
+          </a:p>
+          <a:p>
+            <a:pPr lvl="3"/>
+            <a:r>
+              <a:rPr lang="en-US" dirty="0" smtClean="0"/>
+              <a:t>a – for appending</a:t>
+            </a:r>
+          </a:p>
+          <a:p>
+            <a:pPr lvl="3"/>
+            <a:r>
+              <a:rPr lang="en-US" dirty="0" smtClean="0"/>
+              <a:t>defaults to ‘r’</a:t>
+            </a:r>
+          </a:p>
+          <a:p>
+            <a:pPr lvl="2"/>
+            <a:r>
+              <a:rPr lang="en-US" dirty="0" smtClean="0"/>
+              <a:t>buffering – optional argument indicating desired buffer size</a:t>
+            </a:r>
+          </a:p>
+          <a:p>
+            <a:pPr lvl="3"/>
+            <a:r>
+              <a:rPr lang="en-US" dirty="0" smtClean="0"/>
+              <a:t>0 – </a:t>
+            </a:r>
+            <a:r>
+              <a:rPr lang="en-US" dirty="0" err="1" smtClean="0"/>
+              <a:t>unbuffered</a:t>
+            </a:r>
+            <a:endParaRPr lang="en-US" dirty="0" smtClean="0"/>
+          </a:p>
+          <a:p>
+            <a:pPr lvl="3"/>
+            <a:r>
+              <a:rPr lang="en-US" dirty="0" smtClean="0"/>
+              <a:t>1 – line buffered</a:t>
+            </a:r>
+          </a:p>
+          <a:p>
+            <a:pPr lvl="3"/>
+            <a:r>
+              <a:rPr lang="en-US" dirty="0" smtClean="0"/>
+              <a:t>any other positive value in bytes</a:t>
+            </a:r>
+          </a:p>
+          <a:p>
+            <a:pPr marL="914400" lvl="2" indent="0">
+              <a:buNone/>
+            </a:pPr>
             <a:endParaRPr lang="en-US" dirty="0"/>
           </a:p>
         </p:txBody>
@@ -40870,7 +41511,7 @@
           <a:p>
             <a:r>
               <a:rPr lang="en-US" dirty="0" smtClean="0"/>
-              <a:t>File IO: Path Examples</a:t>
+              <a:t>File IO: File Operations</a:t>
             </a:r>
             <a:endParaRPr lang="en-US" dirty="0"/>
           </a:p>
@@ -40879,7 +41520,7 @@
     </p:spTree>
     <p:extLst>
       <p:ext uri="{BB962C8B-B14F-4D97-AF65-F5344CB8AC3E}">
-        <p14:creationId xmlns:p14="http://schemas.microsoft.com/office/powerpoint/2010/main" val="3224124106"/>
+        <p14:creationId xmlns:p14="http://schemas.microsoft.com/office/powerpoint/2010/main" val="2870467808"/>
       </p:ext>
     </p:extLst>
   </p:cSld>

--- a/Programming Foundations.pptx
+++ b/Programming Foundations.pptx
@@ -79,32 +79,32 @@
     <p:sldId id="425" r:id="rId70"/>
     <p:sldId id="309" r:id="rId71"/>
     <p:sldId id="426" r:id="rId72"/>
-    <p:sldId id="321" r:id="rId73"/>
+    <p:sldId id="427" r:id="rId73"/>
     <p:sldId id="313" r:id="rId74"/>
     <p:sldId id="314" r:id="rId75"/>
-    <p:sldId id="315" r:id="rId76"/>
-    <p:sldId id="316" r:id="rId77"/>
-    <p:sldId id="324" r:id="rId78"/>
-    <p:sldId id="317" r:id="rId79"/>
-    <p:sldId id="322" r:id="rId80"/>
-    <p:sldId id="323" r:id="rId81"/>
-    <p:sldId id="325" r:id="rId82"/>
-    <p:sldId id="326" r:id="rId83"/>
-    <p:sldId id="331" r:id="rId84"/>
-    <p:sldId id="332" r:id="rId85"/>
-    <p:sldId id="334" r:id="rId86"/>
-    <p:sldId id="327" r:id="rId87"/>
-    <p:sldId id="329" r:id="rId88"/>
-    <p:sldId id="330" r:id="rId89"/>
-    <p:sldId id="328" r:id="rId90"/>
-    <p:sldId id="420" r:id="rId91"/>
-    <p:sldId id="333" r:id="rId92"/>
-    <p:sldId id="335" r:id="rId93"/>
-    <p:sldId id="339" r:id="rId94"/>
-    <p:sldId id="337" r:id="rId95"/>
-    <p:sldId id="336" r:id="rId96"/>
-    <p:sldId id="338" r:id="rId97"/>
-    <p:sldId id="341" r:id="rId98"/>
+    <p:sldId id="316" r:id="rId76"/>
+    <p:sldId id="324" r:id="rId77"/>
+    <p:sldId id="317" r:id="rId78"/>
+    <p:sldId id="322" r:id="rId79"/>
+    <p:sldId id="323" r:id="rId80"/>
+    <p:sldId id="325" r:id="rId81"/>
+    <p:sldId id="326" r:id="rId82"/>
+    <p:sldId id="331" r:id="rId83"/>
+    <p:sldId id="332" r:id="rId84"/>
+    <p:sldId id="334" r:id="rId85"/>
+    <p:sldId id="327" r:id="rId86"/>
+    <p:sldId id="329" r:id="rId87"/>
+    <p:sldId id="330" r:id="rId88"/>
+    <p:sldId id="328" r:id="rId89"/>
+    <p:sldId id="420" r:id="rId90"/>
+    <p:sldId id="333" r:id="rId91"/>
+    <p:sldId id="335" r:id="rId92"/>
+    <p:sldId id="339" r:id="rId93"/>
+    <p:sldId id="337" r:id="rId94"/>
+    <p:sldId id="336" r:id="rId95"/>
+    <p:sldId id="338" r:id="rId96"/>
+    <p:sldId id="341" r:id="rId97"/>
+    <p:sldId id="428" r:id="rId98"/>
     <p:sldId id="342" r:id="rId99"/>
     <p:sldId id="344" r:id="rId100"/>
     <p:sldId id="347" r:id="rId101"/>
@@ -304,10 +304,9 @@
             <p14:sldId id="425"/>
             <p14:sldId id="309"/>
             <p14:sldId id="426"/>
-            <p14:sldId id="321"/>
+            <p14:sldId id="427"/>
             <p14:sldId id="313"/>
             <p14:sldId id="314"/>
-            <p14:sldId id="315"/>
             <p14:sldId id="316"/>
             <p14:sldId id="324"/>
             <p14:sldId id="317"/>
@@ -330,6 +329,7 @@
             <p14:sldId id="336"/>
             <p14:sldId id="338"/>
             <p14:sldId id="341"/>
+            <p14:sldId id="428"/>
             <p14:sldId id="342"/>
             <p14:sldId id="344"/>
             <p14:sldId id="347"/>
@@ -4796,7 +4796,7 @@
                 </a:solidFill>
               </a:rPr>
               <a:pPr/>
-              <a:t>77</a:t>
+              <a:t>72</a:t>
             </a:fld>
             <a:endParaRPr lang="en-GB" dirty="0">
               <a:solidFill>
@@ -4809,7 +4809,7 @@
     </p:spTree>
     <p:extLst>
       <p:ext uri="{BB962C8B-B14F-4D97-AF65-F5344CB8AC3E}">
-        <p14:creationId xmlns:p14="http://schemas.microsoft.com/office/powerpoint/2010/main" val="1019159918"/>
+        <p14:creationId xmlns:p14="http://schemas.microsoft.com/office/powerpoint/2010/main" val="631175917"/>
       </p:ext>
     </p:extLst>
   </p:cSld>
@@ -4931,7 +4931,7 @@
                 </a:solidFill>
               </a:rPr>
               <a:pPr/>
-              <a:t>85</a:t>
+              <a:t>76</a:t>
             </a:fld>
             <a:endParaRPr lang="en-GB" dirty="0">
               <a:solidFill>
@@ -4944,7 +4944,7 @@
     </p:spTree>
     <p:extLst>
       <p:ext uri="{BB962C8B-B14F-4D97-AF65-F5344CB8AC3E}">
-        <p14:creationId xmlns:p14="http://schemas.microsoft.com/office/powerpoint/2010/main" val="813080437"/>
+        <p14:creationId xmlns:p14="http://schemas.microsoft.com/office/powerpoint/2010/main" val="1019159918"/>
       </p:ext>
     </p:extLst>
   </p:cSld>
@@ -5066,7 +5066,7 @@
                 </a:solidFill>
               </a:rPr>
               <a:pPr/>
-              <a:t>90</a:t>
+              <a:t>84</a:t>
             </a:fld>
             <a:endParaRPr lang="en-GB" dirty="0">
               <a:solidFill>
@@ -5079,7 +5079,7 @@
     </p:spTree>
     <p:extLst>
       <p:ext uri="{BB962C8B-B14F-4D97-AF65-F5344CB8AC3E}">
-        <p14:creationId xmlns:p14="http://schemas.microsoft.com/office/powerpoint/2010/main" val="1232327454"/>
+        <p14:creationId xmlns:p14="http://schemas.microsoft.com/office/powerpoint/2010/main" val="813080437"/>
       </p:ext>
     </p:extLst>
   </p:cSld>
@@ -5201,7 +5201,7 @@
                 </a:solidFill>
               </a:rPr>
               <a:pPr/>
-              <a:t>94</a:t>
+              <a:t>89</a:t>
             </a:fld>
             <a:endParaRPr lang="en-GB" dirty="0">
               <a:solidFill>
@@ -5214,7 +5214,7 @@
     </p:spTree>
     <p:extLst>
       <p:ext uri="{BB962C8B-B14F-4D97-AF65-F5344CB8AC3E}">
-        <p14:creationId xmlns:p14="http://schemas.microsoft.com/office/powerpoint/2010/main" val="118522055"/>
+        <p14:creationId xmlns:p14="http://schemas.microsoft.com/office/powerpoint/2010/main" val="1232327454"/>
       </p:ext>
     </p:extLst>
   </p:cSld>
@@ -5336,7 +5336,7 @@
                 </a:solidFill>
               </a:rPr>
               <a:pPr/>
-              <a:t>104</a:t>
+              <a:t>93</a:t>
             </a:fld>
             <a:endParaRPr lang="en-GB" dirty="0">
               <a:solidFill>
@@ -5349,7 +5349,7 @@
     </p:spTree>
     <p:extLst>
       <p:ext uri="{BB962C8B-B14F-4D97-AF65-F5344CB8AC3E}">
-        <p14:creationId xmlns:p14="http://schemas.microsoft.com/office/powerpoint/2010/main" val="207883666"/>
+        <p14:creationId xmlns:p14="http://schemas.microsoft.com/office/powerpoint/2010/main" val="118522055"/>
       </p:ext>
     </p:extLst>
   </p:cSld>
@@ -5471,6 +5471,141 @@
                 </a:solidFill>
               </a:rPr>
               <a:pPr/>
+              <a:t>104</a:t>
+            </a:fld>
+            <a:endParaRPr lang="en-GB" dirty="0">
+              <a:solidFill>
+                <a:prstClr val="black"/>
+              </a:solidFill>
+            </a:endParaRPr>
+          </a:p>
+        </p:txBody>
+      </p:sp>
+    </p:spTree>
+    <p:extLst>
+      <p:ext uri="{BB962C8B-B14F-4D97-AF65-F5344CB8AC3E}">
+        <p14:creationId xmlns:p14="http://schemas.microsoft.com/office/powerpoint/2010/main" val="207883666"/>
+      </p:ext>
+    </p:extLst>
+  </p:cSld>
+  <p:clrMapOvr>
+    <a:masterClrMapping/>
+  </p:clrMapOvr>
+</p:notes>
+</file>
+
+<file path=ppt/notesSlides/notesSlide28.xml><?xml version="1.0" encoding="utf-8"?>
+<p:notes xmlns:a="http://schemas.openxmlformats.org/drawingml/2006/main" xmlns:r="http://schemas.openxmlformats.org/officeDocument/2006/relationships" xmlns:p="http://schemas.openxmlformats.org/presentationml/2006/main">
+  <p:cSld>
+    <p:spTree>
+      <p:nvGrpSpPr>
+        <p:cNvPr id="1" name=""/>
+        <p:cNvGrpSpPr/>
+        <p:nvPr/>
+      </p:nvGrpSpPr>
+      <p:grpSpPr>
+        <a:xfrm>
+          <a:off x="0" y="0"/>
+          <a:ext cx="0" cy="0"/>
+          <a:chOff x="0" y="0"/>
+          <a:chExt cx="0" cy="0"/>
+        </a:xfrm>
+      </p:grpSpPr>
+      <p:sp>
+        <p:nvSpPr>
+          <p:cNvPr id="2" name="Slide Image Placeholder 1"/>
+          <p:cNvSpPr>
+            <a:spLocks noGrp="1" noRot="1" noChangeAspect="1"/>
+          </p:cNvSpPr>
+          <p:nvPr>
+            <p:ph type="sldImg"/>
+          </p:nvPr>
+        </p:nvSpPr>
+        <p:spPr/>
+      </p:sp>
+      <p:sp>
+        <p:nvSpPr>
+          <p:cNvPr id="3" name="Notes Placeholder 2"/>
+          <p:cNvSpPr>
+            <a:spLocks noGrp="1"/>
+          </p:cNvSpPr>
+          <p:nvPr>
+            <p:ph type="body" idx="1"/>
+          </p:nvPr>
+        </p:nvSpPr>
+        <p:spPr/>
+        <p:txBody>
+          <a:bodyPr/>
+          <a:lstStyle/>
+          <a:p>
+            <a:r>
+              <a:rPr lang="en-US" b="1" dirty="0" smtClean="0"/>
+              <a:t>Exercise</a:t>
+            </a:r>
+            <a:r>
+              <a:rPr lang="en-US" b="1" baseline="0" dirty="0" smtClean="0"/>
+              <a:t> – Mathematical Operations</a:t>
+            </a:r>
+          </a:p>
+          <a:p>
+            <a:endParaRPr lang="en-GB" b="1" baseline="0" dirty="0" smtClean="0"/>
+          </a:p>
+          <a:p>
+            <a:r>
+              <a:rPr lang="en-GB" b="0" baseline="0" dirty="0" smtClean="0">
+                <a:solidFill>
+                  <a:srgbClr val="FF0000"/>
+                </a:solidFill>
+              </a:rPr>
+              <a:t>Design an exercise where the delegates build upon the user of the input and </a:t>
+            </a:r>
+            <a:r>
+              <a:rPr lang="en-GB" b="0" baseline="0" dirty="0" err="1" smtClean="0">
+                <a:solidFill>
+                  <a:srgbClr val="FF0000"/>
+                </a:solidFill>
+              </a:rPr>
+              <a:t>raw_input</a:t>
+            </a:r>
+            <a:r>
+              <a:rPr lang="en-GB" b="0" baseline="0" dirty="0" smtClean="0">
+                <a:solidFill>
+                  <a:srgbClr val="FF0000"/>
+                </a:solidFill>
+              </a:rPr>
+              <a:t> functions to take input and build a calculator or something.</a:t>
+            </a:r>
+          </a:p>
+          <a:p>
+            <a:endParaRPr lang="en-US" dirty="0" smtClean="0"/>
+          </a:p>
+          <a:p>
+            <a:endParaRPr lang="en-US" dirty="0"/>
+          </a:p>
+        </p:txBody>
+      </p:sp>
+      <p:sp>
+        <p:nvSpPr>
+          <p:cNvPr id="4" name="Slide Number Placeholder 3"/>
+          <p:cNvSpPr>
+            <a:spLocks noGrp="1"/>
+          </p:cNvSpPr>
+          <p:nvPr>
+            <p:ph type="sldNum" sz="quarter" idx="10"/>
+          </p:nvPr>
+        </p:nvSpPr>
+        <p:spPr/>
+        <p:txBody>
+          <a:bodyPr/>
+          <a:lstStyle/>
+          <a:p>
+            <a:fld id="{D2FD33D1-5F8B-45B7-9940-CBFFF9C06F51}" type="slidenum">
+              <a:rPr lang="en-GB" smtClean="0">
+                <a:solidFill>
+                  <a:prstClr val="black"/>
+                </a:solidFill>
+              </a:rPr>
+              <a:pPr/>
               <a:t>107</a:t>
             </a:fld>
             <a:endParaRPr lang="en-GB" dirty="0">
@@ -5494,7 +5629,7 @@
 </p:notes>
 </file>
 
-<file path=ppt/notesSlides/notesSlide28.xml><?xml version="1.0" encoding="utf-8"?>
+<file path=ppt/notesSlides/notesSlide29.xml><?xml version="1.0" encoding="utf-8"?>
 <p:notes xmlns:a="http://schemas.openxmlformats.org/drawingml/2006/main" xmlns:r="http://schemas.openxmlformats.org/officeDocument/2006/relationships" xmlns:p="http://schemas.openxmlformats.org/presentationml/2006/main">
   <p:cSld>
     <p:spTree>
@@ -9004,25 +9139,6 @@
       </p:grpSpPr>
       <p:sp>
         <p:nvSpPr>
-          <p:cNvPr id="4" name="Content Placeholder 3"/>
-          <p:cNvSpPr>
-            <a:spLocks noGrp="1"/>
-          </p:cNvSpPr>
-          <p:nvPr>
-            <p:ph idx="1"/>
-          </p:nvPr>
-        </p:nvSpPr>
-        <p:spPr/>
-        <p:txBody>
-          <a:bodyPr/>
-          <a:lstStyle/>
-          <a:p>
-            <a:endParaRPr lang="en-US" dirty="0"/>
-          </a:p>
-        </p:txBody>
-      </p:sp>
-      <p:sp>
-        <p:nvSpPr>
           <p:cNvPr id="3" name="Title 2"/>
           <p:cNvSpPr>
             <a:spLocks noGrp="1"/>
@@ -9041,6 +9157,713 @@
               <a:t>File IO: File Operations Examples</a:t>
             </a:r>
             <a:endParaRPr lang="en-US" dirty="0"/>
+          </a:p>
+        </p:txBody>
+      </p:sp>
+      <p:sp>
+        <p:nvSpPr>
+          <p:cNvPr id="5" name="Rectangle 4"/>
+          <p:cNvSpPr/>
+          <p:nvPr/>
+        </p:nvSpPr>
+        <p:spPr>
+          <a:xfrm>
+            <a:off x="3143672" y="1415673"/>
+            <a:ext cx="5472608" cy="3231654"/>
+          </a:xfrm>
+          <a:prstGeom prst="rect">
+            <a:avLst/>
+          </a:prstGeom>
+          <a:solidFill>
+            <a:schemeClr val="bg1"/>
+          </a:solidFill>
+          <a:ln w="28575">
+            <a:solidFill>
+              <a:srgbClr val="008000"/>
+            </a:solidFill>
+          </a:ln>
+          <a:effectLst>
+            <a:outerShdw blurRad="50800" dist="38100" dir="2700000" algn="tl" rotWithShape="0">
+              <a:prstClr val="black">
+                <a:alpha val="40000"/>
+              </a:prstClr>
+            </a:outerShdw>
+          </a:effectLst>
+        </p:spPr>
+        <p:txBody>
+          <a:bodyPr wrap="square">
+            <a:spAutoFit/>
+          </a:bodyPr>
+          <a:lstStyle/>
+          <a:p>
+            <a:r>
+              <a:rPr lang="en-GB" sz="1200" dirty="0" smtClean="0">
+                <a:solidFill>
+                  <a:srgbClr val="008000"/>
+                </a:solidFill>
+                <a:highlight>
+                  <a:srgbClr val="FFFFFF"/>
+                </a:highlight>
+                <a:latin typeface="Courier New" panose="02070309020205020404" pitchFamily="49" charset="0"/>
+              </a:rPr>
+              <a:t># </a:t>
+            </a:r>
+            <a:r>
+              <a:rPr lang="en-GB" sz="1200" dirty="0">
+                <a:solidFill>
+                  <a:srgbClr val="008000"/>
+                </a:solidFill>
+                <a:highlight>
+                  <a:srgbClr val="FFFFFF"/>
+                </a:highlight>
+                <a:latin typeface="Courier New" panose="02070309020205020404" pitchFamily="49" charset="0"/>
+              </a:rPr>
+              <a:t>Simple example of writing data to a file</a:t>
+            </a:r>
+          </a:p>
+          <a:p>
+            <a:r>
+              <a:rPr lang="en-GB" sz="1200" b="1" dirty="0">
+                <a:solidFill>
+                  <a:srgbClr val="0000FF"/>
+                </a:solidFill>
+                <a:highlight>
+                  <a:srgbClr val="FFFFFF"/>
+                </a:highlight>
+                <a:latin typeface="Courier New" panose="02070309020205020404" pitchFamily="49" charset="0"/>
+              </a:rPr>
+              <a:t>import</a:t>
+            </a:r>
+            <a:r>
+              <a:rPr lang="en-GB" sz="1200" dirty="0">
+                <a:solidFill>
+                  <a:srgbClr val="0000FF"/>
+                </a:solidFill>
+                <a:highlight>
+                  <a:srgbClr val="FFFFFF"/>
+                </a:highlight>
+                <a:latin typeface="Courier New" panose="02070309020205020404" pitchFamily="49" charset="0"/>
+              </a:rPr>
+              <a:t> </a:t>
+            </a:r>
+            <a:r>
+              <a:rPr lang="en-GB" sz="1200" dirty="0" err="1">
+                <a:solidFill>
+                  <a:srgbClr val="000000"/>
+                </a:solidFill>
+                <a:highlight>
+                  <a:srgbClr val="FFFFFF"/>
+                </a:highlight>
+                <a:latin typeface="Courier New" panose="02070309020205020404" pitchFamily="49" charset="0"/>
+              </a:rPr>
+              <a:t>io</a:t>
+            </a:r>
+            <a:r>
+              <a:rPr lang="en-GB" sz="1200" dirty="0">
+                <a:solidFill>
+                  <a:srgbClr val="000000"/>
+                </a:solidFill>
+                <a:highlight>
+                  <a:srgbClr val="FFFFFF"/>
+                </a:highlight>
+                <a:latin typeface="Courier New" panose="02070309020205020404" pitchFamily="49" charset="0"/>
+              </a:rPr>
+              <a:t> </a:t>
+            </a:r>
+            <a:r>
+              <a:rPr lang="en-GB" sz="1200" b="1" dirty="0">
+                <a:solidFill>
+                  <a:srgbClr val="0000FF"/>
+                </a:solidFill>
+                <a:highlight>
+                  <a:srgbClr val="FFFFFF"/>
+                </a:highlight>
+                <a:latin typeface="Courier New" panose="02070309020205020404" pitchFamily="49" charset="0"/>
+              </a:rPr>
+              <a:t>as</a:t>
+            </a:r>
+            <a:r>
+              <a:rPr lang="en-GB" sz="1200" dirty="0">
+                <a:solidFill>
+                  <a:srgbClr val="0000FF"/>
+                </a:solidFill>
+                <a:highlight>
+                  <a:srgbClr val="FFFFFF"/>
+                </a:highlight>
+                <a:latin typeface="Courier New" panose="02070309020205020404" pitchFamily="49" charset="0"/>
+              </a:rPr>
+              <a:t> </a:t>
+            </a:r>
+            <a:r>
+              <a:rPr lang="en-GB" sz="1200" dirty="0" err="1">
+                <a:solidFill>
+                  <a:srgbClr val="000000"/>
+                </a:solidFill>
+                <a:highlight>
+                  <a:srgbClr val="FFFFFF"/>
+                </a:highlight>
+                <a:latin typeface="Courier New" panose="02070309020205020404" pitchFamily="49" charset="0"/>
+              </a:rPr>
+              <a:t>io</a:t>
+            </a:r>
+            <a:r>
+              <a:rPr lang="en-GB" sz="1200" dirty="0">
+                <a:solidFill>
+                  <a:srgbClr val="000000"/>
+                </a:solidFill>
+                <a:highlight>
+                  <a:srgbClr val="FFFFFF"/>
+                </a:highlight>
+                <a:latin typeface="Courier New" panose="02070309020205020404" pitchFamily="49" charset="0"/>
+              </a:rPr>
+              <a:t>;</a:t>
+            </a:r>
+          </a:p>
+          <a:p>
+            <a:endParaRPr lang="en-GB" sz="1200" dirty="0">
+              <a:solidFill>
+                <a:srgbClr val="000000"/>
+              </a:solidFill>
+              <a:highlight>
+                <a:srgbClr val="FFFFFF"/>
+              </a:highlight>
+              <a:latin typeface="Courier New" panose="02070309020205020404" pitchFamily="49" charset="0"/>
+            </a:endParaRPr>
+          </a:p>
+          <a:p>
+            <a:r>
+              <a:rPr lang="en-GB" sz="1200" dirty="0" err="1">
+                <a:solidFill>
+                  <a:srgbClr val="000000"/>
+                </a:solidFill>
+                <a:highlight>
+                  <a:srgbClr val="FFFFFF"/>
+                </a:highlight>
+                <a:latin typeface="Courier New" panose="02070309020205020404" pitchFamily="49" charset="0"/>
+              </a:rPr>
+              <a:t>newFile</a:t>
+            </a:r>
+            <a:r>
+              <a:rPr lang="en-GB" sz="1200" dirty="0">
+                <a:solidFill>
+                  <a:srgbClr val="000000"/>
+                </a:solidFill>
+                <a:highlight>
+                  <a:srgbClr val="FFFFFF"/>
+                </a:highlight>
+                <a:latin typeface="Courier New" panose="02070309020205020404" pitchFamily="49" charset="0"/>
+              </a:rPr>
+              <a:t> = </a:t>
+            </a:r>
+            <a:r>
+              <a:rPr lang="en-GB" sz="1200" dirty="0" err="1">
+                <a:solidFill>
+                  <a:srgbClr val="000000"/>
+                </a:solidFill>
+                <a:highlight>
+                  <a:srgbClr val="FFFFFF"/>
+                </a:highlight>
+                <a:latin typeface="Courier New" panose="02070309020205020404" pitchFamily="49" charset="0"/>
+              </a:rPr>
+              <a:t>io.FileIO</a:t>
+            </a:r>
+            <a:r>
+              <a:rPr lang="en-GB" sz="1200" dirty="0">
+                <a:solidFill>
+                  <a:srgbClr val="FF0000"/>
+                </a:solidFill>
+                <a:highlight>
+                  <a:srgbClr val="FFFFFF"/>
+                </a:highlight>
+                <a:latin typeface="Courier New" panose="02070309020205020404" pitchFamily="49" charset="0"/>
+              </a:rPr>
+              <a:t>("test_file.txt", mode="w")</a:t>
+            </a:r>
+          </a:p>
+          <a:p>
+            <a:endParaRPr lang="en-GB" sz="1200" dirty="0">
+              <a:solidFill>
+                <a:srgbClr val="000000"/>
+              </a:solidFill>
+              <a:highlight>
+                <a:srgbClr val="FFFFFF"/>
+              </a:highlight>
+              <a:latin typeface="Courier New" panose="02070309020205020404" pitchFamily="49" charset="0"/>
+            </a:endParaRPr>
+          </a:p>
+          <a:p>
+            <a:r>
+              <a:rPr lang="en-GB" sz="1200" dirty="0" err="1">
+                <a:solidFill>
+                  <a:srgbClr val="000000"/>
+                </a:solidFill>
+                <a:highlight>
+                  <a:srgbClr val="FFFFFF"/>
+                </a:highlight>
+                <a:latin typeface="Courier New" panose="02070309020205020404" pitchFamily="49" charset="0"/>
+              </a:rPr>
+              <a:t>textToWrite</a:t>
+            </a:r>
+            <a:r>
+              <a:rPr lang="en-GB" sz="1200" dirty="0">
+                <a:solidFill>
+                  <a:srgbClr val="000000"/>
+                </a:solidFill>
+                <a:highlight>
+                  <a:srgbClr val="FFFFFF"/>
+                </a:highlight>
+                <a:latin typeface="Courier New" panose="02070309020205020404" pitchFamily="49" charset="0"/>
+              </a:rPr>
+              <a:t> = </a:t>
+            </a:r>
+            <a:r>
+              <a:rPr lang="en-GB" sz="1200" dirty="0">
+                <a:solidFill>
+                  <a:srgbClr val="FF0000"/>
+                </a:solidFill>
+                <a:highlight>
+                  <a:srgbClr val="FFFFFF"/>
+                </a:highlight>
+                <a:latin typeface="Courier New" panose="02070309020205020404" pitchFamily="49" charset="0"/>
+              </a:rPr>
+              <a:t>"This is some text"</a:t>
+            </a:r>
+          </a:p>
+          <a:p>
+            <a:endParaRPr lang="en-GB" sz="1200" dirty="0">
+              <a:solidFill>
+                <a:srgbClr val="000000"/>
+              </a:solidFill>
+              <a:highlight>
+                <a:srgbClr val="FFFFFF"/>
+              </a:highlight>
+              <a:latin typeface="Courier New" panose="02070309020205020404" pitchFamily="49" charset="0"/>
+            </a:endParaRPr>
+          </a:p>
+          <a:p>
+            <a:r>
+              <a:rPr lang="en-GB" sz="1200" dirty="0" err="1">
+                <a:solidFill>
+                  <a:srgbClr val="000000"/>
+                </a:solidFill>
+                <a:highlight>
+                  <a:srgbClr val="FFFFFF"/>
+                </a:highlight>
+                <a:latin typeface="Courier New" panose="02070309020205020404" pitchFamily="49" charset="0"/>
+              </a:rPr>
+              <a:t>textRange</a:t>
+            </a:r>
+            <a:r>
+              <a:rPr lang="en-GB" sz="1200" dirty="0">
+                <a:solidFill>
+                  <a:srgbClr val="000000"/>
+                </a:solidFill>
+                <a:highlight>
+                  <a:srgbClr val="FFFFFF"/>
+                </a:highlight>
+                <a:latin typeface="Courier New" panose="02070309020205020404" pitchFamily="49" charset="0"/>
+              </a:rPr>
+              <a:t> = range( </a:t>
+            </a:r>
+            <a:r>
+              <a:rPr lang="en-GB" sz="1200" dirty="0" err="1">
+                <a:solidFill>
+                  <a:srgbClr val="000000"/>
+                </a:solidFill>
+                <a:highlight>
+                  <a:srgbClr val="FFFFFF"/>
+                </a:highlight>
+                <a:latin typeface="Courier New" panose="02070309020205020404" pitchFamily="49" charset="0"/>
+              </a:rPr>
+              <a:t>len</a:t>
+            </a:r>
+            <a:r>
+              <a:rPr lang="en-GB" sz="1200" dirty="0">
+                <a:solidFill>
+                  <a:srgbClr val="000000"/>
+                </a:solidFill>
+                <a:highlight>
+                  <a:srgbClr val="FFFFFF"/>
+                </a:highlight>
+                <a:latin typeface="Courier New" panose="02070309020205020404" pitchFamily="49" charset="0"/>
+              </a:rPr>
+              <a:t>(</a:t>
+            </a:r>
+            <a:r>
+              <a:rPr lang="en-GB" sz="1200" dirty="0" err="1">
+                <a:solidFill>
+                  <a:srgbClr val="000000"/>
+                </a:solidFill>
+                <a:highlight>
+                  <a:srgbClr val="FFFFFF"/>
+                </a:highlight>
+                <a:latin typeface="Courier New" panose="02070309020205020404" pitchFamily="49" charset="0"/>
+              </a:rPr>
+              <a:t>textToWrite</a:t>
+            </a:r>
+            <a:r>
+              <a:rPr lang="en-GB" sz="1200" dirty="0">
+                <a:solidFill>
+                  <a:srgbClr val="000000"/>
+                </a:solidFill>
+                <a:highlight>
+                  <a:srgbClr val="FFFFFF"/>
+                </a:highlight>
+                <a:latin typeface="Courier New" panose="02070309020205020404" pitchFamily="49" charset="0"/>
+              </a:rPr>
+              <a:t>) - 1, 0, -1)</a:t>
+            </a:r>
+          </a:p>
+          <a:p>
+            <a:endParaRPr lang="en-GB" sz="1200" dirty="0">
+              <a:solidFill>
+                <a:srgbClr val="000000"/>
+              </a:solidFill>
+              <a:highlight>
+                <a:srgbClr val="FFFFFF"/>
+              </a:highlight>
+              <a:latin typeface="Courier New" panose="02070309020205020404" pitchFamily="49" charset="0"/>
+            </a:endParaRPr>
+          </a:p>
+          <a:p>
+            <a:r>
+              <a:rPr lang="en-GB" sz="1200" b="1" dirty="0">
+                <a:solidFill>
+                  <a:srgbClr val="0000FF"/>
+                </a:solidFill>
+                <a:highlight>
+                  <a:srgbClr val="FFFFFF"/>
+                </a:highlight>
+                <a:latin typeface="Courier New" panose="02070309020205020404" pitchFamily="49" charset="0"/>
+              </a:rPr>
+              <a:t>for</a:t>
+            </a:r>
+            <a:r>
+              <a:rPr lang="en-GB" sz="1200" dirty="0">
+                <a:solidFill>
+                  <a:srgbClr val="000000"/>
+                </a:solidFill>
+                <a:highlight>
+                  <a:srgbClr val="FFFFFF"/>
+                </a:highlight>
+                <a:latin typeface="Courier New" panose="02070309020205020404" pitchFamily="49" charset="0"/>
+              </a:rPr>
+              <a:t> t </a:t>
+            </a:r>
+            <a:r>
+              <a:rPr lang="en-GB" sz="1200" b="1" dirty="0">
+                <a:solidFill>
+                  <a:srgbClr val="0000FF"/>
+                </a:solidFill>
+                <a:highlight>
+                  <a:srgbClr val="FFFFFF"/>
+                </a:highlight>
+                <a:latin typeface="Courier New" panose="02070309020205020404" pitchFamily="49" charset="0"/>
+              </a:rPr>
+              <a:t>in</a:t>
+            </a:r>
+            <a:r>
+              <a:rPr lang="en-GB" sz="1200" dirty="0">
+                <a:solidFill>
+                  <a:srgbClr val="000000"/>
+                </a:solidFill>
+                <a:highlight>
+                  <a:srgbClr val="FFFFFF"/>
+                </a:highlight>
+                <a:latin typeface="Courier New" panose="02070309020205020404" pitchFamily="49" charset="0"/>
+              </a:rPr>
+              <a:t> </a:t>
+            </a:r>
+            <a:r>
+              <a:rPr lang="en-GB" sz="1200" dirty="0" err="1">
+                <a:solidFill>
+                  <a:srgbClr val="000000"/>
+                </a:solidFill>
+                <a:highlight>
+                  <a:srgbClr val="FFFFFF"/>
+                </a:highlight>
+                <a:latin typeface="Courier New" panose="02070309020205020404" pitchFamily="49" charset="0"/>
+              </a:rPr>
+              <a:t>textToWrite</a:t>
+            </a:r>
+            <a:r>
+              <a:rPr lang="en-GB" sz="1200" dirty="0">
+                <a:solidFill>
+                  <a:srgbClr val="000000"/>
+                </a:solidFill>
+                <a:highlight>
+                  <a:srgbClr val="FFFFFF"/>
+                </a:highlight>
+                <a:latin typeface="Courier New" panose="02070309020205020404" pitchFamily="49" charset="0"/>
+              </a:rPr>
+              <a:t>:</a:t>
+            </a:r>
+          </a:p>
+          <a:p>
+            <a:r>
+              <a:rPr lang="en-GB" sz="1200" dirty="0">
+                <a:solidFill>
+                  <a:srgbClr val="000000"/>
+                </a:solidFill>
+                <a:highlight>
+                  <a:srgbClr val="FFFFFF"/>
+                </a:highlight>
+                <a:latin typeface="Courier New" panose="02070309020205020404" pitchFamily="49" charset="0"/>
+              </a:rPr>
+              <a:t>    </a:t>
+            </a:r>
+            <a:r>
+              <a:rPr lang="en-GB" sz="1200" dirty="0" err="1">
+                <a:solidFill>
+                  <a:srgbClr val="000000"/>
+                </a:solidFill>
+                <a:highlight>
+                  <a:srgbClr val="FFFFFF"/>
+                </a:highlight>
+                <a:latin typeface="Courier New" panose="02070309020205020404" pitchFamily="49" charset="0"/>
+              </a:rPr>
+              <a:t>newFile.write</a:t>
+            </a:r>
+            <a:r>
+              <a:rPr lang="en-GB" sz="1200" dirty="0">
+                <a:solidFill>
+                  <a:srgbClr val="000000"/>
+                </a:solidFill>
+                <a:highlight>
+                  <a:srgbClr val="FFFFFF"/>
+                </a:highlight>
+                <a:latin typeface="Courier New" panose="02070309020205020404" pitchFamily="49" charset="0"/>
+              </a:rPr>
+              <a:t>(t + </a:t>
+            </a:r>
+            <a:r>
+              <a:rPr lang="en-GB" sz="1200" dirty="0">
+                <a:solidFill>
+                  <a:srgbClr val="FF0000"/>
+                </a:solidFill>
+                <a:highlight>
+                  <a:srgbClr val="FFFFFF"/>
+                </a:highlight>
+                <a:latin typeface="Courier New" panose="02070309020205020404" pitchFamily="49" charset="0"/>
+              </a:rPr>
+              <a:t>'\n'</a:t>
+            </a:r>
+            <a:r>
+              <a:rPr lang="en-GB" sz="1200" dirty="0">
+                <a:solidFill>
+                  <a:srgbClr val="000000"/>
+                </a:solidFill>
+                <a:highlight>
+                  <a:srgbClr val="FFFFFF"/>
+                </a:highlight>
+                <a:latin typeface="Courier New" panose="02070309020205020404" pitchFamily="49" charset="0"/>
+              </a:rPr>
+              <a:t>)</a:t>
+            </a:r>
+          </a:p>
+          <a:p>
+            <a:endParaRPr lang="en-GB" sz="1200" dirty="0">
+              <a:solidFill>
+                <a:srgbClr val="000000"/>
+              </a:solidFill>
+              <a:highlight>
+                <a:srgbClr val="FFFFFF"/>
+              </a:highlight>
+              <a:latin typeface="Courier New" panose="02070309020205020404" pitchFamily="49" charset="0"/>
+            </a:endParaRPr>
+          </a:p>
+          <a:p>
+            <a:endParaRPr lang="en-GB" sz="1200" dirty="0">
+              <a:solidFill>
+                <a:srgbClr val="000000"/>
+              </a:solidFill>
+              <a:highlight>
+                <a:srgbClr val="FFFFFF"/>
+              </a:highlight>
+              <a:latin typeface="Courier New" panose="02070309020205020404" pitchFamily="49" charset="0"/>
+            </a:endParaRPr>
+          </a:p>
+          <a:p>
+            <a:r>
+              <a:rPr lang="en-GB" sz="1200" b="1" dirty="0">
+                <a:solidFill>
+                  <a:srgbClr val="0000FF"/>
+                </a:solidFill>
+                <a:highlight>
+                  <a:srgbClr val="FFFFFF"/>
+                </a:highlight>
+                <a:latin typeface="Courier New" panose="02070309020205020404" pitchFamily="49" charset="0"/>
+              </a:rPr>
+              <a:t>for</a:t>
+            </a:r>
+            <a:r>
+              <a:rPr lang="en-GB" sz="1200" dirty="0">
+                <a:solidFill>
+                  <a:srgbClr val="000000"/>
+                </a:solidFill>
+                <a:highlight>
+                  <a:srgbClr val="FFFFFF"/>
+                </a:highlight>
+                <a:latin typeface="Courier New" panose="02070309020205020404" pitchFamily="49" charset="0"/>
+              </a:rPr>
+              <a:t> t </a:t>
+            </a:r>
+            <a:r>
+              <a:rPr lang="en-GB" sz="1200" b="1" dirty="0">
+                <a:solidFill>
+                  <a:srgbClr val="0000FF"/>
+                </a:solidFill>
+                <a:highlight>
+                  <a:srgbClr val="FFFFFF"/>
+                </a:highlight>
+                <a:latin typeface="Courier New" panose="02070309020205020404" pitchFamily="49" charset="0"/>
+              </a:rPr>
+              <a:t>in</a:t>
+            </a:r>
+            <a:r>
+              <a:rPr lang="en-GB" sz="1200" dirty="0">
+                <a:solidFill>
+                  <a:srgbClr val="000000"/>
+                </a:solidFill>
+                <a:highlight>
+                  <a:srgbClr val="FFFFFF"/>
+                </a:highlight>
+                <a:latin typeface="Courier New" panose="02070309020205020404" pitchFamily="49" charset="0"/>
+              </a:rPr>
+              <a:t> </a:t>
+            </a:r>
+            <a:r>
+              <a:rPr lang="en-GB" sz="1200" dirty="0" err="1">
+                <a:solidFill>
+                  <a:srgbClr val="000000"/>
+                </a:solidFill>
+                <a:highlight>
+                  <a:srgbClr val="FFFFFF"/>
+                </a:highlight>
+                <a:latin typeface="Courier New" panose="02070309020205020404" pitchFamily="49" charset="0"/>
+              </a:rPr>
+              <a:t>textRange</a:t>
+            </a:r>
+            <a:r>
+              <a:rPr lang="en-GB" sz="1200" dirty="0">
+                <a:solidFill>
+                  <a:srgbClr val="000000"/>
+                </a:solidFill>
+                <a:highlight>
+                  <a:srgbClr val="FFFFFF"/>
+                </a:highlight>
+                <a:latin typeface="Courier New" panose="02070309020205020404" pitchFamily="49" charset="0"/>
+              </a:rPr>
+              <a:t>:</a:t>
+            </a:r>
+          </a:p>
+          <a:p>
+            <a:r>
+              <a:rPr lang="en-GB" sz="1200" dirty="0">
+                <a:solidFill>
+                  <a:srgbClr val="000000"/>
+                </a:solidFill>
+                <a:highlight>
+                  <a:srgbClr val="FFFFFF"/>
+                </a:highlight>
+                <a:latin typeface="Courier New" panose="02070309020205020404" pitchFamily="49" charset="0"/>
+              </a:rPr>
+              <a:t>    </a:t>
+            </a:r>
+            <a:r>
+              <a:rPr lang="en-GB" sz="1200" dirty="0" err="1">
+                <a:solidFill>
+                  <a:srgbClr val="000000"/>
+                </a:solidFill>
+                <a:highlight>
+                  <a:srgbClr val="FFFFFF"/>
+                </a:highlight>
+                <a:latin typeface="Courier New" panose="02070309020205020404" pitchFamily="49" charset="0"/>
+              </a:rPr>
+              <a:t>newFile.write</a:t>
+            </a:r>
+            <a:r>
+              <a:rPr lang="en-GB" sz="1200" dirty="0">
+                <a:solidFill>
+                  <a:srgbClr val="000000"/>
+                </a:solidFill>
+                <a:highlight>
+                  <a:srgbClr val="FFFFFF"/>
+                </a:highlight>
+                <a:latin typeface="Courier New" panose="02070309020205020404" pitchFamily="49" charset="0"/>
+              </a:rPr>
+              <a:t>(</a:t>
+            </a:r>
+            <a:r>
+              <a:rPr lang="en-GB" sz="1200" dirty="0" err="1">
+                <a:solidFill>
+                  <a:srgbClr val="000000"/>
+                </a:solidFill>
+                <a:highlight>
+                  <a:srgbClr val="FFFFFF"/>
+                </a:highlight>
+                <a:latin typeface="Courier New" panose="02070309020205020404" pitchFamily="49" charset="0"/>
+              </a:rPr>
+              <a:t>textToWrite</a:t>
+            </a:r>
+            <a:r>
+              <a:rPr lang="en-GB" sz="1200" dirty="0">
+                <a:solidFill>
+                  <a:srgbClr val="000000"/>
+                </a:solidFill>
+                <a:highlight>
+                  <a:srgbClr val="FFFFFF"/>
+                </a:highlight>
+                <a:latin typeface="Courier New" panose="02070309020205020404" pitchFamily="49" charset="0"/>
+              </a:rPr>
+              <a:t>[t])</a:t>
+            </a:r>
+          </a:p>
+          <a:p>
+            <a:endParaRPr lang="en-GB" sz="1200" dirty="0">
+              <a:solidFill>
+                <a:srgbClr val="000000"/>
+              </a:solidFill>
+              <a:highlight>
+                <a:srgbClr val="FFFFFF"/>
+              </a:highlight>
+              <a:latin typeface="Courier New" panose="02070309020205020404" pitchFamily="49" charset="0"/>
+            </a:endParaRPr>
+          </a:p>
+          <a:p>
+            <a:r>
+              <a:rPr lang="en-GB" sz="1200" dirty="0" err="1">
+                <a:solidFill>
+                  <a:srgbClr val="000000"/>
+                </a:solidFill>
+                <a:highlight>
+                  <a:srgbClr val="FFFFFF"/>
+                </a:highlight>
+                <a:latin typeface="Courier New" panose="02070309020205020404" pitchFamily="49" charset="0"/>
+              </a:rPr>
+              <a:t>newFile.close</a:t>
+            </a:r>
+            <a:r>
+              <a:rPr lang="en-GB" sz="1200" dirty="0">
+                <a:solidFill>
+                  <a:srgbClr val="000000"/>
+                </a:solidFill>
+                <a:highlight>
+                  <a:srgbClr val="FFFFFF"/>
+                </a:highlight>
+                <a:latin typeface="Courier New" panose="02070309020205020404" pitchFamily="49" charset="0"/>
+              </a:rPr>
+              <a:t>()</a:t>
+            </a:r>
+            <a:endParaRPr lang="en-US" sz="1200" dirty="0">
+              <a:solidFill>
+                <a:srgbClr val="000000"/>
+              </a:solidFill>
+              <a:highlight>
+                <a:srgbClr val="FFFFFF"/>
+              </a:highlight>
+              <a:latin typeface="Courier New" panose="02070309020205020404" pitchFamily="49" charset="0"/>
+            </a:endParaRPr>
           </a:p>
         </p:txBody>
       </p:sp>
@@ -36048,12 +36871,36 @@
                 </a:highlight>
                 <a:latin typeface="Courier New" panose="02070309020205020404" pitchFamily="49" charset="0"/>
               </a:rPr>
-              <a:t>[5] = </a:t>
+              <a:t>[</a:t>
+            </a:r>
+            <a:r>
+              <a:rPr lang="en-US" sz="1200" dirty="0">
+                <a:solidFill>
+                  <a:srgbClr val="FF0000"/>
+                </a:solidFill>
+                <a:highlight>
+                  <a:srgbClr val="FFFFFF"/>
+                </a:highlight>
+                <a:latin typeface="Courier New" panose="02070309020205020404" pitchFamily="49" charset="0"/>
+              </a:rPr>
+              <a:t>5</a:t>
+            </a:r>
+            <a:r>
+              <a:rPr lang="en-US" sz="1200" dirty="0">
+                <a:solidFill>
+                  <a:srgbClr val="000000"/>
+                </a:solidFill>
+                <a:highlight>
+                  <a:srgbClr val="FFFFFF"/>
+                </a:highlight>
+                <a:latin typeface="Courier New" panose="02070309020205020404" pitchFamily="49" charset="0"/>
+              </a:rPr>
+              <a:t>] = </a:t>
             </a:r>
             <a:r>
               <a:rPr lang="en-US" sz="1200" dirty="0" smtClean="0">
                 <a:solidFill>
-                  <a:srgbClr val="000000"/>
+                  <a:srgbClr val="FF0000"/>
                 </a:solidFill>
                 <a:highlight>
                   <a:srgbClr val="FFFFFF"/>
@@ -36097,7 +36944,19 @@
                 </a:highlight>
                 <a:latin typeface="Courier New" panose="02070309020205020404" pitchFamily="49" charset="0"/>
               </a:rPr>
-              <a:t>(15</a:t>
+              <a:t>(</a:t>
+            </a:r>
+            <a:r>
+              <a:rPr lang="en-US" sz="1200" dirty="0">
+                <a:solidFill>
+                  <a:srgbClr val="FF0000"/>
+                </a:solidFill>
+                <a:highlight>
+                  <a:srgbClr val="FFFFFF"/>
+                </a:highlight>
+                <a:latin typeface="Courier New" panose="02070309020205020404" pitchFamily="49" charset="0"/>
+              </a:rPr>
+              <a:t>15</a:t>
             </a:r>
             <a:r>
               <a:rPr lang="en-US" sz="1200" dirty="0" smtClean="0">
@@ -36186,7 +37045,7 @@
           </a:p>
           <a:p>
             <a:r>
-              <a:rPr lang="en-US" sz="1200" dirty="0" err="1">
+              <a:rPr lang="en-US" sz="1200" dirty="0" err="1" smtClean="0">
                 <a:solidFill>
                   <a:srgbClr val="000000"/>
                 </a:solidFill>
@@ -36198,7 +37057,7 @@
               <a:t>blist.remove</a:t>
             </a:r>
             <a:r>
-              <a:rPr lang="en-US" sz="1200" dirty="0">
+              <a:rPr lang="en-US" sz="1200" dirty="0" smtClean="0">
                 <a:solidFill>
                   <a:srgbClr val="000000"/>
                 </a:solidFill>
@@ -36207,11 +37066,23 @@
                 </a:highlight>
                 <a:latin typeface="Courier New" panose="02070309020205020404" pitchFamily="49" charset="0"/>
               </a:rPr>
-              <a:t>(‘Bart</a:t>
+              <a:t>(</a:t>
             </a:r>
             <a:r>
               <a:rPr lang="en-US" sz="1200" dirty="0" smtClean="0">
                 <a:solidFill>
+                  <a:srgbClr val="FF0000"/>
+                </a:solidFill>
+                <a:highlight>
+                  <a:srgbClr val="FFFFFF"/>
+                </a:highlight>
+                <a:latin typeface="Courier New" panose="02070309020205020404" pitchFamily="49" charset="0"/>
+              </a:rPr>
+              <a:t>‘Bart’</a:t>
+            </a:r>
+            <a:r>
+              <a:rPr lang="en-US" sz="1200" dirty="0" smtClean="0">
+                <a:solidFill>
                   <a:srgbClr val="000000"/>
                 </a:solidFill>
                 <a:highlight>
@@ -36219,7 +37090,7 @@
                 </a:highlight>
                 <a:latin typeface="Courier New" panose="02070309020205020404" pitchFamily="49" charset="0"/>
               </a:rPr>
-              <a:t>’)</a:t>
+              <a:t>)</a:t>
             </a:r>
           </a:p>
           <a:p>
@@ -36268,7 +37139,31 @@
                 </a:highlight>
                 <a:latin typeface="Courier New" panose="02070309020205020404" pitchFamily="49" charset="0"/>
               </a:rPr>
-              <a:t>(2)</a:t>
+              <a:t>(</a:t>
+            </a:r>
+            <a:r>
+              <a:rPr lang="en-US" sz="1200" dirty="0" smtClean="0">
+                <a:solidFill>
+                  <a:srgbClr val="FF0000"/>
+                </a:solidFill>
+                <a:highlight>
+                  <a:srgbClr val="FFFFFF"/>
+                </a:highlight>
+                <a:latin typeface="Courier New" panose="02070309020205020404" pitchFamily="49" charset="0"/>
+              </a:rPr>
+              <a:t>2</a:t>
+            </a:r>
+            <a:r>
+              <a:rPr lang="en-US" sz="1200" dirty="0" smtClean="0">
+                <a:solidFill>
+                  <a:srgbClr val="000000"/>
+                </a:solidFill>
+                <a:highlight>
+                  <a:srgbClr val="FFFFFF"/>
+                </a:highlight>
+                <a:latin typeface="Courier New" panose="02070309020205020404" pitchFamily="49" charset="0"/>
+              </a:rPr>
+              <a:t>)</a:t>
             </a:r>
           </a:p>
           <a:p>
@@ -36317,11 +37212,47 @@
                 </a:highlight>
                 <a:latin typeface="Courier New" panose="02070309020205020404" pitchFamily="49" charset="0"/>
               </a:rPr>
-              <a:t>(‘</a:t>
+              <a:t>(</a:t>
+            </a:r>
+            <a:r>
+              <a:rPr lang="en-US" sz="1200" dirty="0" smtClean="0">
+                <a:solidFill>
+                  <a:srgbClr val="FF0000"/>
+                </a:solidFill>
+                <a:highlight>
+                  <a:srgbClr val="FFFFFF"/>
+                </a:highlight>
+                <a:latin typeface="Courier New" panose="02070309020205020404" pitchFamily="49" charset="0"/>
+              </a:rPr>
+              <a:t>‘</a:t>
             </a:r>
             <a:r>
               <a:rPr lang="en-US" sz="1200" dirty="0" err="1" smtClean="0">
                 <a:solidFill>
+                  <a:srgbClr val="FF0000"/>
+                </a:solidFill>
+                <a:highlight>
+                  <a:srgbClr val="FFFFFF"/>
+                </a:highlight>
+                <a:latin typeface="Courier New" panose="02070309020205020404" pitchFamily="49" charset="0"/>
+              </a:rPr>
+              <a:t>Magggie</a:t>
+            </a:r>
+            <a:r>
+              <a:rPr lang="en-US" sz="1200" dirty="0" smtClean="0">
+                <a:solidFill>
+                  <a:srgbClr val="FF0000"/>
+                </a:solidFill>
+                <a:highlight>
+                  <a:srgbClr val="FFFFFF"/>
+                </a:highlight>
+                <a:latin typeface="Courier New" panose="02070309020205020404" pitchFamily="49" charset="0"/>
+              </a:rPr>
+              <a:t>’</a:t>
+            </a:r>
+            <a:r>
+              <a:rPr lang="en-US" sz="1200" dirty="0" smtClean="0">
+                <a:solidFill>
                   <a:srgbClr val="000000"/>
                 </a:solidFill>
                 <a:highlight>
@@ -36329,19 +37260,7 @@
                 </a:highlight>
                 <a:latin typeface="Courier New" panose="02070309020205020404" pitchFamily="49" charset="0"/>
               </a:rPr>
-              <a:t>Magggie</a:t>
-            </a:r>
-            <a:r>
-              <a:rPr lang="en-US" sz="1200" dirty="0" smtClean="0">
-                <a:solidFill>
-                  <a:srgbClr val="000000"/>
-                </a:solidFill>
-                <a:highlight>
-                  <a:srgbClr val="FFFFFF"/>
-                </a:highlight>
-                <a:latin typeface="Courier New" panose="02070309020205020404" pitchFamily="49" charset="0"/>
-              </a:rPr>
-              <a:t>’)</a:t>
+              <a:t>)</a:t>
             </a:r>
           </a:p>
           <a:p>
@@ -37079,7 +37998,19 @@
                 </a:highlight>
                 <a:latin typeface="Courier New" panose="02070309020205020404" pitchFamily="49" charset="0"/>
               </a:rPr>
-              <a:t> = (1, 2, 3, 4, 5, 6)</a:t>
+              <a:t> = </a:t>
+            </a:r>
+            <a:r>
+              <a:rPr lang="en-US" sz="1200" dirty="0" smtClean="0">
+                <a:solidFill>
+                  <a:srgbClr val="FF0000"/>
+                </a:solidFill>
+                <a:highlight>
+                  <a:srgbClr val="FFFFFF"/>
+                </a:highlight>
+                <a:latin typeface="Courier New" panose="02070309020205020404" pitchFamily="49" charset="0"/>
+              </a:rPr>
+              <a:t>(1, 2, 3, 4, 5, 6)</a:t>
             </a:r>
           </a:p>
           <a:p>
@@ -37105,11 +38036,49 @@
                 </a:highlight>
                 <a:latin typeface="Courier New" panose="02070309020205020404" pitchFamily="49" charset="0"/>
               </a:rPr>
-              <a:t> = (‘Peter’, ‘Lois’, ‘Chris’, ‘</a:t>
+              <a:t> = </a:t>
+            </a:r>
+            <a:r>
+              <a:rPr lang="en-US" sz="1200" dirty="0" smtClean="0">
+                <a:solidFill>
+                  <a:srgbClr val="FF0000"/>
+                </a:solidFill>
+                <a:highlight>
+                  <a:srgbClr val="FFFFFF"/>
+                </a:highlight>
+                <a:latin typeface="Courier New" panose="02070309020205020404" pitchFamily="49" charset="0"/>
+              </a:rPr>
+              <a:t>(‘Peter’, ‘Lois’, ‘Chris’, ‘</a:t>
             </a:r>
             <a:r>
               <a:rPr lang="en-US" sz="1200" dirty="0" err="1" smtClean="0">
                 <a:solidFill>
+                  <a:srgbClr val="FF0000"/>
+                </a:solidFill>
+                <a:highlight>
+                  <a:srgbClr val="FFFFFF"/>
+                </a:highlight>
+                <a:latin typeface="Courier New" panose="02070309020205020404" pitchFamily="49" charset="0"/>
+              </a:rPr>
+              <a:t>Stewie</a:t>
+            </a:r>
+            <a:r>
+              <a:rPr lang="en-US" sz="1200" dirty="0" smtClean="0">
+                <a:solidFill>
+                  <a:srgbClr val="FF0000"/>
+                </a:solidFill>
+                <a:highlight>
+                  <a:srgbClr val="FFFFFF"/>
+                </a:highlight>
+                <a:latin typeface="Courier New" panose="02070309020205020404" pitchFamily="49" charset="0"/>
+              </a:rPr>
+              <a:t>’, ‘Brian’)</a:t>
+            </a:r>
+          </a:p>
+          <a:p>
+            <a:r>
+              <a:rPr lang="en-US" sz="1200" dirty="0" err="1" smtClean="0">
+                <a:solidFill>
                   <a:srgbClr val="000000"/>
                 </a:solidFill>
                 <a:highlight>
@@ -37117,7 +38086,7 @@
                 </a:highlight>
                 <a:latin typeface="Courier New" panose="02070309020205020404" pitchFamily="49" charset="0"/>
               </a:rPr>
-              <a:t>Stewie</a:t>
+              <a:t>ctuple</a:t>
             </a:r>
             <a:r>
               <a:rPr lang="en-US" sz="1200" dirty="0" smtClean="0">
@@ -37129,7 +38098,19 @@
                 </a:highlight>
                 <a:latin typeface="Courier New" panose="02070309020205020404" pitchFamily="49" charset="0"/>
               </a:rPr>
-              <a:t>’, ‘Brian’)</a:t>
+              <a:t> = </a:t>
+            </a:r>
+            <a:r>
+              <a:rPr lang="en-US" sz="1200" dirty="0" smtClean="0">
+                <a:solidFill>
+                  <a:srgbClr val="FF0000"/>
+                </a:solidFill>
+                <a:highlight>
+                  <a:srgbClr val="FFFFFF"/>
+                </a:highlight>
+                <a:latin typeface="Courier New" panose="02070309020205020404" pitchFamily="49" charset="0"/>
+              </a:rPr>
+              <a:t>(‘Meg’)</a:t>
             </a:r>
           </a:p>
           <a:p>
@@ -37143,7 +38124,7 @@
                 </a:highlight>
                 <a:latin typeface="Courier New" panose="02070309020205020404" pitchFamily="49" charset="0"/>
               </a:rPr>
-              <a:t>ctuple</a:t>
+              <a:t>dtuple</a:t>
             </a:r>
             <a:r>
               <a:rPr lang="en-US" sz="1200" dirty="0" smtClean="0">
@@ -37155,7 +38136,19 @@
                 </a:highlight>
                 <a:latin typeface="Courier New" panose="02070309020205020404" pitchFamily="49" charset="0"/>
               </a:rPr>
-              <a:t> = (‘Meg’)</a:t>
+              <a:t> = </a:t>
+            </a:r>
+            <a:r>
+              <a:rPr lang="en-US" sz="1200" dirty="0" smtClean="0">
+                <a:solidFill>
+                  <a:srgbClr val="FF0000"/>
+                </a:solidFill>
+                <a:highlight>
+                  <a:srgbClr val="FFFFFF"/>
+                </a:highlight>
+                <a:latin typeface="Courier New" panose="02070309020205020404" pitchFamily="49" charset="0"/>
+              </a:rPr>
+              <a:t>()</a:t>
             </a:r>
           </a:p>
           <a:p>
@@ -37169,38 +38162,12 @@
                 </a:highlight>
                 <a:latin typeface="Courier New" panose="02070309020205020404" pitchFamily="49" charset="0"/>
               </a:rPr>
-              <a:t>dtuple</a:t>
+              <a:t>alist.append</a:t>
             </a:r>
             <a:r>
               <a:rPr lang="en-US" sz="1200" dirty="0" smtClean="0">
                 <a:solidFill>
-                  <a:srgbClr val="000000"/>
-                </a:solidFill>
-                <a:highlight>
-                  <a:srgbClr val="FFFFFF"/>
-                </a:highlight>
-                <a:latin typeface="Courier New" panose="02070309020205020404" pitchFamily="49" charset="0"/>
-              </a:rPr>
-              <a:t> = ()</a:t>
-            </a:r>
-          </a:p>
-          <a:p>
-            <a:r>
-              <a:rPr lang="en-US" sz="1200" dirty="0" err="1" smtClean="0">
-                <a:solidFill>
-                  <a:srgbClr val="000000"/>
-                </a:solidFill>
-                <a:highlight>
-                  <a:srgbClr val="FFFFFF"/>
-                </a:highlight>
-                <a:latin typeface="Courier New" panose="02070309020205020404" pitchFamily="49" charset="0"/>
-              </a:rPr>
-              <a:t>alist.append</a:t>
-            </a:r>
-            <a:r>
-              <a:rPr lang="en-US" sz="1200" dirty="0" smtClean="0">
-                <a:solidFill>
-                  <a:srgbClr val="000000"/>
+                  <a:srgbClr val="FF0000"/>
                 </a:solidFill>
                 <a:highlight>
                   <a:srgbClr val="FFFFFF"/>
@@ -37517,7 +38484,7 @@
             <a:r>
               <a:rPr lang="en-US" sz="1200" dirty="0" smtClean="0">
                 <a:solidFill>
-                  <a:srgbClr val="000000"/>
+                  <a:srgbClr val="FF0000"/>
                 </a:solidFill>
                 <a:highlight>
                   <a:srgbClr val="FFFFFF"/>
@@ -37528,7 +38495,7 @@
             </a:r>
             <a:endParaRPr lang="en-US" sz="1200" dirty="0" smtClean="0">
               <a:solidFill>
-                <a:srgbClr val="000000"/>
+                <a:srgbClr val="FF0000"/>
               </a:solidFill>
               <a:highlight>
                 <a:srgbClr val="FFFFFF"/>
@@ -37825,14 +38792,6 @@
 <file path=ppt/slides/slide72.xml><?xml version="1.0" encoding="utf-8"?>
 <p:sld xmlns:a="http://schemas.openxmlformats.org/drawingml/2006/main" xmlns:r="http://schemas.openxmlformats.org/officeDocument/2006/relationships" xmlns:p="http://schemas.openxmlformats.org/presentationml/2006/main">
   <p:cSld>
-    <p:bg>
-      <p:bgPr>
-        <a:solidFill>
-          <a:schemeClr val="bg1"/>
-        </a:solidFill>
-        <a:effectLst/>
-      </p:bgPr>
-    </p:bg>
     <p:spTree>
       <p:nvGrpSpPr>
         <p:cNvPr id="1" name=""/>
@@ -37849,26 +38808,7 @@
       </p:grpSpPr>
       <p:sp>
         <p:nvSpPr>
-          <p:cNvPr id="4" name="Content Placeholder 3"/>
-          <p:cNvSpPr>
-            <a:spLocks noGrp="1"/>
-          </p:cNvSpPr>
-          <p:nvPr>
-            <p:ph idx="1"/>
-          </p:nvPr>
-        </p:nvSpPr>
-        <p:spPr/>
-        <p:txBody>
-          <a:bodyPr/>
-          <a:lstStyle/>
-          <a:p>
-            <a:endParaRPr lang="en-US" dirty="0"/>
-          </a:p>
-        </p:txBody>
-      </p:sp>
-      <p:sp>
-        <p:nvSpPr>
-          <p:cNvPr id="3" name="Title 2"/>
+          <p:cNvPr id="4" name="Title 3"/>
           <p:cNvSpPr>
             <a:spLocks noGrp="1"/>
           </p:cNvSpPr>
@@ -37878,12 +38818,26 @@
         </p:nvSpPr>
         <p:spPr/>
         <p:txBody>
-          <a:bodyPr/>
+          <a:bodyPr>
+            <a:normAutofit/>
+          </a:bodyPr>
           <a:lstStyle/>
           <a:p>
             <a:r>
+              <a:rPr lang="en-US" dirty="0" smtClean="0">
+                <a:solidFill>
+                  <a:srgbClr val="C4A174"/>
+                </a:solidFill>
+              </a:rPr>
+              <a:t>Exercise:</a:t>
+            </a:r>
+            <a:r>
               <a:rPr lang="en-US" dirty="0" smtClean="0"/>
-              <a:t>Lists and Tuples: Examples</a:t>
+              <a:t> </a:t>
+            </a:r>
+            <a:r>
+              <a:rPr lang="en-US" dirty="0" smtClean="0"/>
+              <a:t>Lists and Tuples</a:t>
             </a:r>
             <a:endParaRPr lang="en-US" dirty="0"/>
           </a:p>
@@ -37892,7 +38846,7 @@
     </p:spTree>
     <p:extLst>
       <p:ext uri="{BB962C8B-B14F-4D97-AF65-F5344CB8AC3E}">
-        <p14:creationId xmlns:p14="http://schemas.microsoft.com/office/powerpoint/2010/main" val="2076899143"/>
+        <p14:creationId xmlns:p14="http://schemas.microsoft.com/office/powerpoint/2010/main" val="167777326"/>
       </p:ext>
     </p:extLst>
   </p:cSld>
@@ -38208,138 +39162,6 @@
       </p:grpSpPr>
       <p:sp>
         <p:nvSpPr>
-          <p:cNvPr id="4" name="Content Placeholder 3"/>
-          <p:cNvSpPr>
-            <a:spLocks noGrp="1"/>
-          </p:cNvSpPr>
-          <p:nvPr>
-            <p:ph idx="1"/>
-          </p:nvPr>
-        </p:nvSpPr>
-        <p:spPr>
-          <a:xfrm>
-            <a:off x="876836" y="1792482"/>
-            <a:ext cx="10574965" cy="4516837"/>
-          </a:xfrm>
-        </p:spPr>
-        <p:txBody>
-          <a:bodyPr/>
-          <a:lstStyle/>
-          <a:p>
-            <a:r>
-              <a:rPr lang="en-US" dirty="0" smtClean="0"/>
-              <a:t>Accessing</a:t>
-            </a:r>
-          </a:p>
-          <a:p>
-            <a:pPr lvl="1"/>
-            <a:r>
-              <a:rPr lang="en-US" dirty="0" smtClean="0"/>
-              <a:t>By key – </a:t>
-            </a:r>
-            <a:r>
-              <a:rPr lang="en-US" dirty="0" err="1" smtClean="0"/>
-              <a:t>dictVar</a:t>
-            </a:r>
-            <a:r>
-              <a:rPr lang="en-US" dirty="0" smtClean="0"/>
-              <a:t>[‘Alex’]</a:t>
-            </a:r>
-          </a:p>
-          <a:p>
-            <a:pPr lvl="1"/>
-            <a:r>
-              <a:rPr lang="en-US" dirty="0" smtClean="0"/>
-              <a:t>Iteration – for key in </a:t>
-            </a:r>
-            <a:r>
-              <a:rPr lang="en-US" dirty="0" err="1" smtClean="0"/>
-              <a:t>dictVar</a:t>
-            </a:r>
-            <a:endParaRPr lang="en-US" dirty="0" smtClean="0"/>
-          </a:p>
-          <a:p>
-            <a:r>
-              <a:rPr lang="en-US" dirty="0" smtClean="0"/>
-              <a:t>Updating</a:t>
-            </a:r>
-          </a:p>
-          <a:p>
-            <a:pPr lvl="1"/>
-            <a:r>
-              <a:rPr lang="en-US" dirty="0" smtClean="0"/>
-              <a:t>By key</a:t>
-            </a:r>
-          </a:p>
-          <a:p>
-            <a:pPr lvl="2"/>
-            <a:r>
-              <a:rPr lang="en-US" dirty="0" err="1" smtClean="0"/>
-              <a:t>dictVar</a:t>
-            </a:r>
-            <a:r>
-              <a:rPr lang="en-US" dirty="0" smtClean="0"/>
-              <a:t>[‘Alex’] = 40</a:t>
-            </a:r>
-          </a:p>
-          <a:p>
-            <a:pPr lvl="2"/>
-            <a:r>
-              <a:rPr lang="en-US" dirty="0" err="1" smtClean="0"/>
-              <a:t>dictVar</a:t>
-            </a:r>
-            <a:r>
-              <a:rPr lang="en-US" dirty="0" smtClean="0"/>
-              <a:t>[‘Dave’] = 50</a:t>
-            </a:r>
-          </a:p>
-          <a:p>
-            <a:pPr lvl="2"/>
-            <a:r>
-              <a:rPr lang="en-US" dirty="0" err="1" smtClean="0"/>
-              <a:t>someVar</a:t>
-            </a:r>
-            <a:r>
-              <a:rPr lang="en-US" dirty="0" smtClean="0"/>
-              <a:t> = ‘Bob’; </a:t>
-            </a:r>
-            <a:r>
-              <a:rPr lang="en-US" dirty="0" err="1" smtClean="0"/>
-              <a:t>dictVar</a:t>
-            </a:r>
-            <a:r>
-              <a:rPr lang="en-US" dirty="0" smtClean="0"/>
-              <a:t>[</a:t>
-            </a:r>
-            <a:r>
-              <a:rPr lang="en-US" dirty="0" err="1" smtClean="0"/>
-              <a:t>someVar</a:t>
-            </a:r>
-            <a:r>
-              <a:rPr lang="en-US" dirty="0" smtClean="0"/>
-              <a:t>] = 60</a:t>
-            </a:r>
-            <a:endParaRPr lang="en-US" dirty="0"/>
-          </a:p>
-          <a:p>
-            <a:pPr lvl="2"/>
-            <a:r>
-              <a:rPr lang="en-US" dirty="0" smtClean="0"/>
-              <a:t>del </a:t>
-            </a:r>
-            <a:r>
-              <a:rPr lang="en-US" dirty="0" err="1" smtClean="0"/>
-              <a:t>dictVar</a:t>
-            </a:r>
-            <a:r>
-              <a:rPr lang="en-US" dirty="0" smtClean="0"/>
-              <a:t>[‘Dave’]</a:t>
-            </a:r>
-          </a:p>
-        </p:txBody>
-      </p:sp>
-      <p:sp>
-        <p:nvSpPr>
           <p:cNvPr id="3" name="Title 2"/>
           <p:cNvSpPr>
             <a:spLocks noGrp="1"/>
@@ -38355,7 +39177,7 @@
           <a:p>
             <a:r>
               <a:rPr lang="en-US" dirty="0" smtClean="0"/>
-              <a:t>Dictionaries</a:t>
+              <a:t>Dictionaries: Examples</a:t>
             </a:r>
             <a:endParaRPr lang="en-US" dirty="0"/>
           </a:p>
@@ -38363,48 +39185,935 @@
       </p:sp>
       <p:sp>
         <p:nvSpPr>
-          <p:cNvPr id="6" name="TextBox 5"/>
-          <p:cNvSpPr txBox="1"/>
+          <p:cNvPr id="5" name="Rectangle 4"/>
+          <p:cNvSpPr/>
           <p:nvPr/>
         </p:nvSpPr>
         <p:spPr>
           <a:xfrm>
-            <a:off x="756823" y="1412776"/>
-            <a:ext cx="10814993" cy="369332"/>
+            <a:off x="3143672" y="1415673"/>
+            <a:ext cx="5472608" cy="4154984"/>
           </a:xfrm>
           <a:prstGeom prst="rect">
             <a:avLst/>
           </a:prstGeom>
-          <a:noFill/>
+          <a:solidFill>
+            <a:schemeClr val="bg1"/>
+          </a:solidFill>
+          <a:ln w="28575">
+            <a:solidFill>
+              <a:srgbClr val="008000"/>
+            </a:solidFill>
+          </a:ln>
+          <a:effectLst>
+            <a:outerShdw blurRad="50800" dist="38100" dir="2700000" algn="tl" rotWithShape="0">
+              <a:prstClr val="black">
+                <a:alpha val="40000"/>
+              </a:prstClr>
+            </a:outerShdw>
+          </a:effectLst>
         </p:spPr>
         <p:txBody>
-          <a:bodyPr wrap="square" rtlCol="0">
+          <a:bodyPr wrap="square">
             <a:spAutoFit/>
           </a:bodyPr>
           <a:lstStyle/>
           <a:p>
-            <a:pPr lvl="1"/>
-            <a:r>
-              <a:rPr lang="en-US" dirty="0" err="1">
-                <a:latin typeface="Courier New" panose="02070309020205020404" pitchFamily="49" charset="0"/>
-                <a:cs typeface="Courier New" panose="02070309020205020404" pitchFamily="49" charset="0"/>
-              </a:rPr>
-              <a:t>dictVar</a:t>
-            </a:r>
-            <a:r>
-              <a:rPr lang="en-US" dirty="0">
-                <a:latin typeface="Courier New" panose="02070309020205020404" pitchFamily="49" charset="0"/>
-                <a:cs typeface="Courier New" panose="02070309020205020404" pitchFamily="49" charset="0"/>
-              </a:rPr>
-              <a:t> = { ‘Alex’ : 10, ‘Bob’: 20, ‘Chris’: 30 }</a:t>
-            </a:r>
+            <a:r>
+              <a:rPr lang="en-US" sz="1200" dirty="0">
+                <a:solidFill>
+                  <a:srgbClr val="008000"/>
+                </a:solidFill>
+                <a:highlight>
+                  <a:srgbClr val="FFFFFF"/>
+                </a:highlight>
+                <a:latin typeface="Courier New" panose="02070309020205020404" pitchFamily="49" charset="0"/>
+              </a:rPr>
+              <a:t>#!/</a:t>
+            </a:r>
+            <a:r>
+              <a:rPr lang="en-US" sz="1200" dirty="0" err="1">
+                <a:solidFill>
+                  <a:srgbClr val="008000"/>
+                </a:solidFill>
+                <a:highlight>
+                  <a:srgbClr val="FFFFFF"/>
+                </a:highlight>
+                <a:latin typeface="Courier New" panose="02070309020205020404" pitchFamily="49" charset="0"/>
+              </a:rPr>
+              <a:t>usr</a:t>
+            </a:r>
+            <a:r>
+              <a:rPr lang="en-US" sz="1200" dirty="0">
+                <a:solidFill>
+                  <a:srgbClr val="008000"/>
+                </a:solidFill>
+                <a:highlight>
+                  <a:srgbClr val="FFFFFF"/>
+                </a:highlight>
+                <a:latin typeface="Courier New" panose="02070309020205020404" pitchFamily="49" charset="0"/>
+              </a:rPr>
+              <a:t>/bin/python</a:t>
+            </a:r>
+            <a:endParaRPr lang="en-US" sz="1200" dirty="0">
+              <a:solidFill>
+                <a:srgbClr val="000000"/>
+              </a:solidFill>
+              <a:highlight>
+                <a:srgbClr val="FFFFFF"/>
+              </a:highlight>
+              <a:latin typeface="Courier New" panose="02070309020205020404" pitchFamily="49" charset="0"/>
+            </a:endParaRPr>
+          </a:p>
+          <a:p>
+            <a:endParaRPr lang="en-US" sz="1200" dirty="0" smtClean="0">
+              <a:solidFill>
+                <a:srgbClr val="000000"/>
+              </a:solidFill>
+              <a:highlight>
+                <a:srgbClr val="FFFFFF"/>
+              </a:highlight>
+              <a:latin typeface="Courier New" panose="02070309020205020404" pitchFamily="49" charset="0"/>
+            </a:endParaRPr>
+          </a:p>
+          <a:p>
+            <a:r>
+              <a:rPr lang="en-US" sz="1200" dirty="0">
+                <a:solidFill>
+                  <a:srgbClr val="008000"/>
+                </a:solidFill>
+                <a:highlight>
+                  <a:srgbClr val="FFFFFF"/>
+                </a:highlight>
+                <a:latin typeface="Courier New" panose="02070309020205020404" pitchFamily="49" charset="0"/>
+              </a:rPr>
+              <a:t># </a:t>
+            </a:r>
+            <a:r>
+              <a:rPr lang="en-US" sz="1200" dirty="0" smtClean="0">
+                <a:solidFill>
+                  <a:srgbClr val="008000"/>
+                </a:solidFill>
+                <a:highlight>
+                  <a:srgbClr val="FFFFFF"/>
+                </a:highlight>
+                <a:latin typeface="Courier New" panose="02070309020205020404" pitchFamily="49" charset="0"/>
+              </a:rPr>
+              <a:t>Creating dictionaries</a:t>
+            </a:r>
+            <a:endParaRPr lang="en-US" sz="1200" dirty="0">
+              <a:solidFill>
+                <a:srgbClr val="008000"/>
+              </a:solidFill>
+              <a:highlight>
+                <a:srgbClr val="FFFFFF"/>
+              </a:highlight>
+              <a:latin typeface="Courier New" panose="02070309020205020404" pitchFamily="49" charset="0"/>
+            </a:endParaRPr>
+          </a:p>
+          <a:p>
+            <a:r>
+              <a:rPr lang="en-US" sz="1200" dirty="0" err="1" smtClean="0">
+                <a:solidFill>
+                  <a:srgbClr val="000000"/>
+                </a:solidFill>
+                <a:highlight>
+                  <a:srgbClr val="FFFFFF"/>
+                </a:highlight>
+                <a:latin typeface="Courier New" panose="02070309020205020404" pitchFamily="49" charset="0"/>
+              </a:rPr>
+              <a:t>adict</a:t>
+            </a:r>
+            <a:r>
+              <a:rPr lang="en-US" sz="1200" dirty="0" smtClean="0">
+                <a:solidFill>
+                  <a:srgbClr val="000000"/>
+                </a:solidFill>
+                <a:highlight>
+                  <a:srgbClr val="FFFFFF"/>
+                </a:highlight>
+                <a:latin typeface="Courier New" panose="02070309020205020404" pitchFamily="49" charset="0"/>
+              </a:rPr>
+              <a:t> = </a:t>
+            </a:r>
+            <a:r>
+              <a:rPr lang="en-US" sz="1200" dirty="0" smtClean="0">
+                <a:solidFill>
+                  <a:srgbClr val="FF0000"/>
+                </a:solidFill>
+                <a:highlight>
+                  <a:srgbClr val="FFFFFF"/>
+                </a:highlight>
+                <a:latin typeface="Courier New" panose="02070309020205020404" pitchFamily="49" charset="0"/>
+              </a:rPr>
+              <a:t>{‘Alex’: 10, ‘Bob’: 20, ‘Chris’: 30}</a:t>
+            </a:r>
+          </a:p>
+          <a:p>
+            <a:r>
+              <a:rPr lang="en-US" sz="1200" dirty="0" err="1" smtClean="0">
+                <a:solidFill>
+                  <a:srgbClr val="000000"/>
+                </a:solidFill>
+                <a:highlight>
+                  <a:srgbClr val="FFFFFF"/>
+                </a:highlight>
+                <a:latin typeface="Courier New" panose="02070309020205020404" pitchFamily="49" charset="0"/>
+              </a:rPr>
+              <a:t>bdict</a:t>
+            </a:r>
+            <a:r>
+              <a:rPr lang="en-US" sz="1200" dirty="0" smtClean="0">
+                <a:solidFill>
+                  <a:srgbClr val="000000"/>
+                </a:solidFill>
+                <a:highlight>
+                  <a:srgbClr val="FFFFFF"/>
+                </a:highlight>
+                <a:latin typeface="Courier New" panose="02070309020205020404" pitchFamily="49" charset="0"/>
+              </a:rPr>
+              <a:t> = </a:t>
+            </a:r>
+            <a:r>
+              <a:rPr lang="en-US" sz="1200" dirty="0">
+                <a:solidFill>
+                  <a:srgbClr val="FF0000"/>
+                </a:solidFill>
+                <a:highlight>
+                  <a:srgbClr val="FFFFFF"/>
+                </a:highlight>
+                <a:latin typeface="Courier New" panose="02070309020205020404" pitchFamily="49" charset="0"/>
+              </a:rPr>
+              <a:t>{}</a:t>
+            </a:r>
+          </a:p>
+          <a:p>
+            <a:r>
+              <a:rPr lang="en-US" sz="1200" dirty="0" err="1" smtClean="0">
+                <a:solidFill>
+                  <a:srgbClr val="000000"/>
+                </a:solidFill>
+                <a:highlight>
+                  <a:srgbClr val="FFFFFF"/>
+                </a:highlight>
+                <a:latin typeface="Courier New" panose="02070309020205020404" pitchFamily="49" charset="0"/>
+              </a:rPr>
+              <a:t>cdict</a:t>
+            </a:r>
+            <a:r>
+              <a:rPr lang="en-US" sz="1200" dirty="0" smtClean="0">
+                <a:solidFill>
+                  <a:srgbClr val="000000"/>
+                </a:solidFill>
+                <a:highlight>
+                  <a:srgbClr val="FFFFFF"/>
+                </a:highlight>
+                <a:latin typeface="Courier New" panose="02070309020205020404" pitchFamily="49" charset="0"/>
+              </a:rPr>
+              <a:t> = </a:t>
+            </a:r>
+            <a:r>
+              <a:rPr lang="en-US" sz="1200" dirty="0" err="1" smtClean="0">
+                <a:solidFill>
+                  <a:srgbClr val="000000"/>
+                </a:solidFill>
+                <a:highlight>
+                  <a:srgbClr val="FFFFFF"/>
+                </a:highlight>
+                <a:latin typeface="Courier New" panose="02070309020205020404" pitchFamily="49" charset="0"/>
+              </a:rPr>
+              <a:t>dict</a:t>
+            </a:r>
+            <a:r>
+              <a:rPr lang="en-US" sz="1200" dirty="0" smtClean="0">
+                <a:solidFill>
+                  <a:srgbClr val="FF0000"/>
+                </a:solidFill>
+                <a:highlight>
+                  <a:srgbClr val="FFFFFF"/>
+                </a:highlight>
+                <a:latin typeface="Courier New" panose="02070309020205020404" pitchFamily="49" charset="0"/>
+              </a:rPr>
+              <a:t>([(‘Alex’,10),(‘Bob’,20),(‘Chris’,30)])</a:t>
+            </a:r>
+          </a:p>
+          <a:p>
+            <a:r>
+              <a:rPr lang="en-US" sz="1200" dirty="0" err="1" smtClean="0">
+                <a:solidFill>
+                  <a:srgbClr val="000000"/>
+                </a:solidFill>
+                <a:highlight>
+                  <a:srgbClr val="FFFFFF"/>
+                </a:highlight>
+                <a:latin typeface="Courier New" panose="02070309020205020404" pitchFamily="49" charset="0"/>
+              </a:rPr>
+              <a:t>ddict</a:t>
+            </a:r>
+            <a:r>
+              <a:rPr lang="en-US" sz="1200" dirty="0" smtClean="0">
+                <a:solidFill>
+                  <a:srgbClr val="000000"/>
+                </a:solidFill>
+                <a:highlight>
+                  <a:srgbClr val="FFFFFF"/>
+                </a:highlight>
+                <a:latin typeface="Courier New" panose="02070309020205020404" pitchFamily="49" charset="0"/>
+              </a:rPr>
+              <a:t> = </a:t>
+            </a:r>
+            <a:r>
+              <a:rPr lang="en-US" sz="1200" dirty="0" err="1" smtClean="0">
+                <a:solidFill>
+                  <a:srgbClr val="FF0000"/>
+                </a:solidFill>
+                <a:highlight>
+                  <a:srgbClr val="FFFFFF"/>
+                </a:highlight>
+                <a:latin typeface="Courier New" panose="02070309020205020404" pitchFamily="49" charset="0"/>
+              </a:rPr>
+              <a:t>dict</a:t>
+            </a:r>
+            <a:r>
+              <a:rPr lang="en-US" sz="1200" dirty="0" smtClean="0">
+                <a:solidFill>
+                  <a:srgbClr val="FF0000"/>
+                </a:solidFill>
+                <a:highlight>
+                  <a:srgbClr val="FFFFFF"/>
+                </a:highlight>
+                <a:latin typeface="Courier New" panose="02070309020205020404" pitchFamily="49" charset="0"/>
+              </a:rPr>
+              <a:t>(Alex=10, Bob=20, Chris=30)</a:t>
+            </a:r>
+          </a:p>
+          <a:p>
+            <a:endParaRPr lang="en-US" sz="1200" dirty="0">
+              <a:solidFill>
+                <a:srgbClr val="000000"/>
+              </a:solidFill>
+              <a:highlight>
+                <a:srgbClr val="FFFFFF"/>
+              </a:highlight>
+              <a:latin typeface="Courier New" panose="02070309020205020404" pitchFamily="49" charset="0"/>
+            </a:endParaRPr>
+          </a:p>
+          <a:p>
+            <a:r>
+              <a:rPr lang="en-US" sz="1200" dirty="0" smtClean="0">
+                <a:solidFill>
+                  <a:srgbClr val="008000"/>
+                </a:solidFill>
+                <a:highlight>
+                  <a:srgbClr val="FFFFFF"/>
+                </a:highlight>
+                <a:latin typeface="Courier New" panose="02070309020205020404" pitchFamily="49" charset="0"/>
+              </a:rPr>
+              <a:t># Accessing by key</a:t>
+            </a:r>
+            <a:endParaRPr lang="en-US" sz="1200" dirty="0">
+              <a:solidFill>
+                <a:srgbClr val="000000"/>
+              </a:solidFill>
+              <a:highlight>
+                <a:srgbClr val="FFFFFF"/>
+              </a:highlight>
+              <a:latin typeface="Courier New" panose="02070309020205020404" pitchFamily="49" charset="0"/>
+            </a:endParaRPr>
+          </a:p>
+          <a:p>
+            <a:r>
+              <a:rPr lang="en-US" sz="1200" b="1" dirty="0">
+                <a:solidFill>
+                  <a:srgbClr val="0000FF"/>
+                </a:solidFill>
+                <a:highlight>
+                  <a:srgbClr val="FFFFFF"/>
+                </a:highlight>
+                <a:latin typeface="Courier New" panose="02070309020205020404" pitchFamily="49" charset="0"/>
+              </a:rPr>
+              <a:t>print</a:t>
+            </a:r>
+            <a:r>
+              <a:rPr lang="en-US" sz="1200" dirty="0">
+                <a:solidFill>
+                  <a:srgbClr val="000000"/>
+                </a:solidFill>
+                <a:highlight>
+                  <a:srgbClr val="FFFFFF"/>
+                </a:highlight>
+                <a:latin typeface="Courier New" panose="02070309020205020404" pitchFamily="49" charset="0"/>
+              </a:rPr>
+              <a:t> </a:t>
+            </a:r>
+            <a:r>
+              <a:rPr lang="en-US" sz="1200" dirty="0" err="1" smtClean="0">
+                <a:solidFill>
+                  <a:srgbClr val="000000"/>
+                </a:solidFill>
+                <a:highlight>
+                  <a:srgbClr val="FFFFFF"/>
+                </a:highlight>
+                <a:latin typeface="Courier New" panose="02070309020205020404" pitchFamily="49" charset="0"/>
+              </a:rPr>
+              <a:t>adict</a:t>
+            </a:r>
+            <a:r>
+              <a:rPr lang="en-US" sz="1200" dirty="0" smtClean="0">
+                <a:solidFill>
+                  <a:srgbClr val="FF0000"/>
+                </a:solidFill>
+                <a:highlight>
+                  <a:srgbClr val="FFFFFF"/>
+                </a:highlight>
+                <a:latin typeface="Courier New" panose="02070309020205020404" pitchFamily="49" charset="0"/>
+              </a:rPr>
+              <a:t>[‘Alex’]</a:t>
+            </a:r>
+          </a:p>
+          <a:p>
+            <a:r>
+              <a:rPr lang="en-US" sz="1200" dirty="0">
+                <a:solidFill>
+                  <a:srgbClr val="008000"/>
+                </a:solidFill>
+                <a:highlight>
+                  <a:srgbClr val="FFFFFF"/>
+                </a:highlight>
+                <a:latin typeface="Courier New" panose="02070309020205020404" pitchFamily="49" charset="0"/>
+              </a:rPr>
+              <a:t># Accessing by </a:t>
+            </a:r>
+            <a:r>
+              <a:rPr lang="en-US" sz="1200" dirty="0" smtClean="0">
+                <a:solidFill>
+                  <a:srgbClr val="008000"/>
+                </a:solidFill>
+                <a:highlight>
+                  <a:srgbClr val="FFFFFF"/>
+                </a:highlight>
+                <a:latin typeface="Courier New" panose="02070309020205020404" pitchFamily="49" charset="0"/>
+              </a:rPr>
+              <a:t>iteration</a:t>
+            </a:r>
+            <a:endParaRPr lang="en-US" sz="1200" dirty="0">
+              <a:solidFill>
+                <a:srgbClr val="000000"/>
+              </a:solidFill>
+              <a:highlight>
+                <a:srgbClr val="FFFFFF"/>
+              </a:highlight>
+              <a:latin typeface="Courier New" panose="02070309020205020404" pitchFamily="49" charset="0"/>
+            </a:endParaRPr>
+          </a:p>
+          <a:p>
+            <a:r>
+              <a:rPr lang="en-US" sz="1200" b="1" dirty="0" smtClean="0">
+                <a:solidFill>
+                  <a:srgbClr val="0000FF"/>
+                </a:solidFill>
+                <a:highlight>
+                  <a:srgbClr val="FFFFFF"/>
+                </a:highlight>
+                <a:latin typeface="Courier New" panose="02070309020205020404" pitchFamily="49" charset="0"/>
+              </a:rPr>
+              <a:t>for</a:t>
+            </a:r>
+            <a:r>
+              <a:rPr lang="en-US" sz="1200" dirty="0" smtClean="0">
+                <a:solidFill>
+                  <a:srgbClr val="000000"/>
+                </a:solidFill>
+                <a:highlight>
+                  <a:srgbClr val="FFFFFF"/>
+                </a:highlight>
+                <a:latin typeface="Courier New" panose="02070309020205020404" pitchFamily="49" charset="0"/>
+              </a:rPr>
+              <a:t> key </a:t>
+            </a:r>
+            <a:r>
+              <a:rPr lang="en-US" sz="1200" b="1" dirty="0" smtClean="0">
+                <a:solidFill>
+                  <a:srgbClr val="0000FF"/>
+                </a:solidFill>
+                <a:highlight>
+                  <a:srgbClr val="FFFFFF"/>
+                </a:highlight>
+                <a:latin typeface="Courier New" panose="02070309020205020404" pitchFamily="49" charset="0"/>
+              </a:rPr>
+              <a:t>in</a:t>
+            </a:r>
+            <a:r>
+              <a:rPr lang="en-US" sz="1200" dirty="0">
+                <a:solidFill>
+                  <a:srgbClr val="000000"/>
+                </a:solidFill>
+                <a:highlight>
+                  <a:srgbClr val="FFFFFF"/>
+                </a:highlight>
+                <a:latin typeface="Courier New" panose="02070309020205020404" pitchFamily="49" charset="0"/>
+              </a:rPr>
+              <a:t> </a:t>
+            </a:r>
+            <a:r>
+              <a:rPr lang="en-US" sz="1200" dirty="0" err="1" smtClean="0">
+                <a:solidFill>
+                  <a:srgbClr val="000000"/>
+                </a:solidFill>
+                <a:highlight>
+                  <a:srgbClr val="FFFFFF"/>
+                </a:highlight>
+                <a:latin typeface="Courier New" panose="02070309020205020404" pitchFamily="49" charset="0"/>
+              </a:rPr>
+              <a:t>adict</a:t>
+            </a:r>
+            <a:r>
+              <a:rPr lang="en-US" sz="1200" dirty="0" smtClean="0">
+                <a:solidFill>
+                  <a:srgbClr val="000000"/>
+                </a:solidFill>
+                <a:highlight>
+                  <a:srgbClr val="FFFFFF"/>
+                </a:highlight>
+                <a:latin typeface="Courier New" panose="02070309020205020404" pitchFamily="49" charset="0"/>
+              </a:rPr>
+              <a:t>:</a:t>
+            </a:r>
+          </a:p>
+          <a:p>
+            <a:r>
+              <a:rPr lang="en-US" sz="1200" dirty="0">
+                <a:solidFill>
+                  <a:srgbClr val="000000"/>
+                </a:solidFill>
+                <a:highlight>
+                  <a:srgbClr val="FFFFFF"/>
+                </a:highlight>
+                <a:latin typeface="Courier New" panose="02070309020205020404" pitchFamily="49" charset="0"/>
+              </a:rPr>
+              <a:t>	</a:t>
+            </a:r>
+            <a:r>
+              <a:rPr lang="en-US" sz="1200" b="1" dirty="0" smtClean="0">
+                <a:solidFill>
+                  <a:srgbClr val="0000FF"/>
+                </a:solidFill>
+                <a:highlight>
+                  <a:srgbClr val="FFFFFF"/>
+                </a:highlight>
+                <a:latin typeface="Courier New" panose="02070309020205020404" pitchFamily="49" charset="0"/>
+              </a:rPr>
+              <a:t>print</a:t>
+            </a:r>
+            <a:r>
+              <a:rPr lang="en-US" sz="1200" dirty="0" smtClean="0">
+                <a:solidFill>
+                  <a:srgbClr val="000000"/>
+                </a:solidFill>
+                <a:highlight>
+                  <a:srgbClr val="FFFFFF"/>
+                </a:highlight>
+                <a:latin typeface="Courier New" panose="02070309020205020404" pitchFamily="49" charset="0"/>
+              </a:rPr>
+              <a:t>(</a:t>
+            </a:r>
+            <a:r>
+              <a:rPr lang="en-US" sz="1200" dirty="0" err="1" smtClean="0">
+                <a:solidFill>
+                  <a:srgbClr val="000000"/>
+                </a:solidFill>
+                <a:highlight>
+                  <a:srgbClr val="FFFFFF"/>
+                </a:highlight>
+                <a:latin typeface="Courier New" panose="02070309020205020404" pitchFamily="49" charset="0"/>
+              </a:rPr>
+              <a:t>adict</a:t>
+            </a:r>
+            <a:r>
+              <a:rPr lang="en-US" sz="1200" dirty="0" smtClean="0">
+                <a:solidFill>
+                  <a:srgbClr val="FF0000"/>
+                </a:solidFill>
+                <a:highlight>
+                  <a:srgbClr val="FFFFFF"/>
+                </a:highlight>
+                <a:latin typeface="Courier New" panose="02070309020205020404" pitchFamily="49" charset="0"/>
+              </a:rPr>
+              <a:t>[key]</a:t>
+            </a:r>
+            <a:r>
+              <a:rPr lang="en-US" sz="1200" dirty="0" smtClean="0">
+                <a:solidFill>
+                  <a:srgbClr val="000000"/>
+                </a:solidFill>
+                <a:highlight>
+                  <a:srgbClr val="FFFFFF"/>
+                </a:highlight>
+                <a:latin typeface="Courier New" panose="02070309020205020404" pitchFamily="49" charset="0"/>
+              </a:rPr>
+              <a:t>)</a:t>
+            </a:r>
+          </a:p>
+          <a:p>
+            <a:endParaRPr lang="en-US" sz="1200" dirty="0" smtClean="0">
+              <a:solidFill>
+                <a:srgbClr val="000000"/>
+              </a:solidFill>
+              <a:highlight>
+                <a:srgbClr val="FFFFFF"/>
+              </a:highlight>
+              <a:latin typeface="Courier New" panose="02070309020205020404" pitchFamily="49" charset="0"/>
+            </a:endParaRPr>
+          </a:p>
+          <a:p>
+            <a:r>
+              <a:rPr lang="en-US" sz="1200" dirty="0">
+                <a:solidFill>
+                  <a:srgbClr val="008000"/>
+                </a:solidFill>
+                <a:highlight>
+                  <a:srgbClr val="FFFFFF"/>
+                </a:highlight>
+                <a:latin typeface="Courier New" panose="02070309020205020404" pitchFamily="49" charset="0"/>
+              </a:rPr>
+              <a:t># </a:t>
+            </a:r>
+            <a:r>
+              <a:rPr lang="en-US" sz="1200" dirty="0" smtClean="0">
+                <a:solidFill>
+                  <a:srgbClr val="008000"/>
+                </a:solidFill>
+                <a:highlight>
+                  <a:srgbClr val="FFFFFF"/>
+                </a:highlight>
+                <a:latin typeface="Courier New" panose="02070309020205020404" pitchFamily="49" charset="0"/>
+              </a:rPr>
+              <a:t>Updating by key</a:t>
+            </a:r>
+          </a:p>
+          <a:p>
+            <a:r>
+              <a:rPr lang="en-US" sz="1200" dirty="0" err="1" smtClean="0">
+                <a:solidFill>
+                  <a:srgbClr val="000000"/>
+                </a:solidFill>
+                <a:highlight>
+                  <a:srgbClr val="FFFFFF"/>
+                </a:highlight>
+                <a:latin typeface="Courier New" panose="02070309020205020404" pitchFamily="49" charset="0"/>
+              </a:rPr>
+              <a:t>adict</a:t>
+            </a:r>
+            <a:r>
+              <a:rPr lang="en-US" sz="1200" dirty="0" smtClean="0">
+                <a:solidFill>
+                  <a:srgbClr val="FF0000"/>
+                </a:solidFill>
+                <a:highlight>
+                  <a:srgbClr val="FFFFFF"/>
+                </a:highlight>
+                <a:latin typeface="Courier New" panose="02070309020205020404" pitchFamily="49" charset="0"/>
+              </a:rPr>
+              <a:t>[‘Bob’] </a:t>
+            </a:r>
+            <a:r>
+              <a:rPr lang="en-US" sz="1200" dirty="0" smtClean="0">
+                <a:solidFill>
+                  <a:srgbClr val="000000"/>
+                </a:solidFill>
+                <a:highlight>
+                  <a:srgbClr val="FFFFFF"/>
+                </a:highlight>
+                <a:latin typeface="Courier New" panose="02070309020205020404" pitchFamily="49" charset="0"/>
+              </a:rPr>
+              <a:t>= 40</a:t>
+            </a:r>
+          </a:p>
+          <a:p>
+            <a:r>
+              <a:rPr lang="en-US" sz="1200" dirty="0" err="1" smtClean="0">
+                <a:solidFill>
+                  <a:srgbClr val="000000"/>
+                </a:solidFill>
+                <a:highlight>
+                  <a:srgbClr val="FFFFFF"/>
+                </a:highlight>
+                <a:latin typeface="Courier New" panose="02070309020205020404" pitchFamily="49" charset="0"/>
+              </a:rPr>
+              <a:t>bdict</a:t>
+            </a:r>
+            <a:r>
+              <a:rPr lang="en-US" sz="1200" dirty="0" smtClean="0">
+                <a:solidFill>
+                  <a:srgbClr val="FF0000"/>
+                </a:solidFill>
+                <a:highlight>
+                  <a:srgbClr val="FFFFFF"/>
+                </a:highlight>
+                <a:latin typeface="Courier New" panose="02070309020205020404" pitchFamily="49" charset="0"/>
+              </a:rPr>
+              <a:t>[‘sum’] </a:t>
+            </a:r>
+            <a:r>
+              <a:rPr lang="en-US" sz="1200" dirty="0" smtClean="0">
+                <a:solidFill>
+                  <a:srgbClr val="000000"/>
+                </a:solidFill>
+                <a:highlight>
+                  <a:srgbClr val="FFFFFF"/>
+                </a:highlight>
+                <a:latin typeface="Courier New" panose="02070309020205020404" pitchFamily="49" charset="0"/>
+              </a:rPr>
+              <a:t>= 0</a:t>
+            </a:r>
+          </a:p>
+          <a:p>
+            <a:r>
+              <a:rPr lang="en-US" sz="1200" b="1" dirty="0">
+                <a:solidFill>
+                  <a:srgbClr val="0000FF"/>
+                </a:solidFill>
+                <a:highlight>
+                  <a:srgbClr val="FFFFFF"/>
+                </a:highlight>
+                <a:latin typeface="Courier New" panose="02070309020205020404" pitchFamily="49" charset="0"/>
+              </a:rPr>
+              <a:t>for</a:t>
+            </a:r>
+            <a:r>
+              <a:rPr lang="en-US" sz="1200" dirty="0">
+                <a:solidFill>
+                  <a:srgbClr val="000000"/>
+                </a:solidFill>
+                <a:highlight>
+                  <a:srgbClr val="FFFFFF"/>
+                </a:highlight>
+                <a:latin typeface="Courier New" panose="02070309020205020404" pitchFamily="49" charset="0"/>
+              </a:rPr>
+              <a:t> key </a:t>
+            </a:r>
+            <a:r>
+              <a:rPr lang="en-US" sz="1200" b="1" dirty="0">
+                <a:solidFill>
+                  <a:srgbClr val="0000FF"/>
+                </a:solidFill>
+                <a:highlight>
+                  <a:srgbClr val="FFFFFF"/>
+                </a:highlight>
+                <a:latin typeface="Courier New" panose="02070309020205020404" pitchFamily="49" charset="0"/>
+              </a:rPr>
+              <a:t>in</a:t>
+            </a:r>
+            <a:r>
+              <a:rPr lang="en-US" sz="1200" dirty="0">
+                <a:solidFill>
+                  <a:srgbClr val="000000"/>
+                </a:solidFill>
+                <a:highlight>
+                  <a:srgbClr val="FFFFFF"/>
+                </a:highlight>
+                <a:latin typeface="Courier New" panose="02070309020205020404" pitchFamily="49" charset="0"/>
+              </a:rPr>
+              <a:t> </a:t>
+            </a:r>
+            <a:r>
+              <a:rPr lang="en-US" sz="1200" dirty="0" err="1">
+                <a:solidFill>
+                  <a:srgbClr val="000000"/>
+                </a:solidFill>
+                <a:highlight>
+                  <a:srgbClr val="FFFFFF"/>
+                </a:highlight>
+                <a:latin typeface="Courier New" panose="02070309020205020404" pitchFamily="49" charset="0"/>
+              </a:rPr>
+              <a:t>adict</a:t>
+            </a:r>
+            <a:r>
+              <a:rPr lang="en-US" sz="1200" dirty="0">
+                <a:solidFill>
+                  <a:srgbClr val="000000"/>
+                </a:solidFill>
+                <a:highlight>
+                  <a:srgbClr val="FFFFFF"/>
+                </a:highlight>
+                <a:latin typeface="Courier New" panose="02070309020205020404" pitchFamily="49" charset="0"/>
+              </a:rPr>
+              <a:t>:</a:t>
+            </a:r>
+          </a:p>
+          <a:p>
+            <a:r>
+              <a:rPr lang="en-US" sz="1200" dirty="0">
+                <a:solidFill>
+                  <a:srgbClr val="000000"/>
+                </a:solidFill>
+                <a:highlight>
+                  <a:srgbClr val="FFFFFF"/>
+                </a:highlight>
+                <a:latin typeface="Courier New" panose="02070309020205020404" pitchFamily="49" charset="0"/>
+              </a:rPr>
+              <a:t>	</a:t>
+            </a:r>
+            <a:r>
+              <a:rPr lang="en-US" sz="1200" dirty="0" err="1" smtClean="0">
+                <a:solidFill>
+                  <a:srgbClr val="000000"/>
+                </a:solidFill>
+                <a:highlight>
+                  <a:srgbClr val="FFFFFF"/>
+                </a:highlight>
+                <a:latin typeface="Courier New" panose="02070309020205020404" pitchFamily="49" charset="0"/>
+              </a:rPr>
+              <a:t>bdict</a:t>
+            </a:r>
+            <a:r>
+              <a:rPr lang="en-US" sz="1200" dirty="0" smtClean="0">
+                <a:solidFill>
+                  <a:srgbClr val="FF0000"/>
+                </a:solidFill>
+                <a:highlight>
+                  <a:srgbClr val="FFFFFF"/>
+                </a:highlight>
+                <a:latin typeface="Courier New" panose="02070309020205020404" pitchFamily="49" charset="0"/>
+              </a:rPr>
+              <a:t>[‘sum’] </a:t>
+            </a:r>
+            <a:r>
+              <a:rPr lang="en-US" sz="1200" dirty="0" smtClean="0">
+                <a:solidFill>
+                  <a:srgbClr val="000000"/>
+                </a:solidFill>
+                <a:highlight>
+                  <a:srgbClr val="FFFFFF"/>
+                </a:highlight>
+                <a:latin typeface="Courier New" panose="02070309020205020404" pitchFamily="49" charset="0"/>
+              </a:rPr>
+              <a:t>+= </a:t>
+            </a:r>
+            <a:r>
+              <a:rPr lang="en-US" sz="1200" dirty="0" err="1" smtClean="0">
+                <a:solidFill>
+                  <a:srgbClr val="000000"/>
+                </a:solidFill>
+                <a:highlight>
+                  <a:srgbClr val="FFFFFF"/>
+                </a:highlight>
+                <a:latin typeface="Courier New" panose="02070309020205020404" pitchFamily="49" charset="0"/>
+              </a:rPr>
+              <a:t>adict</a:t>
+            </a:r>
+            <a:r>
+              <a:rPr lang="en-US" sz="1200" dirty="0" smtClean="0">
+                <a:solidFill>
+                  <a:srgbClr val="FF0000"/>
+                </a:solidFill>
+                <a:highlight>
+                  <a:srgbClr val="FFFFFF"/>
+                </a:highlight>
+                <a:latin typeface="Courier New" panose="02070309020205020404" pitchFamily="49" charset="0"/>
+              </a:rPr>
+              <a:t>[key]</a:t>
+            </a:r>
+          </a:p>
+          <a:p>
+            <a:endParaRPr lang="en-US" sz="1200" dirty="0" smtClean="0">
+              <a:solidFill>
+                <a:srgbClr val="000000"/>
+              </a:solidFill>
+              <a:highlight>
+                <a:srgbClr val="FFFFFF"/>
+              </a:highlight>
+              <a:latin typeface="Courier New" panose="02070309020205020404" pitchFamily="49" charset="0"/>
+            </a:endParaRPr>
+          </a:p>
+          <a:p>
+            <a:r>
+              <a:rPr lang="en-US" sz="1200" b="1" dirty="0" smtClean="0">
+                <a:solidFill>
+                  <a:srgbClr val="0000FF"/>
+                </a:solidFill>
+                <a:highlight>
+                  <a:srgbClr val="FFFFFF"/>
+                </a:highlight>
+                <a:latin typeface="Courier New" panose="02070309020205020404" pitchFamily="49" charset="0"/>
+              </a:rPr>
+              <a:t>print</a:t>
+            </a:r>
+            <a:r>
+              <a:rPr lang="en-US" sz="1200" dirty="0" smtClean="0">
+                <a:solidFill>
+                  <a:srgbClr val="000000"/>
+                </a:solidFill>
+                <a:highlight>
+                  <a:srgbClr val="FFFFFF"/>
+                </a:highlight>
+                <a:latin typeface="Courier New" panose="02070309020205020404" pitchFamily="49" charset="0"/>
+              </a:rPr>
+              <a:t>(</a:t>
+            </a:r>
+            <a:r>
+              <a:rPr lang="en-US" sz="1200" dirty="0" err="1" smtClean="0">
+                <a:solidFill>
+                  <a:srgbClr val="000000"/>
+                </a:solidFill>
+                <a:highlight>
+                  <a:srgbClr val="FFFFFF"/>
+                </a:highlight>
+                <a:latin typeface="Courier New" panose="02070309020205020404" pitchFamily="49" charset="0"/>
+              </a:rPr>
+              <a:t>bdict</a:t>
+            </a:r>
+            <a:r>
+              <a:rPr lang="en-US" sz="1200" dirty="0" smtClean="0">
+                <a:solidFill>
+                  <a:srgbClr val="FF0000"/>
+                </a:solidFill>
+                <a:highlight>
+                  <a:srgbClr val="FFFFFF"/>
+                </a:highlight>
+                <a:latin typeface="Courier New" panose="02070309020205020404" pitchFamily="49" charset="0"/>
+              </a:rPr>
+              <a:t>[‘sum’]</a:t>
+            </a:r>
+            <a:r>
+              <a:rPr lang="en-US" sz="1200" dirty="0" smtClean="0">
+                <a:solidFill>
+                  <a:srgbClr val="000000"/>
+                </a:solidFill>
+                <a:highlight>
+                  <a:srgbClr val="FFFFFF"/>
+                </a:highlight>
+                <a:latin typeface="Courier New" panose="02070309020205020404" pitchFamily="49" charset="0"/>
+              </a:rPr>
+              <a:t>)</a:t>
+            </a:r>
+            <a:endParaRPr lang="en-US" sz="1200" dirty="0">
+              <a:solidFill>
+                <a:srgbClr val="000000"/>
+              </a:solidFill>
+              <a:highlight>
+                <a:srgbClr val="FFFFFF"/>
+              </a:highlight>
+              <a:latin typeface="Courier New" panose="02070309020205020404" pitchFamily="49" charset="0"/>
+            </a:endParaRPr>
+          </a:p>
+          <a:p>
+            <a:endParaRPr lang="en-US" sz="1200" b="1" dirty="0" smtClean="0">
+              <a:solidFill>
+                <a:srgbClr val="0000FF"/>
+              </a:solidFill>
+              <a:highlight>
+                <a:srgbClr val="FFFFFF"/>
+              </a:highlight>
+              <a:latin typeface="Courier New" panose="02070309020205020404" pitchFamily="49" charset="0"/>
+            </a:endParaRPr>
           </a:p>
         </p:txBody>
       </p:sp>
     </p:spTree>
     <p:extLst>
       <p:ext uri="{BB962C8B-B14F-4D97-AF65-F5344CB8AC3E}">
-        <p14:creationId xmlns:p14="http://schemas.microsoft.com/office/powerpoint/2010/main" val="1810107685"/>
+        <p14:creationId xmlns:p14="http://schemas.microsoft.com/office/powerpoint/2010/main" val="3189642607"/>
       </p:ext>
     </p:extLst>
   </p:cSld>
@@ -38422,6 +40131,76 @@
 </file>
 
 <file path=ppt/slides/slide76.xml><?xml version="1.0" encoding="utf-8"?>
+<p:sld xmlns:a="http://schemas.openxmlformats.org/drawingml/2006/main" xmlns:r="http://schemas.openxmlformats.org/officeDocument/2006/relationships" xmlns:p="http://schemas.openxmlformats.org/presentationml/2006/main">
+  <p:cSld>
+    <p:spTree>
+      <p:nvGrpSpPr>
+        <p:cNvPr id="1" name=""/>
+        <p:cNvGrpSpPr/>
+        <p:nvPr/>
+      </p:nvGrpSpPr>
+      <p:grpSpPr>
+        <a:xfrm>
+          <a:off x="0" y="0"/>
+          <a:ext cx="0" cy="0"/>
+          <a:chOff x="0" y="0"/>
+          <a:chExt cx="0" cy="0"/>
+        </a:xfrm>
+      </p:grpSpPr>
+      <p:sp>
+        <p:nvSpPr>
+          <p:cNvPr id="4" name="Title 3"/>
+          <p:cNvSpPr>
+            <a:spLocks noGrp="1"/>
+          </p:cNvSpPr>
+          <p:nvPr>
+            <p:ph type="title"/>
+          </p:nvPr>
+        </p:nvSpPr>
+        <p:spPr/>
+        <p:txBody>
+          <a:bodyPr>
+            <a:normAutofit/>
+          </a:bodyPr>
+          <a:lstStyle/>
+          <a:p>
+            <a:r>
+              <a:rPr lang="en-US" dirty="0" smtClean="0">
+                <a:solidFill>
+                  <a:srgbClr val="C4A174"/>
+                </a:solidFill>
+              </a:rPr>
+              <a:t>Exercise:</a:t>
+            </a:r>
+            <a:r>
+              <a:rPr lang="en-US" dirty="0" smtClean="0"/>
+              <a:t> Data Types</a:t>
+            </a:r>
+            <a:endParaRPr lang="en-US" dirty="0"/>
+          </a:p>
+        </p:txBody>
+      </p:sp>
+    </p:spTree>
+    <p:extLst>
+      <p:ext uri="{BB962C8B-B14F-4D97-AF65-F5344CB8AC3E}">
+        <p14:creationId xmlns:p14="http://schemas.microsoft.com/office/powerpoint/2010/main" val="3767105570"/>
+      </p:ext>
+    </p:extLst>
+  </p:cSld>
+  <p:clrMapOvr>
+    <a:masterClrMapping/>
+  </p:clrMapOvr>
+  <p:timing>
+    <p:tnLst>
+      <p:par>
+        <p:cTn id="1" dur="indefinite" restart="never" nodeType="tmRoot"/>
+      </p:par>
+    </p:tnLst>
+  </p:timing>
+</p:sld>
+</file>
+
+<file path=ppt/slides/slide77.xml><?xml version="1.0" encoding="utf-8"?>
 <p:sld xmlns:a="http://schemas.openxmlformats.org/drawingml/2006/main" xmlns:r="http://schemas.openxmlformats.org/officeDocument/2006/relationships" xmlns:p="http://schemas.openxmlformats.org/presentationml/2006/main">
   <p:cSld>
     <p:bg>
@@ -38461,6 +40240,30 @@
           <a:bodyPr/>
           <a:lstStyle/>
           <a:p>
+            <a:r>
+              <a:rPr lang="en-US" dirty="0" smtClean="0"/>
+              <a:t>Membership</a:t>
+            </a:r>
+          </a:p>
+          <a:p>
+            <a:pPr lvl="1"/>
+            <a:r>
+              <a:rPr lang="en-US" dirty="0" smtClean="0"/>
+              <a:t>in, not in</a:t>
+            </a:r>
+          </a:p>
+          <a:p>
+            <a:r>
+              <a:rPr lang="en-US" dirty="0" smtClean="0"/>
+              <a:t>Identity</a:t>
+            </a:r>
+          </a:p>
+          <a:p>
+            <a:pPr lvl="1"/>
+            <a:r>
+              <a:rPr lang="en-US" dirty="0" smtClean="0"/>
+              <a:t>is, is not</a:t>
+            </a:r>
             <a:endParaRPr lang="en-US" dirty="0"/>
           </a:p>
         </p:txBody>
@@ -38482,7 +40285,7 @@
           <a:p>
             <a:r>
               <a:rPr lang="en-US" dirty="0" smtClean="0"/>
-              <a:t>Dictionaries: Examples</a:t>
+              <a:t>Operators Part 2</a:t>
             </a:r>
             <a:endParaRPr lang="en-US" dirty="0"/>
           </a:p>
@@ -38491,77 +40294,7 @@
     </p:spTree>
     <p:extLst>
       <p:ext uri="{BB962C8B-B14F-4D97-AF65-F5344CB8AC3E}">
-        <p14:creationId xmlns:p14="http://schemas.microsoft.com/office/powerpoint/2010/main" val="3189642607"/>
-      </p:ext>
-    </p:extLst>
-  </p:cSld>
-  <p:clrMapOvr>
-    <a:masterClrMapping/>
-  </p:clrMapOvr>
-  <p:timing>
-    <p:tnLst>
-      <p:par>
-        <p:cTn id="1" dur="indefinite" restart="never" nodeType="tmRoot"/>
-      </p:par>
-    </p:tnLst>
-  </p:timing>
-</p:sld>
-</file>
-
-<file path=ppt/slides/slide77.xml><?xml version="1.0" encoding="utf-8"?>
-<p:sld xmlns:a="http://schemas.openxmlformats.org/drawingml/2006/main" xmlns:r="http://schemas.openxmlformats.org/officeDocument/2006/relationships" xmlns:p="http://schemas.openxmlformats.org/presentationml/2006/main">
-  <p:cSld>
-    <p:spTree>
-      <p:nvGrpSpPr>
-        <p:cNvPr id="1" name=""/>
-        <p:cNvGrpSpPr/>
-        <p:nvPr/>
-      </p:nvGrpSpPr>
-      <p:grpSpPr>
-        <a:xfrm>
-          <a:off x="0" y="0"/>
-          <a:ext cx="0" cy="0"/>
-          <a:chOff x="0" y="0"/>
-          <a:chExt cx="0" cy="0"/>
-        </a:xfrm>
-      </p:grpSpPr>
-      <p:sp>
-        <p:nvSpPr>
-          <p:cNvPr id="4" name="Title 3"/>
-          <p:cNvSpPr>
-            <a:spLocks noGrp="1"/>
-          </p:cNvSpPr>
-          <p:nvPr>
-            <p:ph type="title"/>
-          </p:nvPr>
-        </p:nvSpPr>
-        <p:spPr/>
-        <p:txBody>
-          <a:bodyPr>
-            <a:normAutofit/>
-          </a:bodyPr>
-          <a:lstStyle/>
-          <a:p>
-            <a:r>
-              <a:rPr lang="en-US" dirty="0" smtClean="0">
-                <a:solidFill>
-                  <a:srgbClr val="C4A174"/>
-                </a:solidFill>
-              </a:rPr>
-              <a:t>Exercise:</a:t>
-            </a:r>
-            <a:r>
-              <a:rPr lang="en-US" dirty="0" smtClean="0"/>
-              <a:t> Data Types</a:t>
-            </a:r>
-            <a:endParaRPr lang="en-US" dirty="0"/>
-          </a:p>
-        </p:txBody>
-      </p:sp>
-    </p:spTree>
-    <p:extLst>
-      <p:ext uri="{BB962C8B-B14F-4D97-AF65-F5344CB8AC3E}">
-        <p14:creationId xmlns:p14="http://schemas.microsoft.com/office/powerpoint/2010/main" val="3767105570"/>
+        <p14:creationId xmlns:p14="http://schemas.microsoft.com/office/powerpoint/2010/main" val="3933252123"/>
       </p:ext>
     </p:extLst>
   </p:cSld>
@@ -38620,27 +40353,37 @@
           <a:p>
             <a:r>
               <a:rPr lang="en-US" dirty="0" smtClean="0"/>
-              <a:t>Membership</a:t>
+              <a:t>Test for membership in strings, lists or tuples</a:t>
+            </a:r>
+          </a:p>
+          <a:p>
+            <a:r>
+              <a:rPr lang="en-US" dirty="0"/>
+              <a:t>i</a:t>
+            </a:r>
+            <a:r>
+              <a:rPr lang="en-US" dirty="0" smtClean="0"/>
+              <a:t>n</a:t>
             </a:r>
           </a:p>
           <a:p>
             <a:pPr lvl="1"/>
             <a:r>
               <a:rPr lang="en-US" dirty="0" smtClean="0"/>
-              <a:t>in, not in</a:t>
+              <a:t>True if it finds a variable in the specified sequence, otherwise False</a:t>
             </a:r>
           </a:p>
           <a:p>
             <a:r>
               <a:rPr lang="en-US" dirty="0" smtClean="0"/>
-              <a:t>Identity</a:t>
+              <a:t>not in</a:t>
             </a:r>
           </a:p>
           <a:p>
             <a:pPr lvl="1"/>
             <a:r>
               <a:rPr lang="en-US" dirty="0" smtClean="0"/>
-              <a:t>is, is not</a:t>
+              <a:t>True if it does not find a variable in the specified sequence, otherwise False</a:t>
             </a:r>
             <a:endParaRPr lang="en-US" dirty="0"/>
           </a:p>
@@ -38663,7 +40406,7 @@
           <a:p>
             <a:r>
               <a:rPr lang="en-US" dirty="0" smtClean="0"/>
-              <a:t>Operators Part 2</a:t>
+              <a:t>Membership Operators</a:t>
             </a:r>
             <a:endParaRPr lang="en-US" dirty="0"/>
           </a:p>
@@ -38672,7 +40415,7 @@
     </p:spTree>
     <p:extLst>
       <p:ext uri="{BB962C8B-B14F-4D97-AF65-F5344CB8AC3E}">
-        <p14:creationId xmlns:p14="http://schemas.microsoft.com/office/powerpoint/2010/main" val="3933252123"/>
+        <p14:creationId xmlns:p14="http://schemas.microsoft.com/office/powerpoint/2010/main" val="663500974"/>
       </p:ext>
     </p:extLst>
   </p:cSld>
@@ -38716,59 +40459,6 @@
       </p:grpSpPr>
       <p:sp>
         <p:nvSpPr>
-          <p:cNvPr id="4" name="Content Placeholder 3"/>
-          <p:cNvSpPr>
-            <a:spLocks noGrp="1"/>
-          </p:cNvSpPr>
-          <p:nvPr>
-            <p:ph idx="1"/>
-          </p:nvPr>
-        </p:nvSpPr>
-        <p:spPr/>
-        <p:txBody>
-          <a:bodyPr/>
-          <a:lstStyle/>
-          <a:p>
-            <a:r>
-              <a:rPr lang="en-US" dirty="0" smtClean="0"/>
-              <a:t>Test for membership in strings, lists or tuples</a:t>
-            </a:r>
-          </a:p>
-          <a:p>
-            <a:r>
-              <a:rPr lang="en-US" dirty="0"/>
-              <a:t>i</a:t>
-            </a:r>
-            <a:r>
-              <a:rPr lang="en-US" dirty="0" smtClean="0"/>
-              <a:t>n</a:t>
-            </a:r>
-          </a:p>
-          <a:p>
-            <a:pPr lvl="1"/>
-            <a:r>
-              <a:rPr lang="en-US" dirty="0" smtClean="0"/>
-              <a:t>True if it finds a variable in the specified sequence, otherwise False</a:t>
-            </a:r>
-          </a:p>
-          <a:p>
-            <a:r>
-              <a:rPr lang="en-US" dirty="0" smtClean="0"/>
-              <a:t>not in</a:t>
-            </a:r>
-          </a:p>
-          <a:p>
-            <a:pPr lvl="1"/>
-            <a:r>
-              <a:rPr lang="en-US" dirty="0" smtClean="0"/>
-              <a:t>True if it does not find a variable in the specified sequence, otherwise False</a:t>
-            </a:r>
-            <a:endParaRPr lang="en-US" dirty="0"/>
-          </a:p>
-        </p:txBody>
-      </p:sp>
-      <p:sp>
-        <p:nvSpPr>
           <p:cNvPr id="3" name="Title 2"/>
           <p:cNvSpPr>
             <a:spLocks noGrp="1"/>
@@ -38784,16 +40474,618 @@
           <a:p>
             <a:r>
               <a:rPr lang="en-US" dirty="0" smtClean="0"/>
-              <a:t>Membership Operators</a:t>
+              <a:t>Membership: Examples</a:t>
             </a:r>
             <a:endParaRPr lang="en-US" dirty="0"/>
+          </a:p>
+        </p:txBody>
+      </p:sp>
+      <p:sp>
+        <p:nvSpPr>
+          <p:cNvPr id="6" name="Rectangle 5"/>
+          <p:cNvSpPr/>
+          <p:nvPr/>
+        </p:nvSpPr>
+        <p:spPr>
+          <a:xfrm>
+            <a:off x="3143672" y="1415673"/>
+            <a:ext cx="5472608" cy="2677656"/>
+          </a:xfrm>
+          <a:prstGeom prst="rect">
+            <a:avLst/>
+          </a:prstGeom>
+          <a:solidFill>
+            <a:schemeClr val="bg1"/>
+          </a:solidFill>
+          <a:ln w="28575">
+            <a:solidFill>
+              <a:srgbClr val="008000"/>
+            </a:solidFill>
+          </a:ln>
+          <a:effectLst>
+            <a:outerShdw blurRad="50800" dist="38100" dir="2700000" algn="tl" rotWithShape="0">
+              <a:prstClr val="black">
+                <a:alpha val="40000"/>
+              </a:prstClr>
+            </a:outerShdw>
+          </a:effectLst>
+        </p:spPr>
+        <p:txBody>
+          <a:bodyPr wrap="square">
+            <a:spAutoFit/>
+          </a:bodyPr>
+          <a:lstStyle/>
+          <a:p>
+            <a:r>
+              <a:rPr lang="en-US" sz="1200" dirty="0">
+                <a:solidFill>
+                  <a:srgbClr val="008000"/>
+                </a:solidFill>
+                <a:highlight>
+                  <a:srgbClr val="FFFFFF"/>
+                </a:highlight>
+                <a:latin typeface="Courier New" panose="02070309020205020404" pitchFamily="49" charset="0"/>
+              </a:rPr>
+              <a:t>#!/</a:t>
+            </a:r>
+            <a:r>
+              <a:rPr lang="en-US" sz="1200" dirty="0" err="1">
+                <a:solidFill>
+                  <a:srgbClr val="008000"/>
+                </a:solidFill>
+                <a:highlight>
+                  <a:srgbClr val="FFFFFF"/>
+                </a:highlight>
+                <a:latin typeface="Courier New" panose="02070309020205020404" pitchFamily="49" charset="0"/>
+              </a:rPr>
+              <a:t>usr</a:t>
+            </a:r>
+            <a:r>
+              <a:rPr lang="en-US" sz="1200" dirty="0">
+                <a:solidFill>
+                  <a:srgbClr val="008000"/>
+                </a:solidFill>
+                <a:highlight>
+                  <a:srgbClr val="FFFFFF"/>
+                </a:highlight>
+                <a:latin typeface="Courier New" panose="02070309020205020404" pitchFamily="49" charset="0"/>
+              </a:rPr>
+              <a:t>/bin/python</a:t>
+            </a:r>
+            <a:endParaRPr lang="en-US" sz="1200" dirty="0">
+              <a:solidFill>
+                <a:srgbClr val="000000"/>
+              </a:solidFill>
+              <a:highlight>
+                <a:srgbClr val="FFFFFF"/>
+              </a:highlight>
+              <a:latin typeface="Courier New" panose="02070309020205020404" pitchFamily="49" charset="0"/>
+            </a:endParaRPr>
+          </a:p>
+          <a:p>
+            <a:endParaRPr lang="en-US" sz="1200" dirty="0" smtClean="0">
+              <a:solidFill>
+                <a:srgbClr val="000000"/>
+              </a:solidFill>
+              <a:highlight>
+                <a:srgbClr val="FFFFFF"/>
+              </a:highlight>
+              <a:latin typeface="Courier New" panose="02070309020205020404" pitchFamily="49" charset="0"/>
+            </a:endParaRPr>
+          </a:p>
+          <a:p>
+            <a:r>
+              <a:rPr lang="en-US" sz="1200" dirty="0" smtClean="0">
+                <a:solidFill>
+                  <a:srgbClr val="008000"/>
+                </a:solidFill>
+                <a:highlight>
+                  <a:srgbClr val="FFFFFF"/>
+                </a:highlight>
+                <a:latin typeface="Courier New" panose="02070309020205020404" pitchFamily="49" charset="0"/>
+              </a:rPr>
+              <a:t>#String types</a:t>
+            </a:r>
+            <a:endParaRPr lang="en-US" sz="1200" dirty="0">
+              <a:solidFill>
+                <a:srgbClr val="000000"/>
+              </a:solidFill>
+              <a:highlight>
+                <a:srgbClr val="FFFFFF"/>
+              </a:highlight>
+              <a:latin typeface="Courier New" panose="02070309020205020404" pitchFamily="49" charset="0"/>
+            </a:endParaRPr>
+          </a:p>
+          <a:p>
+            <a:r>
+              <a:rPr lang="en-US" sz="1200" dirty="0" err="1" smtClean="0">
+                <a:solidFill>
+                  <a:srgbClr val="000000"/>
+                </a:solidFill>
+                <a:highlight>
+                  <a:srgbClr val="FFFFFF"/>
+                </a:highlight>
+                <a:latin typeface="Courier New" panose="02070309020205020404" pitchFamily="49" charset="0"/>
+              </a:rPr>
+              <a:t>blist</a:t>
+            </a:r>
+            <a:r>
+              <a:rPr lang="en-US" sz="1200" dirty="0" smtClean="0">
+                <a:solidFill>
+                  <a:srgbClr val="000000"/>
+                </a:solidFill>
+                <a:highlight>
+                  <a:srgbClr val="FFFFFF"/>
+                </a:highlight>
+                <a:latin typeface="Courier New" panose="02070309020205020404" pitchFamily="49" charset="0"/>
+              </a:rPr>
+              <a:t> </a:t>
+            </a:r>
+            <a:r>
+              <a:rPr lang="en-US" sz="1200" b="1" dirty="0" smtClean="0">
+                <a:solidFill>
+                  <a:srgbClr val="000080"/>
+                </a:solidFill>
+                <a:highlight>
+                  <a:srgbClr val="FFFFFF"/>
+                </a:highlight>
+                <a:latin typeface="Courier New" panose="02070309020205020404" pitchFamily="49" charset="0"/>
+              </a:rPr>
+              <a:t>=</a:t>
+            </a:r>
+            <a:r>
+              <a:rPr lang="en-US" sz="1200" dirty="0" smtClean="0">
+                <a:solidFill>
+                  <a:srgbClr val="000000"/>
+                </a:solidFill>
+                <a:highlight>
+                  <a:srgbClr val="FFFFFF"/>
+                </a:highlight>
+                <a:latin typeface="Courier New" panose="02070309020205020404" pitchFamily="49" charset="0"/>
+              </a:rPr>
+              <a:t> </a:t>
+            </a:r>
+            <a:r>
+              <a:rPr lang="en-US" sz="1200" dirty="0" smtClean="0">
+                <a:solidFill>
+                  <a:srgbClr val="FF0000"/>
+                </a:solidFill>
+                <a:highlight>
+                  <a:srgbClr val="FFFFFF"/>
+                </a:highlight>
+                <a:latin typeface="Courier New" panose="02070309020205020404" pitchFamily="49" charset="0"/>
+              </a:rPr>
+              <a:t>[‘Homer’, ‘Marge’, ‘Bart’, ‘Lisa’, ‘Maggie’]</a:t>
+            </a:r>
+          </a:p>
+          <a:p>
+            <a:endParaRPr lang="en-US" sz="1200" dirty="0" smtClean="0">
+              <a:solidFill>
+                <a:srgbClr val="000000"/>
+              </a:solidFill>
+              <a:highlight>
+                <a:srgbClr val="FFFFFF"/>
+              </a:highlight>
+              <a:latin typeface="Courier New" panose="02070309020205020404" pitchFamily="49" charset="0"/>
+            </a:endParaRPr>
+          </a:p>
+          <a:p>
+            <a:r>
+              <a:rPr lang="en-US" sz="1200" dirty="0" smtClean="0">
+                <a:solidFill>
+                  <a:srgbClr val="008000"/>
+                </a:solidFill>
+                <a:highlight>
+                  <a:srgbClr val="FFFFFF"/>
+                </a:highlight>
+                <a:latin typeface="Courier New" panose="02070309020205020404" pitchFamily="49" charset="0"/>
+              </a:rPr>
+              <a:t># Test for membership</a:t>
+            </a:r>
+            <a:endParaRPr lang="en-US" sz="1200" dirty="0">
+              <a:solidFill>
+                <a:srgbClr val="000000"/>
+              </a:solidFill>
+              <a:highlight>
+                <a:srgbClr val="FFFFFF"/>
+              </a:highlight>
+              <a:latin typeface="Courier New" panose="02070309020205020404" pitchFamily="49" charset="0"/>
+            </a:endParaRPr>
+          </a:p>
+          <a:p>
+            <a:r>
+              <a:rPr lang="en-US" sz="1200" dirty="0" err="1" smtClean="0">
+                <a:solidFill>
+                  <a:srgbClr val="000000"/>
+                </a:solidFill>
+                <a:highlight>
+                  <a:srgbClr val="FFFFFF"/>
+                </a:highlight>
+                <a:latin typeface="Courier New" panose="02070309020205020404" pitchFamily="49" charset="0"/>
+              </a:rPr>
+              <a:t>value_to_find</a:t>
+            </a:r>
+            <a:r>
+              <a:rPr lang="en-US" sz="1200" dirty="0" smtClean="0">
+                <a:solidFill>
+                  <a:srgbClr val="000000"/>
+                </a:solidFill>
+                <a:highlight>
+                  <a:srgbClr val="FFFFFF"/>
+                </a:highlight>
+                <a:latin typeface="Courier New" panose="02070309020205020404" pitchFamily="49" charset="0"/>
+              </a:rPr>
+              <a:t> = </a:t>
+            </a:r>
+            <a:r>
+              <a:rPr lang="en-US" sz="1200" b="1" dirty="0" smtClean="0">
+                <a:solidFill>
+                  <a:srgbClr val="0000FF"/>
+                </a:solidFill>
+                <a:highlight>
+                  <a:srgbClr val="FFFFFF"/>
+                </a:highlight>
+                <a:latin typeface="Courier New" panose="02070309020205020404" pitchFamily="49" charset="0"/>
+              </a:rPr>
+              <a:t>input</a:t>
+            </a:r>
+            <a:r>
+              <a:rPr lang="en-US" sz="1200" dirty="0" smtClean="0">
+                <a:solidFill>
+                  <a:srgbClr val="000000"/>
+                </a:solidFill>
+                <a:highlight>
+                  <a:srgbClr val="FFFFFF"/>
+                </a:highlight>
+                <a:latin typeface="Courier New" panose="02070309020205020404" pitchFamily="49" charset="0"/>
+              </a:rPr>
+              <a:t> </a:t>
+            </a:r>
+            <a:r>
+              <a:rPr lang="en-US" sz="1200" dirty="0" smtClean="0">
+                <a:solidFill>
+                  <a:srgbClr val="FF0000"/>
+                </a:solidFill>
+                <a:highlight>
+                  <a:srgbClr val="FFFFFF"/>
+                </a:highlight>
+                <a:latin typeface="Courier New" panose="02070309020205020404" pitchFamily="49" charset="0"/>
+              </a:rPr>
+              <a:t>(‘A value to find’)</a:t>
+            </a:r>
+            <a:endParaRPr lang="en-US" sz="1200" dirty="0">
+              <a:solidFill>
+                <a:srgbClr val="FF0000"/>
+              </a:solidFill>
+              <a:highlight>
+                <a:srgbClr val="FFFFFF"/>
+              </a:highlight>
+              <a:latin typeface="Courier New" panose="02070309020205020404" pitchFamily="49" charset="0"/>
+            </a:endParaRPr>
+          </a:p>
+          <a:p>
+            <a:r>
+              <a:rPr lang="en-US" sz="1200" b="1" dirty="0" smtClean="0">
+                <a:solidFill>
+                  <a:srgbClr val="0000FF"/>
+                </a:solidFill>
+                <a:highlight>
+                  <a:srgbClr val="FFFFFF"/>
+                </a:highlight>
+                <a:latin typeface="Courier New" panose="02070309020205020404" pitchFamily="49" charset="0"/>
+              </a:rPr>
+              <a:t>if</a:t>
+            </a:r>
+            <a:r>
+              <a:rPr lang="en-US" sz="1200" dirty="0" smtClean="0">
+                <a:solidFill>
+                  <a:srgbClr val="000000"/>
+                </a:solidFill>
+                <a:highlight>
+                  <a:srgbClr val="FFFFFF"/>
+                </a:highlight>
+                <a:latin typeface="Courier New" panose="02070309020205020404" pitchFamily="49" charset="0"/>
+              </a:rPr>
+              <a:t> </a:t>
+            </a:r>
+            <a:r>
+              <a:rPr lang="en-US" sz="1200" dirty="0" err="1" smtClean="0">
+                <a:solidFill>
+                  <a:srgbClr val="000000"/>
+                </a:solidFill>
+                <a:highlight>
+                  <a:srgbClr val="FFFFFF"/>
+                </a:highlight>
+                <a:latin typeface="Courier New" panose="02070309020205020404" pitchFamily="49" charset="0"/>
+              </a:rPr>
+              <a:t>value_to_find</a:t>
+            </a:r>
+            <a:r>
+              <a:rPr lang="en-US" sz="1200" dirty="0" smtClean="0">
+                <a:solidFill>
+                  <a:srgbClr val="000000"/>
+                </a:solidFill>
+                <a:highlight>
+                  <a:srgbClr val="FFFFFF"/>
+                </a:highlight>
+                <a:latin typeface="Courier New" panose="02070309020205020404" pitchFamily="49" charset="0"/>
+              </a:rPr>
+              <a:t> </a:t>
+            </a:r>
+            <a:r>
+              <a:rPr lang="en-US" sz="1200" b="1" dirty="0">
+                <a:solidFill>
+                  <a:srgbClr val="0000FF"/>
+                </a:solidFill>
+                <a:highlight>
+                  <a:srgbClr val="FFFFFF"/>
+                </a:highlight>
+                <a:latin typeface="Courier New" panose="02070309020205020404" pitchFamily="49" charset="0"/>
+              </a:rPr>
+              <a:t>in</a:t>
+            </a:r>
+            <a:r>
+              <a:rPr lang="en-US" sz="1200" dirty="0" smtClean="0">
+                <a:solidFill>
+                  <a:srgbClr val="000000"/>
+                </a:solidFill>
+                <a:highlight>
+                  <a:srgbClr val="FFFFFF"/>
+                </a:highlight>
+                <a:latin typeface="Courier New" panose="02070309020205020404" pitchFamily="49" charset="0"/>
+              </a:rPr>
+              <a:t> </a:t>
+            </a:r>
+            <a:r>
+              <a:rPr lang="en-US" sz="1200" dirty="0" err="1" smtClean="0">
+                <a:solidFill>
+                  <a:srgbClr val="000000"/>
+                </a:solidFill>
+                <a:highlight>
+                  <a:srgbClr val="FFFFFF"/>
+                </a:highlight>
+                <a:latin typeface="Courier New" panose="02070309020205020404" pitchFamily="49" charset="0"/>
+              </a:rPr>
+              <a:t>blist</a:t>
+            </a:r>
+            <a:r>
+              <a:rPr lang="en-US" sz="1200" dirty="0" smtClean="0">
+                <a:solidFill>
+                  <a:srgbClr val="000000"/>
+                </a:solidFill>
+                <a:highlight>
+                  <a:srgbClr val="FFFFFF"/>
+                </a:highlight>
+                <a:latin typeface="Courier New" panose="02070309020205020404" pitchFamily="49" charset="0"/>
+              </a:rPr>
+              <a:t>:</a:t>
+            </a:r>
+            <a:endParaRPr lang="en-US" sz="1200" dirty="0">
+              <a:solidFill>
+                <a:srgbClr val="000000"/>
+              </a:solidFill>
+              <a:highlight>
+                <a:srgbClr val="FFFFFF"/>
+              </a:highlight>
+              <a:latin typeface="Courier New" panose="02070309020205020404" pitchFamily="49" charset="0"/>
+            </a:endParaRPr>
+          </a:p>
+          <a:p>
+            <a:r>
+              <a:rPr lang="en-US" sz="1200" b="1" dirty="0" smtClean="0">
+                <a:solidFill>
+                  <a:srgbClr val="0000FF"/>
+                </a:solidFill>
+                <a:highlight>
+                  <a:srgbClr val="FFFFFF"/>
+                </a:highlight>
+                <a:latin typeface="Courier New" panose="02070309020205020404" pitchFamily="49" charset="0"/>
+              </a:rPr>
+              <a:t>	print</a:t>
+            </a:r>
+            <a:r>
+              <a:rPr lang="en-US" sz="1200" dirty="0" smtClean="0">
+                <a:solidFill>
+                  <a:srgbClr val="000000"/>
+                </a:solidFill>
+                <a:highlight>
+                  <a:srgbClr val="FFFFFF"/>
+                </a:highlight>
+                <a:latin typeface="Courier New" panose="02070309020205020404" pitchFamily="49" charset="0"/>
+              </a:rPr>
+              <a:t> </a:t>
+            </a:r>
+            <a:r>
+              <a:rPr lang="en-US" sz="1200" dirty="0" smtClean="0">
+                <a:solidFill>
+                  <a:srgbClr val="FF0000"/>
+                </a:solidFill>
+                <a:highlight>
+                  <a:srgbClr val="FFFFFF"/>
+                </a:highlight>
+                <a:latin typeface="Courier New" panose="02070309020205020404" pitchFamily="49" charset="0"/>
+              </a:rPr>
+              <a:t>(‘Found it!’)</a:t>
+            </a:r>
+            <a:endParaRPr lang="en-US" sz="1200" dirty="0">
+              <a:solidFill>
+                <a:srgbClr val="FF0000"/>
+              </a:solidFill>
+              <a:highlight>
+                <a:srgbClr val="FFFFFF"/>
+              </a:highlight>
+              <a:latin typeface="Courier New" panose="02070309020205020404" pitchFamily="49" charset="0"/>
+            </a:endParaRPr>
+          </a:p>
+          <a:p>
+            <a:r>
+              <a:rPr lang="en-US" sz="1200" b="1" dirty="0" smtClean="0">
+                <a:solidFill>
+                  <a:srgbClr val="0000FF"/>
+                </a:solidFill>
+                <a:highlight>
+                  <a:srgbClr val="FFFFFF"/>
+                </a:highlight>
+                <a:latin typeface="Courier New" panose="02070309020205020404" pitchFamily="49" charset="0"/>
+              </a:rPr>
+              <a:t>else:</a:t>
+            </a:r>
+            <a:endParaRPr lang="en-US" sz="1200" dirty="0" smtClean="0">
+              <a:solidFill>
+                <a:srgbClr val="000000"/>
+              </a:solidFill>
+              <a:highlight>
+                <a:srgbClr val="FFFFFF"/>
+              </a:highlight>
+              <a:latin typeface="Courier New" panose="02070309020205020404" pitchFamily="49" charset="0"/>
+            </a:endParaRPr>
+          </a:p>
+          <a:p>
+            <a:r>
+              <a:rPr lang="en-US" sz="1200" dirty="0" smtClean="0">
+                <a:solidFill>
+                  <a:srgbClr val="000000"/>
+                </a:solidFill>
+                <a:highlight>
+                  <a:srgbClr val="FFFFFF"/>
+                </a:highlight>
+                <a:latin typeface="Courier New" panose="02070309020205020404" pitchFamily="49" charset="0"/>
+              </a:rPr>
+              <a:t>	</a:t>
+            </a:r>
+            <a:r>
+              <a:rPr lang="en-US" sz="1200" b="1" dirty="0">
+                <a:solidFill>
+                  <a:srgbClr val="0000FF"/>
+                </a:solidFill>
+                <a:highlight>
+                  <a:srgbClr val="FFFFFF"/>
+                </a:highlight>
+                <a:latin typeface="Courier New" panose="02070309020205020404" pitchFamily="49" charset="0"/>
+              </a:rPr>
+              <a:t> print</a:t>
+            </a:r>
+            <a:r>
+              <a:rPr lang="en-US" sz="1200" dirty="0">
+                <a:solidFill>
+                  <a:srgbClr val="000000"/>
+                </a:solidFill>
+                <a:highlight>
+                  <a:srgbClr val="FFFFFF"/>
+                </a:highlight>
+                <a:latin typeface="Courier New" panose="02070309020205020404" pitchFamily="49" charset="0"/>
+              </a:rPr>
+              <a:t> </a:t>
+            </a:r>
+            <a:r>
+              <a:rPr lang="en-US" sz="1200" dirty="0" smtClean="0">
+                <a:solidFill>
+                  <a:srgbClr val="000000"/>
+                </a:solidFill>
+                <a:highlight>
+                  <a:srgbClr val="FFFFFF"/>
+                </a:highlight>
+                <a:latin typeface="Courier New" panose="02070309020205020404" pitchFamily="49" charset="0"/>
+              </a:rPr>
+              <a:t>( </a:t>
+            </a:r>
+            <a:r>
+              <a:rPr lang="en-US" sz="1200" dirty="0" err="1" smtClean="0">
+                <a:solidFill>
+                  <a:srgbClr val="000000"/>
+                </a:solidFill>
+                <a:highlight>
+                  <a:srgbClr val="FFFFFF"/>
+                </a:highlight>
+                <a:latin typeface="Courier New" panose="02070309020205020404" pitchFamily="49" charset="0"/>
+              </a:rPr>
+              <a:t>value_to_find</a:t>
+            </a:r>
+            <a:r>
+              <a:rPr lang="en-US" sz="1200" dirty="0" smtClean="0">
+                <a:solidFill>
+                  <a:srgbClr val="000000"/>
+                </a:solidFill>
+                <a:highlight>
+                  <a:srgbClr val="FFFFFF"/>
+                </a:highlight>
+                <a:latin typeface="Courier New" panose="02070309020205020404" pitchFamily="49" charset="0"/>
+              </a:rPr>
+              <a:t> + </a:t>
+            </a:r>
+            <a:r>
+              <a:rPr lang="en-US" sz="1200" dirty="0" smtClean="0">
+                <a:solidFill>
+                  <a:srgbClr val="FF0000"/>
+                </a:solidFill>
+                <a:highlight>
+                  <a:srgbClr val="FFFFFF"/>
+                </a:highlight>
+                <a:latin typeface="Courier New" panose="02070309020205020404" pitchFamily="49" charset="0"/>
+              </a:rPr>
+              <a:t>‘not found’</a:t>
+            </a:r>
+            <a:r>
+              <a:rPr lang="en-US" sz="1200" dirty="0" smtClean="0">
+                <a:solidFill>
+                  <a:srgbClr val="000000"/>
+                </a:solidFill>
+                <a:highlight>
+                  <a:srgbClr val="FFFFFF"/>
+                </a:highlight>
+                <a:latin typeface="Courier New" panose="02070309020205020404" pitchFamily="49" charset="0"/>
+              </a:rPr>
+              <a:t>)</a:t>
+            </a:r>
+            <a:endParaRPr lang="en-US" sz="1200" dirty="0">
+              <a:solidFill>
+                <a:srgbClr val="000000"/>
+              </a:solidFill>
+              <a:highlight>
+                <a:srgbClr val="FFFFFF"/>
+              </a:highlight>
+              <a:latin typeface="Courier New" panose="02070309020205020404" pitchFamily="49" charset="0"/>
+            </a:endParaRPr>
+          </a:p>
+          <a:p>
+            <a:endParaRPr lang="en-US" sz="1200" dirty="0" smtClean="0">
+              <a:solidFill>
+                <a:srgbClr val="000000"/>
+              </a:solidFill>
+              <a:highlight>
+                <a:srgbClr val="FFFFFF"/>
+              </a:highlight>
+              <a:latin typeface="Courier New" panose="02070309020205020404" pitchFamily="49" charset="0"/>
+            </a:endParaRPr>
+          </a:p>
+          <a:p>
+            <a:endParaRPr lang="en-US" sz="1200" dirty="0">
+              <a:solidFill>
+                <a:srgbClr val="000000"/>
+              </a:solidFill>
+              <a:highlight>
+                <a:srgbClr val="FFFFFF"/>
+              </a:highlight>
+              <a:latin typeface="Courier New" panose="02070309020205020404" pitchFamily="49" charset="0"/>
+            </a:endParaRPr>
+          </a:p>
+          <a:p>
+            <a:endParaRPr lang="en-US" sz="1200" dirty="0">
+              <a:solidFill>
+                <a:srgbClr val="000000"/>
+              </a:solidFill>
+              <a:highlight>
+                <a:srgbClr val="FFFFFF"/>
+              </a:highlight>
+              <a:latin typeface="Courier New" panose="02070309020205020404" pitchFamily="49" charset="0"/>
+            </a:endParaRPr>
           </a:p>
         </p:txBody>
       </p:sp>
     </p:spTree>
     <p:extLst>
       <p:ext uri="{BB962C8B-B14F-4D97-AF65-F5344CB8AC3E}">
-        <p14:creationId xmlns:p14="http://schemas.microsoft.com/office/powerpoint/2010/main" val="663500974"/>
+        <p14:creationId xmlns:p14="http://schemas.microsoft.com/office/powerpoint/2010/main" val="2909336299"/>
       </p:ext>
     </p:extLst>
   </p:cSld>
@@ -38910,6 +41202,41 @@
           <a:bodyPr/>
           <a:lstStyle/>
           <a:p>
+            <a:r>
+              <a:rPr lang="en-US" dirty="0" smtClean="0"/>
+              <a:t>Compare the memory locations of two objects</a:t>
+            </a:r>
+          </a:p>
+          <a:p>
+            <a:pPr lvl="1"/>
+            <a:r>
+              <a:rPr lang="en-US" dirty="0" smtClean="0"/>
+              <a:t>is</a:t>
+            </a:r>
+          </a:p>
+          <a:p>
+            <a:pPr lvl="2"/>
+            <a:r>
+              <a:rPr lang="en-US" dirty="0" smtClean="0"/>
+              <a:t>True if variables on both sides of the operator point to the same object, otherwise False</a:t>
+            </a:r>
+          </a:p>
+          <a:p>
+            <a:pPr lvl="1"/>
+            <a:r>
+              <a:rPr lang="en-US" dirty="0" smtClean="0"/>
+              <a:t>is not </a:t>
+            </a:r>
+          </a:p>
+          <a:p>
+            <a:pPr lvl="2"/>
+            <a:r>
+              <a:rPr lang="en-US" dirty="0" smtClean="0"/>
+              <a:t>False if variables on both sides of the operator point to the same object, otherwise True</a:t>
+            </a:r>
+          </a:p>
+          <a:p>
+            <a:pPr lvl="1"/>
             <a:endParaRPr lang="en-US" dirty="0"/>
           </a:p>
         </p:txBody>
@@ -38931,7 +41258,7 @@
           <a:p>
             <a:r>
               <a:rPr lang="en-US" dirty="0" smtClean="0"/>
-              <a:t>Membership: Examples</a:t>
+              <a:t>Identity Operators</a:t>
             </a:r>
             <a:endParaRPr lang="en-US" dirty="0"/>
           </a:p>
@@ -38940,7 +41267,7 @@
     </p:spTree>
     <p:extLst>
       <p:ext uri="{BB962C8B-B14F-4D97-AF65-F5344CB8AC3E}">
-        <p14:creationId xmlns:p14="http://schemas.microsoft.com/office/powerpoint/2010/main" val="2909336299"/>
+        <p14:creationId xmlns:p14="http://schemas.microsoft.com/office/powerpoint/2010/main" val="4152278287"/>
       </p:ext>
     </p:extLst>
   </p:cSld>
@@ -38984,60 +41311,6 @@
       </p:grpSpPr>
       <p:sp>
         <p:nvSpPr>
-          <p:cNvPr id="4" name="Content Placeholder 3"/>
-          <p:cNvSpPr>
-            <a:spLocks noGrp="1"/>
-          </p:cNvSpPr>
-          <p:nvPr>
-            <p:ph idx="1"/>
-          </p:nvPr>
-        </p:nvSpPr>
-        <p:spPr/>
-        <p:txBody>
-          <a:bodyPr/>
-          <a:lstStyle/>
-          <a:p>
-            <a:r>
-              <a:rPr lang="en-US" dirty="0" smtClean="0"/>
-              <a:t>Compare the memory locations of two objects</a:t>
-            </a:r>
-          </a:p>
-          <a:p>
-            <a:pPr lvl="1"/>
-            <a:r>
-              <a:rPr lang="en-US" dirty="0" smtClean="0"/>
-              <a:t>is</a:t>
-            </a:r>
-          </a:p>
-          <a:p>
-            <a:pPr lvl="2"/>
-            <a:r>
-              <a:rPr lang="en-US" dirty="0" smtClean="0"/>
-              <a:t>True if variables on both sides of the operator point to the same object, otherwise False</a:t>
-            </a:r>
-          </a:p>
-          <a:p>
-            <a:pPr lvl="1"/>
-            <a:r>
-              <a:rPr lang="en-US" dirty="0" smtClean="0"/>
-              <a:t>is not </a:t>
-            </a:r>
-          </a:p>
-          <a:p>
-            <a:pPr lvl="2"/>
-            <a:r>
-              <a:rPr lang="en-US" dirty="0" smtClean="0"/>
-              <a:t>False if variables on both sides of the operator point to the same object, otherwise True</a:t>
-            </a:r>
-          </a:p>
-          <a:p>
-            <a:pPr lvl="1"/>
-            <a:endParaRPr lang="en-US" dirty="0"/>
-          </a:p>
-        </p:txBody>
-      </p:sp>
-      <p:sp>
-        <p:nvSpPr>
           <p:cNvPr id="3" name="Title 2"/>
           <p:cNvSpPr>
             <a:spLocks noGrp="1"/>
@@ -39053,16 +41326,881 @@
           <a:p>
             <a:r>
               <a:rPr lang="en-US" dirty="0" smtClean="0"/>
-              <a:t>Identity Operators</a:t>
+              <a:t>Identity: Examples</a:t>
             </a:r>
             <a:endParaRPr lang="en-US" dirty="0"/>
+          </a:p>
+        </p:txBody>
+      </p:sp>
+      <p:sp>
+        <p:nvSpPr>
+          <p:cNvPr id="5" name="Rectangle 4"/>
+          <p:cNvSpPr/>
+          <p:nvPr/>
+        </p:nvSpPr>
+        <p:spPr>
+          <a:xfrm>
+            <a:off x="3143672" y="1415673"/>
+            <a:ext cx="5472608" cy="3416320"/>
+          </a:xfrm>
+          <a:prstGeom prst="rect">
+            <a:avLst/>
+          </a:prstGeom>
+          <a:solidFill>
+            <a:schemeClr val="bg1"/>
+          </a:solidFill>
+          <a:ln w="28575">
+            <a:solidFill>
+              <a:srgbClr val="008000"/>
+            </a:solidFill>
+          </a:ln>
+          <a:effectLst>
+            <a:outerShdw blurRad="50800" dist="38100" dir="2700000" algn="tl" rotWithShape="0">
+              <a:prstClr val="black">
+                <a:alpha val="40000"/>
+              </a:prstClr>
+            </a:outerShdw>
+          </a:effectLst>
+        </p:spPr>
+        <p:txBody>
+          <a:bodyPr wrap="square">
+            <a:spAutoFit/>
+          </a:bodyPr>
+          <a:lstStyle/>
+          <a:p>
+            <a:r>
+              <a:rPr lang="en-US" sz="1200" dirty="0">
+                <a:solidFill>
+                  <a:srgbClr val="008000"/>
+                </a:solidFill>
+                <a:highlight>
+                  <a:srgbClr val="FFFFFF"/>
+                </a:highlight>
+                <a:latin typeface="Courier New" panose="02070309020205020404" pitchFamily="49" charset="0"/>
+              </a:rPr>
+              <a:t>#!/</a:t>
+            </a:r>
+            <a:r>
+              <a:rPr lang="en-US" sz="1200" dirty="0" err="1">
+                <a:solidFill>
+                  <a:srgbClr val="008000"/>
+                </a:solidFill>
+                <a:highlight>
+                  <a:srgbClr val="FFFFFF"/>
+                </a:highlight>
+                <a:latin typeface="Courier New" panose="02070309020205020404" pitchFamily="49" charset="0"/>
+              </a:rPr>
+              <a:t>usr</a:t>
+            </a:r>
+            <a:r>
+              <a:rPr lang="en-US" sz="1200" dirty="0">
+                <a:solidFill>
+                  <a:srgbClr val="008000"/>
+                </a:solidFill>
+                <a:highlight>
+                  <a:srgbClr val="FFFFFF"/>
+                </a:highlight>
+                <a:latin typeface="Courier New" panose="02070309020205020404" pitchFamily="49" charset="0"/>
+              </a:rPr>
+              <a:t>/bin/python</a:t>
+            </a:r>
+            <a:endParaRPr lang="en-US" sz="1200" dirty="0">
+              <a:solidFill>
+                <a:srgbClr val="000000"/>
+              </a:solidFill>
+              <a:highlight>
+                <a:srgbClr val="FFFFFF"/>
+              </a:highlight>
+              <a:latin typeface="Courier New" panose="02070309020205020404" pitchFamily="49" charset="0"/>
+            </a:endParaRPr>
+          </a:p>
+          <a:p>
+            <a:endParaRPr lang="en-US" sz="1200" dirty="0" smtClean="0">
+              <a:solidFill>
+                <a:srgbClr val="000000"/>
+              </a:solidFill>
+              <a:highlight>
+                <a:srgbClr val="FFFFFF"/>
+              </a:highlight>
+              <a:latin typeface="Courier New" panose="02070309020205020404" pitchFamily="49" charset="0"/>
+            </a:endParaRPr>
+          </a:p>
+          <a:p>
+            <a:r>
+              <a:rPr lang="en-US" sz="1200" dirty="0" smtClean="0">
+                <a:solidFill>
+                  <a:srgbClr val="008000"/>
+                </a:solidFill>
+                <a:highlight>
+                  <a:srgbClr val="FFFFFF"/>
+                </a:highlight>
+                <a:latin typeface="Courier New" panose="02070309020205020404" pitchFamily="49" charset="0"/>
+              </a:rPr>
+              <a:t>#String types</a:t>
+            </a:r>
+            <a:endParaRPr lang="en-US" sz="1200" dirty="0">
+              <a:solidFill>
+                <a:srgbClr val="000000"/>
+              </a:solidFill>
+              <a:highlight>
+                <a:srgbClr val="FFFFFF"/>
+              </a:highlight>
+              <a:latin typeface="Courier New" panose="02070309020205020404" pitchFamily="49" charset="0"/>
+            </a:endParaRPr>
+          </a:p>
+          <a:p>
+            <a:r>
+              <a:rPr lang="en-US" sz="1200" dirty="0" err="1" smtClean="0">
+                <a:solidFill>
+                  <a:srgbClr val="000000"/>
+                </a:solidFill>
+                <a:highlight>
+                  <a:srgbClr val="FFFFFF"/>
+                </a:highlight>
+                <a:latin typeface="Courier New" panose="02070309020205020404" pitchFamily="49" charset="0"/>
+              </a:rPr>
+              <a:t>blist</a:t>
+            </a:r>
+            <a:r>
+              <a:rPr lang="en-US" sz="1200" dirty="0" smtClean="0">
+                <a:solidFill>
+                  <a:srgbClr val="000000"/>
+                </a:solidFill>
+                <a:highlight>
+                  <a:srgbClr val="FFFFFF"/>
+                </a:highlight>
+                <a:latin typeface="Courier New" panose="02070309020205020404" pitchFamily="49" charset="0"/>
+              </a:rPr>
+              <a:t> </a:t>
+            </a:r>
+            <a:r>
+              <a:rPr lang="en-US" sz="1200" b="1" dirty="0" smtClean="0">
+                <a:solidFill>
+                  <a:srgbClr val="000080"/>
+                </a:solidFill>
+                <a:highlight>
+                  <a:srgbClr val="FFFFFF"/>
+                </a:highlight>
+                <a:latin typeface="Courier New" panose="02070309020205020404" pitchFamily="49" charset="0"/>
+              </a:rPr>
+              <a:t>=</a:t>
+            </a:r>
+            <a:r>
+              <a:rPr lang="en-US" sz="1200" dirty="0" smtClean="0">
+                <a:solidFill>
+                  <a:srgbClr val="000000"/>
+                </a:solidFill>
+                <a:highlight>
+                  <a:srgbClr val="FFFFFF"/>
+                </a:highlight>
+                <a:latin typeface="Courier New" panose="02070309020205020404" pitchFamily="49" charset="0"/>
+              </a:rPr>
+              <a:t> </a:t>
+            </a:r>
+            <a:r>
+              <a:rPr lang="en-US" sz="1200" dirty="0" smtClean="0">
+                <a:solidFill>
+                  <a:srgbClr val="FF0000"/>
+                </a:solidFill>
+                <a:highlight>
+                  <a:srgbClr val="FFFFFF"/>
+                </a:highlight>
+                <a:latin typeface="Courier New" panose="02070309020205020404" pitchFamily="49" charset="0"/>
+              </a:rPr>
+              <a:t>[‘Homer’, ‘Marge’, ‘Bart’, ‘Lisa’, ‘Maggie’]</a:t>
+            </a:r>
+          </a:p>
+          <a:p>
+            <a:endParaRPr lang="en-US" sz="1200" dirty="0" smtClean="0">
+              <a:solidFill>
+                <a:srgbClr val="000000"/>
+              </a:solidFill>
+              <a:highlight>
+                <a:srgbClr val="FFFFFF"/>
+              </a:highlight>
+              <a:latin typeface="Courier New" panose="02070309020205020404" pitchFamily="49" charset="0"/>
+            </a:endParaRPr>
+          </a:p>
+          <a:p>
+            <a:r>
+              <a:rPr lang="en-US" sz="1200" dirty="0" smtClean="0">
+                <a:solidFill>
+                  <a:srgbClr val="008000"/>
+                </a:solidFill>
+                <a:highlight>
+                  <a:srgbClr val="FFFFFF"/>
+                </a:highlight>
+                <a:latin typeface="Courier New" panose="02070309020205020404" pitchFamily="49" charset="0"/>
+              </a:rPr>
+              <a:t># Test for identity</a:t>
+            </a:r>
+            <a:endParaRPr lang="en-US" sz="1200" dirty="0">
+              <a:solidFill>
+                <a:srgbClr val="000000"/>
+              </a:solidFill>
+              <a:highlight>
+                <a:srgbClr val="FFFFFF"/>
+              </a:highlight>
+              <a:latin typeface="Courier New" panose="02070309020205020404" pitchFamily="49" charset="0"/>
+            </a:endParaRPr>
+          </a:p>
+          <a:p>
+            <a:r>
+              <a:rPr lang="en-US" sz="1200" dirty="0" err="1" smtClean="0">
+                <a:solidFill>
+                  <a:srgbClr val="000000"/>
+                </a:solidFill>
+                <a:highlight>
+                  <a:srgbClr val="FFFFFF"/>
+                </a:highlight>
+                <a:latin typeface="Courier New" panose="02070309020205020404" pitchFamily="49" charset="0"/>
+              </a:rPr>
+              <a:t>first_value</a:t>
+            </a:r>
+            <a:r>
+              <a:rPr lang="en-US" sz="1200" dirty="0" smtClean="0">
+                <a:solidFill>
+                  <a:srgbClr val="000000"/>
+                </a:solidFill>
+                <a:highlight>
+                  <a:srgbClr val="FFFFFF"/>
+                </a:highlight>
+                <a:latin typeface="Courier New" panose="02070309020205020404" pitchFamily="49" charset="0"/>
+              </a:rPr>
+              <a:t> = </a:t>
+            </a:r>
+            <a:r>
+              <a:rPr lang="en-US" sz="1200" dirty="0" err="1" smtClean="0">
+                <a:solidFill>
+                  <a:srgbClr val="000000"/>
+                </a:solidFill>
+                <a:highlight>
+                  <a:srgbClr val="FFFFFF"/>
+                </a:highlight>
+                <a:latin typeface="Courier New" panose="02070309020205020404" pitchFamily="49" charset="0"/>
+              </a:rPr>
+              <a:t>blist</a:t>
+            </a:r>
+            <a:r>
+              <a:rPr lang="en-US" sz="1200" dirty="0" smtClean="0">
+                <a:solidFill>
+                  <a:srgbClr val="000000"/>
+                </a:solidFill>
+                <a:highlight>
+                  <a:srgbClr val="FFFFFF"/>
+                </a:highlight>
+                <a:latin typeface="Courier New" panose="02070309020205020404" pitchFamily="49" charset="0"/>
+              </a:rPr>
+              <a:t>[1]</a:t>
+            </a:r>
+          </a:p>
+          <a:p>
+            <a:r>
+              <a:rPr lang="en-US" sz="1200" dirty="0" err="1" smtClean="0">
+                <a:solidFill>
+                  <a:srgbClr val="000000"/>
+                </a:solidFill>
+                <a:highlight>
+                  <a:srgbClr val="FFFFFF"/>
+                </a:highlight>
+                <a:latin typeface="Courier New" panose="02070309020205020404" pitchFamily="49" charset="0"/>
+              </a:rPr>
+              <a:t>second_value</a:t>
+            </a:r>
+            <a:r>
+              <a:rPr lang="en-US" sz="1200" dirty="0" smtClean="0">
+                <a:solidFill>
+                  <a:srgbClr val="000000"/>
+                </a:solidFill>
+                <a:highlight>
+                  <a:srgbClr val="FFFFFF"/>
+                </a:highlight>
+                <a:latin typeface="Courier New" panose="02070309020205020404" pitchFamily="49" charset="0"/>
+              </a:rPr>
+              <a:t> = </a:t>
+            </a:r>
+            <a:r>
+              <a:rPr lang="en-US" sz="1200" dirty="0" err="1" smtClean="0">
+                <a:solidFill>
+                  <a:srgbClr val="000000"/>
+                </a:solidFill>
+                <a:highlight>
+                  <a:srgbClr val="FFFFFF"/>
+                </a:highlight>
+                <a:latin typeface="Courier New" panose="02070309020205020404" pitchFamily="49" charset="0"/>
+              </a:rPr>
+              <a:t>blist</a:t>
+            </a:r>
+            <a:r>
+              <a:rPr lang="en-US" sz="1200" dirty="0" smtClean="0">
+                <a:solidFill>
+                  <a:srgbClr val="000000"/>
+                </a:solidFill>
+                <a:highlight>
+                  <a:srgbClr val="FFFFFF"/>
+                </a:highlight>
+                <a:latin typeface="Courier New" panose="02070309020205020404" pitchFamily="49" charset="0"/>
+              </a:rPr>
+              <a:t>[2]</a:t>
+            </a:r>
+          </a:p>
+          <a:p>
+            <a:r>
+              <a:rPr lang="en-US" sz="1200" dirty="0" err="1" smtClean="0">
+                <a:solidFill>
+                  <a:srgbClr val="000000"/>
+                </a:solidFill>
+                <a:highlight>
+                  <a:srgbClr val="FFFFFF"/>
+                </a:highlight>
+                <a:latin typeface="Courier New" panose="02070309020205020404" pitchFamily="49" charset="0"/>
+              </a:rPr>
+              <a:t>third_value</a:t>
+            </a:r>
+            <a:r>
+              <a:rPr lang="en-US" sz="1200" dirty="0" smtClean="0">
+                <a:solidFill>
+                  <a:srgbClr val="000000"/>
+                </a:solidFill>
+                <a:highlight>
+                  <a:srgbClr val="FFFFFF"/>
+                </a:highlight>
+                <a:latin typeface="Courier New" panose="02070309020205020404" pitchFamily="49" charset="0"/>
+              </a:rPr>
+              <a:t> = </a:t>
+            </a:r>
+            <a:r>
+              <a:rPr lang="en-US" sz="1200" dirty="0" err="1" smtClean="0">
+                <a:solidFill>
+                  <a:srgbClr val="000000"/>
+                </a:solidFill>
+                <a:highlight>
+                  <a:srgbClr val="FFFFFF"/>
+                </a:highlight>
+                <a:latin typeface="Courier New" panose="02070309020205020404" pitchFamily="49" charset="0"/>
+              </a:rPr>
+              <a:t>blist</a:t>
+            </a:r>
+            <a:r>
+              <a:rPr lang="en-US" sz="1200" dirty="0" smtClean="0">
+                <a:solidFill>
+                  <a:srgbClr val="000000"/>
+                </a:solidFill>
+                <a:highlight>
+                  <a:srgbClr val="FFFFFF"/>
+                </a:highlight>
+                <a:latin typeface="Courier New" panose="02070309020205020404" pitchFamily="49" charset="0"/>
+              </a:rPr>
+              <a:t>[1]</a:t>
+            </a:r>
+          </a:p>
+          <a:p>
+            <a:endParaRPr lang="en-US" sz="1200" dirty="0">
+              <a:solidFill>
+                <a:srgbClr val="000000"/>
+              </a:solidFill>
+              <a:highlight>
+                <a:srgbClr val="FFFFFF"/>
+              </a:highlight>
+              <a:latin typeface="Courier New" panose="02070309020205020404" pitchFamily="49" charset="0"/>
+            </a:endParaRPr>
+          </a:p>
+          <a:p>
+            <a:r>
+              <a:rPr lang="en-US" sz="1200" b="1" dirty="0" smtClean="0">
+                <a:solidFill>
+                  <a:srgbClr val="0000FF"/>
+                </a:solidFill>
+                <a:highlight>
+                  <a:srgbClr val="FFFFFF"/>
+                </a:highlight>
+                <a:latin typeface="Courier New" panose="02070309020205020404" pitchFamily="49" charset="0"/>
+              </a:rPr>
+              <a:t>if</a:t>
+            </a:r>
+            <a:r>
+              <a:rPr lang="en-US" sz="1200" dirty="0" smtClean="0">
+                <a:solidFill>
+                  <a:srgbClr val="000000"/>
+                </a:solidFill>
+                <a:highlight>
+                  <a:srgbClr val="FFFFFF"/>
+                </a:highlight>
+                <a:latin typeface="Courier New" panose="02070309020205020404" pitchFamily="49" charset="0"/>
+              </a:rPr>
+              <a:t> </a:t>
+            </a:r>
+            <a:r>
+              <a:rPr lang="en-US" sz="1200" dirty="0" err="1" smtClean="0">
+                <a:solidFill>
+                  <a:srgbClr val="000000"/>
+                </a:solidFill>
+                <a:highlight>
+                  <a:srgbClr val="FFFFFF"/>
+                </a:highlight>
+                <a:latin typeface="Courier New" panose="02070309020205020404" pitchFamily="49" charset="0"/>
+              </a:rPr>
+              <a:t>first_value</a:t>
+            </a:r>
+            <a:r>
+              <a:rPr lang="en-US" sz="1200" dirty="0" smtClean="0">
+                <a:solidFill>
+                  <a:srgbClr val="000000"/>
+                </a:solidFill>
+                <a:highlight>
+                  <a:srgbClr val="FFFFFF"/>
+                </a:highlight>
+                <a:latin typeface="Courier New" panose="02070309020205020404" pitchFamily="49" charset="0"/>
+              </a:rPr>
+              <a:t> </a:t>
+            </a:r>
+            <a:r>
+              <a:rPr lang="en-US" sz="1200" b="1" dirty="0" smtClean="0">
+                <a:solidFill>
+                  <a:srgbClr val="0000FF"/>
+                </a:solidFill>
+                <a:highlight>
+                  <a:srgbClr val="FFFFFF"/>
+                </a:highlight>
+                <a:latin typeface="Courier New" panose="02070309020205020404" pitchFamily="49" charset="0"/>
+              </a:rPr>
+              <a:t>is</a:t>
+            </a:r>
+            <a:r>
+              <a:rPr lang="en-US" sz="1200" dirty="0" smtClean="0">
+                <a:solidFill>
+                  <a:srgbClr val="000000"/>
+                </a:solidFill>
+                <a:highlight>
+                  <a:srgbClr val="FFFFFF"/>
+                </a:highlight>
+                <a:latin typeface="Courier New" panose="02070309020205020404" pitchFamily="49" charset="0"/>
+              </a:rPr>
+              <a:t> </a:t>
+            </a:r>
+            <a:r>
+              <a:rPr lang="en-US" sz="1200" dirty="0" err="1" smtClean="0">
+                <a:solidFill>
+                  <a:srgbClr val="000000"/>
+                </a:solidFill>
+                <a:highlight>
+                  <a:srgbClr val="FFFFFF"/>
+                </a:highlight>
+                <a:latin typeface="Courier New" panose="02070309020205020404" pitchFamily="49" charset="0"/>
+              </a:rPr>
+              <a:t>second_value</a:t>
+            </a:r>
+            <a:r>
+              <a:rPr lang="en-US" sz="1200" dirty="0" smtClean="0">
+                <a:solidFill>
+                  <a:srgbClr val="000000"/>
+                </a:solidFill>
+                <a:highlight>
+                  <a:srgbClr val="FFFFFF"/>
+                </a:highlight>
+                <a:latin typeface="Courier New" panose="02070309020205020404" pitchFamily="49" charset="0"/>
+              </a:rPr>
+              <a:t>:</a:t>
+            </a:r>
+            <a:endParaRPr lang="en-US" sz="1200" dirty="0">
+              <a:solidFill>
+                <a:srgbClr val="000000"/>
+              </a:solidFill>
+              <a:highlight>
+                <a:srgbClr val="FFFFFF"/>
+              </a:highlight>
+              <a:latin typeface="Courier New" panose="02070309020205020404" pitchFamily="49" charset="0"/>
+            </a:endParaRPr>
+          </a:p>
+          <a:p>
+            <a:r>
+              <a:rPr lang="en-US" sz="1200" b="1" dirty="0" smtClean="0">
+                <a:solidFill>
+                  <a:srgbClr val="0000FF"/>
+                </a:solidFill>
+                <a:highlight>
+                  <a:srgbClr val="FFFFFF"/>
+                </a:highlight>
+                <a:latin typeface="Courier New" panose="02070309020205020404" pitchFamily="49" charset="0"/>
+              </a:rPr>
+              <a:t>	print</a:t>
+            </a:r>
+            <a:r>
+              <a:rPr lang="en-US" sz="1200" dirty="0" smtClean="0">
+                <a:solidFill>
+                  <a:srgbClr val="000000"/>
+                </a:solidFill>
+                <a:highlight>
+                  <a:srgbClr val="FFFFFF"/>
+                </a:highlight>
+                <a:latin typeface="Courier New" panose="02070309020205020404" pitchFamily="49" charset="0"/>
+              </a:rPr>
+              <a:t> </a:t>
+            </a:r>
+            <a:r>
+              <a:rPr lang="en-US" sz="1200" dirty="0" smtClean="0">
+                <a:solidFill>
+                  <a:srgbClr val="FF0000"/>
+                </a:solidFill>
+                <a:highlight>
+                  <a:srgbClr val="FFFFFF"/>
+                </a:highlight>
+                <a:latin typeface="Courier New" panose="02070309020205020404" pitchFamily="49" charset="0"/>
+              </a:rPr>
+              <a:t>(‘Found it!’)</a:t>
+            </a:r>
+            <a:endParaRPr lang="en-US" sz="1200" dirty="0">
+              <a:solidFill>
+                <a:srgbClr val="FF0000"/>
+              </a:solidFill>
+              <a:highlight>
+                <a:srgbClr val="FFFFFF"/>
+              </a:highlight>
+              <a:latin typeface="Courier New" panose="02070309020205020404" pitchFamily="49" charset="0"/>
+            </a:endParaRPr>
+          </a:p>
+          <a:p>
+            <a:r>
+              <a:rPr lang="en-US" sz="1200" b="1" dirty="0" err="1" smtClean="0">
+                <a:solidFill>
+                  <a:srgbClr val="0000FF"/>
+                </a:solidFill>
+                <a:highlight>
+                  <a:srgbClr val="FFFFFF"/>
+                </a:highlight>
+                <a:latin typeface="Courier New" panose="02070309020205020404" pitchFamily="49" charset="0"/>
+              </a:rPr>
+              <a:t>elif</a:t>
+            </a:r>
+            <a:r>
+              <a:rPr lang="en-US" sz="1200" b="1" dirty="0" smtClean="0">
+                <a:solidFill>
+                  <a:srgbClr val="0000FF"/>
+                </a:solidFill>
+                <a:highlight>
+                  <a:srgbClr val="FFFFFF"/>
+                </a:highlight>
+                <a:latin typeface="Courier New" panose="02070309020205020404" pitchFamily="49" charset="0"/>
+              </a:rPr>
+              <a:t> </a:t>
+            </a:r>
+            <a:r>
+              <a:rPr lang="en-US" sz="1200" dirty="0" err="1">
+                <a:solidFill>
+                  <a:srgbClr val="000000"/>
+                </a:solidFill>
+                <a:highlight>
+                  <a:srgbClr val="FFFFFF"/>
+                </a:highlight>
+                <a:latin typeface="Courier New" panose="02070309020205020404" pitchFamily="49" charset="0"/>
+              </a:rPr>
+              <a:t>first_value</a:t>
+            </a:r>
+            <a:r>
+              <a:rPr lang="en-US" sz="1200" dirty="0">
+                <a:solidFill>
+                  <a:srgbClr val="000000"/>
+                </a:solidFill>
+                <a:highlight>
+                  <a:srgbClr val="FFFFFF"/>
+                </a:highlight>
+                <a:latin typeface="Courier New" panose="02070309020205020404" pitchFamily="49" charset="0"/>
+              </a:rPr>
+              <a:t> </a:t>
+            </a:r>
+            <a:r>
+              <a:rPr lang="en-US" sz="1200" b="1" dirty="0">
+                <a:solidFill>
+                  <a:srgbClr val="0000FF"/>
+                </a:solidFill>
+                <a:highlight>
+                  <a:srgbClr val="FFFFFF"/>
+                </a:highlight>
+                <a:latin typeface="Courier New" panose="02070309020205020404" pitchFamily="49" charset="0"/>
+              </a:rPr>
+              <a:t>is</a:t>
+            </a:r>
+            <a:r>
+              <a:rPr lang="en-US" sz="1200" dirty="0">
+                <a:solidFill>
+                  <a:srgbClr val="000000"/>
+                </a:solidFill>
+                <a:highlight>
+                  <a:srgbClr val="FFFFFF"/>
+                </a:highlight>
+                <a:latin typeface="Courier New" panose="02070309020205020404" pitchFamily="49" charset="0"/>
+              </a:rPr>
+              <a:t> </a:t>
+            </a:r>
+            <a:r>
+              <a:rPr lang="en-US" sz="1200" dirty="0" err="1" smtClean="0">
+                <a:solidFill>
+                  <a:srgbClr val="000000"/>
+                </a:solidFill>
+                <a:highlight>
+                  <a:srgbClr val="FFFFFF"/>
+                </a:highlight>
+                <a:latin typeface="Courier New" panose="02070309020205020404" pitchFamily="49" charset="0"/>
+              </a:rPr>
+              <a:t>third_value</a:t>
+            </a:r>
+            <a:r>
+              <a:rPr lang="en-US" sz="1200" dirty="0" smtClean="0">
+                <a:solidFill>
+                  <a:srgbClr val="000000"/>
+                </a:solidFill>
+                <a:highlight>
+                  <a:srgbClr val="FFFFFF"/>
+                </a:highlight>
+                <a:latin typeface="Courier New" panose="02070309020205020404" pitchFamily="49" charset="0"/>
+              </a:rPr>
+              <a:t> </a:t>
+            </a:r>
+            <a:r>
+              <a:rPr lang="en-US" sz="1200" b="1" dirty="0" smtClean="0">
+                <a:solidFill>
+                  <a:srgbClr val="0000FF"/>
+                </a:solidFill>
+                <a:highlight>
+                  <a:srgbClr val="FFFFFF"/>
+                </a:highlight>
+                <a:latin typeface="Courier New" panose="02070309020205020404" pitchFamily="49" charset="0"/>
+              </a:rPr>
+              <a:t>:</a:t>
+            </a:r>
+            <a:endParaRPr lang="en-US" sz="1200" dirty="0" smtClean="0">
+              <a:solidFill>
+                <a:srgbClr val="000000"/>
+              </a:solidFill>
+              <a:highlight>
+                <a:srgbClr val="FFFFFF"/>
+              </a:highlight>
+              <a:latin typeface="Courier New" panose="02070309020205020404" pitchFamily="49" charset="0"/>
+            </a:endParaRPr>
+          </a:p>
+          <a:p>
+            <a:r>
+              <a:rPr lang="en-US" sz="1200" dirty="0" smtClean="0">
+                <a:solidFill>
+                  <a:srgbClr val="000000"/>
+                </a:solidFill>
+                <a:highlight>
+                  <a:srgbClr val="FFFFFF"/>
+                </a:highlight>
+                <a:latin typeface="Courier New" panose="02070309020205020404" pitchFamily="49" charset="0"/>
+              </a:rPr>
+              <a:t>	</a:t>
+            </a:r>
+            <a:r>
+              <a:rPr lang="en-US" sz="1200" b="1" dirty="0">
+                <a:solidFill>
+                  <a:srgbClr val="0000FF"/>
+                </a:solidFill>
+                <a:highlight>
+                  <a:srgbClr val="FFFFFF"/>
+                </a:highlight>
+                <a:latin typeface="Courier New" panose="02070309020205020404" pitchFamily="49" charset="0"/>
+              </a:rPr>
+              <a:t> print</a:t>
+            </a:r>
+            <a:r>
+              <a:rPr lang="en-US" sz="1200" dirty="0">
+                <a:solidFill>
+                  <a:srgbClr val="000000"/>
+                </a:solidFill>
+                <a:highlight>
+                  <a:srgbClr val="FFFFFF"/>
+                </a:highlight>
+                <a:latin typeface="Courier New" panose="02070309020205020404" pitchFamily="49" charset="0"/>
+              </a:rPr>
+              <a:t> </a:t>
+            </a:r>
+            <a:r>
+              <a:rPr lang="en-US" sz="1200" dirty="0" smtClean="0">
+                <a:solidFill>
+                  <a:srgbClr val="000000"/>
+                </a:solidFill>
+                <a:highlight>
+                  <a:srgbClr val="FFFFFF"/>
+                </a:highlight>
+                <a:latin typeface="Courier New" panose="02070309020205020404" pitchFamily="49" charset="0"/>
+              </a:rPr>
+              <a:t>(</a:t>
+            </a:r>
+            <a:r>
+              <a:rPr lang="en-US" sz="1200" dirty="0" err="1" smtClean="0">
+                <a:solidFill>
+                  <a:srgbClr val="000000"/>
+                </a:solidFill>
+                <a:highlight>
+                  <a:srgbClr val="FFFFFF"/>
+                </a:highlight>
+                <a:latin typeface="Courier New" panose="02070309020205020404" pitchFamily="49" charset="0"/>
+              </a:rPr>
+              <a:t>first_value</a:t>
+            </a:r>
+            <a:r>
+              <a:rPr lang="en-US" sz="1200" dirty="0" smtClean="0">
+                <a:solidFill>
+                  <a:srgbClr val="000000"/>
+                </a:solidFill>
+                <a:highlight>
+                  <a:srgbClr val="FFFFFF"/>
+                </a:highlight>
+                <a:latin typeface="Courier New" panose="02070309020205020404" pitchFamily="49" charset="0"/>
+              </a:rPr>
+              <a:t> + </a:t>
+            </a:r>
+            <a:r>
+              <a:rPr lang="en-US" sz="1200" dirty="0" smtClean="0">
+                <a:solidFill>
+                  <a:srgbClr val="FF0000"/>
+                </a:solidFill>
+                <a:highlight>
+                  <a:srgbClr val="FFFFFF"/>
+                </a:highlight>
+                <a:latin typeface="Courier New" panose="02070309020205020404" pitchFamily="49" charset="0"/>
+              </a:rPr>
+              <a:t>‘ is ’ </a:t>
+            </a:r>
+            <a:r>
+              <a:rPr lang="en-US" sz="1200" dirty="0" smtClean="0">
+                <a:solidFill>
+                  <a:srgbClr val="000000"/>
+                </a:solidFill>
+                <a:highlight>
+                  <a:srgbClr val="FFFFFF"/>
+                </a:highlight>
+                <a:latin typeface="Courier New" panose="02070309020205020404" pitchFamily="49" charset="0"/>
+              </a:rPr>
+              <a:t>+ </a:t>
+            </a:r>
+            <a:r>
+              <a:rPr lang="en-US" sz="1200" dirty="0" err="1" smtClean="0">
+                <a:solidFill>
+                  <a:srgbClr val="000000"/>
+                </a:solidFill>
+                <a:highlight>
+                  <a:srgbClr val="FFFFFF"/>
+                </a:highlight>
+                <a:latin typeface="Courier New" panose="02070309020205020404" pitchFamily="49" charset="0"/>
+              </a:rPr>
+              <a:t>third_value</a:t>
+            </a:r>
+            <a:r>
+              <a:rPr lang="en-US" sz="1200" dirty="0" smtClean="0">
+                <a:solidFill>
+                  <a:srgbClr val="000000"/>
+                </a:solidFill>
+                <a:highlight>
+                  <a:srgbClr val="FFFFFF"/>
+                </a:highlight>
+                <a:latin typeface="Courier New" panose="02070309020205020404" pitchFamily="49" charset="0"/>
+              </a:rPr>
+              <a:t>)</a:t>
+            </a:r>
+            <a:endParaRPr lang="en-US" sz="1200" dirty="0">
+              <a:solidFill>
+                <a:srgbClr val="000000"/>
+              </a:solidFill>
+              <a:highlight>
+                <a:srgbClr val="FFFFFF"/>
+              </a:highlight>
+              <a:latin typeface="Courier New" panose="02070309020205020404" pitchFamily="49" charset="0"/>
+            </a:endParaRPr>
+          </a:p>
+          <a:p>
+            <a:r>
+              <a:rPr lang="en-US" sz="1200" b="1" dirty="0" smtClean="0">
+                <a:solidFill>
+                  <a:srgbClr val="0000FF"/>
+                </a:solidFill>
+                <a:highlight>
+                  <a:srgbClr val="FFFFFF"/>
+                </a:highlight>
+                <a:latin typeface="Courier New" panose="02070309020205020404" pitchFamily="49" charset="0"/>
+              </a:rPr>
+              <a:t>else:</a:t>
+            </a:r>
+          </a:p>
+          <a:p>
+            <a:r>
+              <a:rPr lang="en-US" sz="1200" dirty="0" smtClean="0">
+                <a:solidFill>
+                  <a:srgbClr val="000000"/>
+                </a:solidFill>
+                <a:highlight>
+                  <a:srgbClr val="FFFFFF"/>
+                </a:highlight>
+                <a:latin typeface="Courier New" panose="02070309020205020404" pitchFamily="49" charset="0"/>
+              </a:rPr>
+              <a:t>	</a:t>
+            </a:r>
+            <a:r>
+              <a:rPr lang="en-US" sz="1200" b="1" dirty="0">
+                <a:solidFill>
+                  <a:srgbClr val="0000FF"/>
+                </a:solidFill>
+                <a:highlight>
+                  <a:srgbClr val="FFFFFF"/>
+                </a:highlight>
+                <a:latin typeface="Courier New" panose="02070309020205020404" pitchFamily="49" charset="0"/>
+              </a:rPr>
+              <a:t>print</a:t>
+            </a:r>
+            <a:r>
+              <a:rPr lang="en-US" sz="1200" dirty="0">
+                <a:solidFill>
+                  <a:srgbClr val="000000"/>
+                </a:solidFill>
+                <a:highlight>
+                  <a:srgbClr val="FFFFFF"/>
+                </a:highlight>
+                <a:latin typeface="Courier New" panose="02070309020205020404" pitchFamily="49" charset="0"/>
+              </a:rPr>
+              <a:t> </a:t>
+            </a:r>
+            <a:r>
+              <a:rPr lang="en-US" sz="1200" dirty="0" smtClean="0">
+                <a:solidFill>
+                  <a:srgbClr val="FF0000"/>
+                </a:solidFill>
+                <a:highlight>
+                  <a:srgbClr val="FFFFFF"/>
+                </a:highlight>
+                <a:latin typeface="Courier New" panose="02070309020205020404" pitchFamily="49" charset="0"/>
+              </a:rPr>
+              <a:t>(‘Something went wrong!’)</a:t>
+            </a:r>
+          </a:p>
+          <a:p>
+            <a:endParaRPr lang="en-US" sz="1200" dirty="0">
+              <a:solidFill>
+                <a:srgbClr val="000000"/>
+              </a:solidFill>
+              <a:highlight>
+                <a:srgbClr val="FFFFFF"/>
+              </a:highlight>
+              <a:latin typeface="Courier New" panose="02070309020205020404" pitchFamily="49" charset="0"/>
+            </a:endParaRPr>
+          </a:p>
+          <a:p>
+            <a:endParaRPr lang="en-US" sz="1200" dirty="0">
+              <a:solidFill>
+                <a:srgbClr val="000000"/>
+              </a:solidFill>
+              <a:highlight>
+                <a:srgbClr val="FFFFFF"/>
+              </a:highlight>
+              <a:latin typeface="Courier New" panose="02070309020205020404" pitchFamily="49" charset="0"/>
+            </a:endParaRPr>
           </a:p>
         </p:txBody>
       </p:sp>
     </p:spTree>
     <p:extLst>
       <p:ext uri="{BB962C8B-B14F-4D97-AF65-F5344CB8AC3E}">
-        <p14:creationId xmlns:p14="http://schemas.microsoft.com/office/powerpoint/2010/main" val="4152278287"/>
+        <p14:creationId xmlns:p14="http://schemas.microsoft.com/office/powerpoint/2010/main" val="1530654124"/>
       </p:ext>
     </p:extLst>
   </p:cSld>
@@ -39116,9 +42254,45 @@
         </p:nvSpPr>
         <p:spPr/>
         <p:txBody>
-          <a:bodyPr/>
+          <a:bodyPr>
+            <a:normAutofit lnSpcReduction="10000"/>
+          </a:bodyPr>
           <a:lstStyle/>
           <a:p>
+            <a:r>
+              <a:rPr lang="en-US" dirty="0" smtClean="0"/>
+              <a:t>A function definition is an executable statement wrapping any number of statements or expressions</a:t>
+            </a:r>
+          </a:p>
+          <a:p>
+            <a:r>
+              <a:rPr lang="en-US" dirty="0" smtClean="0"/>
+              <a:t>The function definition does not execute the function body; this get executed when the function is invoked</a:t>
+            </a:r>
+          </a:p>
+          <a:p>
+            <a:r>
+              <a:rPr lang="en-US" dirty="0" smtClean="0"/>
+              <a:t>Can specify zero or more parameters</a:t>
+            </a:r>
+          </a:p>
+          <a:p>
+            <a:r>
+              <a:rPr lang="en-US" dirty="0" smtClean="0"/>
+              <a:t>Can return objects</a:t>
+            </a:r>
+          </a:p>
+          <a:p>
+            <a:r>
+              <a:rPr lang="en-US" dirty="0" smtClean="0"/>
+              <a:t>Parameters can be supplied with default values</a:t>
+            </a:r>
+          </a:p>
+          <a:p>
+            <a:r>
+              <a:rPr lang="en-US" dirty="0" smtClean="0"/>
+              <a:t>Helps compartmentalize application logic</a:t>
+            </a:r>
             <a:endParaRPr lang="en-US" dirty="0"/>
           </a:p>
         </p:txBody>
@@ -39140,7 +42314,7 @@
           <a:p>
             <a:r>
               <a:rPr lang="en-US" dirty="0" smtClean="0"/>
-              <a:t>Identity: Examples</a:t>
+              <a:t>Functions</a:t>
             </a:r>
             <a:endParaRPr lang="en-US" dirty="0"/>
           </a:p>
@@ -39149,7 +42323,7 @@
     </p:spTree>
     <p:extLst>
       <p:ext uri="{BB962C8B-B14F-4D97-AF65-F5344CB8AC3E}">
-        <p14:creationId xmlns:p14="http://schemas.microsoft.com/office/powerpoint/2010/main" val="1530654124"/>
+        <p14:creationId xmlns:p14="http://schemas.microsoft.com/office/powerpoint/2010/main" val="3799788725"/>
       </p:ext>
     </p:extLst>
   </p:cSld>
@@ -39193,61 +42367,6 @@
       </p:grpSpPr>
       <p:sp>
         <p:nvSpPr>
-          <p:cNvPr id="4" name="Content Placeholder 3"/>
-          <p:cNvSpPr>
-            <a:spLocks noGrp="1"/>
-          </p:cNvSpPr>
-          <p:nvPr>
-            <p:ph idx="1"/>
-          </p:nvPr>
-        </p:nvSpPr>
-        <p:spPr/>
-        <p:txBody>
-          <a:bodyPr>
-            <a:normAutofit lnSpcReduction="10000"/>
-          </a:bodyPr>
-          <a:lstStyle/>
-          <a:p>
-            <a:r>
-              <a:rPr lang="en-US" dirty="0" smtClean="0"/>
-              <a:t>A function definition is an executable statement wrapping any number of statements or expressions</a:t>
-            </a:r>
-          </a:p>
-          <a:p>
-            <a:r>
-              <a:rPr lang="en-US" dirty="0" smtClean="0"/>
-              <a:t>The function definition does not execute the function body; this get executed when the function is invoked</a:t>
-            </a:r>
-          </a:p>
-          <a:p>
-            <a:r>
-              <a:rPr lang="en-US" dirty="0" smtClean="0"/>
-              <a:t>Can specify zero or more parameters</a:t>
-            </a:r>
-          </a:p>
-          <a:p>
-            <a:r>
-              <a:rPr lang="en-US" dirty="0" smtClean="0"/>
-              <a:t>Can return objects</a:t>
-            </a:r>
-          </a:p>
-          <a:p>
-            <a:r>
-              <a:rPr lang="en-US" dirty="0" smtClean="0"/>
-              <a:t>Parameters can be supplied with default values</a:t>
-            </a:r>
-          </a:p>
-          <a:p>
-            <a:r>
-              <a:rPr lang="en-US" dirty="0" smtClean="0"/>
-              <a:t>Helps compartmentalize application logic</a:t>
-            </a:r>
-            <a:endParaRPr lang="en-US" dirty="0"/>
-          </a:p>
-        </p:txBody>
-      </p:sp>
-      <p:sp>
-        <p:nvSpPr>
           <p:cNvPr id="3" name="Title 2"/>
           <p:cNvSpPr>
             <a:spLocks noGrp="1"/>
@@ -39263,16 +42382,517 @@
           <a:p>
             <a:r>
               <a:rPr lang="en-US" dirty="0" smtClean="0"/>
-              <a:t>Functions</a:t>
+              <a:t>Functions: </a:t>
+            </a:r>
+            <a:r>
+              <a:rPr lang="en-US" dirty="0" smtClean="0"/>
+              <a:t>Example</a:t>
             </a:r>
             <a:endParaRPr lang="en-US" dirty="0"/>
+          </a:p>
+        </p:txBody>
+      </p:sp>
+      <p:sp>
+        <p:nvSpPr>
+          <p:cNvPr id="5" name="Rectangle 4"/>
+          <p:cNvSpPr/>
+          <p:nvPr/>
+        </p:nvSpPr>
+        <p:spPr>
+          <a:xfrm>
+            <a:off x="3143672" y="1415673"/>
+            <a:ext cx="5472608" cy="2123658"/>
+          </a:xfrm>
+          <a:prstGeom prst="rect">
+            <a:avLst/>
+          </a:prstGeom>
+          <a:solidFill>
+            <a:schemeClr val="bg1"/>
+          </a:solidFill>
+          <a:ln w="28575">
+            <a:solidFill>
+              <a:srgbClr val="008000"/>
+            </a:solidFill>
+          </a:ln>
+          <a:effectLst>
+            <a:outerShdw blurRad="50800" dist="38100" dir="2700000" algn="tl" rotWithShape="0">
+              <a:prstClr val="black">
+                <a:alpha val="40000"/>
+              </a:prstClr>
+            </a:outerShdw>
+          </a:effectLst>
+        </p:spPr>
+        <p:txBody>
+          <a:bodyPr wrap="square">
+            <a:spAutoFit/>
+          </a:bodyPr>
+          <a:lstStyle/>
+          <a:p>
+            <a:r>
+              <a:rPr lang="en-GB" sz="1200" dirty="0">
+                <a:solidFill>
+                  <a:srgbClr val="008000"/>
+                </a:solidFill>
+                <a:highlight>
+                  <a:srgbClr val="FFFFFF"/>
+                </a:highlight>
+                <a:latin typeface="Courier New" panose="02070309020205020404" pitchFamily="49" charset="0"/>
+              </a:rPr>
+              <a:t>#A function to sum a range of numbers</a:t>
+            </a:r>
+          </a:p>
+          <a:p>
+            <a:r>
+              <a:rPr lang="en-GB" sz="1200" b="1" dirty="0" err="1">
+                <a:solidFill>
+                  <a:srgbClr val="0000FF"/>
+                </a:solidFill>
+                <a:highlight>
+                  <a:srgbClr val="FFFFFF"/>
+                </a:highlight>
+                <a:latin typeface="Courier New" panose="02070309020205020404" pitchFamily="49" charset="0"/>
+              </a:rPr>
+              <a:t>def</a:t>
+            </a:r>
+            <a:r>
+              <a:rPr lang="en-GB" sz="1200" dirty="0">
+                <a:solidFill>
+                  <a:srgbClr val="000000"/>
+                </a:solidFill>
+                <a:highlight>
+                  <a:srgbClr val="FFFFFF"/>
+                </a:highlight>
+                <a:latin typeface="Courier New" panose="02070309020205020404" pitchFamily="49" charset="0"/>
+              </a:rPr>
+              <a:t> summer(</a:t>
+            </a:r>
+            <a:r>
+              <a:rPr lang="en-GB" sz="1200" dirty="0" err="1">
+                <a:solidFill>
+                  <a:srgbClr val="000000"/>
+                </a:solidFill>
+                <a:highlight>
+                  <a:srgbClr val="FFFFFF"/>
+                </a:highlight>
+                <a:latin typeface="Courier New" panose="02070309020205020404" pitchFamily="49" charset="0"/>
+              </a:rPr>
+              <a:t>upper_bound</a:t>
+            </a:r>
+            <a:r>
+              <a:rPr lang="en-GB" sz="1200" dirty="0">
+                <a:solidFill>
+                  <a:srgbClr val="000000"/>
+                </a:solidFill>
+                <a:highlight>
+                  <a:srgbClr val="FFFFFF"/>
+                </a:highlight>
+                <a:latin typeface="Courier New" panose="02070309020205020404" pitchFamily="49" charset="0"/>
+              </a:rPr>
+              <a:t>):</a:t>
+            </a:r>
+          </a:p>
+          <a:p>
+            <a:r>
+              <a:rPr lang="en-GB" sz="1200" dirty="0">
+                <a:solidFill>
+                  <a:srgbClr val="000000"/>
+                </a:solidFill>
+                <a:highlight>
+                  <a:srgbClr val="FFFFFF"/>
+                </a:highlight>
+                <a:latin typeface="Courier New" panose="02070309020205020404" pitchFamily="49" charset="0"/>
+              </a:rPr>
+              <a:t>    total = 0</a:t>
+            </a:r>
+          </a:p>
+          <a:p>
+            <a:r>
+              <a:rPr lang="en-GB" sz="1200" dirty="0">
+                <a:solidFill>
+                  <a:srgbClr val="000000"/>
+                </a:solidFill>
+                <a:highlight>
+                  <a:srgbClr val="FFFFFF"/>
+                </a:highlight>
+                <a:latin typeface="Courier New" panose="02070309020205020404" pitchFamily="49" charset="0"/>
+              </a:rPr>
+              <a:t>    </a:t>
+            </a:r>
+            <a:r>
+              <a:rPr lang="en-GB" sz="1200" dirty="0" err="1">
+                <a:solidFill>
+                  <a:srgbClr val="000000"/>
+                </a:solidFill>
+                <a:highlight>
+                  <a:srgbClr val="FFFFFF"/>
+                </a:highlight>
+                <a:latin typeface="Courier New" panose="02070309020205020404" pitchFamily="49" charset="0"/>
+              </a:rPr>
+              <a:t>calc_range</a:t>
+            </a:r>
+            <a:r>
+              <a:rPr lang="en-GB" sz="1200" dirty="0">
+                <a:solidFill>
+                  <a:srgbClr val="000000"/>
+                </a:solidFill>
+                <a:highlight>
+                  <a:srgbClr val="FFFFFF"/>
+                </a:highlight>
+                <a:latin typeface="Courier New" panose="02070309020205020404" pitchFamily="49" charset="0"/>
+              </a:rPr>
+              <a:t> = </a:t>
+            </a:r>
+            <a:r>
+              <a:rPr lang="en-GB" sz="1200" b="1" dirty="0" smtClean="0">
+                <a:solidFill>
+                  <a:srgbClr val="0000FF"/>
+                </a:solidFill>
+                <a:highlight>
+                  <a:srgbClr val="FFFFFF"/>
+                </a:highlight>
+                <a:latin typeface="Courier New" panose="02070309020205020404" pitchFamily="49" charset="0"/>
+              </a:rPr>
+              <a:t>range</a:t>
+            </a:r>
+            <a:r>
+              <a:rPr lang="en-GB" sz="1200" dirty="0" smtClean="0">
+                <a:solidFill>
+                  <a:srgbClr val="000000"/>
+                </a:solidFill>
+                <a:highlight>
+                  <a:srgbClr val="FFFFFF"/>
+                </a:highlight>
+                <a:latin typeface="Courier New" panose="02070309020205020404" pitchFamily="49" charset="0"/>
+              </a:rPr>
+              <a:t>(1</a:t>
+            </a:r>
+            <a:r>
+              <a:rPr lang="en-GB" sz="1200" dirty="0">
+                <a:solidFill>
+                  <a:srgbClr val="000000"/>
+                </a:solidFill>
+                <a:highlight>
+                  <a:srgbClr val="FFFFFF"/>
+                </a:highlight>
+                <a:latin typeface="Courier New" panose="02070309020205020404" pitchFamily="49" charset="0"/>
+              </a:rPr>
+              <a:t>, </a:t>
+            </a:r>
+            <a:r>
+              <a:rPr lang="en-GB" sz="1200" dirty="0" err="1">
+                <a:solidFill>
+                  <a:srgbClr val="000000"/>
+                </a:solidFill>
+                <a:highlight>
+                  <a:srgbClr val="FFFFFF"/>
+                </a:highlight>
+                <a:latin typeface="Courier New" panose="02070309020205020404" pitchFamily="49" charset="0"/>
+              </a:rPr>
+              <a:t>upper_bound</a:t>
+            </a:r>
+            <a:r>
+              <a:rPr lang="en-GB" sz="1200" dirty="0">
+                <a:solidFill>
+                  <a:srgbClr val="000000"/>
+                </a:solidFill>
+                <a:highlight>
+                  <a:srgbClr val="FFFFFF"/>
+                </a:highlight>
+                <a:latin typeface="Courier New" panose="02070309020205020404" pitchFamily="49" charset="0"/>
+              </a:rPr>
+              <a:t>, 1)</a:t>
+            </a:r>
+          </a:p>
+          <a:p>
+            <a:r>
+              <a:rPr lang="en-GB" sz="1200" dirty="0">
+                <a:solidFill>
+                  <a:srgbClr val="000000"/>
+                </a:solidFill>
+                <a:highlight>
+                  <a:srgbClr val="FFFFFF"/>
+                </a:highlight>
+                <a:latin typeface="Courier New" panose="02070309020205020404" pitchFamily="49" charset="0"/>
+              </a:rPr>
+              <a:t>    </a:t>
+            </a:r>
+            <a:r>
+              <a:rPr lang="en-GB" sz="1200" b="1" dirty="0">
+                <a:solidFill>
+                  <a:srgbClr val="0000FF"/>
+                </a:solidFill>
+                <a:highlight>
+                  <a:srgbClr val="FFFFFF"/>
+                </a:highlight>
+                <a:latin typeface="Courier New" panose="02070309020205020404" pitchFamily="49" charset="0"/>
+              </a:rPr>
+              <a:t>for</a:t>
+            </a:r>
+            <a:r>
+              <a:rPr lang="en-GB" sz="1200" dirty="0">
+                <a:solidFill>
+                  <a:srgbClr val="000000"/>
+                </a:solidFill>
+                <a:highlight>
+                  <a:srgbClr val="FFFFFF"/>
+                </a:highlight>
+                <a:latin typeface="Courier New" panose="02070309020205020404" pitchFamily="49" charset="0"/>
+              </a:rPr>
+              <a:t> count </a:t>
+            </a:r>
+            <a:r>
+              <a:rPr lang="en-GB" sz="1200" b="1" dirty="0">
+                <a:solidFill>
+                  <a:srgbClr val="0000FF"/>
+                </a:solidFill>
+                <a:highlight>
+                  <a:srgbClr val="FFFFFF"/>
+                </a:highlight>
+                <a:latin typeface="Courier New" panose="02070309020205020404" pitchFamily="49" charset="0"/>
+              </a:rPr>
+              <a:t>in</a:t>
+            </a:r>
+            <a:r>
+              <a:rPr lang="en-GB" sz="1200" dirty="0">
+                <a:solidFill>
+                  <a:srgbClr val="000000"/>
+                </a:solidFill>
+                <a:highlight>
+                  <a:srgbClr val="FFFFFF"/>
+                </a:highlight>
+                <a:latin typeface="Courier New" panose="02070309020205020404" pitchFamily="49" charset="0"/>
+              </a:rPr>
+              <a:t> </a:t>
+            </a:r>
+            <a:r>
+              <a:rPr lang="en-GB" sz="1200" dirty="0" err="1">
+                <a:solidFill>
+                  <a:srgbClr val="000000"/>
+                </a:solidFill>
+                <a:highlight>
+                  <a:srgbClr val="FFFFFF"/>
+                </a:highlight>
+                <a:latin typeface="Courier New" panose="02070309020205020404" pitchFamily="49" charset="0"/>
+              </a:rPr>
+              <a:t>calc_range</a:t>
+            </a:r>
+            <a:r>
+              <a:rPr lang="en-GB" sz="1200" dirty="0">
+                <a:solidFill>
+                  <a:srgbClr val="000000"/>
+                </a:solidFill>
+                <a:highlight>
+                  <a:srgbClr val="FFFFFF"/>
+                </a:highlight>
+                <a:latin typeface="Courier New" panose="02070309020205020404" pitchFamily="49" charset="0"/>
+              </a:rPr>
+              <a:t>:</a:t>
+            </a:r>
+          </a:p>
+          <a:p>
+            <a:r>
+              <a:rPr lang="en-GB" sz="1200" dirty="0">
+                <a:solidFill>
+                  <a:srgbClr val="000000"/>
+                </a:solidFill>
+                <a:highlight>
+                  <a:srgbClr val="FFFFFF"/>
+                </a:highlight>
+                <a:latin typeface="Courier New" panose="02070309020205020404" pitchFamily="49" charset="0"/>
+              </a:rPr>
+              <a:t>        total += </a:t>
+            </a:r>
+            <a:r>
+              <a:rPr lang="en-GB" sz="1200" dirty="0">
+                <a:solidFill>
+                  <a:srgbClr val="000000"/>
+                </a:solidFill>
+                <a:highlight>
+                  <a:srgbClr val="FFFFFF"/>
+                </a:highlight>
+                <a:latin typeface="Courier New" panose="02070309020205020404" pitchFamily="49" charset="0"/>
+              </a:rPr>
+              <a:t>count</a:t>
+            </a:r>
+          </a:p>
+          <a:p>
+            <a:endParaRPr lang="en-GB" sz="1200" dirty="0">
+              <a:solidFill>
+                <a:srgbClr val="000000"/>
+              </a:solidFill>
+              <a:highlight>
+                <a:srgbClr val="FFFFFF"/>
+              </a:highlight>
+              <a:latin typeface="Courier New" panose="02070309020205020404" pitchFamily="49" charset="0"/>
+            </a:endParaRPr>
+          </a:p>
+          <a:p>
+            <a:r>
+              <a:rPr lang="en-GB" sz="1200" dirty="0">
+                <a:solidFill>
+                  <a:srgbClr val="000000"/>
+                </a:solidFill>
+                <a:highlight>
+                  <a:srgbClr val="FFFFFF"/>
+                </a:highlight>
+                <a:latin typeface="Courier New" panose="02070309020205020404" pitchFamily="49" charset="0"/>
+              </a:rPr>
+              <a:t>    </a:t>
+            </a:r>
+            <a:r>
+              <a:rPr lang="en-GB" sz="1200" b="1" dirty="0">
+                <a:solidFill>
+                  <a:srgbClr val="0000FF"/>
+                </a:solidFill>
+                <a:highlight>
+                  <a:srgbClr val="FFFFFF"/>
+                </a:highlight>
+                <a:latin typeface="Courier New" panose="02070309020205020404" pitchFamily="49" charset="0"/>
+              </a:rPr>
+              <a:t>return</a:t>
+            </a:r>
+            <a:r>
+              <a:rPr lang="en-GB" sz="1200" dirty="0">
+                <a:solidFill>
+                  <a:srgbClr val="000000"/>
+                </a:solidFill>
+                <a:highlight>
+                  <a:srgbClr val="FFFFFF"/>
+                </a:highlight>
+                <a:latin typeface="Courier New" panose="02070309020205020404" pitchFamily="49" charset="0"/>
+              </a:rPr>
+              <a:t> total</a:t>
+            </a:r>
+          </a:p>
+          <a:p>
+            <a:endParaRPr lang="en-GB" sz="1200" dirty="0">
+              <a:solidFill>
+                <a:srgbClr val="000000"/>
+              </a:solidFill>
+              <a:highlight>
+                <a:srgbClr val="FFFFFF"/>
+              </a:highlight>
+              <a:latin typeface="Courier New" panose="02070309020205020404" pitchFamily="49" charset="0"/>
+            </a:endParaRPr>
+          </a:p>
+          <a:p>
+            <a:r>
+              <a:rPr lang="en-GB" sz="1200" dirty="0">
+                <a:solidFill>
+                  <a:srgbClr val="000000"/>
+                </a:solidFill>
+                <a:highlight>
+                  <a:srgbClr val="FFFFFF"/>
+                </a:highlight>
+                <a:latin typeface="Courier New" panose="02070309020205020404" pitchFamily="49" charset="0"/>
+              </a:rPr>
+              <a:t>value = </a:t>
+            </a:r>
+            <a:r>
+              <a:rPr lang="en-GB" sz="1200" b="1" dirty="0">
+                <a:solidFill>
+                  <a:srgbClr val="0000FF"/>
+                </a:solidFill>
+                <a:highlight>
+                  <a:srgbClr val="FFFFFF"/>
+                </a:highlight>
+                <a:latin typeface="Courier New" panose="02070309020205020404" pitchFamily="49" charset="0"/>
+              </a:rPr>
+              <a:t>input</a:t>
+            </a:r>
+            <a:r>
+              <a:rPr lang="en-GB" sz="1200" dirty="0">
+                <a:solidFill>
+                  <a:srgbClr val="000000"/>
+                </a:solidFill>
+                <a:highlight>
+                  <a:srgbClr val="FFFFFF"/>
+                </a:highlight>
+                <a:latin typeface="Courier New" panose="02070309020205020404" pitchFamily="49" charset="0"/>
+              </a:rPr>
+              <a:t>(</a:t>
+            </a:r>
+            <a:r>
+              <a:rPr lang="en-GB" sz="1200" dirty="0">
+                <a:solidFill>
+                  <a:srgbClr val="FF0000"/>
+                </a:solidFill>
+                <a:highlight>
+                  <a:srgbClr val="FFFFFF"/>
+                </a:highlight>
+                <a:latin typeface="Courier New" panose="02070309020205020404" pitchFamily="49" charset="0"/>
+              </a:rPr>
+              <a:t>'Upper bound\n'</a:t>
+            </a:r>
+            <a:r>
+              <a:rPr lang="en-GB" sz="1200" dirty="0">
+                <a:solidFill>
+                  <a:schemeClr val="tx1">
+                    <a:lumMod val="95000"/>
+                    <a:lumOff val="5000"/>
+                  </a:schemeClr>
+                </a:solidFill>
+                <a:highlight>
+                  <a:srgbClr val="FFFFFF"/>
+                </a:highlight>
+                <a:latin typeface="Courier New" panose="02070309020205020404" pitchFamily="49" charset="0"/>
+              </a:rPr>
+              <a:t>)</a:t>
+            </a:r>
+          </a:p>
+          <a:p>
+            <a:r>
+              <a:rPr lang="en-GB" sz="1200" b="1" dirty="0" smtClean="0">
+                <a:solidFill>
+                  <a:srgbClr val="0000FF"/>
+                </a:solidFill>
+                <a:highlight>
+                  <a:srgbClr val="FFFFFF"/>
+                </a:highlight>
+                <a:latin typeface="Courier New" panose="02070309020205020404" pitchFamily="49" charset="0"/>
+              </a:rPr>
+              <a:t>print</a:t>
+            </a:r>
+            <a:r>
+              <a:rPr lang="en-GB" sz="1200" dirty="0" smtClean="0">
+                <a:solidFill>
+                  <a:srgbClr val="000000"/>
+                </a:solidFill>
+                <a:highlight>
+                  <a:srgbClr val="FFFFFF"/>
+                </a:highlight>
+                <a:latin typeface="Courier New" panose="02070309020205020404" pitchFamily="49" charset="0"/>
+              </a:rPr>
+              <a:t>(summer(value</a:t>
+            </a:r>
+            <a:r>
+              <a:rPr lang="en-GB" sz="1200" dirty="0">
+                <a:solidFill>
+                  <a:srgbClr val="000000"/>
+                </a:solidFill>
+                <a:highlight>
+                  <a:srgbClr val="FFFFFF"/>
+                </a:highlight>
+                <a:latin typeface="Courier New" panose="02070309020205020404" pitchFamily="49" charset="0"/>
+              </a:rPr>
+              <a:t>))</a:t>
+            </a:r>
+            <a:endParaRPr lang="en-US" sz="1200" dirty="0">
+              <a:solidFill>
+                <a:srgbClr val="000000"/>
+              </a:solidFill>
+              <a:highlight>
+                <a:srgbClr val="FFFFFF"/>
+              </a:highlight>
+              <a:latin typeface="Courier New" panose="02070309020205020404" pitchFamily="49" charset="0"/>
+            </a:endParaRPr>
           </a:p>
         </p:txBody>
       </p:sp>
     </p:spTree>
     <p:extLst>
       <p:ext uri="{BB962C8B-B14F-4D97-AF65-F5344CB8AC3E}">
-        <p14:creationId xmlns:p14="http://schemas.microsoft.com/office/powerpoint/2010/main" val="3799788725"/>
+        <p14:creationId xmlns:p14="http://schemas.microsoft.com/office/powerpoint/2010/main" val="569879142"/>
       </p:ext>
     </p:extLst>
   </p:cSld>
@@ -39290,6 +42910,76 @@
 </file>
 
 <file path=ppt/slides/slide84.xml><?xml version="1.0" encoding="utf-8"?>
+<p:sld xmlns:a="http://schemas.openxmlformats.org/drawingml/2006/main" xmlns:r="http://schemas.openxmlformats.org/officeDocument/2006/relationships" xmlns:p="http://schemas.openxmlformats.org/presentationml/2006/main">
+  <p:cSld>
+    <p:spTree>
+      <p:nvGrpSpPr>
+        <p:cNvPr id="1" name=""/>
+        <p:cNvGrpSpPr/>
+        <p:nvPr/>
+      </p:nvGrpSpPr>
+      <p:grpSpPr>
+        <a:xfrm>
+          <a:off x="0" y="0"/>
+          <a:ext cx="0" cy="0"/>
+          <a:chOff x="0" y="0"/>
+          <a:chExt cx="0" cy="0"/>
+        </a:xfrm>
+      </p:grpSpPr>
+      <p:sp>
+        <p:nvSpPr>
+          <p:cNvPr id="4" name="Title 3"/>
+          <p:cNvSpPr>
+            <a:spLocks noGrp="1"/>
+          </p:cNvSpPr>
+          <p:nvPr>
+            <p:ph type="title"/>
+          </p:nvPr>
+        </p:nvSpPr>
+        <p:spPr/>
+        <p:txBody>
+          <a:bodyPr>
+            <a:normAutofit/>
+          </a:bodyPr>
+          <a:lstStyle/>
+          <a:p>
+            <a:r>
+              <a:rPr lang="en-US" dirty="0" smtClean="0">
+                <a:solidFill>
+                  <a:srgbClr val="C4A174"/>
+                </a:solidFill>
+              </a:rPr>
+              <a:t>Exercise:</a:t>
+            </a:r>
+            <a:r>
+              <a:rPr lang="en-US" dirty="0" smtClean="0"/>
+              <a:t> Functions</a:t>
+            </a:r>
+            <a:endParaRPr lang="en-US" dirty="0"/>
+          </a:p>
+        </p:txBody>
+      </p:sp>
+    </p:spTree>
+    <p:extLst>
+      <p:ext uri="{BB962C8B-B14F-4D97-AF65-F5344CB8AC3E}">
+        <p14:creationId xmlns:p14="http://schemas.microsoft.com/office/powerpoint/2010/main" val="1638318231"/>
+      </p:ext>
+    </p:extLst>
+  </p:cSld>
+  <p:clrMapOvr>
+    <a:masterClrMapping/>
+  </p:clrMapOvr>
+  <p:timing>
+    <p:tnLst>
+      <p:par>
+        <p:cTn id="1" dur="indefinite" restart="never" nodeType="tmRoot"/>
+      </p:par>
+    </p:tnLst>
+  </p:timing>
+</p:sld>
+</file>
+
+<file path=ppt/slides/slide85.xml><?xml version="1.0" encoding="utf-8"?>
 <p:sld xmlns:a="http://schemas.openxmlformats.org/drawingml/2006/main" xmlns:r="http://schemas.openxmlformats.org/officeDocument/2006/relationships" xmlns:p="http://schemas.openxmlformats.org/presentationml/2006/main">
   <p:cSld>
     <p:bg>
@@ -39326,10 +43016,64 @@
         </p:nvSpPr>
         <p:spPr/>
         <p:txBody>
-          <a:bodyPr/>
+          <a:bodyPr>
+            <a:normAutofit/>
+          </a:bodyPr>
           <a:lstStyle/>
           <a:p>
-            <a:endParaRPr lang="en-US" dirty="0"/>
+            <a:r>
+              <a:rPr lang="en-US" dirty="0" smtClean="0"/>
+              <a:t>What is a module?</a:t>
+            </a:r>
+          </a:p>
+          <a:p>
+            <a:pPr lvl="1"/>
+            <a:r>
+              <a:rPr lang="en-US" dirty="0" smtClean="0"/>
+              <a:t>A file containing Python definitions and statements</a:t>
+            </a:r>
+          </a:p>
+          <a:p>
+            <a:pPr lvl="1"/>
+            <a:r>
+              <a:rPr lang="en-US" dirty="0" smtClean="0"/>
+              <a:t>Module files have the .</a:t>
+            </a:r>
+            <a:r>
+              <a:rPr lang="en-US" dirty="0" err="1" smtClean="0"/>
+              <a:t>py</a:t>
+            </a:r>
+            <a:r>
+              <a:rPr lang="en-US" dirty="0" smtClean="0"/>
+              <a:t> extension, e.g. mymodule.py</a:t>
+            </a:r>
+          </a:p>
+          <a:p>
+            <a:r>
+              <a:rPr lang="en-US" dirty="0" smtClean="0"/>
+              <a:t>Why do we use them?</a:t>
+            </a:r>
+          </a:p>
+          <a:p>
+            <a:pPr lvl="1"/>
+            <a:r>
+              <a:rPr lang="en-US" dirty="0" smtClean="0"/>
+              <a:t>Provide reusable code</a:t>
+            </a:r>
+          </a:p>
+          <a:p>
+            <a:pPr lvl="1"/>
+            <a:r>
+              <a:rPr lang="en-US" dirty="0" smtClean="0"/>
+              <a:t>Prevent code duplication</a:t>
+            </a:r>
+          </a:p>
+          <a:p>
+            <a:pPr lvl="1"/>
+            <a:r>
+              <a:rPr lang="en-US" dirty="0" smtClean="0"/>
+              <a:t>Split application code into functional groups</a:t>
+            </a:r>
           </a:p>
         </p:txBody>
       </p:sp>
@@ -39350,7 +43094,15 @@
           <a:p>
             <a:r>
               <a:rPr lang="en-US" dirty="0" smtClean="0"/>
-              <a:t>Functions: Examples</a:t>
+              <a:t>Libraries, </a:t>
+            </a:r>
+            <a:r>
+              <a:rPr lang="en-US" dirty="0" err="1" smtClean="0"/>
+              <a:t>a.k.a</a:t>
+            </a:r>
+            <a:r>
+              <a:rPr lang="en-US" dirty="0" smtClean="0"/>
+              <a:t> Modules</a:t>
             </a:r>
             <a:endParaRPr lang="en-US" dirty="0"/>
           </a:p>
@@ -39359,77 +43111,7 @@
     </p:spTree>
     <p:extLst>
       <p:ext uri="{BB962C8B-B14F-4D97-AF65-F5344CB8AC3E}">
-        <p14:creationId xmlns:p14="http://schemas.microsoft.com/office/powerpoint/2010/main" val="569879142"/>
-      </p:ext>
-    </p:extLst>
-  </p:cSld>
-  <p:clrMapOvr>
-    <a:masterClrMapping/>
-  </p:clrMapOvr>
-  <p:timing>
-    <p:tnLst>
-      <p:par>
-        <p:cTn id="1" dur="indefinite" restart="never" nodeType="tmRoot"/>
-      </p:par>
-    </p:tnLst>
-  </p:timing>
-</p:sld>
-</file>
-
-<file path=ppt/slides/slide85.xml><?xml version="1.0" encoding="utf-8"?>
-<p:sld xmlns:a="http://schemas.openxmlformats.org/drawingml/2006/main" xmlns:r="http://schemas.openxmlformats.org/officeDocument/2006/relationships" xmlns:p="http://schemas.openxmlformats.org/presentationml/2006/main">
-  <p:cSld>
-    <p:spTree>
-      <p:nvGrpSpPr>
-        <p:cNvPr id="1" name=""/>
-        <p:cNvGrpSpPr/>
-        <p:nvPr/>
-      </p:nvGrpSpPr>
-      <p:grpSpPr>
-        <a:xfrm>
-          <a:off x="0" y="0"/>
-          <a:ext cx="0" cy="0"/>
-          <a:chOff x="0" y="0"/>
-          <a:chExt cx="0" cy="0"/>
-        </a:xfrm>
-      </p:grpSpPr>
-      <p:sp>
-        <p:nvSpPr>
-          <p:cNvPr id="4" name="Title 3"/>
-          <p:cNvSpPr>
-            <a:spLocks noGrp="1"/>
-          </p:cNvSpPr>
-          <p:nvPr>
-            <p:ph type="title"/>
-          </p:nvPr>
-        </p:nvSpPr>
-        <p:spPr/>
-        <p:txBody>
-          <a:bodyPr>
-            <a:normAutofit/>
-          </a:bodyPr>
-          <a:lstStyle/>
-          <a:p>
-            <a:r>
-              <a:rPr lang="en-US" dirty="0" smtClean="0">
-                <a:solidFill>
-                  <a:srgbClr val="C4A174"/>
-                </a:solidFill>
-              </a:rPr>
-              <a:t>Exercise:</a:t>
-            </a:r>
-            <a:r>
-              <a:rPr lang="en-US" dirty="0" smtClean="0"/>
-              <a:t> Functions</a:t>
-            </a:r>
-            <a:endParaRPr lang="en-US" dirty="0"/>
-          </a:p>
-        </p:txBody>
-      </p:sp>
-    </p:spTree>
-    <p:extLst>
-      <p:ext uri="{BB962C8B-B14F-4D97-AF65-F5344CB8AC3E}">
-        <p14:creationId xmlns:p14="http://schemas.microsoft.com/office/powerpoint/2010/main" val="1638318231"/>
+        <p14:creationId xmlns:p14="http://schemas.microsoft.com/office/powerpoint/2010/main" val="1762627127"/>
       </p:ext>
     </p:extLst>
   </p:cSld>
@@ -39481,65 +43163,80 @@
             <p:ph idx="1"/>
           </p:nvPr>
         </p:nvSpPr>
-        <p:spPr/>
+        <p:spPr>
+          <a:xfrm>
+            <a:off x="1007436" y="1556792"/>
+            <a:ext cx="10574965" cy="4569373"/>
+          </a:xfrm>
+        </p:spPr>
         <p:txBody>
           <a:bodyPr>
-            <a:normAutofit/>
+            <a:normAutofit lnSpcReduction="10000"/>
           </a:bodyPr>
           <a:lstStyle/>
           <a:p>
             <a:r>
               <a:rPr lang="en-US" dirty="0" smtClean="0"/>
-              <a:t>What is a module?</a:t>
+              <a:t>Where to get them</a:t>
             </a:r>
           </a:p>
           <a:p>
             <a:pPr lvl="1"/>
             <a:r>
+              <a:rPr lang="en-US" dirty="0" err="1" smtClean="0"/>
+              <a:t>Github</a:t>
+            </a:r>
+            <a:endParaRPr lang="en-US" dirty="0" smtClean="0"/>
+          </a:p>
+          <a:p>
+            <a:pPr lvl="1"/>
+            <a:r>
               <a:rPr lang="en-US" dirty="0" smtClean="0"/>
-              <a:t>A file containing Python definitions and statements</a:t>
+              <a:t>Pip</a:t>
             </a:r>
           </a:p>
           <a:p>
             <a:pPr lvl="1"/>
             <a:r>
+              <a:rPr lang="en-US" dirty="0" err="1" smtClean="0"/>
+              <a:t>Bitbucket</a:t>
+            </a:r>
+            <a:endParaRPr lang="en-US" dirty="0" smtClean="0"/>
+          </a:p>
+          <a:p>
+            <a:pPr lvl="1"/>
+            <a:r>
+              <a:rPr lang="en-US" dirty="0" err="1" smtClean="0"/>
+              <a:t>PyPi</a:t>
+            </a:r>
+            <a:endParaRPr lang="en-US" dirty="0" smtClean="0"/>
+          </a:p>
+          <a:p>
+            <a:r>
               <a:rPr lang="en-US" dirty="0" smtClean="0"/>
-              <a:t>Module files have the .</a:t>
-            </a:r>
-            <a:r>
-              <a:rPr lang="en-US" dirty="0" err="1" smtClean="0"/>
-              <a:t>py</a:t>
-            </a:r>
+              <a:t>Concerns</a:t>
+            </a:r>
+          </a:p>
+          <a:p>
+            <a:pPr lvl="1"/>
             <a:r>
               <a:rPr lang="en-US" dirty="0" smtClean="0"/>
-              <a:t> extension, e.g. mymodule.py</a:t>
-            </a:r>
-          </a:p>
-          <a:p>
+              <a:t>Black boxing</a:t>
+            </a:r>
+          </a:p>
+          <a:p>
+            <a:pPr lvl="1"/>
             <a:r>
               <a:rPr lang="en-US" dirty="0" smtClean="0"/>
-              <a:t>Why do we use them?</a:t>
-            </a:r>
+              <a:t>Security</a:t>
+            </a:r>
+            <a:endParaRPr lang="en-US" dirty="0"/>
           </a:p>
           <a:p>
             <a:pPr lvl="1"/>
             <a:r>
               <a:rPr lang="en-US" dirty="0" smtClean="0"/>
-              <a:t>Provide reusable code</a:t>
-            </a:r>
-          </a:p>
-          <a:p>
-            <a:pPr lvl="1"/>
-            <a:r>
-              <a:rPr lang="en-US" dirty="0" smtClean="0"/>
-              <a:t>Prevent code duplication</a:t>
-            </a:r>
-          </a:p>
-          <a:p>
-            <a:pPr lvl="1"/>
-            <a:r>
-              <a:rPr lang="en-US" dirty="0" smtClean="0"/>
-              <a:t>Split application code into functional groups</a:t>
+              <a:t>Support</a:t>
             </a:r>
           </a:p>
         </p:txBody>
@@ -39578,7 +43275,7 @@
     </p:spTree>
     <p:extLst>
       <p:ext uri="{BB962C8B-B14F-4D97-AF65-F5344CB8AC3E}">
-        <p14:creationId xmlns:p14="http://schemas.microsoft.com/office/powerpoint/2010/main" val="1762627127"/>
+        <p14:creationId xmlns:p14="http://schemas.microsoft.com/office/powerpoint/2010/main" val="4016755990"/>
       </p:ext>
     </p:extLst>
   </p:cSld>
@@ -39638,73 +43335,107 @@
         </p:spPr>
         <p:txBody>
           <a:bodyPr>
-            <a:normAutofit lnSpcReduction="10000"/>
+            <a:normAutofit/>
           </a:bodyPr>
           <a:lstStyle/>
           <a:p>
             <a:r>
               <a:rPr lang="en-US" dirty="0" smtClean="0"/>
-              <a:t>Where to get them</a:t>
+              <a:t>Example libraries</a:t>
             </a:r>
           </a:p>
           <a:p>
             <a:pPr lvl="1"/>
+            <a:r>
+              <a:rPr lang="en-US" dirty="0" err="1" smtClean="0"/>
+              <a:t>pyOpenSSL</a:t>
+            </a:r>
+            <a:endParaRPr lang="en-US" dirty="0" smtClean="0"/>
+          </a:p>
+          <a:p>
+            <a:pPr lvl="1"/>
+            <a:r>
+              <a:rPr lang="en-US" dirty="0" err="1" smtClean="0"/>
+              <a:t>Django</a:t>
+            </a:r>
+            <a:endParaRPr lang="en-US" dirty="0" smtClean="0"/>
+          </a:p>
+          <a:p>
+            <a:pPr lvl="1"/>
+            <a:r>
+              <a:rPr lang="en-US" dirty="0" smtClean="0"/>
+              <a:t>MySQL-python</a:t>
+            </a:r>
+          </a:p>
+          <a:p>
+            <a:pPr lvl="1"/>
+            <a:r>
+              <a:rPr lang="en-US" dirty="0" err="1" smtClean="0"/>
+              <a:t>Plotly</a:t>
+            </a:r>
+            <a:endParaRPr lang="en-US" dirty="0" smtClean="0"/>
+          </a:p>
+          <a:p>
+            <a:pPr lvl="1"/>
+            <a:r>
+              <a:rPr lang="en-US" dirty="0" smtClean="0"/>
+              <a:t>Requests</a:t>
+            </a:r>
+          </a:p>
+          <a:p>
+            <a:pPr lvl="1"/>
+            <a:r>
+              <a:rPr lang="en-US" dirty="0" smtClean="0"/>
+              <a:t>Beautiful </a:t>
+            </a:r>
+            <a:r>
+              <a:rPr lang="en-US" dirty="0" smtClean="0"/>
+              <a:t>Soup</a:t>
+            </a:r>
+          </a:p>
+          <a:p>
+            <a:pPr lvl="1"/>
+            <a:r>
+              <a:rPr lang="en-US" dirty="0" smtClean="0"/>
+              <a:t>APIs such as Google, Facebook, </a:t>
+            </a:r>
+            <a:r>
+              <a:rPr lang="en-US" dirty="0" err="1" smtClean="0"/>
+              <a:t>Reddit</a:t>
+            </a:r>
+            <a:r>
+              <a:rPr lang="en-US" dirty="0" smtClean="0"/>
+              <a:t>, </a:t>
+            </a:r>
+            <a:r>
+              <a:rPr lang="en-US" dirty="0" err="1" smtClean="0"/>
+              <a:t>Tumblr</a:t>
+            </a:r>
+            <a:r>
+              <a:rPr lang="en-US" dirty="0" smtClean="0"/>
+              <a:t>, </a:t>
+            </a:r>
             <a:r>
               <a:rPr lang="en-US" dirty="0" err="1" smtClean="0"/>
               <a:t>Github</a:t>
             </a:r>
+            <a:r>
+              <a:rPr lang="en-US" dirty="0"/>
+              <a:t> </a:t>
+            </a:r>
+            <a:r>
+              <a:rPr lang="en-US" dirty="0" smtClean="0"/>
+              <a:t>and more</a:t>
+            </a:r>
             <a:endParaRPr lang="en-US" dirty="0" smtClean="0"/>
           </a:p>
           <a:p>
             <a:pPr lvl="1"/>
-            <a:r>
-              <a:rPr lang="en-US" dirty="0" smtClean="0"/>
-              <a:t>Pip</a:t>
-            </a:r>
+            <a:endParaRPr lang="en-US" dirty="0" smtClean="0"/>
           </a:p>
           <a:p>
             <a:pPr lvl="1"/>
-            <a:r>
-              <a:rPr lang="en-US" dirty="0" err="1" smtClean="0"/>
-              <a:t>Bitbucket</a:t>
-            </a:r>
             <a:endParaRPr lang="en-US" dirty="0" smtClean="0"/>
-          </a:p>
-          <a:p>
-            <a:pPr lvl="1"/>
-            <a:r>
-              <a:rPr lang="en-US" dirty="0" err="1" smtClean="0"/>
-              <a:t>PyPi</a:t>
-            </a:r>
-            <a:endParaRPr lang="en-US" dirty="0" smtClean="0"/>
-          </a:p>
-          <a:p>
-            <a:r>
-              <a:rPr lang="en-US" dirty="0" smtClean="0"/>
-              <a:t>Concerns</a:t>
-            </a:r>
-          </a:p>
-          <a:p>
-            <a:pPr lvl="1"/>
-            <a:r>
-              <a:rPr lang="en-US" dirty="0" smtClean="0"/>
-              <a:t>Black boxing</a:t>
-            </a:r>
-          </a:p>
-          <a:p>
-            <a:pPr lvl="1"/>
-            <a:r>
-              <a:rPr lang="en-US" dirty="0" smtClean="0"/>
-              <a:t>Security</a:t>
-            </a:r>
-            <a:endParaRPr lang="en-US" dirty="0"/>
-          </a:p>
-          <a:p>
-            <a:pPr lvl="1"/>
-            <a:r>
-              <a:rPr lang="en-US" dirty="0" smtClean="0"/>
-              <a:t>Support</a:t>
-            </a:r>
           </a:p>
         </p:txBody>
       </p:sp>
@@ -39742,7 +43473,7 @@
     </p:spTree>
     <p:extLst>
       <p:ext uri="{BB962C8B-B14F-4D97-AF65-F5344CB8AC3E}">
-        <p14:creationId xmlns:p14="http://schemas.microsoft.com/office/powerpoint/2010/main" val="4016755990"/>
+        <p14:creationId xmlns:p14="http://schemas.microsoft.com/office/powerpoint/2010/main" val="2118525289"/>
       </p:ext>
     </p:extLst>
   </p:cSld>
@@ -39786,88 +43517,6 @@
       </p:grpSpPr>
       <p:sp>
         <p:nvSpPr>
-          <p:cNvPr id="4" name="Content Placeholder 3"/>
-          <p:cNvSpPr>
-            <a:spLocks noGrp="1"/>
-          </p:cNvSpPr>
-          <p:nvPr>
-            <p:ph idx="1"/>
-          </p:nvPr>
-        </p:nvSpPr>
-        <p:spPr>
-          <a:xfrm>
-            <a:off x="1007436" y="1556792"/>
-            <a:ext cx="10574965" cy="4569373"/>
-          </a:xfrm>
-        </p:spPr>
-        <p:txBody>
-          <a:bodyPr>
-            <a:normAutofit/>
-          </a:bodyPr>
-          <a:lstStyle/>
-          <a:p>
-            <a:r>
-              <a:rPr lang="en-US" dirty="0" smtClean="0"/>
-              <a:t>Example libraries</a:t>
-            </a:r>
-          </a:p>
-          <a:p>
-            <a:pPr lvl="1"/>
-            <a:r>
-              <a:rPr lang="en-US" dirty="0" err="1" smtClean="0"/>
-              <a:t>pyOpenSSL</a:t>
-            </a:r>
-            <a:endParaRPr lang="en-US" dirty="0" smtClean="0"/>
-          </a:p>
-          <a:p>
-            <a:pPr lvl="1"/>
-            <a:r>
-              <a:rPr lang="en-US" dirty="0" err="1" smtClean="0"/>
-              <a:t>Django</a:t>
-            </a:r>
-            <a:endParaRPr lang="en-US" dirty="0" smtClean="0"/>
-          </a:p>
-          <a:p>
-            <a:pPr lvl="1"/>
-            <a:r>
-              <a:rPr lang="en-US" dirty="0" smtClean="0"/>
-              <a:t>MySQL-python</a:t>
-            </a:r>
-          </a:p>
-          <a:p>
-            <a:pPr lvl="1"/>
-            <a:r>
-              <a:rPr lang="en-US" dirty="0" err="1" smtClean="0"/>
-              <a:t>Plotly</a:t>
-            </a:r>
-            <a:endParaRPr lang="en-US" dirty="0" smtClean="0"/>
-          </a:p>
-          <a:p>
-            <a:pPr lvl="1"/>
-            <a:r>
-              <a:rPr lang="en-US" dirty="0" smtClean="0"/>
-              <a:t>Requests</a:t>
-            </a:r>
-          </a:p>
-          <a:p>
-            <a:pPr lvl="1"/>
-            <a:r>
-              <a:rPr lang="en-US" dirty="0" smtClean="0"/>
-              <a:t>Beautiful Soup</a:t>
-            </a:r>
-          </a:p>
-          <a:p>
-            <a:pPr lvl="1"/>
-            <a:endParaRPr lang="en-US" dirty="0" smtClean="0"/>
-          </a:p>
-          <a:p>
-            <a:pPr lvl="1"/>
-            <a:endParaRPr lang="en-US" dirty="0" smtClean="0"/>
-          </a:p>
-        </p:txBody>
-      </p:sp>
-      <p:sp>
-        <p:nvSpPr>
           <p:cNvPr id="3" name="Title 2"/>
           <p:cNvSpPr>
             <a:spLocks noGrp="1"/>
@@ -39883,24 +43532,849 @@
           <a:p>
             <a:r>
               <a:rPr lang="en-US" dirty="0" smtClean="0"/>
-              <a:t>Libraries, </a:t>
-            </a:r>
-            <a:r>
-              <a:rPr lang="en-US" dirty="0" err="1" smtClean="0"/>
-              <a:t>a.k.a</a:t>
-            </a:r>
-            <a:r>
-              <a:rPr lang="en-US" dirty="0" smtClean="0"/>
-              <a:t> Modules</a:t>
+              <a:t>Libraries: Examples</a:t>
             </a:r>
             <a:endParaRPr lang="en-US" dirty="0"/>
+          </a:p>
+        </p:txBody>
+      </p:sp>
+      <p:sp>
+        <p:nvSpPr>
+          <p:cNvPr id="5" name="Rectangle 4"/>
+          <p:cNvSpPr/>
+          <p:nvPr/>
+        </p:nvSpPr>
+        <p:spPr>
+          <a:xfrm>
+            <a:off x="3143672" y="1415673"/>
+            <a:ext cx="5472608" cy="4893647"/>
+          </a:xfrm>
+          <a:prstGeom prst="rect">
+            <a:avLst/>
+          </a:prstGeom>
+          <a:solidFill>
+            <a:schemeClr val="bg1"/>
+          </a:solidFill>
+          <a:ln w="28575">
+            <a:solidFill>
+              <a:srgbClr val="008000"/>
+            </a:solidFill>
+          </a:ln>
+          <a:effectLst>
+            <a:outerShdw blurRad="50800" dist="38100" dir="2700000" algn="tl" rotWithShape="0">
+              <a:prstClr val="black">
+                <a:alpha val="40000"/>
+              </a:prstClr>
+            </a:outerShdw>
+          </a:effectLst>
+        </p:spPr>
+        <p:txBody>
+          <a:bodyPr wrap="square">
+            <a:spAutoFit/>
+          </a:bodyPr>
+          <a:lstStyle/>
+          <a:p>
+            <a:r>
+              <a:rPr lang="en-US" sz="1200" dirty="0">
+                <a:solidFill>
+                  <a:srgbClr val="008000"/>
+                </a:solidFill>
+                <a:highlight>
+                  <a:srgbClr val="FFFFFF"/>
+                </a:highlight>
+                <a:latin typeface="Courier New" panose="02070309020205020404" pitchFamily="49" charset="0"/>
+              </a:rPr>
+              <a:t># Simple example of using a library to generate a graph</a:t>
+            </a:r>
+          </a:p>
+          <a:p>
+            <a:endParaRPr lang="en-US" sz="1200" dirty="0">
+              <a:solidFill>
+                <a:srgbClr val="000000"/>
+              </a:solidFill>
+              <a:highlight>
+                <a:srgbClr val="FFFFFF"/>
+              </a:highlight>
+              <a:latin typeface="Courier New" panose="02070309020205020404" pitchFamily="49" charset="0"/>
+            </a:endParaRPr>
+          </a:p>
+          <a:p>
+            <a:r>
+              <a:rPr lang="en-US" sz="1200" b="1" dirty="0">
+                <a:solidFill>
+                  <a:srgbClr val="0000FF"/>
+                </a:solidFill>
+                <a:highlight>
+                  <a:srgbClr val="FFFFFF"/>
+                </a:highlight>
+                <a:latin typeface="Courier New" panose="02070309020205020404" pitchFamily="49" charset="0"/>
+              </a:rPr>
+              <a:t>import</a:t>
+            </a:r>
+            <a:r>
+              <a:rPr lang="en-US" sz="1200" dirty="0">
+                <a:solidFill>
+                  <a:srgbClr val="000000"/>
+                </a:solidFill>
+                <a:highlight>
+                  <a:srgbClr val="FFFFFF"/>
+                </a:highlight>
+                <a:latin typeface="Courier New" panose="02070309020205020404" pitchFamily="49" charset="0"/>
+              </a:rPr>
+              <a:t> </a:t>
+            </a:r>
+            <a:r>
+              <a:rPr lang="en-US" sz="1200" dirty="0" err="1">
+                <a:solidFill>
+                  <a:srgbClr val="000000"/>
+                </a:solidFill>
+                <a:highlight>
+                  <a:srgbClr val="FFFFFF"/>
+                </a:highlight>
+                <a:latin typeface="Courier New" panose="02070309020205020404" pitchFamily="49" charset="0"/>
+              </a:rPr>
+              <a:t>plotly</a:t>
+            </a:r>
+            <a:r>
+              <a:rPr lang="en-US" sz="1200" dirty="0">
+                <a:solidFill>
+                  <a:srgbClr val="000000"/>
+                </a:solidFill>
+                <a:highlight>
+                  <a:srgbClr val="FFFFFF"/>
+                </a:highlight>
+                <a:latin typeface="Courier New" panose="02070309020205020404" pitchFamily="49" charset="0"/>
+              </a:rPr>
+              <a:t> </a:t>
+            </a:r>
+            <a:r>
+              <a:rPr lang="en-US" sz="1200" b="1" dirty="0">
+                <a:solidFill>
+                  <a:srgbClr val="0000FF"/>
+                </a:solidFill>
+                <a:highlight>
+                  <a:srgbClr val="FFFFFF"/>
+                </a:highlight>
+                <a:latin typeface="Courier New" panose="02070309020205020404" pitchFamily="49" charset="0"/>
+              </a:rPr>
+              <a:t>as</a:t>
+            </a:r>
+            <a:r>
+              <a:rPr lang="en-US" sz="1200" dirty="0">
+                <a:solidFill>
+                  <a:srgbClr val="000000"/>
+                </a:solidFill>
+                <a:highlight>
+                  <a:srgbClr val="FFFFFF"/>
+                </a:highlight>
+                <a:latin typeface="Courier New" panose="02070309020205020404" pitchFamily="49" charset="0"/>
+              </a:rPr>
+              <a:t> </a:t>
+            </a:r>
+            <a:r>
+              <a:rPr lang="en-US" sz="1200" dirty="0" err="1">
+                <a:solidFill>
+                  <a:srgbClr val="000000"/>
+                </a:solidFill>
+                <a:highlight>
+                  <a:srgbClr val="FFFFFF"/>
+                </a:highlight>
+                <a:latin typeface="Courier New" panose="02070309020205020404" pitchFamily="49" charset="0"/>
+              </a:rPr>
+              <a:t>py</a:t>
+            </a:r>
+            <a:endParaRPr lang="en-US" sz="1200" dirty="0">
+              <a:solidFill>
+                <a:srgbClr val="000000"/>
+              </a:solidFill>
+              <a:highlight>
+                <a:srgbClr val="FFFFFF"/>
+              </a:highlight>
+              <a:latin typeface="Courier New" panose="02070309020205020404" pitchFamily="49" charset="0"/>
+            </a:endParaRPr>
+          </a:p>
+          <a:p>
+            <a:r>
+              <a:rPr lang="en-US" sz="1200" b="1" dirty="0">
+                <a:solidFill>
+                  <a:srgbClr val="0000FF"/>
+                </a:solidFill>
+                <a:highlight>
+                  <a:srgbClr val="FFFFFF"/>
+                </a:highlight>
+                <a:latin typeface="Courier New" panose="02070309020205020404" pitchFamily="49" charset="0"/>
+              </a:rPr>
+              <a:t>import</a:t>
+            </a:r>
+            <a:r>
+              <a:rPr lang="en-US" sz="1200" dirty="0">
+                <a:solidFill>
+                  <a:srgbClr val="000000"/>
+                </a:solidFill>
+                <a:highlight>
+                  <a:srgbClr val="FFFFFF"/>
+                </a:highlight>
+                <a:latin typeface="Courier New" panose="02070309020205020404" pitchFamily="49" charset="0"/>
+              </a:rPr>
+              <a:t> </a:t>
+            </a:r>
+            <a:r>
+              <a:rPr lang="en-US" sz="1200" dirty="0" err="1">
+                <a:solidFill>
+                  <a:srgbClr val="000000"/>
+                </a:solidFill>
+                <a:highlight>
+                  <a:srgbClr val="FFFFFF"/>
+                </a:highlight>
+                <a:latin typeface="Courier New" panose="02070309020205020404" pitchFamily="49" charset="0"/>
+              </a:rPr>
+              <a:t>plotly.graph_objs</a:t>
+            </a:r>
+            <a:r>
+              <a:rPr lang="en-US" sz="1200" dirty="0">
+                <a:solidFill>
+                  <a:srgbClr val="000000"/>
+                </a:solidFill>
+                <a:highlight>
+                  <a:srgbClr val="FFFFFF"/>
+                </a:highlight>
+                <a:latin typeface="Courier New" panose="02070309020205020404" pitchFamily="49" charset="0"/>
+              </a:rPr>
+              <a:t> </a:t>
+            </a:r>
+            <a:r>
+              <a:rPr lang="en-US" sz="1200" b="1" dirty="0">
+                <a:solidFill>
+                  <a:srgbClr val="0000FF"/>
+                </a:solidFill>
+                <a:highlight>
+                  <a:srgbClr val="FFFFFF"/>
+                </a:highlight>
+                <a:latin typeface="Courier New" panose="02070309020205020404" pitchFamily="49" charset="0"/>
+              </a:rPr>
+              <a:t>as</a:t>
+            </a:r>
+            <a:r>
+              <a:rPr lang="en-US" sz="1200" dirty="0">
+                <a:solidFill>
+                  <a:srgbClr val="000000"/>
+                </a:solidFill>
+                <a:highlight>
+                  <a:srgbClr val="FFFFFF"/>
+                </a:highlight>
+                <a:latin typeface="Courier New" panose="02070309020205020404" pitchFamily="49" charset="0"/>
+              </a:rPr>
+              <a:t> go</a:t>
+            </a:r>
+          </a:p>
+          <a:p>
+            <a:endParaRPr lang="en-US" sz="1200" dirty="0">
+              <a:solidFill>
+                <a:srgbClr val="000000"/>
+              </a:solidFill>
+              <a:highlight>
+                <a:srgbClr val="FFFFFF"/>
+              </a:highlight>
+              <a:latin typeface="Courier New" panose="02070309020205020404" pitchFamily="49" charset="0"/>
+            </a:endParaRPr>
+          </a:p>
+          <a:p>
+            <a:r>
+              <a:rPr lang="en-US" sz="1200" dirty="0">
+                <a:solidFill>
+                  <a:srgbClr val="000000"/>
+                </a:solidFill>
+                <a:highlight>
+                  <a:srgbClr val="FFFFFF"/>
+                </a:highlight>
+                <a:latin typeface="Courier New" panose="02070309020205020404" pitchFamily="49" charset="0"/>
+              </a:rPr>
+              <a:t>data1 = </a:t>
+            </a:r>
+            <a:r>
+              <a:rPr lang="en-US" sz="1200" dirty="0" err="1">
+                <a:solidFill>
+                  <a:srgbClr val="000000"/>
+                </a:solidFill>
+                <a:highlight>
+                  <a:srgbClr val="FFFFFF"/>
+                </a:highlight>
+                <a:latin typeface="Courier New" panose="02070309020205020404" pitchFamily="49" charset="0"/>
+              </a:rPr>
+              <a:t>go.Bar</a:t>
+            </a:r>
+            <a:r>
+              <a:rPr lang="en-US" sz="1200" dirty="0">
+                <a:solidFill>
+                  <a:srgbClr val="000000"/>
+                </a:solidFill>
+                <a:highlight>
+                  <a:srgbClr val="FFFFFF"/>
+                </a:highlight>
+                <a:latin typeface="Courier New" panose="02070309020205020404" pitchFamily="49" charset="0"/>
+              </a:rPr>
+              <a:t>(</a:t>
+            </a:r>
+          </a:p>
+          <a:p>
+            <a:r>
+              <a:rPr lang="en-US" sz="1200" dirty="0">
+                <a:solidFill>
+                  <a:srgbClr val="000000"/>
+                </a:solidFill>
+                <a:highlight>
+                  <a:srgbClr val="FFFFFF"/>
+                </a:highlight>
+                <a:latin typeface="Courier New" panose="02070309020205020404" pitchFamily="49" charset="0"/>
+              </a:rPr>
+              <a:t>        x=</a:t>
+            </a:r>
+            <a:r>
+              <a:rPr lang="en-US" sz="1200" dirty="0">
+                <a:solidFill>
+                  <a:srgbClr val="FF0000"/>
+                </a:solidFill>
+                <a:highlight>
+                  <a:srgbClr val="FFFFFF"/>
+                </a:highlight>
+                <a:latin typeface="Courier New" panose="02070309020205020404" pitchFamily="49" charset="0"/>
+              </a:rPr>
+              <a:t>['python','</a:t>
+            </a:r>
+            <a:r>
+              <a:rPr lang="en-US" sz="1200" dirty="0" err="1">
+                <a:solidFill>
+                  <a:srgbClr val="FF0000"/>
+                </a:solidFill>
+                <a:highlight>
+                  <a:srgbClr val="FFFFFF"/>
+                </a:highlight>
+                <a:latin typeface="Courier New" panose="02070309020205020404" pitchFamily="49" charset="0"/>
+              </a:rPr>
+              <a:t>javascript</a:t>
+            </a:r>
+            <a:r>
+              <a:rPr lang="en-US" sz="1200" dirty="0">
+                <a:solidFill>
+                  <a:srgbClr val="FF0000"/>
+                </a:solidFill>
+                <a:highlight>
+                  <a:srgbClr val="FFFFFF"/>
+                </a:highlight>
+                <a:latin typeface="Courier New" panose="02070309020205020404" pitchFamily="49" charset="0"/>
+              </a:rPr>
+              <a:t>','ruby']</a:t>
+            </a:r>
+            <a:r>
+              <a:rPr lang="en-US" sz="1200" dirty="0">
+                <a:solidFill>
+                  <a:srgbClr val="000000"/>
+                </a:solidFill>
+                <a:highlight>
+                  <a:srgbClr val="FFFFFF"/>
+                </a:highlight>
+                <a:latin typeface="Courier New" panose="02070309020205020404" pitchFamily="49" charset="0"/>
+              </a:rPr>
+              <a:t>,</a:t>
+            </a:r>
+          </a:p>
+          <a:p>
+            <a:r>
+              <a:rPr lang="en-US" sz="1200" dirty="0">
+                <a:solidFill>
+                  <a:srgbClr val="000000"/>
+                </a:solidFill>
+                <a:highlight>
+                  <a:srgbClr val="FFFFFF"/>
+                </a:highlight>
+                <a:latin typeface="Courier New" panose="02070309020205020404" pitchFamily="49" charset="0"/>
+              </a:rPr>
+              <a:t>        y=</a:t>
+            </a:r>
+            <a:r>
+              <a:rPr lang="en-US" sz="1200" dirty="0">
+                <a:solidFill>
+                  <a:srgbClr val="FF0000"/>
+                </a:solidFill>
+                <a:highlight>
+                  <a:srgbClr val="FFFFFF"/>
+                </a:highlight>
+                <a:latin typeface="Courier New" panose="02070309020205020404" pitchFamily="49" charset="0"/>
+              </a:rPr>
+              <a:t>[160,250,190]</a:t>
+            </a:r>
+            <a:r>
+              <a:rPr lang="en-US" sz="1200" dirty="0">
+                <a:solidFill>
+                  <a:srgbClr val="000000"/>
+                </a:solidFill>
+                <a:highlight>
+                  <a:srgbClr val="FFFFFF"/>
+                </a:highlight>
+                <a:latin typeface="Courier New" panose="02070309020205020404" pitchFamily="49" charset="0"/>
+              </a:rPr>
+              <a:t>,</a:t>
+            </a:r>
+          </a:p>
+          <a:p>
+            <a:r>
+              <a:rPr lang="en-US" sz="1200" dirty="0">
+                <a:solidFill>
+                  <a:srgbClr val="000000"/>
+                </a:solidFill>
+                <a:highlight>
+                  <a:srgbClr val="FFFFFF"/>
+                </a:highlight>
+                <a:latin typeface="Courier New" panose="02070309020205020404" pitchFamily="49" charset="0"/>
+              </a:rPr>
+              <a:t>        name=</a:t>
+            </a:r>
+            <a:r>
+              <a:rPr lang="en-US" sz="1200" dirty="0">
+                <a:solidFill>
+                  <a:srgbClr val="FF0000"/>
+                </a:solidFill>
+                <a:highlight>
+                  <a:srgbClr val="FFFFFF"/>
+                </a:highlight>
+                <a:latin typeface="Courier New" panose="02070309020205020404" pitchFamily="49" charset="0"/>
+              </a:rPr>
+              <a:t>'US'</a:t>
+            </a:r>
+          </a:p>
+          <a:p>
+            <a:r>
+              <a:rPr lang="en-US" sz="1200" dirty="0">
+                <a:solidFill>
+                  <a:srgbClr val="000000"/>
+                </a:solidFill>
+                <a:highlight>
+                  <a:srgbClr val="FFFFFF"/>
+                </a:highlight>
+                <a:latin typeface="Courier New" panose="02070309020205020404" pitchFamily="49" charset="0"/>
+              </a:rPr>
+              <a:t>)</a:t>
+            </a:r>
+          </a:p>
+          <a:p>
+            <a:endParaRPr lang="en-US" sz="1200" dirty="0">
+              <a:solidFill>
+                <a:srgbClr val="000000"/>
+              </a:solidFill>
+              <a:highlight>
+                <a:srgbClr val="FFFFFF"/>
+              </a:highlight>
+              <a:latin typeface="Courier New" panose="02070309020205020404" pitchFamily="49" charset="0"/>
+            </a:endParaRPr>
+          </a:p>
+          <a:p>
+            <a:r>
+              <a:rPr lang="en-US" sz="1200" dirty="0">
+                <a:solidFill>
+                  <a:srgbClr val="000000"/>
+                </a:solidFill>
+                <a:highlight>
+                  <a:srgbClr val="FFFFFF"/>
+                </a:highlight>
+                <a:latin typeface="Courier New" panose="02070309020205020404" pitchFamily="49" charset="0"/>
+              </a:rPr>
+              <a:t>data2 = </a:t>
+            </a:r>
+            <a:r>
+              <a:rPr lang="en-US" sz="1200" dirty="0" err="1">
+                <a:solidFill>
+                  <a:srgbClr val="000000"/>
+                </a:solidFill>
+                <a:highlight>
+                  <a:srgbClr val="FFFFFF"/>
+                </a:highlight>
+                <a:latin typeface="Courier New" panose="02070309020205020404" pitchFamily="49" charset="0"/>
+              </a:rPr>
+              <a:t>go.Bar</a:t>
+            </a:r>
+            <a:r>
+              <a:rPr lang="en-US" sz="1200" dirty="0">
+                <a:solidFill>
+                  <a:srgbClr val="000000"/>
+                </a:solidFill>
+                <a:highlight>
+                  <a:srgbClr val="FFFFFF"/>
+                </a:highlight>
+                <a:latin typeface="Courier New" panose="02070309020205020404" pitchFamily="49" charset="0"/>
+              </a:rPr>
+              <a:t>(</a:t>
+            </a:r>
+          </a:p>
+          <a:p>
+            <a:r>
+              <a:rPr lang="en-US" sz="1200" dirty="0">
+                <a:solidFill>
+                  <a:srgbClr val="000000"/>
+                </a:solidFill>
+                <a:highlight>
+                  <a:srgbClr val="FFFFFF"/>
+                </a:highlight>
+                <a:latin typeface="Courier New" panose="02070309020205020404" pitchFamily="49" charset="0"/>
+              </a:rPr>
+              <a:t>        x=</a:t>
+            </a:r>
+            <a:r>
+              <a:rPr lang="en-US" sz="1200" dirty="0">
+                <a:solidFill>
+                  <a:srgbClr val="FF0000"/>
+                </a:solidFill>
+                <a:highlight>
+                  <a:srgbClr val="FFFFFF"/>
+                </a:highlight>
+                <a:latin typeface="Courier New" panose="02070309020205020404" pitchFamily="49" charset="0"/>
+              </a:rPr>
+              <a:t>['python','</a:t>
+            </a:r>
+            <a:r>
+              <a:rPr lang="en-US" sz="1200" dirty="0" err="1">
+                <a:solidFill>
+                  <a:srgbClr val="FF0000"/>
+                </a:solidFill>
+                <a:highlight>
+                  <a:srgbClr val="FFFFFF"/>
+                </a:highlight>
+                <a:latin typeface="Courier New" panose="02070309020205020404" pitchFamily="49" charset="0"/>
+              </a:rPr>
+              <a:t>javascript</a:t>
+            </a:r>
+            <a:r>
+              <a:rPr lang="en-US" sz="1200" dirty="0">
+                <a:solidFill>
+                  <a:srgbClr val="FF0000"/>
+                </a:solidFill>
+                <a:highlight>
+                  <a:srgbClr val="FFFFFF"/>
+                </a:highlight>
+                <a:latin typeface="Courier New" panose="02070309020205020404" pitchFamily="49" charset="0"/>
+              </a:rPr>
+              <a:t>','ruby']</a:t>
+            </a:r>
+            <a:r>
+              <a:rPr lang="en-US" sz="1200" dirty="0">
+                <a:solidFill>
+                  <a:srgbClr val="000000"/>
+                </a:solidFill>
+                <a:highlight>
+                  <a:srgbClr val="FFFFFF"/>
+                </a:highlight>
+                <a:latin typeface="Courier New" panose="02070309020205020404" pitchFamily="49" charset="0"/>
+              </a:rPr>
+              <a:t>,</a:t>
+            </a:r>
+          </a:p>
+          <a:p>
+            <a:r>
+              <a:rPr lang="en-US" sz="1200" dirty="0">
+                <a:solidFill>
+                  <a:srgbClr val="000000"/>
+                </a:solidFill>
+                <a:highlight>
+                  <a:srgbClr val="FFFFFF"/>
+                </a:highlight>
+                <a:latin typeface="Courier New" panose="02070309020205020404" pitchFamily="49" charset="0"/>
+              </a:rPr>
+              <a:t>        y=</a:t>
+            </a:r>
+            <a:r>
+              <a:rPr lang="en-US" sz="1200" dirty="0">
+                <a:solidFill>
+                  <a:srgbClr val="FF0000"/>
+                </a:solidFill>
+                <a:highlight>
+                  <a:srgbClr val="FFFFFF"/>
+                </a:highlight>
+                <a:latin typeface="Courier New" panose="02070309020205020404" pitchFamily="49" charset="0"/>
+              </a:rPr>
+              <a:t>[350,50,220]</a:t>
+            </a:r>
+            <a:r>
+              <a:rPr lang="en-US" sz="1200" dirty="0">
+                <a:solidFill>
+                  <a:srgbClr val="000000"/>
+                </a:solidFill>
+                <a:highlight>
+                  <a:srgbClr val="FFFFFF"/>
+                </a:highlight>
+                <a:latin typeface="Courier New" panose="02070309020205020404" pitchFamily="49" charset="0"/>
+              </a:rPr>
+              <a:t>,</a:t>
+            </a:r>
+          </a:p>
+          <a:p>
+            <a:r>
+              <a:rPr lang="en-US" sz="1200" dirty="0">
+                <a:solidFill>
+                  <a:srgbClr val="000000"/>
+                </a:solidFill>
+                <a:highlight>
+                  <a:srgbClr val="FFFFFF"/>
+                </a:highlight>
+                <a:latin typeface="Courier New" panose="02070309020205020404" pitchFamily="49" charset="0"/>
+              </a:rPr>
+              <a:t>        name=</a:t>
+            </a:r>
+            <a:r>
+              <a:rPr lang="en-US" sz="1200" dirty="0">
+                <a:solidFill>
+                  <a:srgbClr val="FF0000"/>
+                </a:solidFill>
+                <a:highlight>
+                  <a:srgbClr val="FFFFFF"/>
+                </a:highlight>
+                <a:latin typeface="Courier New" panose="02070309020205020404" pitchFamily="49" charset="0"/>
+              </a:rPr>
+              <a:t>'EU'</a:t>
+            </a:r>
+          </a:p>
+          <a:p>
+            <a:r>
+              <a:rPr lang="en-US" sz="1200" dirty="0">
+                <a:solidFill>
+                  <a:srgbClr val="000000"/>
+                </a:solidFill>
+                <a:highlight>
+                  <a:srgbClr val="FFFFFF"/>
+                </a:highlight>
+                <a:latin typeface="Courier New" panose="02070309020205020404" pitchFamily="49" charset="0"/>
+              </a:rPr>
+              <a:t>)</a:t>
+            </a:r>
+          </a:p>
+          <a:p>
+            <a:endParaRPr lang="en-US" sz="1200" dirty="0">
+              <a:solidFill>
+                <a:srgbClr val="000000"/>
+              </a:solidFill>
+              <a:highlight>
+                <a:srgbClr val="FFFFFF"/>
+              </a:highlight>
+              <a:latin typeface="Courier New" panose="02070309020205020404" pitchFamily="49" charset="0"/>
+            </a:endParaRPr>
+          </a:p>
+          <a:p>
+            <a:r>
+              <a:rPr lang="en-US" sz="1200" dirty="0">
+                <a:solidFill>
+                  <a:srgbClr val="000000"/>
+                </a:solidFill>
+                <a:highlight>
+                  <a:srgbClr val="FFFFFF"/>
+                </a:highlight>
+                <a:latin typeface="Courier New" panose="02070309020205020404" pitchFamily="49" charset="0"/>
+              </a:rPr>
+              <a:t>data = </a:t>
+            </a:r>
+            <a:r>
+              <a:rPr lang="en-US" sz="1200" dirty="0">
+                <a:solidFill>
+                  <a:srgbClr val="FF0000"/>
+                </a:solidFill>
+                <a:highlight>
+                  <a:srgbClr val="FFFFFF"/>
+                </a:highlight>
+                <a:latin typeface="Courier New" panose="02070309020205020404" pitchFamily="49" charset="0"/>
+              </a:rPr>
+              <a:t>[ data1, data2 ]</a:t>
+            </a:r>
+          </a:p>
+          <a:p>
+            <a:r>
+              <a:rPr lang="en-US" sz="1200" dirty="0">
+                <a:solidFill>
+                  <a:srgbClr val="000000"/>
+                </a:solidFill>
+                <a:highlight>
+                  <a:srgbClr val="FFFFFF"/>
+                </a:highlight>
+                <a:latin typeface="Courier New" panose="02070309020205020404" pitchFamily="49" charset="0"/>
+              </a:rPr>
+              <a:t>layout = </a:t>
+            </a:r>
+            <a:r>
+              <a:rPr lang="en-US" sz="1200" dirty="0" err="1">
+                <a:solidFill>
+                  <a:srgbClr val="000000"/>
+                </a:solidFill>
+                <a:highlight>
+                  <a:srgbClr val="FFFFFF"/>
+                </a:highlight>
+                <a:latin typeface="Courier New" panose="02070309020205020404" pitchFamily="49" charset="0"/>
+              </a:rPr>
+              <a:t>go.Layout</a:t>
+            </a:r>
+            <a:r>
+              <a:rPr lang="en-US" sz="1200" dirty="0">
+                <a:solidFill>
+                  <a:srgbClr val="000000"/>
+                </a:solidFill>
+                <a:highlight>
+                  <a:srgbClr val="FFFFFF"/>
+                </a:highlight>
+                <a:latin typeface="Courier New" panose="02070309020205020404" pitchFamily="49" charset="0"/>
+              </a:rPr>
+              <a:t>(</a:t>
+            </a:r>
+          </a:p>
+          <a:p>
+            <a:r>
+              <a:rPr lang="en-US" sz="1200" dirty="0">
+                <a:solidFill>
+                  <a:srgbClr val="000000"/>
+                </a:solidFill>
+                <a:highlight>
+                  <a:srgbClr val="FFFFFF"/>
+                </a:highlight>
+                <a:latin typeface="Courier New" panose="02070309020205020404" pitchFamily="49" charset="0"/>
+              </a:rPr>
+              <a:t>    </a:t>
+            </a:r>
+            <a:r>
+              <a:rPr lang="en-US" sz="1200" dirty="0" err="1">
+                <a:solidFill>
+                  <a:srgbClr val="000000"/>
+                </a:solidFill>
+                <a:highlight>
+                  <a:srgbClr val="FFFFFF"/>
+                </a:highlight>
+                <a:latin typeface="Courier New" panose="02070309020205020404" pitchFamily="49" charset="0"/>
+              </a:rPr>
+              <a:t>barmode</a:t>
+            </a:r>
+            <a:r>
+              <a:rPr lang="en-US" sz="1200" dirty="0">
+                <a:solidFill>
+                  <a:srgbClr val="000000"/>
+                </a:solidFill>
+                <a:highlight>
+                  <a:srgbClr val="FFFFFF"/>
+                </a:highlight>
+                <a:latin typeface="Courier New" panose="02070309020205020404" pitchFamily="49" charset="0"/>
+              </a:rPr>
+              <a:t> = 'group'</a:t>
+            </a:r>
+          </a:p>
+          <a:p>
+            <a:r>
+              <a:rPr lang="en-US" sz="1200" dirty="0">
+                <a:solidFill>
+                  <a:srgbClr val="000000"/>
+                </a:solidFill>
+                <a:highlight>
+                  <a:srgbClr val="FFFFFF"/>
+                </a:highlight>
+                <a:latin typeface="Courier New" panose="02070309020205020404" pitchFamily="49" charset="0"/>
+              </a:rPr>
+              <a:t>)</a:t>
+            </a:r>
+          </a:p>
+          <a:p>
+            <a:endParaRPr lang="en-US" sz="1200" dirty="0">
+              <a:solidFill>
+                <a:srgbClr val="000000"/>
+              </a:solidFill>
+              <a:highlight>
+                <a:srgbClr val="FFFFFF"/>
+              </a:highlight>
+              <a:latin typeface="Courier New" panose="02070309020205020404" pitchFamily="49" charset="0"/>
+            </a:endParaRPr>
+          </a:p>
+          <a:p>
+            <a:r>
+              <a:rPr lang="en-US" sz="1200" dirty="0">
+                <a:solidFill>
+                  <a:srgbClr val="000000"/>
+                </a:solidFill>
+                <a:highlight>
+                  <a:srgbClr val="FFFFFF"/>
+                </a:highlight>
+                <a:latin typeface="Courier New" panose="02070309020205020404" pitchFamily="49" charset="0"/>
+              </a:rPr>
+              <a:t>fig = </a:t>
+            </a:r>
+            <a:r>
+              <a:rPr lang="en-US" sz="1200" dirty="0" err="1">
+                <a:solidFill>
+                  <a:srgbClr val="000000"/>
+                </a:solidFill>
+                <a:highlight>
+                  <a:srgbClr val="FFFFFF"/>
+                </a:highlight>
+                <a:latin typeface="Courier New" panose="02070309020205020404" pitchFamily="49" charset="0"/>
+              </a:rPr>
+              <a:t>go.Figure</a:t>
+            </a:r>
+            <a:r>
+              <a:rPr lang="en-US" sz="1200" dirty="0">
+                <a:solidFill>
+                  <a:srgbClr val="000000"/>
+                </a:solidFill>
+                <a:highlight>
+                  <a:srgbClr val="FFFFFF"/>
+                </a:highlight>
+                <a:latin typeface="Courier New" panose="02070309020205020404" pitchFamily="49" charset="0"/>
+              </a:rPr>
+              <a:t>(data = data, layout=layout)</a:t>
+            </a:r>
+          </a:p>
+          <a:p>
+            <a:endParaRPr lang="en-US" sz="1200" dirty="0">
+              <a:solidFill>
+                <a:srgbClr val="000000"/>
+              </a:solidFill>
+              <a:highlight>
+                <a:srgbClr val="FFFFFF"/>
+              </a:highlight>
+              <a:latin typeface="Courier New" panose="02070309020205020404" pitchFamily="49" charset="0"/>
+            </a:endParaRPr>
+          </a:p>
+          <a:p>
+            <a:r>
+              <a:rPr lang="en-US" sz="1200" dirty="0" err="1">
+                <a:solidFill>
+                  <a:srgbClr val="000000"/>
+                </a:solidFill>
+                <a:highlight>
+                  <a:srgbClr val="FFFFFF"/>
+                </a:highlight>
+                <a:latin typeface="Courier New" panose="02070309020205020404" pitchFamily="49" charset="0"/>
+              </a:rPr>
+              <a:t>py.offline.plot</a:t>
+            </a:r>
+            <a:r>
+              <a:rPr lang="en-US" sz="1200" dirty="0">
+                <a:solidFill>
+                  <a:srgbClr val="000000"/>
+                </a:solidFill>
+                <a:highlight>
+                  <a:srgbClr val="FFFFFF"/>
+                </a:highlight>
+                <a:latin typeface="Courier New" panose="02070309020205020404" pitchFamily="49" charset="0"/>
+              </a:rPr>
+              <a:t>(data)</a:t>
+            </a:r>
+          </a:p>
+          <a:p>
+            <a:endParaRPr lang="en-US" sz="1200" dirty="0">
+              <a:solidFill>
+                <a:srgbClr val="000000"/>
+              </a:solidFill>
+              <a:highlight>
+                <a:srgbClr val="FFFFFF"/>
+              </a:highlight>
+              <a:latin typeface="Courier New" panose="02070309020205020404" pitchFamily="49" charset="0"/>
+            </a:endParaRPr>
           </a:p>
         </p:txBody>
       </p:sp>
     </p:spTree>
     <p:extLst>
       <p:ext uri="{BB962C8B-B14F-4D97-AF65-F5344CB8AC3E}">
-        <p14:creationId xmlns:p14="http://schemas.microsoft.com/office/powerpoint/2010/main" val="2118525289"/>
+        <p14:creationId xmlns:p14="http://schemas.microsoft.com/office/powerpoint/2010/main" val="1427963118"/>
       </p:ext>
     </p:extLst>
   </p:cSld>
@@ -39920,14 +44394,6 @@
 <file path=ppt/slides/slide89.xml><?xml version="1.0" encoding="utf-8"?>
 <p:sld xmlns:a="http://schemas.openxmlformats.org/drawingml/2006/main" xmlns:r="http://schemas.openxmlformats.org/officeDocument/2006/relationships" xmlns:p="http://schemas.openxmlformats.org/presentationml/2006/main">
   <p:cSld>
-    <p:bg>
-      <p:bgPr>
-        <a:solidFill>
-          <a:schemeClr val="bg1"/>
-        </a:solidFill>
-        <a:effectLst/>
-      </p:bgPr>
-    </p:bg>
     <p:spTree>
       <p:nvGrpSpPr>
         <p:cNvPr id="1" name=""/>
@@ -39944,26 +44410,7 @@
       </p:grpSpPr>
       <p:sp>
         <p:nvSpPr>
-          <p:cNvPr id="4" name="Content Placeholder 3"/>
-          <p:cNvSpPr>
-            <a:spLocks noGrp="1"/>
-          </p:cNvSpPr>
-          <p:nvPr>
-            <p:ph idx="1"/>
-          </p:nvPr>
-        </p:nvSpPr>
-        <p:spPr/>
-        <p:txBody>
-          <a:bodyPr/>
-          <a:lstStyle/>
-          <a:p>
-            <a:endParaRPr lang="en-US" dirty="0"/>
-          </a:p>
-        </p:txBody>
-      </p:sp>
-      <p:sp>
-        <p:nvSpPr>
-          <p:cNvPr id="3" name="Title 2"/>
+          <p:cNvPr id="4" name="Title 3"/>
           <p:cNvSpPr>
             <a:spLocks noGrp="1"/>
           </p:cNvSpPr>
@@ -39973,12 +44420,22 @@
         </p:nvSpPr>
         <p:spPr/>
         <p:txBody>
-          <a:bodyPr/>
+          <a:bodyPr>
+            <a:normAutofit/>
+          </a:bodyPr>
           <a:lstStyle/>
           <a:p>
             <a:r>
+              <a:rPr lang="en-US" dirty="0" smtClean="0">
+                <a:solidFill>
+                  <a:srgbClr val="C4A174"/>
+                </a:solidFill>
+              </a:rPr>
+              <a:t>Exercise:</a:t>
+            </a:r>
+            <a:r>
               <a:rPr lang="en-US" dirty="0" smtClean="0"/>
-              <a:t>Libraries: Examples</a:t>
+              <a:t> Libraries</a:t>
             </a:r>
             <a:endParaRPr lang="en-US" dirty="0"/>
           </a:p>
@@ -39987,7 +44444,7 @@
     </p:spTree>
     <p:extLst>
       <p:ext uri="{BB962C8B-B14F-4D97-AF65-F5344CB8AC3E}">
-        <p14:creationId xmlns:p14="http://schemas.microsoft.com/office/powerpoint/2010/main" val="1427963118"/>
+        <p14:creationId xmlns:p14="http://schemas.microsoft.com/office/powerpoint/2010/main" val="2782091560"/>
       </p:ext>
     </p:extLst>
   </p:cSld>
@@ -40119,6 +44576,14 @@
 <file path=ppt/slides/slide90.xml><?xml version="1.0" encoding="utf-8"?>
 <p:sld xmlns:a="http://schemas.openxmlformats.org/drawingml/2006/main" xmlns:r="http://schemas.openxmlformats.org/officeDocument/2006/relationships" xmlns:p="http://schemas.openxmlformats.org/presentationml/2006/main">
   <p:cSld>
+    <p:bg>
+      <p:bgPr>
+        <a:solidFill>
+          <a:schemeClr val="bg1"/>
+        </a:solidFill>
+        <a:effectLst/>
+      </p:bgPr>
+    </p:bg>
     <p:spTree>
       <p:nvGrpSpPr>
         <p:cNvPr id="1" name=""/>
@@ -40135,7 +44600,110 @@
       </p:grpSpPr>
       <p:sp>
         <p:nvSpPr>
-          <p:cNvPr id="4" name="Title 3"/>
+          <p:cNvPr id="4" name="Content Placeholder 3"/>
+          <p:cNvSpPr>
+            <a:spLocks noGrp="1"/>
+          </p:cNvSpPr>
+          <p:nvPr>
+            <p:ph idx="1"/>
+          </p:nvPr>
+        </p:nvSpPr>
+        <p:spPr/>
+        <p:txBody>
+          <a:bodyPr>
+            <a:normAutofit lnSpcReduction="10000"/>
+          </a:bodyPr>
+          <a:lstStyle/>
+          <a:p>
+            <a:r>
+              <a:rPr lang="en-US" dirty="0" smtClean="0"/>
+              <a:t>What do we mean by ‘debugging’?</a:t>
+            </a:r>
+          </a:p>
+          <a:p>
+            <a:pPr lvl="1"/>
+            <a:r>
+              <a:rPr lang="en-GB" dirty="0"/>
+              <a:t>Identifying and correcting errors in </a:t>
+            </a:r>
+            <a:r>
+              <a:rPr lang="en-GB" dirty="0" smtClean="0"/>
+              <a:t>a program</a:t>
+            </a:r>
+          </a:p>
+          <a:p>
+            <a:pPr lvl="1"/>
+            <a:endParaRPr lang="en-GB" dirty="0"/>
+          </a:p>
+          <a:p>
+            <a:r>
+              <a:rPr lang="en-GB" dirty="0" smtClean="0"/>
+              <a:t>Types of bug</a:t>
+            </a:r>
+          </a:p>
+          <a:p>
+            <a:pPr lvl="1"/>
+            <a:r>
+              <a:rPr lang="en-GB" dirty="0" smtClean="0"/>
+              <a:t>Cosmetic – a problem with the appearance of the software</a:t>
+            </a:r>
+          </a:p>
+          <a:p>
+            <a:pPr lvl="1"/>
+            <a:r>
+              <a:rPr lang="en-GB" dirty="0"/>
+              <a:t>Logical </a:t>
+            </a:r>
+            <a:r>
+              <a:rPr lang="en-GB" dirty="0" smtClean="0"/>
+              <a:t>or </a:t>
+            </a:r>
+            <a:r>
+              <a:rPr lang="en-GB" dirty="0"/>
+              <a:t>semantic </a:t>
+            </a:r>
+            <a:r>
+              <a:rPr lang="en-GB" dirty="0" smtClean="0"/>
+              <a:t>– the software </a:t>
+            </a:r>
+            <a:r>
+              <a:rPr lang="en-GB" dirty="0"/>
+              <a:t>works but produces unexpected </a:t>
+            </a:r>
+            <a:r>
+              <a:rPr lang="en-GB" dirty="0" smtClean="0"/>
+              <a:t>results</a:t>
+            </a:r>
+          </a:p>
+          <a:p>
+            <a:pPr lvl="1"/>
+            <a:r>
+              <a:rPr lang="en-GB" dirty="0"/>
+              <a:t>Runtime - errors that cause </a:t>
+            </a:r>
+            <a:r>
+              <a:rPr lang="en-GB" dirty="0" smtClean="0"/>
+              <a:t>the software to </a:t>
+            </a:r>
+            <a:r>
+              <a:rPr lang="en-GB" dirty="0"/>
+              <a:t>crash even though it compiles </a:t>
+            </a:r>
+            <a:r>
+              <a:rPr lang="en-GB" dirty="0" smtClean="0"/>
+              <a:t>correctly or otherwise </a:t>
+            </a:r>
+            <a:r>
+              <a:rPr lang="en-GB" dirty="0"/>
+              <a:t>appears ok</a:t>
+            </a:r>
+            <a:endParaRPr lang="en-GB" dirty="0" smtClean="0"/>
+          </a:p>
+        </p:txBody>
+      </p:sp>
+      <p:sp>
+        <p:nvSpPr>
+          <p:cNvPr id="3" name="Title 2"/>
           <p:cNvSpPr>
             <a:spLocks noGrp="1"/>
           </p:cNvSpPr>
@@ -40145,22 +44713,12 @@
         </p:nvSpPr>
         <p:spPr/>
         <p:txBody>
-          <a:bodyPr>
-            <a:normAutofit/>
-          </a:bodyPr>
+          <a:bodyPr/>
           <a:lstStyle/>
           <a:p>
             <a:r>
-              <a:rPr lang="en-US" dirty="0" smtClean="0">
-                <a:solidFill>
-                  <a:srgbClr val="C4A174"/>
-                </a:solidFill>
-              </a:rPr>
-              <a:t>Exercise:</a:t>
-            </a:r>
-            <a:r>
               <a:rPr lang="en-US" dirty="0" smtClean="0"/>
-              <a:t> Libraries</a:t>
+              <a:t>Debugging</a:t>
             </a:r>
             <a:endParaRPr lang="en-US" dirty="0"/>
           </a:p>
@@ -40169,7 +44727,7 @@
     </p:spTree>
     <p:extLst>
       <p:ext uri="{BB962C8B-B14F-4D97-AF65-F5344CB8AC3E}">
-        <p14:creationId xmlns:p14="http://schemas.microsoft.com/office/powerpoint/2010/main" val="2782091560"/>
+        <p14:creationId xmlns:p14="http://schemas.microsoft.com/office/powerpoint/2010/main" val="1143777063"/>
       </p:ext>
     </p:extLst>
   </p:cSld>
@@ -40224,93 +44782,125 @@
         <p:spPr/>
         <p:txBody>
           <a:bodyPr>
-            <a:normAutofit lnSpcReduction="10000"/>
+            <a:normAutofit fontScale="92500" lnSpcReduction="20000"/>
           </a:bodyPr>
           <a:lstStyle/>
           <a:p>
             <a:r>
               <a:rPr lang="en-US" dirty="0" smtClean="0"/>
-              <a:t>What do we mean by ‘debugging’?</a:t>
+              <a:t>Strategies</a:t>
             </a:r>
           </a:p>
           <a:p>
             <a:pPr lvl="1"/>
             <a:r>
+              <a:rPr lang="en-US" dirty="0" smtClean="0"/>
+              <a:t>Replication, replication, replication</a:t>
+            </a:r>
+          </a:p>
+          <a:p>
+            <a:pPr lvl="2"/>
+            <a:r>
+              <a:rPr lang="en-GB" dirty="0" smtClean="0"/>
+              <a:t>The </a:t>
+            </a:r>
+            <a:r>
               <a:rPr lang="en-GB" dirty="0"/>
-              <a:t>Identifying and correcting errors in </a:t>
+              <a:t>m</a:t>
             </a:r>
             <a:r>
               <a:rPr lang="en-GB" dirty="0" smtClean="0"/>
-              <a:t>a program</a:t>
+              <a:t>ost </a:t>
+            </a:r>
+            <a:r>
+              <a:rPr lang="en-GB" dirty="0"/>
+              <a:t>important factor in fixing a bug is being able to replicate </a:t>
+            </a:r>
+            <a:r>
+              <a:rPr lang="en-GB" dirty="0" smtClean="0"/>
+              <a:t>it</a:t>
             </a:r>
           </a:p>
           <a:p>
             <a:pPr lvl="1"/>
-            <a:endParaRPr lang="en-GB" dirty="0"/>
-          </a:p>
-          <a:p>
+            <a:r>
+              <a:rPr lang="en-US" dirty="0" smtClean="0"/>
+              <a:t>Console logging</a:t>
+            </a:r>
+          </a:p>
+          <a:p>
+            <a:pPr lvl="2"/>
+            <a:r>
+              <a:rPr lang="en-GB" dirty="0"/>
+              <a:t>Output variables to console </a:t>
+            </a:r>
             <a:r>
               <a:rPr lang="en-GB" dirty="0" smtClean="0"/>
-              <a:t>Types of bug</a:t>
+              <a:t>for inspection </a:t>
+            </a:r>
+            <a:r>
+              <a:rPr lang="en-GB" dirty="0"/>
+              <a:t>during </a:t>
+            </a:r>
+            <a:r>
+              <a:rPr lang="en-GB" dirty="0" smtClean="0"/>
+              <a:t>execution</a:t>
             </a:r>
           </a:p>
           <a:p>
             <a:pPr lvl="1"/>
             <a:r>
+              <a:rPr lang="en-US" dirty="0"/>
+              <a:t>Stack </a:t>
+            </a:r>
+            <a:r>
+              <a:rPr lang="en-US" dirty="0" smtClean="0"/>
+              <a:t>trace</a:t>
+            </a:r>
+          </a:p>
+          <a:p>
+            <a:pPr lvl="2"/>
+            <a:r>
+              <a:rPr lang="en-GB" dirty="0"/>
+              <a:t>When provided by an exception can point to the precise line of code that is causing the </a:t>
+            </a:r>
+            <a:r>
               <a:rPr lang="en-GB" dirty="0" smtClean="0"/>
-              <a:t>Cosmetic – a problem with the appearance of the software</a:t>
+              <a:t>problem</a:t>
             </a:r>
           </a:p>
           <a:p>
             <a:pPr lvl="1"/>
             <a:r>
-              <a:rPr lang="en-GB" dirty="0"/>
-              <a:t>Logical </a:t>
-            </a:r>
-            <a:r>
-              <a:rPr lang="en-GB" dirty="0" smtClean="0"/>
-              <a:t>or </a:t>
-            </a:r>
-            <a:r>
-              <a:rPr lang="en-GB" dirty="0"/>
-              <a:t>semantic </a:t>
-            </a:r>
-            <a:r>
-              <a:rPr lang="en-GB" dirty="0" smtClean="0"/>
-              <a:t>– the software </a:t>
-            </a:r>
-            <a:r>
-              <a:rPr lang="en-GB" dirty="0"/>
-              <a:t>works but produces unexpected </a:t>
-            </a:r>
-            <a:r>
-              <a:rPr lang="en-GB" dirty="0" smtClean="0"/>
-              <a:t>results</a:t>
-            </a:r>
-          </a:p>
-          <a:p>
-            <a:pPr lvl="1"/>
-            <a:r>
-              <a:rPr lang="en-GB" dirty="0"/>
-              <a:t>Runtime - errors that cause </a:t>
-            </a:r>
-            <a:r>
-              <a:rPr lang="en-GB" dirty="0" smtClean="0"/>
-              <a:t>the software to </a:t>
-            </a:r>
-            <a:r>
-              <a:rPr lang="en-GB" dirty="0"/>
-              <a:t>crash even though it compiles </a:t>
-            </a:r>
-            <a:r>
-              <a:rPr lang="en-GB" dirty="0" smtClean="0"/>
-              <a:t>correctly or otherwise </a:t>
-            </a:r>
-            <a:r>
-              <a:rPr lang="en-GB" dirty="0"/>
-              <a:t>appears ok</a:t>
-            </a:r>
-            <a:endParaRPr lang="en-GB" dirty="0" smtClean="0"/>
+              <a:rPr lang="en-US" dirty="0"/>
+              <a:t>Debugger </a:t>
+            </a:r>
+            <a:r>
+              <a:rPr lang="en-US" dirty="0" smtClean="0"/>
+              <a:t>instrumentation</a:t>
+            </a:r>
+          </a:p>
+          <a:p>
+            <a:pPr lvl="2"/>
+            <a:r>
+              <a:rPr lang="en-US" dirty="0" smtClean="0"/>
+              <a:t>Breakpoints</a:t>
+            </a:r>
+          </a:p>
+          <a:p>
+            <a:pPr lvl="2"/>
+            <a:r>
+              <a:rPr lang="en-US" dirty="0" smtClean="0"/>
+              <a:t>Stepping through or into</a:t>
+            </a:r>
+          </a:p>
+          <a:p>
+            <a:pPr lvl="2"/>
+            <a:r>
+              <a:rPr lang="en-US" dirty="0" smtClean="0"/>
+              <a:t>Variable inspection</a:t>
+            </a:r>
+            <a:endParaRPr lang="en-US" dirty="0"/>
           </a:p>
         </p:txBody>
       </p:sp>
@@ -40340,7 +44930,7 @@
     </p:spTree>
     <p:extLst>
       <p:ext uri="{BB962C8B-B14F-4D97-AF65-F5344CB8AC3E}">
-        <p14:creationId xmlns:p14="http://schemas.microsoft.com/office/powerpoint/2010/main" val="1143777063"/>
+        <p14:creationId xmlns:p14="http://schemas.microsoft.com/office/powerpoint/2010/main" val="2883934611"/>
       </p:ext>
     </p:extLst>
   </p:cSld>
@@ -40394,125 +44984,9 @@
         </p:nvSpPr>
         <p:spPr/>
         <p:txBody>
-          <a:bodyPr>
-            <a:normAutofit fontScale="92500" lnSpcReduction="20000"/>
-          </a:bodyPr>
+          <a:bodyPr/>
           <a:lstStyle/>
           <a:p>
-            <a:r>
-              <a:rPr lang="en-US" dirty="0" smtClean="0"/>
-              <a:t>Strategies</a:t>
-            </a:r>
-          </a:p>
-          <a:p>
-            <a:pPr lvl="1"/>
-            <a:r>
-              <a:rPr lang="en-US" dirty="0" smtClean="0"/>
-              <a:t>Replication, replication, replication</a:t>
-            </a:r>
-          </a:p>
-          <a:p>
-            <a:pPr lvl="2"/>
-            <a:r>
-              <a:rPr lang="en-GB" dirty="0" smtClean="0"/>
-              <a:t>The </a:t>
-            </a:r>
-            <a:r>
-              <a:rPr lang="en-GB" dirty="0"/>
-              <a:t>m</a:t>
-            </a:r>
-            <a:r>
-              <a:rPr lang="en-GB" dirty="0" smtClean="0"/>
-              <a:t>ost </a:t>
-            </a:r>
-            <a:r>
-              <a:rPr lang="en-GB" dirty="0"/>
-              <a:t>important factor in fixing a bug is being able to replicate </a:t>
-            </a:r>
-            <a:r>
-              <a:rPr lang="en-GB" dirty="0" smtClean="0"/>
-              <a:t>it</a:t>
-            </a:r>
-          </a:p>
-          <a:p>
-            <a:pPr lvl="1"/>
-            <a:r>
-              <a:rPr lang="en-US" dirty="0" smtClean="0"/>
-              <a:t>Console logging</a:t>
-            </a:r>
-          </a:p>
-          <a:p>
-            <a:pPr lvl="2"/>
-            <a:r>
-              <a:rPr lang="en-GB" dirty="0"/>
-              <a:t>Output variables to console </a:t>
-            </a:r>
-            <a:r>
-              <a:rPr lang="en-GB" dirty="0" smtClean="0"/>
-              <a:t>for inspection </a:t>
-            </a:r>
-            <a:r>
-              <a:rPr lang="en-GB" dirty="0"/>
-              <a:t>during </a:t>
-            </a:r>
-            <a:r>
-              <a:rPr lang="en-GB" dirty="0" smtClean="0"/>
-              <a:t>execution</a:t>
-            </a:r>
-          </a:p>
-          <a:p>
-            <a:pPr lvl="1"/>
-            <a:r>
-              <a:rPr lang="en-US" dirty="0"/>
-              <a:t>Stack </a:t>
-            </a:r>
-            <a:r>
-              <a:rPr lang="en-US" dirty="0" smtClean="0"/>
-              <a:t>trace</a:t>
-            </a:r>
-          </a:p>
-          <a:p>
-            <a:pPr lvl="2"/>
-            <a:r>
-              <a:rPr lang="en-GB" dirty="0"/>
-              <a:t>When provided by an exception can point to the precise line of code that is causing the </a:t>
-            </a:r>
-            <a:r>
-              <a:rPr lang="en-GB" dirty="0" smtClean="0"/>
-              <a:t>problem</a:t>
-            </a:r>
-          </a:p>
-          <a:p>
-            <a:pPr lvl="1"/>
-            <a:r>
-              <a:rPr lang="en-US" dirty="0"/>
-              <a:t>Debugger </a:t>
-            </a:r>
-            <a:r>
-              <a:rPr lang="en-US" dirty="0" smtClean="0"/>
-              <a:t>instrumentation</a:t>
-            </a:r>
-          </a:p>
-          <a:p>
-            <a:pPr lvl="2"/>
-            <a:r>
-              <a:rPr lang="en-US" dirty="0" smtClean="0"/>
-              <a:t>Breakpoints</a:t>
-            </a:r>
-          </a:p>
-          <a:p>
-            <a:pPr lvl="2"/>
-            <a:r>
-              <a:rPr lang="en-US" dirty="0" smtClean="0"/>
-              <a:t>Stepping through or into</a:t>
-            </a:r>
-          </a:p>
-          <a:p>
-            <a:pPr lvl="2"/>
-            <a:r>
-              <a:rPr lang="en-US" dirty="0" smtClean="0"/>
-              <a:t>Variable inspection</a:t>
-            </a:r>
             <a:endParaRPr lang="en-US" dirty="0"/>
           </a:p>
         </p:txBody>
@@ -40534,7 +45008,7 @@
           <a:p>
             <a:r>
               <a:rPr lang="en-US" dirty="0" smtClean="0"/>
-              <a:t>Debugging</a:t>
+              <a:t>Debugging: Examples</a:t>
             </a:r>
             <a:endParaRPr lang="en-US" dirty="0"/>
           </a:p>
@@ -40543,7 +45017,7 @@
     </p:spTree>
     <p:extLst>
       <p:ext uri="{BB962C8B-B14F-4D97-AF65-F5344CB8AC3E}">
-        <p14:creationId xmlns:p14="http://schemas.microsoft.com/office/powerpoint/2010/main" val="2883934611"/>
+        <p14:creationId xmlns:p14="http://schemas.microsoft.com/office/powerpoint/2010/main" val="1956684700"/>
       </p:ext>
     </p:extLst>
   </p:cSld>
@@ -40561,6 +45035,76 @@
 </file>
 
 <file path=ppt/slides/slide93.xml><?xml version="1.0" encoding="utf-8"?>
+<p:sld xmlns:a="http://schemas.openxmlformats.org/drawingml/2006/main" xmlns:r="http://schemas.openxmlformats.org/officeDocument/2006/relationships" xmlns:p="http://schemas.openxmlformats.org/presentationml/2006/main">
+  <p:cSld>
+    <p:spTree>
+      <p:nvGrpSpPr>
+        <p:cNvPr id="1" name=""/>
+        <p:cNvGrpSpPr/>
+        <p:nvPr/>
+      </p:nvGrpSpPr>
+      <p:grpSpPr>
+        <a:xfrm>
+          <a:off x="0" y="0"/>
+          <a:ext cx="0" cy="0"/>
+          <a:chOff x="0" y="0"/>
+          <a:chExt cx="0" cy="0"/>
+        </a:xfrm>
+      </p:grpSpPr>
+      <p:sp>
+        <p:nvSpPr>
+          <p:cNvPr id="4" name="Title 3"/>
+          <p:cNvSpPr>
+            <a:spLocks noGrp="1"/>
+          </p:cNvSpPr>
+          <p:nvPr>
+            <p:ph type="title"/>
+          </p:nvPr>
+        </p:nvSpPr>
+        <p:spPr/>
+        <p:txBody>
+          <a:bodyPr>
+            <a:normAutofit/>
+          </a:bodyPr>
+          <a:lstStyle/>
+          <a:p>
+            <a:r>
+              <a:rPr lang="en-US" dirty="0" smtClean="0">
+                <a:solidFill>
+                  <a:srgbClr val="C4A174"/>
+                </a:solidFill>
+              </a:rPr>
+              <a:t>Exercise:</a:t>
+            </a:r>
+            <a:r>
+              <a:rPr lang="en-US" dirty="0" smtClean="0"/>
+              <a:t> Debugging</a:t>
+            </a:r>
+            <a:endParaRPr lang="en-US" dirty="0"/>
+          </a:p>
+        </p:txBody>
+      </p:sp>
+    </p:spTree>
+    <p:extLst>
+      <p:ext uri="{BB962C8B-B14F-4D97-AF65-F5344CB8AC3E}">
+        <p14:creationId xmlns:p14="http://schemas.microsoft.com/office/powerpoint/2010/main" val="1260493395"/>
+      </p:ext>
+    </p:extLst>
+  </p:cSld>
+  <p:clrMapOvr>
+    <a:masterClrMapping/>
+  </p:clrMapOvr>
+  <p:timing>
+    <p:tnLst>
+      <p:par>
+        <p:cTn id="1" dur="indefinite" restart="never" nodeType="tmRoot"/>
+      </p:par>
+    </p:tnLst>
+  </p:timing>
+</p:sld>
+</file>
+
+<file path=ppt/slides/slide94.xml><?xml version="1.0" encoding="utf-8"?>
 <p:sld xmlns:a="http://schemas.openxmlformats.org/drawingml/2006/main" xmlns:r="http://schemas.openxmlformats.org/officeDocument/2006/relationships" xmlns:p="http://schemas.openxmlformats.org/presentationml/2006/main">
   <p:cSld>
     <p:bg>
@@ -40600,6 +45144,36 @@
           <a:bodyPr/>
           <a:lstStyle/>
           <a:p>
+            <a:r>
+              <a:rPr lang="en-US" dirty="0" smtClean="0"/>
+              <a:t>What are file types?</a:t>
+            </a:r>
+          </a:p>
+          <a:p>
+            <a:pPr lvl="1"/>
+            <a:r>
+              <a:rPr lang="en-US" dirty="0" smtClean="0"/>
+              <a:t>Data can be expressed in numerous ways – JSON, XML, CSV, TXT, BIN, DOC, XLS, PPT</a:t>
+            </a:r>
+          </a:p>
+          <a:p>
+            <a:pPr lvl="1"/>
+            <a:r>
+              <a:rPr lang="en-US" dirty="0" smtClean="0"/>
+              <a:t>File extension indicates data structure</a:t>
+            </a:r>
+          </a:p>
+          <a:p>
+            <a:pPr lvl="1"/>
+            <a:r>
+              <a:rPr lang="en-US" dirty="0" smtClean="0"/>
+              <a:t>Allows efficient and convenient data exchange</a:t>
+            </a:r>
+          </a:p>
+          <a:p>
+            <a:pPr marL="457200" lvl="1" indent="0">
+              <a:buNone/>
+            </a:pPr>
             <a:endParaRPr lang="en-US" dirty="0"/>
           </a:p>
         </p:txBody>
@@ -40621,7 +45195,7 @@
           <a:p>
             <a:r>
               <a:rPr lang="en-US" dirty="0" smtClean="0"/>
-              <a:t>Debugging: Examples</a:t>
+              <a:t>File types</a:t>
             </a:r>
             <a:endParaRPr lang="en-US" dirty="0"/>
           </a:p>
@@ -40630,77 +45204,7 @@
     </p:spTree>
     <p:extLst>
       <p:ext uri="{BB962C8B-B14F-4D97-AF65-F5344CB8AC3E}">
-        <p14:creationId xmlns:p14="http://schemas.microsoft.com/office/powerpoint/2010/main" val="1956684700"/>
-      </p:ext>
-    </p:extLst>
-  </p:cSld>
-  <p:clrMapOvr>
-    <a:masterClrMapping/>
-  </p:clrMapOvr>
-  <p:timing>
-    <p:tnLst>
-      <p:par>
-        <p:cTn id="1" dur="indefinite" restart="never" nodeType="tmRoot"/>
-      </p:par>
-    </p:tnLst>
-  </p:timing>
-</p:sld>
-</file>
-
-<file path=ppt/slides/slide94.xml><?xml version="1.0" encoding="utf-8"?>
-<p:sld xmlns:a="http://schemas.openxmlformats.org/drawingml/2006/main" xmlns:r="http://schemas.openxmlformats.org/officeDocument/2006/relationships" xmlns:p="http://schemas.openxmlformats.org/presentationml/2006/main">
-  <p:cSld>
-    <p:spTree>
-      <p:nvGrpSpPr>
-        <p:cNvPr id="1" name=""/>
-        <p:cNvGrpSpPr/>
-        <p:nvPr/>
-      </p:nvGrpSpPr>
-      <p:grpSpPr>
-        <a:xfrm>
-          <a:off x="0" y="0"/>
-          <a:ext cx="0" cy="0"/>
-          <a:chOff x="0" y="0"/>
-          <a:chExt cx="0" cy="0"/>
-        </a:xfrm>
-      </p:grpSpPr>
-      <p:sp>
-        <p:nvSpPr>
-          <p:cNvPr id="4" name="Title 3"/>
-          <p:cNvSpPr>
-            <a:spLocks noGrp="1"/>
-          </p:cNvSpPr>
-          <p:nvPr>
-            <p:ph type="title"/>
-          </p:nvPr>
-        </p:nvSpPr>
-        <p:spPr/>
-        <p:txBody>
-          <a:bodyPr>
-            <a:normAutofit/>
-          </a:bodyPr>
-          <a:lstStyle/>
-          <a:p>
-            <a:r>
-              <a:rPr lang="en-US" dirty="0" smtClean="0">
-                <a:solidFill>
-                  <a:srgbClr val="C4A174"/>
-                </a:solidFill>
-              </a:rPr>
-              <a:t>Exercise:</a:t>
-            </a:r>
-            <a:r>
-              <a:rPr lang="en-US" dirty="0" smtClean="0"/>
-              <a:t> Debugging</a:t>
-            </a:r>
-            <a:endParaRPr lang="en-US" dirty="0"/>
-          </a:p>
-        </p:txBody>
-      </p:sp>
-    </p:spTree>
-    <p:extLst>
-      <p:ext uri="{BB962C8B-B14F-4D97-AF65-F5344CB8AC3E}">
-        <p14:creationId xmlns:p14="http://schemas.microsoft.com/office/powerpoint/2010/main" val="1260493395"/>
+        <p14:creationId xmlns:p14="http://schemas.microsoft.com/office/powerpoint/2010/main" val="1081349820"/>
       </p:ext>
     </p:extLst>
   </p:cSld>
@@ -40759,34 +45263,42 @@
           <a:p>
             <a:r>
               <a:rPr lang="en-US" dirty="0" smtClean="0"/>
-              <a:t>What are file types?</a:t>
+              <a:t>What does ‘IO’ mean?</a:t>
+            </a:r>
+          </a:p>
+          <a:p>
+            <a:r>
+              <a:rPr lang="en-US" dirty="0" smtClean="0"/>
+              <a:t>How do we interact with files?</a:t>
             </a:r>
           </a:p>
           <a:p>
             <a:pPr lvl="1"/>
             <a:r>
               <a:rPr lang="en-US" dirty="0" smtClean="0"/>
-              <a:t>Data can be expressed in numerous ways – JSON, XML, CSV, TXT, BIN, DOC, XLS, PPT</a:t>
-            </a:r>
-          </a:p>
-          <a:p>
-            <a:pPr lvl="1"/>
+              <a:t>What’s the ‘path’ to the file?</a:t>
+            </a:r>
+          </a:p>
+          <a:p>
+            <a:pPr lvl="2"/>
             <a:r>
               <a:rPr lang="en-US" dirty="0" smtClean="0"/>
-              <a:t>File extension indicates data structure</a:t>
-            </a:r>
-          </a:p>
-          <a:p>
-            <a:pPr lvl="1"/>
+              <a:t>The route from the root of the drive to the file</a:t>
+            </a:r>
+          </a:p>
+          <a:p>
+            <a:pPr lvl="2"/>
             <a:r>
               <a:rPr lang="en-US" dirty="0" smtClean="0"/>
-              <a:t>Allows efficient and convenient data exchange</a:t>
-            </a:r>
-          </a:p>
-          <a:p>
-            <a:pPr marL="457200" lvl="1" indent="0">
-              <a:buNone/>
-            </a:pPr>
+              <a:t>Operating systems express paths differently</a:t>
+            </a:r>
+          </a:p>
+          <a:p>
+            <a:pPr lvl="3"/>
+            <a:endParaRPr lang="en-US" dirty="0" smtClean="0"/>
+          </a:p>
+          <a:p>
+            <a:pPr lvl="3"/>
             <a:endParaRPr lang="en-US" dirty="0"/>
           </a:p>
         </p:txBody>
@@ -40808,7 +45320,7 @@
           <a:p>
             <a:r>
               <a:rPr lang="en-US" dirty="0" smtClean="0"/>
-              <a:t>File types</a:t>
+              <a:t>File IO</a:t>
             </a:r>
             <a:endParaRPr lang="en-US" dirty="0"/>
           </a:p>
@@ -40817,7 +45329,7 @@
     </p:spTree>
     <p:extLst>
       <p:ext uri="{BB962C8B-B14F-4D97-AF65-F5344CB8AC3E}">
-        <p14:creationId xmlns:p14="http://schemas.microsoft.com/office/powerpoint/2010/main" val="1081349820"/>
+        <p14:creationId xmlns:p14="http://schemas.microsoft.com/office/powerpoint/2010/main" val="2677945179"/>
       </p:ext>
     </p:extLst>
   </p:cSld>
@@ -40871,73 +45383,49 @@
         </p:nvSpPr>
         <p:spPr/>
         <p:txBody>
-          <a:bodyPr/>
+          <a:bodyPr>
+            <a:normAutofit/>
+          </a:bodyPr>
           <a:lstStyle/>
           <a:p>
+            <a:pPr marL="457200" lvl="2" indent="-457200"/>
+            <a:r>
+              <a:rPr lang="en-US" dirty="0"/>
+              <a:t>How do we account for the differences in path syntax between operating systems?</a:t>
+            </a:r>
+          </a:p>
+          <a:p>
+            <a:pPr lvl="1"/>
             <a:r>
               <a:rPr lang="en-US" dirty="0" smtClean="0"/>
-              <a:t>What does ‘IO’ mean?</a:t>
-            </a:r>
-          </a:p>
-          <a:p>
+              <a:t>In Python, use the </a:t>
+            </a:r>
+            <a:r>
+              <a:rPr lang="en-US" dirty="0" err="1" smtClean="0"/>
+              <a:t>os.path</a:t>
+            </a:r>
             <a:r>
               <a:rPr lang="en-US" dirty="0" smtClean="0"/>
-              <a:t>How do we interact with files?</a:t>
+              <a:t> module</a:t>
             </a:r>
           </a:p>
           <a:p>
             <a:pPr lvl="1"/>
             <a:r>
               <a:rPr lang="en-US" dirty="0" smtClean="0"/>
-              <a:t>What’s the ‘path’ to the file?</a:t>
-            </a:r>
-          </a:p>
-          <a:p>
-            <a:pPr lvl="2"/>
+              <a:t>Python always loads the path module suitable for the operating system it is running on</a:t>
+            </a:r>
+          </a:p>
+          <a:p>
+            <a:pPr lvl="1"/>
             <a:r>
               <a:rPr lang="en-US" dirty="0" smtClean="0"/>
-              <a:t>The route from the root of the drive to the file</a:t>
-            </a:r>
-          </a:p>
-          <a:p>
-            <a:pPr lvl="2"/>
+              <a:t>Specific modules can be loaded to manipulate paths that are always in one of the different </a:t>
+            </a:r>
             <a:r>
               <a:rPr lang="en-US" dirty="0" smtClean="0"/>
-              <a:t>Operating systems express paths differently</a:t>
-            </a:r>
-          </a:p>
-          <a:p>
-            <a:pPr lvl="3"/>
-            <a:r>
-              <a:rPr lang="en-US" dirty="0"/>
-              <a:t>C:\</a:t>
-            </a:r>
-            <a:r>
-              <a:rPr lang="en-US" dirty="0" smtClean="0"/>
-              <a:t>Windows\System32</a:t>
-            </a:r>
-          </a:p>
-          <a:p>
-            <a:pPr lvl="3"/>
-            <a:r>
-              <a:rPr lang="en-US" dirty="0" smtClean="0"/>
-              <a:t>/</a:t>
-            </a:r>
-            <a:r>
-              <a:rPr lang="en-US" dirty="0" err="1" smtClean="0"/>
-              <a:t>usr</a:t>
-            </a:r>
-            <a:r>
-              <a:rPr lang="en-US" dirty="0" smtClean="0"/>
-              <a:t>/bin</a:t>
-            </a:r>
-          </a:p>
-          <a:p>
-            <a:pPr lvl="3"/>
-            <a:endParaRPr lang="en-US" dirty="0" smtClean="0"/>
-          </a:p>
-          <a:p>
-            <a:pPr lvl="3"/>
+              <a:t>formats</a:t>
+            </a:r>
             <a:endParaRPr lang="en-US" dirty="0"/>
           </a:p>
         </p:txBody>
@@ -40965,119 +45453,10 @@
           </a:p>
         </p:txBody>
       </p:sp>
-      <p:sp>
-        <p:nvSpPr>
-          <p:cNvPr id="5" name="Rectangle 2"/>
-          <p:cNvSpPr>
-            <a:spLocks noChangeArrowheads="1"/>
-          </p:cNvSpPr>
-          <p:nvPr/>
-        </p:nvSpPr>
-        <p:spPr bwMode="auto">
-          <a:xfrm>
-            <a:off x="0" y="0"/>
-            <a:ext cx="12192000" cy="457200"/>
-          </a:xfrm>
-          <a:prstGeom prst="rect">
-            <a:avLst/>
-          </a:prstGeom>
-          <a:solidFill>
-            <a:srgbClr val="FFFFFF"/>
-          </a:solidFill>
-          <a:ln>
-            <a:noFill/>
-          </a:ln>
-          <a:effectLst/>
-          <a:extLst>
-            <a:ext uri="{91240B29-F687-4F45-9708-019B960494DF}">
-              <a14:hiddenLine xmlns:a14="http://schemas.microsoft.com/office/drawing/2010/main" w="9525">
-                <a:solidFill>
-                  <a:schemeClr val="tx1"/>
-                </a:solidFill>
-                <a:miter lim="800000"/>
-                <a:headEnd/>
-                <a:tailEnd/>
-              </a14:hiddenLine>
-            </a:ext>
-            <a:ext uri="{AF507438-7753-43E0-B8FC-AC1667EBCBE1}">
-              <a14:hiddenEffects xmlns:a14="http://schemas.microsoft.com/office/drawing/2010/main">
-                <a:effectLst>
-                  <a:outerShdw dist="35921" dir="2700000" algn="ctr" rotWithShape="0">
-                    <a:schemeClr val="bg2"/>
-                  </a:outerShdw>
-                </a:effectLst>
-              </a14:hiddenEffects>
-            </a:ext>
-          </a:extLst>
-        </p:spPr>
-        <p:txBody>
-          <a:bodyPr vert="horz" wrap="none" lIns="91440" tIns="45720" rIns="91440" bIns="45720" numCol="1" anchor="ctr" anchorCtr="0" compatLnSpc="1">
-            <a:prstTxWarp prst="textNoShape">
-              <a:avLst/>
-            </a:prstTxWarp>
-            <a:spAutoFit/>
-          </a:bodyPr>
-          <a:lstStyle/>
-          <a:p>
-            <a:pPr marL="0" marR="0" lvl="0" indent="0" algn="l" defTabSz="914400" rtl="0" eaLnBrk="0" fontAlgn="base" latinLnBrk="0" hangingPunct="0">
-              <a:lnSpc>
-                <a:spcPct val="100000"/>
-              </a:lnSpc>
-              <a:spcBef>
-                <a:spcPct val="0"/>
-              </a:spcBef>
-              <a:spcAft>
-                <a:spcPct val="0"/>
-              </a:spcAft>
-              <a:buClrTx/>
-              <a:buSzTx/>
-              <a:buFontTx/>
-              <a:buNone/>
-              <a:tabLst/>
-            </a:pPr>
-            <a:r>
-              <a:rPr kumimoji="0" lang="en-US" sz="1000" b="1" i="0" u="none" strike="noStrike" cap="none" normalizeH="0" baseline="0" smtClean="0">
-                <a:ln>
-                  <a:noFill/>
-                </a:ln>
-                <a:solidFill>
-                  <a:srgbClr val="000000"/>
-                </a:solidFill>
-                <a:effectLst/>
-                <a:latin typeface="Arial Unicode MS" panose="020B0604020202020204" pitchFamily="34" charset="-128"/>
-                <a:cs typeface="Times New Roman" panose="02020603050405020304" pitchFamily="18" charset="0"/>
-              </a:rPr>
-              <a:t>/dev/hda</a:t>
-            </a:r>
-            <a:r>
-              <a:rPr kumimoji="0" lang="en-US" sz="800" b="0" i="0" u="none" strike="noStrike" cap="none" normalizeH="0" baseline="0" smtClean="0">
-                <a:ln>
-                  <a:noFill/>
-                </a:ln>
-                <a:solidFill>
-                  <a:schemeClr val="tx1"/>
-                </a:solidFill>
-                <a:effectLst/>
-              </a:rPr>
-              <a:t> </a:t>
-            </a:r>
-            <a:endParaRPr kumimoji="0" lang="en-US" sz="1800" b="0" i="0" u="none" strike="noStrike" cap="none" normalizeH="0" baseline="0" smtClean="0">
-              <a:ln>
-                <a:noFill/>
-              </a:ln>
-              <a:solidFill>
-                <a:schemeClr val="tx1"/>
-              </a:solidFill>
-              <a:effectLst/>
-              <a:latin typeface="Arial" panose="020B0604020202020204" pitchFamily="34" charset="0"/>
-            </a:endParaRPr>
-          </a:p>
-        </p:txBody>
-      </p:sp>
     </p:spTree>
     <p:extLst>
       <p:ext uri="{BB962C8B-B14F-4D97-AF65-F5344CB8AC3E}">
-        <p14:creationId xmlns:p14="http://schemas.microsoft.com/office/powerpoint/2010/main" val="2677945179"/>
+        <p14:creationId xmlns:p14="http://schemas.microsoft.com/office/powerpoint/2010/main" val="1106993298"/>
       </p:ext>
     </p:extLst>
   </p:cSld>
@@ -41121,106 +45500,6 @@
       </p:grpSpPr>
       <p:sp>
         <p:nvSpPr>
-          <p:cNvPr id="4" name="Content Placeholder 3"/>
-          <p:cNvSpPr>
-            <a:spLocks noGrp="1"/>
-          </p:cNvSpPr>
-          <p:nvPr>
-            <p:ph idx="1"/>
-          </p:nvPr>
-        </p:nvSpPr>
-        <p:spPr/>
-        <p:txBody>
-          <a:bodyPr>
-            <a:normAutofit lnSpcReduction="10000"/>
-          </a:bodyPr>
-          <a:lstStyle/>
-          <a:p>
-            <a:pPr marL="457200" lvl="2" indent="-457200"/>
-            <a:r>
-              <a:rPr lang="en-US" dirty="0"/>
-              <a:t>How do we account for the differences in path syntax between operating systems?</a:t>
-            </a:r>
-          </a:p>
-          <a:p>
-            <a:pPr lvl="1"/>
-            <a:r>
-              <a:rPr lang="en-US" dirty="0" smtClean="0"/>
-              <a:t>In Python, use the </a:t>
-            </a:r>
-            <a:r>
-              <a:rPr lang="en-US" dirty="0" err="1" smtClean="0"/>
-              <a:t>os.path</a:t>
-            </a:r>
-            <a:r>
-              <a:rPr lang="en-US" dirty="0" smtClean="0"/>
-              <a:t> module</a:t>
-            </a:r>
-          </a:p>
-          <a:p>
-            <a:pPr lvl="1"/>
-            <a:r>
-              <a:rPr lang="en-US" dirty="0" smtClean="0"/>
-              <a:t>Python always loads the path module suitable for the operating system it is running on</a:t>
-            </a:r>
-          </a:p>
-          <a:p>
-            <a:pPr lvl="1"/>
-            <a:r>
-              <a:rPr lang="en-US" dirty="0" smtClean="0"/>
-              <a:t>Specific modules can be loaded to manipulate paths that are always in one of the different formats, such as</a:t>
-            </a:r>
-          </a:p>
-          <a:p>
-            <a:pPr lvl="2"/>
-            <a:r>
-              <a:rPr lang="en-US" dirty="0" err="1" smtClean="0"/>
-              <a:t>posixpath</a:t>
-            </a:r>
-            <a:r>
-              <a:rPr lang="en-US" dirty="0" smtClean="0"/>
-              <a:t> for Unix-style paths</a:t>
-            </a:r>
-          </a:p>
-          <a:p>
-            <a:pPr lvl="2"/>
-            <a:r>
-              <a:rPr lang="en-US" dirty="0" err="1"/>
-              <a:t>n</a:t>
-            </a:r>
-            <a:r>
-              <a:rPr lang="en-US" dirty="0" err="1" smtClean="0"/>
-              <a:t>tpath</a:t>
-            </a:r>
-            <a:r>
-              <a:rPr lang="en-US" dirty="0" smtClean="0"/>
-              <a:t> for Windows-style paths</a:t>
-            </a:r>
-          </a:p>
-          <a:p>
-            <a:pPr lvl="2"/>
-            <a:r>
-              <a:rPr lang="en-US" dirty="0" err="1" smtClean="0"/>
-              <a:t>macpath</a:t>
-            </a:r>
-            <a:r>
-              <a:rPr lang="en-US" dirty="0" smtClean="0"/>
-              <a:t> for old-style </a:t>
-            </a:r>
-            <a:r>
-              <a:rPr lang="en-US" dirty="0" err="1" smtClean="0"/>
-              <a:t>MacOS</a:t>
-            </a:r>
-            <a:r>
-              <a:rPr lang="en-US" dirty="0" smtClean="0"/>
-              <a:t> paths</a:t>
-            </a:r>
-            <a:endParaRPr lang="en-US" dirty="0"/>
-          </a:p>
-        </p:txBody>
-      </p:sp>
-      <p:sp>
-        <p:nvSpPr>
           <p:cNvPr id="3" name="Title 2"/>
           <p:cNvSpPr>
             <a:spLocks noGrp="1"/>
@@ -41242,10 +45521,300 @@
           </a:p>
         </p:txBody>
       </p:sp>
+      <p:graphicFrame>
+        <p:nvGraphicFramePr>
+          <p:cNvPr id="5" name="Content Placeholder 4"/>
+          <p:cNvGraphicFramePr>
+            <a:graphicFrameLocks/>
+          </p:cNvGraphicFramePr>
+          <p:nvPr>
+            <p:extLst>
+              <p:ext uri="{D42A27DB-BD31-4B8C-83A1-F6EECF244321}">
+                <p14:modId xmlns:p14="http://schemas.microsoft.com/office/powerpoint/2010/main" val="2340586745"/>
+              </p:ext>
+            </p:extLst>
+          </p:nvPr>
+        </p:nvGraphicFramePr>
+        <p:xfrm>
+          <a:off x="695400" y="1700808"/>
+          <a:ext cx="10945216" cy="1483360"/>
+        </p:xfrm>
+        <a:graphic>
+          <a:graphicData uri="http://schemas.openxmlformats.org/drawingml/2006/table">
+            <a:tbl>
+              <a:tblPr firstRow="1" bandRow="1">
+                <a:tableStyleId>{5C22544A-7EE6-4342-B048-85BDC9FD1C3A}</a:tableStyleId>
+              </a:tblPr>
+              <a:tblGrid>
+                <a:gridCol w="1412717"/>
+                <a:gridCol w="6125026"/>
+                <a:gridCol w="3407473"/>
+              </a:tblGrid>
+              <a:tr h="370840">
+                <a:tc>
+                  <a:txBody>
+                    <a:bodyPr/>
+                    <a:lstStyle/>
+                    <a:p>
+                      <a:r>
+                        <a:rPr lang="en-GB" dirty="0" smtClean="0"/>
+                        <a:t>OS</a:t>
+                      </a:r>
+                      <a:endParaRPr lang="en-US" dirty="0"/>
+                    </a:p>
+                  </a:txBody>
+                  <a:tcPr/>
+                </a:tc>
+                <a:tc>
+                  <a:txBody>
+                    <a:bodyPr/>
+                    <a:lstStyle/>
+                    <a:p>
+                      <a:r>
+                        <a:rPr lang="en-GB" dirty="0" smtClean="0"/>
+                        <a:t>Path Example</a:t>
+                      </a:r>
+                      <a:endParaRPr lang="en-US" dirty="0"/>
+                    </a:p>
+                  </a:txBody>
+                  <a:tcPr/>
+                </a:tc>
+                <a:tc>
+                  <a:txBody>
+                    <a:bodyPr/>
+                    <a:lstStyle/>
+                    <a:p>
+                      <a:r>
+                        <a:rPr lang="en-US" dirty="0" smtClean="0"/>
+                        <a:t>Path Module</a:t>
+                      </a:r>
+                      <a:endParaRPr lang="en-US" dirty="0"/>
+                    </a:p>
+                  </a:txBody>
+                  <a:tcPr/>
+                </a:tc>
+              </a:tr>
+              <a:tr h="370840">
+                <a:tc>
+                  <a:txBody>
+                    <a:bodyPr/>
+                    <a:lstStyle/>
+                    <a:p>
+                      <a:pPr algn="ctr"/>
+                      <a:r>
+                        <a:rPr lang="en-GB" dirty="0" smtClean="0">
+                          <a:solidFill>
+                            <a:srgbClr val="0000FF"/>
+                          </a:solidFill>
+                          <a:latin typeface="Courier New" panose="02070309020205020404" pitchFamily="49" charset="0"/>
+                          <a:cs typeface="Courier New" panose="02070309020205020404" pitchFamily="49" charset="0"/>
+                        </a:rPr>
+                        <a:t>Windows</a:t>
+                      </a:r>
+                      <a:endParaRPr lang="en-US" dirty="0">
+                        <a:solidFill>
+                          <a:srgbClr val="0000FF"/>
+                        </a:solidFill>
+                        <a:latin typeface="Courier New" panose="02070309020205020404" pitchFamily="49" charset="0"/>
+                        <a:cs typeface="Courier New" panose="02070309020205020404" pitchFamily="49" charset="0"/>
+                      </a:endParaRPr>
+                    </a:p>
+                  </a:txBody>
+                  <a:tcPr/>
+                </a:tc>
+                <a:tc>
+                  <a:txBody>
+                    <a:bodyPr/>
+                    <a:lstStyle/>
+                    <a:p>
+                      <a:r>
+                        <a:rPr lang="en-GB" dirty="0" smtClean="0"/>
+                        <a:t>C:\Windows\System32</a:t>
+                      </a:r>
+                      <a:endParaRPr lang="en-US" dirty="0"/>
+                    </a:p>
+                  </a:txBody>
+                  <a:tcPr/>
+                </a:tc>
+                <a:tc>
+                  <a:txBody>
+                    <a:bodyPr/>
+                    <a:lstStyle/>
+                    <a:p>
+                      <a:pPr marL="0" marR="0" indent="0" algn="l" defTabSz="914400" rtl="0" eaLnBrk="1" fontAlgn="auto" latinLnBrk="0" hangingPunct="1">
+                        <a:lnSpc>
+                          <a:spcPct val="100000"/>
+                        </a:lnSpc>
+                        <a:spcBef>
+                          <a:spcPts val="0"/>
+                        </a:spcBef>
+                        <a:spcAft>
+                          <a:spcPts val="0"/>
+                        </a:spcAft>
+                        <a:buClrTx/>
+                        <a:buSzTx/>
+                        <a:buFont typeface="Arial" panose="020B0604020202020204" pitchFamily="34" charset="0"/>
+                        <a:buNone/>
+                        <a:tabLst/>
+                        <a:defRPr/>
+                      </a:pPr>
+                      <a:r>
+                        <a:rPr lang="en-US" dirty="0" err="1" smtClean="0"/>
+                        <a:t>ntpath</a:t>
+                      </a:r>
+                      <a:endParaRPr lang="en-US" baseline="0" dirty="0" smtClean="0"/>
+                    </a:p>
+                  </a:txBody>
+                  <a:tcPr/>
+                </a:tc>
+              </a:tr>
+              <a:tr h="370840">
+                <a:tc>
+                  <a:txBody>
+                    <a:bodyPr/>
+                    <a:lstStyle/>
+                    <a:p>
+                      <a:pPr algn="ctr"/>
+                      <a:r>
+                        <a:rPr lang="en-GB" dirty="0" smtClean="0">
+                          <a:solidFill>
+                            <a:srgbClr val="0000FF"/>
+                          </a:solidFill>
+                          <a:latin typeface="Courier New" panose="02070309020205020404" pitchFamily="49" charset="0"/>
+                          <a:cs typeface="Courier New" panose="02070309020205020404" pitchFamily="49" charset="0"/>
+                        </a:rPr>
+                        <a:t>Unix</a:t>
+                      </a:r>
+                      <a:endParaRPr lang="en-US" dirty="0">
+                        <a:solidFill>
+                          <a:srgbClr val="0000FF"/>
+                        </a:solidFill>
+                        <a:latin typeface="Courier New" panose="02070309020205020404" pitchFamily="49" charset="0"/>
+                        <a:cs typeface="Courier New" panose="02070309020205020404" pitchFamily="49" charset="0"/>
+                      </a:endParaRPr>
+                    </a:p>
+                  </a:txBody>
+                  <a:tcPr/>
+                </a:tc>
+                <a:tc>
+                  <a:txBody>
+                    <a:bodyPr/>
+                    <a:lstStyle/>
+                    <a:p>
+                      <a:r>
+                        <a:rPr lang="en-GB" dirty="0" smtClean="0"/>
+                        <a:t>/</a:t>
+                      </a:r>
+                      <a:r>
+                        <a:rPr lang="en-GB" dirty="0" err="1" smtClean="0"/>
+                        <a:t>usr</a:t>
+                      </a:r>
+                      <a:r>
+                        <a:rPr lang="en-GB" dirty="0" smtClean="0"/>
+                        <a:t>/bin/</a:t>
+                      </a:r>
+                      <a:endParaRPr lang="en-US" dirty="0"/>
+                    </a:p>
+                  </a:txBody>
+                  <a:tcPr/>
+                </a:tc>
+                <a:tc>
+                  <a:txBody>
+                    <a:bodyPr/>
+                    <a:lstStyle/>
+                    <a:p>
+                      <a:pPr marL="0" marR="0" indent="0" algn="l" defTabSz="914400" rtl="0" eaLnBrk="1" fontAlgn="auto" latinLnBrk="0" hangingPunct="1">
+                        <a:lnSpc>
+                          <a:spcPct val="100000"/>
+                        </a:lnSpc>
+                        <a:spcBef>
+                          <a:spcPts val="0"/>
+                        </a:spcBef>
+                        <a:spcAft>
+                          <a:spcPts val="0"/>
+                        </a:spcAft>
+                        <a:buClrTx/>
+                        <a:buSzTx/>
+                        <a:buFont typeface="Arial" panose="020B0604020202020204" pitchFamily="34" charset="0"/>
+                        <a:buNone/>
+                        <a:tabLst/>
+                        <a:defRPr/>
+                      </a:pPr>
+                      <a:r>
+                        <a:rPr lang="en-US" dirty="0" err="1" smtClean="0"/>
+                        <a:t>posixpath</a:t>
+                      </a:r>
+                      <a:endParaRPr lang="en-US" dirty="0"/>
+                    </a:p>
+                  </a:txBody>
+                  <a:tcPr/>
+                </a:tc>
+              </a:tr>
+              <a:tr h="370840">
+                <a:tc>
+                  <a:txBody>
+                    <a:bodyPr/>
+                    <a:lstStyle/>
+                    <a:p>
+                      <a:pPr algn="ctr"/>
+                      <a:r>
+                        <a:rPr lang="en-US" dirty="0" err="1" smtClean="0">
+                          <a:solidFill>
+                            <a:srgbClr val="0000FF"/>
+                          </a:solidFill>
+                          <a:latin typeface="Courier New" panose="02070309020205020404" pitchFamily="49" charset="0"/>
+                          <a:cs typeface="Courier New" panose="02070309020205020404" pitchFamily="49" charset="0"/>
+                        </a:rPr>
+                        <a:t>MacOS</a:t>
+                      </a:r>
+                      <a:endParaRPr lang="en-US" dirty="0">
+                        <a:solidFill>
+                          <a:srgbClr val="0000FF"/>
+                        </a:solidFill>
+                        <a:latin typeface="Courier New" panose="02070309020205020404" pitchFamily="49" charset="0"/>
+                        <a:cs typeface="Courier New" panose="02070309020205020404" pitchFamily="49" charset="0"/>
+                      </a:endParaRPr>
+                    </a:p>
+                  </a:txBody>
+                  <a:tcPr/>
+                </a:tc>
+                <a:tc>
+                  <a:txBody>
+                    <a:bodyPr/>
+                    <a:lstStyle/>
+                    <a:p>
+                      <a:endParaRPr lang="en-US" dirty="0"/>
+                    </a:p>
+                  </a:txBody>
+                  <a:tcPr/>
+                </a:tc>
+                <a:tc>
+                  <a:txBody>
+                    <a:bodyPr/>
+                    <a:lstStyle/>
+                    <a:p>
+                      <a:pPr marL="0" indent="0">
+                        <a:buFont typeface="Arial" panose="020B0604020202020204" pitchFamily="34" charset="0"/>
+                        <a:buNone/>
+                      </a:pPr>
+                      <a:r>
+                        <a:rPr lang="en-US" dirty="0" err="1" smtClean="0"/>
+                        <a:t>macpath</a:t>
+                      </a:r>
+                      <a:endParaRPr lang="en-US" dirty="0"/>
+                    </a:p>
+                  </a:txBody>
+                  <a:tcPr/>
+                </a:tc>
+              </a:tr>
+            </a:tbl>
+          </a:graphicData>
+        </a:graphic>
+      </p:graphicFrame>
     </p:spTree>
     <p:extLst>
       <p:ext uri="{BB962C8B-B14F-4D97-AF65-F5344CB8AC3E}">
-        <p14:creationId xmlns:p14="http://schemas.microsoft.com/office/powerpoint/2010/main" val="1106993298"/>
+        <p14:creationId xmlns:p14="http://schemas.microsoft.com/office/powerpoint/2010/main" val="1238432229"/>
       </p:ext>
     </p:extLst>
   </p:cSld>
